--- a/For T5/蒋学渊_2015年春工作述职.pptx
+++ b/For T5/蒋学渊_2015年春工作述职.pptx
@@ -5,26 +5,25 @@
     <p:sldMasterId id="2147483651" r:id="rId1"/>
   </p:sldMasterIdLst>
   <p:notesMasterIdLst>
-    <p:notesMasterId r:id="rId16"/>
+    <p:notesMasterId r:id="rId15"/>
   </p:notesMasterIdLst>
   <p:handoutMasterIdLst>
-    <p:handoutMasterId r:id="rId17"/>
+    <p:handoutMasterId r:id="rId16"/>
   </p:handoutMasterIdLst>
   <p:sldIdLst>
     <p:sldId id="256" r:id="rId2"/>
     <p:sldId id="317" r:id="rId3"/>
     <p:sldId id="318" r:id="rId4"/>
     <p:sldId id="322" r:id="rId5"/>
-    <p:sldId id="325" r:id="rId6"/>
+    <p:sldId id="332" r:id="rId6"/>
     <p:sldId id="329" r:id="rId7"/>
-    <p:sldId id="328" r:id="rId8"/>
-    <p:sldId id="326" r:id="rId9"/>
-    <p:sldId id="327" r:id="rId10"/>
-    <p:sldId id="323" r:id="rId11"/>
-    <p:sldId id="324" r:id="rId12"/>
-    <p:sldId id="316" r:id="rId13"/>
-    <p:sldId id="312" r:id="rId14"/>
-    <p:sldId id="271" r:id="rId15"/>
+    <p:sldId id="326" r:id="rId8"/>
+    <p:sldId id="327" r:id="rId9"/>
+    <p:sldId id="323" r:id="rId10"/>
+    <p:sldId id="324" r:id="rId11"/>
+    <p:sldId id="316" r:id="rId12"/>
+    <p:sldId id="312" r:id="rId13"/>
+    <p:sldId id="271" r:id="rId14"/>
   </p:sldIdLst>
   <p:sldSz cx="9144000" cy="5715000" type="screen16x10"/>
   <p:notesSz cx="6797675" cy="9874250"/>
@@ -956,7 +955,7 @@
       <dgm:prSet phldrT="[Text]" custT="1"/>
       <dgm:spPr>
         <a:solidFill>
-          <a:srgbClr val="6666FF"/>
+          <a:srgbClr val="92D050"/>
         </a:solidFill>
       </dgm:spPr>
       <dgm:t>
@@ -1089,7 +1088,7 @@
       <dgm:prSet phldrT="[Text]" custT="1"/>
       <dgm:spPr>
         <a:solidFill>
-          <a:srgbClr val="92D050"/>
+          <a:srgbClr val="41B513"/>
         </a:solidFill>
       </dgm:spPr>
       <dgm:t>
@@ -1236,7 +1235,14 @@
     </dgm:pt>
     <dgm:pt modelId="{0565734D-EF05-4E2B-8813-5A81D6A55741}">
       <dgm:prSet custT="1"/>
-      <dgm:spPr/>
+      <dgm:spPr>
+        <a:solidFill>
+          <a:schemeClr val="bg1">
+            <a:lumMod val="85000"/>
+            <a:alpha val="90000"/>
+          </a:schemeClr>
+        </a:solidFill>
+      </dgm:spPr>
       <dgm:t>
         <a:bodyPr/>
         <a:lstStyle/>
@@ -1357,6 +1363,16 @@
         </a:p>
         <a:p>
           <a:r>
+            <a:rPr lang="en-US" altLang="zh-CN" sz="1200" b="1" dirty="0" smtClean="0">
+              <a:solidFill>
+                <a:schemeClr val="tx1"/>
+              </a:solidFill>
+              <a:latin typeface="微软雅黑" pitchFamily="34" charset="-122"/>
+              <a:ea typeface="微软雅黑" pitchFamily="34" charset="-122"/>
+            </a:rPr>
+            <a:t>【</a:t>
+          </a:r>
+          <a:r>
             <a:rPr lang="zh-CN" altLang="en-US" sz="1200" b="1" dirty="0" smtClean="0">
               <a:solidFill>
                 <a:schemeClr val="tx1"/>
@@ -1374,27 +1390,7 @@
               <a:latin typeface="微软雅黑" pitchFamily="34" charset="-122"/>
               <a:ea typeface="微软雅黑" pitchFamily="34" charset="-122"/>
             </a:rPr>
-            <a:t>T4</a:t>
-          </a:r>
-          <a:r>
-            <a:rPr lang="zh-CN" altLang="en-US" sz="1200" b="1" dirty="0" smtClean="0">
-              <a:solidFill>
-                <a:schemeClr val="tx1"/>
-              </a:solidFill>
-              <a:latin typeface="微软雅黑" pitchFamily="34" charset="-122"/>
-              <a:ea typeface="微软雅黑" pitchFamily="34" charset="-122"/>
-            </a:rPr>
-            <a:t>，</a:t>
-          </a:r>
-          <a:r>
-            <a:rPr lang="en-US" altLang="zh-CN" sz="1200" b="1" dirty="0" smtClean="0">
-              <a:solidFill>
-                <a:schemeClr val="tx1"/>
-              </a:solidFill>
-              <a:latin typeface="微软雅黑" pitchFamily="34" charset="-122"/>
-              <a:ea typeface="微软雅黑" pitchFamily="34" charset="-122"/>
-            </a:rPr>
-            <a:t>KT</a:t>
+            <a:t>T4】KT</a:t>
           </a:r>
           <a:r>
             <a:rPr lang="zh-CN" altLang="en-US" sz="1200" b="1" dirty="0" smtClean="0">
@@ -1502,7 +1498,17 @@
               <a:latin typeface="微软雅黑" pitchFamily="34" charset="-122"/>
               <a:ea typeface="微软雅黑" pitchFamily="34" charset="-122"/>
             </a:rPr>
-            <a:t>开</a:t>
+            <a:t>开物</a:t>
+          </a:r>
+          <a:r>
+            <a:rPr lang="en-US" altLang="zh-CN" sz="1200" b="1" dirty="0" smtClean="0">
+              <a:solidFill>
+                <a:schemeClr val="tx1"/>
+              </a:solidFill>
+              <a:latin typeface="微软雅黑" pitchFamily="34" charset="-122"/>
+              <a:ea typeface="微软雅黑" pitchFamily="34" charset="-122"/>
+            </a:rPr>
+            <a:t>EPA</a:t>
           </a:r>
           <a:r>
             <a:rPr lang="zh-CN" altLang="en-US" sz="1200" b="1" dirty="0" smtClean="0">
@@ -1512,37 +1518,7 @@
               <a:latin typeface="微软雅黑" pitchFamily="34" charset="-122"/>
               <a:ea typeface="微软雅黑" pitchFamily="34" charset="-122"/>
             </a:rPr>
-            <a:t>物</a:t>
-          </a:r>
-          <a:r>
-            <a:rPr lang="en-US" altLang="zh-CN" sz="1200" b="1" dirty="0" smtClean="0">
-              <a:solidFill>
-                <a:schemeClr val="tx1"/>
-              </a:solidFill>
-              <a:latin typeface="微软雅黑" pitchFamily="34" charset="-122"/>
-              <a:ea typeface="微软雅黑" pitchFamily="34" charset="-122"/>
-            </a:rPr>
-            <a:t>EPA </a:t>
-          </a:r>
-          <a:r>
-            <a:rPr lang="en-US" altLang="zh-CN" sz="1200" b="1" dirty="0" smtClean="0">
-              <a:solidFill>
-                <a:schemeClr val="tx1"/>
-              </a:solidFill>
-              <a:latin typeface="微软雅黑" pitchFamily="34" charset="-122"/>
-              <a:ea typeface="微软雅黑" pitchFamily="34" charset="-122"/>
-            </a:rPr>
-            <a:t>tag</a:t>
-          </a:r>
-          <a:r>
-            <a:rPr lang="zh-CN" altLang="en-US" sz="1200" b="1" dirty="0" smtClean="0">
-              <a:solidFill>
-                <a:schemeClr val="tx1"/>
-              </a:solidFill>
-              <a:latin typeface="微软雅黑" pitchFamily="34" charset="-122"/>
-              <a:ea typeface="微软雅黑" pitchFamily="34" charset="-122"/>
-            </a:rPr>
-            <a:t>构建及转投</a:t>
+            <a:t>人群构建及转投</a:t>
           </a:r>
           <a:endParaRPr lang="en-US" sz="1200" b="1" dirty="0">
             <a:solidFill>
@@ -1801,7 +1777,7 @@
           <a:avLst/>
         </a:prstGeom>
         <a:solidFill>
-          <a:srgbClr val="92D050"/>
+          <a:srgbClr val="41B513"/>
         </a:solidFill>
         <a:ln w="25400" cap="flat" cmpd="sng" algn="ctr">
           <a:solidFill>
@@ -2135,7 +2111,17 @@
               <a:latin typeface="微软雅黑" pitchFamily="34" charset="-122"/>
               <a:ea typeface="微软雅黑" pitchFamily="34" charset="-122"/>
             </a:rPr>
-            <a:t>开</a:t>
+            <a:t>开物</a:t>
+          </a:r>
+          <a:r>
+            <a:rPr lang="en-US" altLang="zh-CN" sz="1200" b="1" kern="1200" dirty="0" smtClean="0">
+              <a:solidFill>
+                <a:schemeClr val="tx1"/>
+              </a:solidFill>
+              <a:latin typeface="微软雅黑" pitchFamily="34" charset="-122"/>
+              <a:ea typeface="微软雅黑" pitchFamily="34" charset="-122"/>
+            </a:rPr>
+            <a:t>EPA</a:t>
           </a:r>
           <a:r>
             <a:rPr lang="zh-CN" altLang="en-US" sz="1200" b="1" kern="1200" dirty="0" smtClean="0">
@@ -2145,37 +2131,7 @@
               <a:latin typeface="微软雅黑" pitchFamily="34" charset="-122"/>
               <a:ea typeface="微软雅黑" pitchFamily="34" charset="-122"/>
             </a:rPr>
-            <a:t>物</a:t>
-          </a:r>
-          <a:r>
-            <a:rPr lang="en-US" altLang="zh-CN" sz="1200" b="1" kern="1200" dirty="0" smtClean="0">
-              <a:solidFill>
-                <a:schemeClr val="tx1"/>
-              </a:solidFill>
-              <a:latin typeface="微软雅黑" pitchFamily="34" charset="-122"/>
-              <a:ea typeface="微软雅黑" pitchFamily="34" charset="-122"/>
-            </a:rPr>
-            <a:t>EPA </a:t>
-          </a:r>
-          <a:r>
-            <a:rPr lang="en-US" altLang="zh-CN" sz="1200" b="1" kern="1200" dirty="0" smtClean="0">
-              <a:solidFill>
-                <a:schemeClr val="tx1"/>
-              </a:solidFill>
-              <a:latin typeface="微软雅黑" pitchFamily="34" charset="-122"/>
-              <a:ea typeface="微软雅黑" pitchFamily="34" charset="-122"/>
-            </a:rPr>
-            <a:t>tag</a:t>
-          </a:r>
-          <a:r>
-            <a:rPr lang="zh-CN" altLang="en-US" sz="1200" b="1" kern="1200" dirty="0" smtClean="0">
-              <a:solidFill>
-                <a:schemeClr val="tx1"/>
-              </a:solidFill>
-              <a:latin typeface="微软雅黑" pitchFamily="34" charset="-122"/>
-              <a:ea typeface="微软雅黑" pitchFamily="34" charset="-122"/>
-            </a:rPr>
-            <a:t>构建及转投</a:t>
+            <a:t>人群构建及转投</a:t>
           </a:r>
           <a:endParaRPr lang="en-US" sz="1200" b="1" kern="1200" dirty="0">
             <a:solidFill>
@@ -2205,7 +2161,7 @@
           <a:avLst/>
         </a:prstGeom>
         <a:solidFill>
-          <a:srgbClr val="6666FF"/>
+          <a:srgbClr val="92D050"/>
         </a:solidFill>
         <a:ln w="25400" cap="flat" cmpd="sng" algn="ctr">
           <a:solidFill>
@@ -2422,13 +2378,9 @@
           <a:avLst/>
         </a:prstGeom>
         <a:solidFill>
-          <a:schemeClr val="accent5">
-            <a:tint val="40000"/>
+          <a:schemeClr val="bg1">
+            <a:lumMod val="85000"/>
             <a:alpha val="90000"/>
-            <a:hueOff val="2433812"/>
-            <a:satOff val="-17261"/>
-            <a:lumOff val="-9821"/>
-            <a:alphaOff val="0"/>
           </a:schemeClr>
         </a:solidFill>
         <a:ln w="25400" cap="flat" cmpd="sng" algn="ctr">
@@ -2655,6 +2607,16 @@
             </a:spcAft>
           </a:pPr>
           <a:r>
+            <a:rPr lang="en-US" altLang="zh-CN" sz="1200" b="1" kern="1200" dirty="0" smtClean="0">
+              <a:solidFill>
+                <a:schemeClr val="tx1"/>
+              </a:solidFill>
+              <a:latin typeface="微软雅黑" pitchFamily="34" charset="-122"/>
+              <a:ea typeface="微软雅黑" pitchFamily="34" charset="-122"/>
+            </a:rPr>
+            <a:t>【</a:t>
+          </a:r>
+          <a:r>
             <a:rPr lang="zh-CN" altLang="en-US" sz="1200" b="1" kern="1200" dirty="0" smtClean="0">
               <a:solidFill>
                 <a:schemeClr val="tx1"/>
@@ -2672,27 +2634,7 @@
               <a:latin typeface="微软雅黑" pitchFamily="34" charset="-122"/>
               <a:ea typeface="微软雅黑" pitchFamily="34" charset="-122"/>
             </a:rPr>
-            <a:t>T4</a:t>
-          </a:r>
-          <a:r>
-            <a:rPr lang="zh-CN" altLang="en-US" sz="1200" b="1" kern="1200" dirty="0" smtClean="0">
-              <a:solidFill>
-                <a:schemeClr val="tx1"/>
-              </a:solidFill>
-              <a:latin typeface="微软雅黑" pitchFamily="34" charset="-122"/>
-              <a:ea typeface="微软雅黑" pitchFamily="34" charset="-122"/>
-            </a:rPr>
-            <a:t>，</a:t>
-          </a:r>
-          <a:r>
-            <a:rPr lang="en-US" altLang="zh-CN" sz="1200" b="1" kern="1200" dirty="0" smtClean="0">
-              <a:solidFill>
-                <a:schemeClr val="tx1"/>
-              </a:solidFill>
-              <a:latin typeface="微软雅黑" pitchFamily="34" charset="-122"/>
-              <a:ea typeface="微软雅黑" pitchFamily="34" charset="-122"/>
-            </a:rPr>
-            <a:t>KT</a:t>
+            <a:t>T4】KT</a:t>
           </a:r>
           <a:r>
             <a:rPr lang="zh-CN" altLang="en-US" sz="1200" b="1" kern="1200" dirty="0" smtClean="0">
@@ -5274,7 +5216,7 @@
               <a:pPr>
                 <a:defRPr/>
               </a:pPr>
-              <a:t>11</a:t>
+              <a:t>10</a:t>
             </a:fld>
             <a:endParaRPr lang="en-US"/>
           </a:p>
@@ -5514,7 +5456,7 @@
             <a:fld id="{DDC193DB-5C1C-41DC-890E-4A0DD2BBFDE2}" type="slidenum">
               <a:rPr lang="en-US" altLang="zh-CN" smtClean="0"/>
               <a:pPr eaLnBrk="1" hangingPunct="1"/>
-              <a:t>12</a:t>
+              <a:t>11</a:t>
             </a:fld>
             <a:endParaRPr lang="en-US" altLang="zh-CN" smtClean="0"/>
           </a:p>
@@ -5599,7 +5541,7 @@
               <a:pPr>
                 <a:defRPr/>
               </a:pPr>
-              <a:t>13</a:t>
+              <a:t>12</a:t>
             </a:fld>
             <a:endParaRPr lang="en-US"/>
           </a:p>
@@ -5839,7 +5781,7 @@
             <a:fld id="{33439DA0-5310-4002-A5B4-23EA613F4FE7}" type="slidenum">
               <a:rPr lang="en-US" altLang="zh-CN" smtClean="0"/>
               <a:pPr eaLnBrk="1" hangingPunct="1"/>
-              <a:t>14</a:t>
+              <a:t>13</a:t>
             </a:fld>
             <a:endParaRPr lang="en-US" altLang="zh-CN" smtClean="0"/>
           </a:p>
@@ -7385,488 +7327,6 @@
       </p:grpSpPr>
       <p:sp>
         <p:nvSpPr>
-          <p:cNvPr id="3" name="标题 1"/>
-          <p:cNvSpPr txBox="1">
-            <a:spLocks/>
-          </p:cNvSpPr>
-          <p:nvPr/>
-        </p:nvSpPr>
-        <p:spPr bwMode="auto">
-          <a:xfrm>
-            <a:off x="282781" y="265212"/>
-            <a:ext cx="8362950" cy="720080"/>
-          </a:xfrm>
-          <a:prstGeom prst="rect">
-            <a:avLst/>
-          </a:prstGeom>
-          <a:noFill/>
-          <a:extLst>
-            <a:ext uri="{909E8E84-426E-40DD-AFC4-6F175D3DCCD1}">
-              <a14:hiddenFill xmlns:a14="http://schemas.microsoft.com/office/drawing/2010/main">
-                <a:solidFill>
-                  <a:srgbClr val="FFFFFF"/>
-                </a:solidFill>
-              </a14:hiddenFill>
-            </a:ext>
-            <a:ext uri="{91240B29-F687-4F45-9708-019B960494DF}">
-              <a14:hiddenLine xmlns:a14="http://schemas.microsoft.com/office/drawing/2010/main" w="9525">
-                <a:solidFill>
-                  <a:srgbClr val="000000"/>
-                </a:solidFill>
-                <a:miter lim="800000"/>
-                <a:headEnd/>
-                <a:tailEnd/>
-              </a14:hiddenLine>
-            </a:ext>
-          </a:extLst>
-        </p:spPr>
-        <p:txBody>
-          <a:bodyPr vert="horz" wrap="square" lIns="91440" tIns="45720" rIns="91440" bIns="45720" numCol="1" anchor="t" anchorCtr="0" compatLnSpc="1">
-            <a:prstTxWarp prst="textNoShape">
-              <a:avLst/>
-            </a:prstTxWarp>
-          </a:bodyPr>
-          <a:lstStyle>
-            <a:lvl1pPr algn="l" rtl="0" eaLnBrk="0" fontAlgn="base" hangingPunct="0">
-              <a:spcBef>
-                <a:spcPct val="0"/>
-              </a:spcBef>
-              <a:spcAft>
-                <a:spcPct val="0"/>
-              </a:spcAft>
-              <a:defRPr sz="3200" b="1">
-                <a:solidFill>
-                  <a:schemeClr val="bg1"/>
-                </a:solidFill>
-                <a:latin typeface="+mj-lt"/>
-                <a:ea typeface="+mj-ea"/>
-                <a:cs typeface="华文黑体"/>
-              </a:defRPr>
-            </a:lvl1pPr>
-            <a:lvl2pPr algn="l" rtl="0" eaLnBrk="0" fontAlgn="base" hangingPunct="0">
-              <a:spcBef>
-                <a:spcPct val="0"/>
-              </a:spcBef>
-              <a:spcAft>
-                <a:spcPct val="0"/>
-              </a:spcAft>
-              <a:defRPr sz="3200" b="1">
-                <a:solidFill>
-                  <a:schemeClr val="bg1"/>
-                </a:solidFill>
-                <a:latin typeface="Arial" charset="0"/>
-                <a:ea typeface="华文黑体" charset="-122"/>
-                <a:cs typeface="华文黑体"/>
-              </a:defRPr>
-            </a:lvl2pPr>
-            <a:lvl3pPr algn="l" rtl="0" eaLnBrk="0" fontAlgn="base" hangingPunct="0">
-              <a:spcBef>
-                <a:spcPct val="0"/>
-              </a:spcBef>
-              <a:spcAft>
-                <a:spcPct val="0"/>
-              </a:spcAft>
-              <a:defRPr sz="3200" b="1">
-                <a:solidFill>
-                  <a:schemeClr val="bg1"/>
-                </a:solidFill>
-                <a:latin typeface="Arial" charset="0"/>
-                <a:ea typeface="华文黑体" charset="-122"/>
-                <a:cs typeface="华文黑体"/>
-              </a:defRPr>
-            </a:lvl3pPr>
-            <a:lvl4pPr algn="l" rtl="0" eaLnBrk="0" fontAlgn="base" hangingPunct="0">
-              <a:spcBef>
-                <a:spcPct val="0"/>
-              </a:spcBef>
-              <a:spcAft>
-                <a:spcPct val="0"/>
-              </a:spcAft>
-              <a:defRPr sz="3200" b="1">
-                <a:solidFill>
-                  <a:schemeClr val="bg1"/>
-                </a:solidFill>
-                <a:latin typeface="Arial" charset="0"/>
-                <a:ea typeface="华文黑体" charset="-122"/>
-                <a:cs typeface="华文黑体"/>
-              </a:defRPr>
-            </a:lvl4pPr>
-            <a:lvl5pPr algn="l" rtl="0" eaLnBrk="0" fontAlgn="base" hangingPunct="0">
-              <a:spcBef>
-                <a:spcPct val="0"/>
-              </a:spcBef>
-              <a:spcAft>
-                <a:spcPct val="0"/>
-              </a:spcAft>
-              <a:defRPr sz="3200" b="1">
-                <a:solidFill>
-                  <a:schemeClr val="bg1"/>
-                </a:solidFill>
-                <a:latin typeface="Arial" charset="0"/>
-                <a:ea typeface="华文黑体" charset="-122"/>
-                <a:cs typeface="华文黑体"/>
-              </a:defRPr>
-            </a:lvl5pPr>
-            <a:lvl6pPr marL="457200" algn="l" rtl="0" fontAlgn="base">
-              <a:spcBef>
-                <a:spcPct val="0"/>
-              </a:spcBef>
-              <a:spcAft>
-                <a:spcPct val="0"/>
-              </a:spcAft>
-              <a:defRPr sz="3200" b="1">
-                <a:solidFill>
-                  <a:schemeClr val="bg1"/>
-                </a:solidFill>
-                <a:latin typeface="Arial" charset="0"/>
-                <a:ea typeface="华文黑体" charset="-122"/>
-              </a:defRPr>
-            </a:lvl6pPr>
-            <a:lvl7pPr marL="914400" algn="l" rtl="0" fontAlgn="base">
-              <a:spcBef>
-                <a:spcPct val="0"/>
-              </a:spcBef>
-              <a:spcAft>
-                <a:spcPct val="0"/>
-              </a:spcAft>
-              <a:defRPr sz="3200" b="1">
-                <a:solidFill>
-                  <a:schemeClr val="bg1"/>
-                </a:solidFill>
-                <a:latin typeface="Arial" charset="0"/>
-                <a:ea typeface="华文黑体" charset="-122"/>
-              </a:defRPr>
-            </a:lvl7pPr>
-            <a:lvl8pPr marL="1371600" algn="l" rtl="0" fontAlgn="base">
-              <a:spcBef>
-                <a:spcPct val="0"/>
-              </a:spcBef>
-              <a:spcAft>
-                <a:spcPct val="0"/>
-              </a:spcAft>
-              <a:defRPr sz="3200" b="1">
-                <a:solidFill>
-                  <a:schemeClr val="bg1"/>
-                </a:solidFill>
-                <a:latin typeface="Arial" charset="0"/>
-                <a:ea typeface="华文黑体" charset="-122"/>
-              </a:defRPr>
-            </a:lvl8pPr>
-            <a:lvl9pPr marL="1828800" algn="l" rtl="0" fontAlgn="base">
-              <a:spcBef>
-                <a:spcPct val="0"/>
-              </a:spcBef>
-              <a:spcAft>
-                <a:spcPct val="0"/>
-              </a:spcAft>
-              <a:defRPr sz="3200" b="1">
-                <a:solidFill>
-                  <a:schemeClr val="bg1"/>
-                </a:solidFill>
-                <a:latin typeface="Arial" charset="0"/>
-                <a:ea typeface="华文黑体" charset="-122"/>
-              </a:defRPr>
-            </a:lvl9pPr>
-          </a:lstStyle>
-          <a:p>
-            <a:pPr eaLnBrk="1" hangingPunct="1"/>
-            <a:r>
-              <a:rPr lang="zh-CN" altLang="en-US" dirty="0" smtClean="0">
-                <a:solidFill>
-                  <a:schemeClr val="tx1"/>
-                </a:solidFill>
-                <a:latin typeface="微软雅黑" pitchFamily="34" charset="-122"/>
-                <a:ea typeface="微软雅黑" pitchFamily="34" charset="-122"/>
-              </a:rPr>
-              <a:t>行</a:t>
-            </a:r>
-            <a:r>
-              <a:rPr lang="zh-CN" altLang="en-US" dirty="0">
-                <a:solidFill>
-                  <a:schemeClr val="tx1"/>
-                </a:solidFill>
-                <a:latin typeface="微软雅黑" pitchFamily="34" charset="-122"/>
-                <a:ea typeface="微软雅黑" pitchFamily="34" charset="-122"/>
-              </a:rPr>
-              <a:t>为关联层（</a:t>
-            </a:r>
-            <a:r>
-              <a:rPr lang="en-US" altLang="zh-CN" dirty="0">
-                <a:solidFill>
-                  <a:schemeClr val="tx1"/>
-                </a:solidFill>
-                <a:latin typeface="微软雅黑" pitchFamily="34" charset="-122"/>
-                <a:ea typeface="微软雅黑" pitchFamily="34" charset="-122"/>
-              </a:rPr>
-              <a:t>L2</a:t>
-            </a:r>
-            <a:r>
-              <a:rPr lang="zh-CN" altLang="en-US" dirty="0">
-                <a:solidFill>
-                  <a:schemeClr val="tx1"/>
-                </a:solidFill>
-                <a:latin typeface="微软雅黑" pitchFamily="34" charset="-122"/>
-                <a:ea typeface="微软雅黑" pitchFamily="34" charset="-122"/>
-              </a:rPr>
-              <a:t>）特征调研及特征</a:t>
-            </a:r>
-          </a:p>
-        </p:txBody>
-      </p:sp>
-      <p:sp>
-        <p:nvSpPr>
-          <p:cNvPr id="4" name="Content Placeholder 3"/>
-          <p:cNvSpPr>
-            <a:spLocks noGrp="1"/>
-          </p:cNvSpPr>
-          <p:nvPr>
-            <p:ph idx="1"/>
-          </p:nvPr>
-        </p:nvSpPr>
-        <p:spPr/>
-        <p:txBody>
-          <a:bodyPr/>
-          <a:lstStyle/>
-          <a:p>
-            <a:r>
-              <a:rPr lang="zh-CN" altLang="en-US" sz="1800" dirty="0">
-                <a:latin typeface="微软雅黑" pitchFamily="34" charset="-122"/>
-                <a:ea typeface="微软雅黑" pitchFamily="34" charset="-122"/>
-              </a:rPr>
-              <a:t>调研特征逻辑</a:t>
-            </a:r>
-            <a:endParaRPr lang="en-US" altLang="zh-CN" sz="1800" dirty="0">
-              <a:latin typeface="微软雅黑" pitchFamily="34" charset="-122"/>
-              <a:ea typeface="微软雅黑" pitchFamily="34" charset="-122"/>
-            </a:endParaRPr>
-          </a:p>
-          <a:p>
-            <a:endParaRPr lang="en-US" sz="1800" dirty="0">
-              <a:latin typeface="微软雅黑" pitchFamily="34" charset="-122"/>
-              <a:ea typeface="微软雅黑" pitchFamily="34" charset="-122"/>
-            </a:endParaRPr>
-          </a:p>
-          <a:p>
-            <a:endParaRPr lang="en-US" sz="1800" dirty="0">
-              <a:latin typeface="微软雅黑" pitchFamily="34" charset="-122"/>
-              <a:ea typeface="微软雅黑" pitchFamily="34" charset="-122"/>
-            </a:endParaRPr>
-          </a:p>
-          <a:p>
-            <a:endParaRPr lang="en-US" sz="1800" dirty="0">
-              <a:latin typeface="微软雅黑" pitchFamily="34" charset="-122"/>
-              <a:ea typeface="微软雅黑" pitchFamily="34" charset="-122"/>
-            </a:endParaRPr>
-          </a:p>
-          <a:p>
-            <a:endParaRPr lang="en-US" sz="1800" dirty="0">
-              <a:latin typeface="微软雅黑" pitchFamily="34" charset="-122"/>
-              <a:ea typeface="微软雅黑" pitchFamily="34" charset="-122"/>
-            </a:endParaRPr>
-          </a:p>
-          <a:p>
-            <a:endParaRPr lang="en-US" sz="1800" dirty="0">
-              <a:latin typeface="微软雅黑" pitchFamily="34" charset="-122"/>
-              <a:ea typeface="微软雅黑" pitchFamily="34" charset="-122"/>
-            </a:endParaRPr>
-          </a:p>
-          <a:p>
-            <a:endParaRPr lang="en-US" altLang="zh-CN" sz="1800" dirty="0">
-              <a:latin typeface="微软雅黑" pitchFamily="34" charset="-122"/>
-              <a:ea typeface="微软雅黑" pitchFamily="34" charset="-122"/>
-            </a:endParaRPr>
-          </a:p>
-          <a:p>
-            <a:r>
-              <a:rPr lang="zh-CN" altLang="en-US" sz="1600" dirty="0">
-                <a:latin typeface="微软雅黑" pitchFamily="34" charset="-122"/>
-                <a:ea typeface="微软雅黑" pitchFamily="34" charset="-122"/>
-              </a:rPr>
-              <a:t>上</a:t>
-            </a:r>
-            <a:r>
-              <a:rPr lang="zh-CN" altLang="en-US" sz="1600" dirty="0">
-                <a:latin typeface="微软雅黑" pitchFamily="34" charset="-122"/>
-                <a:ea typeface="微软雅黑" pitchFamily="34" charset="-122"/>
-              </a:rPr>
-              <a:t>线特征逻辑：使用</a:t>
-            </a:r>
-            <a:r>
-              <a:rPr lang="en-US" altLang="zh-CN" sz="1600" dirty="0">
-                <a:latin typeface="微软雅黑" pitchFamily="34" charset="-122"/>
-                <a:ea typeface="微软雅黑" pitchFamily="34" charset="-122"/>
-              </a:rPr>
-              <a:t>Top-EPA</a:t>
-            </a:r>
-            <a:r>
-              <a:rPr lang="zh-CN" altLang="en-US" sz="1600" dirty="0">
-                <a:latin typeface="微软雅黑" pitchFamily="34" charset="-122"/>
-                <a:ea typeface="微软雅黑" pitchFamily="34" charset="-122"/>
-              </a:rPr>
-              <a:t>方式，</a:t>
-            </a:r>
-            <a:r>
-              <a:rPr lang="en-US" altLang="zh-CN" sz="1600" dirty="0">
-                <a:latin typeface="微软雅黑" pitchFamily="34" charset="-122"/>
-                <a:ea typeface="微软雅黑" pitchFamily="34" charset="-122"/>
-              </a:rPr>
-              <a:t>UPS</a:t>
-            </a:r>
-            <a:r>
-              <a:rPr lang="zh-CN" altLang="en-US" sz="1600" dirty="0">
-                <a:latin typeface="微软雅黑" pitchFamily="34" charset="-122"/>
-                <a:ea typeface="微软雅黑" pitchFamily="34" charset="-122"/>
-              </a:rPr>
-              <a:t>行为还原</a:t>
-            </a:r>
-            <a:r>
-              <a:rPr lang="en-US" altLang="zh-CN" sz="1600" dirty="0">
-                <a:latin typeface="微软雅黑" pitchFamily="34" charset="-122"/>
-                <a:ea typeface="微软雅黑" pitchFamily="34" charset="-122"/>
-              </a:rPr>
-              <a:t>EPA</a:t>
-            </a:r>
-            <a:r>
-              <a:rPr lang="zh-CN" altLang="en-US" sz="1600" dirty="0">
-                <a:latin typeface="微软雅黑" pitchFamily="34" charset="-122"/>
-                <a:ea typeface="微软雅黑" pitchFamily="34" charset="-122"/>
-              </a:rPr>
-              <a:t>组合覆盖面约</a:t>
-            </a:r>
-            <a:r>
-              <a:rPr lang="en-US" altLang="zh-CN" sz="1600" dirty="0">
-                <a:latin typeface="微软雅黑" pitchFamily="34" charset="-122"/>
-                <a:ea typeface="微软雅黑" pitchFamily="34" charset="-122"/>
-              </a:rPr>
-              <a:t>80%</a:t>
-            </a:r>
-            <a:r>
-              <a:rPr lang="zh-CN" altLang="en-US" sz="1600" dirty="0">
-                <a:latin typeface="微软雅黑" pitchFamily="34" charset="-122"/>
-                <a:ea typeface="微软雅黑" pitchFamily="34" charset="-122"/>
-              </a:rPr>
-              <a:t>；过滤不置信行为后行为准确表述当前链接主旨准确率约</a:t>
-            </a:r>
-            <a:r>
-              <a:rPr lang="en-US" altLang="zh-CN" sz="1600" dirty="0" smtClean="0">
-                <a:latin typeface="微软雅黑" pitchFamily="34" charset="-122"/>
-                <a:ea typeface="微软雅黑" pitchFamily="34" charset="-122"/>
-              </a:rPr>
-              <a:t>80</a:t>
-            </a:r>
-            <a:r>
-              <a:rPr lang="en-US" altLang="zh-CN" sz="1600" dirty="0">
-                <a:latin typeface="微软雅黑" pitchFamily="34" charset="-122"/>
-                <a:ea typeface="微软雅黑" pitchFamily="34" charset="-122"/>
-              </a:rPr>
-              <a:t>%</a:t>
-            </a:r>
-          </a:p>
-        </p:txBody>
-      </p:sp>
-      <p:pic>
-        <p:nvPicPr>
-          <p:cNvPr id="2051" name="Picture 3"/>
-          <p:cNvPicPr>
-            <a:picLocks noChangeAspect="1" noChangeArrowheads="1"/>
-          </p:cNvPicPr>
-          <p:nvPr/>
-        </p:nvPicPr>
-        <p:blipFill>
-          <a:blip r:embed="rId2">
-            <a:extLst>
-              <a:ext uri="{28A0092B-C50C-407E-A947-70E740481C1C}">
-                <a14:useLocalDpi xmlns:a14="http://schemas.microsoft.com/office/drawing/2010/main" val="0"/>
-              </a:ext>
-            </a:extLst>
-          </a:blip>
-          <a:srcRect/>
-          <a:stretch>
-            <a:fillRect/>
-          </a:stretch>
-        </p:blipFill>
-        <p:spPr bwMode="auto">
-          <a:xfrm>
-            <a:off x="473281" y="1705372"/>
-            <a:ext cx="8172450" cy="1828800"/>
-          </a:xfrm>
-          <a:prstGeom prst="rect">
-            <a:avLst/>
-          </a:prstGeom>
-          <a:noFill/>
-          <a:ln>
-            <a:noFill/>
-          </a:ln>
-          <a:effectLst/>
-          <a:extLst>
-            <a:ext uri="{909E8E84-426E-40DD-AFC4-6F175D3DCCD1}">
-              <a14:hiddenFill xmlns:a14="http://schemas.microsoft.com/office/drawing/2010/main">
-                <a:solidFill>
-                  <a:schemeClr val="accent1"/>
-                </a:solidFill>
-              </a14:hiddenFill>
-            </a:ext>
-            <a:ext uri="{91240B29-F687-4F45-9708-019B960494DF}">
-              <a14:hiddenLine xmlns:a14="http://schemas.microsoft.com/office/drawing/2010/main" w="9525">
-                <a:solidFill>
-                  <a:schemeClr val="tx1"/>
-                </a:solidFill>
-                <a:miter lim="800000"/>
-                <a:headEnd/>
-                <a:tailEnd/>
-              </a14:hiddenLine>
-            </a:ext>
-            <a:ext uri="{AF507438-7753-43E0-B8FC-AC1667EBCBE1}">
-              <a14:hiddenEffects xmlns:a14="http://schemas.microsoft.com/office/drawing/2010/main">
-                <a:effectLst>
-                  <a:outerShdw dist="35921" dir="2700000" algn="ctr" rotWithShape="0">
-                    <a:schemeClr val="bg2"/>
-                  </a:outerShdw>
-                </a:effectLst>
-              </a14:hiddenEffects>
-            </a:ext>
-          </a:extLst>
-        </p:spPr>
-      </p:pic>
-    </p:spTree>
-    <p:extLst>
-      <p:ext uri="{BB962C8B-B14F-4D97-AF65-F5344CB8AC3E}">
-        <p14:creationId xmlns:p14="http://schemas.microsoft.com/office/powerpoint/2010/main" val="1174353607"/>
-      </p:ext>
-    </p:extLst>
-  </p:cSld>
-  <p:clrMapOvr>
-    <a:masterClrMapping/>
-  </p:clrMapOvr>
-  <p:timing>
-    <p:tnLst>
-      <p:par>
-        <p:cTn id="1" dur="indefinite" restart="never" nodeType="tmRoot"/>
-      </p:par>
-    </p:tnLst>
-  </p:timing>
-</p:sld>
-</file>
-
-<file path=ppt/slides/slide11.xml><?xml version="1.0" encoding="utf-8"?>
-<p:sld xmlns:a="http://schemas.openxmlformats.org/drawingml/2006/main" xmlns:r="http://schemas.openxmlformats.org/officeDocument/2006/relationships" xmlns:p="http://schemas.openxmlformats.org/presentationml/2006/main">
-  <p:cSld>
-    <p:spTree>
-      <p:nvGrpSpPr>
-        <p:cNvPr id="1" name=""/>
-        <p:cNvGrpSpPr/>
-        <p:nvPr/>
-      </p:nvGrpSpPr>
-      <p:grpSpPr>
-        <a:xfrm>
-          <a:off x="0" y="0"/>
-          <a:ext cx="0" cy="0"/>
-          <a:chOff x="0" y="0"/>
-          <a:chExt cx="0" cy="0"/>
-        </a:xfrm>
-      </p:grpSpPr>
-      <p:sp>
-        <p:nvSpPr>
           <p:cNvPr id="2" name="Content Placeholder 1"/>
           <p:cNvSpPr>
             <a:spLocks noGrp="1"/>
@@ -8081,13 +7541,27 @@
                 <a:latin typeface="微软雅黑" pitchFamily="34" charset="-122"/>
                 <a:ea typeface="微软雅黑" pitchFamily="34" charset="-122"/>
               </a:rPr>
-              <a:t>CT 92%</a:t>
+              <a:t>KT</a:t>
             </a:r>
             <a:r>
               <a:rPr lang="zh-CN" altLang="en-US" sz="1400" dirty="0" smtClean="0">
                 <a:latin typeface="微软雅黑" pitchFamily="34" charset="-122"/>
                 <a:ea typeface="微软雅黑" pitchFamily="34" charset="-122"/>
               </a:rPr>
+              <a:t>通道</a:t>
+            </a:r>
+            <a:r>
+              <a:rPr lang="en-US" altLang="zh-CN" sz="1400" dirty="0" smtClean="0">
+                <a:latin typeface="微软雅黑" pitchFamily="34" charset="-122"/>
+                <a:ea typeface="微软雅黑" pitchFamily="34" charset="-122"/>
+              </a:rPr>
+              <a:t> 92%</a:t>
+            </a:r>
+            <a:r>
+              <a:rPr lang="zh-CN" altLang="en-US" sz="1400" dirty="0" smtClean="0">
+                <a:latin typeface="微软雅黑" pitchFamily="34" charset="-122"/>
+                <a:ea typeface="微软雅黑" pitchFamily="34" charset="-122"/>
+              </a:rPr>
               <a:t>），</a:t>
             </a:r>
             <a:r>
@@ -8178,17 +7652,7 @@
                 <a:latin typeface="微软雅黑" pitchFamily="34" charset="-122"/>
                 <a:ea typeface="微软雅黑" pitchFamily="34" charset="-122"/>
               </a:rPr>
-              <a:t>以</a:t>
-            </a:r>
-            <a:r>
-              <a:rPr lang="zh-CN" altLang="en-US" sz="1400" dirty="0" smtClean="0">
-                <a:solidFill>
-                  <a:srgbClr val="00B050"/>
-                </a:solidFill>
-                <a:latin typeface="微软雅黑" pitchFamily="34" charset="-122"/>
-                <a:ea typeface="微软雅黑" pitchFamily="34" charset="-122"/>
-              </a:rPr>
-              <a:t>内</a:t>
+              <a:t>以内</a:t>
             </a:r>
             <a:endParaRPr lang="en-US" altLang="zh-CN" sz="1400" dirty="0" smtClean="0">
               <a:solidFill>
@@ -8533,7 +7997,7 @@
                 <a:latin typeface="微软雅黑" pitchFamily="34" charset="-122"/>
                 <a:ea typeface="微软雅黑" pitchFamily="34" charset="-122"/>
               </a:rPr>
-              <a:t>，整体收入</a:t>
+              <a:t>，网盟整体收入</a:t>
             </a:r>
             <a:r>
               <a:rPr lang="en-US" altLang="zh-CN" sz="1400" dirty="0" smtClean="0">
@@ -8793,7 +8257,7 @@
 </p:sld>
 </file>
 
-<file path=ppt/slides/slide12.xml><?xml version="1.0" encoding="utf-8"?>
+<file path=ppt/slides/slide11.xml><?xml version="1.0" encoding="utf-8"?>
 <p:sld xmlns:a="http://schemas.openxmlformats.org/drawingml/2006/main" xmlns:r="http://schemas.openxmlformats.org/officeDocument/2006/relationships" xmlns:p="http://schemas.openxmlformats.org/presentationml/2006/main">
   <p:cSld>
     <p:spTree>
@@ -9277,7 +8741,7 @@
 </p:sld>
 </file>
 
-<file path=ppt/slides/slide13.xml><?xml version="1.0" encoding="utf-8"?>
+<file path=ppt/slides/slide12.xml><?xml version="1.0" encoding="utf-8"?>
 <p:sld xmlns:a="http://schemas.openxmlformats.org/drawingml/2006/main" xmlns:r="http://schemas.openxmlformats.org/officeDocument/2006/relationships" xmlns:p="http://schemas.openxmlformats.org/presentationml/2006/main">
   <p:cSld>
     <p:spTree>
@@ -10085,7 +9549,7 @@
 </p:sld>
 </file>
 
-<file path=ppt/slides/slide14.xml><?xml version="1.0" encoding="utf-8"?>
+<file path=ppt/slides/slide13.xml><?xml version="1.0" encoding="utf-8"?>
 <p:sld xmlns:a="http://schemas.openxmlformats.org/drawingml/2006/main" xmlns:r="http://schemas.openxmlformats.org/officeDocument/2006/relationships" xmlns:p="http://schemas.openxmlformats.org/presentationml/2006/main">
   <p:cSld>
     <p:spTree>
@@ -10365,7 +9829,7 @@
             <p:ph idx="1"/>
             <p:extLst>
               <p:ext uri="{D42A27DB-BD31-4B8C-83A1-F6EECF244321}">
-                <p14:modId xmlns:p14="http://schemas.microsoft.com/office/powerpoint/2010/main" val="1367066427"/>
+                <p14:modId xmlns:p14="http://schemas.microsoft.com/office/powerpoint/2010/main" val="3882467612"/>
               </p:ext>
             </p:extLst>
           </p:nvPr>
@@ -10682,14 +10146,7 @@
                 <a:latin typeface="微软雅黑" pitchFamily="34" charset="-122"/>
                 <a:ea typeface="微软雅黑" pitchFamily="34" charset="-122"/>
               </a:rPr>
-              <a:t>行</a:t>
-            </a:r>
-            <a:r>
-              <a:rPr lang="zh-CN" altLang="en-US" sz="1600" dirty="0" smtClean="0">
-                <a:latin typeface="微软雅黑" pitchFamily="34" charset="-122"/>
-                <a:ea typeface="微软雅黑" pitchFamily="34" charset="-122"/>
-              </a:rPr>
-              <a:t>为关联层（</a:t>
+              <a:t>行为关联层（</a:t>
             </a:r>
             <a:r>
               <a:rPr lang="en-US" altLang="zh-CN" sz="1600" dirty="0" smtClean="0">
@@ -11071,9 +10528,7 @@
             <a:off x="439314" y="3936199"/>
             <a:ext cx="8206415" cy="1594750"/>
           </a:xfrm>
-          <a:solidFill>
-            <a:srgbClr val="FFFF00"/>
-          </a:solidFill>
+          <a:noFill/>
         </p:spPr>
         <p:txBody>
           <a:bodyPr/>
@@ -11081,138 +10536,111 @@
           <a:p>
             <a:r>
               <a:rPr lang="zh-CN" altLang="en-US" sz="1400" dirty="0" smtClean="0">
-                <a:solidFill>
-                  <a:srgbClr val="FF0000"/>
-                </a:solidFill>
-                <a:latin typeface="微软雅黑" pitchFamily="34" charset="-122"/>
-                <a:ea typeface="微软雅黑" pitchFamily="34" charset="-122"/>
-              </a:rPr>
-              <a:t>（</a:t>
-            </a:r>
-            <a:r>
-              <a:rPr lang="en-US" altLang="zh-CN" sz="1400" dirty="0" smtClean="0">
-                <a:solidFill>
-                  <a:srgbClr val="FF0000"/>
-                </a:solidFill>
-                <a:latin typeface="微软雅黑" pitchFamily="34" charset="-122"/>
-                <a:ea typeface="微软雅黑" pitchFamily="34" charset="-122"/>
-              </a:rPr>
-              <a:t>TODO</a:t>
+                <a:latin typeface="微软雅黑" pitchFamily="34" charset="-122"/>
+                <a:ea typeface="微软雅黑" pitchFamily="34" charset="-122"/>
+              </a:rPr>
+              <a:t>开</a:t>
+            </a:r>
+            <a:r>
+              <a:rPr lang="zh-CN" altLang="en-US" sz="1400" dirty="0">
+                <a:latin typeface="微软雅黑" pitchFamily="34" charset="-122"/>
+                <a:ea typeface="微软雅黑" pitchFamily="34" charset="-122"/>
+              </a:rPr>
+              <a:t>物基础特征层实现了对每个用户行为（搜索，浏览）分析结构化的特征产出；</a:t>
+            </a:r>
+          </a:p>
+          <a:p>
+            <a:r>
+              <a:rPr lang="zh-CN" altLang="en-US" sz="1400" dirty="0">
+                <a:latin typeface="微软雅黑" pitchFamily="34" charset="-122"/>
+                <a:ea typeface="微软雅黑" pitchFamily="34" charset="-122"/>
+              </a:rPr>
+              <a:t>人群构</a:t>
             </a:r>
             <a:r>
               <a:rPr lang="zh-CN" altLang="en-US" sz="1400" dirty="0" smtClean="0">
-                <a:solidFill>
-                  <a:srgbClr val="FF0000"/>
-                </a:solidFill>
-                <a:latin typeface="微软雅黑" pitchFamily="34" charset="-122"/>
-                <a:ea typeface="微软雅黑" pitchFamily="34" charset="-122"/>
-              </a:rPr>
-              <a:t>：描述）</a:t>
+                <a:latin typeface="微软雅黑" pitchFamily="34" charset="-122"/>
+                <a:ea typeface="微软雅黑" pitchFamily="34" charset="-122"/>
+              </a:rPr>
+              <a:t>建工</a:t>
+            </a:r>
+            <a:r>
+              <a:rPr lang="zh-CN" altLang="en-US" sz="1400" dirty="0">
+                <a:latin typeface="微软雅黑" pitchFamily="34" charset="-122"/>
+                <a:ea typeface="微软雅黑" pitchFamily="34" charset="-122"/>
+              </a:rPr>
+              <a:t>作实现了行为级特征到人</a:t>
+            </a:r>
+            <a:r>
+              <a:rPr lang="zh-CN" altLang="en-US" sz="1400" dirty="0" smtClean="0">
+                <a:latin typeface="微软雅黑" pitchFamily="34" charset="-122"/>
+                <a:ea typeface="微软雅黑" pitchFamily="34" charset="-122"/>
+              </a:rPr>
+              <a:t>群</a:t>
+            </a:r>
+            <a:r>
+              <a:rPr lang="zh-CN" altLang="en-US" sz="1400" dirty="0">
+                <a:latin typeface="微软雅黑" pitchFamily="34" charset="-122"/>
+                <a:ea typeface="微软雅黑" pitchFamily="34" charset="-122"/>
+              </a:rPr>
+              <a:t>级</a:t>
+            </a:r>
+            <a:r>
+              <a:rPr lang="zh-CN" altLang="en-US" sz="1400" dirty="0" smtClean="0">
+                <a:latin typeface="微软雅黑" pitchFamily="34" charset="-122"/>
+                <a:ea typeface="微软雅黑" pitchFamily="34" charset="-122"/>
+              </a:rPr>
+              <a:t>别特征的转换，</a:t>
+            </a:r>
+            <a:r>
+              <a:rPr lang="zh-CN" altLang="en-US" sz="1400" dirty="0">
+                <a:latin typeface="微软雅黑" pitchFamily="34" charset="-122"/>
+                <a:ea typeface="微软雅黑" pitchFamily="34" charset="-122"/>
+              </a:rPr>
+              <a:t>实现开物特征快</a:t>
+            </a:r>
+            <a:r>
+              <a:rPr lang="zh-CN" altLang="en-US" sz="1400" dirty="0" smtClean="0">
+                <a:latin typeface="微软雅黑" pitchFamily="34" charset="-122"/>
+                <a:ea typeface="微软雅黑" pitchFamily="34" charset="-122"/>
+              </a:rPr>
+              <a:t>速构建定</a:t>
+            </a:r>
+            <a:r>
+              <a:rPr lang="zh-CN" altLang="en-US" sz="1400" dirty="0">
+                <a:latin typeface="微软雅黑" pitchFamily="34" charset="-122"/>
+                <a:ea typeface="微软雅黑" pitchFamily="34" charset="-122"/>
+              </a:rPr>
+              <a:t>向人群投</a:t>
+            </a:r>
+            <a:r>
+              <a:rPr lang="zh-CN" altLang="en-US" sz="1400" dirty="0" smtClean="0">
+                <a:latin typeface="微软雅黑" pitchFamily="34" charset="-122"/>
+                <a:ea typeface="微软雅黑" pitchFamily="34" charset="-122"/>
+              </a:rPr>
+              <a:t>放；</a:t>
             </a:r>
             <a:endParaRPr lang="en-US" altLang="zh-CN" sz="1400" dirty="0" smtClean="0">
-              <a:solidFill>
-                <a:srgbClr val="FF0000"/>
-              </a:solidFill>
               <a:latin typeface="微软雅黑" pitchFamily="34" charset="-122"/>
               <a:ea typeface="微软雅黑" pitchFamily="34" charset="-122"/>
             </a:endParaRPr>
           </a:p>
           <a:p>
             <a:r>
+              <a:rPr lang="zh-CN" altLang="en-US" sz="1400" dirty="0">
+                <a:latin typeface="微软雅黑" pitchFamily="34" charset="-122"/>
+                <a:ea typeface="微软雅黑" pitchFamily="34" charset="-122"/>
+              </a:rPr>
+              <a:t>人</a:t>
+            </a:r>
+            <a:r>
               <a:rPr lang="zh-CN" altLang="en-US" sz="1400" dirty="0" smtClean="0">
-                <a:solidFill>
-                  <a:srgbClr val="FF0000"/>
-                </a:solidFill>
-                <a:latin typeface="微软雅黑" pitchFamily="34" charset="-122"/>
-                <a:ea typeface="微软雅黑" pitchFamily="34" charset="-122"/>
-              </a:rPr>
-              <a:t>开</a:t>
-            </a:r>
-            <a:r>
-              <a:rPr lang="zh-CN" altLang="en-US" sz="1400" dirty="0">
-                <a:solidFill>
-                  <a:srgbClr val="FF0000"/>
-                </a:solidFill>
-                <a:latin typeface="微软雅黑" pitchFamily="34" charset="-122"/>
-                <a:ea typeface="微软雅黑" pitchFamily="34" charset="-122"/>
-              </a:rPr>
-              <a:t>物基础特征层实现了对每个用户行为（搜索，浏览）分析结构化的特征产出；</a:t>
-            </a:r>
-          </a:p>
-          <a:p>
-            <a:r>
-              <a:rPr lang="zh-CN" altLang="en-US" sz="1400" dirty="0">
-                <a:solidFill>
-                  <a:srgbClr val="FF0000"/>
-                </a:solidFill>
-                <a:latin typeface="微软雅黑" pitchFamily="34" charset="-122"/>
-                <a:ea typeface="微软雅黑" pitchFamily="34" charset="-122"/>
-              </a:rPr>
-              <a:t>人群构建的工作实现了行为级特征到人群的描述，实现开物特征快</a:t>
-            </a:r>
-            <a:r>
-              <a:rPr lang="zh-CN" altLang="en-US" sz="1400" dirty="0" smtClean="0">
-                <a:solidFill>
-                  <a:srgbClr val="FF0000"/>
-                </a:solidFill>
-                <a:latin typeface="微软雅黑" pitchFamily="34" charset="-122"/>
-                <a:ea typeface="微软雅黑" pitchFamily="34" charset="-122"/>
-              </a:rPr>
-              <a:t>速构建定</a:t>
-            </a:r>
-            <a:r>
-              <a:rPr lang="zh-CN" altLang="en-US" sz="1400" dirty="0">
-                <a:solidFill>
-                  <a:srgbClr val="FF0000"/>
-                </a:solidFill>
-                <a:latin typeface="微软雅黑" pitchFamily="34" charset="-122"/>
-                <a:ea typeface="微软雅黑" pitchFamily="34" charset="-122"/>
-              </a:rPr>
-              <a:t>向人群投</a:t>
-            </a:r>
-            <a:r>
-              <a:rPr lang="zh-CN" altLang="en-US" sz="1400" dirty="0" smtClean="0">
-                <a:solidFill>
-                  <a:srgbClr val="FF0000"/>
-                </a:solidFill>
-                <a:latin typeface="微软雅黑" pitchFamily="34" charset="-122"/>
-                <a:ea typeface="微软雅黑" pitchFamily="34" charset="-122"/>
-              </a:rPr>
-              <a:t>放；</a:t>
-            </a:r>
-            <a:endParaRPr lang="en-US" altLang="zh-CN" sz="1400" dirty="0" smtClean="0">
-              <a:solidFill>
-                <a:srgbClr val="FF0000"/>
-              </a:solidFill>
-              <a:latin typeface="微软雅黑" pitchFamily="34" charset="-122"/>
-              <a:ea typeface="微软雅黑" pitchFamily="34" charset="-122"/>
-            </a:endParaRPr>
-          </a:p>
-          <a:p>
-            <a:r>
-              <a:rPr lang="zh-CN" altLang="en-US" sz="1400" dirty="0">
-                <a:solidFill>
-                  <a:srgbClr val="FF0000"/>
-                </a:solidFill>
-                <a:latin typeface="微软雅黑" pitchFamily="34" charset="-122"/>
-                <a:ea typeface="微软雅黑" pitchFamily="34" charset="-122"/>
-              </a:rPr>
-              <a:t>人</a:t>
-            </a:r>
-            <a:r>
-              <a:rPr lang="zh-CN" altLang="en-US" sz="1400" dirty="0" smtClean="0">
-                <a:solidFill>
-                  <a:srgbClr val="FF0000"/>
-                </a:solidFill>
-                <a:latin typeface="微软雅黑" pitchFamily="34" charset="-122"/>
-                <a:ea typeface="微软雅黑" pitchFamily="34" charset="-122"/>
-              </a:rPr>
-              <a:t>群定向工具的快速构建帮助开物实现应用方的构建需求；</a:t>
+                <a:latin typeface="微软雅黑" pitchFamily="34" charset="-122"/>
+                <a:ea typeface="微软雅黑" pitchFamily="34" charset="-122"/>
+              </a:rPr>
+              <a:t>群定向工具开发，帮助快速实验迭代人群构建，帮助开物实现应用方的构建需求；</a:t>
             </a:r>
             <a:endParaRPr lang="zh-CN" altLang="en-US" sz="1400" dirty="0">
-              <a:solidFill>
-                <a:srgbClr val="FF0000"/>
-              </a:solidFill>
               <a:latin typeface="微软雅黑" pitchFamily="34" charset="-122"/>
               <a:ea typeface="微软雅黑" pitchFamily="34" charset="-122"/>
             </a:endParaRPr>
@@ -11555,864 +10983,6 @@
       </p:grpSpPr>
       <p:sp>
         <p:nvSpPr>
-          <p:cNvPr id="2" name="Content Placeholder 1"/>
-          <p:cNvSpPr>
-            <a:spLocks noGrp="1"/>
-          </p:cNvSpPr>
-          <p:nvPr>
-            <p:ph idx="1"/>
-          </p:nvPr>
-        </p:nvSpPr>
-        <p:spPr/>
-        <p:txBody>
-          <a:bodyPr/>
-          <a:lstStyle/>
-          <a:p>
-            <a:r>
-              <a:rPr lang="en-US" altLang="zh-CN" sz="1600" dirty="0">
-                <a:latin typeface="微软雅黑" pitchFamily="34" charset="-122"/>
-                <a:ea typeface="微软雅黑" pitchFamily="34" charset="-122"/>
-              </a:rPr>
-              <a:t>IT</a:t>
-            </a:r>
-            <a:r>
-              <a:rPr lang="zh-CN" altLang="en-US" sz="1600" dirty="0">
-                <a:latin typeface="微软雅黑" pitchFamily="34" charset="-122"/>
-                <a:ea typeface="微软雅黑" pitchFamily="34" charset="-122"/>
-              </a:rPr>
-              <a:t>自用电商系列节点：构建开物人群节点，补充定向电商类人群，配合实现“双</a:t>
-            </a:r>
-            <a:r>
-              <a:rPr lang="en-US" altLang="zh-CN" sz="1600" dirty="0">
-                <a:latin typeface="微软雅黑" pitchFamily="34" charset="-122"/>
-                <a:ea typeface="微软雅黑" pitchFamily="34" charset="-122"/>
-              </a:rPr>
-              <a:t>11</a:t>
-            </a:r>
-            <a:r>
-              <a:rPr lang="zh-CN" altLang="en-US" sz="1600" dirty="0">
-                <a:latin typeface="微软雅黑" pitchFamily="34" charset="-122"/>
-                <a:ea typeface="微软雅黑" pitchFamily="34" charset="-122"/>
-              </a:rPr>
-              <a:t>、双</a:t>
-            </a:r>
-            <a:r>
-              <a:rPr lang="en-US" altLang="zh-CN" sz="1600" dirty="0">
-                <a:latin typeface="微软雅黑" pitchFamily="34" charset="-122"/>
-                <a:ea typeface="微软雅黑" pitchFamily="34" charset="-122"/>
-              </a:rPr>
-              <a:t>12</a:t>
-            </a:r>
-            <a:r>
-              <a:rPr lang="zh-CN" altLang="en-US" sz="1600" dirty="0">
-                <a:latin typeface="微软雅黑" pitchFamily="34" charset="-122"/>
-                <a:ea typeface="微软雅黑" pitchFamily="34" charset="-122"/>
-              </a:rPr>
-              <a:t>”等电商节日的电商开物投放</a:t>
-            </a:r>
-            <a:endParaRPr lang="en-US" altLang="zh-CN" sz="1600" dirty="0">
-              <a:latin typeface="微软雅黑" pitchFamily="34" charset="-122"/>
-              <a:ea typeface="微软雅黑" pitchFamily="34" charset="-122"/>
-            </a:endParaRPr>
-          </a:p>
-          <a:p>
-            <a:pPr marL="742950" lvl="2" indent="-342900"/>
-            <a:r>
-              <a:rPr lang="zh-CN" altLang="en-US" sz="1400" dirty="0" smtClean="0">
-                <a:latin typeface="微软雅黑" pitchFamily="34" charset="-122"/>
-                <a:ea typeface="微软雅黑" pitchFamily="34" charset="-122"/>
-                <a:cs typeface="+mn-cs"/>
-              </a:rPr>
-              <a:t>解决的问题：</a:t>
-            </a:r>
-            <a:endParaRPr lang="en-US" altLang="zh-CN" sz="1400" dirty="0" smtClean="0">
-              <a:latin typeface="微软雅黑" pitchFamily="34" charset="-122"/>
-              <a:ea typeface="微软雅黑" pitchFamily="34" charset="-122"/>
-              <a:cs typeface="+mn-cs"/>
-            </a:endParaRPr>
-          </a:p>
-          <a:p>
-            <a:pPr marL="1200150" lvl="3" indent="-342900"/>
-            <a:r>
-              <a:rPr lang="zh-CN" altLang="en-US" sz="1200" dirty="0" smtClean="0">
-                <a:latin typeface="微软雅黑" pitchFamily="34" charset="-122"/>
-                <a:ea typeface="微软雅黑" pitchFamily="34" charset="-122"/>
-                <a:cs typeface="+mn-cs"/>
-              </a:rPr>
-              <a:t>电商站点的实现：</a:t>
-            </a:r>
-            <a:r>
-              <a:rPr lang="zh-CN" altLang="en-US" sz="1200" dirty="0">
-                <a:latin typeface="微软雅黑" pitchFamily="34" charset="-122"/>
-                <a:ea typeface="微软雅黑" pitchFamily="34" charset="-122"/>
-                <a:cs typeface="+mn-cs"/>
-              </a:rPr>
-              <a:t>生</a:t>
-            </a:r>
-            <a:r>
-              <a:rPr lang="zh-CN" altLang="en-US" sz="1200" dirty="0" smtClean="0">
-                <a:latin typeface="微软雅黑" pitchFamily="34" charset="-122"/>
-                <a:ea typeface="微软雅黑" pitchFamily="34" charset="-122"/>
-                <a:cs typeface="+mn-cs"/>
-              </a:rPr>
-              <a:t>成访问量较大的站点列表，由</a:t>
-            </a:r>
-            <a:r>
-              <a:rPr lang="en-US" altLang="zh-CN" sz="1200" dirty="0" smtClean="0">
-                <a:latin typeface="微软雅黑" pitchFamily="34" charset="-122"/>
-                <a:ea typeface="微软雅黑" pitchFamily="34" charset="-122"/>
-                <a:cs typeface="+mn-cs"/>
-              </a:rPr>
-              <a:t>pm review</a:t>
-            </a:r>
-            <a:r>
-              <a:rPr lang="zh-CN" altLang="en-US" sz="1200" dirty="0" smtClean="0">
-                <a:latin typeface="微软雅黑" pitchFamily="34" charset="-122"/>
-                <a:ea typeface="微软雅黑" pitchFamily="34" charset="-122"/>
-                <a:cs typeface="+mn-cs"/>
-              </a:rPr>
-              <a:t>过后定义电商站点；原</a:t>
-            </a:r>
-            <a:r>
-              <a:rPr lang="en-US" altLang="zh-CN" sz="1200" dirty="0" smtClean="0">
-                <a:latin typeface="微软雅黑" pitchFamily="34" charset="-122"/>
-                <a:ea typeface="微软雅黑" pitchFamily="34" charset="-122"/>
-                <a:cs typeface="+mn-cs"/>
-              </a:rPr>
-              <a:t>UPS</a:t>
-            </a:r>
-            <a:r>
-              <a:rPr lang="zh-CN" altLang="en-US" sz="1200" dirty="0" smtClean="0">
-                <a:latin typeface="微软雅黑" pitchFamily="34" charset="-122"/>
-                <a:ea typeface="微软雅黑" pitchFamily="34" charset="-122"/>
-                <a:cs typeface="+mn-cs"/>
-              </a:rPr>
-              <a:t>存储的开物数据，不支持引入</a:t>
-            </a:r>
-            <a:r>
-              <a:rPr lang="en-US" altLang="zh-CN" sz="1200" dirty="0" err="1" smtClean="0">
-                <a:latin typeface="微软雅黑" pitchFamily="34" charset="-122"/>
-                <a:ea typeface="微软雅黑" pitchFamily="34" charset="-122"/>
-                <a:cs typeface="+mn-cs"/>
-              </a:rPr>
-              <a:t>url</a:t>
-            </a:r>
-            <a:r>
-              <a:rPr lang="zh-CN" altLang="en-US" sz="1200" dirty="0" smtClean="0">
-                <a:latin typeface="微软雅黑" pitchFamily="34" charset="-122"/>
-                <a:ea typeface="微软雅黑" pitchFamily="34" charset="-122"/>
-                <a:cs typeface="+mn-cs"/>
-              </a:rPr>
-              <a:t>站点类型页面类型；使用站点类型</a:t>
-            </a:r>
-            <a:r>
-              <a:rPr lang="en-US" altLang="zh-CN" sz="1200" dirty="0" smtClean="0">
-                <a:latin typeface="微软雅黑" pitchFamily="34" charset="-122"/>
-                <a:ea typeface="微软雅黑" pitchFamily="34" charset="-122"/>
-                <a:cs typeface="+mn-cs"/>
-              </a:rPr>
-              <a:t>mock</a:t>
-            </a:r>
-            <a:r>
-              <a:rPr lang="zh-CN" altLang="en-US" sz="1200" dirty="0" smtClean="0">
-                <a:latin typeface="微软雅黑" pitchFamily="34" charset="-122"/>
-                <a:ea typeface="微软雅黑" pitchFamily="34" charset="-122"/>
-                <a:cs typeface="+mn-cs"/>
-              </a:rPr>
-              <a:t>成</a:t>
-            </a:r>
-            <a:r>
-              <a:rPr lang="en-US" altLang="zh-CN" sz="1200" dirty="0" smtClean="0">
-                <a:latin typeface="微软雅黑" pitchFamily="34" charset="-122"/>
-                <a:ea typeface="微软雅黑" pitchFamily="34" charset="-122"/>
-                <a:cs typeface="+mn-cs"/>
-              </a:rPr>
-              <a:t>action</a:t>
-            </a:r>
-            <a:r>
-              <a:rPr lang="zh-CN" altLang="en-US" sz="1200" dirty="0" smtClean="0">
-                <a:latin typeface="微软雅黑" pitchFamily="34" charset="-122"/>
-                <a:ea typeface="微软雅黑" pitchFamily="34" charset="-122"/>
-                <a:cs typeface="+mn-cs"/>
-              </a:rPr>
-              <a:t>行为的方式加入投放</a:t>
-            </a:r>
-            <a:endParaRPr lang="en-US" altLang="zh-CN" sz="1200" dirty="0" smtClean="0">
-              <a:latin typeface="微软雅黑" pitchFamily="34" charset="-122"/>
-              <a:ea typeface="微软雅黑" pitchFamily="34" charset="-122"/>
-              <a:cs typeface="+mn-cs"/>
-            </a:endParaRPr>
-          </a:p>
-          <a:p>
-            <a:pPr marL="1200150" lvl="3" indent="-342900"/>
-            <a:r>
-              <a:rPr lang="en-US" altLang="zh-CN" sz="1200" dirty="0">
-                <a:latin typeface="微软雅黑" pitchFamily="34" charset="-122"/>
-                <a:ea typeface="微软雅黑" pitchFamily="34" charset="-122"/>
-                <a:cs typeface="+mn-cs"/>
-              </a:rPr>
-              <a:t>RT</a:t>
-            </a:r>
-            <a:r>
-              <a:rPr lang="zh-CN" altLang="en-US" sz="1200" dirty="0">
-                <a:latin typeface="微软雅黑" pitchFamily="34" charset="-122"/>
-                <a:ea typeface="微软雅黑" pitchFamily="34" charset="-122"/>
-                <a:cs typeface="+mn-cs"/>
-              </a:rPr>
-              <a:t>数据源的补充</a:t>
-            </a:r>
-            <a:r>
-              <a:rPr lang="zh-CN" altLang="en-US" sz="1200" dirty="0" smtClean="0">
-                <a:latin typeface="微软雅黑" pitchFamily="34" charset="-122"/>
-                <a:ea typeface="微软雅黑" pitchFamily="34" charset="-122"/>
-                <a:cs typeface="+mn-cs"/>
-              </a:rPr>
-              <a:t>：电商节点构建量比较小，调研引入</a:t>
-            </a:r>
-            <a:r>
-              <a:rPr lang="en-US" altLang="zh-CN" sz="1200" dirty="0" smtClean="0">
-                <a:latin typeface="微软雅黑" pitchFamily="34" charset="-122"/>
-                <a:ea typeface="微软雅黑" pitchFamily="34" charset="-122"/>
-                <a:cs typeface="+mn-cs"/>
-              </a:rPr>
-              <a:t>RT</a:t>
-            </a:r>
-            <a:r>
-              <a:rPr lang="zh-CN" altLang="en-US" sz="1200" dirty="0" smtClean="0">
-                <a:latin typeface="微软雅黑" pitchFamily="34" charset="-122"/>
-                <a:ea typeface="微软雅黑" pitchFamily="34" charset="-122"/>
-                <a:cs typeface="+mn-cs"/>
-              </a:rPr>
-              <a:t>数据源，确认</a:t>
-            </a:r>
-            <a:r>
-              <a:rPr lang="zh-CN" altLang="en-US" sz="1200" dirty="0">
-                <a:latin typeface="微软雅黑" pitchFamily="34" charset="-122"/>
-                <a:ea typeface="微软雅黑" pitchFamily="34" charset="-122"/>
-              </a:rPr>
-              <a:t>电商行为</a:t>
-            </a:r>
-            <a:r>
-              <a:rPr lang="zh-CN" altLang="en-US" sz="1200" dirty="0" smtClean="0">
-                <a:latin typeface="微软雅黑" pitchFamily="34" charset="-122"/>
-                <a:ea typeface="微软雅黑" pitchFamily="34" charset="-122"/>
-                <a:cs typeface="+mn-cs"/>
-              </a:rPr>
-              <a:t>可以获得</a:t>
-            </a:r>
-            <a:r>
-              <a:rPr lang="en-US" altLang="zh-CN" sz="1200" dirty="0" smtClean="0">
-                <a:latin typeface="微软雅黑" pitchFamily="34" charset="-122"/>
-                <a:ea typeface="微软雅黑" pitchFamily="34" charset="-122"/>
-                <a:cs typeface="+mn-cs"/>
-              </a:rPr>
-              <a:t>+109%PV</a:t>
-            </a:r>
-            <a:r>
-              <a:rPr lang="zh-CN" altLang="en-US" sz="1200" dirty="0" smtClean="0">
-                <a:latin typeface="微软雅黑" pitchFamily="34" charset="-122"/>
-                <a:ea typeface="微软雅黑" pitchFamily="34" charset="-122"/>
-                <a:cs typeface="+mn-cs"/>
-              </a:rPr>
-              <a:t>，</a:t>
-            </a:r>
-            <a:r>
-              <a:rPr lang="en-US" altLang="zh-CN" sz="1200" dirty="0" smtClean="0">
-                <a:latin typeface="微软雅黑" pitchFamily="34" charset="-122"/>
-                <a:ea typeface="微软雅黑" pitchFamily="34" charset="-122"/>
-                <a:cs typeface="+mn-cs"/>
-              </a:rPr>
-              <a:t>+62%UV</a:t>
-            </a:r>
-            <a:r>
-              <a:rPr lang="zh-CN" altLang="en-US" sz="1200" dirty="0" smtClean="0">
-                <a:latin typeface="微软雅黑" pitchFamily="34" charset="-122"/>
-                <a:ea typeface="微软雅黑" pitchFamily="34" charset="-122"/>
-                <a:cs typeface="+mn-cs"/>
-              </a:rPr>
-              <a:t>的增益；</a:t>
-            </a:r>
-            <a:r>
-              <a:rPr lang="en-US" altLang="zh-CN" sz="1200" dirty="0" err="1" smtClean="0">
-                <a:latin typeface="微软雅黑" pitchFamily="34" charset="-122"/>
-                <a:ea typeface="微软雅黑" pitchFamily="34" charset="-122"/>
-                <a:cs typeface="+mn-cs"/>
-              </a:rPr>
-              <a:t>rt</a:t>
-            </a:r>
-            <a:r>
-              <a:rPr lang="zh-CN" altLang="en-US" sz="1200" dirty="0" smtClean="0">
-                <a:latin typeface="微软雅黑" pitchFamily="34" charset="-122"/>
-                <a:ea typeface="微软雅黑" pitchFamily="34" charset="-122"/>
-                <a:cs typeface="+mn-cs"/>
-              </a:rPr>
-              <a:t>全行为的增益是</a:t>
-            </a:r>
-            <a:r>
-              <a:rPr lang="en-US" altLang="zh-CN" sz="1200" dirty="0" smtClean="0">
-                <a:latin typeface="微软雅黑" pitchFamily="34" charset="-122"/>
-                <a:ea typeface="微软雅黑" pitchFamily="34" charset="-122"/>
-                <a:cs typeface="+mn-cs"/>
-              </a:rPr>
-              <a:t>+247%PV</a:t>
-            </a:r>
-            <a:r>
-              <a:rPr lang="zh-CN" altLang="en-US" sz="1200" dirty="0" smtClean="0">
-                <a:latin typeface="微软雅黑" pitchFamily="34" charset="-122"/>
-                <a:ea typeface="微软雅黑" pitchFamily="34" charset="-122"/>
-                <a:cs typeface="+mn-cs"/>
-              </a:rPr>
-              <a:t>，</a:t>
-            </a:r>
-            <a:r>
-              <a:rPr lang="en-US" altLang="zh-CN" sz="1200" dirty="0" smtClean="0">
-                <a:latin typeface="微软雅黑" pitchFamily="34" charset="-122"/>
-                <a:ea typeface="微软雅黑" pitchFamily="34" charset="-122"/>
-                <a:cs typeface="+mn-cs"/>
-              </a:rPr>
-              <a:t>+70%UV</a:t>
-            </a:r>
-            <a:r>
-              <a:rPr lang="zh-CN" altLang="en-US" sz="1200" dirty="0" smtClean="0">
-                <a:latin typeface="微软雅黑" pitchFamily="34" charset="-122"/>
-                <a:ea typeface="微软雅黑" pitchFamily="34" charset="-122"/>
-                <a:cs typeface="+mn-cs"/>
-              </a:rPr>
-              <a:t>，目前</a:t>
-            </a:r>
-            <a:r>
-              <a:rPr lang="en-US" altLang="zh-CN" sz="1200" dirty="0" err="1" smtClean="0">
-                <a:latin typeface="微软雅黑" pitchFamily="34" charset="-122"/>
-                <a:ea typeface="微软雅黑" pitchFamily="34" charset="-122"/>
-                <a:cs typeface="+mn-cs"/>
-              </a:rPr>
-              <a:t>rt</a:t>
-            </a:r>
-            <a:r>
-              <a:rPr lang="zh-CN" altLang="en-US" sz="1200" dirty="0" smtClean="0">
-                <a:latin typeface="微软雅黑" pitchFamily="34" charset="-122"/>
-                <a:ea typeface="微软雅黑" pitchFamily="34" charset="-122"/>
-                <a:cs typeface="+mn-cs"/>
-              </a:rPr>
-              <a:t>端高级代码使用</a:t>
-            </a:r>
-            <a:r>
-              <a:rPr lang="en-US" altLang="zh-CN" sz="1200" dirty="0" err="1" smtClean="0">
-                <a:latin typeface="微软雅黑" pitchFamily="34" charset="-122"/>
-                <a:ea typeface="微软雅黑" pitchFamily="34" charset="-122"/>
-                <a:cs typeface="+mn-cs"/>
-              </a:rPr>
-              <a:t>url</a:t>
-            </a:r>
-            <a:r>
-              <a:rPr lang="zh-CN" altLang="en-US" sz="1200" dirty="0" smtClean="0">
-                <a:latin typeface="微软雅黑" pitchFamily="34" charset="-122"/>
-                <a:ea typeface="微软雅黑" pitchFamily="34" charset="-122"/>
-                <a:cs typeface="+mn-cs"/>
-              </a:rPr>
-              <a:t>填</a:t>
-            </a:r>
-            <a:r>
-              <a:rPr lang="zh-CN" altLang="en-US" sz="1200" dirty="0" smtClean="0">
-                <a:latin typeface="微软雅黑" pitchFamily="34" charset="-122"/>
-                <a:ea typeface="微软雅黑" pitchFamily="34" charset="-122"/>
-                <a:cs typeface="+mn-cs"/>
-              </a:rPr>
-              <a:t>充暂时不能获</a:t>
-            </a:r>
-            <a:r>
-              <a:rPr lang="zh-CN" altLang="en-US" sz="1200" dirty="0" smtClean="0">
-                <a:latin typeface="微软雅黑" pitchFamily="34" charset="-122"/>
-                <a:ea typeface="微软雅黑" pitchFamily="34" charset="-122"/>
-                <a:cs typeface="+mn-cs"/>
-              </a:rPr>
-              <a:t>取</a:t>
-            </a:r>
-            <a:endParaRPr lang="en-US" altLang="zh-CN" sz="1200" dirty="0">
-              <a:latin typeface="微软雅黑" pitchFamily="34" charset="-122"/>
-              <a:ea typeface="微软雅黑" pitchFamily="34" charset="-122"/>
-              <a:cs typeface="+mn-cs"/>
-            </a:endParaRPr>
-          </a:p>
-          <a:p>
-            <a:pPr marL="742950" lvl="2" indent="-342900"/>
-            <a:r>
-              <a:rPr lang="zh-CN" altLang="en-US" sz="1400" dirty="0" smtClean="0">
-                <a:latin typeface="微软雅黑" pitchFamily="34" charset="-122"/>
-                <a:ea typeface="微软雅黑" pitchFamily="34" charset="-122"/>
-                <a:cs typeface="+mn-cs"/>
-              </a:rPr>
-              <a:t>取</a:t>
-            </a:r>
-            <a:r>
-              <a:rPr lang="zh-CN" altLang="en-US" sz="1400" dirty="0">
-                <a:latin typeface="微软雅黑" pitchFamily="34" charset="-122"/>
-                <a:ea typeface="微软雅黑" pitchFamily="34" charset="-122"/>
-                <a:cs typeface="+mn-cs"/>
-              </a:rPr>
-              <a:t>得的成果：</a:t>
-            </a:r>
-            <a:endParaRPr lang="en-US" altLang="zh-CN" sz="1400" dirty="0">
-              <a:latin typeface="微软雅黑" pitchFamily="34" charset="-122"/>
-              <a:ea typeface="微软雅黑" pitchFamily="34" charset="-122"/>
-              <a:cs typeface="+mn-cs"/>
-            </a:endParaRPr>
-          </a:p>
-          <a:p>
-            <a:pPr marL="1200150" lvl="3" indent="-342900"/>
-            <a:r>
-              <a:rPr lang="zh-CN" altLang="en-US" sz="1200" dirty="0" smtClean="0">
-                <a:latin typeface="微软雅黑" pitchFamily="34" charset="-122"/>
-                <a:ea typeface="微软雅黑" pitchFamily="34" charset="-122"/>
-                <a:cs typeface="+mn-cs"/>
-              </a:rPr>
-              <a:t>电商构建节点整体占检索总量</a:t>
-            </a:r>
-            <a:r>
-              <a:rPr lang="en-US" altLang="zh-CN" sz="1200" dirty="0" smtClean="0">
-                <a:latin typeface="微软雅黑" pitchFamily="34" charset="-122"/>
-                <a:ea typeface="微软雅黑" pitchFamily="34" charset="-122"/>
-                <a:cs typeface="+mn-cs"/>
-              </a:rPr>
-              <a:t>21%PV</a:t>
-            </a:r>
-            <a:r>
-              <a:rPr lang="zh-CN" altLang="en-US" sz="1200" dirty="0" smtClean="0">
-                <a:latin typeface="微软雅黑" pitchFamily="34" charset="-122"/>
-                <a:ea typeface="微软雅黑" pitchFamily="34" charset="-122"/>
-                <a:cs typeface="+mn-cs"/>
-              </a:rPr>
-              <a:t>，</a:t>
-            </a:r>
-            <a:r>
-              <a:rPr lang="en-US" altLang="zh-CN" sz="1200" dirty="0" smtClean="0">
-                <a:latin typeface="微软雅黑" pitchFamily="34" charset="-122"/>
-                <a:ea typeface="微软雅黑" pitchFamily="34" charset="-122"/>
-                <a:cs typeface="+mn-cs"/>
-              </a:rPr>
-              <a:t>15%UV</a:t>
-            </a:r>
-            <a:r>
-              <a:rPr lang="zh-CN" altLang="en-US" sz="1200" dirty="0" smtClean="0">
-                <a:latin typeface="微软雅黑" pitchFamily="34" charset="-122"/>
-                <a:ea typeface="微软雅黑" pitchFamily="34" charset="-122"/>
-                <a:cs typeface="+mn-cs"/>
-              </a:rPr>
-              <a:t>；</a:t>
-            </a:r>
-            <a:r>
-              <a:rPr lang="en-US" altLang="zh-CN" sz="1200" dirty="0" smtClean="0">
-                <a:latin typeface="微软雅黑" pitchFamily="34" charset="-122"/>
-                <a:ea typeface="微软雅黑" pitchFamily="34" charset="-122"/>
-                <a:cs typeface="+mn-cs"/>
-              </a:rPr>
-              <a:t>PM</a:t>
-            </a:r>
-            <a:r>
-              <a:rPr lang="zh-CN" altLang="en-US" sz="1200" dirty="0" smtClean="0">
-                <a:latin typeface="微软雅黑" pitchFamily="34" charset="-122"/>
-                <a:ea typeface="微软雅黑" pitchFamily="34" charset="-122"/>
-                <a:cs typeface="+mn-cs"/>
-              </a:rPr>
-              <a:t>评估准确率达标</a:t>
-            </a:r>
-            <a:r>
-              <a:rPr lang="en-US" altLang="zh-CN" sz="1200" dirty="0" smtClean="0">
-                <a:latin typeface="微软雅黑" pitchFamily="34" charset="-122"/>
-                <a:ea typeface="微软雅黑" pitchFamily="34" charset="-122"/>
-                <a:cs typeface="+mn-cs"/>
-              </a:rPr>
-              <a:t>80%</a:t>
-            </a:r>
-          </a:p>
-          <a:p>
-            <a:pPr marL="1200150" lvl="3" indent="-342900"/>
-            <a:r>
-              <a:rPr lang="zh-CN" altLang="en-US" sz="1200" dirty="0" smtClean="0">
-                <a:latin typeface="微软雅黑" pitchFamily="34" charset="-122"/>
-                <a:ea typeface="微软雅黑" pitchFamily="34" charset="-122"/>
-                <a:cs typeface="+mn-cs"/>
-              </a:rPr>
-              <a:t>配合整体投放策略，完成双</a:t>
-            </a:r>
-            <a:r>
-              <a:rPr lang="en-US" altLang="zh-CN" sz="1200" dirty="0" smtClean="0">
-                <a:latin typeface="微软雅黑" pitchFamily="34" charset="-122"/>
-                <a:ea typeface="微软雅黑" pitchFamily="34" charset="-122"/>
-                <a:cs typeface="+mn-cs"/>
-              </a:rPr>
-              <a:t>11</a:t>
-            </a:r>
-            <a:r>
-              <a:rPr lang="zh-CN" altLang="en-US" sz="1200" dirty="0" smtClean="0">
-                <a:latin typeface="微软雅黑" pitchFamily="34" charset="-122"/>
-                <a:ea typeface="微软雅黑" pitchFamily="34" charset="-122"/>
-                <a:cs typeface="+mn-cs"/>
-              </a:rPr>
-              <a:t>投放</a:t>
-            </a:r>
-            <a:r>
-              <a:rPr lang="en-US" altLang="zh-CN" sz="1200" dirty="0" smtClean="0">
-                <a:latin typeface="微软雅黑" pitchFamily="34" charset="-122"/>
-                <a:ea typeface="微软雅黑" pitchFamily="34" charset="-122"/>
-                <a:cs typeface="+mn-cs"/>
-              </a:rPr>
-              <a:t>500</a:t>
-            </a:r>
-            <a:r>
-              <a:rPr lang="zh-CN" altLang="en-US" sz="1200" dirty="0" smtClean="0">
-                <a:latin typeface="微软雅黑" pitchFamily="34" charset="-122"/>
-                <a:ea typeface="微软雅黑" pitchFamily="34" charset="-122"/>
-                <a:cs typeface="+mn-cs"/>
-              </a:rPr>
-              <a:t>万消费额目标（客户天猫消费总额</a:t>
-            </a:r>
-            <a:r>
-              <a:rPr lang="en-US" altLang="zh-CN" sz="1200" dirty="0" smtClean="0">
-                <a:latin typeface="微软雅黑" pitchFamily="34" charset="-122"/>
-                <a:ea typeface="微软雅黑" pitchFamily="34" charset="-122"/>
-                <a:cs typeface="+mn-cs"/>
-              </a:rPr>
-              <a:t>567</a:t>
-            </a:r>
-            <a:r>
-              <a:rPr lang="zh-CN" altLang="en-US" sz="1200" dirty="0" smtClean="0">
-                <a:latin typeface="微软雅黑" pitchFamily="34" charset="-122"/>
-                <a:ea typeface="微软雅黑" pitchFamily="34" charset="-122"/>
-                <a:cs typeface="+mn-cs"/>
-              </a:rPr>
-              <a:t>万，开物贡献</a:t>
-            </a:r>
-            <a:r>
-              <a:rPr lang="en-US" altLang="zh-CN" sz="1200" dirty="0" smtClean="0">
-                <a:latin typeface="微软雅黑" pitchFamily="34" charset="-122"/>
-                <a:ea typeface="微软雅黑" pitchFamily="34" charset="-122"/>
-                <a:cs typeface="+mn-cs"/>
-              </a:rPr>
-              <a:t>46</a:t>
-            </a:r>
-            <a:r>
-              <a:rPr lang="zh-CN" altLang="en-US" sz="1200" dirty="0" smtClean="0">
-                <a:latin typeface="微软雅黑" pitchFamily="34" charset="-122"/>
-                <a:ea typeface="微软雅黑" pitchFamily="34" charset="-122"/>
-                <a:cs typeface="+mn-cs"/>
-              </a:rPr>
-              <a:t>万）</a:t>
-            </a:r>
-            <a:endParaRPr lang="en-US" altLang="zh-CN" sz="1200" dirty="0" smtClean="0">
-              <a:latin typeface="微软雅黑" pitchFamily="34" charset="-122"/>
-              <a:ea typeface="微软雅黑" pitchFamily="34" charset="-122"/>
-              <a:cs typeface="+mn-cs"/>
-            </a:endParaRPr>
-          </a:p>
-          <a:p>
-            <a:pPr marL="742950" lvl="2" indent="-342900"/>
-            <a:r>
-              <a:rPr lang="zh-CN" altLang="en-US" sz="1400" dirty="0" smtClean="0">
-                <a:latin typeface="微软雅黑" pitchFamily="34" charset="-122"/>
-                <a:ea typeface="微软雅黑" pitchFamily="34" charset="-122"/>
-                <a:cs typeface="+mn-cs"/>
-              </a:rPr>
-              <a:t>未来待解决的已知问</a:t>
-            </a:r>
-            <a:r>
-              <a:rPr lang="zh-CN" altLang="en-US" sz="1400" dirty="0">
-                <a:latin typeface="微软雅黑" pitchFamily="34" charset="-122"/>
-                <a:ea typeface="微软雅黑" pitchFamily="34" charset="-122"/>
-                <a:cs typeface="+mn-cs"/>
-              </a:rPr>
-              <a:t>题：</a:t>
-            </a:r>
-            <a:endParaRPr lang="en-US" altLang="zh-CN" sz="1400" dirty="0">
-              <a:latin typeface="微软雅黑" pitchFamily="34" charset="-122"/>
-              <a:ea typeface="微软雅黑" pitchFamily="34" charset="-122"/>
-              <a:cs typeface="+mn-cs"/>
-            </a:endParaRPr>
-          </a:p>
-          <a:p>
-            <a:pPr marL="1200150" lvl="3" indent="-342900"/>
-            <a:r>
-              <a:rPr lang="en-US" altLang="zh-CN" sz="1200" dirty="0" smtClean="0">
-                <a:latin typeface="微软雅黑" pitchFamily="34" charset="-122"/>
-                <a:ea typeface="微软雅黑" pitchFamily="34" charset="-122"/>
-                <a:cs typeface="+mn-cs"/>
-              </a:rPr>
-              <a:t>IT</a:t>
-            </a:r>
-            <a:r>
-              <a:rPr lang="zh-CN" altLang="en-US" sz="1200" dirty="0" smtClean="0">
-                <a:latin typeface="微软雅黑" pitchFamily="34" charset="-122"/>
-                <a:ea typeface="微软雅黑" pitchFamily="34" charset="-122"/>
-                <a:cs typeface="+mn-cs"/>
-              </a:rPr>
-              <a:t>通</a:t>
-            </a:r>
-            <a:r>
-              <a:rPr lang="zh-CN" altLang="en-US" sz="1200" dirty="0">
-                <a:latin typeface="微软雅黑" pitchFamily="34" charset="-122"/>
-                <a:ea typeface="微软雅黑" pitchFamily="34" charset="-122"/>
-                <a:cs typeface="+mn-cs"/>
-              </a:rPr>
-              <a:t>道压力：双</a:t>
-            </a:r>
-            <a:r>
-              <a:rPr lang="en-US" altLang="zh-CN" sz="1200" dirty="0">
-                <a:latin typeface="微软雅黑" pitchFamily="34" charset="-122"/>
-                <a:ea typeface="微软雅黑" pitchFamily="34" charset="-122"/>
-                <a:cs typeface="+mn-cs"/>
-              </a:rPr>
-              <a:t>12</a:t>
-            </a:r>
-            <a:r>
-              <a:rPr lang="zh-CN" altLang="en-US" sz="1200" dirty="0">
-                <a:latin typeface="微软雅黑" pitchFamily="34" charset="-122"/>
-                <a:ea typeface="微软雅黑" pitchFamily="34" charset="-122"/>
-                <a:cs typeface="+mn-cs"/>
-              </a:rPr>
-              <a:t>的电商投放，没有达到双</a:t>
-            </a:r>
-            <a:r>
-              <a:rPr lang="en-US" altLang="zh-CN" sz="1200" dirty="0">
-                <a:latin typeface="微软雅黑" pitchFamily="34" charset="-122"/>
-                <a:ea typeface="微软雅黑" pitchFamily="34" charset="-122"/>
-                <a:cs typeface="+mn-cs"/>
-              </a:rPr>
-              <a:t>11</a:t>
-            </a:r>
-            <a:r>
-              <a:rPr lang="zh-CN" altLang="en-US" sz="1200" dirty="0">
-                <a:latin typeface="微软雅黑" pitchFamily="34" charset="-122"/>
-                <a:ea typeface="微软雅黑" pitchFamily="34" charset="-122"/>
-                <a:cs typeface="+mn-cs"/>
-              </a:rPr>
-              <a:t>类似的预期效果，排查结论是人群覆盖并不差于对比组</a:t>
-            </a:r>
-            <a:r>
-              <a:rPr lang="en-US" altLang="zh-CN" sz="1200" dirty="0">
-                <a:latin typeface="微软雅黑" pitchFamily="34" charset="-122"/>
-                <a:ea typeface="微软雅黑" pitchFamily="34" charset="-122"/>
-                <a:cs typeface="+mn-cs"/>
-              </a:rPr>
-              <a:t>RT</a:t>
-            </a:r>
-            <a:r>
-              <a:rPr lang="zh-CN" altLang="en-US" sz="1200" dirty="0">
-                <a:latin typeface="微软雅黑" pitchFamily="34" charset="-122"/>
-                <a:ea typeface="微软雅黑" pitchFamily="34" charset="-122"/>
-                <a:cs typeface="+mn-cs"/>
-              </a:rPr>
-              <a:t>，但是单位</a:t>
-            </a:r>
-            <a:r>
-              <a:rPr lang="en-US" altLang="zh-CN" sz="1200" dirty="0" err="1">
-                <a:latin typeface="微软雅黑" pitchFamily="34" charset="-122"/>
-                <a:ea typeface="微软雅黑" pitchFamily="34" charset="-122"/>
-                <a:cs typeface="+mn-cs"/>
-              </a:rPr>
-              <a:t>uv</a:t>
-            </a:r>
-            <a:r>
-              <a:rPr lang="zh-CN" altLang="en-US" sz="1200" dirty="0">
-                <a:latin typeface="微软雅黑" pitchFamily="34" charset="-122"/>
-                <a:ea typeface="微软雅黑" pitchFamily="34" charset="-122"/>
-                <a:cs typeface="+mn-cs"/>
-              </a:rPr>
-              <a:t>展现量仅为</a:t>
-            </a:r>
-            <a:r>
-              <a:rPr lang="en-US" altLang="zh-CN" sz="1200" dirty="0">
-                <a:latin typeface="微软雅黑" pitchFamily="34" charset="-122"/>
-                <a:ea typeface="微软雅黑" pitchFamily="34" charset="-122"/>
-                <a:cs typeface="+mn-cs"/>
-              </a:rPr>
-              <a:t>30%</a:t>
-            </a:r>
-            <a:r>
-              <a:rPr lang="zh-CN" altLang="en-US" sz="1200" dirty="0">
-                <a:latin typeface="微软雅黑" pitchFamily="34" charset="-122"/>
-                <a:ea typeface="微软雅黑" pitchFamily="34" charset="-122"/>
-                <a:cs typeface="+mn-cs"/>
-              </a:rPr>
-              <a:t>；</a:t>
-            </a:r>
-            <a:r>
-              <a:rPr lang="en-US" altLang="zh-CN" sz="1200" dirty="0">
-                <a:latin typeface="微软雅黑" pitchFamily="34" charset="-122"/>
-                <a:ea typeface="微软雅黑" pitchFamily="34" charset="-122"/>
-                <a:cs typeface="+mn-cs"/>
-              </a:rPr>
-              <a:t>it</a:t>
-            </a:r>
-            <a:r>
-              <a:rPr lang="zh-CN" altLang="en-US" sz="1200" dirty="0">
-                <a:latin typeface="微软雅黑" pitchFamily="34" charset="-122"/>
-                <a:ea typeface="微软雅黑" pitchFamily="34" charset="-122"/>
-                <a:cs typeface="+mn-cs"/>
-              </a:rPr>
-              <a:t>通道</a:t>
-            </a:r>
-            <a:r>
-              <a:rPr lang="en-US" altLang="zh-CN" sz="1200" dirty="0">
-                <a:latin typeface="微软雅黑" pitchFamily="34" charset="-122"/>
-                <a:ea typeface="微软雅黑" pitchFamily="34" charset="-122"/>
-                <a:cs typeface="+mn-cs"/>
-              </a:rPr>
-              <a:t>12.12</a:t>
-            </a:r>
-            <a:r>
-              <a:rPr lang="zh-CN" altLang="en-US" sz="1200" dirty="0">
-                <a:latin typeface="微软雅黑" pitchFamily="34" charset="-122"/>
-                <a:ea typeface="微软雅黑" pitchFamily="34" charset="-122"/>
-                <a:cs typeface="+mn-cs"/>
-              </a:rPr>
-              <a:t>日当天检索量打满，通道竞争激烈导致检索放量不足，完成</a:t>
-            </a:r>
-            <a:r>
-              <a:rPr lang="en-US" altLang="zh-CN" sz="1200" dirty="0" err="1">
-                <a:latin typeface="微软雅黑" pitchFamily="34" charset="-122"/>
-                <a:ea typeface="微软雅黑" pitchFamily="34" charset="-122"/>
-                <a:cs typeface="+mn-cs"/>
-              </a:rPr>
-              <a:t>ei</a:t>
-            </a:r>
-            <a:r>
-              <a:rPr lang="zh-CN" altLang="en-US" sz="1200" dirty="0">
-                <a:latin typeface="微软雅黑" pitchFamily="34" charset="-122"/>
-                <a:ea typeface="微软雅黑" pitchFamily="34" charset="-122"/>
-                <a:cs typeface="+mn-cs"/>
-              </a:rPr>
-              <a:t>迁移后需要调研放量的可能性</a:t>
-            </a:r>
-            <a:endParaRPr lang="en-US" altLang="zh-CN" sz="1200" dirty="0">
-              <a:latin typeface="微软雅黑" pitchFamily="34" charset="-122"/>
-              <a:ea typeface="微软雅黑" pitchFamily="34" charset="-122"/>
-              <a:cs typeface="+mn-cs"/>
-            </a:endParaRPr>
-          </a:p>
-          <a:p>
-            <a:pPr marL="1200150" lvl="3" indent="-342900"/>
-            <a:r>
-              <a:rPr lang="zh-CN" altLang="en-US" sz="1200" dirty="0">
-                <a:latin typeface="微软雅黑" pitchFamily="34" charset="-122"/>
-                <a:ea typeface="微软雅黑" pitchFamily="34" charset="-122"/>
-                <a:cs typeface="+mn-cs"/>
-              </a:rPr>
-              <a:t>电商站点</a:t>
-            </a:r>
-            <a:r>
-              <a:rPr lang="zh-CN" altLang="en-US" sz="1200" dirty="0" smtClean="0">
-                <a:latin typeface="微软雅黑" pitchFamily="34" charset="-122"/>
-                <a:ea typeface="微软雅黑" pitchFamily="34" charset="-122"/>
-                <a:cs typeface="+mn-cs"/>
-              </a:rPr>
-              <a:t>的特征迁</a:t>
-            </a:r>
-            <a:r>
-              <a:rPr lang="zh-CN" altLang="en-US" sz="1200" dirty="0">
-                <a:latin typeface="微软雅黑" pitchFamily="34" charset="-122"/>
-                <a:ea typeface="微软雅黑" pitchFamily="34" charset="-122"/>
-                <a:cs typeface="+mn-cs"/>
-              </a:rPr>
-              <a:t>移：由于电商站点原先使用</a:t>
-            </a:r>
-            <a:r>
-              <a:rPr lang="en-US" altLang="zh-CN" sz="1200" dirty="0">
-                <a:latin typeface="微软雅黑" pitchFamily="34" charset="-122"/>
-                <a:ea typeface="微软雅黑" pitchFamily="34" charset="-122"/>
-                <a:cs typeface="+mn-cs"/>
-              </a:rPr>
-              <a:t>mock</a:t>
-            </a:r>
-            <a:r>
-              <a:rPr lang="zh-CN" altLang="en-US" sz="1200" dirty="0">
-                <a:latin typeface="微软雅黑" pitchFamily="34" charset="-122"/>
-                <a:ea typeface="微软雅黑" pitchFamily="34" charset="-122"/>
-                <a:cs typeface="+mn-cs"/>
-              </a:rPr>
-              <a:t>成</a:t>
-            </a:r>
-            <a:r>
-              <a:rPr lang="en-US" altLang="zh-CN" sz="1200" dirty="0">
-                <a:latin typeface="微软雅黑" pitchFamily="34" charset="-122"/>
-                <a:ea typeface="微软雅黑" pitchFamily="34" charset="-122"/>
-                <a:cs typeface="+mn-cs"/>
-              </a:rPr>
-              <a:t>action</a:t>
-            </a:r>
-            <a:r>
-              <a:rPr lang="zh-CN" altLang="en-US" sz="1200" dirty="0">
-                <a:latin typeface="微软雅黑" pitchFamily="34" charset="-122"/>
-                <a:ea typeface="微软雅黑" pitchFamily="34" charset="-122"/>
-                <a:cs typeface="+mn-cs"/>
-              </a:rPr>
-              <a:t>方式执行，后续迁移到</a:t>
-            </a:r>
-            <a:r>
-              <a:rPr lang="en-US" altLang="zh-CN" sz="1200" dirty="0" err="1">
-                <a:latin typeface="微软雅黑" pitchFamily="34" charset="-122"/>
-                <a:ea typeface="微软雅黑" pitchFamily="34" charset="-122"/>
-                <a:cs typeface="+mn-cs"/>
-              </a:rPr>
-              <a:t>ei</a:t>
-            </a:r>
-            <a:r>
-              <a:rPr lang="zh-CN" altLang="en-US" sz="1200" dirty="0">
-                <a:latin typeface="微软雅黑" pitchFamily="34" charset="-122"/>
-                <a:ea typeface="微软雅黑" pitchFamily="34" charset="-122"/>
-                <a:cs typeface="+mn-cs"/>
-              </a:rPr>
-              <a:t>后，需要</a:t>
-            </a:r>
-            <a:r>
-              <a:rPr lang="en-US" altLang="zh-CN" sz="1200" dirty="0" err="1">
-                <a:latin typeface="微软雅黑" pitchFamily="34" charset="-122"/>
-                <a:ea typeface="微软雅黑" pitchFamily="34" charset="-122"/>
-                <a:cs typeface="+mn-cs"/>
-              </a:rPr>
-              <a:t>pfs</a:t>
-            </a:r>
-            <a:r>
-              <a:rPr lang="zh-CN" altLang="en-US" sz="1200" dirty="0">
-                <a:latin typeface="微软雅黑" pitchFamily="34" charset="-122"/>
-                <a:ea typeface="微软雅黑" pitchFamily="34" charset="-122"/>
-                <a:cs typeface="+mn-cs"/>
-              </a:rPr>
-              <a:t>（网页特征端）浏览</a:t>
-            </a:r>
-            <a:r>
-              <a:rPr lang="en-US" altLang="zh-CN" sz="1200" dirty="0" err="1">
-                <a:latin typeface="微软雅黑" pitchFamily="34" charset="-122"/>
-                <a:ea typeface="微软雅黑" pitchFamily="34" charset="-122"/>
-                <a:cs typeface="+mn-cs"/>
-              </a:rPr>
-              <a:t>ei</a:t>
-            </a:r>
-            <a:r>
-              <a:rPr lang="zh-CN" altLang="en-US" sz="1200" dirty="0">
-                <a:latin typeface="微软雅黑" pitchFamily="34" charset="-122"/>
-                <a:ea typeface="微软雅黑" pitchFamily="34" charset="-122"/>
-                <a:cs typeface="+mn-cs"/>
-              </a:rPr>
-              <a:t>框架支持迁</a:t>
-            </a:r>
-            <a:r>
-              <a:rPr lang="zh-CN" altLang="en-US" sz="1200" dirty="0" smtClean="0">
-                <a:latin typeface="微软雅黑" pitchFamily="34" charset="-122"/>
-                <a:ea typeface="微软雅黑" pitchFamily="34" charset="-122"/>
-                <a:cs typeface="+mn-cs"/>
-              </a:rPr>
-              <a:t>移</a:t>
-            </a:r>
-            <a:endParaRPr lang="en-US" altLang="zh-CN" sz="1200" dirty="0">
-              <a:latin typeface="微软雅黑" pitchFamily="34" charset="-122"/>
-              <a:ea typeface="微软雅黑" pitchFamily="34" charset="-122"/>
-              <a:cs typeface="+mn-cs"/>
-            </a:endParaRPr>
-          </a:p>
-        </p:txBody>
-      </p:sp>
-      <p:sp>
-        <p:nvSpPr>
           <p:cNvPr id="3" name="标题 1"/>
           <p:cNvSpPr txBox="1">
             <a:spLocks/>
@@ -12599,7 +11169,7 @@
           <a:p>
             <a:pPr eaLnBrk="1" hangingPunct="1"/>
             <a:r>
-              <a:rPr lang="zh-CN" altLang="en-US" dirty="0" smtClean="0">
+              <a:rPr lang="zh-CN" altLang="en-US" dirty="0">
                 <a:solidFill>
                   <a:schemeClr val="tx1"/>
                 </a:solidFill>
@@ -12609,7 +11179,7 @@
               <a:t>前序</a:t>
             </a:r>
             <a:r>
-              <a:rPr lang="en-US" altLang="zh-CN" dirty="0" smtClean="0">
+              <a:rPr lang="en-US" altLang="zh-CN" dirty="0">
                 <a:solidFill>
                   <a:schemeClr val="tx1"/>
                 </a:solidFill>
@@ -12619,7 +11189,7 @@
               <a:t>-</a:t>
             </a:r>
             <a:r>
-              <a:rPr lang="zh-CN" altLang="en-US" dirty="0" smtClean="0">
+              <a:rPr lang="zh-CN" altLang="en-US" dirty="0">
                 <a:solidFill>
                   <a:schemeClr val="tx1"/>
                 </a:solidFill>
@@ -12629,7 +11199,7 @@
               <a:t>准确的描述</a:t>
             </a:r>
             <a:r>
-              <a:rPr lang="en-US" altLang="zh-CN" dirty="0" smtClean="0">
+              <a:rPr lang="en-US" altLang="zh-CN" dirty="0">
                 <a:solidFill>
                   <a:schemeClr val="tx1"/>
                 </a:solidFill>
@@ -12639,7 +11209,7 @@
               <a:t>Cookie</a:t>
             </a:r>
             <a:r>
-              <a:rPr lang="zh-CN" altLang="en-US" dirty="0" smtClean="0">
+              <a:rPr lang="zh-CN" altLang="en-US" dirty="0">
                 <a:solidFill>
                   <a:schemeClr val="tx1"/>
                 </a:solidFill>
@@ -12658,10 +11228,273 @@
           </a:p>
         </p:txBody>
       </p:sp>
+      <p:sp>
+        <p:nvSpPr>
+          <p:cNvPr id="4" name="Content Placeholder 3"/>
+          <p:cNvSpPr>
+            <a:spLocks noGrp="1"/>
+          </p:cNvSpPr>
+          <p:nvPr>
+            <p:ph idx="1"/>
+          </p:nvPr>
+        </p:nvSpPr>
+        <p:spPr/>
+        <p:txBody>
+          <a:bodyPr/>
+          <a:lstStyle/>
+          <a:p>
+            <a:r>
+              <a:rPr lang="zh-CN" altLang="en-US" sz="1800" dirty="0">
+                <a:latin typeface="微软雅黑" pitchFamily="34" charset="-122"/>
+                <a:ea typeface="微软雅黑" pitchFamily="34" charset="-122"/>
+              </a:rPr>
+              <a:t>开</a:t>
+            </a:r>
+            <a:r>
+              <a:rPr lang="zh-CN" altLang="en-US" sz="1800" dirty="0" smtClean="0">
+                <a:latin typeface="微软雅黑" pitchFamily="34" charset="-122"/>
+                <a:ea typeface="微软雅黑" pitchFamily="34" charset="-122"/>
+              </a:rPr>
+              <a:t>物行为链接层（</a:t>
+            </a:r>
+            <a:r>
+              <a:rPr lang="en-US" altLang="zh-CN" sz="1800" dirty="0" smtClean="0">
+                <a:latin typeface="微软雅黑" pitchFamily="34" charset="-122"/>
+                <a:ea typeface="微软雅黑" pitchFamily="34" charset="-122"/>
+              </a:rPr>
+              <a:t>L2</a:t>
+            </a:r>
+            <a:r>
+              <a:rPr lang="zh-CN" altLang="en-US" sz="1800" dirty="0" smtClean="0">
+                <a:latin typeface="微软雅黑" pitchFamily="34" charset="-122"/>
+                <a:ea typeface="微软雅黑" pitchFamily="34" charset="-122"/>
+              </a:rPr>
+              <a:t>）的调研工作，主要目的是</a:t>
+            </a:r>
+            <a:r>
+              <a:rPr lang="zh-CN" altLang="en-US" sz="1800" dirty="0">
+                <a:latin typeface="微软雅黑" pitchFamily="34" charset="-122"/>
+                <a:ea typeface="微软雅黑" pitchFamily="34" charset="-122"/>
+              </a:rPr>
+              <a:t>用户行为的关联和去</a:t>
+            </a:r>
+            <a:r>
+              <a:rPr lang="zh-CN" altLang="en-US" sz="1800" dirty="0" smtClean="0">
+                <a:latin typeface="微软雅黑" pitchFamily="34" charset="-122"/>
+                <a:ea typeface="微软雅黑" pitchFamily="34" charset="-122"/>
+              </a:rPr>
+              <a:t>噪，去除不置信的行为特征，为人群定义层（</a:t>
+            </a:r>
+            <a:r>
+              <a:rPr lang="en-US" altLang="zh-CN" sz="1800" dirty="0" smtClean="0">
+                <a:latin typeface="微软雅黑" pitchFamily="34" charset="-122"/>
+                <a:ea typeface="微软雅黑" pitchFamily="34" charset="-122"/>
+              </a:rPr>
+              <a:t>L3~L5</a:t>
+            </a:r>
+            <a:r>
+              <a:rPr lang="zh-CN" altLang="en-US" sz="1800" dirty="0" smtClean="0">
+                <a:latin typeface="微软雅黑" pitchFamily="34" charset="-122"/>
+                <a:ea typeface="微软雅黑" pitchFamily="34" charset="-122"/>
+              </a:rPr>
+              <a:t>）提供支持</a:t>
+            </a:r>
+            <a:endParaRPr lang="en-US" altLang="zh-CN" sz="1800" dirty="0">
+              <a:latin typeface="微软雅黑" pitchFamily="34" charset="-122"/>
+              <a:ea typeface="微软雅黑" pitchFamily="34" charset="-122"/>
+            </a:endParaRPr>
+          </a:p>
+          <a:p>
+            <a:endParaRPr lang="en-US" altLang="zh-CN" sz="1800" dirty="0">
+              <a:latin typeface="微软雅黑" pitchFamily="34" charset="-122"/>
+              <a:ea typeface="微软雅黑" pitchFamily="34" charset="-122"/>
+            </a:endParaRPr>
+          </a:p>
+          <a:p>
+            <a:endParaRPr lang="en-US" sz="1800" dirty="0">
+              <a:latin typeface="微软雅黑" pitchFamily="34" charset="-122"/>
+              <a:ea typeface="微软雅黑" pitchFamily="34" charset="-122"/>
+            </a:endParaRPr>
+          </a:p>
+          <a:p>
+            <a:endParaRPr lang="en-US" sz="1800" dirty="0">
+              <a:latin typeface="微软雅黑" pitchFamily="34" charset="-122"/>
+              <a:ea typeface="微软雅黑" pitchFamily="34" charset="-122"/>
+            </a:endParaRPr>
+          </a:p>
+          <a:p>
+            <a:endParaRPr lang="en-US" sz="1800" dirty="0">
+              <a:latin typeface="微软雅黑" pitchFamily="34" charset="-122"/>
+              <a:ea typeface="微软雅黑" pitchFamily="34" charset="-122"/>
+            </a:endParaRPr>
+          </a:p>
+          <a:p>
+            <a:endParaRPr lang="en-US" sz="1800" dirty="0">
+              <a:latin typeface="微软雅黑" pitchFamily="34" charset="-122"/>
+              <a:ea typeface="微软雅黑" pitchFamily="34" charset="-122"/>
+            </a:endParaRPr>
+          </a:p>
+          <a:p>
+            <a:endParaRPr lang="en-US" sz="1800" dirty="0">
+              <a:latin typeface="微软雅黑" pitchFamily="34" charset="-122"/>
+              <a:ea typeface="微软雅黑" pitchFamily="34" charset="-122"/>
+            </a:endParaRPr>
+          </a:p>
+          <a:p>
+            <a:endParaRPr lang="en-US" altLang="zh-CN" sz="1800" dirty="0">
+              <a:latin typeface="微软雅黑" pitchFamily="34" charset="-122"/>
+              <a:ea typeface="微软雅黑" pitchFamily="34" charset="-122"/>
+            </a:endParaRPr>
+          </a:p>
+          <a:p>
+            <a:r>
+              <a:rPr lang="zh-CN" altLang="en-US" sz="1600" dirty="0">
+                <a:latin typeface="微软雅黑" pitchFamily="34" charset="-122"/>
+                <a:ea typeface="微软雅黑" pitchFamily="34" charset="-122"/>
+              </a:rPr>
+              <a:t>上线特征逻辑：使用</a:t>
+            </a:r>
+            <a:r>
+              <a:rPr lang="en-US" altLang="zh-CN" sz="1600" dirty="0">
+                <a:latin typeface="微软雅黑" pitchFamily="34" charset="-122"/>
+                <a:ea typeface="微软雅黑" pitchFamily="34" charset="-122"/>
+              </a:rPr>
+              <a:t>Top-EPA</a:t>
+            </a:r>
+            <a:r>
+              <a:rPr lang="zh-CN" altLang="en-US" sz="1600" dirty="0">
+                <a:latin typeface="微软雅黑" pitchFamily="34" charset="-122"/>
+                <a:ea typeface="微软雅黑" pitchFamily="34" charset="-122"/>
+              </a:rPr>
+              <a:t>方式，</a:t>
+            </a:r>
+            <a:r>
+              <a:rPr lang="en-US" altLang="zh-CN" sz="1600" dirty="0">
+                <a:latin typeface="微软雅黑" pitchFamily="34" charset="-122"/>
+                <a:ea typeface="微软雅黑" pitchFamily="34" charset="-122"/>
+              </a:rPr>
+              <a:t>UPS</a:t>
+            </a:r>
+            <a:r>
+              <a:rPr lang="zh-CN" altLang="en-US" sz="1600" dirty="0">
+                <a:latin typeface="微软雅黑" pitchFamily="34" charset="-122"/>
+                <a:ea typeface="微软雅黑" pitchFamily="34" charset="-122"/>
+              </a:rPr>
+              <a:t>行为还原</a:t>
+            </a:r>
+            <a:r>
+              <a:rPr lang="en-US" altLang="zh-CN" sz="1600" dirty="0">
+                <a:latin typeface="微软雅黑" pitchFamily="34" charset="-122"/>
+                <a:ea typeface="微软雅黑" pitchFamily="34" charset="-122"/>
+              </a:rPr>
+              <a:t>EPA</a:t>
+            </a:r>
+            <a:r>
+              <a:rPr lang="zh-CN" altLang="en-US" sz="1600" dirty="0">
+                <a:latin typeface="微软雅黑" pitchFamily="34" charset="-122"/>
+                <a:ea typeface="微软雅黑" pitchFamily="34" charset="-122"/>
+              </a:rPr>
+              <a:t>组合覆盖面约</a:t>
+            </a:r>
+            <a:r>
+              <a:rPr lang="en-US" altLang="zh-CN" sz="1600" dirty="0">
+                <a:latin typeface="微软雅黑" pitchFamily="34" charset="-122"/>
+                <a:ea typeface="微软雅黑" pitchFamily="34" charset="-122"/>
+              </a:rPr>
+              <a:t>80%</a:t>
+            </a:r>
+            <a:r>
+              <a:rPr lang="zh-CN" altLang="en-US" sz="1600" dirty="0">
+                <a:latin typeface="微软雅黑" pitchFamily="34" charset="-122"/>
+                <a:ea typeface="微软雅黑" pitchFamily="34" charset="-122"/>
+              </a:rPr>
+              <a:t>；过滤不置信行为后行为准确表述当前链接主旨准确率约</a:t>
+            </a:r>
+            <a:r>
+              <a:rPr lang="en-US" altLang="zh-CN" sz="1600" dirty="0" smtClean="0">
+                <a:latin typeface="微软雅黑" pitchFamily="34" charset="-122"/>
+                <a:ea typeface="微软雅黑" pitchFamily="34" charset="-122"/>
+              </a:rPr>
+              <a:t>80</a:t>
+            </a:r>
+            <a:r>
+              <a:rPr lang="en-US" altLang="zh-CN" sz="1600" dirty="0">
+                <a:latin typeface="微软雅黑" pitchFamily="34" charset="-122"/>
+                <a:ea typeface="微软雅黑" pitchFamily="34" charset="-122"/>
+              </a:rPr>
+              <a:t>%</a:t>
+            </a:r>
+          </a:p>
+        </p:txBody>
+      </p:sp>
+      <p:pic>
+        <p:nvPicPr>
+          <p:cNvPr id="2051" name="Picture 3"/>
+          <p:cNvPicPr>
+            <a:picLocks noChangeAspect="1" noChangeArrowheads="1"/>
+          </p:cNvPicPr>
+          <p:nvPr/>
+        </p:nvPicPr>
+        <p:blipFill>
+          <a:blip r:embed="rId2">
+            <a:extLst>
+              <a:ext uri="{28A0092B-C50C-407E-A947-70E740481C1C}">
+                <a14:useLocalDpi xmlns:a14="http://schemas.microsoft.com/office/drawing/2010/main" val="0"/>
+              </a:ext>
+            </a:extLst>
+          </a:blip>
+          <a:srcRect/>
+          <a:stretch>
+            <a:fillRect/>
+          </a:stretch>
+        </p:blipFill>
+        <p:spPr bwMode="auto">
+          <a:xfrm>
+            <a:off x="275960" y="2497460"/>
+            <a:ext cx="8172450" cy="1828800"/>
+          </a:xfrm>
+          <a:prstGeom prst="rect">
+            <a:avLst/>
+          </a:prstGeom>
+          <a:noFill/>
+          <a:ln>
+            <a:noFill/>
+          </a:ln>
+          <a:effectLst/>
+          <a:extLst>
+            <a:ext uri="{909E8E84-426E-40DD-AFC4-6F175D3DCCD1}">
+              <a14:hiddenFill xmlns:a14="http://schemas.microsoft.com/office/drawing/2010/main">
+                <a:solidFill>
+                  <a:schemeClr val="accent1"/>
+                </a:solidFill>
+              </a14:hiddenFill>
+            </a:ext>
+            <a:ext uri="{91240B29-F687-4F45-9708-019B960494DF}">
+              <a14:hiddenLine xmlns:a14="http://schemas.microsoft.com/office/drawing/2010/main" w="9525">
+                <a:solidFill>
+                  <a:schemeClr val="tx1"/>
+                </a:solidFill>
+                <a:miter lim="800000"/>
+                <a:headEnd/>
+                <a:tailEnd/>
+              </a14:hiddenLine>
+            </a:ext>
+            <a:ext uri="{AF507438-7753-43E0-B8FC-AC1667EBCBE1}">
+              <a14:hiddenEffects xmlns:a14="http://schemas.microsoft.com/office/drawing/2010/main">
+                <a:effectLst>
+                  <a:outerShdw dist="35921" dir="2700000" algn="ctr" rotWithShape="0">
+                    <a:schemeClr val="bg2"/>
+                  </a:outerShdw>
+                </a:effectLst>
+              </a14:hiddenEffects>
+            </a:ext>
+          </a:extLst>
+        </p:spPr>
+      </p:pic>
     </p:spTree>
     <p:extLst>
       <p:ext uri="{BB962C8B-B14F-4D97-AF65-F5344CB8AC3E}">
-        <p14:creationId xmlns:p14="http://schemas.microsoft.com/office/powerpoint/2010/main" val="1383002979"/>
+        <p14:creationId xmlns:p14="http://schemas.microsoft.com/office/powerpoint/2010/main" val="3759080705"/>
       </p:ext>
     </p:extLst>
   </p:cSld>
@@ -13052,23 +11885,7 @@
                 <a:ea typeface="微软雅黑" pitchFamily="34" charset="-122"/>
                 <a:cs typeface="+mn-cs"/>
               </a:rPr>
-              <a:t>填</a:t>
-            </a:r>
-            <a:r>
-              <a:rPr lang="zh-CN" altLang="en-US" sz="1200" dirty="0" smtClean="0">
-                <a:latin typeface="微软雅黑" pitchFamily="34" charset="-122"/>
-                <a:ea typeface="微软雅黑" pitchFamily="34" charset="-122"/>
-                <a:cs typeface="+mn-cs"/>
-              </a:rPr>
-              <a:t>充暂时不能获</a:t>
-            </a:r>
-            <a:r>
-              <a:rPr lang="zh-CN" altLang="en-US" sz="1200" dirty="0" smtClean="0">
-                <a:latin typeface="微软雅黑" pitchFamily="34" charset="-122"/>
-                <a:ea typeface="微软雅黑" pitchFamily="34" charset="-122"/>
-                <a:cs typeface="+mn-cs"/>
-              </a:rPr>
-              <a:t>取</a:t>
+              <a:t>填充暂时不能获取</a:t>
             </a:r>
             <a:endParaRPr lang="en-US" altLang="zh-CN" sz="1200" dirty="0">
               <a:latin typeface="微软雅黑" pitchFamily="34" charset="-122"/>
@@ -13853,666 +12670,6 @@
           <a:lstStyle/>
           <a:p>
             <a:r>
-              <a:rPr lang="zh-CN" altLang="en-US" sz="1600" dirty="0">
-                <a:latin typeface="微软雅黑" pitchFamily="34" charset="-122"/>
-                <a:ea typeface="微软雅黑" pitchFamily="34" charset="-122"/>
-              </a:rPr>
-              <a:t>游</a:t>
-            </a:r>
-            <a:r>
-              <a:rPr lang="zh-CN" altLang="en-US" sz="1600" dirty="0" smtClean="0">
-                <a:latin typeface="微软雅黑" pitchFamily="34" charset="-122"/>
-                <a:ea typeface="微软雅黑" pitchFamily="34" charset="-122"/>
-              </a:rPr>
-              <a:t>戏节点构建，与</a:t>
-            </a:r>
-            <a:r>
-              <a:rPr lang="en-US" altLang="zh-CN" sz="1600" dirty="0" smtClean="0">
-                <a:latin typeface="微软雅黑" pitchFamily="34" charset="-122"/>
-                <a:ea typeface="微软雅黑" pitchFamily="34" charset="-122"/>
-              </a:rPr>
-              <a:t>ADX</a:t>
-            </a:r>
-            <a:r>
-              <a:rPr lang="zh-CN" altLang="en-US" sz="1600" dirty="0" smtClean="0">
-                <a:latin typeface="微软雅黑" pitchFamily="34" charset="-122"/>
-                <a:ea typeface="微软雅黑" pitchFamily="34" charset="-122"/>
-              </a:rPr>
-              <a:t>人群的对比：构建开物游戏人群，与</a:t>
-            </a:r>
-            <a:r>
-              <a:rPr lang="en-US" altLang="zh-CN" sz="1600" dirty="0" smtClean="0">
-                <a:latin typeface="微软雅黑" pitchFamily="34" charset="-122"/>
-                <a:ea typeface="微软雅黑" pitchFamily="34" charset="-122"/>
-              </a:rPr>
-              <a:t>ADX</a:t>
-            </a:r>
-            <a:r>
-              <a:rPr lang="zh-CN" altLang="en-US" sz="1600" dirty="0" smtClean="0">
-                <a:latin typeface="微软雅黑" pitchFamily="34" charset="-122"/>
-                <a:ea typeface="微软雅黑" pitchFamily="34" charset="-122"/>
-              </a:rPr>
-              <a:t>第三方游戏人群对比，调研差异点及调研平台完善</a:t>
-            </a:r>
-            <a:endParaRPr lang="en-US" altLang="zh-CN" sz="1600" dirty="0">
-              <a:latin typeface="微软雅黑" pitchFamily="34" charset="-122"/>
-              <a:ea typeface="微软雅黑" pitchFamily="34" charset="-122"/>
-            </a:endParaRPr>
-          </a:p>
-          <a:p>
-            <a:pPr marL="742950" lvl="2" indent="-342900"/>
-            <a:r>
-              <a:rPr lang="zh-CN" altLang="en-US" sz="1400" dirty="0" smtClean="0">
-                <a:latin typeface="微软雅黑" pitchFamily="34" charset="-122"/>
-                <a:ea typeface="微软雅黑" pitchFamily="34" charset="-122"/>
-                <a:cs typeface="+mn-cs"/>
-              </a:rPr>
-              <a:t>解决的问题：</a:t>
-            </a:r>
-            <a:endParaRPr lang="en-US" altLang="zh-CN" sz="1400" dirty="0" smtClean="0">
-              <a:latin typeface="微软雅黑" pitchFamily="34" charset="-122"/>
-              <a:ea typeface="微软雅黑" pitchFamily="34" charset="-122"/>
-              <a:cs typeface="+mn-cs"/>
-            </a:endParaRPr>
-          </a:p>
-          <a:p>
-            <a:pPr marL="1200150" lvl="3" indent="-342900"/>
-            <a:r>
-              <a:rPr lang="zh-CN" altLang="en-US" sz="1200" dirty="0">
-                <a:latin typeface="微软雅黑" pitchFamily="34" charset="-122"/>
-                <a:ea typeface="微软雅黑" pitchFamily="34" charset="-122"/>
-                <a:cs typeface="+mn-cs"/>
-              </a:rPr>
-              <a:t>调</a:t>
-            </a:r>
-            <a:r>
-              <a:rPr lang="zh-CN" altLang="en-US" sz="1200" dirty="0" smtClean="0">
-                <a:latin typeface="微软雅黑" pitchFamily="34" charset="-122"/>
-                <a:ea typeface="微软雅黑" pitchFamily="34" charset="-122"/>
-                <a:cs typeface="+mn-cs"/>
-              </a:rPr>
-              <a:t>研平台的完善：修复调研平台的</a:t>
-            </a:r>
-            <a:r>
-              <a:rPr lang="en-US" altLang="zh-CN" sz="1200" dirty="0" smtClean="0">
-                <a:latin typeface="微软雅黑" pitchFamily="34" charset="-122"/>
-                <a:ea typeface="微软雅黑" pitchFamily="34" charset="-122"/>
-                <a:cs typeface="+mn-cs"/>
-              </a:rPr>
-              <a:t>bug</a:t>
-            </a:r>
-            <a:r>
-              <a:rPr lang="zh-CN" altLang="en-US" sz="1200" dirty="0" smtClean="0">
-                <a:latin typeface="微软雅黑" pitchFamily="34" charset="-122"/>
-                <a:ea typeface="微软雅黑" pitchFamily="34" charset="-122"/>
-                <a:cs typeface="+mn-cs"/>
-              </a:rPr>
-              <a:t>，整理调研平台流程；利用</a:t>
-            </a:r>
-            <a:r>
-              <a:rPr lang="zh-CN" altLang="en-US" sz="1200" dirty="0">
-                <a:latin typeface="微软雅黑" pitchFamily="34" charset="-122"/>
-                <a:ea typeface="微软雅黑" pitchFamily="34" charset="-122"/>
-                <a:cs typeface="+mn-cs"/>
-              </a:rPr>
-              <a:t>开</a:t>
-            </a:r>
-            <a:r>
-              <a:rPr lang="zh-CN" altLang="en-US" sz="1200" dirty="0" smtClean="0">
-                <a:latin typeface="微软雅黑" pitchFamily="34" charset="-122"/>
-                <a:ea typeface="微软雅黑" pitchFamily="34" charset="-122"/>
-                <a:cs typeface="+mn-cs"/>
-              </a:rPr>
-              <a:t>物全数据源构建游戏人群，与</a:t>
-            </a:r>
-            <a:r>
-              <a:rPr lang="en-US" altLang="zh-CN" sz="1200" dirty="0" smtClean="0">
-                <a:latin typeface="微软雅黑" pitchFamily="34" charset="-122"/>
-                <a:ea typeface="微软雅黑" pitchFamily="34" charset="-122"/>
-                <a:cs typeface="+mn-cs"/>
-              </a:rPr>
-              <a:t>ADX</a:t>
-            </a:r>
-            <a:r>
-              <a:rPr lang="zh-CN" altLang="en-US" sz="1200" dirty="0" smtClean="0">
-                <a:latin typeface="微软雅黑" pitchFamily="34" charset="-122"/>
-                <a:ea typeface="微软雅黑" pitchFamily="34" charset="-122"/>
-                <a:cs typeface="+mn-cs"/>
-              </a:rPr>
-              <a:t>第三方游戏人群（第三方</a:t>
-            </a:r>
-            <a:r>
-              <a:rPr lang="en-US" altLang="zh-CN" sz="1200" dirty="0" smtClean="0">
-                <a:latin typeface="微软雅黑" pitchFamily="34" charset="-122"/>
-                <a:ea typeface="微软雅黑" pitchFamily="34" charset="-122"/>
-                <a:cs typeface="+mn-cs"/>
-              </a:rPr>
-              <a:t>DSP</a:t>
-            </a:r>
-            <a:r>
-              <a:rPr lang="zh-CN" altLang="en-US" sz="1200" dirty="0" smtClean="0">
-                <a:latin typeface="微软雅黑" pitchFamily="34" charset="-122"/>
-                <a:ea typeface="微软雅黑" pitchFamily="34" charset="-122"/>
-                <a:cs typeface="+mn-cs"/>
-              </a:rPr>
-              <a:t>愿意为游戏广告主高价购买的流量，</a:t>
-            </a:r>
-            <a:r>
-              <a:rPr lang="en-US" altLang="zh-CN" sz="1200" dirty="0" err="1" smtClean="0">
-                <a:latin typeface="微软雅黑" pitchFamily="34" charset="-122"/>
-                <a:ea typeface="微软雅黑" pitchFamily="34" charset="-122"/>
-                <a:cs typeface="+mn-cs"/>
-              </a:rPr>
-              <a:t>cpm</a:t>
-            </a:r>
-            <a:r>
-              <a:rPr lang="en-US" altLang="zh-CN" sz="1200" dirty="0" smtClean="0">
-                <a:latin typeface="微软雅黑" pitchFamily="34" charset="-122"/>
-                <a:ea typeface="微软雅黑" pitchFamily="34" charset="-122"/>
-                <a:cs typeface="+mn-cs"/>
-              </a:rPr>
-              <a:t>-bid 5.00</a:t>
-            </a:r>
-            <a:r>
-              <a:rPr lang="zh-CN" altLang="en-US" sz="1200" dirty="0" smtClean="0">
-                <a:latin typeface="微软雅黑" pitchFamily="34" charset="-122"/>
-                <a:ea typeface="微软雅黑" pitchFamily="34" charset="-122"/>
-                <a:cs typeface="+mn-cs"/>
-              </a:rPr>
-              <a:t>元以上）重合率</a:t>
-            </a:r>
-            <a:r>
-              <a:rPr lang="en-US" altLang="zh-CN" sz="1200" dirty="0" smtClean="0">
-                <a:latin typeface="微软雅黑" pitchFamily="34" charset="-122"/>
-                <a:ea typeface="微软雅黑" pitchFamily="34" charset="-122"/>
-                <a:cs typeface="+mn-cs"/>
-              </a:rPr>
-              <a:t>85%</a:t>
-            </a:r>
-          </a:p>
-          <a:p>
-            <a:pPr marL="1200150" lvl="3" indent="-342900"/>
-            <a:r>
-              <a:rPr lang="zh-CN" altLang="en-US" sz="1200" dirty="0">
-                <a:latin typeface="微软雅黑" pitchFamily="34" charset="-122"/>
-                <a:ea typeface="微软雅黑" pitchFamily="34" charset="-122"/>
-                <a:cs typeface="+mn-cs"/>
-              </a:rPr>
-              <a:t>剩</a:t>
-            </a:r>
-            <a:r>
-              <a:rPr lang="zh-CN" altLang="en-US" sz="1200" dirty="0" smtClean="0">
-                <a:latin typeface="微软雅黑" pitchFamily="34" charset="-122"/>
-                <a:ea typeface="微软雅黑" pitchFamily="34" charset="-122"/>
-                <a:cs typeface="+mn-cs"/>
-              </a:rPr>
-              <a:t>余差异的跟进：</a:t>
-            </a:r>
-            <a:r>
-              <a:rPr lang="zh-CN" altLang="en-US" sz="1200" dirty="0">
-                <a:latin typeface="微软雅黑" pitchFamily="34" charset="-122"/>
-                <a:ea typeface="微软雅黑" pitchFamily="34" charset="-122"/>
-                <a:cs typeface="+mn-cs"/>
-              </a:rPr>
-              <a:t>理想</a:t>
-            </a:r>
-            <a:r>
-              <a:rPr lang="zh-CN" altLang="en-US" sz="1200" dirty="0" smtClean="0">
-                <a:latin typeface="微软雅黑" pitchFamily="34" charset="-122"/>
-                <a:ea typeface="微软雅黑" pitchFamily="34" charset="-122"/>
-                <a:cs typeface="+mn-cs"/>
-              </a:rPr>
-              <a:t>化的开物，可以和</a:t>
-            </a:r>
-            <a:r>
-              <a:rPr lang="en-US" altLang="zh-CN" sz="1200" dirty="0" smtClean="0">
-                <a:latin typeface="微软雅黑" pitchFamily="34" charset="-122"/>
-                <a:ea typeface="微软雅黑" pitchFamily="34" charset="-122"/>
-                <a:cs typeface="+mn-cs"/>
-              </a:rPr>
-              <a:t>ADX</a:t>
-            </a:r>
-            <a:r>
-              <a:rPr lang="zh-CN" altLang="en-US" sz="1200" dirty="0" smtClean="0">
-                <a:latin typeface="微软雅黑" pitchFamily="34" charset="-122"/>
-                <a:ea typeface="微软雅黑" pitchFamily="34" charset="-122"/>
-                <a:cs typeface="+mn-cs"/>
-              </a:rPr>
-              <a:t>游戏人群基本一致，一致率</a:t>
-            </a:r>
-            <a:r>
-              <a:rPr lang="en-US" altLang="zh-CN" sz="1200" dirty="0" smtClean="0">
-                <a:latin typeface="微软雅黑" pitchFamily="34" charset="-122"/>
-                <a:ea typeface="微软雅黑" pitchFamily="34" charset="-122"/>
-                <a:cs typeface="+mn-cs"/>
-              </a:rPr>
-              <a:t>94%</a:t>
-            </a:r>
-          </a:p>
-          <a:p>
-            <a:pPr marL="742950" lvl="2" indent="-342900"/>
-            <a:r>
-              <a:rPr lang="zh-CN" altLang="en-US" sz="1400" dirty="0">
-                <a:latin typeface="微软雅黑" pitchFamily="34" charset="-122"/>
-                <a:ea typeface="微软雅黑" pitchFamily="34" charset="-122"/>
-                <a:cs typeface="+mn-cs"/>
-              </a:rPr>
-              <a:t>取得的成果</a:t>
-            </a:r>
-            <a:r>
-              <a:rPr lang="zh-CN" altLang="en-US" sz="1400" dirty="0" smtClean="0">
-                <a:latin typeface="微软雅黑" pitchFamily="34" charset="-122"/>
-                <a:ea typeface="微软雅黑" pitchFamily="34" charset="-122"/>
-                <a:cs typeface="+mn-cs"/>
-              </a:rPr>
-              <a:t>：</a:t>
-            </a:r>
-            <a:endParaRPr lang="en-US" altLang="zh-CN" sz="1400" dirty="0" smtClean="0">
-              <a:latin typeface="微软雅黑" pitchFamily="34" charset="-122"/>
-              <a:ea typeface="微软雅黑" pitchFamily="34" charset="-122"/>
-              <a:cs typeface="+mn-cs"/>
-            </a:endParaRPr>
-          </a:p>
-          <a:p>
-            <a:pPr marL="1200150" lvl="3" indent="-342900"/>
-            <a:r>
-              <a:rPr lang="zh-CN" altLang="en-US" sz="1200" dirty="0">
-                <a:latin typeface="微软雅黑" pitchFamily="34" charset="-122"/>
-                <a:ea typeface="微软雅黑" pitchFamily="34" charset="-122"/>
-                <a:cs typeface="+mn-cs"/>
-              </a:rPr>
-              <a:t>基于</a:t>
-            </a:r>
-            <a:r>
-              <a:rPr lang="en-US" altLang="zh-CN" sz="1200" dirty="0" smtClean="0">
-                <a:latin typeface="微软雅黑" pitchFamily="34" charset="-122"/>
-                <a:ea typeface="微软雅黑" pitchFamily="34" charset="-122"/>
-                <a:cs typeface="+mn-cs"/>
-              </a:rPr>
-              <a:t>A720</a:t>
-            </a:r>
-            <a:r>
-              <a:rPr lang="zh-CN" altLang="en-US" sz="1200" dirty="0" smtClean="0">
-                <a:latin typeface="微软雅黑" pitchFamily="34" charset="-122"/>
-                <a:ea typeface="微软雅黑" pitchFamily="34" charset="-122"/>
-                <a:cs typeface="+mn-cs"/>
-              </a:rPr>
-              <a:t>与开物对比调</a:t>
-            </a:r>
-            <a:r>
-              <a:rPr lang="zh-CN" altLang="en-US" sz="1200" dirty="0">
-                <a:latin typeface="微软雅黑" pitchFamily="34" charset="-122"/>
-                <a:ea typeface="微软雅黑" pitchFamily="34" charset="-122"/>
-                <a:cs typeface="+mn-cs"/>
-              </a:rPr>
-              <a:t>研平台完善，可以用于分析各类差异人</a:t>
-            </a:r>
-            <a:r>
-              <a:rPr lang="zh-CN" altLang="en-US" sz="1200" dirty="0" smtClean="0">
-                <a:latin typeface="微软雅黑" pitchFamily="34" charset="-122"/>
-                <a:ea typeface="微软雅黑" pitchFamily="34" charset="-122"/>
-                <a:cs typeface="+mn-cs"/>
-              </a:rPr>
-              <a:t>群</a:t>
-            </a:r>
-            <a:endParaRPr lang="en-US" altLang="zh-CN" sz="1200" dirty="0">
-              <a:latin typeface="微软雅黑" pitchFamily="34" charset="-122"/>
-              <a:ea typeface="微软雅黑" pitchFamily="34" charset="-122"/>
-              <a:cs typeface="+mn-cs"/>
-            </a:endParaRPr>
-          </a:p>
-        </p:txBody>
-      </p:sp>
-      <p:sp>
-        <p:nvSpPr>
-          <p:cNvPr id="3" name="标题 1"/>
-          <p:cNvSpPr txBox="1">
-            <a:spLocks/>
-          </p:cNvSpPr>
-          <p:nvPr/>
-        </p:nvSpPr>
-        <p:spPr bwMode="auto">
-          <a:xfrm>
-            <a:off x="282781" y="265212"/>
-            <a:ext cx="8362950" cy="720080"/>
-          </a:xfrm>
-          <a:prstGeom prst="rect">
-            <a:avLst/>
-          </a:prstGeom>
-          <a:noFill/>
-          <a:extLst>
-            <a:ext uri="{909E8E84-426E-40DD-AFC4-6F175D3DCCD1}">
-              <a14:hiddenFill xmlns:a14="http://schemas.microsoft.com/office/drawing/2010/main">
-                <a:solidFill>
-                  <a:srgbClr val="FFFFFF"/>
-                </a:solidFill>
-              </a14:hiddenFill>
-            </a:ext>
-            <a:ext uri="{91240B29-F687-4F45-9708-019B960494DF}">
-              <a14:hiddenLine xmlns:a14="http://schemas.microsoft.com/office/drawing/2010/main" w="9525">
-                <a:solidFill>
-                  <a:srgbClr val="000000"/>
-                </a:solidFill>
-                <a:miter lim="800000"/>
-                <a:headEnd/>
-                <a:tailEnd/>
-              </a14:hiddenLine>
-            </a:ext>
-          </a:extLst>
-        </p:spPr>
-        <p:txBody>
-          <a:bodyPr vert="horz" wrap="square" lIns="91440" tIns="45720" rIns="91440" bIns="45720" numCol="1" anchor="t" anchorCtr="0" compatLnSpc="1">
-            <a:prstTxWarp prst="textNoShape">
-              <a:avLst/>
-            </a:prstTxWarp>
-          </a:bodyPr>
-          <a:lstStyle>
-            <a:lvl1pPr algn="l" rtl="0" eaLnBrk="0" fontAlgn="base" hangingPunct="0">
-              <a:spcBef>
-                <a:spcPct val="0"/>
-              </a:spcBef>
-              <a:spcAft>
-                <a:spcPct val="0"/>
-              </a:spcAft>
-              <a:defRPr sz="3200" b="1">
-                <a:solidFill>
-                  <a:schemeClr val="bg1"/>
-                </a:solidFill>
-                <a:latin typeface="+mj-lt"/>
-                <a:ea typeface="+mj-ea"/>
-                <a:cs typeface="华文黑体"/>
-              </a:defRPr>
-            </a:lvl1pPr>
-            <a:lvl2pPr algn="l" rtl="0" eaLnBrk="0" fontAlgn="base" hangingPunct="0">
-              <a:spcBef>
-                <a:spcPct val="0"/>
-              </a:spcBef>
-              <a:spcAft>
-                <a:spcPct val="0"/>
-              </a:spcAft>
-              <a:defRPr sz="3200" b="1">
-                <a:solidFill>
-                  <a:schemeClr val="bg1"/>
-                </a:solidFill>
-                <a:latin typeface="Arial" charset="0"/>
-                <a:ea typeface="华文黑体" charset="-122"/>
-                <a:cs typeface="华文黑体"/>
-              </a:defRPr>
-            </a:lvl2pPr>
-            <a:lvl3pPr algn="l" rtl="0" eaLnBrk="0" fontAlgn="base" hangingPunct="0">
-              <a:spcBef>
-                <a:spcPct val="0"/>
-              </a:spcBef>
-              <a:spcAft>
-                <a:spcPct val="0"/>
-              </a:spcAft>
-              <a:defRPr sz="3200" b="1">
-                <a:solidFill>
-                  <a:schemeClr val="bg1"/>
-                </a:solidFill>
-                <a:latin typeface="Arial" charset="0"/>
-                <a:ea typeface="华文黑体" charset="-122"/>
-                <a:cs typeface="华文黑体"/>
-              </a:defRPr>
-            </a:lvl3pPr>
-            <a:lvl4pPr algn="l" rtl="0" eaLnBrk="0" fontAlgn="base" hangingPunct="0">
-              <a:spcBef>
-                <a:spcPct val="0"/>
-              </a:spcBef>
-              <a:spcAft>
-                <a:spcPct val="0"/>
-              </a:spcAft>
-              <a:defRPr sz="3200" b="1">
-                <a:solidFill>
-                  <a:schemeClr val="bg1"/>
-                </a:solidFill>
-                <a:latin typeface="Arial" charset="0"/>
-                <a:ea typeface="华文黑体" charset="-122"/>
-                <a:cs typeface="华文黑体"/>
-              </a:defRPr>
-            </a:lvl4pPr>
-            <a:lvl5pPr algn="l" rtl="0" eaLnBrk="0" fontAlgn="base" hangingPunct="0">
-              <a:spcBef>
-                <a:spcPct val="0"/>
-              </a:spcBef>
-              <a:spcAft>
-                <a:spcPct val="0"/>
-              </a:spcAft>
-              <a:defRPr sz="3200" b="1">
-                <a:solidFill>
-                  <a:schemeClr val="bg1"/>
-                </a:solidFill>
-                <a:latin typeface="Arial" charset="0"/>
-                <a:ea typeface="华文黑体" charset="-122"/>
-                <a:cs typeface="华文黑体"/>
-              </a:defRPr>
-            </a:lvl5pPr>
-            <a:lvl6pPr marL="457200" algn="l" rtl="0" fontAlgn="base">
-              <a:spcBef>
-                <a:spcPct val="0"/>
-              </a:spcBef>
-              <a:spcAft>
-                <a:spcPct val="0"/>
-              </a:spcAft>
-              <a:defRPr sz="3200" b="1">
-                <a:solidFill>
-                  <a:schemeClr val="bg1"/>
-                </a:solidFill>
-                <a:latin typeface="Arial" charset="0"/>
-                <a:ea typeface="华文黑体" charset="-122"/>
-              </a:defRPr>
-            </a:lvl6pPr>
-            <a:lvl7pPr marL="914400" algn="l" rtl="0" fontAlgn="base">
-              <a:spcBef>
-                <a:spcPct val="0"/>
-              </a:spcBef>
-              <a:spcAft>
-                <a:spcPct val="0"/>
-              </a:spcAft>
-              <a:defRPr sz="3200" b="1">
-                <a:solidFill>
-                  <a:schemeClr val="bg1"/>
-                </a:solidFill>
-                <a:latin typeface="Arial" charset="0"/>
-                <a:ea typeface="华文黑体" charset="-122"/>
-              </a:defRPr>
-            </a:lvl7pPr>
-            <a:lvl8pPr marL="1371600" algn="l" rtl="0" fontAlgn="base">
-              <a:spcBef>
-                <a:spcPct val="0"/>
-              </a:spcBef>
-              <a:spcAft>
-                <a:spcPct val="0"/>
-              </a:spcAft>
-              <a:defRPr sz="3200" b="1">
-                <a:solidFill>
-                  <a:schemeClr val="bg1"/>
-                </a:solidFill>
-                <a:latin typeface="Arial" charset="0"/>
-                <a:ea typeface="华文黑体" charset="-122"/>
-              </a:defRPr>
-            </a:lvl8pPr>
-            <a:lvl9pPr marL="1828800" algn="l" rtl="0" fontAlgn="base">
-              <a:spcBef>
-                <a:spcPct val="0"/>
-              </a:spcBef>
-              <a:spcAft>
-                <a:spcPct val="0"/>
-              </a:spcAft>
-              <a:defRPr sz="3200" b="1">
-                <a:solidFill>
-                  <a:schemeClr val="bg1"/>
-                </a:solidFill>
-                <a:latin typeface="Arial" charset="0"/>
-                <a:ea typeface="华文黑体" charset="-122"/>
-              </a:defRPr>
-            </a:lvl9pPr>
-          </a:lstStyle>
-          <a:p>
-            <a:pPr eaLnBrk="1" hangingPunct="1"/>
-            <a:r>
-              <a:rPr lang="zh-CN" altLang="en-US" sz="2800" dirty="0">
-                <a:solidFill>
-                  <a:schemeClr val="tx1"/>
-                </a:solidFill>
-                <a:latin typeface="微软雅黑" pitchFamily="34" charset="-122"/>
-                <a:ea typeface="微软雅黑" pitchFamily="34" charset="-122"/>
-              </a:rPr>
-              <a:t>人群定义层（</a:t>
-            </a:r>
-            <a:r>
-              <a:rPr lang="en-US" altLang="zh-CN" sz="2800" dirty="0">
-                <a:solidFill>
-                  <a:schemeClr val="tx1"/>
-                </a:solidFill>
-                <a:latin typeface="微软雅黑" pitchFamily="34" charset="-122"/>
-                <a:ea typeface="微软雅黑" pitchFamily="34" charset="-122"/>
-              </a:rPr>
-              <a:t>L3-L5</a:t>
-            </a:r>
-            <a:r>
-              <a:rPr lang="zh-CN" altLang="en-US" sz="2800" dirty="0">
-                <a:solidFill>
-                  <a:schemeClr val="tx1"/>
-                </a:solidFill>
-                <a:latin typeface="微软雅黑" pitchFamily="34" charset="-122"/>
-                <a:ea typeface="微软雅黑" pitchFamily="34" charset="-122"/>
-              </a:rPr>
-              <a:t>）人群定义构建及应</a:t>
-            </a:r>
-            <a:r>
-              <a:rPr lang="zh-CN" altLang="en-US" sz="2800" dirty="0" smtClean="0">
-                <a:solidFill>
-                  <a:schemeClr val="tx1"/>
-                </a:solidFill>
-                <a:latin typeface="微软雅黑" pitchFamily="34" charset="-122"/>
-                <a:ea typeface="微软雅黑" pitchFamily="34" charset="-122"/>
-              </a:rPr>
-              <a:t>用（</a:t>
-            </a:r>
-            <a:r>
-              <a:rPr lang="en-US" altLang="zh-CN" sz="2800" dirty="0" smtClean="0">
-                <a:solidFill>
-                  <a:schemeClr val="tx1"/>
-                </a:solidFill>
-                <a:latin typeface="微软雅黑" pitchFamily="34" charset="-122"/>
-                <a:ea typeface="微软雅黑" pitchFamily="34" charset="-122"/>
-              </a:rPr>
-              <a:t>3</a:t>
-            </a:r>
-            <a:r>
-              <a:rPr lang="zh-CN" altLang="en-US" sz="2800" dirty="0" smtClean="0">
-                <a:solidFill>
-                  <a:schemeClr val="tx1"/>
-                </a:solidFill>
-                <a:latin typeface="微软雅黑" pitchFamily="34" charset="-122"/>
-                <a:ea typeface="微软雅黑" pitchFamily="34" charset="-122"/>
-              </a:rPr>
-              <a:t>）</a:t>
-            </a:r>
-            <a:endParaRPr lang="zh-CN" altLang="en-US" sz="2800" dirty="0">
-              <a:solidFill>
-                <a:schemeClr val="tx1"/>
-              </a:solidFill>
-              <a:latin typeface="微软雅黑" pitchFamily="34" charset="-122"/>
-              <a:ea typeface="微软雅黑" pitchFamily="34" charset="-122"/>
-            </a:endParaRPr>
-          </a:p>
-          <a:p>
-            <a:pPr eaLnBrk="1" hangingPunct="1"/>
-            <a:endParaRPr lang="en-US" altLang="zh-CN" dirty="0">
-              <a:solidFill>
-                <a:schemeClr val="tx1"/>
-              </a:solidFill>
-              <a:latin typeface="微软雅黑" pitchFamily="34" charset="-122"/>
-              <a:ea typeface="微软雅黑" pitchFamily="34" charset="-122"/>
-            </a:endParaRPr>
-          </a:p>
-        </p:txBody>
-      </p:sp>
-      <p:pic>
-        <p:nvPicPr>
-          <p:cNvPr id="4" name="Picture 3"/>
-          <p:cNvPicPr>
-            <a:picLocks noChangeAspect="1"/>
-          </p:cNvPicPr>
-          <p:nvPr/>
-        </p:nvPicPr>
-        <p:blipFill>
-          <a:blip r:embed="rId2">
-            <a:extLst>
-              <a:ext uri="{28A0092B-C50C-407E-A947-70E740481C1C}">
-                <a14:useLocalDpi xmlns:a14="http://schemas.microsoft.com/office/drawing/2010/main" val="0"/>
-              </a:ext>
-            </a:extLst>
-          </a:blip>
-          <a:stretch>
-            <a:fillRect/>
-          </a:stretch>
-        </p:blipFill>
-        <p:spPr>
-          <a:xfrm>
-            <a:off x="771036" y="3216771"/>
-            <a:ext cx="7386439" cy="1368152"/>
-          </a:xfrm>
-          <a:prstGeom prst="rect">
-            <a:avLst/>
-          </a:prstGeom>
-        </p:spPr>
-      </p:pic>
-    </p:spTree>
-    <p:extLst>
-      <p:ext uri="{BB962C8B-B14F-4D97-AF65-F5344CB8AC3E}">
-        <p14:creationId xmlns:p14="http://schemas.microsoft.com/office/powerpoint/2010/main" val="1419707714"/>
-      </p:ext>
-    </p:extLst>
-  </p:cSld>
-  <p:clrMapOvr>
-    <a:masterClrMapping/>
-  </p:clrMapOvr>
-  <p:timing>
-    <p:tnLst>
-      <p:par>
-        <p:cTn id="1" dur="indefinite" restart="never" nodeType="tmRoot"/>
-      </p:par>
-    </p:tnLst>
-  </p:timing>
-</p:sld>
-</file>
-
-<file path=ppt/slides/slide8.xml><?xml version="1.0" encoding="utf-8"?>
-<p:sld xmlns:a="http://schemas.openxmlformats.org/drawingml/2006/main" xmlns:r="http://schemas.openxmlformats.org/officeDocument/2006/relationships" xmlns:p="http://schemas.openxmlformats.org/presentationml/2006/main">
-  <p:cSld>
-    <p:spTree>
-      <p:nvGrpSpPr>
-        <p:cNvPr id="1" name=""/>
-        <p:cNvGrpSpPr/>
-        <p:nvPr/>
-      </p:nvGrpSpPr>
-      <p:grpSpPr>
-        <a:xfrm>
-          <a:off x="0" y="0"/>
-          <a:ext cx="0" cy="0"/>
-          <a:chOff x="0" y="0"/>
-          <a:chExt cx="0" cy="0"/>
-        </a:xfrm>
-      </p:grpSpPr>
-      <p:sp>
-        <p:nvSpPr>
-          <p:cNvPr id="2" name="Content Placeholder 1"/>
-          <p:cNvSpPr>
-            <a:spLocks noGrp="1"/>
-          </p:cNvSpPr>
-          <p:nvPr>
-            <p:ph idx="1"/>
-          </p:nvPr>
-        </p:nvSpPr>
-        <p:spPr/>
-        <p:txBody>
-          <a:bodyPr/>
-          <a:lstStyle/>
-          <a:p>
-            <a:r>
               <a:rPr lang="zh-CN" altLang="en-US" sz="1800" dirty="0">
                 <a:latin typeface="微软雅黑" pitchFamily="34" charset="-122"/>
                 <a:ea typeface="微软雅黑" pitchFamily="34" charset="-122"/>
@@ -14689,63 +12846,21 @@
                 <a:latin typeface="微软雅黑" pitchFamily="34" charset="-122"/>
                 <a:ea typeface="微软雅黑" pitchFamily="34" charset="-122"/>
               </a:rPr>
-              <a:t>个应用方使</a:t>
+              <a:t>个应用方使用过程中陆续反馈了一定问题，跟进修复（如移动反馈的</a:t>
+            </a:r>
+            <a:r>
+              <a:rPr lang="en-US" altLang="zh-CN" sz="1400" dirty="0" err="1" smtClean="0">
+                <a:latin typeface="微软雅黑" pitchFamily="34" charset="-122"/>
+                <a:ea typeface="微软雅黑" pitchFamily="34" charset="-122"/>
+              </a:rPr>
+              <a:t>applist</a:t>
             </a:r>
             <a:r>
               <a:rPr lang="zh-CN" altLang="en-US" sz="1400" dirty="0" smtClean="0">
                 <a:latin typeface="微软雅黑" pitchFamily="34" charset="-122"/>
                 <a:ea typeface="微软雅黑" pitchFamily="34" charset="-122"/>
               </a:rPr>
-              <a:t>用过程中陆续反</a:t>
-            </a:r>
-            <a:r>
-              <a:rPr lang="zh-CN" altLang="en-US" sz="1400" dirty="0" smtClean="0">
-                <a:latin typeface="微软雅黑" pitchFamily="34" charset="-122"/>
-                <a:ea typeface="微软雅黑" pitchFamily="34" charset="-122"/>
-              </a:rPr>
-              <a:t>馈了一定问题，跟进修复（如移动反馈的</a:t>
-            </a:r>
-            <a:r>
-              <a:rPr lang="en-US" altLang="zh-CN" sz="1400" dirty="0" err="1" smtClean="0">
-                <a:latin typeface="微软雅黑" pitchFamily="34" charset="-122"/>
-                <a:ea typeface="微软雅黑" pitchFamily="34" charset="-122"/>
-              </a:rPr>
-              <a:t>applist</a:t>
-            </a:r>
-            <a:r>
-              <a:rPr lang="zh-CN" altLang="en-US" sz="1400" dirty="0" smtClean="0">
-                <a:latin typeface="微软雅黑" pitchFamily="34" charset="-122"/>
-                <a:ea typeface="微软雅黑" pitchFamily="34" charset="-122"/>
-              </a:rPr>
-              <a:t>过滤问题），总</a:t>
-            </a:r>
-            <a:r>
-              <a:rPr lang="zh-CN" altLang="en-US" sz="1400" dirty="0" smtClean="0">
-                <a:latin typeface="微软雅黑" pitchFamily="34" charset="-122"/>
-                <a:ea typeface="微软雅黑" pitchFamily="34" charset="-122"/>
-              </a:rPr>
-              <a:t>体应</a:t>
-            </a:r>
-            <a:r>
-              <a:rPr lang="zh-CN" altLang="en-US" sz="1400" dirty="0" smtClean="0">
-                <a:latin typeface="微软雅黑" pitchFamily="34" charset="-122"/>
-                <a:ea typeface="微软雅黑" pitchFamily="34" charset="-122"/>
-              </a:rPr>
-              <a:t>用</a:t>
-            </a:r>
-            <a:r>
-              <a:rPr lang="zh-CN" altLang="en-US" sz="1400" dirty="0" smtClean="0">
-                <a:latin typeface="微软雅黑" pitchFamily="34" charset="-122"/>
-                <a:ea typeface="微软雅黑" pitchFamily="34" charset="-122"/>
-              </a:rPr>
-              <a:t>方数量在增</a:t>
-            </a:r>
-            <a:r>
-              <a:rPr lang="zh-CN" altLang="en-US" sz="1400" dirty="0" smtClean="0">
-                <a:latin typeface="微软雅黑" pitchFamily="34" charset="-122"/>
-                <a:ea typeface="微软雅黑" pitchFamily="34" charset="-122"/>
-              </a:rPr>
-              <a:t>长中</a:t>
+              <a:t>过滤问题），总体应用方数量在增长中</a:t>
             </a:r>
             <a:endParaRPr lang="en-US" altLang="zh-CN" sz="1400" dirty="0">
               <a:latin typeface="微软雅黑" pitchFamily="34" charset="-122"/>
@@ -14949,68 +13064,18 @@
                 <a:latin typeface="微软雅黑" pitchFamily="34" charset="-122"/>
                 <a:ea typeface="微软雅黑" pitchFamily="34" charset="-122"/>
               </a:rPr>
-              <a:t>人群定义层（</a:t>
-            </a:r>
-            <a:r>
-              <a:rPr lang="en-US" altLang="zh-CN" sz="2800" dirty="0">
+              <a:t>线</a:t>
+            </a:r>
+            <a:r>
+              <a:rPr lang="zh-CN" altLang="en-US" sz="2800" dirty="0" smtClean="0">
                 <a:solidFill>
                   <a:schemeClr val="tx1"/>
                 </a:solidFill>
                 <a:latin typeface="微软雅黑" pitchFamily="34" charset="-122"/>
                 <a:ea typeface="微软雅黑" pitchFamily="34" charset="-122"/>
               </a:rPr>
-              <a:t>L3-L5</a:t>
-            </a:r>
-            <a:r>
-              <a:rPr lang="zh-CN" altLang="en-US" sz="2800" dirty="0">
-                <a:solidFill>
-                  <a:schemeClr val="tx1"/>
-                </a:solidFill>
-                <a:latin typeface="微软雅黑" pitchFamily="34" charset="-122"/>
-                <a:ea typeface="微软雅黑" pitchFamily="34" charset="-122"/>
-              </a:rPr>
-              <a:t>）人群定义构建及应</a:t>
-            </a:r>
-            <a:r>
-              <a:rPr lang="zh-CN" altLang="en-US" sz="2800" dirty="0" smtClean="0">
-                <a:solidFill>
-                  <a:schemeClr val="tx1"/>
-                </a:solidFill>
-                <a:latin typeface="微软雅黑" pitchFamily="34" charset="-122"/>
-                <a:ea typeface="微软雅黑" pitchFamily="34" charset="-122"/>
-              </a:rPr>
-              <a:t>用（</a:t>
-            </a:r>
-            <a:r>
-              <a:rPr lang="en-US" altLang="zh-CN" sz="2800" dirty="0" smtClean="0">
-                <a:solidFill>
-                  <a:schemeClr val="tx1"/>
-                </a:solidFill>
-                <a:latin typeface="微软雅黑" pitchFamily="34" charset="-122"/>
-                <a:ea typeface="微软雅黑" pitchFamily="34" charset="-122"/>
-              </a:rPr>
-              <a:t>4</a:t>
-            </a:r>
-            <a:r>
-              <a:rPr lang="zh-CN" altLang="en-US" sz="2800" dirty="0" smtClean="0">
-                <a:solidFill>
-                  <a:schemeClr val="tx1"/>
-                </a:solidFill>
-                <a:latin typeface="微软雅黑" pitchFamily="34" charset="-122"/>
-                <a:ea typeface="微软雅黑" pitchFamily="34" charset="-122"/>
-              </a:rPr>
-              <a:t>）</a:t>
-            </a:r>
-            <a:endParaRPr lang="zh-CN" altLang="en-US" sz="2800" dirty="0">
-              <a:solidFill>
-                <a:schemeClr val="tx1"/>
-              </a:solidFill>
-              <a:latin typeface="微软雅黑" pitchFamily="34" charset="-122"/>
-              <a:ea typeface="微软雅黑" pitchFamily="34" charset="-122"/>
-            </a:endParaRPr>
-          </a:p>
-          <a:p>
-            <a:pPr eaLnBrk="1" hangingPunct="1"/>
+              <a:t>上人群的概况</a:t>
+            </a:r>
             <a:endParaRPr lang="en-US" altLang="zh-CN" dirty="0">
               <a:solidFill>
                 <a:schemeClr val="tx1"/>
@@ -15581,21 +13646,7 @@
                           <a:latin typeface="微软雅黑" pitchFamily="34" charset="-122"/>
                           <a:ea typeface="微软雅黑" pitchFamily="34" charset="-122"/>
                         </a:rPr>
-                        <a:t>小时时</a:t>
-                      </a:r>
-                      <a:r>
-                        <a:rPr lang="zh-CN" altLang="en-US" sz="1200" dirty="0" smtClean="0">
-                          <a:latin typeface="微软雅黑" pitchFamily="34" charset="-122"/>
-                          <a:ea typeface="微软雅黑" pitchFamily="34" charset="-122"/>
-                        </a:rPr>
-                        <a:t>间响</a:t>
-                      </a:r>
-                      <a:r>
-                        <a:rPr lang="zh-CN" altLang="en-US" sz="1200" dirty="0" smtClean="0">
-                          <a:latin typeface="微软雅黑" pitchFamily="34" charset="-122"/>
-                          <a:ea typeface="微软雅黑" pitchFamily="34" charset="-122"/>
-                        </a:rPr>
-                        <a:t>应</a:t>
+                        <a:t>小时时间响应</a:t>
                       </a:r>
                       <a:endParaRPr lang="en-US" sz="1200" dirty="0">
                         <a:latin typeface="微软雅黑" pitchFamily="34" charset="-122"/>
@@ -15766,7 +13817,7 @@
 </p:sld>
 </file>
 
-<file path=ppt/slides/slide9.xml><?xml version="1.0" encoding="utf-8"?>
+<file path=ppt/slides/slide8.xml><?xml version="1.0" encoding="utf-8"?>
 <p:sld xmlns:a="http://schemas.openxmlformats.org/drawingml/2006/main" xmlns:r="http://schemas.openxmlformats.org/officeDocument/2006/relationships" xmlns:p="http://schemas.openxmlformats.org/presentationml/2006/main">
   <p:cSld>
     <p:spTree>
@@ -16205,17 +14256,7 @@
                 <a:latin typeface="微软雅黑" pitchFamily="34" charset="-122"/>
                 <a:ea typeface="微软雅黑" pitchFamily="34" charset="-122"/>
               </a:rPr>
-              <a:t>用</a:t>
-            </a:r>
-            <a:r>
-              <a:rPr lang="zh-CN" altLang="en-US" sz="2800" dirty="0" smtClean="0">
-                <a:solidFill>
-                  <a:schemeClr val="tx1"/>
-                </a:solidFill>
-                <a:latin typeface="微软雅黑" pitchFamily="34" charset="-122"/>
-                <a:ea typeface="微软雅黑" pitchFamily="34" charset="-122"/>
-              </a:rPr>
-              <a:t>（</a:t>
+              <a:t>用（</a:t>
             </a:r>
             <a:r>
               <a:rPr lang="en-US" altLang="zh-CN" sz="2800" dirty="0">
@@ -16291,6 +14332,481 @@
     <p:extLst>
       <p:ext uri="{BB962C8B-B14F-4D97-AF65-F5344CB8AC3E}">
         <p14:creationId xmlns:p14="http://schemas.microsoft.com/office/powerpoint/2010/main" val="4181401618"/>
+      </p:ext>
+    </p:extLst>
+  </p:cSld>
+  <p:clrMapOvr>
+    <a:masterClrMapping/>
+  </p:clrMapOvr>
+  <p:timing>
+    <p:tnLst>
+      <p:par>
+        <p:cTn id="1" dur="indefinite" restart="never" nodeType="tmRoot"/>
+      </p:par>
+    </p:tnLst>
+  </p:timing>
+</p:sld>
+</file>
+
+<file path=ppt/slides/slide9.xml><?xml version="1.0" encoding="utf-8"?>
+<p:sld xmlns:a="http://schemas.openxmlformats.org/drawingml/2006/main" xmlns:r="http://schemas.openxmlformats.org/officeDocument/2006/relationships" xmlns:p="http://schemas.openxmlformats.org/presentationml/2006/main">
+  <p:cSld>
+    <p:spTree>
+      <p:nvGrpSpPr>
+        <p:cNvPr id="1" name=""/>
+        <p:cNvGrpSpPr/>
+        <p:nvPr/>
+      </p:nvGrpSpPr>
+      <p:grpSpPr>
+        <a:xfrm>
+          <a:off x="0" y="0"/>
+          <a:ext cx="0" cy="0"/>
+          <a:chOff x="0" y="0"/>
+          <a:chExt cx="0" cy="0"/>
+        </a:xfrm>
+      </p:grpSpPr>
+      <p:sp>
+        <p:nvSpPr>
+          <p:cNvPr id="3" name="标题 1"/>
+          <p:cNvSpPr txBox="1">
+            <a:spLocks/>
+          </p:cNvSpPr>
+          <p:nvPr/>
+        </p:nvSpPr>
+        <p:spPr bwMode="auto">
+          <a:xfrm>
+            <a:off x="282781" y="265212"/>
+            <a:ext cx="8362950" cy="720080"/>
+          </a:xfrm>
+          <a:prstGeom prst="rect">
+            <a:avLst/>
+          </a:prstGeom>
+          <a:noFill/>
+          <a:extLst>
+            <a:ext uri="{909E8E84-426E-40DD-AFC4-6F175D3DCCD1}">
+              <a14:hiddenFill xmlns:a14="http://schemas.microsoft.com/office/drawing/2010/main">
+                <a:solidFill>
+                  <a:srgbClr val="FFFFFF"/>
+                </a:solidFill>
+              </a14:hiddenFill>
+            </a:ext>
+            <a:ext uri="{91240B29-F687-4F45-9708-019B960494DF}">
+              <a14:hiddenLine xmlns:a14="http://schemas.microsoft.com/office/drawing/2010/main" w="9525">
+                <a:solidFill>
+                  <a:srgbClr val="000000"/>
+                </a:solidFill>
+                <a:miter lim="800000"/>
+                <a:headEnd/>
+                <a:tailEnd/>
+              </a14:hiddenLine>
+            </a:ext>
+          </a:extLst>
+        </p:spPr>
+        <p:txBody>
+          <a:bodyPr vert="horz" wrap="square" lIns="91440" tIns="45720" rIns="91440" bIns="45720" numCol="1" anchor="t" anchorCtr="0" compatLnSpc="1">
+            <a:prstTxWarp prst="textNoShape">
+              <a:avLst/>
+            </a:prstTxWarp>
+          </a:bodyPr>
+          <a:lstStyle>
+            <a:lvl1pPr algn="l" rtl="0" eaLnBrk="0" fontAlgn="base" hangingPunct="0">
+              <a:spcBef>
+                <a:spcPct val="0"/>
+              </a:spcBef>
+              <a:spcAft>
+                <a:spcPct val="0"/>
+              </a:spcAft>
+              <a:defRPr sz="3200" b="1">
+                <a:solidFill>
+                  <a:schemeClr val="bg1"/>
+                </a:solidFill>
+                <a:latin typeface="+mj-lt"/>
+                <a:ea typeface="+mj-ea"/>
+                <a:cs typeface="华文黑体"/>
+              </a:defRPr>
+            </a:lvl1pPr>
+            <a:lvl2pPr algn="l" rtl="0" eaLnBrk="0" fontAlgn="base" hangingPunct="0">
+              <a:spcBef>
+                <a:spcPct val="0"/>
+              </a:spcBef>
+              <a:spcAft>
+                <a:spcPct val="0"/>
+              </a:spcAft>
+              <a:defRPr sz="3200" b="1">
+                <a:solidFill>
+                  <a:schemeClr val="bg1"/>
+                </a:solidFill>
+                <a:latin typeface="Arial" charset="0"/>
+                <a:ea typeface="华文黑体" charset="-122"/>
+                <a:cs typeface="华文黑体"/>
+              </a:defRPr>
+            </a:lvl2pPr>
+            <a:lvl3pPr algn="l" rtl="0" eaLnBrk="0" fontAlgn="base" hangingPunct="0">
+              <a:spcBef>
+                <a:spcPct val="0"/>
+              </a:spcBef>
+              <a:spcAft>
+                <a:spcPct val="0"/>
+              </a:spcAft>
+              <a:defRPr sz="3200" b="1">
+                <a:solidFill>
+                  <a:schemeClr val="bg1"/>
+                </a:solidFill>
+                <a:latin typeface="Arial" charset="0"/>
+                <a:ea typeface="华文黑体" charset="-122"/>
+                <a:cs typeface="华文黑体"/>
+              </a:defRPr>
+            </a:lvl3pPr>
+            <a:lvl4pPr algn="l" rtl="0" eaLnBrk="0" fontAlgn="base" hangingPunct="0">
+              <a:spcBef>
+                <a:spcPct val="0"/>
+              </a:spcBef>
+              <a:spcAft>
+                <a:spcPct val="0"/>
+              </a:spcAft>
+              <a:defRPr sz="3200" b="1">
+                <a:solidFill>
+                  <a:schemeClr val="bg1"/>
+                </a:solidFill>
+                <a:latin typeface="Arial" charset="0"/>
+                <a:ea typeface="华文黑体" charset="-122"/>
+                <a:cs typeface="华文黑体"/>
+              </a:defRPr>
+            </a:lvl4pPr>
+            <a:lvl5pPr algn="l" rtl="0" eaLnBrk="0" fontAlgn="base" hangingPunct="0">
+              <a:spcBef>
+                <a:spcPct val="0"/>
+              </a:spcBef>
+              <a:spcAft>
+                <a:spcPct val="0"/>
+              </a:spcAft>
+              <a:defRPr sz="3200" b="1">
+                <a:solidFill>
+                  <a:schemeClr val="bg1"/>
+                </a:solidFill>
+                <a:latin typeface="Arial" charset="0"/>
+                <a:ea typeface="华文黑体" charset="-122"/>
+                <a:cs typeface="华文黑体"/>
+              </a:defRPr>
+            </a:lvl5pPr>
+            <a:lvl6pPr marL="457200" algn="l" rtl="0" fontAlgn="base">
+              <a:spcBef>
+                <a:spcPct val="0"/>
+              </a:spcBef>
+              <a:spcAft>
+                <a:spcPct val="0"/>
+              </a:spcAft>
+              <a:defRPr sz="3200" b="1">
+                <a:solidFill>
+                  <a:schemeClr val="bg1"/>
+                </a:solidFill>
+                <a:latin typeface="Arial" charset="0"/>
+                <a:ea typeface="华文黑体" charset="-122"/>
+              </a:defRPr>
+            </a:lvl6pPr>
+            <a:lvl7pPr marL="914400" algn="l" rtl="0" fontAlgn="base">
+              <a:spcBef>
+                <a:spcPct val="0"/>
+              </a:spcBef>
+              <a:spcAft>
+                <a:spcPct val="0"/>
+              </a:spcAft>
+              <a:defRPr sz="3200" b="1">
+                <a:solidFill>
+                  <a:schemeClr val="bg1"/>
+                </a:solidFill>
+                <a:latin typeface="Arial" charset="0"/>
+                <a:ea typeface="华文黑体" charset="-122"/>
+              </a:defRPr>
+            </a:lvl7pPr>
+            <a:lvl8pPr marL="1371600" algn="l" rtl="0" fontAlgn="base">
+              <a:spcBef>
+                <a:spcPct val="0"/>
+              </a:spcBef>
+              <a:spcAft>
+                <a:spcPct val="0"/>
+              </a:spcAft>
+              <a:defRPr sz="3200" b="1">
+                <a:solidFill>
+                  <a:schemeClr val="bg1"/>
+                </a:solidFill>
+                <a:latin typeface="Arial" charset="0"/>
+                <a:ea typeface="华文黑体" charset="-122"/>
+              </a:defRPr>
+            </a:lvl8pPr>
+            <a:lvl9pPr marL="1828800" algn="l" rtl="0" fontAlgn="base">
+              <a:spcBef>
+                <a:spcPct val="0"/>
+              </a:spcBef>
+              <a:spcAft>
+                <a:spcPct val="0"/>
+              </a:spcAft>
+              <a:defRPr sz="3200" b="1">
+                <a:solidFill>
+                  <a:schemeClr val="bg1"/>
+                </a:solidFill>
+                <a:latin typeface="Arial" charset="0"/>
+                <a:ea typeface="华文黑体" charset="-122"/>
+              </a:defRPr>
+            </a:lvl9pPr>
+          </a:lstStyle>
+          <a:p>
+            <a:pPr eaLnBrk="1" hangingPunct="1"/>
+            <a:r>
+              <a:rPr lang="zh-CN" altLang="en-US" dirty="0" smtClean="0">
+                <a:solidFill>
+                  <a:schemeClr val="tx1"/>
+                </a:solidFill>
+                <a:latin typeface="微软雅黑" pitchFamily="34" charset="-122"/>
+                <a:ea typeface="微软雅黑" pitchFamily="34" charset="-122"/>
+              </a:rPr>
+              <a:t>行</a:t>
+            </a:r>
+            <a:r>
+              <a:rPr lang="zh-CN" altLang="en-US" dirty="0">
+                <a:solidFill>
+                  <a:schemeClr val="tx1"/>
+                </a:solidFill>
+                <a:latin typeface="微软雅黑" pitchFamily="34" charset="-122"/>
+                <a:ea typeface="微软雅黑" pitchFamily="34" charset="-122"/>
+              </a:rPr>
+              <a:t>为关联层（</a:t>
+            </a:r>
+            <a:r>
+              <a:rPr lang="en-US" altLang="zh-CN" dirty="0">
+                <a:solidFill>
+                  <a:schemeClr val="tx1"/>
+                </a:solidFill>
+                <a:latin typeface="微软雅黑" pitchFamily="34" charset="-122"/>
+                <a:ea typeface="微软雅黑" pitchFamily="34" charset="-122"/>
+              </a:rPr>
+              <a:t>L2</a:t>
+            </a:r>
+            <a:r>
+              <a:rPr lang="zh-CN" altLang="en-US" dirty="0">
+                <a:solidFill>
+                  <a:schemeClr val="tx1"/>
+                </a:solidFill>
+                <a:latin typeface="微软雅黑" pitchFamily="34" charset="-122"/>
+                <a:ea typeface="微软雅黑" pitchFamily="34" charset="-122"/>
+              </a:rPr>
+              <a:t>）特征调研及特征</a:t>
+            </a:r>
+          </a:p>
+        </p:txBody>
+      </p:sp>
+      <p:sp>
+        <p:nvSpPr>
+          <p:cNvPr id="4" name="Content Placeholder 3"/>
+          <p:cNvSpPr>
+            <a:spLocks noGrp="1"/>
+          </p:cNvSpPr>
+          <p:nvPr>
+            <p:ph idx="1"/>
+          </p:nvPr>
+        </p:nvSpPr>
+        <p:spPr/>
+        <p:txBody>
+          <a:bodyPr/>
+          <a:lstStyle/>
+          <a:p>
+            <a:r>
+              <a:rPr lang="zh-CN" altLang="en-US" sz="1800" dirty="0">
+                <a:latin typeface="微软雅黑" pitchFamily="34" charset="-122"/>
+                <a:ea typeface="微软雅黑" pitchFamily="34" charset="-122"/>
+              </a:rPr>
+              <a:t>调研特征逻辑</a:t>
+            </a:r>
+            <a:endParaRPr lang="en-US" altLang="zh-CN" sz="1800" dirty="0">
+              <a:latin typeface="微软雅黑" pitchFamily="34" charset="-122"/>
+              <a:ea typeface="微软雅黑" pitchFamily="34" charset="-122"/>
+            </a:endParaRPr>
+          </a:p>
+          <a:p>
+            <a:endParaRPr lang="en-US" sz="1800" dirty="0">
+              <a:latin typeface="微软雅黑" pitchFamily="34" charset="-122"/>
+              <a:ea typeface="微软雅黑" pitchFamily="34" charset="-122"/>
+            </a:endParaRPr>
+          </a:p>
+          <a:p>
+            <a:endParaRPr lang="en-US" sz="1800" dirty="0">
+              <a:latin typeface="微软雅黑" pitchFamily="34" charset="-122"/>
+              <a:ea typeface="微软雅黑" pitchFamily="34" charset="-122"/>
+            </a:endParaRPr>
+          </a:p>
+          <a:p>
+            <a:endParaRPr lang="en-US" sz="1800" dirty="0">
+              <a:latin typeface="微软雅黑" pitchFamily="34" charset="-122"/>
+              <a:ea typeface="微软雅黑" pitchFamily="34" charset="-122"/>
+            </a:endParaRPr>
+          </a:p>
+          <a:p>
+            <a:endParaRPr lang="en-US" sz="1800" dirty="0">
+              <a:latin typeface="微软雅黑" pitchFamily="34" charset="-122"/>
+              <a:ea typeface="微软雅黑" pitchFamily="34" charset="-122"/>
+            </a:endParaRPr>
+          </a:p>
+          <a:p>
+            <a:endParaRPr lang="en-US" sz="1800" dirty="0">
+              <a:latin typeface="微软雅黑" pitchFamily="34" charset="-122"/>
+              <a:ea typeface="微软雅黑" pitchFamily="34" charset="-122"/>
+            </a:endParaRPr>
+          </a:p>
+          <a:p>
+            <a:endParaRPr lang="en-US" altLang="zh-CN" sz="1800" dirty="0">
+              <a:latin typeface="微软雅黑" pitchFamily="34" charset="-122"/>
+              <a:ea typeface="微软雅黑" pitchFamily="34" charset="-122"/>
+            </a:endParaRPr>
+          </a:p>
+          <a:p>
+            <a:r>
+              <a:rPr lang="zh-CN" altLang="en-US" sz="1600" dirty="0">
+                <a:latin typeface="微软雅黑" pitchFamily="34" charset="-122"/>
+                <a:ea typeface="微软雅黑" pitchFamily="34" charset="-122"/>
+              </a:rPr>
+              <a:t>上线特征逻辑：使用</a:t>
+            </a:r>
+            <a:r>
+              <a:rPr lang="en-US" altLang="zh-CN" sz="1600" dirty="0">
+                <a:latin typeface="微软雅黑" pitchFamily="34" charset="-122"/>
+                <a:ea typeface="微软雅黑" pitchFamily="34" charset="-122"/>
+              </a:rPr>
+              <a:t>Top-EPA</a:t>
+            </a:r>
+            <a:r>
+              <a:rPr lang="zh-CN" altLang="en-US" sz="1600" dirty="0">
+                <a:latin typeface="微软雅黑" pitchFamily="34" charset="-122"/>
+                <a:ea typeface="微软雅黑" pitchFamily="34" charset="-122"/>
+              </a:rPr>
+              <a:t>方式，</a:t>
+            </a:r>
+            <a:r>
+              <a:rPr lang="en-US" altLang="zh-CN" sz="1600" dirty="0">
+                <a:latin typeface="微软雅黑" pitchFamily="34" charset="-122"/>
+                <a:ea typeface="微软雅黑" pitchFamily="34" charset="-122"/>
+              </a:rPr>
+              <a:t>UPS</a:t>
+            </a:r>
+            <a:r>
+              <a:rPr lang="zh-CN" altLang="en-US" sz="1600" dirty="0">
+                <a:latin typeface="微软雅黑" pitchFamily="34" charset="-122"/>
+                <a:ea typeface="微软雅黑" pitchFamily="34" charset="-122"/>
+              </a:rPr>
+              <a:t>行为还原</a:t>
+            </a:r>
+            <a:r>
+              <a:rPr lang="en-US" altLang="zh-CN" sz="1600" dirty="0">
+                <a:latin typeface="微软雅黑" pitchFamily="34" charset="-122"/>
+                <a:ea typeface="微软雅黑" pitchFamily="34" charset="-122"/>
+              </a:rPr>
+              <a:t>EPA</a:t>
+            </a:r>
+            <a:r>
+              <a:rPr lang="zh-CN" altLang="en-US" sz="1600" dirty="0">
+                <a:latin typeface="微软雅黑" pitchFamily="34" charset="-122"/>
+                <a:ea typeface="微软雅黑" pitchFamily="34" charset="-122"/>
+              </a:rPr>
+              <a:t>组合覆盖面约</a:t>
+            </a:r>
+            <a:r>
+              <a:rPr lang="en-US" altLang="zh-CN" sz="1600" dirty="0">
+                <a:latin typeface="微软雅黑" pitchFamily="34" charset="-122"/>
+                <a:ea typeface="微软雅黑" pitchFamily="34" charset="-122"/>
+              </a:rPr>
+              <a:t>80%</a:t>
+            </a:r>
+            <a:r>
+              <a:rPr lang="zh-CN" altLang="en-US" sz="1600" dirty="0">
+                <a:latin typeface="微软雅黑" pitchFamily="34" charset="-122"/>
+                <a:ea typeface="微软雅黑" pitchFamily="34" charset="-122"/>
+              </a:rPr>
+              <a:t>；过滤不置信行为后行为准确表述当前链接主旨准确率约</a:t>
+            </a:r>
+            <a:r>
+              <a:rPr lang="en-US" altLang="zh-CN" sz="1600" dirty="0" smtClean="0">
+                <a:latin typeface="微软雅黑" pitchFamily="34" charset="-122"/>
+                <a:ea typeface="微软雅黑" pitchFamily="34" charset="-122"/>
+              </a:rPr>
+              <a:t>80</a:t>
+            </a:r>
+            <a:r>
+              <a:rPr lang="en-US" altLang="zh-CN" sz="1600" dirty="0">
+                <a:latin typeface="微软雅黑" pitchFamily="34" charset="-122"/>
+                <a:ea typeface="微软雅黑" pitchFamily="34" charset="-122"/>
+              </a:rPr>
+              <a:t>%</a:t>
+            </a:r>
+          </a:p>
+        </p:txBody>
+      </p:sp>
+      <p:pic>
+        <p:nvPicPr>
+          <p:cNvPr id="2051" name="Picture 3"/>
+          <p:cNvPicPr>
+            <a:picLocks noChangeAspect="1" noChangeArrowheads="1"/>
+          </p:cNvPicPr>
+          <p:nvPr/>
+        </p:nvPicPr>
+        <p:blipFill>
+          <a:blip r:embed="rId2">
+            <a:extLst>
+              <a:ext uri="{28A0092B-C50C-407E-A947-70E740481C1C}">
+                <a14:useLocalDpi xmlns:a14="http://schemas.microsoft.com/office/drawing/2010/main" val="0"/>
+              </a:ext>
+            </a:extLst>
+          </a:blip>
+          <a:srcRect/>
+          <a:stretch>
+            <a:fillRect/>
+          </a:stretch>
+        </p:blipFill>
+        <p:spPr bwMode="auto">
+          <a:xfrm>
+            <a:off x="473281" y="1705372"/>
+            <a:ext cx="8172450" cy="1828800"/>
+          </a:xfrm>
+          <a:prstGeom prst="rect">
+            <a:avLst/>
+          </a:prstGeom>
+          <a:noFill/>
+          <a:ln>
+            <a:noFill/>
+          </a:ln>
+          <a:effectLst/>
+          <a:extLst>
+            <a:ext uri="{909E8E84-426E-40DD-AFC4-6F175D3DCCD1}">
+              <a14:hiddenFill xmlns:a14="http://schemas.microsoft.com/office/drawing/2010/main">
+                <a:solidFill>
+                  <a:schemeClr val="accent1"/>
+                </a:solidFill>
+              </a14:hiddenFill>
+            </a:ext>
+            <a:ext uri="{91240B29-F687-4F45-9708-019B960494DF}">
+              <a14:hiddenLine xmlns:a14="http://schemas.microsoft.com/office/drawing/2010/main" w="9525">
+                <a:solidFill>
+                  <a:schemeClr val="tx1"/>
+                </a:solidFill>
+                <a:miter lim="800000"/>
+                <a:headEnd/>
+                <a:tailEnd/>
+              </a14:hiddenLine>
+            </a:ext>
+            <a:ext uri="{AF507438-7753-43E0-B8FC-AC1667EBCBE1}">
+              <a14:hiddenEffects xmlns:a14="http://schemas.microsoft.com/office/drawing/2010/main">
+                <a:effectLst>
+                  <a:outerShdw dist="35921" dir="2700000" algn="ctr" rotWithShape="0">
+                    <a:schemeClr val="bg2"/>
+                  </a:outerShdw>
+                </a:effectLst>
+              </a14:hiddenEffects>
+            </a:ext>
+          </a:extLst>
+        </p:spPr>
+      </p:pic>
+    </p:spTree>
+    <p:extLst>
+      <p:ext uri="{BB962C8B-B14F-4D97-AF65-F5344CB8AC3E}">
+        <p14:creationId xmlns:p14="http://schemas.microsoft.com/office/powerpoint/2010/main" val="1174353607"/>
       </p:ext>
     </p:extLst>
   </p:cSld>

--- a/For T5/蒋学渊_2015年春工作述职.pptx
+++ b/For T5/蒋学渊_2015年春工作述职.pptx
@@ -5,10 +5,10 @@
     <p:sldMasterId id="2147483651" r:id="rId1"/>
   </p:sldMasterIdLst>
   <p:notesMasterIdLst>
-    <p:notesMasterId r:id="rId15"/>
+    <p:notesMasterId r:id="rId18"/>
   </p:notesMasterIdLst>
   <p:handoutMasterIdLst>
-    <p:handoutMasterId r:id="rId16"/>
+    <p:handoutMasterId r:id="rId19"/>
   </p:handoutMasterIdLst>
   <p:sldIdLst>
     <p:sldId id="256" r:id="rId2"/>
@@ -17,13 +17,16 @@
     <p:sldId id="322" r:id="rId5"/>
     <p:sldId id="332" r:id="rId6"/>
     <p:sldId id="329" r:id="rId7"/>
-    <p:sldId id="326" r:id="rId8"/>
-    <p:sldId id="327" r:id="rId9"/>
-    <p:sldId id="323" r:id="rId10"/>
-    <p:sldId id="324" r:id="rId11"/>
-    <p:sldId id="316" r:id="rId12"/>
-    <p:sldId id="312" r:id="rId13"/>
-    <p:sldId id="271" r:id="rId14"/>
+    <p:sldId id="334" r:id="rId8"/>
+    <p:sldId id="335" r:id="rId9"/>
+    <p:sldId id="326" r:id="rId10"/>
+    <p:sldId id="327" r:id="rId11"/>
+    <p:sldId id="323" r:id="rId12"/>
+    <p:sldId id="324" r:id="rId13"/>
+    <p:sldId id="333" r:id="rId14"/>
+    <p:sldId id="316" r:id="rId15"/>
+    <p:sldId id="336" r:id="rId16"/>
+    <p:sldId id="271" r:id="rId17"/>
   </p:sldIdLst>
   <p:sldSz cx="9144000" cy="5715000" type="screen16x10"/>
   <p:notesSz cx="6797675" cy="9874250"/>
@@ -955,7 +958,10 @@
       <dgm:prSet phldrT="[Text]" custT="1"/>
       <dgm:spPr>
         <a:solidFill>
-          <a:srgbClr val="92D050"/>
+          <a:schemeClr val="accent6">
+            <a:lumMod val="40000"/>
+            <a:lumOff val="60000"/>
+          </a:schemeClr>
         </a:solidFill>
       </dgm:spPr>
       <dgm:t>
@@ -1007,7 +1013,14 @@
     </dgm:pt>
     <dgm:pt modelId="{F3B7348B-6124-4697-AFA4-D77B9FC62C18}">
       <dgm:prSet phldrT="[Text]" custT="1"/>
-      <dgm:spPr/>
+      <dgm:spPr>
+        <a:solidFill>
+          <a:schemeClr val="accent3">
+            <a:lumMod val="95000"/>
+            <a:alpha val="90000"/>
+          </a:schemeClr>
+        </a:solidFill>
+      </dgm:spPr>
       <dgm:t>
         <a:bodyPr/>
         <a:lstStyle/>
@@ -1016,7 +1029,7 @@
             <a:rPr lang="en-US" sz="1200" b="1" dirty="0" smtClean="0">
               <a:solidFill>
                 <a:schemeClr val="bg1">
-                  <a:lumMod val="50000"/>
+                  <a:lumMod val="65000"/>
                 </a:schemeClr>
               </a:solidFill>
               <a:latin typeface="微软雅黑" pitchFamily="34" charset="-122"/>
@@ -1030,7 +1043,7 @@
             <a:rPr lang="en-US" altLang="zh-CN" sz="1200" b="1" dirty="0" smtClean="0">
               <a:solidFill>
                 <a:schemeClr val="bg1">
-                  <a:lumMod val="50000"/>
+                  <a:lumMod val="65000"/>
                 </a:schemeClr>
               </a:solidFill>
               <a:latin typeface="微软雅黑" pitchFamily="34" charset="-122"/>
@@ -1042,7 +1055,7 @@
             <a:rPr lang="zh-CN" altLang="en-US" sz="1200" b="1" dirty="0" smtClean="0">
               <a:solidFill>
                 <a:schemeClr val="bg1">
-                  <a:lumMod val="50000"/>
+                  <a:lumMod val="65000"/>
                 </a:schemeClr>
               </a:solidFill>
               <a:latin typeface="微软雅黑" pitchFamily="34" charset="-122"/>
@@ -1053,7 +1066,7 @@
           <a:endParaRPr lang="en-US" sz="1200" b="1" dirty="0">
             <a:solidFill>
               <a:schemeClr val="bg1">
-                <a:lumMod val="50000"/>
+                <a:lumMod val="65000"/>
               </a:schemeClr>
             </a:solidFill>
             <a:latin typeface="微软雅黑" pitchFamily="34" charset="-122"/>
@@ -1088,7 +1101,7 @@
       <dgm:prSet phldrT="[Text]" custT="1"/>
       <dgm:spPr>
         <a:solidFill>
-          <a:srgbClr val="41B513"/>
+          <a:srgbClr val="87AFFF"/>
         </a:solidFill>
       </dgm:spPr>
       <dgm:t>
@@ -1154,7 +1167,14 @@
     </dgm:pt>
     <dgm:pt modelId="{AF3BA94D-8DCE-4084-B3A9-D9948A61B3A8}">
       <dgm:prSet phldrT="[Text]" custT="1"/>
-      <dgm:spPr/>
+      <dgm:spPr>
+        <a:solidFill>
+          <a:schemeClr val="accent3">
+            <a:lumMod val="95000"/>
+            <a:alpha val="90000"/>
+          </a:schemeClr>
+        </a:solidFill>
+      </dgm:spPr>
       <dgm:t>
         <a:bodyPr/>
         <a:lstStyle/>
@@ -1237,7 +1257,7 @@
       <dgm:prSet custT="1"/>
       <dgm:spPr>
         <a:solidFill>
-          <a:schemeClr val="bg1">
+          <a:schemeClr val="accent3">
             <a:lumMod val="85000"/>
             <a:alpha val="90000"/>
           </a:schemeClr>
@@ -1251,7 +1271,7 @@
             <a:rPr lang="en-US" altLang="zh-CN" sz="1200" b="1" dirty="0" smtClean="0">
               <a:solidFill>
                 <a:schemeClr val="bg1">
-                  <a:lumMod val="50000"/>
+                  <a:lumMod val="65000"/>
                 </a:schemeClr>
               </a:solidFill>
               <a:latin typeface="微软雅黑" pitchFamily="34" charset="-122"/>
@@ -1265,7 +1285,7 @@
             <a:rPr lang="en-US" altLang="zh-CN" sz="1200" b="1" dirty="0" smtClean="0">
               <a:solidFill>
                 <a:schemeClr val="bg1">
-                  <a:lumMod val="50000"/>
+                  <a:lumMod val="65000"/>
                 </a:schemeClr>
               </a:solidFill>
               <a:latin typeface="微软雅黑" pitchFamily="34" charset="-122"/>
@@ -1277,7 +1297,7 @@
             <a:rPr lang="zh-CN" altLang="en-US" sz="1200" b="1" dirty="0" smtClean="0">
               <a:solidFill>
                 <a:schemeClr val="bg1">
-                  <a:lumMod val="50000"/>
+                  <a:lumMod val="65000"/>
                 </a:schemeClr>
               </a:solidFill>
               <a:latin typeface="微软雅黑" pitchFamily="34" charset="-122"/>
@@ -1289,7 +1309,7 @@
             <a:rPr lang="en-US" altLang="zh-CN" sz="1200" b="1" dirty="0" smtClean="0">
               <a:solidFill>
                 <a:schemeClr val="bg1">
-                  <a:lumMod val="50000"/>
+                  <a:lumMod val="65000"/>
                 </a:schemeClr>
               </a:solidFill>
               <a:latin typeface="微软雅黑" pitchFamily="34" charset="-122"/>
@@ -1301,7 +1321,7 @@
             <a:rPr lang="zh-CN" altLang="en-US" sz="1200" b="1" dirty="0" smtClean="0">
               <a:solidFill>
                 <a:schemeClr val="bg1">
-                  <a:lumMod val="50000"/>
+                  <a:lumMod val="65000"/>
                 </a:schemeClr>
               </a:solidFill>
               <a:latin typeface="微软雅黑" pitchFamily="34" charset="-122"/>
@@ -1312,7 +1332,7 @@
           <a:endParaRPr lang="en-US" sz="1200" b="1" dirty="0">
             <a:solidFill>
               <a:schemeClr val="bg1">
-                <a:lumMod val="50000"/>
+                <a:lumMod val="65000"/>
               </a:schemeClr>
             </a:solidFill>
             <a:latin typeface="微软雅黑" pitchFamily="34" charset="-122"/>
@@ -1345,7 +1365,14 @@
     </dgm:pt>
     <dgm:pt modelId="{EA9DA5C0-2719-4E2A-88AF-6E7949AF0653}">
       <dgm:prSet custT="1"/>
-      <dgm:spPr/>
+      <dgm:spPr>
+        <a:solidFill>
+          <a:schemeClr val="accent3">
+            <a:lumMod val="75000"/>
+            <a:alpha val="90000"/>
+          </a:schemeClr>
+        </a:solidFill>
+      </dgm:spPr>
       <dgm:t>
         <a:bodyPr/>
         <a:lstStyle/>
@@ -1456,7 +1483,14 @@
     </dgm:pt>
     <dgm:pt modelId="{B85486D9-13FB-4E4D-897C-E54D382E4F4A}">
       <dgm:prSet custT="1"/>
-      <dgm:spPr/>
+      <dgm:spPr>
+        <a:solidFill>
+          <a:schemeClr val="accent3">
+            <a:lumMod val="75000"/>
+            <a:alpha val="90000"/>
+          </a:schemeClr>
+        </a:solidFill>
+      </dgm:spPr>
       <dgm:t>
         <a:bodyPr/>
         <a:lstStyle/>
@@ -1498,7 +1532,7 @@
               <a:latin typeface="微软雅黑" pitchFamily="34" charset="-122"/>
               <a:ea typeface="微软雅黑" pitchFamily="34" charset="-122"/>
             </a:rPr>
-            <a:t>开物</a:t>
+            <a:t>人群特征</a:t>
           </a:r>
           <a:r>
             <a:rPr lang="en-US" altLang="zh-CN" sz="1200" b="1" dirty="0" smtClean="0">
@@ -1508,7 +1542,7 @@
               <a:latin typeface="微软雅黑" pitchFamily="34" charset="-122"/>
               <a:ea typeface="微软雅黑" pitchFamily="34" charset="-122"/>
             </a:rPr>
-            <a:t>EPA</a:t>
+            <a:t>-</a:t>
           </a:r>
           <a:r>
             <a:rPr lang="zh-CN" altLang="en-US" sz="1200" b="1" dirty="0" smtClean="0">
@@ -1518,7 +1552,17 @@
               <a:latin typeface="微软雅黑" pitchFamily="34" charset="-122"/>
               <a:ea typeface="微软雅黑" pitchFamily="34" charset="-122"/>
             </a:rPr>
-            <a:t>人群构建及转投</a:t>
+            <a:t>开物人</a:t>
+          </a:r>
+          <a:r>
+            <a:rPr lang="zh-CN" altLang="en-US" sz="1200" b="1" dirty="0" smtClean="0">
+              <a:solidFill>
+                <a:schemeClr val="tx1"/>
+              </a:solidFill>
+              <a:latin typeface="微软雅黑" pitchFamily="34" charset="-122"/>
+              <a:ea typeface="微软雅黑" pitchFamily="34" charset="-122"/>
+            </a:rPr>
+            <a:t>群构建及转投</a:t>
           </a:r>
           <a:endParaRPr lang="en-US" sz="1200" b="1" dirty="0">
             <a:solidFill>
@@ -1777,7 +1821,7 @@
           <a:avLst/>
         </a:prstGeom>
         <a:solidFill>
-          <a:srgbClr val="41B513"/>
+          <a:srgbClr val="87AFFF"/>
         </a:solidFill>
         <a:ln w="25400" cap="flat" cmpd="sng" algn="ctr">
           <a:solidFill>
@@ -1876,13 +1920,9 @@
           <a:avLst/>
         </a:prstGeom>
         <a:solidFill>
-          <a:schemeClr val="accent5">
-            <a:tint val="40000"/>
+          <a:schemeClr val="accent3">
+            <a:lumMod val="95000"/>
             <a:alpha val="90000"/>
-            <a:hueOff val="0"/>
-            <a:satOff val="0"/>
-            <a:lumOff val="0"/>
-            <a:alphaOff val="0"/>
           </a:schemeClr>
         </a:solidFill>
         <a:ln w="25400" cap="flat" cmpd="sng" algn="ctr">
@@ -2010,13 +2050,9 @@
           <a:avLst/>
         </a:prstGeom>
         <a:solidFill>
-          <a:schemeClr val="accent5">
-            <a:tint val="40000"/>
+          <a:schemeClr val="accent3">
+            <a:lumMod val="75000"/>
             <a:alpha val="90000"/>
-            <a:hueOff val="811271"/>
-            <a:satOff val="-5754"/>
-            <a:lumOff val="-3274"/>
-            <a:alphaOff val="0"/>
           </a:schemeClr>
         </a:solidFill>
         <a:ln w="25400" cap="flat" cmpd="sng" algn="ctr">
@@ -2111,7 +2147,7 @@
               <a:latin typeface="微软雅黑" pitchFamily="34" charset="-122"/>
               <a:ea typeface="微软雅黑" pitchFamily="34" charset="-122"/>
             </a:rPr>
-            <a:t>开物</a:t>
+            <a:t>人群特征</a:t>
           </a:r>
           <a:r>
             <a:rPr lang="en-US" altLang="zh-CN" sz="1200" b="1" kern="1200" dirty="0" smtClean="0">
@@ -2121,7 +2157,7 @@
               <a:latin typeface="微软雅黑" pitchFamily="34" charset="-122"/>
               <a:ea typeface="微软雅黑" pitchFamily="34" charset="-122"/>
             </a:rPr>
-            <a:t>EPA</a:t>
+            <a:t>-</a:t>
           </a:r>
           <a:r>
             <a:rPr lang="zh-CN" altLang="en-US" sz="1200" b="1" kern="1200" dirty="0" smtClean="0">
@@ -2131,7 +2167,17 @@
               <a:latin typeface="微软雅黑" pitchFamily="34" charset="-122"/>
               <a:ea typeface="微软雅黑" pitchFamily="34" charset="-122"/>
             </a:rPr>
-            <a:t>人群构建及转投</a:t>
+            <a:t>开物人</a:t>
+          </a:r>
+          <a:r>
+            <a:rPr lang="zh-CN" altLang="en-US" sz="1200" b="1" kern="1200" dirty="0" smtClean="0">
+              <a:solidFill>
+                <a:schemeClr val="tx1"/>
+              </a:solidFill>
+              <a:latin typeface="微软雅黑" pitchFamily="34" charset="-122"/>
+              <a:ea typeface="微软雅黑" pitchFamily="34" charset="-122"/>
+            </a:rPr>
+            <a:t>群构建及转投</a:t>
           </a:r>
           <a:endParaRPr lang="en-US" sz="1200" b="1" kern="1200" dirty="0">
             <a:solidFill>
@@ -2161,7 +2207,10 @@
           <a:avLst/>
         </a:prstGeom>
         <a:solidFill>
-          <a:srgbClr val="92D050"/>
+          <a:schemeClr val="accent6">
+            <a:lumMod val="40000"/>
+            <a:lumOff val="60000"/>
+          </a:schemeClr>
         </a:solidFill>
         <a:ln w="25400" cap="flat" cmpd="sng" algn="ctr">
           <a:solidFill>
@@ -2246,13 +2295,9 @@
           <a:avLst/>
         </a:prstGeom>
         <a:solidFill>
-          <a:schemeClr val="accent5">
-            <a:tint val="40000"/>
+          <a:schemeClr val="accent3">
+            <a:lumMod val="95000"/>
             <a:alpha val="90000"/>
-            <a:hueOff val="1622542"/>
-            <a:satOff val="-11507"/>
-            <a:lumOff val="-6548"/>
-            <a:alphaOff val="0"/>
           </a:schemeClr>
         </a:solidFill>
         <a:ln w="25400" cap="flat" cmpd="sng" algn="ctr">
@@ -2303,7 +2348,7 @@
             <a:rPr lang="en-US" sz="1200" b="1" kern="1200" dirty="0" smtClean="0">
               <a:solidFill>
                 <a:schemeClr val="bg1">
-                  <a:lumMod val="50000"/>
+                  <a:lumMod val="65000"/>
                 </a:schemeClr>
               </a:solidFill>
               <a:latin typeface="微软雅黑" pitchFamily="34" charset="-122"/>
@@ -2328,7 +2373,7 @@
             <a:rPr lang="en-US" altLang="zh-CN" sz="1200" b="1" kern="1200" dirty="0" smtClean="0">
               <a:solidFill>
                 <a:schemeClr val="bg1">
-                  <a:lumMod val="50000"/>
+                  <a:lumMod val="65000"/>
                 </a:schemeClr>
               </a:solidFill>
               <a:latin typeface="微软雅黑" pitchFamily="34" charset="-122"/>
@@ -2340,7 +2385,7 @@
             <a:rPr lang="zh-CN" altLang="en-US" sz="1200" b="1" kern="1200" dirty="0" smtClean="0">
               <a:solidFill>
                 <a:schemeClr val="bg1">
-                  <a:lumMod val="50000"/>
+                  <a:lumMod val="65000"/>
                 </a:schemeClr>
               </a:solidFill>
               <a:latin typeface="微软雅黑" pitchFamily="34" charset="-122"/>
@@ -2351,7 +2396,7 @@
           <a:endParaRPr lang="en-US" sz="1200" b="1" kern="1200" dirty="0">
             <a:solidFill>
               <a:schemeClr val="bg1">
-                <a:lumMod val="50000"/>
+                <a:lumMod val="65000"/>
               </a:schemeClr>
             </a:solidFill>
             <a:latin typeface="微软雅黑" pitchFamily="34" charset="-122"/>
@@ -2378,7 +2423,7 @@
           <a:avLst/>
         </a:prstGeom>
         <a:solidFill>
-          <a:schemeClr val="bg1">
+          <a:schemeClr val="accent3">
             <a:lumMod val="85000"/>
             <a:alpha val="90000"/>
           </a:schemeClr>
@@ -2431,7 +2476,7 @@
             <a:rPr lang="en-US" altLang="zh-CN" sz="1200" b="1" kern="1200" dirty="0" smtClean="0">
               <a:solidFill>
                 <a:schemeClr val="bg1">
-                  <a:lumMod val="50000"/>
+                  <a:lumMod val="65000"/>
                 </a:schemeClr>
               </a:solidFill>
               <a:latin typeface="微软雅黑" pitchFamily="34" charset="-122"/>
@@ -2456,7 +2501,7 @@
             <a:rPr lang="en-US" altLang="zh-CN" sz="1200" b="1" kern="1200" dirty="0" smtClean="0">
               <a:solidFill>
                 <a:schemeClr val="bg1">
-                  <a:lumMod val="50000"/>
+                  <a:lumMod val="65000"/>
                 </a:schemeClr>
               </a:solidFill>
               <a:latin typeface="微软雅黑" pitchFamily="34" charset="-122"/>
@@ -2468,7 +2513,7 @@
             <a:rPr lang="zh-CN" altLang="en-US" sz="1200" b="1" kern="1200" dirty="0" smtClean="0">
               <a:solidFill>
                 <a:schemeClr val="bg1">
-                  <a:lumMod val="50000"/>
+                  <a:lumMod val="65000"/>
                 </a:schemeClr>
               </a:solidFill>
               <a:latin typeface="微软雅黑" pitchFamily="34" charset="-122"/>
@@ -2480,7 +2525,7 @@
             <a:rPr lang="en-US" altLang="zh-CN" sz="1200" b="1" kern="1200" dirty="0" smtClean="0">
               <a:solidFill>
                 <a:schemeClr val="bg1">
-                  <a:lumMod val="50000"/>
+                  <a:lumMod val="65000"/>
                 </a:schemeClr>
               </a:solidFill>
               <a:latin typeface="微软雅黑" pitchFamily="34" charset="-122"/>
@@ -2492,7 +2537,7 @@
             <a:rPr lang="zh-CN" altLang="en-US" sz="1200" b="1" kern="1200" dirty="0" smtClean="0">
               <a:solidFill>
                 <a:schemeClr val="bg1">
-                  <a:lumMod val="50000"/>
+                  <a:lumMod val="65000"/>
                 </a:schemeClr>
               </a:solidFill>
               <a:latin typeface="微软雅黑" pitchFamily="34" charset="-122"/>
@@ -2503,7 +2548,7 @@
           <a:endParaRPr lang="en-US" sz="1200" b="1" kern="1200" dirty="0">
             <a:solidFill>
               <a:schemeClr val="bg1">
-                <a:lumMod val="50000"/>
+                <a:lumMod val="65000"/>
               </a:schemeClr>
             </a:solidFill>
             <a:latin typeface="微软雅黑" pitchFamily="34" charset="-122"/>
@@ -2530,13 +2575,9 @@
           <a:avLst/>
         </a:prstGeom>
         <a:solidFill>
-          <a:schemeClr val="accent5">
-            <a:tint val="40000"/>
+          <a:schemeClr val="accent3">
+            <a:lumMod val="75000"/>
             <a:alpha val="90000"/>
-            <a:hueOff val="3245083"/>
-            <a:satOff val="-23015"/>
-            <a:lumOff val="-13095"/>
-            <a:alphaOff val="0"/>
           </a:schemeClr>
         </a:solidFill>
         <a:ln w="25400" cap="flat" cmpd="sng" algn="ctr">
@@ -5154,40 +5195,28 @@
           <a:lstStyle/>
           <a:p>
             <a:r>
-              <a:rPr lang="en-US" altLang="zh-CN" dirty="0" err="1" smtClean="0"/>
-              <a:t>LP+Text+Flash</a:t>
-            </a:r>
-            <a:r>
-              <a:rPr lang="zh-CN" altLang="en-US" dirty="0" smtClean="0"/>
-              <a:t>提词</a:t>
-            </a:r>
-            <a:r>
-              <a:rPr lang="zh-CN" altLang="en-US" baseline="0" dirty="0" smtClean="0"/>
-              <a:t>得到</a:t>
-            </a:r>
-            <a:r>
-              <a:rPr lang="en-US" altLang="zh-CN" baseline="0" dirty="0" smtClean="0"/>
-              <a:t>idea core-words</a:t>
-            </a:r>
-            <a:r>
-              <a:rPr lang="zh-CN" altLang="en-US" baseline="0" dirty="0" smtClean="0"/>
-              <a:t>，加</a:t>
-            </a:r>
-            <a:r>
-              <a:rPr lang="en-US" altLang="zh-CN" baseline="0" dirty="0" smtClean="0"/>
-              <a:t>group bid-words</a:t>
-            </a:r>
-            <a:r>
-              <a:rPr lang="zh-CN" altLang="en-US" baseline="0" dirty="0" smtClean="0"/>
-              <a:t>，分别分类合并得到</a:t>
-            </a:r>
-            <a:r>
-              <a:rPr lang="en-US" altLang="zh-CN" baseline="0" dirty="0" err="1" smtClean="0"/>
-              <a:t>afs</a:t>
-            </a:r>
-            <a:r>
-              <a:rPr lang="zh-CN" altLang="en-US" baseline="0" dirty="0" smtClean="0"/>
-              <a:t>广告分类</a:t>
+              <a:rPr lang="en-US" dirty="0" smtClean="0"/>
+              <a:t>Version, </a:t>
+            </a:r>
+            <a:r>
+              <a:rPr lang="en-US" dirty="0" err="1" smtClean="0"/>
+              <a:t>Orig-wordid</a:t>
+            </a:r>
+            <a:r>
+              <a:rPr lang="en-US" dirty="0" smtClean="0"/>
+              <a:t>,</a:t>
+            </a:r>
+            <a:r>
+              <a:rPr lang="en-US" baseline="0" dirty="0" smtClean="0"/>
+              <a:t> Ext-</a:t>
+            </a:r>
+            <a:r>
+              <a:rPr lang="en-US" baseline="0" dirty="0" err="1" smtClean="0"/>
+              <a:t>wordid</a:t>
+            </a:r>
+            <a:r>
+              <a:rPr lang="en-US" baseline="0" dirty="0" smtClean="0"/>
+              <a:t>, Weight, Tag</a:t>
             </a:r>
             <a:endParaRPr lang="en-US" dirty="0"/>
           </a:p>
@@ -5216,7 +5245,7 @@
               <a:pPr>
                 <a:defRPr/>
               </a:pPr>
-              <a:t>10</a:t>
+              <a:t>12</a:t>
             </a:fld>
             <a:endParaRPr lang="en-US"/>
           </a:p>
@@ -5236,6 +5265,132 @@
 </file>
 
 <file path=ppt/notesSlides/notesSlide4.xml><?xml version="1.0" encoding="utf-8"?>
+<p:notes xmlns:a="http://schemas.openxmlformats.org/drawingml/2006/main" xmlns:r="http://schemas.openxmlformats.org/officeDocument/2006/relationships" xmlns:p="http://schemas.openxmlformats.org/presentationml/2006/main">
+  <p:cSld>
+    <p:spTree>
+      <p:nvGrpSpPr>
+        <p:cNvPr id="1" name=""/>
+        <p:cNvGrpSpPr/>
+        <p:nvPr/>
+      </p:nvGrpSpPr>
+      <p:grpSpPr>
+        <a:xfrm>
+          <a:off x="0" y="0"/>
+          <a:ext cx="0" cy="0"/>
+          <a:chOff x="0" y="0"/>
+          <a:chExt cx="0" cy="0"/>
+        </a:xfrm>
+      </p:grpSpPr>
+      <p:sp>
+        <p:nvSpPr>
+          <p:cNvPr id="2" name="Slide Image Placeholder 1"/>
+          <p:cNvSpPr>
+            <a:spLocks noGrp="1" noRot="1" noChangeAspect="1"/>
+          </p:cNvSpPr>
+          <p:nvPr>
+            <p:ph type="sldImg"/>
+          </p:nvPr>
+        </p:nvSpPr>
+        <p:spPr/>
+      </p:sp>
+      <p:sp>
+        <p:nvSpPr>
+          <p:cNvPr id="3" name="Notes Placeholder 2"/>
+          <p:cNvSpPr>
+            <a:spLocks noGrp="1"/>
+          </p:cNvSpPr>
+          <p:nvPr>
+            <p:ph type="body" idx="1"/>
+          </p:nvPr>
+        </p:nvSpPr>
+        <p:spPr/>
+        <p:txBody>
+          <a:bodyPr/>
+          <a:lstStyle/>
+          <a:p>
+            <a:r>
+              <a:rPr lang="en-US" altLang="zh-CN" dirty="0" err="1" smtClean="0"/>
+              <a:t>LP+Text+Flash</a:t>
+            </a:r>
+            <a:r>
+              <a:rPr lang="zh-CN" altLang="en-US" dirty="0" smtClean="0"/>
+              <a:t>提词</a:t>
+            </a:r>
+            <a:r>
+              <a:rPr lang="zh-CN" altLang="en-US" baseline="0" dirty="0" smtClean="0"/>
+              <a:t>得到</a:t>
+            </a:r>
+            <a:r>
+              <a:rPr lang="en-US" altLang="zh-CN" baseline="0" dirty="0" smtClean="0"/>
+              <a:t>idea core-words</a:t>
+            </a:r>
+            <a:r>
+              <a:rPr lang="zh-CN" altLang="en-US" baseline="0" dirty="0" smtClean="0"/>
+              <a:t>，加</a:t>
+            </a:r>
+            <a:r>
+              <a:rPr lang="en-US" altLang="zh-CN" baseline="0" dirty="0" smtClean="0"/>
+              <a:t>group bid-words</a:t>
+            </a:r>
+            <a:r>
+              <a:rPr lang="zh-CN" altLang="en-US" baseline="0" dirty="0" smtClean="0"/>
+              <a:t>，分别分类合并得到</a:t>
+            </a:r>
+            <a:r>
+              <a:rPr lang="en-US" altLang="zh-CN" baseline="0" dirty="0" err="1" smtClean="0"/>
+              <a:t>afs</a:t>
+            </a:r>
+            <a:r>
+              <a:rPr lang="zh-CN" altLang="en-US" baseline="0" dirty="0" smtClean="0"/>
+              <a:t>广告分类</a:t>
+            </a:r>
+            <a:endParaRPr lang="en-US" dirty="0"/>
+          </a:p>
+        </p:txBody>
+      </p:sp>
+      <p:sp>
+        <p:nvSpPr>
+          <p:cNvPr id="4" name="Slide Number Placeholder 3"/>
+          <p:cNvSpPr>
+            <a:spLocks noGrp="1"/>
+          </p:cNvSpPr>
+          <p:nvPr>
+            <p:ph type="sldNum" sz="quarter" idx="10"/>
+          </p:nvPr>
+        </p:nvSpPr>
+        <p:spPr/>
+        <p:txBody>
+          <a:bodyPr/>
+          <a:lstStyle/>
+          <a:p>
+            <a:pPr>
+              <a:defRPr/>
+            </a:pPr>
+            <a:fld id="{579A1142-4716-4610-AE74-C7D834E0EA1F}" type="slidenum">
+              <a:rPr lang="en-US" smtClean="0"/>
+              <a:pPr>
+                <a:defRPr/>
+              </a:pPr>
+              <a:t>13</a:t>
+            </a:fld>
+            <a:endParaRPr lang="en-US"/>
+          </a:p>
+        </p:txBody>
+      </p:sp>
+    </p:spTree>
+    <p:extLst>
+      <p:ext uri="{BB962C8B-B14F-4D97-AF65-F5344CB8AC3E}">
+        <p14:creationId xmlns:p14="http://schemas.microsoft.com/office/powerpoint/2010/main" val="3504263988"/>
+      </p:ext>
+    </p:extLst>
+  </p:cSld>
+  <p:clrMapOvr>
+    <a:masterClrMapping/>
+  </p:clrMapOvr>
+</p:notes>
+</file>
+
+<file path=ppt/notesSlides/notesSlide5.xml><?xml version="1.0" encoding="utf-8"?>
 <p:notes xmlns:a="http://schemas.openxmlformats.org/drawingml/2006/main" xmlns:r="http://schemas.openxmlformats.org/officeDocument/2006/relationships" xmlns:p="http://schemas.openxmlformats.org/presentationml/2006/main">
   <p:cSld>
     <p:spTree>
@@ -5456,7 +5611,7 @@
             <a:fld id="{DDC193DB-5C1C-41DC-890E-4A0DD2BBFDE2}" type="slidenum">
               <a:rPr lang="en-US" altLang="zh-CN" smtClean="0"/>
               <a:pPr eaLnBrk="1" hangingPunct="1"/>
-              <a:t>11</a:t>
+              <a:t>14</a:t>
             </a:fld>
             <a:endParaRPr lang="en-US" altLang="zh-CN" smtClean="0"/>
           </a:p>
@@ -5470,7 +5625,7 @@
 </p:notes>
 </file>
 
-<file path=ppt/notesSlides/notesSlide5.xml><?xml version="1.0" encoding="utf-8"?>
+<file path=ppt/notesSlides/notesSlide6.xml><?xml version="1.0" encoding="utf-8"?>
 <p:notes xmlns:a="http://schemas.openxmlformats.org/drawingml/2006/main" xmlns:r="http://schemas.openxmlformats.org/officeDocument/2006/relationships" xmlns:p="http://schemas.openxmlformats.org/presentationml/2006/main">
   <p:cSld>
     <p:spTree>
@@ -5541,7 +5696,7 @@
               <a:pPr>
                 <a:defRPr/>
               </a:pPr>
-              <a:t>12</a:t>
+              <a:t>15</a:t>
             </a:fld>
             <a:endParaRPr lang="en-US"/>
           </a:p>
@@ -5560,7 +5715,7 @@
 </p:notes>
 </file>
 
-<file path=ppt/notesSlides/notesSlide6.xml><?xml version="1.0" encoding="utf-8"?>
+<file path=ppt/notesSlides/notesSlide7.xml><?xml version="1.0" encoding="utf-8"?>
 <p:notes xmlns:a="http://schemas.openxmlformats.org/drawingml/2006/main" xmlns:r="http://schemas.openxmlformats.org/officeDocument/2006/relationships" xmlns:p="http://schemas.openxmlformats.org/presentationml/2006/main">
   <p:cSld>
     <p:spTree>
@@ -5781,7 +5936,7 @@
             <a:fld id="{33439DA0-5310-4002-A5B4-23EA613F4FE7}" type="slidenum">
               <a:rPr lang="en-US" altLang="zh-CN" smtClean="0"/>
               <a:pPr eaLnBrk="1" hangingPunct="1"/>
-              <a:t>13</a:t>
+              <a:t>16</a:t>
             </a:fld>
             <a:endParaRPr lang="en-US" altLang="zh-CN" smtClean="0"/>
           </a:p>
@@ -7335,694 +7490,189 @@
             <p:ph idx="1"/>
           </p:nvPr>
         </p:nvSpPr>
-        <p:spPr/>
+        <p:spPr>
+          <a:xfrm>
+            <a:off x="282781" y="1273324"/>
+            <a:ext cx="8537691" cy="3421608"/>
+          </a:xfrm>
+        </p:spPr>
         <p:txBody>
           <a:bodyPr/>
           <a:lstStyle/>
           <a:p>
             <a:r>
-              <a:rPr lang="en-US" altLang="zh-CN" sz="2400" b="1" dirty="0" smtClean="0">
-                <a:latin typeface="微软雅黑" pitchFamily="34" charset="-122"/>
-                <a:ea typeface="微软雅黑" pitchFamily="34" charset="-122"/>
-              </a:rPr>
-              <a:t>AFS</a:t>
-            </a:r>
-            <a:r>
-              <a:rPr lang="zh-CN" altLang="en-US" sz="2400" b="1" dirty="0" smtClean="0">
-                <a:latin typeface="微软雅黑" pitchFamily="34" charset="-122"/>
-                <a:ea typeface="微软雅黑" pitchFamily="34" charset="-122"/>
-              </a:rPr>
-              <a:t>广告分类特征优化</a:t>
-            </a:r>
-            <a:endParaRPr lang="en-US" altLang="zh-CN" sz="2400" b="1" dirty="0" smtClean="0">
+              <a:rPr lang="zh-CN" altLang="en-US" sz="1600" dirty="0" smtClean="0">
+                <a:latin typeface="微软雅黑" pitchFamily="34" charset="-122"/>
+                <a:ea typeface="微软雅黑" pitchFamily="34" charset="-122"/>
+              </a:rPr>
+              <a:t>人群分析工具</a:t>
+            </a:r>
+            <a:r>
+              <a:rPr lang="en-US" altLang="zh-CN" sz="1600" dirty="0" smtClean="0">
+                <a:latin typeface="微软雅黑" pitchFamily="34" charset="-122"/>
+                <a:ea typeface="微软雅黑" pitchFamily="34" charset="-122"/>
+              </a:rPr>
+              <a:t>-</a:t>
+            </a:r>
+            <a:r>
+              <a:rPr lang="zh-CN" altLang="en-US" sz="1600" dirty="0" smtClean="0">
+                <a:latin typeface="微软雅黑" pitchFamily="34" charset="-122"/>
+                <a:ea typeface="微软雅黑" pitchFamily="34" charset="-122"/>
+              </a:rPr>
+              <a:t>基于</a:t>
+            </a:r>
+            <a:r>
+              <a:rPr lang="en-US" altLang="zh-CN" sz="1600" dirty="0" smtClean="0">
+                <a:latin typeface="微软雅黑" pitchFamily="34" charset="-122"/>
+                <a:ea typeface="微软雅黑" pitchFamily="34" charset="-122"/>
+              </a:rPr>
+              <a:t>A720</a:t>
+            </a:r>
+          </a:p>
+          <a:p>
+            <a:r>
+              <a:rPr lang="en-US" altLang="zh-CN" sz="1600" dirty="0">
+                <a:latin typeface="微软雅黑" pitchFamily="34" charset="-122"/>
+                <a:ea typeface="微软雅黑" pitchFamily="34" charset="-122"/>
+                <a:hlinkClick r:id="rId2"/>
+              </a:rPr>
+              <a:t>http://sp.baidu.com:8080/survey/public?type=task&amp;name=/</a:t>
+            </a:r>
+            <a:r>
+              <a:rPr lang="en-US" altLang="zh-CN" sz="1600" dirty="0" smtClean="0">
+                <a:latin typeface="微软雅黑" pitchFamily="34" charset="-122"/>
+                <a:ea typeface="微软雅黑" pitchFamily="34" charset="-122"/>
+                <a:hlinkClick r:id="rId2"/>
+              </a:rPr>
+              <a:t>nova/A720/crowd_report</a:t>
+            </a:r>
+            <a:endParaRPr lang="en-US" altLang="zh-CN" sz="1600" dirty="0" smtClean="0">
               <a:latin typeface="微软雅黑" pitchFamily="34" charset="-122"/>
               <a:ea typeface="微软雅黑" pitchFamily="34" charset="-122"/>
             </a:endParaRPr>
           </a:p>
           <a:p>
-            <a:pPr lvl="1"/>
-            <a:r>
-              <a:rPr lang="zh-CN" altLang="en-US" sz="1400" dirty="0" smtClean="0">
-                <a:latin typeface="微软雅黑" pitchFamily="34" charset="-122"/>
-                <a:ea typeface="微软雅黑" pitchFamily="34" charset="-122"/>
-              </a:rPr>
-              <a:t>主要工作：整</a:t>
-            </a:r>
-            <a:r>
-              <a:rPr lang="zh-CN" altLang="en-US" sz="1400" dirty="0">
-                <a:latin typeface="微软雅黑" pitchFamily="34" charset="-122"/>
-                <a:ea typeface="微软雅黑" pitchFamily="34" charset="-122"/>
-              </a:rPr>
-              <a:t>理逻辑</a:t>
-            </a:r>
-            <a:r>
-              <a:rPr lang="zh-CN" altLang="en-US" sz="1400" dirty="0" smtClean="0">
-                <a:latin typeface="微软雅黑" pitchFamily="34" charset="-122"/>
-                <a:ea typeface="微软雅黑" pitchFamily="34" charset="-122"/>
-              </a:rPr>
-              <a:t>，取</a:t>
-            </a:r>
-            <a:r>
-              <a:rPr lang="zh-CN" altLang="en-US" sz="1400" dirty="0">
-                <a:latin typeface="微软雅黑" pitchFamily="34" charset="-122"/>
-                <a:ea typeface="微软雅黑" pitchFamily="34" charset="-122"/>
-              </a:rPr>
-              <a:t>消影响不大的</a:t>
-            </a:r>
-            <a:r>
-              <a:rPr lang="zh-CN" altLang="en-US" sz="1400" dirty="0" smtClean="0">
-                <a:latin typeface="微软雅黑" pitchFamily="34" charset="-122"/>
-                <a:ea typeface="微软雅黑" pitchFamily="34" charset="-122"/>
-              </a:rPr>
-              <a:t>原特</a:t>
-            </a:r>
-            <a:r>
-              <a:rPr lang="zh-CN" altLang="en-US" sz="1400" dirty="0">
-                <a:latin typeface="微软雅黑" pitchFamily="34" charset="-122"/>
-                <a:ea typeface="微软雅黑" pitchFamily="34" charset="-122"/>
-              </a:rPr>
-              <a:t>征凤巢同</a:t>
-            </a:r>
-            <a:r>
-              <a:rPr lang="en-US" altLang="zh-CN" sz="1400" dirty="0">
-                <a:latin typeface="微软雅黑" pitchFamily="34" charset="-122"/>
-                <a:ea typeface="微软雅黑" pitchFamily="34" charset="-122"/>
-              </a:rPr>
-              <a:t>user</a:t>
-            </a:r>
-            <a:r>
-              <a:rPr lang="zh-CN" altLang="en-US" sz="1400" dirty="0">
-                <a:latin typeface="微软雅黑" pitchFamily="34" charset="-122"/>
-                <a:ea typeface="微软雅黑" pitchFamily="34" charset="-122"/>
-              </a:rPr>
-              <a:t>买</a:t>
-            </a:r>
-            <a:r>
-              <a:rPr lang="zh-CN" altLang="en-US" sz="1400" dirty="0" smtClean="0">
-                <a:latin typeface="微软雅黑" pitchFamily="34" charset="-122"/>
-                <a:ea typeface="微软雅黑" pitchFamily="34" charset="-122"/>
-              </a:rPr>
-              <a:t>词；用</a:t>
-            </a:r>
-            <a:r>
-              <a:rPr lang="zh-CN" altLang="en-US" sz="1400" dirty="0">
-                <a:latin typeface="微软雅黑" pitchFamily="34" charset="-122"/>
-                <a:ea typeface="微软雅黑" pitchFamily="34" charset="-122"/>
-              </a:rPr>
-              <a:t>展现</a:t>
-            </a:r>
-            <a:r>
-              <a:rPr lang="en-US" altLang="zh-CN" sz="1400" dirty="0">
-                <a:latin typeface="微软雅黑" pitchFamily="34" charset="-122"/>
-                <a:ea typeface="微软雅黑" pitchFamily="34" charset="-122"/>
-              </a:rPr>
-              <a:t>bid-words</a:t>
-            </a:r>
-            <a:r>
-              <a:rPr lang="zh-CN" altLang="en-US" sz="1400" dirty="0">
-                <a:latin typeface="微软雅黑" pitchFamily="34" charset="-122"/>
-                <a:ea typeface="微软雅黑" pitchFamily="34" charset="-122"/>
-              </a:rPr>
-              <a:t>取代全库</a:t>
-            </a:r>
-            <a:r>
-              <a:rPr lang="en-US" altLang="zh-CN" sz="1400" dirty="0">
-                <a:latin typeface="微软雅黑" pitchFamily="34" charset="-122"/>
-                <a:ea typeface="微软雅黑" pitchFamily="34" charset="-122"/>
-              </a:rPr>
-              <a:t>bid-words</a:t>
-            </a:r>
-            <a:r>
-              <a:rPr lang="zh-CN" altLang="en-US" sz="1400" dirty="0">
-                <a:latin typeface="微软雅黑" pitchFamily="34" charset="-122"/>
-                <a:ea typeface="微软雅黑" pitchFamily="34" charset="-122"/>
-              </a:rPr>
-              <a:t>，降低计算</a:t>
-            </a:r>
-            <a:r>
-              <a:rPr lang="zh-CN" altLang="en-US" sz="1400" dirty="0" smtClean="0">
-                <a:latin typeface="微软雅黑" pitchFamily="34" charset="-122"/>
-                <a:ea typeface="微软雅黑" pitchFamily="34" charset="-122"/>
-              </a:rPr>
-              <a:t>量</a:t>
-            </a:r>
-            <a:endParaRPr lang="en-US" altLang="zh-CN" sz="1400" dirty="0" smtClean="0">
+            <a:endParaRPr lang="en-US" altLang="zh-CN" sz="1600" dirty="0">
               <a:latin typeface="微软雅黑" pitchFamily="34" charset="-122"/>
               <a:ea typeface="微软雅黑" pitchFamily="34" charset="-122"/>
             </a:endParaRPr>
           </a:p>
           <a:p>
-            <a:pPr lvl="1"/>
-            <a:r>
-              <a:rPr lang="zh-CN" altLang="en-US" sz="1400" dirty="0" smtClean="0">
-                <a:latin typeface="微软雅黑" pitchFamily="34" charset="-122"/>
-                <a:ea typeface="微软雅黑" pitchFamily="34" charset="-122"/>
-              </a:rPr>
-              <a:t>策略效果：</a:t>
-            </a:r>
-            <a:r>
-              <a:rPr lang="en-US" altLang="zh-CN" sz="1400" dirty="0" smtClean="0">
-                <a:latin typeface="微软雅黑" pitchFamily="34" charset="-122"/>
-                <a:ea typeface="微软雅黑" pitchFamily="34" charset="-122"/>
-              </a:rPr>
-              <a:t>AFS</a:t>
-            </a:r>
-            <a:r>
-              <a:rPr lang="zh-CN" altLang="en-US" sz="1400" dirty="0" smtClean="0">
-                <a:latin typeface="微软雅黑" pitchFamily="34" charset="-122"/>
-                <a:ea typeface="微软雅黑" pitchFamily="34" charset="-122"/>
-              </a:rPr>
-              <a:t>广告分类准确率</a:t>
-            </a:r>
-            <a:r>
-              <a:rPr lang="en-US" altLang="zh-CN" sz="1400" dirty="0" smtClean="0">
-                <a:latin typeface="微软雅黑" pitchFamily="34" charset="-122"/>
-                <a:ea typeface="微软雅黑" pitchFamily="34" charset="-122"/>
-              </a:rPr>
-              <a:t>85%</a:t>
-            </a:r>
-            <a:r>
-              <a:rPr lang="zh-CN" altLang="en-US" sz="1400" dirty="0" smtClean="0">
-                <a:latin typeface="微软雅黑" pitchFamily="34" charset="-122"/>
-                <a:ea typeface="微软雅黑" pitchFamily="34" charset="-122"/>
-              </a:rPr>
-              <a:t>，全通道</a:t>
-            </a:r>
-            <a:r>
-              <a:rPr lang="zh-CN" altLang="en-US" sz="1400" dirty="0">
-                <a:latin typeface="微软雅黑" pitchFamily="34" charset="-122"/>
-                <a:ea typeface="微软雅黑" pitchFamily="34" charset="-122"/>
-              </a:rPr>
-              <a:t>特征</a:t>
-            </a:r>
-            <a:r>
-              <a:rPr lang="zh-CN" altLang="en-US" sz="1400" dirty="0" smtClean="0">
-                <a:latin typeface="微软雅黑" pitchFamily="34" charset="-122"/>
-                <a:ea typeface="微软雅黑" pitchFamily="34" charset="-122"/>
-              </a:rPr>
-              <a:t>覆盖率 </a:t>
-            </a:r>
-            <a:r>
-              <a:rPr lang="en-US" altLang="zh-CN" sz="1400" dirty="0" smtClean="0">
-                <a:latin typeface="微软雅黑" pitchFamily="34" charset="-122"/>
-                <a:ea typeface="微软雅黑" pitchFamily="34" charset="-122"/>
-              </a:rPr>
-              <a:t>78%</a:t>
-            </a:r>
-            <a:r>
-              <a:rPr lang="zh-CN" altLang="en-US" sz="1400" dirty="0" smtClean="0">
-                <a:latin typeface="微软雅黑" pitchFamily="34" charset="-122"/>
-                <a:ea typeface="微软雅黑" pitchFamily="34" charset="-122"/>
-              </a:rPr>
-              <a:t>（</a:t>
-            </a:r>
-            <a:r>
-              <a:rPr lang="en-US" altLang="zh-CN" sz="1400" dirty="0" smtClean="0">
-                <a:latin typeface="微软雅黑" pitchFamily="34" charset="-122"/>
-                <a:ea typeface="微软雅黑" pitchFamily="34" charset="-122"/>
-              </a:rPr>
-              <a:t>KT</a:t>
-            </a:r>
-            <a:r>
-              <a:rPr lang="zh-CN" altLang="en-US" sz="1400" dirty="0" smtClean="0">
-                <a:latin typeface="微软雅黑" pitchFamily="34" charset="-122"/>
-                <a:ea typeface="微软雅黑" pitchFamily="34" charset="-122"/>
-              </a:rPr>
-              <a:t>通道</a:t>
-            </a:r>
-            <a:r>
-              <a:rPr lang="en-US" altLang="zh-CN" sz="1400" dirty="0" smtClean="0">
-                <a:latin typeface="微软雅黑" pitchFamily="34" charset="-122"/>
-                <a:ea typeface="微软雅黑" pitchFamily="34" charset="-122"/>
-              </a:rPr>
-              <a:t> 92%</a:t>
-            </a:r>
-            <a:r>
-              <a:rPr lang="zh-CN" altLang="en-US" sz="1400" dirty="0" smtClean="0">
-                <a:latin typeface="微软雅黑" pitchFamily="34" charset="-122"/>
-                <a:ea typeface="微软雅黑" pitchFamily="34" charset="-122"/>
-              </a:rPr>
-              <a:t>），</a:t>
-            </a:r>
-            <a:r>
-              <a:rPr lang="zh-CN" altLang="en-US" sz="1400" dirty="0" smtClean="0">
-                <a:solidFill>
-                  <a:srgbClr val="00B050"/>
-                </a:solidFill>
-                <a:latin typeface="微软雅黑" pitchFamily="34" charset="-122"/>
-                <a:ea typeface="微软雅黑" pitchFamily="34" charset="-122"/>
-              </a:rPr>
-              <a:t>计算时间从平均</a:t>
-            </a:r>
-            <a:r>
-              <a:rPr lang="en-US" altLang="zh-CN" sz="1400" dirty="0" smtClean="0">
-                <a:solidFill>
-                  <a:srgbClr val="00B050"/>
-                </a:solidFill>
-                <a:latin typeface="微软雅黑" pitchFamily="34" charset="-122"/>
-                <a:ea typeface="微软雅黑" pitchFamily="34" charset="-122"/>
-              </a:rPr>
-              <a:t>30</a:t>
-            </a:r>
-            <a:r>
-              <a:rPr lang="zh-CN" altLang="en-US" sz="1400" dirty="0" smtClean="0">
-                <a:solidFill>
-                  <a:srgbClr val="00B050"/>
-                </a:solidFill>
-                <a:latin typeface="微软雅黑" pitchFamily="34" charset="-122"/>
-                <a:ea typeface="微软雅黑" pitchFamily="34" charset="-122"/>
-              </a:rPr>
-              <a:t>小时降低至</a:t>
-            </a:r>
-            <a:r>
-              <a:rPr lang="en-US" altLang="zh-CN" sz="1400" dirty="0" smtClean="0">
-                <a:solidFill>
-                  <a:srgbClr val="00B050"/>
-                </a:solidFill>
-                <a:latin typeface="微软雅黑" pitchFamily="34" charset="-122"/>
-                <a:ea typeface="微软雅黑" pitchFamily="34" charset="-122"/>
-              </a:rPr>
-              <a:t>6</a:t>
-            </a:r>
-            <a:r>
-              <a:rPr lang="zh-CN" altLang="en-US" sz="1400" dirty="0" smtClean="0">
-                <a:solidFill>
-                  <a:srgbClr val="00B050"/>
-                </a:solidFill>
-                <a:latin typeface="微软雅黑" pitchFamily="34" charset="-122"/>
-                <a:ea typeface="微软雅黑" pitchFamily="34" charset="-122"/>
-              </a:rPr>
-              <a:t>小时内，最大内存占用从</a:t>
-            </a:r>
-            <a:r>
-              <a:rPr lang="en-US" altLang="zh-CN" sz="1400" dirty="0" smtClean="0">
-                <a:solidFill>
-                  <a:srgbClr val="00B050"/>
-                </a:solidFill>
-                <a:latin typeface="微软雅黑" pitchFamily="34" charset="-122"/>
-                <a:ea typeface="微软雅黑" pitchFamily="34" charset="-122"/>
-              </a:rPr>
-              <a:t>40G+</a:t>
-            </a:r>
-            <a:r>
-              <a:rPr lang="zh-CN" altLang="en-US" sz="1400" dirty="0" smtClean="0">
-                <a:solidFill>
-                  <a:srgbClr val="00B050"/>
-                </a:solidFill>
-                <a:latin typeface="微软雅黑" pitchFamily="34" charset="-122"/>
-                <a:ea typeface="微软雅黑" pitchFamily="34" charset="-122"/>
-              </a:rPr>
-              <a:t>降至</a:t>
-            </a:r>
-            <a:r>
-              <a:rPr lang="en-US" altLang="zh-CN" sz="1400" dirty="0" smtClean="0">
-                <a:solidFill>
-                  <a:srgbClr val="00B050"/>
-                </a:solidFill>
-                <a:latin typeface="微软雅黑" pitchFamily="34" charset="-122"/>
-                <a:ea typeface="微软雅黑" pitchFamily="34" charset="-122"/>
-              </a:rPr>
-              <a:t>10G</a:t>
-            </a:r>
-            <a:r>
-              <a:rPr lang="zh-CN" altLang="en-US" sz="1400" dirty="0" smtClean="0">
-                <a:solidFill>
-                  <a:srgbClr val="00B050"/>
-                </a:solidFill>
-                <a:latin typeface="微软雅黑" pitchFamily="34" charset="-122"/>
-                <a:ea typeface="微软雅黑" pitchFamily="34" charset="-122"/>
-              </a:rPr>
-              <a:t>以内</a:t>
-            </a:r>
-            <a:endParaRPr lang="en-US" altLang="zh-CN" sz="1400" dirty="0" smtClean="0">
-              <a:solidFill>
-                <a:srgbClr val="00B050"/>
-              </a:solidFill>
+            <a:endParaRPr lang="en-US" altLang="zh-CN" sz="1600" dirty="0" smtClean="0">
               <a:latin typeface="微软雅黑" pitchFamily="34" charset="-122"/>
               <a:ea typeface="微软雅黑" pitchFamily="34" charset="-122"/>
             </a:endParaRPr>
           </a:p>
           <a:p>
-            <a:pPr lvl="1"/>
-            <a:r>
-              <a:rPr lang="zh-CN" altLang="en-US" sz="1400" dirty="0">
-                <a:latin typeface="微软雅黑" pitchFamily="34" charset="-122"/>
-                <a:ea typeface="微软雅黑" pitchFamily="34" charset="-122"/>
-              </a:rPr>
-              <a:t>应</a:t>
-            </a:r>
-            <a:r>
-              <a:rPr lang="zh-CN" altLang="en-US" sz="1400" dirty="0" smtClean="0">
-                <a:latin typeface="微软雅黑" pitchFamily="34" charset="-122"/>
-                <a:ea typeface="微软雅黑" pitchFamily="34" charset="-122"/>
-              </a:rPr>
-              <a:t>用方：</a:t>
-            </a:r>
-            <a:r>
-              <a:rPr lang="en-US" altLang="zh-CN" sz="1400" dirty="0">
-                <a:latin typeface="微软雅黑" pitchFamily="34" charset="-122"/>
-                <a:ea typeface="微软雅黑" pitchFamily="34" charset="-122"/>
-              </a:rPr>
-              <a:t> KT</a:t>
-            </a:r>
-            <a:r>
-              <a:rPr lang="zh-CN" altLang="en-US" sz="1400" dirty="0">
-                <a:latin typeface="微软雅黑" pitchFamily="34" charset="-122"/>
-                <a:ea typeface="微软雅黑" pitchFamily="34" charset="-122"/>
-              </a:rPr>
-              <a:t>行业矩阵相关性改善效果稳定（行业矩阵大约可以解决</a:t>
-            </a:r>
-            <a:r>
-              <a:rPr lang="en-US" altLang="zh-CN" sz="1400" dirty="0">
-                <a:latin typeface="微软雅黑" pitchFamily="34" charset="-122"/>
-                <a:ea typeface="微软雅黑" pitchFamily="34" charset="-122"/>
-              </a:rPr>
-              <a:t>7%</a:t>
-            </a:r>
-            <a:r>
-              <a:rPr lang="zh-CN" altLang="en-US" sz="1400" dirty="0">
-                <a:latin typeface="微软雅黑" pitchFamily="34" charset="-122"/>
-                <a:ea typeface="微软雅黑" pitchFamily="34" charset="-122"/>
-              </a:rPr>
-              <a:t>的</a:t>
-            </a:r>
-            <a:r>
-              <a:rPr lang="en-US" altLang="zh-CN" sz="1400" dirty="0">
-                <a:latin typeface="微软雅黑" pitchFamily="34" charset="-122"/>
-                <a:ea typeface="微软雅黑" pitchFamily="34" charset="-122"/>
-              </a:rPr>
-              <a:t>bad-case</a:t>
-            </a:r>
-            <a:r>
-              <a:rPr lang="zh-CN" altLang="en-US" sz="1400" dirty="0" smtClean="0">
-                <a:latin typeface="微软雅黑" pitchFamily="34" charset="-122"/>
-                <a:ea typeface="微软雅黑" pitchFamily="34" charset="-122"/>
-              </a:rPr>
-              <a:t>），</a:t>
-            </a:r>
-            <a:r>
-              <a:rPr lang="en-US" altLang="zh-CN" sz="1400" dirty="0" smtClean="0">
-                <a:latin typeface="微软雅黑" pitchFamily="34" charset="-122"/>
-                <a:ea typeface="微软雅黑" pitchFamily="34" charset="-122"/>
-              </a:rPr>
-              <a:t>CT</a:t>
-            </a:r>
-            <a:r>
-              <a:rPr lang="zh-CN" altLang="en-US" sz="1400" dirty="0" smtClean="0">
-                <a:latin typeface="微软雅黑" pitchFamily="34" charset="-122"/>
-                <a:ea typeface="微软雅黑" pitchFamily="34" charset="-122"/>
-              </a:rPr>
-              <a:t>收入稳定（</a:t>
-            </a:r>
-            <a:r>
-              <a:rPr lang="en-US" altLang="zh-CN" sz="1400" dirty="0" smtClean="0">
-                <a:latin typeface="微软雅黑" pitchFamily="34" charset="-122"/>
-                <a:ea typeface="微软雅黑" pitchFamily="34" charset="-122"/>
-              </a:rPr>
-              <a:t>CT</a:t>
-            </a:r>
-            <a:r>
-              <a:rPr lang="zh-CN" altLang="en-US" sz="1400" dirty="0" smtClean="0">
-                <a:latin typeface="微软雅黑" pitchFamily="34" charset="-122"/>
-                <a:ea typeface="微软雅黑" pitchFamily="34" charset="-122"/>
-              </a:rPr>
-              <a:t>有禁止未分类广告在敏感流量展现策略，至多影响</a:t>
-            </a:r>
-            <a:r>
-              <a:rPr lang="en-US" altLang="zh-CN" sz="1400" dirty="0" smtClean="0">
-                <a:latin typeface="微软雅黑" pitchFamily="34" charset="-122"/>
-                <a:ea typeface="微软雅黑" pitchFamily="34" charset="-122"/>
-              </a:rPr>
-              <a:t>26%CT</a:t>
-            </a:r>
-            <a:r>
-              <a:rPr lang="zh-CN" altLang="en-US" sz="1400" dirty="0" smtClean="0">
-                <a:latin typeface="微软雅黑" pitchFamily="34" charset="-122"/>
-                <a:ea typeface="微软雅黑" pitchFamily="34" charset="-122"/>
-              </a:rPr>
-              <a:t>收入）</a:t>
-            </a:r>
-            <a:endParaRPr lang="en-US" altLang="zh-CN" sz="2400" b="1" dirty="0">
+            <a:endParaRPr lang="en-US" altLang="zh-CN" sz="1600" dirty="0">
               <a:latin typeface="微软雅黑" pitchFamily="34" charset="-122"/>
               <a:ea typeface="微软雅黑" pitchFamily="34" charset="-122"/>
             </a:endParaRPr>
           </a:p>
           <a:p>
-            <a:pPr marL="342900" lvl="1" indent="-342900">
-              <a:buClr>
-                <a:srgbClr val="2318DE"/>
-              </a:buClr>
-              <a:buChar char="•"/>
-            </a:pPr>
-            <a:r>
-              <a:rPr lang="en-US" altLang="zh-CN" sz="2400" b="1" dirty="0">
-                <a:latin typeface="微软雅黑" pitchFamily="34" charset="-122"/>
-                <a:ea typeface="微软雅黑" pitchFamily="34" charset="-122"/>
-                <a:cs typeface="+mn-cs"/>
-              </a:rPr>
-              <a:t>KTE</a:t>
-            </a:r>
-            <a:r>
-              <a:rPr lang="zh-CN" altLang="en-US" sz="2400" b="1" dirty="0">
-                <a:latin typeface="微软雅黑" pitchFamily="34" charset="-122"/>
-                <a:ea typeface="微软雅黑" pitchFamily="34" charset="-122"/>
-                <a:cs typeface="+mn-cs"/>
-              </a:rPr>
-              <a:t>广告拓</a:t>
-            </a:r>
-            <a:r>
-              <a:rPr lang="zh-CN" altLang="en-US" sz="2400" b="1" dirty="0" smtClean="0">
-                <a:latin typeface="微软雅黑" pitchFamily="34" charset="-122"/>
-                <a:ea typeface="微软雅黑" pitchFamily="34" charset="-122"/>
-                <a:cs typeface="+mn-cs"/>
-              </a:rPr>
-              <a:t>展</a:t>
-            </a:r>
-            <a:endParaRPr lang="en-US" altLang="zh-CN" sz="2400" b="1" dirty="0" smtClean="0">
-              <a:latin typeface="微软雅黑" pitchFamily="34" charset="-122"/>
-              <a:ea typeface="微软雅黑" pitchFamily="34" charset="-122"/>
-              <a:cs typeface="+mn-cs"/>
-            </a:endParaRPr>
-          </a:p>
-          <a:p>
-            <a:pPr lvl="1"/>
-            <a:r>
-              <a:rPr lang="zh-CN" altLang="en-US" sz="1400" dirty="0">
-                <a:latin typeface="微软雅黑" pitchFamily="34" charset="-122"/>
-                <a:ea typeface="微软雅黑" pitchFamily="34" charset="-122"/>
-              </a:rPr>
-              <a:t>主要工作：</a:t>
-            </a:r>
-            <a:r>
-              <a:rPr lang="en-US" sz="1400" dirty="0">
-                <a:latin typeface="微软雅黑" pitchFamily="34" charset="-122"/>
-                <a:ea typeface="微软雅黑" pitchFamily="34" charset="-122"/>
-              </a:rPr>
-              <a:t> KTE</a:t>
-            </a:r>
-            <a:r>
-              <a:rPr lang="zh-CN" altLang="en-US" sz="1400" dirty="0">
-                <a:latin typeface="微软雅黑" pitchFamily="34" charset="-122"/>
-                <a:ea typeface="微软雅黑" pitchFamily="34" charset="-122"/>
-              </a:rPr>
-              <a:t>作为</a:t>
-            </a:r>
-            <a:r>
-              <a:rPr lang="en-US" sz="1400" dirty="0">
-                <a:latin typeface="微软雅黑" pitchFamily="34" charset="-122"/>
-                <a:ea typeface="微软雅黑" pitchFamily="34" charset="-122"/>
-              </a:rPr>
-              <a:t>KT</a:t>
-            </a:r>
-            <a:r>
-              <a:rPr lang="zh-CN" altLang="en-US" sz="1400" dirty="0">
-                <a:latin typeface="微软雅黑" pitchFamily="34" charset="-122"/>
-                <a:ea typeface="微软雅黑" pitchFamily="34" charset="-122"/>
-              </a:rPr>
-              <a:t>整体统一的扩展框架，可以保持以相同的方式扩展</a:t>
-            </a:r>
-            <a:r>
-              <a:rPr lang="en-US" sz="1400" dirty="0">
-                <a:latin typeface="微软雅黑" pitchFamily="34" charset="-122"/>
-                <a:ea typeface="微软雅黑" pitchFamily="34" charset="-122"/>
-              </a:rPr>
-              <a:t>QT/CT/HCT</a:t>
-            </a:r>
-            <a:r>
-              <a:rPr lang="zh-CN" altLang="en-US" sz="1400" dirty="0">
-                <a:latin typeface="微软雅黑" pitchFamily="34" charset="-122"/>
-                <a:ea typeface="微软雅黑" pitchFamily="34" charset="-122"/>
-              </a:rPr>
-              <a:t>的触发词，增加</a:t>
-            </a:r>
-            <a:r>
-              <a:rPr lang="en-US" sz="1400" dirty="0">
-                <a:latin typeface="微软雅黑" pitchFamily="34" charset="-122"/>
-                <a:ea typeface="微软雅黑" pitchFamily="34" charset="-122"/>
-              </a:rPr>
-              <a:t>KT</a:t>
-            </a:r>
-            <a:r>
-              <a:rPr lang="zh-CN" altLang="en-US" sz="1400" dirty="0">
-                <a:latin typeface="微软雅黑" pitchFamily="34" charset="-122"/>
-                <a:ea typeface="微软雅黑" pitchFamily="34" charset="-122"/>
-              </a:rPr>
-              <a:t>的触发机会，支持以同义词</a:t>
-            </a:r>
-            <a:r>
-              <a:rPr lang="en-US" altLang="zh-CN" sz="1400" dirty="0">
-                <a:latin typeface="微软雅黑" pitchFamily="34" charset="-122"/>
-                <a:ea typeface="微软雅黑" pitchFamily="34" charset="-122"/>
-              </a:rPr>
-              <a:t>/</a:t>
-            </a:r>
-            <a:r>
-              <a:rPr lang="zh-CN" altLang="en-US" sz="1400" dirty="0">
-                <a:latin typeface="微软雅黑" pitchFamily="34" charset="-122"/>
-                <a:ea typeface="微软雅黑" pitchFamily="34" charset="-122"/>
-              </a:rPr>
-              <a:t>上位词方式改写触发词，并避免对</a:t>
-            </a:r>
-            <a:r>
-              <a:rPr lang="en-US" altLang="zh-CN" sz="1400" dirty="0">
-                <a:latin typeface="微软雅黑" pitchFamily="34" charset="-122"/>
-                <a:ea typeface="微软雅黑" pitchFamily="34" charset="-122"/>
-              </a:rPr>
-              <a:t>QT/HCT</a:t>
-            </a:r>
-            <a:r>
-              <a:rPr lang="zh-CN" altLang="en-US" sz="1400" dirty="0">
-                <a:latin typeface="微软雅黑" pitchFamily="34" charset="-122"/>
-                <a:ea typeface="微软雅黑" pitchFamily="34" charset="-122"/>
-              </a:rPr>
-              <a:t>二次改</a:t>
-            </a:r>
-            <a:r>
-              <a:rPr lang="zh-CN" altLang="en-US" sz="1400" dirty="0" smtClean="0">
-                <a:latin typeface="微软雅黑" pitchFamily="34" charset="-122"/>
-                <a:ea typeface="微软雅黑" pitchFamily="34" charset="-122"/>
-              </a:rPr>
-              <a:t>写</a:t>
-            </a:r>
-            <a:endParaRPr lang="en-US" altLang="zh-CN" sz="1400" dirty="0" smtClean="0">
+            <a:endParaRPr lang="en-US" altLang="zh-CN" sz="1600" dirty="0" smtClean="0">
               <a:latin typeface="微软雅黑" pitchFamily="34" charset="-122"/>
               <a:ea typeface="微软雅黑" pitchFamily="34" charset="-122"/>
             </a:endParaRPr>
           </a:p>
           <a:p>
-            <a:pPr lvl="1"/>
-            <a:r>
-              <a:rPr lang="zh-CN" altLang="en-US" sz="1400" dirty="0">
-                <a:latin typeface="微软雅黑" pitchFamily="34" charset="-122"/>
-                <a:ea typeface="微软雅黑" pitchFamily="34" charset="-122"/>
-              </a:rPr>
-              <a:t>策</a:t>
-            </a:r>
-            <a:r>
-              <a:rPr lang="zh-CN" altLang="en-US" sz="1400" dirty="0" smtClean="0">
-                <a:latin typeface="微软雅黑" pitchFamily="34" charset="-122"/>
-                <a:ea typeface="微软雅黑" pitchFamily="34" charset="-122"/>
-              </a:rPr>
-              <a:t>略效果：不影响</a:t>
-            </a:r>
-            <a:r>
-              <a:rPr lang="en-US" altLang="zh-CN" sz="1400" dirty="0" smtClean="0">
-                <a:latin typeface="微软雅黑" pitchFamily="34" charset="-122"/>
-                <a:ea typeface="微软雅黑" pitchFamily="34" charset="-122"/>
-              </a:rPr>
-              <a:t>KT</a:t>
-            </a:r>
-            <a:r>
-              <a:rPr lang="zh-CN" altLang="en-US" sz="1400" dirty="0" smtClean="0">
-                <a:latin typeface="微软雅黑" pitchFamily="34" charset="-122"/>
-                <a:ea typeface="微软雅黑" pitchFamily="34" charset="-122"/>
-              </a:rPr>
-              <a:t>相关性的基础上，</a:t>
-            </a:r>
-            <a:r>
-              <a:rPr lang="en-US" altLang="zh-CN" sz="1400" dirty="0" smtClean="0">
-                <a:solidFill>
-                  <a:srgbClr val="00B050"/>
-                </a:solidFill>
-                <a:latin typeface="微软雅黑" pitchFamily="34" charset="-122"/>
-                <a:ea typeface="微软雅黑" pitchFamily="34" charset="-122"/>
-              </a:rPr>
-              <a:t>KT</a:t>
-            </a:r>
-            <a:r>
-              <a:rPr lang="zh-CN" altLang="en-US" sz="1400" dirty="0" smtClean="0">
-                <a:solidFill>
-                  <a:srgbClr val="00B050"/>
-                </a:solidFill>
-                <a:latin typeface="微软雅黑" pitchFamily="34" charset="-122"/>
-                <a:ea typeface="微软雅黑" pitchFamily="34" charset="-122"/>
-              </a:rPr>
-              <a:t>展现</a:t>
-            </a:r>
-            <a:r>
-              <a:rPr lang="en-US" altLang="zh-CN" sz="1400" dirty="0" smtClean="0">
-                <a:solidFill>
-                  <a:srgbClr val="00B050"/>
-                </a:solidFill>
-                <a:latin typeface="微软雅黑" pitchFamily="34" charset="-122"/>
-                <a:ea typeface="微软雅黑" pitchFamily="34" charset="-122"/>
-              </a:rPr>
-              <a:t>+1.2%</a:t>
-            </a:r>
-            <a:r>
-              <a:rPr lang="zh-CN" altLang="en-US" sz="1400" dirty="0" smtClean="0">
-                <a:solidFill>
-                  <a:srgbClr val="00B050"/>
-                </a:solidFill>
-                <a:latin typeface="微软雅黑" pitchFamily="34" charset="-122"/>
-                <a:ea typeface="微软雅黑" pitchFamily="34" charset="-122"/>
-              </a:rPr>
-              <a:t>，收入</a:t>
-            </a:r>
-            <a:r>
-              <a:rPr lang="en-US" altLang="zh-CN" sz="1400" dirty="0" smtClean="0">
-                <a:solidFill>
-                  <a:srgbClr val="00B050"/>
-                </a:solidFill>
-                <a:latin typeface="微软雅黑" pitchFamily="34" charset="-122"/>
-                <a:ea typeface="微软雅黑" pitchFamily="34" charset="-122"/>
-              </a:rPr>
-              <a:t>+1.1%</a:t>
-            </a:r>
-            <a:r>
-              <a:rPr lang="zh-CN" altLang="en-US" sz="1400" dirty="0" smtClean="0">
-                <a:solidFill>
-                  <a:srgbClr val="00B050"/>
-                </a:solidFill>
-                <a:latin typeface="微软雅黑" pitchFamily="34" charset="-122"/>
-                <a:ea typeface="微软雅黑" pitchFamily="34" charset="-122"/>
-              </a:rPr>
-              <a:t>，网盟整体收入</a:t>
-            </a:r>
-            <a:r>
-              <a:rPr lang="en-US" altLang="zh-CN" sz="1400" dirty="0" smtClean="0">
-                <a:solidFill>
-                  <a:srgbClr val="00B050"/>
-                </a:solidFill>
-                <a:latin typeface="微软雅黑" pitchFamily="34" charset="-122"/>
-                <a:ea typeface="微软雅黑" pitchFamily="34" charset="-122"/>
-              </a:rPr>
-              <a:t>+0.4%</a:t>
-            </a:r>
-            <a:endParaRPr lang="en-US" sz="1400" dirty="0">
-              <a:solidFill>
-                <a:srgbClr val="00B050"/>
-              </a:solidFill>
+            <a:endParaRPr lang="en-US" altLang="zh-CN" sz="1600" dirty="0">
               <a:latin typeface="微软雅黑" pitchFamily="34" charset="-122"/>
               <a:ea typeface="微软雅黑" pitchFamily="34" charset="-122"/>
             </a:endParaRPr>
           </a:p>
           <a:p>
-            <a:pPr marL="742950" lvl="2" indent="-342900"/>
-            <a:endParaRPr lang="en-US" altLang="zh-CN" sz="2000" b="1" dirty="0">
+            <a:endParaRPr lang="en-US" altLang="zh-CN" sz="1600" dirty="0" smtClean="0">
               <a:latin typeface="微软雅黑" pitchFamily="34" charset="-122"/>
               <a:ea typeface="微软雅黑" pitchFamily="34" charset="-122"/>
-              <a:cs typeface="+mn-cs"/>
+            </a:endParaRPr>
+          </a:p>
+          <a:p>
+            <a:endParaRPr lang="en-US" altLang="zh-CN" sz="1600" dirty="0">
+              <a:latin typeface="微软雅黑" pitchFamily="34" charset="-122"/>
+              <a:ea typeface="微软雅黑" pitchFamily="34" charset="-122"/>
+            </a:endParaRPr>
+          </a:p>
+          <a:p>
+            <a:r>
+              <a:rPr lang="zh-CN" altLang="en-US" sz="1600" dirty="0">
+                <a:latin typeface="微软雅黑" pitchFamily="34" charset="-122"/>
+                <a:ea typeface="微软雅黑" pitchFamily="34" charset="-122"/>
+              </a:rPr>
+              <a:t>支</a:t>
+            </a:r>
+            <a:r>
+              <a:rPr lang="zh-CN" altLang="en-US" sz="1600" dirty="0" smtClean="0">
+                <a:latin typeface="微软雅黑" pitchFamily="34" charset="-122"/>
+                <a:ea typeface="微软雅黑" pitchFamily="34" charset="-122"/>
+              </a:rPr>
+              <a:t>持对</a:t>
+            </a:r>
+            <a:r>
+              <a:rPr lang="en-US" altLang="zh-CN" sz="1600" dirty="0" smtClean="0">
+                <a:latin typeface="微软雅黑" pitchFamily="34" charset="-122"/>
+                <a:ea typeface="微软雅黑" pitchFamily="34" charset="-122"/>
+              </a:rPr>
+              <a:t>cookie</a:t>
+            </a:r>
+            <a:r>
+              <a:rPr lang="zh-CN" altLang="en-US" sz="1600" dirty="0" smtClean="0">
+                <a:latin typeface="微软雅黑" pitchFamily="34" charset="-122"/>
+                <a:ea typeface="微软雅黑" pitchFamily="34" charset="-122"/>
+              </a:rPr>
+              <a:t>进行</a:t>
+            </a:r>
+            <a:r>
+              <a:rPr lang="en-US" altLang="zh-CN" sz="1600" dirty="0" smtClean="0">
+                <a:latin typeface="微软雅黑" pitchFamily="34" charset="-122"/>
+                <a:ea typeface="微软雅黑" pitchFamily="34" charset="-122"/>
+              </a:rPr>
+              <a:t>it-tag</a:t>
+            </a:r>
+            <a:r>
+              <a:rPr lang="zh-CN" altLang="en-US" sz="1600" dirty="0" smtClean="0">
+                <a:latin typeface="微软雅黑" pitchFamily="34" charset="-122"/>
+                <a:ea typeface="微软雅黑" pitchFamily="34" charset="-122"/>
+              </a:rPr>
+              <a:t>，</a:t>
+            </a:r>
+            <a:r>
+              <a:rPr lang="en-US" altLang="zh-CN" sz="1600" dirty="0" err="1" smtClean="0">
+                <a:latin typeface="微软雅黑" pitchFamily="34" charset="-122"/>
+                <a:ea typeface="微软雅黑" pitchFamily="34" charset="-122"/>
+              </a:rPr>
+              <a:t>kate</a:t>
+            </a:r>
+            <a:r>
+              <a:rPr lang="zh-CN" altLang="en-US" sz="1600" dirty="0" smtClean="0">
+                <a:latin typeface="微软雅黑" pitchFamily="34" charset="-122"/>
+                <a:ea typeface="微软雅黑" pitchFamily="34" charset="-122"/>
+              </a:rPr>
+              <a:t>分类，地域特征等分析，可以同时给</a:t>
+            </a:r>
+            <a:r>
+              <a:rPr lang="en-US" altLang="zh-CN" sz="1600" dirty="0" smtClean="0">
+                <a:latin typeface="微软雅黑" pitchFamily="34" charset="-122"/>
+                <a:ea typeface="微软雅黑" pitchFamily="34" charset="-122"/>
+              </a:rPr>
+              <a:t>RD/PM</a:t>
+            </a:r>
+            <a:r>
+              <a:rPr lang="zh-CN" altLang="en-US" sz="1600" dirty="0" smtClean="0">
+                <a:latin typeface="微软雅黑" pitchFamily="34" charset="-122"/>
+                <a:ea typeface="微软雅黑" pitchFamily="34" charset="-122"/>
+              </a:rPr>
+              <a:t>提供支持</a:t>
+            </a:r>
+            <a:endParaRPr lang="en-US" altLang="zh-CN" sz="1600" dirty="0" smtClean="0">
+              <a:latin typeface="微软雅黑" pitchFamily="34" charset="-122"/>
+              <a:ea typeface="微软雅黑" pitchFamily="34" charset="-122"/>
+            </a:endParaRPr>
+          </a:p>
+          <a:p>
+            <a:endParaRPr lang="en-US" altLang="zh-CN" sz="1800" dirty="0">
+              <a:latin typeface="微软雅黑" pitchFamily="34" charset="-122"/>
+              <a:ea typeface="微软雅黑" pitchFamily="34" charset="-122"/>
             </a:endParaRPr>
           </a:p>
         </p:txBody>
@@ -8215,32 +7865,119 @@
           <a:p>
             <a:pPr eaLnBrk="1" hangingPunct="1"/>
             <a:r>
-              <a:rPr lang="en-US" altLang="zh-CN" dirty="0">
+              <a:rPr lang="zh-CN" altLang="en-US" sz="2800" dirty="0">
                 <a:solidFill>
                   <a:schemeClr val="tx1"/>
                 </a:solidFill>
                 <a:latin typeface="微软雅黑" pitchFamily="34" charset="-122"/>
                 <a:ea typeface="微软雅黑" pitchFamily="34" charset="-122"/>
               </a:rPr>
-              <a:t>T4</a:t>
-            </a:r>
-            <a:r>
-              <a:rPr lang="zh-CN" altLang="en-US" dirty="0">
+              <a:t>人群定义层（</a:t>
+            </a:r>
+            <a:r>
+              <a:rPr lang="en-US" altLang="zh-CN" sz="2800" dirty="0">
                 <a:solidFill>
                   <a:schemeClr val="tx1"/>
                 </a:solidFill>
                 <a:latin typeface="微软雅黑" pitchFamily="34" charset="-122"/>
                 <a:ea typeface="微软雅黑" pitchFamily="34" charset="-122"/>
               </a:rPr>
-              <a:t>晋升以来的其他工作</a:t>
-            </a:r>
+              <a:t>L3-L5</a:t>
+            </a:r>
+            <a:r>
+              <a:rPr lang="zh-CN" altLang="en-US" sz="2800" dirty="0">
+                <a:solidFill>
+                  <a:schemeClr val="tx1"/>
+                </a:solidFill>
+                <a:latin typeface="微软雅黑" pitchFamily="34" charset="-122"/>
+                <a:ea typeface="微软雅黑" pitchFamily="34" charset="-122"/>
+              </a:rPr>
+              <a:t>）人群定义构建及应</a:t>
+            </a:r>
+            <a:r>
+              <a:rPr lang="zh-CN" altLang="en-US" sz="2800" dirty="0" smtClean="0">
+                <a:solidFill>
+                  <a:schemeClr val="tx1"/>
+                </a:solidFill>
+                <a:latin typeface="微软雅黑" pitchFamily="34" charset="-122"/>
+                <a:ea typeface="微软雅黑" pitchFamily="34" charset="-122"/>
+              </a:rPr>
+              <a:t>用（</a:t>
+            </a:r>
+            <a:r>
+              <a:rPr lang="en-US" altLang="zh-CN" sz="2800" dirty="0">
+                <a:solidFill>
+                  <a:schemeClr val="tx1"/>
+                </a:solidFill>
+                <a:latin typeface="微软雅黑" pitchFamily="34" charset="-122"/>
+                <a:ea typeface="微软雅黑" pitchFamily="34" charset="-122"/>
+              </a:rPr>
+              <a:t>5</a:t>
+            </a:r>
+            <a:r>
+              <a:rPr lang="zh-CN" altLang="en-US" sz="2800" dirty="0" smtClean="0">
+                <a:solidFill>
+                  <a:schemeClr val="tx1"/>
+                </a:solidFill>
+                <a:latin typeface="微软雅黑" pitchFamily="34" charset="-122"/>
+                <a:ea typeface="微软雅黑" pitchFamily="34" charset="-122"/>
+              </a:rPr>
+              <a:t>）</a:t>
+            </a:r>
+            <a:endParaRPr lang="zh-CN" altLang="en-US" sz="2800" dirty="0">
+              <a:solidFill>
+                <a:schemeClr val="tx1"/>
+              </a:solidFill>
+              <a:latin typeface="微软雅黑" pitchFamily="34" charset="-122"/>
+              <a:ea typeface="微软雅黑" pitchFamily="34" charset="-122"/>
+            </a:endParaRPr>
+          </a:p>
+          <a:p>
+            <a:pPr eaLnBrk="1" hangingPunct="1"/>
+            <a:endParaRPr lang="en-US" altLang="zh-CN" dirty="0">
+              <a:solidFill>
+                <a:schemeClr val="tx1"/>
+              </a:solidFill>
+              <a:latin typeface="微软雅黑" pitchFamily="34" charset="-122"/>
+              <a:ea typeface="微软雅黑" pitchFamily="34" charset="-122"/>
+            </a:endParaRPr>
           </a:p>
         </p:txBody>
       </p:sp>
+      <p:pic>
+        <p:nvPicPr>
+          <p:cNvPr id="6" name="Picture 5"/>
+          <p:cNvPicPr>
+            <a:picLocks noChangeAspect="1"/>
+          </p:cNvPicPr>
+          <p:nvPr/>
+        </p:nvPicPr>
+        <p:blipFill>
+          <a:blip r:embed="rId3">
+            <a:extLst>
+              <a:ext uri="{28A0092B-C50C-407E-A947-70E740481C1C}">
+                <a14:useLocalDpi xmlns:a14="http://schemas.microsoft.com/office/drawing/2010/main" val="0"/>
+              </a:ext>
+            </a:extLst>
+          </a:blip>
+          <a:stretch>
+            <a:fillRect/>
+          </a:stretch>
+        </p:blipFill>
+        <p:spPr>
+          <a:xfrm>
+            <a:off x="1226438" y="1921396"/>
+            <a:ext cx="6081866" cy="2191110"/>
+          </a:xfrm>
+          <a:prstGeom prst="rect">
+            <a:avLst/>
+          </a:prstGeom>
+        </p:spPr>
+      </p:pic>
     </p:spTree>
     <p:extLst>
       <p:ext uri="{BB962C8B-B14F-4D97-AF65-F5344CB8AC3E}">
-        <p14:creationId xmlns:p14="http://schemas.microsoft.com/office/powerpoint/2010/main" val="4062553904"/>
+        <p14:creationId xmlns:p14="http://schemas.microsoft.com/office/powerpoint/2010/main" val="4181401618"/>
       </p:ext>
     </p:extLst>
   </p:cSld>
@@ -8258,6 +7995,2229 @@
 </file>
 
 <file path=ppt/slides/slide11.xml><?xml version="1.0" encoding="utf-8"?>
+<p:sld xmlns:a="http://schemas.openxmlformats.org/drawingml/2006/main" xmlns:r="http://schemas.openxmlformats.org/officeDocument/2006/relationships" xmlns:p="http://schemas.openxmlformats.org/presentationml/2006/main">
+  <p:cSld>
+    <p:spTree>
+      <p:nvGrpSpPr>
+        <p:cNvPr id="1" name=""/>
+        <p:cNvGrpSpPr/>
+        <p:nvPr/>
+      </p:nvGrpSpPr>
+      <p:grpSpPr>
+        <a:xfrm>
+          <a:off x="0" y="0"/>
+          <a:ext cx="0" cy="0"/>
+          <a:chOff x="0" y="0"/>
+          <a:chExt cx="0" cy="0"/>
+        </a:xfrm>
+      </p:grpSpPr>
+      <p:sp>
+        <p:nvSpPr>
+          <p:cNvPr id="3" name="标题 1"/>
+          <p:cNvSpPr txBox="1">
+            <a:spLocks/>
+          </p:cNvSpPr>
+          <p:nvPr/>
+        </p:nvSpPr>
+        <p:spPr bwMode="auto">
+          <a:xfrm>
+            <a:off x="282781" y="265212"/>
+            <a:ext cx="8362950" cy="720080"/>
+          </a:xfrm>
+          <a:prstGeom prst="rect">
+            <a:avLst/>
+          </a:prstGeom>
+          <a:noFill/>
+          <a:extLst>
+            <a:ext uri="{909E8E84-426E-40DD-AFC4-6F175D3DCCD1}">
+              <a14:hiddenFill xmlns:a14="http://schemas.microsoft.com/office/drawing/2010/main">
+                <a:solidFill>
+                  <a:srgbClr val="FFFFFF"/>
+                </a:solidFill>
+              </a14:hiddenFill>
+            </a:ext>
+            <a:ext uri="{91240B29-F687-4F45-9708-019B960494DF}">
+              <a14:hiddenLine xmlns:a14="http://schemas.microsoft.com/office/drawing/2010/main" w="9525">
+                <a:solidFill>
+                  <a:srgbClr val="000000"/>
+                </a:solidFill>
+                <a:miter lim="800000"/>
+                <a:headEnd/>
+                <a:tailEnd/>
+              </a14:hiddenLine>
+            </a:ext>
+          </a:extLst>
+        </p:spPr>
+        <p:txBody>
+          <a:bodyPr vert="horz" wrap="square" lIns="91440" tIns="45720" rIns="91440" bIns="45720" numCol="1" anchor="t" anchorCtr="0" compatLnSpc="1">
+            <a:prstTxWarp prst="textNoShape">
+              <a:avLst/>
+            </a:prstTxWarp>
+          </a:bodyPr>
+          <a:lstStyle>
+            <a:lvl1pPr algn="l" rtl="0" eaLnBrk="0" fontAlgn="base" hangingPunct="0">
+              <a:spcBef>
+                <a:spcPct val="0"/>
+              </a:spcBef>
+              <a:spcAft>
+                <a:spcPct val="0"/>
+              </a:spcAft>
+              <a:defRPr sz="3200" b="1">
+                <a:solidFill>
+                  <a:schemeClr val="bg1"/>
+                </a:solidFill>
+                <a:latin typeface="+mj-lt"/>
+                <a:ea typeface="+mj-ea"/>
+                <a:cs typeface="华文黑体"/>
+              </a:defRPr>
+            </a:lvl1pPr>
+            <a:lvl2pPr algn="l" rtl="0" eaLnBrk="0" fontAlgn="base" hangingPunct="0">
+              <a:spcBef>
+                <a:spcPct val="0"/>
+              </a:spcBef>
+              <a:spcAft>
+                <a:spcPct val="0"/>
+              </a:spcAft>
+              <a:defRPr sz="3200" b="1">
+                <a:solidFill>
+                  <a:schemeClr val="bg1"/>
+                </a:solidFill>
+                <a:latin typeface="Arial" charset="0"/>
+                <a:ea typeface="华文黑体" charset="-122"/>
+                <a:cs typeface="华文黑体"/>
+              </a:defRPr>
+            </a:lvl2pPr>
+            <a:lvl3pPr algn="l" rtl="0" eaLnBrk="0" fontAlgn="base" hangingPunct="0">
+              <a:spcBef>
+                <a:spcPct val="0"/>
+              </a:spcBef>
+              <a:spcAft>
+                <a:spcPct val="0"/>
+              </a:spcAft>
+              <a:defRPr sz="3200" b="1">
+                <a:solidFill>
+                  <a:schemeClr val="bg1"/>
+                </a:solidFill>
+                <a:latin typeface="Arial" charset="0"/>
+                <a:ea typeface="华文黑体" charset="-122"/>
+                <a:cs typeface="华文黑体"/>
+              </a:defRPr>
+            </a:lvl3pPr>
+            <a:lvl4pPr algn="l" rtl="0" eaLnBrk="0" fontAlgn="base" hangingPunct="0">
+              <a:spcBef>
+                <a:spcPct val="0"/>
+              </a:spcBef>
+              <a:spcAft>
+                <a:spcPct val="0"/>
+              </a:spcAft>
+              <a:defRPr sz="3200" b="1">
+                <a:solidFill>
+                  <a:schemeClr val="bg1"/>
+                </a:solidFill>
+                <a:latin typeface="Arial" charset="0"/>
+                <a:ea typeface="华文黑体" charset="-122"/>
+                <a:cs typeface="华文黑体"/>
+              </a:defRPr>
+            </a:lvl4pPr>
+            <a:lvl5pPr algn="l" rtl="0" eaLnBrk="0" fontAlgn="base" hangingPunct="0">
+              <a:spcBef>
+                <a:spcPct val="0"/>
+              </a:spcBef>
+              <a:spcAft>
+                <a:spcPct val="0"/>
+              </a:spcAft>
+              <a:defRPr sz="3200" b="1">
+                <a:solidFill>
+                  <a:schemeClr val="bg1"/>
+                </a:solidFill>
+                <a:latin typeface="Arial" charset="0"/>
+                <a:ea typeface="华文黑体" charset="-122"/>
+                <a:cs typeface="华文黑体"/>
+              </a:defRPr>
+            </a:lvl5pPr>
+            <a:lvl6pPr marL="457200" algn="l" rtl="0" fontAlgn="base">
+              <a:spcBef>
+                <a:spcPct val="0"/>
+              </a:spcBef>
+              <a:spcAft>
+                <a:spcPct val="0"/>
+              </a:spcAft>
+              <a:defRPr sz="3200" b="1">
+                <a:solidFill>
+                  <a:schemeClr val="bg1"/>
+                </a:solidFill>
+                <a:latin typeface="Arial" charset="0"/>
+                <a:ea typeface="华文黑体" charset="-122"/>
+              </a:defRPr>
+            </a:lvl6pPr>
+            <a:lvl7pPr marL="914400" algn="l" rtl="0" fontAlgn="base">
+              <a:spcBef>
+                <a:spcPct val="0"/>
+              </a:spcBef>
+              <a:spcAft>
+                <a:spcPct val="0"/>
+              </a:spcAft>
+              <a:defRPr sz="3200" b="1">
+                <a:solidFill>
+                  <a:schemeClr val="bg1"/>
+                </a:solidFill>
+                <a:latin typeface="Arial" charset="0"/>
+                <a:ea typeface="华文黑体" charset="-122"/>
+              </a:defRPr>
+            </a:lvl7pPr>
+            <a:lvl8pPr marL="1371600" algn="l" rtl="0" fontAlgn="base">
+              <a:spcBef>
+                <a:spcPct val="0"/>
+              </a:spcBef>
+              <a:spcAft>
+                <a:spcPct val="0"/>
+              </a:spcAft>
+              <a:defRPr sz="3200" b="1">
+                <a:solidFill>
+                  <a:schemeClr val="bg1"/>
+                </a:solidFill>
+                <a:latin typeface="Arial" charset="0"/>
+                <a:ea typeface="华文黑体" charset="-122"/>
+              </a:defRPr>
+            </a:lvl8pPr>
+            <a:lvl9pPr marL="1828800" algn="l" rtl="0" fontAlgn="base">
+              <a:spcBef>
+                <a:spcPct val="0"/>
+              </a:spcBef>
+              <a:spcAft>
+                <a:spcPct val="0"/>
+              </a:spcAft>
+              <a:defRPr sz="3200" b="1">
+                <a:solidFill>
+                  <a:schemeClr val="bg1"/>
+                </a:solidFill>
+                <a:latin typeface="Arial" charset="0"/>
+                <a:ea typeface="华文黑体" charset="-122"/>
+              </a:defRPr>
+            </a:lvl9pPr>
+          </a:lstStyle>
+          <a:p>
+            <a:pPr eaLnBrk="1" hangingPunct="1"/>
+            <a:r>
+              <a:rPr lang="zh-CN" altLang="en-US" dirty="0" smtClean="0">
+                <a:solidFill>
+                  <a:schemeClr val="tx1"/>
+                </a:solidFill>
+                <a:latin typeface="微软雅黑" pitchFamily="34" charset="-122"/>
+                <a:ea typeface="微软雅黑" pitchFamily="34" charset="-122"/>
+              </a:rPr>
+              <a:t>行</a:t>
+            </a:r>
+            <a:r>
+              <a:rPr lang="zh-CN" altLang="en-US" dirty="0">
+                <a:solidFill>
+                  <a:schemeClr val="tx1"/>
+                </a:solidFill>
+                <a:latin typeface="微软雅黑" pitchFamily="34" charset="-122"/>
+                <a:ea typeface="微软雅黑" pitchFamily="34" charset="-122"/>
+              </a:rPr>
+              <a:t>为关联层（</a:t>
+            </a:r>
+            <a:r>
+              <a:rPr lang="en-US" altLang="zh-CN" dirty="0">
+                <a:solidFill>
+                  <a:schemeClr val="tx1"/>
+                </a:solidFill>
+                <a:latin typeface="微软雅黑" pitchFamily="34" charset="-122"/>
+                <a:ea typeface="微软雅黑" pitchFamily="34" charset="-122"/>
+              </a:rPr>
+              <a:t>L2</a:t>
+            </a:r>
+            <a:r>
+              <a:rPr lang="zh-CN" altLang="en-US" dirty="0">
+                <a:solidFill>
+                  <a:schemeClr val="tx1"/>
+                </a:solidFill>
+                <a:latin typeface="微软雅黑" pitchFamily="34" charset="-122"/>
+                <a:ea typeface="微软雅黑" pitchFamily="34" charset="-122"/>
+              </a:rPr>
+              <a:t>）特征调研及特征</a:t>
+            </a:r>
+          </a:p>
+        </p:txBody>
+      </p:sp>
+      <p:sp>
+        <p:nvSpPr>
+          <p:cNvPr id="4" name="Content Placeholder 3"/>
+          <p:cNvSpPr>
+            <a:spLocks noGrp="1"/>
+          </p:cNvSpPr>
+          <p:nvPr>
+            <p:ph idx="1"/>
+          </p:nvPr>
+        </p:nvSpPr>
+        <p:spPr/>
+        <p:txBody>
+          <a:bodyPr/>
+          <a:lstStyle/>
+          <a:p>
+            <a:r>
+              <a:rPr lang="zh-CN" altLang="en-US" sz="1800" dirty="0">
+                <a:latin typeface="微软雅黑" pitchFamily="34" charset="-122"/>
+                <a:ea typeface="微软雅黑" pitchFamily="34" charset="-122"/>
+              </a:rPr>
+              <a:t>调研特征逻辑</a:t>
+            </a:r>
+            <a:endParaRPr lang="en-US" altLang="zh-CN" sz="1800" dirty="0">
+              <a:latin typeface="微软雅黑" pitchFamily="34" charset="-122"/>
+              <a:ea typeface="微软雅黑" pitchFamily="34" charset="-122"/>
+            </a:endParaRPr>
+          </a:p>
+          <a:p>
+            <a:endParaRPr lang="en-US" sz="1800" dirty="0">
+              <a:latin typeface="微软雅黑" pitchFamily="34" charset="-122"/>
+              <a:ea typeface="微软雅黑" pitchFamily="34" charset="-122"/>
+            </a:endParaRPr>
+          </a:p>
+          <a:p>
+            <a:endParaRPr lang="en-US" sz="1800" dirty="0">
+              <a:latin typeface="微软雅黑" pitchFamily="34" charset="-122"/>
+              <a:ea typeface="微软雅黑" pitchFamily="34" charset="-122"/>
+            </a:endParaRPr>
+          </a:p>
+          <a:p>
+            <a:endParaRPr lang="en-US" sz="1800" dirty="0">
+              <a:latin typeface="微软雅黑" pitchFamily="34" charset="-122"/>
+              <a:ea typeface="微软雅黑" pitchFamily="34" charset="-122"/>
+            </a:endParaRPr>
+          </a:p>
+          <a:p>
+            <a:endParaRPr lang="en-US" sz="1800" dirty="0">
+              <a:latin typeface="微软雅黑" pitchFamily="34" charset="-122"/>
+              <a:ea typeface="微软雅黑" pitchFamily="34" charset="-122"/>
+            </a:endParaRPr>
+          </a:p>
+          <a:p>
+            <a:endParaRPr lang="en-US" sz="1800" dirty="0">
+              <a:latin typeface="微软雅黑" pitchFamily="34" charset="-122"/>
+              <a:ea typeface="微软雅黑" pitchFamily="34" charset="-122"/>
+            </a:endParaRPr>
+          </a:p>
+          <a:p>
+            <a:endParaRPr lang="en-US" altLang="zh-CN" sz="1800" dirty="0">
+              <a:latin typeface="微软雅黑" pitchFamily="34" charset="-122"/>
+              <a:ea typeface="微软雅黑" pitchFamily="34" charset="-122"/>
+            </a:endParaRPr>
+          </a:p>
+          <a:p>
+            <a:r>
+              <a:rPr lang="zh-CN" altLang="en-US" sz="1600" dirty="0">
+                <a:latin typeface="微软雅黑" pitchFamily="34" charset="-122"/>
+                <a:ea typeface="微软雅黑" pitchFamily="34" charset="-122"/>
+              </a:rPr>
+              <a:t>上线特征逻辑：使用</a:t>
+            </a:r>
+            <a:r>
+              <a:rPr lang="en-US" altLang="zh-CN" sz="1600" dirty="0">
+                <a:latin typeface="微软雅黑" pitchFamily="34" charset="-122"/>
+                <a:ea typeface="微软雅黑" pitchFamily="34" charset="-122"/>
+              </a:rPr>
+              <a:t>Top-EPA</a:t>
+            </a:r>
+            <a:r>
+              <a:rPr lang="zh-CN" altLang="en-US" sz="1600" dirty="0">
+                <a:latin typeface="微软雅黑" pitchFamily="34" charset="-122"/>
+                <a:ea typeface="微软雅黑" pitchFamily="34" charset="-122"/>
+              </a:rPr>
+              <a:t>方式，</a:t>
+            </a:r>
+            <a:r>
+              <a:rPr lang="en-US" altLang="zh-CN" sz="1600" dirty="0">
+                <a:latin typeface="微软雅黑" pitchFamily="34" charset="-122"/>
+                <a:ea typeface="微软雅黑" pitchFamily="34" charset="-122"/>
+              </a:rPr>
+              <a:t>UPS</a:t>
+            </a:r>
+            <a:r>
+              <a:rPr lang="zh-CN" altLang="en-US" sz="1600" dirty="0">
+                <a:latin typeface="微软雅黑" pitchFamily="34" charset="-122"/>
+                <a:ea typeface="微软雅黑" pitchFamily="34" charset="-122"/>
+              </a:rPr>
+              <a:t>行为还原</a:t>
+            </a:r>
+            <a:r>
+              <a:rPr lang="en-US" altLang="zh-CN" sz="1600" dirty="0">
+                <a:latin typeface="微软雅黑" pitchFamily="34" charset="-122"/>
+                <a:ea typeface="微软雅黑" pitchFamily="34" charset="-122"/>
+              </a:rPr>
+              <a:t>EPA</a:t>
+            </a:r>
+            <a:r>
+              <a:rPr lang="zh-CN" altLang="en-US" sz="1600" dirty="0">
+                <a:latin typeface="微软雅黑" pitchFamily="34" charset="-122"/>
+                <a:ea typeface="微软雅黑" pitchFamily="34" charset="-122"/>
+              </a:rPr>
+              <a:t>组合覆盖面约</a:t>
+            </a:r>
+            <a:r>
+              <a:rPr lang="en-US" altLang="zh-CN" sz="1600" dirty="0">
+                <a:latin typeface="微软雅黑" pitchFamily="34" charset="-122"/>
+                <a:ea typeface="微软雅黑" pitchFamily="34" charset="-122"/>
+              </a:rPr>
+              <a:t>80%</a:t>
+            </a:r>
+            <a:r>
+              <a:rPr lang="zh-CN" altLang="en-US" sz="1600" dirty="0">
+                <a:latin typeface="微软雅黑" pitchFamily="34" charset="-122"/>
+                <a:ea typeface="微软雅黑" pitchFamily="34" charset="-122"/>
+              </a:rPr>
+              <a:t>；过滤不置信行为后行为准确表述当前链接主旨准确率约</a:t>
+            </a:r>
+            <a:r>
+              <a:rPr lang="en-US" altLang="zh-CN" sz="1600" dirty="0" smtClean="0">
+                <a:latin typeface="微软雅黑" pitchFamily="34" charset="-122"/>
+                <a:ea typeface="微软雅黑" pitchFamily="34" charset="-122"/>
+              </a:rPr>
+              <a:t>80</a:t>
+            </a:r>
+            <a:r>
+              <a:rPr lang="en-US" altLang="zh-CN" sz="1600" dirty="0">
+                <a:latin typeface="微软雅黑" pitchFamily="34" charset="-122"/>
+                <a:ea typeface="微软雅黑" pitchFamily="34" charset="-122"/>
+              </a:rPr>
+              <a:t>%</a:t>
+            </a:r>
+          </a:p>
+        </p:txBody>
+      </p:sp>
+      <p:pic>
+        <p:nvPicPr>
+          <p:cNvPr id="2051" name="Picture 3"/>
+          <p:cNvPicPr>
+            <a:picLocks noChangeAspect="1" noChangeArrowheads="1"/>
+          </p:cNvPicPr>
+          <p:nvPr/>
+        </p:nvPicPr>
+        <p:blipFill>
+          <a:blip r:embed="rId2">
+            <a:extLst>
+              <a:ext uri="{28A0092B-C50C-407E-A947-70E740481C1C}">
+                <a14:useLocalDpi xmlns:a14="http://schemas.microsoft.com/office/drawing/2010/main" val="0"/>
+              </a:ext>
+            </a:extLst>
+          </a:blip>
+          <a:srcRect/>
+          <a:stretch>
+            <a:fillRect/>
+          </a:stretch>
+        </p:blipFill>
+        <p:spPr bwMode="auto">
+          <a:xfrm>
+            <a:off x="473281" y="1705372"/>
+            <a:ext cx="8172450" cy="1828800"/>
+          </a:xfrm>
+          <a:prstGeom prst="rect">
+            <a:avLst/>
+          </a:prstGeom>
+          <a:noFill/>
+          <a:ln>
+            <a:noFill/>
+          </a:ln>
+          <a:effectLst/>
+          <a:extLst>
+            <a:ext uri="{909E8E84-426E-40DD-AFC4-6F175D3DCCD1}">
+              <a14:hiddenFill xmlns:a14="http://schemas.microsoft.com/office/drawing/2010/main">
+                <a:solidFill>
+                  <a:schemeClr val="accent1"/>
+                </a:solidFill>
+              </a14:hiddenFill>
+            </a:ext>
+            <a:ext uri="{91240B29-F687-4F45-9708-019B960494DF}">
+              <a14:hiddenLine xmlns:a14="http://schemas.microsoft.com/office/drawing/2010/main" w="9525">
+                <a:solidFill>
+                  <a:schemeClr val="tx1"/>
+                </a:solidFill>
+                <a:miter lim="800000"/>
+                <a:headEnd/>
+                <a:tailEnd/>
+              </a14:hiddenLine>
+            </a:ext>
+            <a:ext uri="{AF507438-7753-43E0-B8FC-AC1667EBCBE1}">
+              <a14:hiddenEffects xmlns:a14="http://schemas.microsoft.com/office/drawing/2010/main">
+                <a:effectLst>
+                  <a:outerShdw dist="35921" dir="2700000" algn="ctr" rotWithShape="0">
+                    <a:schemeClr val="bg2"/>
+                  </a:outerShdw>
+                </a:effectLst>
+              </a14:hiddenEffects>
+            </a:ext>
+          </a:extLst>
+        </p:spPr>
+      </p:pic>
+    </p:spTree>
+    <p:extLst>
+      <p:ext uri="{BB962C8B-B14F-4D97-AF65-F5344CB8AC3E}">
+        <p14:creationId xmlns:p14="http://schemas.microsoft.com/office/powerpoint/2010/main" val="1174353607"/>
+      </p:ext>
+    </p:extLst>
+  </p:cSld>
+  <p:clrMapOvr>
+    <a:masterClrMapping/>
+  </p:clrMapOvr>
+  <p:timing>
+    <p:tnLst>
+      <p:par>
+        <p:cTn id="1" dur="indefinite" restart="never" nodeType="tmRoot"/>
+      </p:par>
+    </p:tnLst>
+  </p:timing>
+</p:sld>
+</file>
+
+<file path=ppt/slides/slide12.xml><?xml version="1.0" encoding="utf-8"?>
+<p:sld xmlns:a="http://schemas.openxmlformats.org/drawingml/2006/main" xmlns:r="http://schemas.openxmlformats.org/officeDocument/2006/relationships" xmlns:p="http://schemas.openxmlformats.org/presentationml/2006/main">
+  <p:cSld>
+    <p:spTree>
+      <p:nvGrpSpPr>
+        <p:cNvPr id="1" name=""/>
+        <p:cNvGrpSpPr/>
+        <p:nvPr/>
+      </p:nvGrpSpPr>
+      <p:grpSpPr>
+        <a:xfrm>
+          <a:off x="0" y="0"/>
+          <a:ext cx="0" cy="0"/>
+          <a:chOff x="0" y="0"/>
+          <a:chExt cx="0" cy="0"/>
+        </a:xfrm>
+      </p:grpSpPr>
+      <p:sp>
+        <p:nvSpPr>
+          <p:cNvPr id="2" name="Content Placeholder 1"/>
+          <p:cNvSpPr>
+            <a:spLocks noGrp="1"/>
+          </p:cNvSpPr>
+          <p:nvPr>
+            <p:ph idx="1"/>
+          </p:nvPr>
+        </p:nvSpPr>
+        <p:spPr>
+          <a:xfrm>
+            <a:off x="323528" y="1308100"/>
+            <a:ext cx="8496944" cy="1394718"/>
+          </a:xfrm>
+        </p:spPr>
+        <p:txBody>
+          <a:bodyPr/>
+          <a:lstStyle/>
+          <a:p>
+            <a:pPr marL="342900" lvl="1" indent="-342900">
+              <a:buClr>
+                <a:srgbClr val="2318DE"/>
+              </a:buClr>
+              <a:buChar char="•"/>
+            </a:pPr>
+            <a:r>
+              <a:rPr lang="en-US" altLang="zh-CN" sz="2400" b="1" dirty="0" smtClean="0">
+                <a:latin typeface="微软雅黑" pitchFamily="34" charset="-122"/>
+                <a:ea typeface="微软雅黑" pitchFamily="34" charset="-122"/>
+                <a:cs typeface="+mn-cs"/>
+              </a:rPr>
+              <a:t>KTE</a:t>
+            </a:r>
+            <a:r>
+              <a:rPr lang="zh-CN" altLang="en-US" sz="2400" b="1" dirty="0">
+                <a:latin typeface="微软雅黑" pitchFamily="34" charset="-122"/>
+                <a:ea typeface="微软雅黑" pitchFamily="34" charset="-122"/>
+                <a:cs typeface="+mn-cs"/>
+              </a:rPr>
+              <a:t>广</a:t>
+            </a:r>
+            <a:r>
+              <a:rPr lang="zh-CN" altLang="en-US" sz="2400" b="1" dirty="0" smtClean="0">
+                <a:latin typeface="微软雅黑" pitchFamily="34" charset="-122"/>
+                <a:ea typeface="微软雅黑" pitchFamily="34" charset="-122"/>
+                <a:cs typeface="+mn-cs"/>
+              </a:rPr>
+              <a:t>告收入拓</a:t>
+            </a:r>
+            <a:r>
+              <a:rPr lang="zh-CN" altLang="en-US" sz="2400" b="1" dirty="0" smtClean="0">
+                <a:latin typeface="微软雅黑" pitchFamily="34" charset="-122"/>
+                <a:ea typeface="微软雅黑" pitchFamily="34" charset="-122"/>
+                <a:cs typeface="+mn-cs"/>
+              </a:rPr>
+              <a:t>展</a:t>
+            </a:r>
+            <a:endParaRPr lang="en-US" altLang="zh-CN" sz="2400" b="1" dirty="0" smtClean="0">
+              <a:latin typeface="微软雅黑" pitchFamily="34" charset="-122"/>
+              <a:ea typeface="微软雅黑" pitchFamily="34" charset="-122"/>
+              <a:cs typeface="+mn-cs"/>
+            </a:endParaRPr>
+          </a:p>
+          <a:p>
+            <a:pPr lvl="1"/>
+            <a:r>
+              <a:rPr lang="zh-CN" altLang="en-US" sz="1400" dirty="0" smtClean="0">
+                <a:latin typeface="微软雅黑" pitchFamily="34" charset="-122"/>
+                <a:ea typeface="微软雅黑" pitchFamily="34" charset="-122"/>
+              </a:rPr>
+              <a:t>策略背景：</a:t>
+            </a:r>
+            <a:r>
+              <a:rPr lang="en-US" altLang="zh-CN" sz="1400" dirty="0" smtClean="0">
+                <a:latin typeface="微软雅黑" pitchFamily="34" charset="-122"/>
+                <a:ea typeface="微软雅黑" pitchFamily="34" charset="-122"/>
+              </a:rPr>
+              <a:t>KT</a:t>
+            </a:r>
+            <a:r>
+              <a:rPr lang="zh-CN" altLang="en-US" sz="1400" dirty="0" smtClean="0">
+                <a:latin typeface="微软雅黑" pitchFamily="34" charset="-122"/>
+                <a:ea typeface="微软雅黑" pitchFamily="34" charset="-122"/>
+              </a:rPr>
+              <a:t>产品</a:t>
+            </a:r>
+            <a:r>
+              <a:rPr lang="en-US" altLang="zh-CN" sz="1400" dirty="0" smtClean="0">
+                <a:latin typeface="微软雅黑" pitchFamily="34" charset="-122"/>
+                <a:ea typeface="微软雅黑" pitchFamily="34" charset="-122"/>
+              </a:rPr>
+              <a:t>2013</a:t>
+            </a:r>
+            <a:r>
+              <a:rPr lang="zh-CN" altLang="en-US" sz="1400" dirty="0" smtClean="0">
+                <a:latin typeface="微软雅黑" pitchFamily="34" charset="-122"/>
+                <a:ea typeface="微软雅黑" pitchFamily="34" charset="-122"/>
+              </a:rPr>
+              <a:t>年上半年的主要目标是提升收入；</a:t>
+            </a:r>
+            <a:endParaRPr lang="en-US" altLang="zh-CN" sz="1400" dirty="0" smtClean="0">
+              <a:latin typeface="微软雅黑" pitchFamily="34" charset="-122"/>
+              <a:ea typeface="微软雅黑" pitchFamily="34" charset="-122"/>
+            </a:endParaRPr>
+          </a:p>
+          <a:p>
+            <a:pPr lvl="1"/>
+            <a:r>
+              <a:rPr lang="zh-CN" altLang="en-US" sz="1400" dirty="0">
+                <a:latin typeface="微软雅黑" pitchFamily="34" charset="-122"/>
+                <a:ea typeface="微软雅黑" pitchFamily="34" charset="-122"/>
+              </a:rPr>
+              <a:t>主</a:t>
+            </a:r>
+            <a:r>
+              <a:rPr lang="zh-CN" altLang="en-US" sz="1400" dirty="0" smtClean="0">
+                <a:latin typeface="微软雅黑" pitchFamily="34" charset="-122"/>
+                <a:ea typeface="微软雅黑" pitchFamily="34" charset="-122"/>
+              </a:rPr>
+              <a:t>要工作：</a:t>
+            </a:r>
+            <a:r>
+              <a:rPr lang="en-US" altLang="zh-CN" sz="1400" dirty="0" smtClean="0">
+                <a:latin typeface="微软雅黑" pitchFamily="34" charset="-122"/>
+                <a:ea typeface="微软雅黑" pitchFamily="34" charset="-122"/>
+              </a:rPr>
+              <a:t>KTE</a:t>
+            </a:r>
+            <a:r>
+              <a:rPr lang="zh-CN" altLang="en-US" sz="1400" dirty="0" smtClean="0">
+                <a:latin typeface="微软雅黑" pitchFamily="34" charset="-122"/>
+                <a:ea typeface="微软雅黑" pitchFamily="34" charset="-122"/>
+              </a:rPr>
+              <a:t>（</a:t>
+            </a:r>
+            <a:r>
+              <a:rPr lang="en-US" altLang="zh-CN" sz="1400" dirty="0" smtClean="0">
+                <a:latin typeface="微软雅黑" pitchFamily="34" charset="-122"/>
+                <a:ea typeface="微软雅黑" pitchFamily="34" charset="-122"/>
+              </a:rPr>
+              <a:t>KT Extend</a:t>
+            </a:r>
+            <a:r>
+              <a:rPr lang="zh-CN" altLang="en-US" sz="1400" dirty="0" smtClean="0">
+                <a:latin typeface="微软雅黑" pitchFamily="34" charset="-122"/>
+                <a:ea typeface="微软雅黑" pitchFamily="34" charset="-122"/>
+              </a:rPr>
+              <a:t>）作</a:t>
+            </a:r>
+            <a:r>
+              <a:rPr lang="zh-CN" altLang="en-US" sz="1400" dirty="0">
+                <a:latin typeface="微软雅黑" pitchFamily="34" charset="-122"/>
+                <a:ea typeface="微软雅黑" pitchFamily="34" charset="-122"/>
+              </a:rPr>
+              <a:t>为</a:t>
+            </a:r>
+            <a:r>
+              <a:rPr lang="en-US" altLang="zh-CN" sz="1400" dirty="0">
+                <a:latin typeface="微软雅黑" pitchFamily="34" charset="-122"/>
+                <a:ea typeface="微软雅黑" pitchFamily="34" charset="-122"/>
+              </a:rPr>
+              <a:t>KT</a:t>
+            </a:r>
+            <a:r>
+              <a:rPr lang="zh-CN" altLang="en-US" sz="1400" dirty="0">
+                <a:latin typeface="微软雅黑" pitchFamily="34" charset="-122"/>
+                <a:ea typeface="微软雅黑" pitchFamily="34" charset="-122"/>
+              </a:rPr>
+              <a:t>整体统一的扩展框架</a:t>
+            </a:r>
+            <a:r>
+              <a:rPr lang="zh-CN" altLang="en-US" sz="1400" dirty="0" smtClean="0">
+                <a:latin typeface="微软雅黑" pitchFamily="34" charset="-122"/>
+                <a:ea typeface="微软雅黑" pitchFamily="34" charset="-122"/>
+              </a:rPr>
+              <a:t>，</a:t>
+            </a:r>
+            <a:r>
+              <a:rPr lang="zh-CN" altLang="en-US" sz="1400" dirty="0">
+                <a:latin typeface="微软雅黑" pitchFamily="34" charset="-122"/>
+                <a:ea typeface="微软雅黑" pitchFamily="34" charset="-122"/>
+              </a:rPr>
+              <a:t>采用</a:t>
+            </a:r>
+            <a:r>
+              <a:rPr lang="zh-CN" altLang="en-US" sz="1400" dirty="0" smtClean="0">
+                <a:latin typeface="微软雅黑" pitchFamily="34" charset="-122"/>
+                <a:ea typeface="微软雅黑" pitchFamily="34" charset="-122"/>
+              </a:rPr>
+              <a:t>相同方式</a:t>
+            </a:r>
+            <a:r>
+              <a:rPr lang="zh-CN" altLang="en-US" sz="1400" dirty="0">
+                <a:latin typeface="微软雅黑" pitchFamily="34" charset="-122"/>
+                <a:ea typeface="微软雅黑" pitchFamily="34" charset="-122"/>
+              </a:rPr>
+              <a:t>改写</a:t>
+            </a:r>
+            <a:r>
+              <a:rPr lang="en-US" altLang="zh-CN" sz="1400" dirty="0" smtClean="0">
+                <a:latin typeface="微软雅黑" pitchFamily="34" charset="-122"/>
+                <a:ea typeface="微软雅黑" pitchFamily="34" charset="-122"/>
+              </a:rPr>
+              <a:t>QT/CT/HCT</a:t>
+            </a:r>
+            <a:r>
+              <a:rPr lang="zh-CN" altLang="en-US" sz="1400" dirty="0" smtClean="0">
+                <a:latin typeface="微软雅黑" pitchFamily="34" charset="-122"/>
+                <a:ea typeface="微软雅黑" pitchFamily="34" charset="-122"/>
+              </a:rPr>
+              <a:t>的触发词（</a:t>
+            </a:r>
+            <a:r>
+              <a:rPr lang="en-US" altLang="zh-CN" sz="1400" dirty="0" smtClean="0">
+                <a:latin typeface="微软雅黑" pitchFamily="34" charset="-122"/>
+                <a:ea typeface="微软雅黑" pitchFamily="34" charset="-122"/>
+              </a:rPr>
+              <a:t>bid-word</a:t>
+            </a:r>
+            <a:r>
+              <a:rPr lang="zh-CN" altLang="en-US" sz="1400" dirty="0" smtClean="0">
+                <a:latin typeface="微软雅黑" pitchFamily="34" charset="-122"/>
+                <a:ea typeface="微软雅黑" pitchFamily="34" charset="-122"/>
+              </a:rPr>
+              <a:t>，已改写过的避免二次改写），</a:t>
+            </a:r>
+            <a:r>
+              <a:rPr lang="zh-CN" altLang="en-US" sz="1400" dirty="0">
+                <a:latin typeface="微软雅黑" pitchFamily="34" charset="-122"/>
+                <a:ea typeface="微软雅黑" pitchFamily="34" charset="-122"/>
+              </a:rPr>
+              <a:t>增加</a:t>
+            </a:r>
+            <a:r>
+              <a:rPr lang="en-US" altLang="zh-CN" sz="1400" dirty="0">
+                <a:latin typeface="微软雅黑" pitchFamily="34" charset="-122"/>
+                <a:ea typeface="微软雅黑" pitchFamily="34" charset="-122"/>
+              </a:rPr>
+              <a:t>KT</a:t>
+            </a:r>
+            <a:r>
+              <a:rPr lang="zh-CN" altLang="en-US" sz="1400" dirty="0">
+                <a:latin typeface="微软雅黑" pitchFamily="34" charset="-122"/>
+                <a:ea typeface="微软雅黑" pitchFamily="34" charset="-122"/>
+              </a:rPr>
+              <a:t>的触发机会</a:t>
+            </a:r>
+            <a:r>
+              <a:rPr lang="zh-CN" altLang="en-US" sz="1400" dirty="0" smtClean="0">
+                <a:latin typeface="微软雅黑" pitchFamily="34" charset="-122"/>
+                <a:ea typeface="微软雅黑" pitchFamily="34" charset="-122"/>
+              </a:rPr>
+              <a:t>，扩大广告召回</a:t>
+            </a:r>
+            <a:r>
+              <a:rPr lang="zh-CN" altLang="en-US" sz="1400" dirty="0">
+                <a:latin typeface="微软雅黑" pitchFamily="34" charset="-122"/>
+                <a:ea typeface="微软雅黑" pitchFamily="34" charset="-122"/>
+              </a:rPr>
+              <a:t>，</a:t>
+            </a:r>
+            <a:r>
+              <a:rPr lang="zh-CN" altLang="en-US" sz="1400" dirty="0" smtClean="0">
+                <a:latin typeface="微软雅黑" pitchFamily="34" charset="-122"/>
+                <a:ea typeface="微软雅黑" pitchFamily="34" charset="-122"/>
+              </a:rPr>
+              <a:t>增加收入</a:t>
+            </a:r>
+            <a:endParaRPr lang="en-US" altLang="zh-CN" sz="1400" dirty="0" smtClean="0">
+              <a:latin typeface="微软雅黑" pitchFamily="34" charset="-122"/>
+              <a:ea typeface="微软雅黑" pitchFamily="34" charset="-122"/>
+            </a:endParaRPr>
+          </a:p>
+          <a:p>
+            <a:pPr lvl="1"/>
+            <a:r>
+              <a:rPr lang="zh-CN" altLang="en-US" sz="1400" dirty="0" smtClean="0">
+                <a:latin typeface="微软雅黑" pitchFamily="34" charset="-122"/>
+                <a:ea typeface="微软雅黑" pitchFamily="34" charset="-122"/>
+              </a:rPr>
+              <a:t>策</a:t>
+            </a:r>
+            <a:r>
+              <a:rPr lang="zh-CN" altLang="en-US" sz="1400" dirty="0" smtClean="0">
+                <a:latin typeface="微软雅黑" pitchFamily="34" charset="-122"/>
+                <a:ea typeface="微软雅黑" pitchFamily="34" charset="-122"/>
+              </a:rPr>
+              <a:t>略效果：不影响</a:t>
+            </a:r>
+            <a:r>
+              <a:rPr lang="en-US" altLang="zh-CN" sz="1400" dirty="0" smtClean="0">
+                <a:latin typeface="微软雅黑" pitchFamily="34" charset="-122"/>
+                <a:ea typeface="微软雅黑" pitchFamily="34" charset="-122"/>
+              </a:rPr>
+              <a:t>KT</a:t>
+            </a:r>
+            <a:r>
+              <a:rPr lang="zh-CN" altLang="en-US" sz="1400" dirty="0" smtClean="0">
+                <a:latin typeface="微软雅黑" pitchFamily="34" charset="-122"/>
+                <a:ea typeface="微软雅黑" pitchFamily="34" charset="-122"/>
+              </a:rPr>
+              <a:t>相关性的基础上，</a:t>
+            </a:r>
+            <a:r>
+              <a:rPr lang="en-US" altLang="zh-CN" sz="1400" dirty="0" smtClean="0">
+                <a:solidFill>
+                  <a:srgbClr val="00B050"/>
+                </a:solidFill>
+                <a:latin typeface="微软雅黑" pitchFamily="34" charset="-122"/>
+                <a:ea typeface="微软雅黑" pitchFamily="34" charset="-122"/>
+              </a:rPr>
+              <a:t>KT</a:t>
+            </a:r>
+            <a:r>
+              <a:rPr lang="zh-CN" altLang="en-US" sz="1400" dirty="0" smtClean="0">
+                <a:solidFill>
+                  <a:srgbClr val="00B050"/>
+                </a:solidFill>
+                <a:latin typeface="微软雅黑" pitchFamily="34" charset="-122"/>
+                <a:ea typeface="微软雅黑" pitchFamily="34" charset="-122"/>
+              </a:rPr>
+              <a:t>展现</a:t>
+            </a:r>
+            <a:r>
+              <a:rPr lang="en-US" altLang="zh-CN" sz="1400" dirty="0" smtClean="0">
+                <a:solidFill>
+                  <a:srgbClr val="00B050"/>
+                </a:solidFill>
+                <a:latin typeface="微软雅黑" pitchFamily="34" charset="-122"/>
+                <a:ea typeface="微软雅黑" pitchFamily="34" charset="-122"/>
+              </a:rPr>
+              <a:t>+1.2%</a:t>
+            </a:r>
+            <a:r>
+              <a:rPr lang="zh-CN" altLang="en-US" sz="1400" dirty="0" smtClean="0">
+                <a:solidFill>
+                  <a:srgbClr val="00B050"/>
+                </a:solidFill>
+                <a:latin typeface="微软雅黑" pitchFamily="34" charset="-122"/>
+                <a:ea typeface="微软雅黑" pitchFamily="34" charset="-122"/>
+              </a:rPr>
+              <a:t>，收入</a:t>
+            </a:r>
+            <a:r>
+              <a:rPr lang="en-US" altLang="zh-CN" sz="1400" dirty="0" smtClean="0">
+                <a:solidFill>
+                  <a:srgbClr val="00B050"/>
+                </a:solidFill>
+                <a:latin typeface="微软雅黑" pitchFamily="34" charset="-122"/>
+                <a:ea typeface="微软雅黑" pitchFamily="34" charset="-122"/>
+              </a:rPr>
+              <a:t>+1.1%</a:t>
+            </a:r>
+            <a:r>
+              <a:rPr lang="zh-CN" altLang="en-US" sz="1400" dirty="0" smtClean="0">
+                <a:solidFill>
+                  <a:srgbClr val="00B050"/>
+                </a:solidFill>
+                <a:latin typeface="微软雅黑" pitchFamily="34" charset="-122"/>
+                <a:ea typeface="微软雅黑" pitchFamily="34" charset="-122"/>
+              </a:rPr>
+              <a:t>，网盟整体收入</a:t>
+            </a:r>
+            <a:r>
+              <a:rPr lang="en-US" altLang="zh-CN" sz="1400" dirty="0" smtClean="0">
+                <a:solidFill>
+                  <a:srgbClr val="00B050"/>
+                </a:solidFill>
+                <a:latin typeface="微软雅黑" pitchFamily="34" charset="-122"/>
+                <a:ea typeface="微软雅黑" pitchFamily="34" charset="-122"/>
+              </a:rPr>
+              <a:t>+0.4</a:t>
+            </a:r>
+            <a:r>
+              <a:rPr lang="en-US" altLang="zh-CN" sz="1400" dirty="0" smtClean="0">
+                <a:solidFill>
+                  <a:srgbClr val="00B050"/>
+                </a:solidFill>
+                <a:latin typeface="微软雅黑" pitchFamily="34" charset="-122"/>
+                <a:ea typeface="微软雅黑" pitchFamily="34" charset="-122"/>
+              </a:rPr>
+              <a:t>%</a:t>
+            </a:r>
+          </a:p>
+        </p:txBody>
+      </p:sp>
+      <p:sp>
+        <p:nvSpPr>
+          <p:cNvPr id="3" name="标题 1"/>
+          <p:cNvSpPr txBox="1">
+            <a:spLocks/>
+          </p:cNvSpPr>
+          <p:nvPr/>
+        </p:nvSpPr>
+        <p:spPr bwMode="auto">
+          <a:xfrm>
+            <a:off x="282781" y="265212"/>
+            <a:ext cx="8362950" cy="720080"/>
+          </a:xfrm>
+          <a:prstGeom prst="rect">
+            <a:avLst/>
+          </a:prstGeom>
+          <a:noFill/>
+          <a:extLst>
+            <a:ext uri="{909E8E84-426E-40DD-AFC4-6F175D3DCCD1}">
+              <a14:hiddenFill xmlns:a14="http://schemas.microsoft.com/office/drawing/2010/main">
+                <a:solidFill>
+                  <a:srgbClr val="FFFFFF"/>
+                </a:solidFill>
+              </a14:hiddenFill>
+            </a:ext>
+            <a:ext uri="{91240B29-F687-4F45-9708-019B960494DF}">
+              <a14:hiddenLine xmlns:a14="http://schemas.microsoft.com/office/drawing/2010/main" w="9525">
+                <a:solidFill>
+                  <a:srgbClr val="000000"/>
+                </a:solidFill>
+                <a:miter lim="800000"/>
+                <a:headEnd/>
+                <a:tailEnd/>
+              </a14:hiddenLine>
+            </a:ext>
+          </a:extLst>
+        </p:spPr>
+        <p:txBody>
+          <a:bodyPr vert="horz" wrap="square" lIns="91440" tIns="45720" rIns="91440" bIns="45720" numCol="1" anchor="t" anchorCtr="0" compatLnSpc="1">
+            <a:prstTxWarp prst="textNoShape">
+              <a:avLst/>
+            </a:prstTxWarp>
+          </a:bodyPr>
+          <a:lstStyle>
+            <a:lvl1pPr algn="l" rtl="0" eaLnBrk="0" fontAlgn="base" hangingPunct="0">
+              <a:spcBef>
+                <a:spcPct val="0"/>
+              </a:spcBef>
+              <a:spcAft>
+                <a:spcPct val="0"/>
+              </a:spcAft>
+              <a:defRPr sz="3200" b="1">
+                <a:solidFill>
+                  <a:schemeClr val="bg1"/>
+                </a:solidFill>
+                <a:latin typeface="+mj-lt"/>
+                <a:ea typeface="+mj-ea"/>
+                <a:cs typeface="华文黑体"/>
+              </a:defRPr>
+            </a:lvl1pPr>
+            <a:lvl2pPr algn="l" rtl="0" eaLnBrk="0" fontAlgn="base" hangingPunct="0">
+              <a:spcBef>
+                <a:spcPct val="0"/>
+              </a:spcBef>
+              <a:spcAft>
+                <a:spcPct val="0"/>
+              </a:spcAft>
+              <a:defRPr sz="3200" b="1">
+                <a:solidFill>
+                  <a:schemeClr val="bg1"/>
+                </a:solidFill>
+                <a:latin typeface="Arial" charset="0"/>
+                <a:ea typeface="华文黑体" charset="-122"/>
+                <a:cs typeface="华文黑体"/>
+              </a:defRPr>
+            </a:lvl2pPr>
+            <a:lvl3pPr algn="l" rtl="0" eaLnBrk="0" fontAlgn="base" hangingPunct="0">
+              <a:spcBef>
+                <a:spcPct val="0"/>
+              </a:spcBef>
+              <a:spcAft>
+                <a:spcPct val="0"/>
+              </a:spcAft>
+              <a:defRPr sz="3200" b="1">
+                <a:solidFill>
+                  <a:schemeClr val="bg1"/>
+                </a:solidFill>
+                <a:latin typeface="Arial" charset="0"/>
+                <a:ea typeface="华文黑体" charset="-122"/>
+                <a:cs typeface="华文黑体"/>
+              </a:defRPr>
+            </a:lvl3pPr>
+            <a:lvl4pPr algn="l" rtl="0" eaLnBrk="0" fontAlgn="base" hangingPunct="0">
+              <a:spcBef>
+                <a:spcPct val="0"/>
+              </a:spcBef>
+              <a:spcAft>
+                <a:spcPct val="0"/>
+              </a:spcAft>
+              <a:defRPr sz="3200" b="1">
+                <a:solidFill>
+                  <a:schemeClr val="bg1"/>
+                </a:solidFill>
+                <a:latin typeface="Arial" charset="0"/>
+                <a:ea typeface="华文黑体" charset="-122"/>
+                <a:cs typeface="华文黑体"/>
+              </a:defRPr>
+            </a:lvl4pPr>
+            <a:lvl5pPr algn="l" rtl="0" eaLnBrk="0" fontAlgn="base" hangingPunct="0">
+              <a:spcBef>
+                <a:spcPct val="0"/>
+              </a:spcBef>
+              <a:spcAft>
+                <a:spcPct val="0"/>
+              </a:spcAft>
+              <a:defRPr sz="3200" b="1">
+                <a:solidFill>
+                  <a:schemeClr val="bg1"/>
+                </a:solidFill>
+                <a:latin typeface="Arial" charset="0"/>
+                <a:ea typeface="华文黑体" charset="-122"/>
+                <a:cs typeface="华文黑体"/>
+              </a:defRPr>
+            </a:lvl5pPr>
+            <a:lvl6pPr marL="457200" algn="l" rtl="0" fontAlgn="base">
+              <a:spcBef>
+                <a:spcPct val="0"/>
+              </a:spcBef>
+              <a:spcAft>
+                <a:spcPct val="0"/>
+              </a:spcAft>
+              <a:defRPr sz="3200" b="1">
+                <a:solidFill>
+                  <a:schemeClr val="bg1"/>
+                </a:solidFill>
+                <a:latin typeface="Arial" charset="0"/>
+                <a:ea typeface="华文黑体" charset="-122"/>
+              </a:defRPr>
+            </a:lvl6pPr>
+            <a:lvl7pPr marL="914400" algn="l" rtl="0" fontAlgn="base">
+              <a:spcBef>
+                <a:spcPct val="0"/>
+              </a:spcBef>
+              <a:spcAft>
+                <a:spcPct val="0"/>
+              </a:spcAft>
+              <a:defRPr sz="3200" b="1">
+                <a:solidFill>
+                  <a:schemeClr val="bg1"/>
+                </a:solidFill>
+                <a:latin typeface="Arial" charset="0"/>
+                <a:ea typeface="华文黑体" charset="-122"/>
+              </a:defRPr>
+            </a:lvl7pPr>
+            <a:lvl8pPr marL="1371600" algn="l" rtl="0" fontAlgn="base">
+              <a:spcBef>
+                <a:spcPct val="0"/>
+              </a:spcBef>
+              <a:spcAft>
+                <a:spcPct val="0"/>
+              </a:spcAft>
+              <a:defRPr sz="3200" b="1">
+                <a:solidFill>
+                  <a:schemeClr val="bg1"/>
+                </a:solidFill>
+                <a:latin typeface="Arial" charset="0"/>
+                <a:ea typeface="华文黑体" charset="-122"/>
+              </a:defRPr>
+            </a:lvl8pPr>
+            <a:lvl9pPr marL="1828800" algn="l" rtl="0" fontAlgn="base">
+              <a:spcBef>
+                <a:spcPct val="0"/>
+              </a:spcBef>
+              <a:spcAft>
+                <a:spcPct val="0"/>
+              </a:spcAft>
+              <a:defRPr sz="3200" b="1">
+                <a:solidFill>
+                  <a:schemeClr val="bg1"/>
+                </a:solidFill>
+                <a:latin typeface="Arial" charset="0"/>
+                <a:ea typeface="华文黑体" charset="-122"/>
+              </a:defRPr>
+            </a:lvl9pPr>
+          </a:lstStyle>
+          <a:p>
+            <a:pPr eaLnBrk="1" hangingPunct="1"/>
+            <a:r>
+              <a:rPr lang="en-US" altLang="zh-CN" dirty="0">
+                <a:solidFill>
+                  <a:schemeClr val="tx1"/>
+                </a:solidFill>
+                <a:latin typeface="微软雅黑" pitchFamily="34" charset="-122"/>
+                <a:ea typeface="微软雅黑" pitchFamily="34" charset="-122"/>
+              </a:rPr>
+              <a:t>T4</a:t>
+            </a:r>
+            <a:r>
+              <a:rPr lang="zh-CN" altLang="en-US" dirty="0">
+                <a:solidFill>
+                  <a:schemeClr val="tx1"/>
+                </a:solidFill>
+                <a:latin typeface="微软雅黑" pitchFamily="34" charset="-122"/>
+                <a:ea typeface="微软雅黑" pitchFamily="34" charset="-122"/>
+              </a:rPr>
+              <a:t>晋</a:t>
+            </a:r>
+            <a:r>
+              <a:rPr lang="zh-CN" altLang="en-US" dirty="0" smtClean="0">
+                <a:solidFill>
+                  <a:schemeClr val="tx1"/>
+                </a:solidFill>
+                <a:latin typeface="微软雅黑" pitchFamily="34" charset="-122"/>
+                <a:ea typeface="微软雅黑" pitchFamily="34" charset="-122"/>
+              </a:rPr>
+              <a:t>升</a:t>
+            </a:r>
+            <a:r>
+              <a:rPr lang="zh-CN" altLang="en-US" dirty="0">
+                <a:solidFill>
+                  <a:schemeClr val="tx1"/>
+                </a:solidFill>
+                <a:latin typeface="微软雅黑" pitchFamily="34" charset="-122"/>
+                <a:ea typeface="微软雅黑" pitchFamily="34" charset="-122"/>
+              </a:rPr>
+              <a:t>以</a:t>
+            </a:r>
+            <a:r>
+              <a:rPr lang="zh-CN" altLang="en-US" dirty="0" smtClean="0">
+                <a:solidFill>
+                  <a:schemeClr val="tx1"/>
+                </a:solidFill>
+                <a:latin typeface="微软雅黑" pitchFamily="34" charset="-122"/>
+                <a:ea typeface="微软雅黑" pitchFamily="34" charset="-122"/>
+              </a:rPr>
+              <a:t>来其他工作</a:t>
+            </a:r>
+            <a:r>
+              <a:rPr lang="en-US" altLang="zh-CN" dirty="0" smtClean="0">
+                <a:solidFill>
+                  <a:schemeClr val="tx1"/>
+                </a:solidFill>
+                <a:latin typeface="微软雅黑" pitchFamily="34" charset="-122"/>
+                <a:ea typeface="微软雅黑" pitchFamily="34" charset="-122"/>
+              </a:rPr>
+              <a:t>-KTE</a:t>
+            </a:r>
+            <a:r>
+              <a:rPr lang="zh-CN" altLang="en-US" dirty="0" smtClean="0">
+                <a:solidFill>
+                  <a:schemeClr val="tx1"/>
+                </a:solidFill>
+                <a:latin typeface="微软雅黑" pitchFamily="34" charset="-122"/>
+                <a:ea typeface="微软雅黑" pitchFamily="34" charset="-122"/>
+              </a:rPr>
+              <a:t>广告收入拓展</a:t>
+            </a:r>
+            <a:endParaRPr lang="zh-CN" altLang="en-US" dirty="0">
+              <a:solidFill>
+                <a:schemeClr val="tx1"/>
+              </a:solidFill>
+              <a:latin typeface="微软雅黑" pitchFamily="34" charset="-122"/>
+              <a:ea typeface="微软雅黑" pitchFamily="34" charset="-122"/>
+            </a:endParaRPr>
+          </a:p>
+        </p:txBody>
+      </p:sp>
+      <p:pic>
+        <p:nvPicPr>
+          <p:cNvPr id="1026" name="Picture 2"/>
+          <p:cNvPicPr>
+            <a:picLocks noChangeAspect="1" noChangeArrowheads="1"/>
+          </p:cNvPicPr>
+          <p:nvPr/>
+        </p:nvPicPr>
+        <p:blipFill>
+          <a:blip r:embed="rId3">
+            <a:extLst>
+              <a:ext uri="{28A0092B-C50C-407E-A947-70E740481C1C}">
+                <a14:useLocalDpi xmlns:a14="http://schemas.microsoft.com/office/drawing/2010/main" val="0"/>
+              </a:ext>
+            </a:extLst>
+          </a:blip>
+          <a:srcRect/>
+          <a:stretch>
+            <a:fillRect/>
+          </a:stretch>
+        </p:blipFill>
+        <p:spPr bwMode="auto">
+          <a:xfrm>
+            <a:off x="563768" y="2702818"/>
+            <a:ext cx="7800975" cy="2085975"/>
+          </a:xfrm>
+          <a:prstGeom prst="rect">
+            <a:avLst/>
+          </a:prstGeom>
+          <a:noFill/>
+          <a:ln>
+            <a:noFill/>
+          </a:ln>
+          <a:effectLst/>
+          <a:extLst>
+            <a:ext uri="{909E8E84-426E-40DD-AFC4-6F175D3DCCD1}">
+              <a14:hiddenFill xmlns:a14="http://schemas.microsoft.com/office/drawing/2010/main">
+                <a:solidFill>
+                  <a:schemeClr val="accent1"/>
+                </a:solidFill>
+              </a14:hiddenFill>
+            </a:ext>
+            <a:ext uri="{91240B29-F687-4F45-9708-019B960494DF}">
+              <a14:hiddenLine xmlns:a14="http://schemas.microsoft.com/office/drawing/2010/main" w="9525">
+                <a:solidFill>
+                  <a:schemeClr val="tx1"/>
+                </a:solidFill>
+                <a:miter lim="800000"/>
+                <a:headEnd/>
+                <a:tailEnd/>
+              </a14:hiddenLine>
+            </a:ext>
+            <a:ext uri="{AF507438-7753-43E0-B8FC-AC1667EBCBE1}">
+              <a14:hiddenEffects xmlns:a14="http://schemas.microsoft.com/office/drawing/2010/main">
+                <a:effectLst>
+                  <a:outerShdw dist="35921" dir="2700000" algn="ctr" rotWithShape="0">
+                    <a:schemeClr val="bg2"/>
+                  </a:outerShdw>
+                </a:effectLst>
+              </a14:hiddenEffects>
+            </a:ext>
+          </a:extLst>
+        </p:spPr>
+      </p:pic>
+      <p:grpSp>
+        <p:nvGrpSpPr>
+          <p:cNvPr id="12" name="Group 11"/>
+          <p:cNvGrpSpPr/>
+          <p:nvPr/>
+        </p:nvGrpSpPr>
+        <p:grpSpPr>
+          <a:xfrm>
+            <a:off x="2843808" y="3289548"/>
+            <a:ext cx="5801923" cy="1826930"/>
+            <a:chOff x="2843808" y="3289548"/>
+            <a:chExt cx="5801923" cy="1826930"/>
+          </a:xfrm>
+        </p:grpSpPr>
+        <p:pic>
+          <p:nvPicPr>
+            <p:cNvPr id="4" name="Picture 3"/>
+            <p:cNvPicPr>
+              <a:picLocks noChangeAspect="1"/>
+            </p:cNvPicPr>
+            <p:nvPr/>
+          </p:nvPicPr>
+          <p:blipFill>
+            <a:blip r:embed="rId4">
+              <a:extLst>
+                <a:ext uri="{28A0092B-C50C-407E-A947-70E740481C1C}">
+                  <a14:useLocalDpi xmlns:a14="http://schemas.microsoft.com/office/drawing/2010/main" val="0"/>
+                </a:ext>
+              </a:extLst>
+            </a:blip>
+            <a:stretch>
+              <a:fillRect/>
+            </a:stretch>
+          </p:blipFill>
+          <p:spPr>
+            <a:xfrm>
+              <a:off x="5724128" y="3865612"/>
+              <a:ext cx="2921603" cy="1250866"/>
+            </a:xfrm>
+            <a:prstGeom prst="rect">
+              <a:avLst/>
+            </a:prstGeom>
+          </p:spPr>
+        </p:pic>
+        <p:cxnSp>
+          <p:nvCxnSpPr>
+            <p:cNvPr id="8" name="Curved Connector 7"/>
+            <p:cNvCxnSpPr>
+              <a:endCxn id="4" idx="0"/>
+            </p:cNvCxnSpPr>
+            <p:nvPr/>
+          </p:nvCxnSpPr>
+          <p:spPr bwMode="auto">
+            <a:xfrm>
+              <a:off x="2843808" y="3289548"/>
+              <a:ext cx="4341122" cy="576064"/>
+            </a:xfrm>
+            <a:prstGeom prst="curvedConnector2">
+              <a:avLst/>
+            </a:prstGeom>
+            <a:solidFill>
+              <a:schemeClr val="accent1"/>
+            </a:solidFill>
+            <a:ln w="9525" cap="flat" cmpd="sng" algn="ctr">
+              <a:solidFill>
+                <a:schemeClr val="tx1"/>
+              </a:solidFill>
+              <a:prstDash val="lgDashDotDot"/>
+              <a:round/>
+              <a:headEnd type="none" w="med" len="med"/>
+              <a:tailEnd type="stealth" w="lg" len="lg"/>
+            </a:ln>
+            <a:effectLst/>
+          </p:spPr>
+        </p:cxnSp>
+      </p:grpSp>
+    </p:spTree>
+    <p:extLst>
+      <p:ext uri="{BB962C8B-B14F-4D97-AF65-F5344CB8AC3E}">
+        <p14:creationId xmlns:p14="http://schemas.microsoft.com/office/powerpoint/2010/main" val="4062553904"/>
+      </p:ext>
+    </p:extLst>
+  </p:cSld>
+  <p:clrMapOvr>
+    <a:masterClrMapping/>
+  </p:clrMapOvr>
+  <p:timing>
+    <p:tnLst>
+      <p:par>
+        <p:cTn id="1" dur="indefinite" restart="never" nodeType="tmRoot">
+          <p:childTnLst>
+            <p:seq concurrent="1" nextAc="seek">
+              <p:cTn id="2" dur="indefinite" nodeType="mainSeq">
+                <p:childTnLst>
+                  <p:par>
+                    <p:cTn id="3" fill="hold">
+                      <p:stCondLst>
+                        <p:cond delay="indefinite"/>
+                      </p:stCondLst>
+                      <p:childTnLst>
+                        <p:par>
+                          <p:cTn id="4" fill="hold">
+                            <p:stCondLst>
+                              <p:cond delay="0"/>
+                            </p:stCondLst>
+                            <p:childTnLst>
+                              <p:par>
+                                <p:cTn id="5" presetID="53" presetClass="entr" presetSubtype="16" fill="hold" nodeType="clickEffect">
+                                  <p:stCondLst>
+                                    <p:cond delay="0"/>
+                                  </p:stCondLst>
+                                  <p:childTnLst>
+                                    <p:set>
+                                      <p:cBhvr>
+                                        <p:cTn id="6" dur="1" fill="hold">
+                                          <p:stCondLst>
+                                            <p:cond delay="0"/>
+                                          </p:stCondLst>
+                                        </p:cTn>
+                                        <p:tgtEl>
+                                          <p:spTgt spid="12"/>
+                                        </p:tgtEl>
+                                        <p:attrNameLst>
+                                          <p:attrName>style.visibility</p:attrName>
+                                        </p:attrNameLst>
+                                      </p:cBhvr>
+                                      <p:to>
+                                        <p:strVal val="visible"/>
+                                      </p:to>
+                                    </p:set>
+                                    <p:anim calcmode="lin" valueType="num">
+                                      <p:cBhvr>
+                                        <p:cTn id="7" dur="500" fill="hold"/>
+                                        <p:tgtEl>
+                                          <p:spTgt spid="12"/>
+                                        </p:tgtEl>
+                                        <p:attrNameLst>
+                                          <p:attrName>ppt_w</p:attrName>
+                                        </p:attrNameLst>
+                                      </p:cBhvr>
+                                      <p:tavLst>
+                                        <p:tav tm="0">
+                                          <p:val>
+                                            <p:fltVal val="0"/>
+                                          </p:val>
+                                        </p:tav>
+                                        <p:tav tm="100000">
+                                          <p:val>
+                                            <p:strVal val="#ppt_w"/>
+                                          </p:val>
+                                        </p:tav>
+                                      </p:tavLst>
+                                    </p:anim>
+                                    <p:anim calcmode="lin" valueType="num">
+                                      <p:cBhvr>
+                                        <p:cTn id="8" dur="500" fill="hold"/>
+                                        <p:tgtEl>
+                                          <p:spTgt spid="12"/>
+                                        </p:tgtEl>
+                                        <p:attrNameLst>
+                                          <p:attrName>ppt_h</p:attrName>
+                                        </p:attrNameLst>
+                                      </p:cBhvr>
+                                      <p:tavLst>
+                                        <p:tav tm="0">
+                                          <p:val>
+                                            <p:fltVal val="0"/>
+                                          </p:val>
+                                        </p:tav>
+                                        <p:tav tm="100000">
+                                          <p:val>
+                                            <p:strVal val="#ppt_h"/>
+                                          </p:val>
+                                        </p:tav>
+                                      </p:tavLst>
+                                    </p:anim>
+                                    <p:animEffect transition="in" filter="fade">
+                                      <p:cBhvr>
+                                        <p:cTn id="9" dur="500"/>
+                                        <p:tgtEl>
+                                          <p:spTgt spid="12"/>
+                                        </p:tgtEl>
+                                      </p:cBhvr>
+                                    </p:animEffect>
+                                  </p:childTnLst>
+                                </p:cTn>
+                              </p:par>
+                            </p:childTnLst>
+                          </p:cTn>
+                        </p:par>
+                      </p:childTnLst>
+                    </p:cTn>
+                  </p:par>
+                </p:childTnLst>
+              </p:cTn>
+              <p:prevCondLst>
+                <p:cond evt="onPrev" delay="0">
+                  <p:tgtEl>
+                    <p:sldTgt/>
+                  </p:tgtEl>
+                </p:cond>
+              </p:prevCondLst>
+              <p:nextCondLst>
+                <p:cond evt="onNext" delay="0">
+                  <p:tgtEl>
+                    <p:sldTgt/>
+                  </p:tgtEl>
+                </p:cond>
+              </p:nextCondLst>
+            </p:seq>
+          </p:childTnLst>
+        </p:cTn>
+      </p:par>
+    </p:tnLst>
+  </p:timing>
+</p:sld>
+</file>
+
+<file path=ppt/slides/slide13.xml><?xml version="1.0" encoding="utf-8"?>
+<p:sld xmlns:a="http://schemas.openxmlformats.org/drawingml/2006/main" xmlns:r="http://schemas.openxmlformats.org/officeDocument/2006/relationships" xmlns:p="http://schemas.openxmlformats.org/presentationml/2006/main">
+  <p:cSld>
+    <p:spTree>
+      <p:nvGrpSpPr>
+        <p:cNvPr id="1" name=""/>
+        <p:cNvGrpSpPr/>
+        <p:nvPr/>
+      </p:nvGrpSpPr>
+      <p:grpSpPr>
+        <a:xfrm>
+          <a:off x="0" y="0"/>
+          <a:ext cx="0" cy="0"/>
+          <a:chOff x="0" y="0"/>
+          <a:chExt cx="0" cy="0"/>
+        </a:xfrm>
+      </p:grpSpPr>
+      <p:sp>
+        <p:nvSpPr>
+          <p:cNvPr id="2" name="Content Placeholder 1"/>
+          <p:cNvSpPr>
+            <a:spLocks noGrp="1"/>
+          </p:cNvSpPr>
+          <p:nvPr>
+            <p:ph idx="1"/>
+          </p:nvPr>
+        </p:nvSpPr>
+        <p:spPr>
+          <a:xfrm>
+            <a:off x="323528" y="1308100"/>
+            <a:ext cx="8496944" cy="2053456"/>
+          </a:xfrm>
+        </p:spPr>
+        <p:txBody>
+          <a:bodyPr/>
+          <a:lstStyle/>
+          <a:p>
+            <a:r>
+              <a:rPr lang="en-US" altLang="zh-CN" sz="2400" b="1" dirty="0" smtClean="0">
+                <a:latin typeface="微软雅黑" pitchFamily="34" charset="-122"/>
+                <a:ea typeface="微软雅黑" pitchFamily="34" charset="-122"/>
+              </a:rPr>
+              <a:t>AFS</a:t>
+            </a:r>
+            <a:r>
+              <a:rPr lang="zh-CN" altLang="en-US" sz="2400" b="1" dirty="0">
+                <a:latin typeface="微软雅黑" pitchFamily="34" charset="-122"/>
+                <a:ea typeface="微软雅黑" pitchFamily="34" charset="-122"/>
+              </a:rPr>
+              <a:t>广告分类特征优化</a:t>
+            </a:r>
+            <a:endParaRPr lang="en-US" altLang="zh-CN" sz="2400" b="1" dirty="0">
+              <a:latin typeface="微软雅黑" pitchFamily="34" charset="-122"/>
+              <a:ea typeface="微软雅黑" pitchFamily="34" charset="-122"/>
+            </a:endParaRPr>
+          </a:p>
+          <a:p>
+            <a:pPr lvl="1"/>
+            <a:r>
+              <a:rPr lang="zh-CN" altLang="en-US" sz="1400" dirty="0" smtClean="0">
+                <a:latin typeface="微软雅黑" pitchFamily="34" charset="-122"/>
+                <a:ea typeface="微软雅黑" pitchFamily="34" charset="-122"/>
+              </a:rPr>
+              <a:t>策略背</a:t>
+            </a:r>
+            <a:r>
+              <a:rPr lang="zh-CN" altLang="en-US" sz="1400" dirty="0">
+                <a:latin typeface="微软雅黑" pitchFamily="34" charset="-122"/>
+                <a:ea typeface="微软雅黑" pitchFamily="34" charset="-122"/>
+              </a:rPr>
+              <a:t>景</a:t>
+            </a:r>
+            <a:r>
+              <a:rPr lang="zh-CN" altLang="en-US" sz="1400" dirty="0" smtClean="0">
+                <a:latin typeface="微软雅黑" pitchFamily="34" charset="-122"/>
+                <a:ea typeface="微软雅黑" pitchFamily="34" charset="-122"/>
+              </a:rPr>
+              <a:t>：</a:t>
+            </a:r>
+            <a:r>
+              <a:rPr lang="en-US" altLang="zh-CN" sz="1400" dirty="0" smtClean="0">
+                <a:latin typeface="微软雅黑" pitchFamily="34" charset="-122"/>
+                <a:ea typeface="微软雅黑" pitchFamily="34" charset="-122"/>
+              </a:rPr>
+              <a:t>AFS</a:t>
+            </a:r>
+            <a:r>
+              <a:rPr lang="zh-CN" altLang="en-US" sz="1400" dirty="0" smtClean="0">
+                <a:latin typeface="微软雅黑" pitchFamily="34" charset="-122"/>
+                <a:ea typeface="微软雅黑" pitchFamily="34" charset="-122"/>
+              </a:rPr>
+              <a:t>广告分类特征被</a:t>
+            </a:r>
+            <a:r>
+              <a:rPr lang="en-US" altLang="zh-CN" sz="1400" dirty="0" smtClean="0">
+                <a:latin typeface="微软雅黑" pitchFamily="34" charset="-122"/>
+                <a:ea typeface="微软雅黑" pitchFamily="34" charset="-122"/>
+              </a:rPr>
+              <a:t>KT</a:t>
+            </a:r>
+            <a:r>
+              <a:rPr lang="zh-CN" altLang="en-US" sz="1400" dirty="0" smtClean="0">
+                <a:latin typeface="微软雅黑" pitchFamily="34" charset="-122"/>
+                <a:ea typeface="微软雅黑" pitchFamily="34" charset="-122"/>
+              </a:rPr>
+              <a:t>行业矩阵及</a:t>
+            </a:r>
+            <a:r>
+              <a:rPr lang="en-US" altLang="zh-CN" sz="1400" dirty="0" smtClean="0">
+                <a:latin typeface="微软雅黑" pitchFamily="34" charset="-122"/>
+                <a:ea typeface="微软雅黑" pitchFamily="34" charset="-122"/>
+              </a:rPr>
+              <a:t>CTR</a:t>
+            </a:r>
+            <a:r>
+              <a:rPr lang="zh-CN" altLang="en-US" sz="1400" dirty="0" smtClean="0">
+                <a:latin typeface="微软雅黑" pitchFamily="34" charset="-122"/>
+                <a:ea typeface="微软雅黑" pitchFamily="34" charset="-122"/>
+              </a:rPr>
+              <a:t>预估引用，但原设计较重，常期占用大量计算资源，每次更新需要</a:t>
+            </a:r>
+            <a:r>
+              <a:rPr lang="en-US" altLang="zh-CN" sz="1400" dirty="0" smtClean="0">
+                <a:latin typeface="微软雅黑" pitchFamily="34" charset="-122"/>
+                <a:ea typeface="微软雅黑" pitchFamily="34" charset="-122"/>
+              </a:rPr>
+              <a:t>30+</a:t>
+            </a:r>
+            <a:r>
+              <a:rPr lang="zh-CN" altLang="en-US" sz="1400" dirty="0" smtClean="0">
+                <a:latin typeface="微软雅黑" pitchFamily="34" charset="-122"/>
+                <a:ea typeface="微软雅黑" pitchFamily="34" charset="-122"/>
+              </a:rPr>
+              <a:t>小时计算时间和单机</a:t>
+            </a:r>
+            <a:r>
+              <a:rPr lang="en-US" altLang="zh-CN" sz="1400" dirty="0" smtClean="0">
+                <a:latin typeface="微软雅黑" pitchFamily="34" charset="-122"/>
+                <a:ea typeface="微软雅黑" pitchFamily="34" charset="-122"/>
+              </a:rPr>
+              <a:t>40+G</a:t>
+            </a:r>
+            <a:r>
+              <a:rPr lang="zh-CN" altLang="en-US" sz="1400" dirty="0" smtClean="0">
+                <a:latin typeface="微软雅黑" pitchFamily="34" charset="-122"/>
+                <a:ea typeface="微软雅黑" pitchFamily="34" charset="-122"/>
+              </a:rPr>
+              <a:t>内存消耗，成为系统的痛点</a:t>
+            </a:r>
+            <a:endParaRPr lang="zh-CN" altLang="en-US" sz="1400" dirty="0">
+              <a:latin typeface="微软雅黑" pitchFamily="34" charset="-122"/>
+              <a:ea typeface="微软雅黑" pitchFamily="34" charset="-122"/>
+            </a:endParaRPr>
+          </a:p>
+          <a:p>
+            <a:pPr lvl="1"/>
+            <a:r>
+              <a:rPr lang="zh-CN" altLang="en-US" sz="1400" dirty="0" smtClean="0">
+                <a:latin typeface="微软雅黑" pitchFamily="34" charset="-122"/>
+                <a:ea typeface="微软雅黑" pitchFamily="34" charset="-122"/>
+              </a:rPr>
+              <a:t>主要工作：由于</a:t>
+            </a:r>
+            <a:r>
+              <a:rPr lang="en-US" altLang="zh-CN" sz="1400" dirty="0" smtClean="0">
+                <a:latin typeface="微软雅黑" pitchFamily="34" charset="-122"/>
+                <a:ea typeface="微软雅黑" pitchFamily="34" charset="-122"/>
+              </a:rPr>
+              <a:t>AFS</a:t>
+            </a:r>
+            <a:r>
+              <a:rPr lang="zh-CN" altLang="en-US" sz="1400" dirty="0" smtClean="0">
+                <a:latin typeface="微软雅黑" pitchFamily="34" charset="-122"/>
+                <a:ea typeface="微软雅黑" pitchFamily="34" charset="-122"/>
+              </a:rPr>
+              <a:t>广告分类逻辑线比较长，所以放弃了使用集群平台的迁移，使用整理逻辑的快速方案；</a:t>
+            </a:r>
+            <a:r>
+              <a:rPr lang="zh-CN" altLang="en-US" sz="1400" dirty="0">
+                <a:latin typeface="微软雅黑" pitchFamily="34" charset="-122"/>
+                <a:ea typeface="微软雅黑" pitchFamily="34" charset="-122"/>
+              </a:rPr>
+              <a:t>整理逻辑，取消影响不大的原特征凤巢同</a:t>
+            </a:r>
+            <a:r>
+              <a:rPr lang="en-US" altLang="zh-CN" sz="1400" dirty="0">
+                <a:latin typeface="微软雅黑" pitchFamily="34" charset="-122"/>
+                <a:ea typeface="微软雅黑" pitchFamily="34" charset="-122"/>
+              </a:rPr>
+              <a:t>user</a:t>
+            </a:r>
+            <a:r>
+              <a:rPr lang="zh-CN" altLang="en-US" sz="1400" dirty="0">
+                <a:latin typeface="微软雅黑" pitchFamily="34" charset="-122"/>
+                <a:ea typeface="微软雅黑" pitchFamily="34" charset="-122"/>
+              </a:rPr>
+              <a:t>买词；用展现</a:t>
+            </a:r>
+            <a:r>
+              <a:rPr lang="en-US" altLang="zh-CN" sz="1400" dirty="0">
+                <a:latin typeface="微软雅黑" pitchFamily="34" charset="-122"/>
+                <a:ea typeface="微软雅黑" pitchFamily="34" charset="-122"/>
+              </a:rPr>
+              <a:t>bid-words</a:t>
+            </a:r>
+            <a:r>
+              <a:rPr lang="zh-CN" altLang="en-US" sz="1400" dirty="0">
+                <a:latin typeface="微软雅黑" pitchFamily="34" charset="-122"/>
+                <a:ea typeface="微软雅黑" pitchFamily="34" charset="-122"/>
+              </a:rPr>
+              <a:t>取代全库</a:t>
+            </a:r>
+            <a:r>
+              <a:rPr lang="en-US" altLang="zh-CN" sz="1400" dirty="0">
+                <a:latin typeface="微软雅黑" pitchFamily="34" charset="-122"/>
+                <a:ea typeface="微软雅黑" pitchFamily="34" charset="-122"/>
+              </a:rPr>
+              <a:t>bid-words</a:t>
+            </a:r>
+            <a:r>
+              <a:rPr lang="zh-CN" altLang="en-US" sz="1400" dirty="0">
+                <a:latin typeface="微软雅黑" pitchFamily="34" charset="-122"/>
+                <a:ea typeface="微软雅黑" pitchFamily="34" charset="-122"/>
+              </a:rPr>
+              <a:t>，降低计算</a:t>
+            </a:r>
+            <a:r>
+              <a:rPr lang="zh-CN" altLang="en-US" sz="1400" dirty="0" smtClean="0">
+                <a:latin typeface="微软雅黑" pitchFamily="34" charset="-122"/>
+                <a:ea typeface="微软雅黑" pitchFamily="34" charset="-122"/>
+              </a:rPr>
+              <a:t>量</a:t>
+            </a:r>
+            <a:endParaRPr lang="en-US" altLang="zh-CN" sz="1400" dirty="0" smtClean="0">
+              <a:latin typeface="微软雅黑" pitchFamily="34" charset="-122"/>
+              <a:ea typeface="微软雅黑" pitchFamily="34" charset="-122"/>
+            </a:endParaRPr>
+          </a:p>
+          <a:p>
+            <a:pPr lvl="1"/>
+            <a:r>
+              <a:rPr lang="zh-CN" altLang="en-US" sz="1400" dirty="0" smtClean="0">
+                <a:latin typeface="微软雅黑" pitchFamily="34" charset="-122"/>
+                <a:ea typeface="微软雅黑" pitchFamily="34" charset="-122"/>
+              </a:rPr>
+              <a:t>策</a:t>
+            </a:r>
+            <a:r>
+              <a:rPr lang="zh-CN" altLang="en-US" sz="1400" dirty="0">
+                <a:latin typeface="微软雅黑" pitchFamily="34" charset="-122"/>
+                <a:ea typeface="微软雅黑" pitchFamily="34" charset="-122"/>
+              </a:rPr>
+              <a:t>略效果：</a:t>
+            </a:r>
+            <a:r>
+              <a:rPr lang="en-US" altLang="zh-CN" sz="1400" dirty="0">
+                <a:latin typeface="微软雅黑" pitchFamily="34" charset="-122"/>
+                <a:ea typeface="微软雅黑" pitchFamily="34" charset="-122"/>
+              </a:rPr>
+              <a:t>AFS</a:t>
+            </a:r>
+            <a:r>
+              <a:rPr lang="zh-CN" altLang="en-US" sz="1400" dirty="0">
+                <a:latin typeface="微软雅黑" pitchFamily="34" charset="-122"/>
+                <a:ea typeface="微软雅黑" pitchFamily="34" charset="-122"/>
+              </a:rPr>
+              <a:t>广告分类准确率</a:t>
+            </a:r>
+            <a:r>
+              <a:rPr lang="en-US" altLang="zh-CN" sz="1400" dirty="0">
+                <a:latin typeface="微软雅黑" pitchFamily="34" charset="-122"/>
+                <a:ea typeface="微软雅黑" pitchFamily="34" charset="-122"/>
+              </a:rPr>
+              <a:t>85%</a:t>
+            </a:r>
+            <a:r>
+              <a:rPr lang="zh-CN" altLang="en-US" sz="1400" dirty="0">
+                <a:latin typeface="微软雅黑" pitchFamily="34" charset="-122"/>
+                <a:ea typeface="微软雅黑" pitchFamily="34" charset="-122"/>
+              </a:rPr>
+              <a:t>，全通道特征覆盖率 </a:t>
+            </a:r>
+            <a:r>
+              <a:rPr lang="en-US" altLang="zh-CN" sz="1400" dirty="0">
+                <a:latin typeface="微软雅黑" pitchFamily="34" charset="-122"/>
+                <a:ea typeface="微软雅黑" pitchFamily="34" charset="-122"/>
+              </a:rPr>
+              <a:t>78%</a:t>
+            </a:r>
+            <a:r>
+              <a:rPr lang="zh-CN" altLang="en-US" sz="1400" dirty="0">
+                <a:latin typeface="微软雅黑" pitchFamily="34" charset="-122"/>
+                <a:ea typeface="微软雅黑" pitchFamily="34" charset="-122"/>
+              </a:rPr>
+              <a:t>（</a:t>
+            </a:r>
+            <a:r>
+              <a:rPr lang="en-US" altLang="zh-CN" sz="1400" dirty="0">
+                <a:latin typeface="微软雅黑" pitchFamily="34" charset="-122"/>
+                <a:ea typeface="微软雅黑" pitchFamily="34" charset="-122"/>
+              </a:rPr>
+              <a:t>KT</a:t>
+            </a:r>
+            <a:r>
+              <a:rPr lang="zh-CN" altLang="en-US" sz="1400" dirty="0">
+                <a:latin typeface="微软雅黑" pitchFamily="34" charset="-122"/>
+                <a:ea typeface="微软雅黑" pitchFamily="34" charset="-122"/>
+              </a:rPr>
+              <a:t>通道</a:t>
+            </a:r>
+            <a:r>
+              <a:rPr lang="en-US" altLang="zh-CN" sz="1400" dirty="0">
+                <a:latin typeface="微软雅黑" pitchFamily="34" charset="-122"/>
+                <a:ea typeface="微软雅黑" pitchFamily="34" charset="-122"/>
+              </a:rPr>
+              <a:t> 92%</a:t>
+            </a:r>
+            <a:r>
+              <a:rPr lang="zh-CN" altLang="en-US" sz="1400" dirty="0">
+                <a:latin typeface="微软雅黑" pitchFamily="34" charset="-122"/>
+                <a:ea typeface="微软雅黑" pitchFamily="34" charset="-122"/>
+              </a:rPr>
+              <a:t>），</a:t>
+            </a:r>
+            <a:r>
+              <a:rPr lang="zh-CN" altLang="en-US" sz="1400" dirty="0">
+                <a:solidFill>
+                  <a:srgbClr val="00B050"/>
+                </a:solidFill>
+                <a:latin typeface="微软雅黑" pitchFamily="34" charset="-122"/>
+                <a:ea typeface="微软雅黑" pitchFamily="34" charset="-122"/>
+              </a:rPr>
+              <a:t>计算时间从平均</a:t>
+            </a:r>
+            <a:r>
+              <a:rPr lang="en-US" altLang="zh-CN" sz="1400" dirty="0">
+                <a:solidFill>
+                  <a:srgbClr val="00B050"/>
+                </a:solidFill>
+                <a:latin typeface="微软雅黑" pitchFamily="34" charset="-122"/>
+                <a:ea typeface="微软雅黑" pitchFamily="34" charset="-122"/>
+              </a:rPr>
+              <a:t>30</a:t>
+            </a:r>
+            <a:r>
+              <a:rPr lang="zh-CN" altLang="en-US" sz="1400" dirty="0">
+                <a:solidFill>
+                  <a:srgbClr val="00B050"/>
+                </a:solidFill>
+                <a:latin typeface="微软雅黑" pitchFamily="34" charset="-122"/>
+                <a:ea typeface="微软雅黑" pitchFamily="34" charset="-122"/>
+              </a:rPr>
+              <a:t>小时降低至</a:t>
+            </a:r>
+            <a:r>
+              <a:rPr lang="en-US" altLang="zh-CN" sz="1400" dirty="0">
+                <a:solidFill>
+                  <a:srgbClr val="00B050"/>
+                </a:solidFill>
+                <a:latin typeface="微软雅黑" pitchFamily="34" charset="-122"/>
+                <a:ea typeface="微软雅黑" pitchFamily="34" charset="-122"/>
+              </a:rPr>
+              <a:t>6</a:t>
+            </a:r>
+            <a:r>
+              <a:rPr lang="zh-CN" altLang="en-US" sz="1400" dirty="0">
+                <a:solidFill>
+                  <a:srgbClr val="00B050"/>
+                </a:solidFill>
+                <a:latin typeface="微软雅黑" pitchFamily="34" charset="-122"/>
+                <a:ea typeface="微软雅黑" pitchFamily="34" charset="-122"/>
+              </a:rPr>
+              <a:t>小时内，最大内存占用从</a:t>
+            </a:r>
+            <a:r>
+              <a:rPr lang="en-US" altLang="zh-CN" sz="1400" dirty="0">
+                <a:solidFill>
+                  <a:srgbClr val="00B050"/>
+                </a:solidFill>
+                <a:latin typeface="微软雅黑" pitchFamily="34" charset="-122"/>
+                <a:ea typeface="微软雅黑" pitchFamily="34" charset="-122"/>
+              </a:rPr>
+              <a:t>40G+</a:t>
+            </a:r>
+            <a:r>
+              <a:rPr lang="zh-CN" altLang="en-US" sz="1400" dirty="0">
+                <a:solidFill>
+                  <a:srgbClr val="00B050"/>
+                </a:solidFill>
+                <a:latin typeface="微软雅黑" pitchFamily="34" charset="-122"/>
+                <a:ea typeface="微软雅黑" pitchFamily="34" charset="-122"/>
+              </a:rPr>
+              <a:t>降至</a:t>
+            </a:r>
+            <a:r>
+              <a:rPr lang="en-US" altLang="zh-CN" sz="1400" dirty="0">
+                <a:solidFill>
+                  <a:srgbClr val="00B050"/>
+                </a:solidFill>
+                <a:latin typeface="微软雅黑" pitchFamily="34" charset="-122"/>
+                <a:ea typeface="微软雅黑" pitchFamily="34" charset="-122"/>
+              </a:rPr>
+              <a:t>10G</a:t>
+            </a:r>
+            <a:r>
+              <a:rPr lang="zh-CN" altLang="en-US" sz="1400" dirty="0">
+                <a:solidFill>
+                  <a:srgbClr val="00B050"/>
+                </a:solidFill>
+                <a:latin typeface="微软雅黑" pitchFamily="34" charset="-122"/>
+                <a:ea typeface="微软雅黑" pitchFamily="34" charset="-122"/>
+              </a:rPr>
+              <a:t>以</a:t>
+            </a:r>
+            <a:r>
+              <a:rPr lang="zh-CN" altLang="en-US" sz="1400" dirty="0" smtClean="0">
+                <a:solidFill>
+                  <a:srgbClr val="00B050"/>
+                </a:solidFill>
+                <a:latin typeface="微软雅黑" pitchFamily="34" charset="-122"/>
+                <a:ea typeface="微软雅黑" pitchFamily="34" charset="-122"/>
+              </a:rPr>
+              <a:t>内</a:t>
+            </a:r>
+            <a:endParaRPr lang="en-US" altLang="zh-CN" sz="1400" dirty="0">
+              <a:solidFill>
+                <a:srgbClr val="00B050"/>
+              </a:solidFill>
+              <a:latin typeface="微软雅黑" pitchFamily="34" charset="-122"/>
+              <a:ea typeface="微软雅黑" pitchFamily="34" charset="-122"/>
+            </a:endParaRPr>
+          </a:p>
+        </p:txBody>
+      </p:sp>
+      <p:sp>
+        <p:nvSpPr>
+          <p:cNvPr id="3" name="标题 1"/>
+          <p:cNvSpPr txBox="1">
+            <a:spLocks/>
+          </p:cNvSpPr>
+          <p:nvPr/>
+        </p:nvSpPr>
+        <p:spPr bwMode="auto">
+          <a:xfrm>
+            <a:off x="282781" y="265212"/>
+            <a:ext cx="8362950" cy="720080"/>
+          </a:xfrm>
+          <a:prstGeom prst="rect">
+            <a:avLst/>
+          </a:prstGeom>
+          <a:noFill/>
+          <a:extLst>
+            <a:ext uri="{909E8E84-426E-40DD-AFC4-6F175D3DCCD1}">
+              <a14:hiddenFill xmlns:a14="http://schemas.microsoft.com/office/drawing/2010/main">
+                <a:solidFill>
+                  <a:srgbClr val="FFFFFF"/>
+                </a:solidFill>
+              </a14:hiddenFill>
+            </a:ext>
+            <a:ext uri="{91240B29-F687-4F45-9708-019B960494DF}">
+              <a14:hiddenLine xmlns:a14="http://schemas.microsoft.com/office/drawing/2010/main" w="9525">
+                <a:solidFill>
+                  <a:srgbClr val="000000"/>
+                </a:solidFill>
+                <a:miter lim="800000"/>
+                <a:headEnd/>
+                <a:tailEnd/>
+              </a14:hiddenLine>
+            </a:ext>
+          </a:extLst>
+        </p:spPr>
+        <p:txBody>
+          <a:bodyPr vert="horz" wrap="square" lIns="91440" tIns="45720" rIns="91440" bIns="45720" numCol="1" anchor="t" anchorCtr="0" compatLnSpc="1">
+            <a:prstTxWarp prst="textNoShape">
+              <a:avLst/>
+            </a:prstTxWarp>
+          </a:bodyPr>
+          <a:lstStyle>
+            <a:lvl1pPr algn="l" rtl="0" eaLnBrk="0" fontAlgn="base" hangingPunct="0">
+              <a:spcBef>
+                <a:spcPct val="0"/>
+              </a:spcBef>
+              <a:spcAft>
+                <a:spcPct val="0"/>
+              </a:spcAft>
+              <a:defRPr sz="3200" b="1">
+                <a:solidFill>
+                  <a:schemeClr val="bg1"/>
+                </a:solidFill>
+                <a:latin typeface="+mj-lt"/>
+                <a:ea typeface="+mj-ea"/>
+                <a:cs typeface="华文黑体"/>
+              </a:defRPr>
+            </a:lvl1pPr>
+            <a:lvl2pPr algn="l" rtl="0" eaLnBrk="0" fontAlgn="base" hangingPunct="0">
+              <a:spcBef>
+                <a:spcPct val="0"/>
+              </a:spcBef>
+              <a:spcAft>
+                <a:spcPct val="0"/>
+              </a:spcAft>
+              <a:defRPr sz="3200" b="1">
+                <a:solidFill>
+                  <a:schemeClr val="bg1"/>
+                </a:solidFill>
+                <a:latin typeface="Arial" charset="0"/>
+                <a:ea typeface="华文黑体" charset="-122"/>
+                <a:cs typeface="华文黑体"/>
+              </a:defRPr>
+            </a:lvl2pPr>
+            <a:lvl3pPr algn="l" rtl="0" eaLnBrk="0" fontAlgn="base" hangingPunct="0">
+              <a:spcBef>
+                <a:spcPct val="0"/>
+              </a:spcBef>
+              <a:spcAft>
+                <a:spcPct val="0"/>
+              </a:spcAft>
+              <a:defRPr sz="3200" b="1">
+                <a:solidFill>
+                  <a:schemeClr val="bg1"/>
+                </a:solidFill>
+                <a:latin typeface="Arial" charset="0"/>
+                <a:ea typeface="华文黑体" charset="-122"/>
+                <a:cs typeface="华文黑体"/>
+              </a:defRPr>
+            </a:lvl3pPr>
+            <a:lvl4pPr algn="l" rtl="0" eaLnBrk="0" fontAlgn="base" hangingPunct="0">
+              <a:spcBef>
+                <a:spcPct val="0"/>
+              </a:spcBef>
+              <a:spcAft>
+                <a:spcPct val="0"/>
+              </a:spcAft>
+              <a:defRPr sz="3200" b="1">
+                <a:solidFill>
+                  <a:schemeClr val="bg1"/>
+                </a:solidFill>
+                <a:latin typeface="Arial" charset="0"/>
+                <a:ea typeface="华文黑体" charset="-122"/>
+                <a:cs typeface="华文黑体"/>
+              </a:defRPr>
+            </a:lvl4pPr>
+            <a:lvl5pPr algn="l" rtl="0" eaLnBrk="0" fontAlgn="base" hangingPunct="0">
+              <a:spcBef>
+                <a:spcPct val="0"/>
+              </a:spcBef>
+              <a:spcAft>
+                <a:spcPct val="0"/>
+              </a:spcAft>
+              <a:defRPr sz="3200" b="1">
+                <a:solidFill>
+                  <a:schemeClr val="bg1"/>
+                </a:solidFill>
+                <a:latin typeface="Arial" charset="0"/>
+                <a:ea typeface="华文黑体" charset="-122"/>
+                <a:cs typeface="华文黑体"/>
+              </a:defRPr>
+            </a:lvl5pPr>
+            <a:lvl6pPr marL="457200" algn="l" rtl="0" fontAlgn="base">
+              <a:spcBef>
+                <a:spcPct val="0"/>
+              </a:spcBef>
+              <a:spcAft>
+                <a:spcPct val="0"/>
+              </a:spcAft>
+              <a:defRPr sz="3200" b="1">
+                <a:solidFill>
+                  <a:schemeClr val="bg1"/>
+                </a:solidFill>
+                <a:latin typeface="Arial" charset="0"/>
+                <a:ea typeface="华文黑体" charset="-122"/>
+              </a:defRPr>
+            </a:lvl6pPr>
+            <a:lvl7pPr marL="914400" algn="l" rtl="0" fontAlgn="base">
+              <a:spcBef>
+                <a:spcPct val="0"/>
+              </a:spcBef>
+              <a:spcAft>
+                <a:spcPct val="0"/>
+              </a:spcAft>
+              <a:defRPr sz="3200" b="1">
+                <a:solidFill>
+                  <a:schemeClr val="bg1"/>
+                </a:solidFill>
+                <a:latin typeface="Arial" charset="0"/>
+                <a:ea typeface="华文黑体" charset="-122"/>
+              </a:defRPr>
+            </a:lvl7pPr>
+            <a:lvl8pPr marL="1371600" algn="l" rtl="0" fontAlgn="base">
+              <a:spcBef>
+                <a:spcPct val="0"/>
+              </a:spcBef>
+              <a:spcAft>
+                <a:spcPct val="0"/>
+              </a:spcAft>
+              <a:defRPr sz="3200" b="1">
+                <a:solidFill>
+                  <a:schemeClr val="bg1"/>
+                </a:solidFill>
+                <a:latin typeface="Arial" charset="0"/>
+                <a:ea typeface="华文黑体" charset="-122"/>
+              </a:defRPr>
+            </a:lvl8pPr>
+            <a:lvl9pPr marL="1828800" algn="l" rtl="0" fontAlgn="base">
+              <a:spcBef>
+                <a:spcPct val="0"/>
+              </a:spcBef>
+              <a:spcAft>
+                <a:spcPct val="0"/>
+              </a:spcAft>
+              <a:defRPr sz="3200" b="1">
+                <a:solidFill>
+                  <a:schemeClr val="bg1"/>
+                </a:solidFill>
+                <a:latin typeface="Arial" charset="0"/>
+                <a:ea typeface="华文黑体" charset="-122"/>
+              </a:defRPr>
+            </a:lvl9pPr>
+          </a:lstStyle>
+          <a:p>
+            <a:pPr eaLnBrk="1" hangingPunct="1"/>
+            <a:r>
+              <a:rPr lang="en-US" altLang="zh-CN" dirty="0">
+                <a:solidFill>
+                  <a:schemeClr val="tx1"/>
+                </a:solidFill>
+                <a:latin typeface="微软雅黑" pitchFamily="34" charset="-122"/>
+                <a:ea typeface="微软雅黑" pitchFamily="34" charset="-122"/>
+              </a:rPr>
+              <a:t>T4</a:t>
+            </a:r>
+            <a:r>
+              <a:rPr lang="zh-CN" altLang="en-US" dirty="0">
+                <a:solidFill>
+                  <a:schemeClr val="tx1"/>
+                </a:solidFill>
+                <a:latin typeface="微软雅黑" pitchFamily="34" charset="-122"/>
+                <a:ea typeface="微软雅黑" pitchFamily="34" charset="-122"/>
+              </a:rPr>
+              <a:t>晋升以来其他工作</a:t>
+            </a:r>
+            <a:r>
+              <a:rPr lang="en-US" altLang="zh-CN" dirty="0">
+                <a:solidFill>
+                  <a:schemeClr val="tx1"/>
+                </a:solidFill>
+                <a:latin typeface="微软雅黑" pitchFamily="34" charset="-122"/>
+                <a:ea typeface="微软雅黑" pitchFamily="34" charset="-122"/>
+              </a:rPr>
+              <a:t>-</a:t>
+            </a:r>
+            <a:r>
+              <a:rPr lang="zh-CN" altLang="en-US" dirty="0">
+                <a:solidFill>
+                  <a:schemeClr val="tx1"/>
+                </a:solidFill>
+                <a:latin typeface="微软雅黑" pitchFamily="34" charset="-122"/>
+                <a:ea typeface="微软雅黑" pitchFamily="34" charset="-122"/>
+              </a:rPr>
+              <a:t>广</a:t>
+            </a:r>
+            <a:r>
+              <a:rPr lang="zh-CN" altLang="en-US" dirty="0" smtClean="0">
+                <a:solidFill>
+                  <a:schemeClr val="tx1"/>
+                </a:solidFill>
+                <a:latin typeface="微软雅黑" pitchFamily="34" charset="-122"/>
+                <a:ea typeface="微软雅黑" pitchFamily="34" charset="-122"/>
+              </a:rPr>
+              <a:t>告</a:t>
+            </a:r>
+            <a:r>
+              <a:rPr lang="zh-CN" altLang="en-US" dirty="0">
+                <a:solidFill>
+                  <a:schemeClr val="tx1"/>
+                </a:solidFill>
+                <a:latin typeface="微软雅黑" pitchFamily="34" charset="-122"/>
+                <a:ea typeface="微软雅黑" pitchFamily="34" charset="-122"/>
+              </a:rPr>
+              <a:t>分</a:t>
+            </a:r>
+            <a:r>
+              <a:rPr lang="zh-CN" altLang="en-US" dirty="0" smtClean="0">
+                <a:solidFill>
+                  <a:schemeClr val="tx1"/>
+                </a:solidFill>
+                <a:latin typeface="微软雅黑" pitchFamily="34" charset="-122"/>
+                <a:ea typeface="微软雅黑" pitchFamily="34" charset="-122"/>
+              </a:rPr>
+              <a:t>类优化</a:t>
+            </a:r>
+            <a:endParaRPr lang="zh-CN" altLang="en-US" dirty="0">
+              <a:solidFill>
+                <a:schemeClr val="tx1"/>
+              </a:solidFill>
+              <a:latin typeface="微软雅黑" pitchFamily="34" charset="-122"/>
+              <a:ea typeface="微软雅黑" pitchFamily="34" charset="-122"/>
+            </a:endParaRPr>
+          </a:p>
+          <a:p>
+            <a:pPr eaLnBrk="1" hangingPunct="1"/>
+            <a:endParaRPr lang="zh-CN" altLang="en-US" dirty="0">
+              <a:solidFill>
+                <a:schemeClr val="tx1"/>
+              </a:solidFill>
+              <a:latin typeface="微软雅黑" pitchFamily="34" charset="-122"/>
+              <a:ea typeface="微软雅黑" pitchFamily="34" charset="-122"/>
+            </a:endParaRPr>
+          </a:p>
+        </p:txBody>
+      </p:sp>
+      <p:pic>
+        <p:nvPicPr>
+          <p:cNvPr id="2050" name="Picture 2"/>
+          <p:cNvPicPr>
+            <a:picLocks noChangeAspect="1" noChangeArrowheads="1"/>
+          </p:cNvPicPr>
+          <p:nvPr/>
+        </p:nvPicPr>
+        <p:blipFill>
+          <a:blip r:embed="rId3">
+            <a:extLst>
+              <a:ext uri="{28A0092B-C50C-407E-A947-70E740481C1C}">
+                <a14:useLocalDpi xmlns:a14="http://schemas.microsoft.com/office/drawing/2010/main" val="0"/>
+              </a:ext>
+            </a:extLst>
+          </a:blip>
+          <a:srcRect/>
+          <a:stretch>
+            <a:fillRect/>
+          </a:stretch>
+        </p:blipFill>
+        <p:spPr bwMode="auto">
+          <a:xfrm>
+            <a:off x="827584" y="3361556"/>
+            <a:ext cx="5953058" cy="1954448"/>
+          </a:xfrm>
+          <a:prstGeom prst="rect">
+            <a:avLst/>
+          </a:prstGeom>
+          <a:noFill/>
+          <a:ln>
+            <a:noFill/>
+          </a:ln>
+          <a:effectLst/>
+          <a:extLst>
+            <a:ext uri="{909E8E84-426E-40DD-AFC4-6F175D3DCCD1}">
+              <a14:hiddenFill xmlns:a14="http://schemas.microsoft.com/office/drawing/2010/main">
+                <a:solidFill>
+                  <a:schemeClr val="accent1"/>
+                </a:solidFill>
+              </a14:hiddenFill>
+            </a:ext>
+            <a:ext uri="{91240B29-F687-4F45-9708-019B960494DF}">
+              <a14:hiddenLine xmlns:a14="http://schemas.microsoft.com/office/drawing/2010/main" w="9525">
+                <a:solidFill>
+                  <a:schemeClr val="tx1"/>
+                </a:solidFill>
+                <a:miter lim="800000"/>
+                <a:headEnd/>
+                <a:tailEnd/>
+              </a14:hiddenLine>
+            </a:ext>
+            <a:ext uri="{AF507438-7753-43E0-B8FC-AC1667EBCBE1}">
+              <a14:hiddenEffects xmlns:a14="http://schemas.microsoft.com/office/drawing/2010/main">
+                <a:effectLst>
+                  <a:outerShdw dist="35921" dir="2700000" algn="ctr" rotWithShape="0">
+                    <a:schemeClr val="bg2"/>
+                  </a:outerShdw>
+                </a:effectLst>
+              </a14:hiddenEffects>
+            </a:ext>
+          </a:extLst>
+        </p:spPr>
+      </p:pic>
+    </p:spTree>
+    <p:extLst>
+      <p:ext uri="{BB962C8B-B14F-4D97-AF65-F5344CB8AC3E}">
+        <p14:creationId xmlns:p14="http://schemas.microsoft.com/office/powerpoint/2010/main" val="4285894081"/>
+      </p:ext>
+    </p:extLst>
+  </p:cSld>
+  <p:clrMapOvr>
+    <a:masterClrMapping/>
+  </p:clrMapOvr>
+  <p:timing>
+    <p:tnLst>
+      <p:par>
+        <p:cTn id="1" dur="indefinite" restart="never" nodeType="tmRoot"/>
+      </p:par>
+    </p:tnLst>
+  </p:timing>
+</p:sld>
+</file>
+
+<file path=ppt/slides/slide14.xml><?xml version="1.0" encoding="utf-8"?>
 <p:sld xmlns:a="http://schemas.openxmlformats.org/drawingml/2006/main" xmlns:r="http://schemas.openxmlformats.org/officeDocument/2006/relationships" xmlns:p="http://schemas.openxmlformats.org/presentationml/2006/main">
   <p:cSld>
     <p:spTree>
@@ -8371,36 +10331,337 @@
           <a:bodyPr/>
           <a:lstStyle/>
           <a:p>
-            <a:pPr marL="0" indent="0">
-              <a:buNone/>
+            <a:pPr>
+              <a:buFont typeface="Wingdings" pitchFamily="2" charset="2"/>
+              <a:buChar char="q"/>
             </a:pPr>
             <a:r>
-              <a:rPr lang="en-US" altLang="zh-CN" sz="1800" dirty="0" smtClean="0">
-                <a:latin typeface="微软雅黑" pitchFamily="34" charset="-122"/>
-                <a:ea typeface="微软雅黑" pitchFamily="34" charset="-122"/>
-              </a:rPr>
-              <a:t>1.</a:t>
-            </a:r>
-            <a:r>
               <a:rPr lang="zh-CN" altLang="en-US" sz="1800" dirty="0" smtClean="0">
                 <a:latin typeface="微软雅黑" pitchFamily="34" charset="-122"/>
                 <a:ea typeface="微软雅黑" pitchFamily="34" charset="-122"/>
               </a:rPr>
-              <a:t> 项</a:t>
+              <a:t>项</a:t>
             </a:r>
             <a:r>
               <a:rPr lang="zh-CN" altLang="en-US" sz="1800" dirty="0">
                 <a:latin typeface="微软雅黑" pitchFamily="34" charset="-122"/>
                 <a:ea typeface="微软雅黑" pitchFamily="34" charset="-122"/>
               </a:rPr>
-              <a:t>目全局观、技术开发及架构理解提</a:t>
+              <a:t>目全局观，技术架构理解提高；需求理解，与其他团队合作沟通能力</a:t>
             </a:r>
             <a:r>
               <a:rPr lang="zh-CN" altLang="en-US" sz="1800" dirty="0" smtClean="0">
                 <a:latin typeface="微软雅黑" pitchFamily="34" charset="-122"/>
                 <a:ea typeface="微软雅黑" pitchFamily="34" charset="-122"/>
               </a:rPr>
-              <a:t>高</a:t>
+              <a:t>提升</a:t>
+            </a:r>
+            <a:endParaRPr lang="en-US" altLang="zh-CN" sz="1800" dirty="0">
+              <a:latin typeface="微软雅黑" pitchFamily="34" charset="-122"/>
+              <a:ea typeface="微软雅黑" pitchFamily="34" charset="-122"/>
+            </a:endParaRPr>
+          </a:p>
+          <a:p>
+            <a:pPr marL="903288" lvl="1" indent="-347663">
+              <a:lnSpc>
+                <a:spcPct val="130000"/>
+              </a:lnSpc>
+              <a:buSzPct val="100000"/>
+              <a:buFont typeface="Arial" pitchFamily="34" charset="0"/>
+              <a:buChar char="–"/>
+            </a:pPr>
+            <a:r>
+              <a:rPr lang="zh-CN" altLang="en-US" sz="1400" dirty="0">
+                <a:latin typeface="微软雅黑" pitchFamily="34" charset="-122"/>
+                <a:ea typeface="微软雅黑" pitchFamily="34" charset="-122"/>
+                <a:cs typeface="Arial" pitchFamily="34" charset="0"/>
+              </a:rPr>
+              <a:t>人</a:t>
+            </a:r>
+            <a:r>
+              <a:rPr lang="zh-CN" altLang="en-US" sz="1400" dirty="0">
+                <a:latin typeface="微软雅黑" pitchFamily="34" charset="-122"/>
+                <a:ea typeface="微软雅黑" pitchFamily="34" charset="-122"/>
+                <a:cs typeface="Arial" pitchFamily="34" charset="0"/>
+              </a:rPr>
+              <a:t>群分析到构建全套流程整合，调研周期数据产出从</a:t>
+            </a:r>
+            <a:r>
+              <a:rPr lang="en-US" altLang="zh-CN" sz="1400" dirty="0">
+                <a:latin typeface="微软雅黑" pitchFamily="34" charset="-122"/>
+                <a:ea typeface="微软雅黑" pitchFamily="34" charset="-122"/>
+                <a:cs typeface="Arial" pitchFamily="34" charset="0"/>
+              </a:rPr>
+              <a:t>1</a:t>
+            </a:r>
+            <a:r>
+              <a:rPr lang="zh-CN" altLang="en-US" sz="1400" dirty="0">
+                <a:latin typeface="微软雅黑" pitchFamily="34" charset="-122"/>
+                <a:ea typeface="微软雅黑" pitchFamily="34" charset="-122"/>
+                <a:cs typeface="Arial" pitchFamily="34" charset="0"/>
+              </a:rPr>
+              <a:t>周缩短至</a:t>
+            </a:r>
+            <a:r>
+              <a:rPr lang="en-US" altLang="zh-CN" sz="1400" dirty="0">
+                <a:latin typeface="微软雅黑" pitchFamily="34" charset="-122"/>
+                <a:ea typeface="微软雅黑" pitchFamily="34" charset="-122"/>
+                <a:cs typeface="Arial" pitchFamily="34" charset="0"/>
+              </a:rPr>
+              <a:t>3</a:t>
+            </a:r>
+            <a:r>
+              <a:rPr lang="zh-CN" altLang="en-US" sz="1400" dirty="0" smtClean="0">
+                <a:latin typeface="微软雅黑" pitchFamily="34" charset="-122"/>
+                <a:ea typeface="微软雅黑" pitchFamily="34" charset="-122"/>
+                <a:cs typeface="Arial" pitchFamily="34" charset="0"/>
+              </a:rPr>
+              <a:t>天</a:t>
+            </a:r>
+            <a:endParaRPr lang="en-US" altLang="zh-CN" sz="1400" dirty="0">
+              <a:latin typeface="微软雅黑" pitchFamily="34" charset="-122"/>
+              <a:ea typeface="微软雅黑" pitchFamily="34" charset="-122"/>
+              <a:cs typeface="Arial" pitchFamily="34" charset="0"/>
+            </a:endParaRPr>
+          </a:p>
+          <a:p>
+            <a:pPr marL="903288" lvl="1" indent="-347663">
+              <a:lnSpc>
+                <a:spcPct val="130000"/>
+              </a:lnSpc>
+              <a:buSzPct val="100000"/>
+              <a:buFont typeface="Arial" pitchFamily="34" charset="0"/>
+              <a:buChar char="–"/>
+            </a:pPr>
+            <a:r>
+              <a:rPr lang="zh-CN" altLang="en-US" sz="1400" dirty="0">
+                <a:latin typeface="微软雅黑" pitchFamily="34" charset="-122"/>
+                <a:ea typeface="微软雅黑" pitchFamily="34" charset="-122"/>
+                <a:cs typeface="Arial" pitchFamily="34" charset="0"/>
+              </a:rPr>
+              <a:t>预</a:t>
+            </a:r>
+            <a:r>
+              <a:rPr lang="zh-CN" altLang="en-US" sz="1400" dirty="0">
+                <a:latin typeface="微软雅黑" pitchFamily="34" charset="-122"/>
+                <a:ea typeface="微软雅黑" pitchFamily="34" charset="-122"/>
+                <a:cs typeface="Arial" pitchFamily="34" charset="0"/>
+              </a:rPr>
+              <a:t>估工具，支持</a:t>
+            </a:r>
+            <a:r>
+              <a:rPr lang="en-US" altLang="zh-CN" sz="1400" dirty="0">
+                <a:latin typeface="微软雅黑" pitchFamily="34" charset="-122"/>
+                <a:ea typeface="微软雅黑" pitchFamily="34" charset="-122"/>
+                <a:cs typeface="Arial" pitchFamily="34" charset="0"/>
+              </a:rPr>
+              <a:t>PM</a:t>
+            </a:r>
+            <a:r>
+              <a:rPr lang="zh-CN" altLang="en-US" sz="1400" dirty="0">
+                <a:latin typeface="微软雅黑" pitchFamily="34" charset="-122"/>
+                <a:ea typeface="微软雅黑" pitchFamily="34" charset="-122"/>
+                <a:cs typeface="Arial" pitchFamily="34" charset="0"/>
+              </a:rPr>
+              <a:t>人群点构建约</a:t>
+            </a:r>
+            <a:r>
+              <a:rPr lang="en-US" altLang="zh-CN" sz="1400" dirty="0">
+                <a:latin typeface="微软雅黑" pitchFamily="34" charset="-122"/>
+                <a:ea typeface="微软雅黑" pitchFamily="34" charset="-122"/>
+                <a:cs typeface="Arial" pitchFamily="34" charset="0"/>
+              </a:rPr>
+              <a:t>50+</a:t>
+            </a:r>
+            <a:r>
+              <a:rPr lang="zh-CN" altLang="en-US" sz="1400" dirty="0">
+                <a:latin typeface="微软雅黑" pitchFamily="34" charset="-122"/>
+                <a:ea typeface="微软雅黑" pitchFamily="34" charset="-122"/>
+                <a:cs typeface="Arial" pitchFamily="34" charset="0"/>
+              </a:rPr>
+              <a:t>个节点调</a:t>
+            </a:r>
+            <a:r>
+              <a:rPr lang="zh-CN" altLang="en-US" sz="1400" dirty="0" smtClean="0">
+                <a:latin typeface="微软雅黑" pitchFamily="34" charset="-122"/>
+                <a:ea typeface="微软雅黑" pitchFamily="34" charset="-122"/>
+                <a:cs typeface="Arial" pitchFamily="34" charset="0"/>
+              </a:rPr>
+              <a:t>研</a:t>
+            </a:r>
+            <a:endParaRPr lang="en-US" altLang="zh-CN" sz="1400" dirty="0">
+              <a:latin typeface="微软雅黑" pitchFamily="34" charset="-122"/>
+              <a:ea typeface="微软雅黑" pitchFamily="34" charset="-122"/>
+              <a:cs typeface="Arial" pitchFamily="34" charset="0"/>
+            </a:endParaRPr>
+          </a:p>
+          <a:p>
+            <a:pPr marL="903288" lvl="1" indent="-347663">
+              <a:lnSpc>
+                <a:spcPct val="130000"/>
+              </a:lnSpc>
+              <a:buSzPct val="100000"/>
+              <a:buFont typeface="Arial" pitchFamily="34" charset="0"/>
+              <a:buChar char="–"/>
+            </a:pPr>
+            <a:r>
+              <a:rPr lang="zh-CN" altLang="en-US" sz="1400" dirty="0">
+                <a:latin typeface="微软雅黑" pitchFamily="34" charset="-122"/>
+                <a:ea typeface="微软雅黑" pitchFamily="34" charset="-122"/>
+                <a:cs typeface="Arial" pitchFamily="34" charset="0"/>
+              </a:rPr>
+              <a:t>受众构建工具，半年时间完成了完成了网盟开物，移动秋实，</a:t>
+            </a:r>
+            <a:r>
+              <a:rPr lang="en-US" altLang="zh-CN" sz="1400" dirty="0">
+                <a:latin typeface="微软雅黑" pitchFamily="34" charset="-122"/>
+                <a:ea typeface="微软雅黑" pitchFamily="34" charset="-122"/>
+                <a:cs typeface="Arial" pitchFamily="34" charset="0"/>
+              </a:rPr>
+              <a:t>NLP</a:t>
+            </a:r>
+            <a:r>
+              <a:rPr lang="zh-CN" altLang="en-US" sz="1400" dirty="0">
+                <a:latin typeface="微软雅黑" pitchFamily="34" charset="-122"/>
+                <a:ea typeface="微软雅黑" pitchFamily="34" charset="-122"/>
+                <a:cs typeface="Arial" pitchFamily="34" charset="0"/>
+              </a:rPr>
+              <a:t>，</a:t>
+            </a:r>
+            <a:r>
+              <a:rPr lang="en-US" altLang="zh-CN" sz="1400" dirty="0">
+                <a:latin typeface="微软雅黑" pitchFamily="34" charset="-122"/>
+                <a:ea typeface="微软雅黑" pitchFamily="34" charset="-122"/>
+                <a:cs typeface="Arial" pitchFamily="34" charset="0"/>
+              </a:rPr>
+              <a:t>LBS</a:t>
+            </a:r>
+            <a:r>
+              <a:rPr lang="zh-CN" altLang="en-US" sz="1400" dirty="0">
+                <a:latin typeface="微软雅黑" pitchFamily="34" charset="-122"/>
+                <a:ea typeface="微软雅黑" pitchFamily="34" charset="-122"/>
+                <a:cs typeface="Arial" pitchFamily="34" charset="0"/>
+              </a:rPr>
+              <a:t>，新首页，百度金融等多方应用需求，实现</a:t>
+            </a:r>
+            <a:r>
+              <a:rPr lang="en-US" altLang="zh-CN" sz="1400" dirty="0">
+                <a:latin typeface="微软雅黑" pitchFamily="34" charset="-122"/>
+                <a:ea typeface="微软雅黑" pitchFamily="34" charset="-122"/>
+                <a:cs typeface="Arial" pitchFamily="34" charset="0"/>
+              </a:rPr>
+              <a:t>300+</a:t>
+            </a:r>
+            <a:r>
+              <a:rPr lang="zh-CN" altLang="en-US" sz="1400" dirty="0">
+                <a:latin typeface="微软雅黑" pitchFamily="34" charset="-122"/>
+                <a:ea typeface="微软雅黑" pitchFamily="34" charset="-122"/>
+                <a:cs typeface="Arial" pitchFamily="34" charset="0"/>
+              </a:rPr>
+              <a:t>个人群构</a:t>
+            </a:r>
+            <a:r>
+              <a:rPr lang="zh-CN" altLang="en-US" sz="1400" dirty="0" smtClean="0">
+                <a:latin typeface="微软雅黑" pitchFamily="34" charset="-122"/>
+                <a:ea typeface="微软雅黑" pitchFamily="34" charset="-122"/>
+                <a:cs typeface="Arial" pitchFamily="34" charset="0"/>
+              </a:rPr>
+              <a:t>建</a:t>
+            </a:r>
+            <a:endParaRPr lang="en-US" altLang="zh-CN" sz="1400" dirty="0">
+              <a:latin typeface="微软雅黑" pitchFamily="34" charset="-122"/>
+              <a:ea typeface="微软雅黑" pitchFamily="34" charset="-122"/>
+              <a:cs typeface="Arial" pitchFamily="34" charset="0"/>
+            </a:endParaRPr>
+          </a:p>
+          <a:p>
+            <a:pPr marL="903288" lvl="1" indent="-347663">
+              <a:lnSpc>
+                <a:spcPct val="130000"/>
+              </a:lnSpc>
+              <a:buSzPct val="100000"/>
+              <a:buFont typeface="Arial" pitchFamily="34" charset="0"/>
+              <a:buChar char="–"/>
+            </a:pPr>
+            <a:r>
+              <a:rPr lang="zh-CN" altLang="en-US" sz="1400" dirty="0">
+                <a:latin typeface="微软雅黑" pitchFamily="34" charset="-122"/>
+                <a:ea typeface="微软雅黑" pitchFamily="34" charset="-122"/>
+                <a:cs typeface="Arial" pitchFamily="34" charset="0"/>
+              </a:rPr>
+              <a:t>开物电商人群定向，双</a:t>
+            </a:r>
+            <a:r>
+              <a:rPr lang="en-US" altLang="zh-CN" sz="1400" dirty="0">
+                <a:latin typeface="微软雅黑" pitchFamily="34" charset="-122"/>
+                <a:ea typeface="微软雅黑" pitchFamily="34" charset="-122"/>
+                <a:cs typeface="Arial" pitchFamily="34" charset="0"/>
+              </a:rPr>
+              <a:t>11</a:t>
+            </a:r>
+            <a:r>
+              <a:rPr lang="zh-CN" altLang="en-US" sz="1400" dirty="0">
+                <a:latin typeface="微软雅黑" pitchFamily="34" charset="-122"/>
+                <a:ea typeface="微软雅黑" pitchFamily="34" charset="-122"/>
+                <a:cs typeface="Arial" pitchFamily="34" charset="0"/>
+              </a:rPr>
+              <a:t>当日投放贡献</a:t>
+            </a:r>
+            <a:r>
+              <a:rPr lang="en-US" altLang="zh-CN" sz="1400" dirty="0">
+                <a:latin typeface="微软雅黑" pitchFamily="34" charset="-122"/>
+                <a:ea typeface="微软雅黑" pitchFamily="34" charset="-122"/>
+                <a:cs typeface="Arial" pitchFamily="34" charset="0"/>
+              </a:rPr>
+              <a:t>46</a:t>
+            </a:r>
+            <a:r>
+              <a:rPr lang="zh-CN" altLang="en-US" sz="1400" dirty="0">
+                <a:latin typeface="微软雅黑" pitchFamily="34" charset="-122"/>
+                <a:ea typeface="微软雅黑" pitchFamily="34" charset="-122"/>
+                <a:cs typeface="Arial" pitchFamily="34" charset="0"/>
+              </a:rPr>
+              <a:t>万收</a:t>
+            </a:r>
+            <a:r>
+              <a:rPr lang="zh-CN" altLang="en-US" sz="1400" dirty="0" smtClean="0">
+                <a:latin typeface="微软雅黑" pitchFamily="34" charset="-122"/>
+                <a:ea typeface="微软雅黑" pitchFamily="34" charset="-122"/>
+                <a:cs typeface="Arial" pitchFamily="34" charset="0"/>
+              </a:rPr>
+              <a:t>入</a:t>
+            </a:r>
+            <a:endParaRPr lang="en-US" altLang="zh-CN" sz="1400" dirty="0">
+              <a:latin typeface="微软雅黑" pitchFamily="34" charset="-122"/>
+              <a:ea typeface="微软雅黑" pitchFamily="34" charset="-122"/>
+              <a:cs typeface="Arial" pitchFamily="34" charset="0"/>
+            </a:endParaRPr>
+          </a:p>
+          <a:p>
+            <a:pPr>
+              <a:buFont typeface="Wingdings" pitchFamily="2" charset="2"/>
+              <a:buChar char="q"/>
+            </a:pPr>
+            <a:r>
+              <a:rPr lang="zh-CN" altLang="en-US" sz="1800" dirty="0">
+                <a:latin typeface="微软雅黑" pitchFamily="34" charset="-122"/>
+                <a:ea typeface="微软雅黑" pitchFamily="34" charset="-122"/>
+              </a:rPr>
+              <a:t>产</a:t>
+            </a:r>
+            <a:r>
+              <a:rPr lang="zh-CN" altLang="en-US" sz="1800" dirty="0">
+                <a:latin typeface="微软雅黑" pitchFamily="34" charset="-122"/>
+                <a:ea typeface="微软雅黑" pitchFamily="34" charset="-122"/>
+              </a:rPr>
+              <a:t>品收入导向，目的导向能力提</a:t>
+            </a:r>
+            <a:r>
+              <a:rPr lang="zh-CN" altLang="en-US" sz="1800" dirty="0" smtClean="0">
+                <a:latin typeface="微软雅黑" pitchFamily="34" charset="-122"/>
+                <a:ea typeface="微软雅黑" pitchFamily="34" charset="-122"/>
+              </a:rPr>
+              <a:t>升</a:t>
             </a:r>
             <a:endParaRPr lang="en-US" altLang="zh-CN" sz="1800" dirty="0" smtClean="0">
               <a:latin typeface="微软雅黑" pitchFamily="34" charset="-122"/>
@@ -8417,50 +10678,81 @@
               <a:buChar char="–"/>
             </a:pPr>
             <a:r>
-              <a:rPr lang="zh-CN" altLang="en-US" sz="1600" dirty="0" smtClean="0">
-                <a:latin typeface="Arial" pitchFamily="34" charset="0"/>
+              <a:rPr lang="en-US" altLang="zh-CN" sz="1400" dirty="0">
+                <a:latin typeface="微软雅黑" pitchFamily="34" charset="-122"/>
                 <a:ea typeface="微软雅黑" pitchFamily="34" charset="-122"/>
                 <a:cs typeface="Arial" pitchFamily="34" charset="0"/>
               </a:rPr>
-              <a:t>整合多个工具流程（</a:t>
-            </a:r>
-            <a:r>
-              <a:rPr lang="en-US" altLang="zh-CN" sz="1600" dirty="0" smtClean="0">
-                <a:latin typeface="Arial" pitchFamily="34" charset="0"/>
+              <a:t>KTE</a:t>
+            </a:r>
+            <a:r>
+              <a:rPr lang="zh-CN" altLang="en-US" sz="1400" dirty="0">
+                <a:latin typeface="微软雅黑" pitchFamily="34" charset="-122"/>
                 <a:ea typeface="微软雅黑" pitchFamily="34" charset="-122"/>
                 <a:cs typeface="Arial" pitchFamily="34" charset="0"/>
               </a:rPr>
-              <a:t>L2</a:t>
-            </a:r>
-            <a:r>
-              <a:rPr lang="zh-CN" altLang="en-US" sz="1600" dirty="0" smtClean="0">
-                <a:latin typeface="Arial" pitchFamily="34" charset="0"/>
+              <a:t>为首的收入提升系列策略，</a:t>
+            </a:r>
+            <a:r>
+              <a:rPr lang="en-US" altLang="zh-CN" sz="1400" dirty="0">
+                <a:latin typeface="微软雅黑" pitchFamily="34" charset="-122"/>
                 <a:ea typeface="微软雅黑" pitchFamily="34" charset="-122"/>
                 <a:cs typeface="Arial" pitchFamily="34" charset="0"/>
               </a:rPr>
-              <a:t>，</a:t>
-            </a:r>
-            <a:r>
-              <a:rPr lang="en-US" altLang="zh-CN" sz="1600" dirty="0" smtClean="0">
-                <a:latin typeface="Arial" pitchFamily="34" charset="0"/>
+              <a:t>KT</a:t>
+            </a:r>
+            <a:r>
+              <a:rPr lang="zh-CN" altLang="en-US" sz="1400" dirty="0">
+                <a:latin typeface="微软雅黑" pitchFamily="34" charset="-122"/>
                 <a:ea typeface="微软雅黑" pitchFamily="34" charset="-122"/>
                 <a:cs typeface="Arial" pitchFamily="34" charset="0"/>
               </a:rPr>
-              <a:t>A720</a:t>
-            </a:r>
-            <a:r>
-              <a:rPr lang="zh-CN" altLang="en-US" sz="1600" dirty="0" smtClean="0">
-                <a:latin typeface="Arial" pitchFamily="34" charset="0"/>
+              <a:t>收入增长</a:t>
+            </a:r>
+            <a:r>
+              <a:rPr lang="en-US" altLang="zh-CN" sz="1400" dirty="0">
+                <a:latin typeface="微软雅黑" pitchFamily="34" charset="-122"/>
                 <a:ea typeface="微软雅黑" pitchFamily="34" charset="-122"/>
                 <a:cs typeface="Arial" pitchFamily="34" charset="0"/>
               </a:rPr>
-              <a:t>），优化策略调研环境</a:t>
-            </a:r>
-            <a:endParaRPr lang="en-US" altLang="zh-CN" sz="1600" dirty="0" smtClean="0">
-              <a:latin typeface="Arial" pitchFamily="34" charset="0"/>
-              <a:ea typeface="微软雅黑" pitchFamily="34" charset="-122"/>
-              <a:cs typeface="Arial" pitchFamily="34" charset="0"/>
-            </a:endParaRPr>
+              <a:t>+1.1%</a:t>
+            </a:r>
+            <a:r>
+              <a:rPr lang="zh-CN" altLang="en-US" sz="1400" dirty="0">
+                <a:latin typeface="微软雅黑" pitchFamily="34" charset="-122"/>
+                <a:ea typeface="微软雅黑" pitchFamily="34" charset="-122"/>
+                <a:cs typeface="Arial" pitchFamily="34" charset="0"/>
+              </a:rPr>
+              <a:t>，网盟收入增长</a:t>
+            </a:r>
+            <a:r>
+              <a:rPr lang="en-US" altLang="zh-CN" sz="1400" dirty="0">
+                <a:latin typeface="微软雅黑" pitchFamily="34" charset="-122"/>
+                <a:ea typeface="微软雅黑" pitchFamily="34" charset="-122"/>
+                <a:cs typeface="Arial" pitchFamily="34" charset="0"/>
+              </a:rPr>
+              <a:t>+0.4%</a:t>
+            </a:r>
+          </a:p>
+          <a:p>
+            <a:pPr>
+              <a:buFont typeface="Wingdings" pitchFamily="2" charset="2"/>
+              <a:buChar char="q"/>
+            </a:pPr>
+            <a:r>
+              <a:rPr lang="zh-CN" altLang="en-US" sz="1800" dirty="0">
+                <a:latin typeface="微软雅黑" pitchFamily="34" charset="-122"/>
+                <a:ea typeface="微软雅黑" pitchFamily="34" charset="-122"/>
+              </a:rPr>
+              <a:t>项</a:t>
+            </a:r>
+            <a:r>
+              <a:rPr lang="zh-CN" altLang="en-US" sz="1800" dirty="0">
+                <a:latin typeface="微软雅黑" pitchFamily="34" charset="-122"/>
+                <a:ea typeface="微软雅黑" pitchFamily="34" charset="-122"/>
+              </a:rPr>
+              <a:t>目痛点解决，优化效率意识提高</a:t>
+            </a:r>
           </a:p>
           <a:p>
             <a:pPr marL="903288" lvl="1" indent="-347663">
@@ -8472,249 +10764,175 @@
               <a:buChar char="–"/>
             </a:pPr>
             <a:r>
-              <a:rPr lang="zh-CN" altLang="en-US" sz="1600" dirty="0" smtClean="0">
-                <a:latin typeface="Arial" pitchFamily="34" charset="0"/>
+              <a:rPr lang="en-US" altLang="zh-CN" sz="1400" dirty="0" smtClean="0">
+                <a:latin typeface="微软雅黑" pitchFamily="34" charset="-122"/>
                 <a:ea typeface="微软雅黑" pitchFamily="34" charset="-122"/>
                 <a:cs typeface="Arial" pitchFamily="34" charset="0"/>
               </a:rPr>
-              <a:t>开物行为链接层</a:t>
-            </a:r>
-            <a:r>
-              <a:rPr lang="en-US" altLang="zh-CN" sz="1600" dirty="0" smtClean="0">
-                <a:latin typeface="Arial" pitchFamily="34" charset="0"/>
+              <a:t>AFS</a:t>
+            </a:r>
+            <a:r>
+              <a:rPr lang="zh-CN" altLang="en-US" sz="1400" dirty="0">
+                <a:latin typeface="微软雅黑" pitchFamily="34" charset="-122"/>
                 <a:ea typeface="微软雅黑" pitchFamily="34" charset="-122"/>
                 <a:cs typeface="Arial" pitchFamily="34" charset="0"/>
               </a:rPr>
-              <a:t>L2</a:t>
-            </a:r>
-            <a:r>
-              <a:rPr lang="zh-CN" altLang="en-US" sz="1600" dirty="0" smtClean="0">
-                <a:latin typeface="Arial" pitchFamily="34" charset="0"/>
+              <a:t>广告分类维持准确率</a:t>
+            </a:r>
+            <a:r>
+              <a:rPr lang="en-US" altLang="zh-CN" sz="1400" dirty="0">
+                <a:latin typeface="微软雅黑" pitchFamily="34" charset="-122"/>
                 <a:ea typeface="微软雅黑" pitchFamily="34" charset="-122"/>
                 <a:cs typeface="Arial" pitchFamily="34" charset="0"/>
               </a:rPr>
-              <a:t>，人群构建层</a:t>
-            </a:r>
-            <a:r>
-              <a:rPr lang="en-US" altLang="zh-CN" sz="1600" dirty="0" smtClean="0">
-                <a:latin typeface="Arial" pitchFamily="34" charset="0"/>
+              <a:t>85%</a:t>
+            </a:r>
+            <a:r>
+              <a:rPr lang="zh-CN" altLang="en-US" sz="1400" dirty="0">
+                <a:latin typeface="微软雅黑" pitchFamily="34" charset="-122"/>
                 <a:ea typeface="微软雅黑" pitchFamily="34" charset="-122"/>
                 <a:cs typeface="Arial" pitchFamily="34" charset="0"/>
               </a:rPr>
-              <a:t>L3-L5</a:t>
-            </a:r>
-            <a:r>
-              <a:rPr lang="zh-CN" altLang="en-US" sz="1600" dirty="0">
-                <a:latin typeface="Arial" pitchFamily="34" charset="0"/>
+              <a:t>，覆盖率从</a:t>
+            </a:r>
+            <a:r>
+              <a:rPr lang="en-US" altLang="zh-CN" sz="1400" dirty="0">
+                <a:latin typeface="微软雅黑" pitchFamily="34" charset="-122"/>
                 <a:ea typeface="微软雅黑" pitchFamily="34" charset="-122"/>
                 <a:cs typeface="Arial" pitchFamily="34" charset="0"/>
               </a:rPr>
-              <a:t>持</a:t>
-            </a:r>
-            <a:r>
-              <a:rPr lang="zh-CN" altLang="en-US" sz="1600" dirty="0" smtClean="0">
-                <a:latin typeface="Arial" pitchFamily="34" charset="0"/>
+              <a:t>75%</a:t>
+            </a:r>
+            <a:r>
+              <a:rPr lang="zh-CN" altLang="en-US" sz="1400" dirty="0">
+                <a:latin typeface="微软雅黑" pitchFamily="34" charset="-122"/>
                 <a:ea typeface="微软雅黑" pitchFamily="34" charset="-122"/>
                 <a:cs typeface="Arial" pitchFamily="34" charset="0"/>
               </a:rPr>
-              <a:t>续调研迭代，把握项目层次关联</a:t>
-            </a:r>
-            <a:endParaRPr lang="en-US" altLang="zh-CN" sz="1600" dirty="0" smtClean="0">
-              <a:latin typeface="Arial" pitchFamily="34" charset="0"/>
-              <a:ea typeface="微软雅黑" pitchFamily="34" charset="-122"/>
-              <a:cs typeface="Arial" pitchFamily="34" charset="0"/>
-            </a:endParaRPr>
-          </a:p>
-          <a:p>
-            <a:pPr marL="903288" lvl="1" indent="-347663">
-              <a:lnSpc>
-                <a:spcPct val="130000"/>
-              </a:lnSpc>
-              <a:buSzPct val="100000"/>
-              <a:buFont typeface="Arial" pitchFamily="34" charset="0"/>
-              <a:buChar char="–"/>
-            </a:pPr>
-            <a:r>
-              <a:rPr lang="en-US" altLang="zh-CN" sz="1600" dirty="0" smtClean="0">
-                <a:latin typeface="Arial" pitchFamily="34" charset="0"/>
+              <a:t>提升至</a:t>
+            </a:r>
+            <a:r>
+              <a:rPr lang="en-US" altLang="zh-CN" sz="1400" dirty="0">
+                <a:latin typeface="微软雅黑" pitchFamily="34" charset="-122"/>
                 <a:ea typeface="微软雅黑" pitchFamily="34" charset="-122"/>
                 <a:cs typeface="Arial" pitchFamily="34" charset="0"/>
               </a:rPr>
-              <a:t>AFS</a:t>
-            </a:r>
-            <a:r>
-              <a:rPr lang="zh-CN" altLang="en-US" sz="1600" dirty="0" smtClean="0">
-                <a:latin typeface="Arial" pitchFamily="34" charset="0"/>
+              <a:t>78%</a:t>
+            </a:r>
+            <a:r>
+              <a:rPr lang="zh-CN" altLang="en-US" sz="1400" dirty="0">
+                <a:latin typeface="微软雅黑" pitchFamily="34" charset="-122"/>
                 <a:ea typeface="微软雅黑" pitchFamily="34" charset="-122"/>
                 <a:cs typeface="Arial" pitchFamily="34" charset="0"/>
               </a:rPr>
-              <a:t>广告分类优化的工作，解决了内存时间占用的痛点，保证了其他策略效果</a:t>
-            </a:r>
-            <a:endParaRPr lang="en-US" altLang="zh-CN" sz="1600" dirty="0" smtClean="0">
-              <a:latin typeface="Arial" pitchFamily="34" charset="0"/>
-              <a:ea typeface="微软雅黑" pitchFamily="34" charset="-122"/>
-              <a:cs typeface="Arial" pitchFamily="34" charset="0"/>
-            </a:endParaRPr>
-          </a:p>
-          <a:p>
-            <a:pPr marL="0" lvl="1" indent="0">
-              <a:buClr>
-                <a:srgbClr val="2318DE"/>
-              </a:buClr>
-              <a:buNone/>
-            </a:pPr>
-            <a:r>
-              <a:rPr lang="en-US" altLang="zh-CN" sz="1800" dirty="0" smtClean="0">
-                <a:latin typeface="微软雅黑" pitchFamily="34" charset="-122"/>
-                <a:ea typeface="微软雅黑" pitchFamily="34" charset="-122"/>
-                <a:cs typeface="+mn-cs"/>
-              </a:rPr>
-              <a:t>2. </a:t>
-            </a:r>
-            <a:r>
-              <a:rPr lang="zh-CN" altLang="en-US" sz="1800" dirty="0">
-                <a:latin typeface="微软雅黑" pitchFamily="34" charset="-122"/>
-                <a:ea typeface="微软雅黑" pitchFamily="34" charset="-122"/>
-                <a:cs typeface="+mn-cs"/>
-              </a:rPr>
-              <a:t>需求理解及沟通能力提升</a:t>
-            </a:r>
-            <a:endParaRPr lang="en-US" altLang="zh-CN" sz="1800" dirty="0" smtClean="0">
+              <a:t>（</a:t>
+            </a:r>
+            <a:r>
+              <a:rPr lang="en-US" altLang="zh-CN" sz="1400" dirty="0">
+                <a:latin typeface="微软雅黑" pitchFamily="34" charset="-122"/>
+                <a:ea typeface="微软雅黑" pitchFamily="34" charset="-122"/>
+                <a:cs typeface="Arial" pitchFamily="34" charset="0"/>
+              </a:rPr>
+              <a:t>KT</a:t>
+            </a:r>
+            <a:r>
+              <a:rPr lang="zh-CN" altLang="en-US" sz="1400" dirty="0">
+                <a:latin typeface="微软雅黑" pitchFamily="34" charset="-122"/>
+                <a:ea typeface="微软雅黑" pitchFamily="34" charset="-122"/>
+                <a:cs typeface="Arial" pitchFamily="34" charset="0"/>
+              </a:rPr>
+              <a:t>通道</a:t>
+            </a:r>
+            <a:r>
+              <a:rPr lang="en-US" altLang="zh-CN" sz="1400" dirty="0">
+                <a:latin typeface="微软雅黑" pitchFamily="34" charset="-122"/>
+                <a:ea typeface="微软雅黑" pitchFamily="34" charset="-122"/>
+                <a:cs typeface="Arial" pitchFamily="34" charset="0"/>
+              </a:rPr>
+              <a:t>90%</a:t>
+            </a:r>
+            <a:r>
+              <a:rPr lang="zh-CN" altLang="en-US" sz="1400" dirty="0">
+                <a:latin typeface="微软雅黑" pitchFamily="34" charset="-122"/>
+                <a:ea typeface="微软雅黑" pitchFamily="34" charset="-122"/>
+                <a:cs typeface="Arial" pitchFamily="34" charset="0"/>
+              </a:rPr>
+              <a:t>到</a:t>
+            </a:r>
+            <a:r>
+              <a:rPr lang="en-US" altLang="zh-CN" sz="1400" dirty="0">
+                <a:latin typeface="微软雅黑" pitchFamily="34" charset="-122"/>
+                <a:ea typeface="微软雅黑" pitchFamily="34" charset="-122"/>
+                <a:cs typeface="Arial" pitchFamily="34" charset="0"/>
+              </a:rPr>
+              <a:t>92%</a:t>
+            </a:r>
+            <a:r>
+              <a:rPr lang="zh-CN" altLang="en-US" sz="1400" dirty="0">
+                <a:latin typeface="微软雅黑" pitchFamily="34" charset="-122"/>
+                <a:ea typeface="微软雅黑" pitchFamily="34" charset="-122"/>
+                <a:cs typeface="Arial" pitchFamily="34" charset="0"/>
+              </a:rPr>
+              <a:t>），计算时间</a:t>
+            </a:r>
+            <a:r>
+              <a:rPr lang="en-US" altLang="zh-CN" sz="1400" dirty="0">
+                <a:latin typeface="微软雅黑" pitchFamily="34" charset="-122"/>
+                <a:ea typeface="微软雅黑" pitchFamily="34" charset="-122"/>
+                <a:cs typeface="Arial" pitchFamily="34" charset="0"/>
+              </a:rPr>
+              <a:t>30</a:t>
+            </a:r>
+            <a:r>
+              <a:rPr lang="zh-CN" altLang="en-US" sz="1400" dirty="0">
+                <a:latin typeface="微软雅黑" pitchFamily="34" charset="-122"/>
+                <a:ea typeface="微软雅黑" pitchFamily="34" charset="-122"/>
+                <a:cs typeface="Arial" pitchFamily="34" charset="0"/>
+              </a:rPr>
+              <a:t>小时缩至</a:t>
+            </a:r>
+            <a:r>
+              <a:rPr lang="en-US" altLang="zh-CN" sz="1400" dirty="0">
+                <a:latin typeface="微软雅黑" pitchFamily="34" charset="-122"/>
+                <a:ea typeface="微软雅黑" pitchFamily="34" charset="-122"/>
+                <a:cs typeface="Arial" pitchFamily="34" charset="0"/>
+              </a:rPr>
+              <a:t>6</a:t>
+            </a:r>
+            <a:r>
+              <a:rPr lang="zh-CN" altLang="en-US" sz="1400" dirty="0">
+                <a:latin typeface="微软雅黑" pitchFamily="34" charset="-122"/>
+                <a:ea typeface="微软雅黑" pitchFamily="34" charset="-122"/>
+                <a:cs typeface="Arial" pitchFamily="34" charset="0"/>
+              </a:rPr>
+              <a:t>小时，内存占用</a:t>
+            </a:r>
+            <a:r>
+              <a:rPr lang="en-US" altLang="zh-CN" sz="1400" dirty="0">
+                <a:latin typeface="微软雅黑" pitchFamily="34" charset="-122"/>
+                <a:ea typeface="微软雅黑" pitchFamily="34" charset="-122"/>
+                <a:cs typeface="Arial" pitchFamily="34" charset="0"/>
+              </a:rPr>
+              <a:t>40G</a:t>
+            </a:r>
+            <a:r>
+              <a:rPr lang="zh-CN" altLang="en-US" sz="1400" dirty="0">
+                <a:latin typeface="微软雅黑" pitchFamily="34" charset="-122"/>
+                <a:ea typeface="微软雅黑" pitchFamily="34" charset="-122"/>
+                <a:cs typeface="Arial" pitchFamily="34" charset="0"/>
+              </a:rPr>
+              <a:t>降至</a:t>
+            </a:r>
+            <a:r>
+              <a:rPr lang="en-US" altLang="zh-CN" sz="1400" dirty="0" smtClean="0">
+                <a:latin typeface="微软雅黑" pitchFamily="34" charset="-122"/>
+                <a:ea typeface="微软雅黑" pitchFamily="34" charset="-122"/>
+                <a:cs typeface="Arial" pitchFamily="34" charset="0"/>
+              </a:rPr>
+              <a:t>10G</a:t>
+            </a:r>
+            <a:endParaRPr lang="en-US" altLang="zh-CN" sz="1400" dirty="0">
               <a:latin typeface="微软雅黑" pitchFamily="34" charset="-122"/>
-              <a:ea typeface="微软雅黑" pitchFamily="34" charset="-122"/>
-              <a:cs typeface="+mn-cs"/>
-            </a:endParaRPr>
-          </a:p>
-          <a:p>
-            <a:pPr marL="903288" lvl="1" indent="-347663">
-              <a:lnSpc>
-                <a:spcPct val="130000"/>
-              </a:lnSpc>
-              <a:buSzPct val="100000"/>
-              <a:buFont typeface="Arial" pitchFamily="34" charset="0"/>
-              <a:buChar char="–"/>
-            </a:pPr>
-            <a:r>
-              <a:rPr lang="zh-CN" altLang="en-US" sz="1600" dirty="0">
-                <a:latin typeface="Arial" pitchFamily="34" charset="0"/>
-                <a:ea typeface="微软雅黑" pitchFamily="34" charset="-122"/>
-                <a:cs typeface="Arial" pitchFamily="34" charset="0"/>
-              </a:rPr>
-              <a:t>与</a:t>
-            </a:r>
-            <a:r>
-              <a:rPr lang="en-US" altLang="zh-CN" sz="1600" dirty="0">
-                <a:latin typeface="Arial" pitchFamily="34" charset="0"/>
-                <a:ea typeface="微软雅黑" pitchFamily="34" charset="-122"/>
-                <a:cs typeface="Arial" pitchFamily="34" charset="0"/>
-              </a:rPr>
-              <a:t>PM</a:t>
-            </a:r>
-            <a:r>
-              <a:rPr lang="zh-CN" altLang="en-US" sz="1600" dirty="0">
-                <a:latin typeface="Arial" pitchFamily="34" charset="0"/>
-                <a:ea typeface="微软雅黑" pitchFamily="34" charset="-122"/>
-                <a:cs typeface="Arial" pitchFamily="34" charset="0"/>
-              </a:rPr>
-              <a:t>，移动，</a:t>
-            </a:r>
-            <a:r>
-              <a:rPr lang="en-US" altLang="zh-CN" sz="1600" dirty="0">
-                <a:latin typeface="Arial" pitchFamily="34" charset="0"/>
-                <a:ea typeface="微软雅黑" pitchFamily="34" charset="-122"/>
-                <a:cs typeface="Arial" pitchFamily="34" charset="0"/>
-              </a:rPr>
-              <a:t>NLP</a:t>
-            </a:r>
-            <a:r>
-              <a:rPr lang="zh-CN" altLang="en-US" sz="1600" dirty="0">
-                <a:latin typeface="Arial" pitchFamily="34" charset="0"/>
-                <a:ea typeface="微软雅黑" pitchFamily="34" charset="-122"/>
-                <a:cs typeface="Arial" pitchFamily="34" charset="0"/>
-              </a:rPr>
-              <a:t>紧密配合，迅速跟进产出各方需求的开物策略特</a:t>
-            </a:r>
-            <a:r>
-              <a:rPr lang="zh-CN" altLang="en-US" sz="1600" dirty="0" smtClean="0">
-                <a:latin typeface="Arial" pitchFamily="34" charset="0"/>
-                <a:ea typeface="微软雅黑" pitchFamily="34" charset="-122"/>
-                <a:cs typeface="Arial" pitchFamily="34" charset="0"/>
-              </a:rPr>
-              <a:t>征</a:t>
-            </a:r>
-            <a:endParaRPr lang="en-US" altLang="zh-CN" sz="1600" dirty="0">
-              <a:latin typeface="Arial" pitchFamily="34" charset="0"/>
-              <a:ea typeface="微软雅黑" pitchFamily="34" charset="-122"/>
-              <a:cs typeface="Arial" pitchFamily="34" charset="0"/>
-            </a:endParaRPr>
-          </a:p>
-          <a:p>
-            <a:pPr marL="903288" lvl="1" indent="-347663">
-              <a:lnSpc>
-                <a:spcPct val="130000"/>
-              </a:lnSpc>
-              <a:buSzPct val="100000"/>
-              <a:buFont typeface="Arial" pitchFamily="34" charset="0"/>
-              <a:buChar char="–"/>
-            </a:pPr>
-            <a:r>
-              <a:rPr lang="zh-CN" altLang="en-US" sz="1600" dirty="0">
-                <a:latin typeface="Arial" pitchFamily="34" charset="0"/>
-                <a:ea typeface="微软雅黑" pitchFamily="34" charset="-122"/>
-                <a:cs typeface="Arial" pitchFamily="34" charset="0"/>
-              </a:rPr>
-              <a:t>主导调研实现各应用方需求人群：包括人群定向广告、</a:t>
-            </a:r>
-            <a:r>
-              <a:rPr lang="en-US" altLang="zh-CN" sz="1600" dirty="0">
-                <a:latin typeface="Arial" pitchFamily="34" charset="0"/>
-                <a:ea typeface="微软雅黑" pitchFamily="34" charset="-122"/>
-                <a:cs typeface="Arial" pitchFamily="34" charset="0"/>
-              </a:rPr>
-              <a:t>ADX</a:t>
-            </a:r>
-            <a:r>
-              <a:rPr lang="zh-CN" altLang="en-US" sz="1600" dirty="0">
-                <a:latin typeface="Arial" pitchFamily="34" charset="0"/>
-                <a:ea typeface="微软雅黑" pitchFamily="34" charset="-122"/>
-                <a:cs typeface="Arial" pitchFamily="34" charset="0"/>
-              </a:rPr>
-              <a:t>广告交易平台特征、</a:t>
-            </a:r>
-            <a:r>
-              <a:rPr lang="en-US" altLang="zh-CN" sz="1600" dirty="0">
-                <a:latin typeface="Arial" pitchFamily="34" charset="0"/>
-                <a:ea typeface="微软雅黑" pitchFamily="34" charset="-122"/>
-                <a:cs typeface="Arial" pitchFamily="34" charset="0"/>
-              </a:rPr>
-              <a:t>A720</a:t>
-            </a:r>
-            <a:r>
-              <a:rPr lang="zh-CN" altLang="en-US" sz="1600" dirty="0">
-                <a:latin typeface="Arial" pitchFamily="34" charset="0"/>
-                <a:ea typeface="微软雅黑" pitchFamily="34" charset="-122"/>
-                <a:cs typeface="Arial" pitchFamily="34" charset="0"/>
-              </a:rPr>
-              <a:t>精准营销人群、</a:t>
-            </a:r>
-            <a:r>
-              <a:rPr lang="en-US" altLang="zh-CN" sz="1600" dirty="0">
-                <a:latin typeface="Arial" pitchFamily="34" charset="0"/>
-                <a:ea typeface="微软雅黑" pitchFamily="34" charset="-122"/>
-                <a:cs typeface="Arial" pitchFamily="34" charset="0"/>
-              </a:rPr>
-              <a:t>NLP</a:t>
-            </a:r>
-            <a:r>
-              <a:rPr lang="zh-CN" altLang="en-US" sz="1600" dirty="0">
-                <a:latin typeface="Arial" pitchFamily="34" charset="0"/>
-                <a:ea typeface="微软雅黑" pitchFamily="34" charset="-122"/>
-                <a:cs typeface="Arial" pitchFamily="34" charset="0"/>
-              </a:rPr>
-              <a:t>自然属性人群</a:t>
-            </a:r>
-            <a:endParaRPr lang="en-US" altLang="zh-CN" sz="1600" dirty="0">
-              <a:latin typeface="Arial" pitchFamily="34" charset="0"/>
               <a:ea typeface="微软雅黑" pitchFamily="34" charset="-122"/>
               <a:cs typeface="Arial" pitchFamily="34" charset="0"/>
             </a:endParaRPr>
@@ -8741,7 +10959,7 @@
 </p:sld>
 </file>
 
-<file path=ppt/slides/slide12.xml><?xml version="1.0" encoding="utf-8"?>
+<file path=ppt/slides/slide15.xml><?xml version="1.0" encoding="utf-8"?>
 <p:sld xmlns:a="http://schemas.openxmlformats.org/drawingml/2006/main" xmlns:r="http://schemas.openxmlformats.org/officeDocument/2006/relationships" xmlns:p="http://schemas.openxmlformats.org/presentationml/2006/main">
   <p:cSld>
     <p:spTree>
@@ -9099,430 +11317,337 @@
               <a:buNone/>
             </a:pPr>
             <a:r>
-              <a:rPr lang="zh-CN" altLang="en-US" sz="2000" dirty="0" smtClean="0">
-                <a:latin typeface="微软雅黑" pitchFamily="34" charset="-122"/>
-                <a:ea typeface="微软雅黑" pitchFamily="34" charset="-122"/>
-              </a:rPr>
-              <a:t>相关代码</a:t>
-            </a:r>
-            <a:endParaRPr lang="en-US" altLang="zh-CN" sz="2000" dirty="0">
+              <a:rPr lang="zh-CN" altLang="en-US" sz="1800" dirty="0" smtClean="0">
+                <a:latin typeface="微软雅黑" pitchFamily="34" charset="-122"/>
+                <a:ea typeface="微软雅黑" pitchFamily="34" charset="-122"/>
+              </a:rPr>
+              <a:t>相关代</a:t>
+            </a:r>
+            <a:r>
+              <a:rPr lang="zh-CN" altLang="en-US" sz="1800" dirty="0" smtClean="0">
+                <a:latin typeface="微软雅黑" pitchFamily="34" charset="-122"/>
+                <a:ea typeface="微软雅黑" pitchFamily="34" charset="-122"/>
+              </a:rPr>
+              <a:t>码</a:t>
+            </a:r>
+            <a:endParaRPr lang="en-US" altLang="zh-CN" sz="1800" dirty="0" smtClean="0">
               <a:latin typeface="微软雅黑" pitchFamily="34" charset="-122"/>
               <a:ea typeface="微软雅黑" pitchFamily="34" charset="-122"/>
             </a:endParaRPr>
           </a:p>
           <a:p>
-            <a:pPr marL="0" lvl="1" indent="0">
-              <a:lnSpc>
-                <a:spcPct val="130000"/>
-              </a:lnSpc>
-              <a:buClr>
-                <a:srgbClr val="2318DE"/>
-              </a:buClr>
+            <a:pPr marL="0" indent="0">
               <a:buNone/>
             </a:pPr>
             <a:r>
-              <a:rPr lang="en-US" altLang="zh-CN" sz="1400" b="1" dirty="0" smtClean="0">
+              <a:rPr lang="en-US" altLang="zh-CN" sz="1800" dirty="0" smtClean="0">
                 <a:latin typeface="微软雅黑" pitchFamily="34" charset="-122"/>
                 <a:ea typeface="微软雅黑" pitchFamily="34" charset="-122"/>
               </a:rPr>
               <a:t>【</a:t>
             </a:r>
             <a:r>
-              <a:rPr lang="zh-CN" altLang="en-US" sz="1400" b="1" dirty="0" smtClean="0">
-                <a:latin typeface="微软雅黑" pitchFamily="34" charset="-122"/>
-                <a:ea typeface="微软雅黑" pitchFamily="34" charset="-122"/>
-              </a:rPr>
-              <a:t>开物特征</a:t>
-            </a:r>
-            <a:r>
-              <a:rPr lang="en-US" altLang="zh-CN" sz="1400" b="1" dirty="0" smtClean="0">
+              <a:rPr lang="zh-CN" altLang="en-US" sz="1800" dirty="0">
+                <a:latin typeface="微软雅黑" pitchFamily="34" charset="-122"/>
+                <a:ea typeface="微软雅黑" pitchFamily="34" charset="-122"/>
+              </a:rPr>
+              <a:t>开物</a:t>
+            </a:r>
+            <a:r>
+              <a:rPr lang="en-US" altLang="zh-CN" sz="1800" dirty="0" smtClean="0">
                 <a:latin typeface="微软雅黑" pitchFamily="34" charset="-122"/>
                 <a:ea typeface="微软雅黑" pitchFamily="34" charset="-122"/>
               </a:rPr>
               <a:t>】</a:t>
             </a:r>
-          </a:p>
-          <a:p>
-            <a:pPr marL="0" lvl="1" indent="0">
-              <a:lnSpc>
-                <a:spcPct val="130000"/>
-              </a:lnSpc>
-              <a:buClr>
-                <a:srgbClr val="2318DE"/>
-              </a:buClr>
-              <a:buNone/>
-            </a:pPr>
-            <a:r>
-              <a:rPr lang="en-US" altLang="zh-CN" sz="1400" dirty="0" smtClean="0">
-                <a:latin typeface="微软雅黑" pitchFamily="34" charset="-122"/>
-                <a:ea typeface="微软雅黑" pitchFamily="34" charset="-122"/>
-              </a:rPr>
-              <a:t>L3-L5</a:t>
-            </a:r>
-            <a:r>
-              <a:rPr lang="zh-CN" altLang="en-US" sz="1400" dirty="0">
-                <a:latin typeface="微软雅黑" pitchFamily="34" charset="-122"/>
-                <a:ea typeface="微软雅黑" pitchFamily="34" charset="-122"/>
-              </a:rPr>
-              <a:t>工</a:t>
-            </a:r>
-            <a:r>
-              <a:rPr lang="zh-CN" altLang="en-US" sz="1400" dirty="0" smtClean="0">
-                <a:latin typeface="微软雅黑" pitchFamily="34" charset="-122"/>
-                <a:ea typeface="微软雅黑" pitchFamily="34" charset="-122"/>
-              </a:rPr>
-              <a:t>具：</a:t>
-            </a:r>
-            <a:r>
-              <a:rPr lang="en-US" altLang="zh-CN" sz="1400" dirty="0">
-                <a:latin typeface="微软雅黑" pitchFamily="34" charset="-122"/>
-                <a:ea typeface="微软雅黑" pitchFamily="34" charset="-122"/>
-                <a:hlinkClick r:id="rId3"/>
-              </a:rPr>
-              <a:t>http://</a:t>
-            </a:r>
-            <a:r>
-              <a:rPr lang="en-US" altLang="zh-CN" sz="1400" dirty="0" smtClean="0">
-                <a:latin typeface="微软雅黑" pitchFamily="34" charset="-122"/>
-                <a:ea typeface="微软雅黑" pitchFamily="34" charset="-122"/>
-                <a:hlinkClick r:id="rId3"/>
-              </a:rPr>
-              <a:t>cooder.baidu.com/613671</a:t>
-            </a:r>
-            <a:endParaRPr lang="en-US" altLang="zh-CN" sz="1400" dirty="0" smtClean="0">
+            <a:endParaRPr lang="en-US" sz="1800" dirty="0">
               <a:latin typeface="微软雅黑" pitchFamily="34" charset="-122"/>
               <a:ea typeface="微软雅黑" pitchFamily="34" charset="-122"/>
             </a:endParaRPr>
           </a:p>
           <a:p>
-            <a:pPr marL="0" lvl="1" indent="0">
-              <a:lnSpc>
-                <a:spcPct val="130000"/>
-              </a:lnSpc>
-              <a:buClr>
-                <a:srgbClr val="2318DE"/>
-              </a:buClr>
-              <a:buNone/>
-            </a:pPr>
             <a:r>
               <a:rPr lang="en-US" altLang="zh-CN" sz="1400" dirty="0" smtClean="0">
                 <a:latin typeface="微软雅黑" pitchFamily="34" charset="-122"/>
                 <a:ea typeface="微软雅黑" pitchFamily="34" charset="-122"/>
               </a:rPr>
-              <a:t>L3-L5</a:t>
+              <a:t>L2</a:t>
             </a:r>
             <a:r>
               <a:rPr lang="zh-CN" altLang="en-US" sz="1400" dirty="0" smtClean="0">
                 <a:latin typeface="微软雅黑" pitchFamily="34" charset="-122"/>
                 <a:ea typeface="微软雅黑" pitchFamily="34" charset="-122"/>
               </a:rPr>
-              <a:t>电商人群：</a:t>
-            </a:r>
-            <a:r>
-              <a:rPr lang="en-US" altLang="zh-CN" sz="1400" dirty="0">
+              <a:t>链接层，</a:t>
+            </a:r>
+            <a:r>
+              <a:rPr lang="en-US" sz="1400" u="sng" dirty="0">
+                <a:latin typeface="微软雅黑" pitchFamily="34" charset="-122"/>
+                <a:ea typeface="微软雅黑" pitchFamily="34" charset="-122"/>
+                <a:hlinkClick r:id="rId3"/>
+              </a:rPr>
+              <a:t>http://</a:t>
+            </a:r>
+            <a:r>
+              <a:rPr lang="en-US" sz="1400" u="sng" dirty="0" smtClean="0">
+                <a:latin typeface="微软雅黑" pitchFamily="34" charset="-122"/>
+                <a:ea typeface="微软雅黑" pitchFamily="34" charset="-122"/>
+                <a:hlinkClick r:id="rId3"/>
+              </a:rPr>
+              <a:t>cooder.baidu.com/246414</a:t>
+            </a:r>
+            <a:r>
+              <a:rPr lang="zh-CN" altLang="en-US" sz="1400" dirty="0" smtClean="0">
+                <a:latin typeface="微软雅黑" pitchFamily="34" charset="-122"/>
+                <a:ea typeface="微软雅黑" pitchFamily="34" charset="-122"/>
+              </a:rPr>
+              <a:t>，</a:t>
+            </a:r>
+            <a:r>
+              <a:rPr lang="en-US" sz="1400" u="sng" dirty="0">
                 <a:latin typeface="微软雅黑" pitchFamily="34" charset="-122"/>
                 <a:ea typeface="微软雅黑" pitchFamily="34" charset="-122"/>
                 <a:hlinkClick r:id="rId4"/>
               </a:rPr>
-              <a:t>http://cooder.baidu.com/488665</a:t>
-            </a:r>
-            <a:r>
-              <a:rPr lang="en-US" altLang="zh-CN" sz="1400" dirty="0" smtClean="0">
-                <a:latin typeface="微软雅黑" pitchFamily="34" charset="-122"/>
-                <a:ea typeface="微软雅黑" pitchFamily="34" charset="-122"/>
-                <a:hlinkClick r:id="rId4"/>
-              </a:rPr>
-              <a:t>/</a:t>
-            </a:r>
-            <a:endParaRPr lang="en-US" altLang="zh-CN" sz="1400" dirty="0" smtClean="0">
+              <a:t>http://cooder.baidu.com/320116</a:t>
+            </a:r>
+            <a:endParaRPr lang="en-US" sz="1400" dirty="0">
               <a:latin typeface="微软雅黑" pitchFamily="34" charset="-122"/>
               <a:ea typeface="微软雅黑" pitchFamily="34" charset="-122"/>
             </a:endParaRPr>
           </a:p>
           <a:p>
-            <a:pPr marL="0" lvl="1" indent="0">
-              <a:lnSpc>
-                <a:spcPct val="130000"/>
-              </a:lnSpc>
-              <a:buClr>
-                <a:srgbClr val="2318DE"/>
-              </a:buClr>
-              <a:buNone/>
-            </a:pPr>
-            <a:r>
-              <a:rPr lang="en-US" altLang="zh-CN" sz="1400" dirty="0" smtClean="0">
-                <a:latin typeface="微软雅黑" pitchFamily="34" charset="-122"/>
-                <a:ea typeface="微软雅黑" pitchFamily="34" charset="-122"/>
-              </a:rPr>
-              <a:t>L2</a:t>
+            <a:r>
+              <a:rPr lang="en-US" sz="1400" dirty="0">
+                <a:latin typeface="微软雅黑" pitchFamily="34" charset="-122"/>
+                <a:ea typeface="微软雅黑" pitchFamily="34" charset="-122"/>
+              </a:rPr>
+              <a:t>L3</a:t>
+            </a:r>
+            <a:r>
+              <a:rPr lang="zh-CN" altLang="en-US" sz="1400" dirty="0">
+                <a:latin typeface="微软雅黑" pitchFamily="34" charset="-122"/>
+                <a:ea typeface="微软雅黑" pitchFamily="34" charset="-122"/>
+              </a:rPr>
+              <a:t>～</a:t>
+            </a:r>
+            <a:r>
+              <a:rPr lang="en-US" sz="1400" dirty="0">
+                <a:latin typeface="微软雅黑" pitchFamily="34" charset="-122"/>
+                <a:ea typeface="微软雅黑" pitchFamily="34" charset="-122"/>
+              </a:rPr>
+              <a:t>L5</a:t>
+            </a:r>
+            <a:r>
+              <a:rPr lang="zh-CN" altLang="en-US" sz="1400" dirty="0">
+                <a:latin typeface="微软雅黑" pitchFamily="34" charset="-122"/>
+                <a:ea typeface="微软雅黑" pitchFamily="34" charset="-122"/>
+              </a:rPr>
+              <a:t>工具</a:t>
             </a:r>
             <a:r>
               <a:rPr lang="zh-CN" altLang="en-US" sz="1400" dirty="0" smtClean="0">
                 <a:latin typeface="微软雅黑" pitchFamily="34" charset="-122"/>
                 <a:ea typeface="微软雅黑" pitchFamily="34" charset="-122"/>
               </a:rPr>
-              <a:t>调研环境：</a:t>
-            </a:r>
-            <a:r>
-              <a:rPr lang="en-US" altLang="zh-CN" sz="1400" dirty="0">
+              <a:t>：</a:t>
+            </a:r>
+            <a:r>
+              <a:rPr lang="en-US" sz="1400" u="sng" dirty="0" smtClean="0">
                 <a:latin typeface="微软雅黑" pitchFamily="34" charset="-122"/>
                 <a:ea typeface="微软雅黑" pitchFamily="34" charset="-122"/>
                 <a:hlinkClick r:id="rId5"/>
               </a:rPr>
-              <a:t>http://cooder.baidu.com/246414</a:t>
-            </a:r>
-            <a:r>
-              <a:rPr lang="en-US" altLang="zh-CN" sz="1400" dirty="0" smtClean="0">
+              <a:t>http</a:t>
+            </a:r>
+            <a:r>
+              <a:rPr lang="en-US" sz="1400" u="sng" dirty="0">
                 <a:latin typeface="微软雅黑" pitchFamily="34" charset="-122"/>
                 <a:ea typeface="微软雅黑" pitchFamily="34" charset="-122"/>
                 <a:hlinkClick r:id="rId5"/>
               </a:rPr>
-              <a:t>/</a:t>
-            </a:r>
-            <a:r>
-              <a:rPr lang="zh-CN" altLang="en-US" sz="1400" dirty="0" smtClean="0">
-                <a:latin typeface="微软雅黑" pitchFamily="34" charset="-122"/>
-                <a:ea typeface="微软雅黑" pitchFamily="34" charset="-122"/>
-              </a:rPr>
-              <a:t>，</a:t>
-            </a:r>
-            <a:r>
-              <a:rPr lang="en-US" altLang="zh-CN" sz="1400" dirty="0">
-                <a:latin typeface="微软雅黑" pitchFamily="34" charset="-122"/>
-                <a:ea typeface="微软雅黑" pitchFamily="34" charset="-122"/>
-                <a:hlinkClick r:id="rId6"/>
-              </a:rPr>
-              <a:t>http://cooder.baidu.com/320116</a:t>
-            </a:r>
-            <a:r>
-              <a:rPr lang="en-US" altLang="zh-CN" sz="1400" dirty="0" smtClean="0">
-                <a:latin typeface="微软雅黑" pitchFamily="34" charset="-122"/>
-                <a:ea typeface="微软雅黑" pitchFamily="34" charset="-122"/>
-                <a:hlinkClick r:id="rId6"/>
-              </a:rPr>
-              <a:t>/</a:t>
-            </a:r>
-            <a:endParaRPr lang="en-US" altLang="zh-CN" sz="1400" dirty="0" smtClean="0">
+              <a:t>://cooder.baidu.com/613671</a:t>
+            </a:r>
+            <a:endParaRPr lang="en-US" sz="1400" dirty="0">
               <a:latin typeface="微软雅黑" pitchFamily="34" charset="-122"/>
               <a:ea typeface="微软雅黑" pitchFamily="34" charset="-122"/>
             </a:endParaRPr>
           </a:p>
           <a:p>
-            <a:pPr marL="0" lvl="1" indent="0">
-              <a:lnSpc>
-                <a:spcPct val="130000"/>
-              </a:lnSpc>
-              <a:buClr>
-                <a:srgbClr val="2318DE"/>
-              </a:buClr>
-              <a:buNone/>
-            </a:pPr>
-            <a:r>
-              <a:rPr lang="en-US" altLang="zh-CN" sz="1400" b="1" dirty="0" smtClean="0">
-                <a:latin typeface="微软雅黑" pitchFamily="34" charset="-122"/>
-                <a:ea typeface="微软雅黑" pitchFamily="34" charset="-122"/>
-              </a:rPr>
-              <a:t>【</a:t>
-            </a:r>
-            <a:r>
-              <a:rPr lang="zh-CN" altLang="en-US" sz="1400" b="1" dirty="0" smtClean="0">
-                <a:latin typeface="微软雅黑" pitchFamily="34" charset="-122"/>
-                <a:ea typeface="微软雅黑" pitchFamily="34" charset="-122"/>
-              </a:rPr>
-              <a:t>其他工作</a:t>
-            </a:r>
-            <a:r>
-              <a:rPr lang="en-US" altLang="zh-CN" sz="1400" b="1" dirty="0" smtClean="0">
-                <a:latin typeface="微软雅黑" pitchFamily="34" charset="-122"/>
-                <a:ea typeface="微软雅黑" pitchFamily="34" charset="-122"/>
-              </a:rPr>
-              <a:t>】</a:t>
-            </a:r>
-          </a:p>
-          <a:p>
-            <a:pPr marL="0" lvl="1" indent="0">
-              <a:lnSpc>
-                <a:spcPct val="130000"/>
-              </a:lnSpc>
-              <a:buClr>
-                <a:srgbClr val="2318DE"/>
-              </a:buClr>
-              <a:buNone/>
-            </a:pPr>
             <a:r>
               <a:rPr lang="zh-CN" altLang="en-US" sz="1400" dirty="0">
                 <a:latin typeface="微软雅黑" pitchFamily="34" charset="-122"/>
                 <a:ea typeface="微软雅黑" pitchFamily="34" charset="-122"/>
               </a:rPr>
-              <a:t>广告分类</a:t>
-            </a:r>
-            <a:r>
-              <a:rPr lang="en-US" altLang="zh-CN" sz="1400" dirty="0" err="1">
-                <a:latin typeface="微软雅黑" pitchFamily="34" charset="-122"/>
-                <a:ea typeface="微软雅黑" pitchFamily="34" charset="-122"/>
-              </a:rPr>
-              <a:t>afs</a:t>
-            </a:r>
-            <a:r>
-              <a:rPr lang="zh-CN" altLang="en-US" sz="1400" dirty="0">
-                <a:latin typeface="微软雅黑" pitchFamily="34" charset="-122"/>
-                <a:ea typeface="微软雅黑" pitchFamily="34" charset="-122"/>
-              </a:rPr>
-              <a:t>优化：</a:t>
-            </a:r>
-            <a:r>
-              <a:rPr lang="en-US" altLang="zh-CN" sz="1400" dirty="0">
-                <a:latin typeface="微软雅黑" pitchFamily="34" charset="-122"/>
-                <a:ea typeface="微软雅黑" pitchFamily="34" charset="-122"/>
-                <a:hlinkClick r:id="rId7"/>
-              </a:rPr>
-              <a:t>http://cooder.baidu.com/235022/</a:t>
-            </a:r>
-            <a:r>
-              <a:rPr lang="zh-CN" altLang="en-US" sz="1400" dirty="0">
-                <a:latin typeface="微软雅黑" pitchFamily="34" charset="-122"/>
-                <a:ea typeface="微软雅黑" pitchFamily="34" charset="-122"/>
-              </a:rPr>
-              <a:t>，</a:t>
-            </a:r>
-            <a:r>
-              <a:rPr lang="en-US" altLang="zh-CN" sz="1400" dirty="0">
-                <a:latin typeface="微软雅黑" pitchFamily="34" charset="-122"/>
-                <a:ea typeface="微软雅黑" pitchFamily="34" charset="-122"/>
-                <a:hlinkClick r:id="rId8"/>
-              </a:rPr>
-              <a:t>http://cooder.baidu.com/236075</a:t>
-            </a:r>
-            <a:endParaRPr lang="en-US" altLang="zh-CN" sz="1400" dirty="0">
+              <a:t>人群构建代码（电商为例</a:t>
+            </a:r>
+            <a:r>
+              <a:rPr lang="zh-CN" altLang="en-US" sz="1400" dirty="0" smtClean="0">
+                <a:latin typeface="微软雅黑" pitchFamily="34" charset="-122"/>
+                <a:ea typeface="微软雅黑" pitchFamily="34" charset="-122"/>
+              </a:rPr>
+              <a:t>）：</a:t>
+            </a:r>
+            <a:r>
+              <a:rPr lang="en-US" sz="1400" u="sng" dirty="0" smtClean="0">
+                <a:latin typeface="微软雅黑" pitchFamily="34" charset="-122"/>
+                <a:ea typeface="微软雅黑" pitchFamily="34" charset="-122"/>
+                <a:hlinkClick r:id="rId6"/>
+              </a:rPr>
+              <a:t>http</a:t>
+            </a:r>
+            <a:r>
+              <a:rPr lang="en-US" sz="1400" u="sng" dirty="0">
+                <a:latin typeface="微软雅黑" pitchFamily="34" charset="-122"/>
+                <a:ea typeface="微软雅黑" pitchFamily="34" charset="-122"/>
+                <a:hlinkClick r:id="rId6"/>
+              </a:rPr>
+              <a:t>://</a:t>
+            </a:r>
+            <a:r>
+              <a:rPr lang="en-US" sz="1400" u="sng" dirty="0" smtClean="0">
+                <a:latin typeface="微软雅黑" pitchFamily="34" charset="-122"/>
+                <a:ea typeface="微软雅黑" pitchFamily="34" charset="-122"/>
+                <a:hlinkClick r:id="rId6"/>
+              </a:rPr>
+              <a:t>cooder.baidu.com/488665</a:t>
+            </a:r>
+            <a:endParaRPr lang="en-US" sz="1400" u="sng" dirty="0" smtClean="0">
               <a:latin typeface="微软雅黑" pitchFamily="34" charset="-122"/>
               <a:ea typeface="微软雅黑" pitchFamily="34" charset="-122"/>
             </a:endParaRPr>
           </a:p>
           <a:p>
-            <a:pPr marL="0" lvl="1" indent="0">
-              <a:lnSpc>
-                <a:spcPct val="130000"/>
-              </a:lnSpc>
-              <a:buClr>
-                <a:srgbClr val="2318DE"/>
-              </a:buClr>
+            <a:pPr marL="0" indent="0">
               <a:buNone/>
             </a:pPr>
             <a:r>
-              <a:rPr lang="en-US" altLang="zh-CN" sz="1400" dirty="0" smtClean="0">
+              <a:rPr lang="en-US" altLang="zh-CN" sz="1800" dirty="0">
+                <a:latin typeface="微软雅黑" pitchFamily="34" charset="-122"/>
+                <a:ea typeface="微软雅黑" pitchFamily="34" charset="-122"/>
+              </a:rPr>
+              <a:t>【</a:t>
+            </a:r>
+            <a:r>
+              <a:rPr lang="zh-CN" altLang="en-US" sz="1800" dirty="0">
+                <a:latin typeface="微软雅黑" pitchFamily="34" charset="-122"/>
+                <a:ea typeface="微软雅黑" pitchFamily="34" charset="-122"/>
+              </a:rPr>
+              <a:t>其他</a:t>
+            </a:r>
+            <a:r>
+              <a:rPr lang="en-US" altLang="zh-CN" sz="1800" dirty="0">
+                <a:latin typeface="微软雅黑" pitchFamily="34" charset="-122"/>
+                <a:ea typeface="微软雅黑" pitchFamily="34" charset="-122"/>
+              </a:rPr>
+              <a:t>】</a:t>
+            </a:r>
+          </a:p>
+          <a:p>
+            <a:r>
+              <a:rPr lang="en-US" sz="1400" dirty="0">
                 <a:latin typeface="微软雅黑" pitchFamily="34" charset="-122"/>
                 <a:ea typeface="微软雅黑" pitchFamily="34" charset="-122"/>
               </a:rPr>
               <a:t>KTE</a:t>
             </a:r>
             <a:r>
-              <a:rPr lang="zh-CN" altLang="en-US" sz="1400" dirty="0" smtClean="0">
-                <a:latin typeface="微软雅黑" pitchFamily="34" charset="-122"/>
-                <a:ea typeface="微软雅黑" pitchFamily="34" charset="-122"/>
-              </a:rPr>
-              <a:t>：</a:t>
-            </a:r>
-            <a:r>
-              <a:rPr lang="en-US" altLang="zh-CN" sz="1400" dirty="0">
+              <a:rPr lang="zh-CN" altLang="en-US" sz="1400" dirty="0">
+                <a:latin typeface="微软雅黑" pitchFamily="34" charset="-122"/>
+                <a:ea typeface="微软雅黑" pitchFamily="34" charset="-122"/>
+              </a:rPr>
+              <a:t>扩展及功能补强：</a:t>
+            </a:r>
+            <a:r>
+              <a:rPr lang="en-US" sz="1400" u="sng" dirty="0">
+                <a:latin typeface="微软雅黑" pitchFamily="34" charset="-122"/>
+                <a:ea typeface="微软雅黑" pitchFamily="34" charset="-122"/>
+                <a:hlinkClick r:id="rId7"/>
+              </a:rPr>
+              <a:t>http://cooder.baidu.com/138397</a:t>
+            </a:r>
+            <a:r>
+              <a:rPr lang="zh-CN" altLang="en-US" sz="1400" dirty="0">
+                <a:latin typeface="微软雅黑" pitchFamily="34" charset="-122"/>
+                <a:ea typeface="微软雅黑" pitchFamily="34" charset="-122"/>
+              </a:rPr>
+              <a:t>，</a:t>
+            </a:r>
+            <a:r>
+              <a:rPr lang="en-US" sz="1400" u="sng" dirty="0">
+                <a:latin typeface="微软雅黑" pitchFamily="34" charset="-122"/>
+                <a:ea typeface="微软雅黑" pitchFamily="34" charset="-122"/>
+                <a:hlinkClick r:id="rId8"/>
+              </a:rPr>
+              <a:t>http://cooder.baidu.com/139201</a:t>
+            </a:r>
+            <a:r>
+              <a:rPr lang="zh-CN" altLang="en-US" sz="1400" dirty="0">
+                <a:latin typeface="微软雅黑" pitchFamily="34" charset="-122"/>
+                <a:ea typeface="微软雅黑" pitchFamily="34" charset="-122"/>
+              </a:rPr>
+              <a:t>，</a:t>
+            </a:r>
+            <a:r>
+              <a:rPr lang="en-US" sz="1400" u="sng" dirty="0">
                 <a:latin typeface="微软雅黑" pitchFamily="34" charset="-122"/>
                 <a:ea typeface="微软雅黑" pitchFamily="34" charset="-122"/>
                 <a:hlinkClick r:id="rId9"/>
               </a:rPr>
               <a:t>http://cooder.baidu.com/152737</a:t>
             </a:r>
-            <a:r>
-              <a:rPr lang="en-US" altLang="zh-CN" sz="1400" dirty="0" smtClean="0">
-                <a:latin typeface="微软雅黑" pitchFamily="34" charset="-122"/>
-                <a:ea typeface="微软雅黑" pitchFamily="34" charset="-122"/>
-                <a:hlinkClick r:id="rId9"/>
-              </a:rPr>
-              <a:t>/</a:t>
-            </a:r>
-            <a:r>
-              <a:rPr lang="zh-CN" altLang="en-US" sz="1400" dirty="0" smtClean="0">
-                <a:latin typeface="微软雅黑" pitchFamily="34" charset="-122"/>
-                <a:ea typeface="微软雅黑" pitchFamily="34" charset="-122"/>
-                <a:hlinkClick r:id="rId9"/>
-              </a:rPr>
-              <a:t>，</a:t>
-            </a:r>
-            <a:r>
-              <a:rPr lang="en-US" altLang="zh-CN" sz="1400" dirty="0">
-                <a:latin typeface="微软雅黑" pitchFamily="34" charset="-122"/>
-                <a:ea typeface="微软雅黑" pitchFamily="34" charset="-122"/>
-                <a:hlinkClick r:id="rId9"/>
-              </a:rPr>
-              <a:t>http://cooder.baidu.com/139201</a:t>
-            </a:r>
-            <a:r>
-              <a:rPr lang="en-US" altLang="zh-CN" sz="1400" dirty="0" smtClean="0">
-                <a:latin typeface="微软雅黑" pitchFamily="34" charset="-122"/>
-                <a:ea typeface="微软雅黑" pitchFamily="34" charset="-122"/>
-                <a:hlinkClick r:id="rId9"/>
-              </a:rPr>
-              <a:t>/</a:t>
-            </a:r>
-            <a:endParaRPr lang="en-US" altLang="zh-CN" sz="1400" dirty="0" smtClean="0">
+            <a:endParaRPr lang="en-US" sz="1400" dirty="0">
               <a:latin typeface="微软雅黑" pitchFamily="34" charset="-122"/>
               <a:ea typeface="微软雅黑" pitchFamily="34" charset="-122"/>
             </a:endParaRPr>
           </a:p>
           <a:p>
-            <a:pPr marL="0" lvl="1" indent="0">
-              <a:lnSpc>
-                <a:spcPct val="130000"/>
-              </a:lnSpc>
-              <a:buClr>
-                <a:srgbClr val="2318DE"/>
-              </a:buClr>
-              <a:buNone/>
-            </a:pPr>
-            <a:endParaRPr lang="en-US" altLang="zh-CN" sz="1400" dirty="0">
-              <a:latin typeface="微软雅黑" pitchFamily="34" charset="-122"/>
-              <a:ea typeface="微软雅黑" pitchFamily="34" charset="-122"/>
-            </a:endParaRPr>
-          </a:p>
-          <a:p>
-            <a:pPr marL="0" lvl="1" indent="0">
-              <a:lnSpc>
-                <a:spcPct val="130000"/>
-              </a:lnSpc>
-              <a:buClr>
-                <a:srgbClr val="2318DE"/>
-              </a:buClr>
-              <a:buNone/>
-            </a:pPr>
-            <a:endParaRPr lang="en-US" altLang="zh-CN" sz="1400" dirty="0" smtClean="0">
-              <a:latin typeface="微软雅黑" pitchFamily="34" charset="-122"/>
-              <a:ea typeface="微软雅黑" pitchFamily="34" charset="-122"/>
-            </a:endParaRPr>
-          </a:p>
-          <a:p>
-            <a:pPr marL="0" lvl="1" indent="0">
-              <a:lnSpc>
-                <a:spcPct val="130000"/>
-              </a:lnSpc>
-              <a:buClr>
-                <a:srgbClr val="2318DE"/>
-              </a:buClr>
-              <a:buNone/>
-            </a:pPr>
-            <a:endParaRPr lang="en-US" altLang="zh-CN" sz="1400" dirty="0" smtClean="0">
-              <a:latin typeface="微软雅黑" pitchFamily="34" charset="-122"/>
-              <a:ea typeface="微软雅黑" pitchFamily="34" charset="-122"/>
-            </a:endParaRPr>
-          </a:p>
-          <a:p>
-            <a:pPr marL="0" lvl="1" indent="0">
-              <a:lnSpc>
-                <a:spcPct val="130000"/>
-              </a:lnSpc>
-              <a:buClr>
-                <a:srgbClr val="2318DE"/>
-              </a:buClr>
-              <a:buNone/>
-            </a:pPr>
-            <a:endParaRPr lang="en-US" altLang="zh-CN" sz="1400" dirty="0" smtClean="0">
+            <a:r>
+              <a:rPr lang="en-US" sz="1400" dirty="0">
+                <a:latin typeface="微软雅黑" pitchFamily="34" charset="-122"/>
+                <a:ea typeface="微软雅黑" pitchFamily="34" charset="-122"/>
+              </a:rPr>
+              <a:t>AFS</a:t>
+            </a:r>
+            <a:r>
+              <a:rPr lang="zh-CN" altLang="en-US" sz="1400" dirty="0">
+                <a:latin typeface="微软雅黑" pitchFamily="34" charset="-122"/>
+                <a:ea typeface="微软雅黑" pitchFamily="34" charset="-122"/>
+              </a:rPr>
+              <a:t>优化：</a:t>
+            </a:r>
+            <a:r>
+              <a:rPr lang="en-US" sz="1400" u="sng" dirty="0">
+                <a:latin typeface="微软雅黑" pitchFamily="34" charset="-122"/>
+                <a:ea typeface="微软雅黑" pitchFamily="34" charset="-122"/>
+                <a:hlinkClick r:id="rId10"/>
+              </a:rPr>
+              <a:t>http://cooder.baidu.com/235022</a:t>
+            </a:r>
+            <a:r>
+              <a:rPr lang="zh-CN" altLang="en-US" sz="1400" dirty="0">
+                <a:latin typeface="微软雅黑" pitchFamily="34" charset="-122"/>
+                <a:ea typeface="微软雅黑" pitchFamily="34" charset="-122"/>
+              </a:rPr>
+              <a:t>，</a:t>
+            </a:r>
+            <a:r>
+              <a:rPr lang="en-US" sz="1400" u="sng" dirty="0">
+                <a:latin typeface="微软雅黑" pitchFamily="34" charset="-122"/>
+                <a:ea typeface="微软雅黑" pitchFamily="34" charset="-122"/>
+                <a:hlinkClick r:id="rId11"/>
+              </a:rPr>
+              <a:t>http://</a:t>
+            </a:r>
+            <a:r>
+              <a:rPr lang="en-US" sz="1400" u="sng" dirty="0" smtClean="0">
+                <a:latin typeface="微软雅黑" pitchFamily="34" charset="-122"/>
+                <a:ea typeface="微软雅黑" pitchFamily="34" charset="-122"/>
+                <a:hlinkClick r:id="rId11"/>
+              </a:rPr>
+              <a:t>cooder.baidu.com/236075</a:t>
+            </a:r>
+            <a:endParaRPr lang="en-US" sz="1400" dirty="0">
               <a:latin typeface="微软雅黑" pitchFamily="34" charset="-122"/>
               <a:ea typeface="微软雅黑" pitchFamily="34" charset="-122"/>
             </a:endParaRPr>
@@ -9532,7 +11657,7 @@
     </p:spTree>
     <p:extLst>
       <p:ext uri="{BB962C8B-B14F-4D97-AF65-F5344CB8AC3E}">
-        <p14:creationId xmlns:p14="http://schemas.microsoft.com/office/powerpoint/2010/main" val="3908064452"/>
+        <p14:creationId xmlns:p14="http://schemas.microsoft.com/office/powerpoint/2010/main" val="3570877651"/>
       </p:ext>
     </p:extLst>
   </p:cSld>
@@ -9549,7 +11674,7 @@
 </p:sld>
 </file>
 
-<file path=ppt/slides/slide13.xml><?xml version="1.0" encoding="utf-8"?>
+<file path=ppt/slides/slide16.xml><?xml version="1.0" encoding="utf-8"?>
 <p:sld xmlns:a="http://schemas.openxmlformats.org/drawingml/2006/main" xmlns:r="http://schemas.openxmlformats.org/officeDocument/2006/relationships" xmlns:p="http://schemas.openxmlformats.org/presentationml/2006/main">
   <p:cSld>
     <p:spTree>
@@ -9636,7 +11761,7 @@
         </p:nvSpPr>
         <p:spPr bwMode="auto">
           <a:xfrm>
-            <a:off x="2411413" y="1957388"/>
+            <a:off x="2286000" y="1828800"/>
             <a:ext cx="3433762" cy="1939925"/>
           </a:xfrm>
           <a:prstGeom prst="rect">
@@ -9667,7 +11792,7 @@
           </a:extLst>
         </p:spPr>
         <p:txBody>
-          <a:bodyPr wrap="none">
+          <a:bodyPr wrap="none" anchor="ctr">
             <a:spAutoFit/>
           </a:bodyPr>
           <a:lstStyle>
@@ -9778,7 +11903,7 @@
             </a:lvl9pPr>
           </a:lstStyle>
           <a:p>
-            <a:pPr algn="r" eaLnBrk="1" hangingPunct="1"/>
+            <a:pPr algn="dist" eaLnBrk="1" hangingPunct="1"/>
             <a:r>
               <a:rPr lang="en-US" altLang="zh-CN" sz="12000" dirty="0"/>
               <a:t>Q&amp;A</a:t>
@@ -9829,7 +11954,7 @@
             <p:ph idx="1"/>
             <p:extLst>
               <p:ext uri="{D42A27DB-BD31-4B8C-83A1-F6EECF244321}">
-                <p14:modId xmlns:p14="http://schemas.microsoft.com/office/powerpoint/2010/main" val="3882467612"/>
+                <p14:modId xmlns:p14="http://schemas.microsoft.com/office/powerpoint/2010/main" val="3379573647"/>
               </p:ext>
             </p:extLst>
           </p:nvPr>
@@ -10103,14 +12228,33 @@
           <a:bodyPr/>
           <a:lstStyle/>
           <a:p>
-            <a:r>
-              <a:rPr lang="zh-CN" altLang="en-US" sz="2400" b="1" dirty="0" smtClean="0">
-                <a:latin typeface="微软雅黑" pitchFamily="34" charset="-122"/>
-                <a:ea typeface="微软雅黑" pitchFamily="34" charset="-122"/>
-              </a:rPr>
-              <a:t>开物特征相关工作</a:t>
-            </a:r>
-            <a:endParaRPr lang="en-US" altLang="zh-CN" sz="2400" b="1" dirty="0">
+            <a:pPr lvl="0"/>
+            <a:r>
+              <a:rPr lang="zh-CN" altLang="en-US" sz="2400" b="1" dirty="0">
+                <a:latin typeface="微软雅黑" pitchFamily="34" charset="-122"/>
+                <a:ea typeface="微软雅黑" pitchFamily="34" charset="-122"/>
+              </a:rPr>
+              <a:t>开物人群构建及转投</a:t>
+            </a:r>
+            <a:endParaRPr lang="en-US" sz="2400" dirty="0"/>
+          </a:p>
+          <a:p>
+            <a:pPr lvl="1"/>
+            <a:r>
+              <a:rPr lang="zh-CN" altLang="en-US" sz="1600" dirty="0">
+                <a:latin typeface="微软雅黑" pitchFamily="34" charset="-122"/>
+                <a:ea typeface="微软雅黑" pitchFamily="34" charset="-122"/>
+              </a:rPr>
+              <a:t>从行为特征到人</a:t>
+            </a:r>
+            <a:r>
+              <a:rPr lang="zh-CN" altLang="en-US" sz="1600" dirty="0" smtClean="0">
+                <a:latin typeface="微软雅黑" pitchFamily="34" charset="-122"/>
+                <a:ea typeface="微软雅黑" pitchFamily="34" charset="-122"/>
+              </a:rPr>
+              <a:t>群流程</a:t>
+            </a:r>
+            <a:endParaRPr lang="en-US" altLang="zh-CN" sz="1600" dirty="0" smtClean="0">
               <a:latin typeface="微软雅黑" pitchFamily="34" charset="-122"/>
               <a:ea typeface="微软雅黑" pitchFamily="34" charset="-122"/>
             </a:endParaRPr>
@@ -10122,47 +12266,73 @@
                 <a:latin typeface="微软雅黑" pitchFamily="34" charset="-122"/>
                 <a:ea typeface="微软雅黑" pitchFamily="34" charset="-122"/>
               </a:rPr>
-              <a:t>开物人群流程</a:t>
-            </a:r>
-            <a:r>
-              <a:rPr lang="en-US" altLang="zh-CN" sz="1600" dirty="0">
-                <a:latin typeface="微软雅黑" pitchFamily="34" charset="-122"/>
-                <a:ea typeface="微软雅黑" pitchFamily="34" charset="-122"/>
-              </a:rPr>
-              <a:t>-</a:t>
-            </a:r>
-            <a:r>
-              <a:rPr lang="zh-CN" altLang="en-US" sz="1600" dirty="0">
-                <a:latin typeface="微软雅黑" pitchFamily="34" charset="-122"/>
-                <a:ea typeface="微软雅黑" pitchFamily="34" charset="-122"/>
-              </a:rPr>
-              <a:t>从行为特征到人群</a:t>
-            </a:r>
+              <a:t>需求人群的预</a:t>
+            </a:r>
+            <a:r>
+              <a:rPr lang="zh-CN" altLang="en-US" sz="1600" dirty="0" smtClean="0">
+                <a:latin typeface="微软雅黑" pitchFamily="34" charset="-122"/>
+                <a:ea typeface="微软雅黑" pitchFamily="34" charset="-122"/>
+              </a:rPr>
+              <a:t>判</a:t>
+            </a:r>
+            <a:endParaRPr lang="en-US" altLang="zh-CN" sz="1600" dirty="0" smtClean="0">
+              <a:latin typeface="微软雅黑" pitchFamily="34" charset="-122"/>
+              <a:ea typeface="微软雅黑" pitchFamily="34" charset="-122"/>
+            </a:endParaRPr>
           </a:p>
           <a:p>
             <a:pPr lvl="1"/>
-            <a:r>
-              <a:rPr lang="zh-CN" altLang="en-US" sz="1600" dirty="0" smtClean="0">
-                <a:latin typeface="微软雅黑" pitchFamily="34" charset="-122"/>
-                <a:ea typeface="微软雅黑" pitchFamily="34" charset="-122"/>
-              </a:rPr>
-              <a:t>行为关联层（</a:t>
-            </a:r>
-            <a:r>
-              <a:rPr lang="en-US" altLang="zh-CN" sz="1600" dirty="0" smtClean="0">
+            <a:endParaRPr lang="en-US" altLang="zh-CN" sz="1600" dirty="0">
+              <a:latin typeface="微软雅黑" pitchFamily="34" charset="-122"/>
+              <a:ea typeface="微软雅黑" pitchFamily="34" charset="-122"/>
+            </a:endParaRPr>
+          </a:p>
+          <a:p>
+            <a:pPr lvl="1"/>
+            <a:r>
+              <a:rPr lang="zh-CN" altLang="en-US" sz="1600" strike="sngStrike" dirty="0" smtClean="0">
+                <a:solidFill>
+                  <a:srgbClr val="FF0000"/>
+                </a:solidFill>
+                <a:latin typeface="微软雅黑" pitchFamily="34" charset="-122"/>
+                <a:ea typeface="微软雅黑" pitchFamily="34" charset="-122"/>
+              </a:rPr>
+              <a:t>行</a:t>
+            </a:r>
+            <a:r>
+              <a:rPr lang="zh-CN" altLang="en-US" sz="1600" strike="sngStrike" dirty="0">
+                <a:solidFill>
+                  <a:srgbClr val="FF0000"/>
+                </a:solidFill>
+                <a:latin typeface="微软雅黑" pitchFamily="34" charset="-122"/>
+                <a:ea typeface="微软雅黑" pitchFamily="34" charset="-122"/>
+              </a:rPr>
+              <a:t>为关联层（</a:t>
+            </a:r>
+            <a:r>
+              <a:rPr lang="en-US" altLang="zh-CN" sz="1600" strike="sngStrike" dirty="0" smtClean="0">
+                <a:solidFill>
+                  <a:srgbClr val="FF0000"/>
+                </a:solidFill>
                 <a:latin typeface="微软雅黑" pitchFamily="34" charset="-122"/>
                 <a:ea typeface="微软雅黑" pitchFamily="34" charset="-122"/>
               </a:rPr>
               <a:t>L2</a:t>
             </a:r>
             <a:r>
-              <a:rPr lang="zh-CN" altLang="en-US" sz="1600" dirty="0" smtClean="0">
+              <a:rPr lang="zh-CN" altLang="en-US" sz="1600" strike="sngStrike" dirty="0" smtClean="0">
+                <a:solidFill>
+                  <a:srgbClr val="FF0000"/>
+                </a:solidFill>
                 <a:latin typeface="微软雅黑" pitchFamily="34" charset="-122"/>
                 <a:ea typeface="微软雅黑" pitchFamily="34" charset="-122"/>
               </a:rPr>
               <a:t>）特征调研及特征</a:t>
             </a:r>
-            <a:endParaRPr lang="en-US" altLang="zh-CN" sz="1600" dirty="0" smtClean="0">
+            <a:endParaRPr lang="en-US" altLang="zh-CN" sz="1600" strike="sngStrike" dirty="0" smtClean="0">
+              <a:solidFill>
+                <a:srgbClr val="FF0000"/>
+              </a:solidFill>
               <a:latin typeface="微软雅黑" pitchFamily="34" charset="-122"/>
               <a:ea typeface="微软雅黑" pitchFamily="34" charset="-122"/>
             </a:endParaRPr>
@@ -10207,44 +12377,54 @@
           <a:p>
             <a:pPr lvl="1"/>
             <a:r>
-              <a:rPr lang="en-US" altLang="zh-CN" sz="1600" dirty="0">
+              <a:rPr lang="en-US" altLang="zh-CN" sz="1600" dirty="0" smtClean="0">
+                <a:latin typeface="微软雅黑" pitchFamily="34" charset="-122"/>
+                <a:ea typeface="微软雅黑" pitchFamily="34" charset="-122"/>
+              </a:rPr>
+              <a:t>KT</a:t>
+            </a:r>
+            <a:r>
+              <a:rPr lang="zh-CN" altLang="en-US" sz="1600" dirty="0" smtClean="0">
+                <a:latin typeface="微软雅黑" pitchFamily="34" charset="-122"/>
+                <a:ea typeface="微软雅黑" pitchFamily="34" charset="-122"/>
+              </a:rPr>
+              <a:t>广告扩词策略（</a:t>
+            </a:r>
+            <a:r>
+              <a:rPr lang="en-US" altLang="zh-CN" sz="1600" dirty="0" smtClean="0">
                 <a:latin typeface="微软雅黑" pitchFamily="34" charset="-122"/>
                 <a:ea typeface="微软雅黑" pitchFamily="34" charset="-122"/>
               </a:rPr>
               <a:t>KTE</a:t>
             </a:r>
             <a:r>
-              <a:rPr lang="zh-CN" altLang="en-US" sz="1600" dirty="0">
-                <a:latin typeface="微软雅黑" pitchFamily="34" charset="-122"/>
-                <a:ea typeface="微软雅黑" pitchFamily="34" charset="-122"/>
-              </a:rPr>
-              <a:t>广告扩词提升展现量，</a:t>
-            </a:r>
-            <a:r>
-              <a:rPr lang="en-US" altLang="zh-CN" sz="1600" dirty="0">
-                <a:latin typeface="微软雅黑" pitchFamily="34" charset="-122"/>
-                <a:ea typeface="微软雅黑" pitchFamily="34" charset="-122"/>
-              </a:rPr>
-              <a:t>AFS</a:t>
-            </a:r>
-            <a:r>
-              <a:rPr lang="zh-CN" altLang="en-US" sz="1600" dirty="0">
-                <a:latin typeface="微软雅黑" pitchFamily="34" charset="-122"/>
-                <a:ea typeface="微软雅黑" pitchFamily="34" charset="-122"/>
-              </a:rPr>
-              <a:t>广告分类特征改</a:t>
-            </a:r>
-            <a:r>
               <a:rPr lang="zh-CN" altLang="en-US" sz="1600" dirty="0" smtClean="0">
                 <a:latin typeface="微软雅黑" pitchFamily="34" charset="-122"/>
                 <a:ea typeface="微软雅黑" pitchFamily="34" charset="-122"/>
               </a:rPr>
-              <a:t>善</a:t>
-            </a:r>
-            <a:endParaRPr lang="en-US" altLang="zh-CN" sz="1600" dirty="0" smtClean="0">
+              <a:t>）</a:t>
+            </a:r>
+            <a:endParaRPr lang="en-US" altLang="zh-CN" sz="1600" dirty="0">
               <a:latin typeface="微软雅黑" pitchFamily="34" charset="-122"/>
               <a:ea typeface="微软雅黑" pitchFamily="34" charset="-122"/>
             </a:endParaRPr>
+          </a:p>
+          <a:p>
+            <a:pPr lvl="1"/>
+            <a:r>
+              <a:rPr lang="en-US" altLang="zh-CN" sz="1600" dirty="0" smtClean="0">
+                <a:latin typeface="微软雅黑" pitchFamily="34" charset="-122"/>
+                <a:ea typeface="微软雅黑" pitchFamily="34" charset="-122"/>
+              </a:rPr>
+              <a:t>AFS</a:t>
+            </a:r>
+            <a:r>
+              <a:rPr lang="zh-CN" altLang="en-US" sz="1600" dirty="0">
+                <a:latin typeface="微软雅黑" pitchFamily="34" charset="-122"/>
+                <a:ea typeface="微软雅黑" pitchFamily="34" charset="-122"/>
+              </a:rPr>
+              <a:t>广告分类优化</a:t>
+            </a:r>
           </a:p>
           <a:p>
             <a:pPr marL="342900" lvl="1" indent="-342900">
@@ -10254,12 +12434,20 @@
               <a:buChar char="•"/>
             </a:pPr>
             <a:r>
+              <a:rPr lang="zh-CN" altLang="en-US" sz="2400" b="1" dirty="0" smtClean="0">
+                <a:latin typeface="微软雅黑" pitchFamily="34" charset="-122"/>
+                <a:ea typeface="微软雅黑" pitchFamily="34" charset="-122"/>
+                <a:cs typeface="+mn-cs"/>
+              </a:rPr>
+              <a:t>成</a:t>
+            </a:r>
+            <a:r>
               <a:rPr lang="zh-CN" altLang="en-US" sz="2400" b="1" dirty="0">
                 <a:latin typeface="微软雅黑" pitchFamily="34" charset="-122"/>
                 <a:ea typeface="微软雅黑" pitchFamily="34" charset="-122"/>
                 <a:cs typeface="+mn-cs"/>
               </a:rPr>
-              <a:t>成长点小结</a:t>
+              <a:t>长点小结</a:t>
             </a:r>
             <a:endParaRPr lang="en-US" altLang="zh-CN" sz="2400" b="1" dirty="0">
               <a:latin typeface="微软雅黑" pitchFamily="34" charset="-122"/>
@@ -10569,13 +12757,27 @@
                 <a:latin typeface="微软雅黑" pitchFamily="34" charset="-122"/>
                 <a:ea typeface="微软雅黑" pitchFamily="34" charset="-122"/>
               </a:rPr>
-              <a:t>作实现了行为级特征到人</a:t>
+              <a:t>作实</a:t>
             </a:r>
             <a:r>
               <a:rPr lang="zh-CN" altLang="en-US" sz="1400" dirty="0" smtClean="0">
                 <a:latin typeface="微软雅黑" pitchFamily="34" charset="-122"/>
                 <a:ea typeface="微软雅黑" pitchFamily="34" charset="-122"/>
               </a:rPr>
+              <a:t>现行</a:t>
+            </a:r>
+            <a:r>
+              <a:rPr lang="zh-CN" altLang="en-US" sz="1400" dirty="0">
+                <a:latin typeface="微软雅黑" pitchFamily="34" charset="-122"/>
+                <a:ea typeface="微软雅黑" pitchFamily="34" charset="-122"/>
+              </a:rPr>
+              <a:t>为级特征到人</a:t>
+            </a:r>
+            <a:r>
+              <a:rPr lang="zh-CN" altLang="en-US" sz="1400" dirty="0" smtClean="0">
+                <a:latin typeface="微软雅黑" pitchFamily="34" charset="-122"/>
+                <a:ea typeface="微软雅黑" pitchFamily="34" charset="-122"/>
+              </a:rPr>
               <a:t>群</a:t>
             </a:r>
             <a:r>
@@ -10590,7 +12792,28 @@
                 <a:latin typeface="微软雅黑" pitchFamily="34" charset="-122"/>
                 <a:ea typeface="微软雅黑" pitchFamily="34" charset="-122"/>
               </a:rPr>
-              <a:t>别特征的转换，</a:t>
+              <a:t>别特</a:t>
+            </a:r>
+            <a:r>
+              <a:rPr lang="zh-CN" altLang="en-US" sz="1400" dirty="0" smtClean="0">
+                <a:latin typeface="微软雅黑" pitchFamily="34" charset="-122"/>
+                <a:ea typeface="微软雅黑" pitchFamily="34" charset="-122"/>
+              </a:rPr>
+              <a:t>征</a:t>
+            </a:r>
+            <a:r>
+              <a:rPr lang="zh-CN" altLang="en-US" sz="1400" dirty="0" smtClean="0">
+                <a:latin typeface="微软雅黑" pitchFamily="34" charset="-122"/>
+                <a:ea typeface="微软雅黑" pitchFamily="34" charset="-122"/>
+              </a:rPr>
+              <a:t>的计算</a:t>
+            </a:r>
+            <a:r>
+              <a:rPr lang="zh-CN" altLang="en-US" sz="1400" dirty="0" smtClean="0">
+                <a:latin typeface="微软雅黑" pitchFamily="34" charset="-122"/>
+                <a:ea typeface="微软雅黑" pitchFamily="34" charset="-122"/>
+              </a:rPr>
+              <a:t>，</a:t>
             </a:r>
             <a:r>
               <a:rPr lang="zh-CN" altLang="en-US" sz="1400" dirty="0">
@@ -10638,7 +12861,21 @@
                 <a:latin typeface="微软雅黑" pitchFamily="34" charset="-122"/>
                 <a:ea typeface="微软雅黑" pitchFamily="34" charset="-122"/>
               </a:rPr>
-              <a:t>群定向工具开发，帮助快速实验迭代人群构建，帮助开物实现应用方的构建需求；</a:t>
+              <a:t>群定</a:t>
+            </a:r>
+            <a:r>
+              <a:rPr lang="zh-CN" altLang="en-US" sz="1400" dirty="0" smtClean="0">
+                <a:latin typeface="微软雅黑" pitchFamily="34" charset="-122"/>
+                <a:ea typeface="微软雅黑" pitchFamily="34" charset="-122"/>
+              </a:rPr>
+              <a:t>向系列流程梳理及关联工</a:t>
+            </a:r>
+            <a:r>
+              <a:rPr lang="zh-CN" altLang="en-US" sz="1400" dirty="0" smtClean="0">
+                <a:latin typeface="微软雅黑" pitchFamily="34" charset="-122"/>
+                <a:ea typeface="微软雅黑" pitchFamily="34" charset="-122"/>
+              </a:rPr>
+              <a:t>具开发，帮助快速实验迭代人群构建，帮助开物实现应用方的构建需求；</a:t>
             </a:r>
             <a:endParaRPr lang="zh-CN" altLang="en-US" sz="1400" dirty="0">
               <a:latin typeface="微软雅黑" pitchFamily="34" charset="-122"/>
@@ -10861,15 +13098,18 @@
               <a:t>-</a:t>
             </a:r>
             <a:r>
-              <a:rPr lang="zh-CN" altLang="en-US" dirty="0" smtClean="0">
+              <a:rPr lang="zh-CN" altLang="en-US" dirty="0">
                 <a:solidFill>
                   <a:schemeClr val="tx1"/>
                 </a:solidFill>
                 <a:latin typeface="微软雅黑" pitchFamily="34" charset="-122"/>
                 <a:ea typeface="微软雅黑" pitchFamily="34" charset="-122"/>
               </a:rPr>
-              <a:t>从行为特征到人群</a:t>
-            </a:r>
+              <a:t>从行为特征到人群流程</a:t>
+            </a:r>
+          </a:p>
+          <a:p>
+            <a:pPr eaLnBrk="1" hangingPunct="1"/>
             <a:endParaRPr lang="en-US" altLang="zh-CN" dirty="0">
               <a:solidFill>
                 <a:schemeClr val="tx1"/>
@@ -11341,18 +13581,19 @@
             </a:endParaRPr>
           </a:p>
           <a:p>
-            <a:endParaRPr lang="en-US" altLang="zh-CN" sz="1800" dirty="0">
-              <a:latin typeface="微软雅黑" pitchFamily="34" charset="-122"/>
-              <a:ea typeface="微软雅黑" pitchFamily="34" charset="-122"/>
-            </a:endParaRPr>
-          </a:p>
-          <a:p>
+            <a:r>
+              <a:rPr lang="zh-CN" altLang="en-US" sz="1600" dirty="0" smtClean="0">
+                <a:latin typeface="微软雅黑" pitchFamily="34" charset="-122"/>
+                <a:ea typeface="微软雅黑" pitchFamily="34" charset="-122"/>
+              </a:rPr>
+              <a:t>上</a:t>
+            </a:r>
             <a:r>
               <a:rPr lang="zh-CN" altLang="en-US" sz="1600" dirty="0">
                 <a:latin typeface="微软雅黑" pitchFamily="34" charset="-122"/>
                 <a:ea typeface="微软雅黑" pitchFamily="34" charset="-122"/>
               </a:rPr>
-              <a:t>上线特征逻辑：使用</a:t>
+              <a:t>线特征逻辑：使用</a:t>
             </a:r>
             <a:r>
               <a:rPr lang="en-US" altLang="zh-CN" sz="1600" dirty="0">
@@ -11450,7 +13691,7 @@
         </p:blipFill>
         <p:spPr bwMode="auto">
           <a:xfrm>
-            <a:off x="275960" y="2497460"/>
+            <a:off x="378031" y="1921396"/>
             <a:ext cx="8172450" cy="1828800"/>
           </a:xfrm>
           <a:prstGeom prst="rect">
@@ -12558,6 +14799,16 @@
           <a:p>
             <a:pPr eaLnBrk="1" hangingPunct="1"/>
             <a:r>
+              <a:rPr lang="zh-CN" altLang="en-US" dirty="0">
+                <a:solidFill>
+                  <a:schemeClr val="tx1"/>
+                </a:solidFill>
+                <a:latin typeface="微软雅黑" pitchFamily="34" charset="-122"/>
+                <a:ea typeface="微软雅黑" pitchFamily="34" charset="-122"/>
+              </a:rPr>
+              <a:t>细</a:t>
+            </a:r>
+            <a:r>
               <a:rPr lang="zh-CN" altLang="en-US" dirty="0" smtClean="0">
                 <a:solidFill>
                   <a:schemeClr val="tx1"/>
@@ -12565,47 +14816,7 @@
                 <a:latin typeface="微软雅黑" pitchFamily="34" charset="-122"/>
                 <a:ea typeface="微软雅黑" pitchFamily="34" charset="-122"/>
               </a:rPr>
-              <a:t>前序</a:t>
-            </a:r>
-            <a:r>
-              <a:rPr lang="en-US" altLang="zh-CN" dirty="0" smtClean="0">
-                <a:solidFill>
-                  <a:schemeClr val="tx1"/>
-                </a:solidFill>
-                <a:latin typeface="微软雅黑" pitchFamily="34" charset="-122"/>
-                <a:ea typeface="微软雅黑" pitchFamily="34" charset="-122"/>
-              </a:rPr>
-              <a:t>-</a:t>
-            </a:r>
-            <a:r>
-              <a:rPr lang="zh-CN" altLang="en-US" dirty="0" smtClean="0">
-                <a:solidFill>
-                  <a:schemeClr val="tx1"/>
-                </a:solidFill>
-                <a:latin typeface="微软雅黑" pitchFamily="34" charset="-122"/>
-                <a:ea typeface="微软雅黑" pitchFamily="34" charset="-122"/>
-              </a:rPr>
-              <a:t>准确的描述</a:t>
-            </a:r>
-            <a:r>
-              <a:rPr lang="en-US" altLang="zh-CN" dirty="0" smtClean="0">
-                <a:solidFill>
-                  <a:schemeClr val="tx1"/>
-                </a:solidFill>
-                <a:latin typeface="微软雅黑" pitchFamily="34" charset="-122"/>
-                <a:ea typeface="微软雅黑" pitchFamily="34" charset="-122"/>
-              </a:rPr>
-              <a:t>Cookie</a:t>
-            </a:r>
-            <a:r>
-              <a:rPr lang="zh-CN" altLang="en-US" dirty="0" smtClean="0">
-                <a:solidFill>
-                  <a:schemeClr val="tx1"/>
-                </a:solidFill>
-                <a:latin typeface="微软雅黑" pitchFamily="34" charset="-122"/>
-                <a:ea typeface="微软雅黑" pitchFamily="34" charset="-122"/>
-              </a:rPr>
-              <a:t>行为关联</a:t>
+              <a:t>化人群的预判</a:t>
             </a:r>
             <a:endParaRPr lang="en-US" altLang="zh-CN" dirty="0">
               <a:solidFill>
@@ -12638,6 +14849,859 @@
 </file>
 
 <file path=ppt/slides/slide7.xml><?xml version="1.0" encoding="utf-8"?>
+<p:sld xmlns:a="http://schemas.openxmlformats.org/drawingml/2006/main" xmlns:r="http://schemas.openxmlformats.org/officeDocument/2006/relationships" xmlns:p="http://schemas.openxmlformats.org/presentationml/2006/main">
+  <p:cSld>
+    <p:spTree>
+      <p:nvGrpSpPr>
+        <p:cNvPr id="1" name=""/>
+        <p:cNvGrpSpPr/>
+        <p:nvPr/>
+      </p:nvGrpSpPr>
+      <p:grpSpPr>
+        <a:xfrm>
+          <a:off x="0" y="0"/>
+          <a:ext cx="0" cy="0"/>
+          <a:chOff x="0" y="0"/>
+          <a:chExt cx="0" cy="0"/>
+        </a:xfrm>
+      </p:grpSpPr>
+      <p:sp>
+        <p:nvSpPr>
+          <p:cNvPr id="2" name="Content Placeholder 1"/>
+          <p:cNvSpPr>
+            <a:spLocks noGrp="1"/>
+          </p:cNvSpPr>
+          <p:nvPr>
+            <p:ph idx="1"/>
+          </p:nvPr>
+        </p:nvSpPr>
+        <p:spPr>
+          <a:xfrm>
+            <a:off x="323528" y="1308100"/>
+            <a:ext cx="8496944" cy="397272"/>
+          </a:xfrm>
+        </p:spPr>
+        <p:txBody>
+          <a:bodyPr/>
+          <a:lstStyle/>
+          <a:p>
+            <a:r>
+              <a:rPr lang="en-US" altLang="zh-CN" sz="1800" dirty="0" smtClean="0">
+                <a:latin typeface="微软雅黑" pitchFamily="34" charset="-122"/>
+                <a:ea typeface="微软雅黑" pitchFamily="34" charset="-122"/>
+                <a:cs typeface="+mn-cs"/>
+              </a:rPr>
+              <a:t>A720</a:t>
+            </a:r>
+            <a:r>
+              <a:rPr lang="zh-CN" altLang="en-US" sz="1800" dirty="0" smtClean="0">
+                <a:latin typeface="微软雅黑" pitchFamily="34" charset="-122"/>
+                <a:ea typeface="微软雅黑" pitchFamily="34" charset="-122"/>
+                <a:cs typeface="+mn-cs"/>
+              </a:rPr>
+              <a:t>工具的支持和升级，可以拿到</a:t>
+            </a:r>
+            <a:r>
+              <a:rPr lang="en-US" altLang="zh-CN" sz="1800" dirty="0" smtClean="0">
+                <a:latin typeface="微软雅黑" pitchFamily="34" charset="-122"/>
+                <a:ea typeface="微软雅黑" pitchFamily="34" charset="-122"/>
+                <a:cs typeface="+mn-cs"/>
+              </a:rPr>
+              <a:t>cookie</a:t>
+            </a:r>
+            <a:r>
+              <a:rPr lang="zh-CN" altLang="en-US" sz="1800" dirty="0" smtClean="0">
+                <a:latin typeface="微软雅黑" pitchFamily="34" charset="-122"/>
+                <a:ea typeface="微软雅黑" pitchFamily="34" charset="-122"/>
+                <a:cs typeface="+mn-cs"/>
+              </a:rPr>
+              <a:t>的预判情况，为人群决策提供参考</a:t>
+            </a:r>
+            <a:endParaRPr lang="en-US" altLang="zh-CN" sz="1800" dirty="0">
+              <a:latin typeface="微软雅黑" pitchFamily="34" charset="-122"/>
+              <a:ea typeface="微软雅黑" pitchFamily="34" charset="-122"/>
+              <a:cs typeface="+mn-cs"/>
+            </a:endParaRPr>
+          </a:p>
+        </p:txBody>
+      </p:sp>
+      <p:sp>
+        <p:nvSpPr>
+          <p:cNvPr id="3" name="标题 1"/>
+          <p:cNvSpPr txBox="1">
+            <a:spLocks/>
+          </p:cNvSpPr>
+          <p:nvPr/>
+        </p:nvSpPr>
+        <p:spPr bwMode="auto">
+          <a:xfrm>
+            <a:off x="282781" y="265212"/>
+            <a:ext cx="8362950" cy="720080"/>
+          </a:xfrm>
+          <a:prstGeom prst="rect">
+            <a:avLst/>
+          </a:prstGeom>
+          <a:noFill/>
+          <a:extLst>
+            <a:ext uri="{909E8E84-426E-40DD-AFC4-6F175D3DCCD1}">
+              <a14:hiddenFill xmlns:a14="http://schemas.microsoft.com/office/drawing/2010/main">
+                <a:solidFill>
+                  <a:srgbClr val="FFFFFF"/>
+                </a:solidFill>
+              </a14:hiddenFill>
+            </a:ext>
+            <a:ext uri="{91240B29-F687-4F45-9708-019B960494DF}">
+              <a14:hiddenLine xmlns:a14="http://schemas.microsoft.com/office/drawing/2010/main" w="9525">
+                <a:solidFill>
+                  <a:srgbClr val="000000"/>
+                </a:solidFill>
+                <a:miter lim="800000"/>
+                <a:headEnd/>
+                <a:tailEnd/>
+              </a14:hiddenLine>
+            </a:ext>
+          </a:extLst>
+        </p:spPr>
+        <p:txBody>
+          <a:bodyPr vert="horz" wrap="square" lIns="91440" tIns="45720" rIns="91440" bIns="45720" numCol="1" anchor="t" anchorCtr="0" compatLnSpc="1">
+            <a:prstTxWarp prst="textNoShape">
+              <a:avLst/>
+            </a:prstTxWarp>
+          </a:bodyPr>
+          <a:lstStyle>
+            <a:lvl1pPr algn="l" rtl="0" eaLnBrk="0" fontAlgn="base" hangingPunct="0">
+              <a:spcBef>
+                <a:spcPct val="0"/>
+              </a:spcBef>
+              <a:spcAft>
+                <a:spcPct val="0"/>
+              </a:spcAft>
+              <a:defRPr sz="3200" b="1">
+                <a:solidFill>
+                  <a:schemeClr val="bg1"/>
+                </a:solidFill>
+                <a:latin typeface="+mj-lt"/>
+                <a:ea typeface="+mj-ea"/>
+                <a:cs typeface="华文黑体"/>
+              </a:defRPr>
+            </a:lvl1pPr>
+            <a:lvl2pPr algn="l" rtl="0" eaLnBrk="0" fontAlgn="base" hangingPunct="0">
+              <a:spcBef>
+                <a:spcPct val="0"/>
+              </a:spcBef>
+              <a:spcAft>
+                <a:spcPct val="0"/>
+              </a:spcAft>
+              <a:defRPr sz="3200" b="1">
+                <a:solidFill>
+                  <a:schemeClr val="bg1"/>
+                </a:solidFill>
+                <a:latin typeface="Arial" charset="0"/>
+                <a:ea typeface="华文黑体" charset="-122"/>
+                <a:cs typeface="华文黑体"/>
+              </a:defRPr>
+            </a:lvl2pPr>
+            <a:lvl3pPr algn="l" rtl="0" eaLnBrk="0" fontAlgn="base" hangingPunct="0">
+              <a:spcBef>
+                <a:spcPct val="0"/>
+              </a:spcBef>
+              <a:spcAft>
+                <a:spcPct val="0"/>
+              </a:spcAft>
+              <a:defRPr sz="3200" b="1">
+                <a:solidFill>
+                  <a:schemeClr val="bg1"/>
+                </a:solidFill>
+                <a:latin typeface="Arial" charset="0"/>
+                <a:ea typeface="华文黑体" charset="-122"/>
+                <a:cs typeface="华文黑体"/>
+              </a:defRPr>
+            </a:lvl3pPr>
+            <a:lvl4pPr algn="l" rtl="0" eaLnBrk="0" fontAlgn="base" hangingPunct="0">
+              <a:spcBef>
+                <a:spcPct val="0"/>
+              </a:spcBef>
+              <a:spcAft>
+                <a:spcPct val="0"/>
+              </a:spcAft>
+              <a:defRPr sz="3200" b="1">
+                <a:solidFill>
+                  <a:schemeClr val="bg1"/>
+                </a:solidFill>
+                <a:latin typeface="Arial" charset="0"/>
+                <a:ea typeface="华文黑体" charset="-122"/>
+                <a:cs typeface="华文黑体"/>
+              </a:defRPr>
+            </a:lvl4pPr>
+            <a:lvl5pPr algn="l" rtl="0" eaLnBrk="0" fontAlgn="base" hangingPunct="0">
+              <a:spcBef>
+                <a:spcPct val="0"/>
+              </a:spcBef>
+              <a:spcAft>
+                <a:spcPct val="0"/>
+              </a:spcAft>
+              <a:defRPr sz="3200" b="1">
+                <a:solidFill>
+                  <a:schemeClr val="bg1"/>
+                </a:solidFill>
+                <a:latin typeface="Arial" charset="0"/>
+                <a:ea typeface="华文黑体" charset="-122"/>
+                <a:cs typeface="华文黑体"/>
+              </a:defRPr>
+            </a:lvl5pPr>
+            <a:lvl6pPr marL="457200" algn="l" rtl="0" fontAlgn="base">
+              <a:spcBef>
+                <a:spcPct val="0"/>
+              </a:spcBef>
+              <a:spcAft>
+                <a:spcPct val="0"/>
+              </a:spcAft>
+              <a:defRPr sz="3200" b="1">
+                <a:solidFill>
+                  <a:schemeClr val="bg1"/>
+                </a:solidFill>
+                <a:latin typeface="Arial" charset="0"/>
+                <a:ea typeface="华文黑体" charset="-122"/>
+              </a:defRPr>
+            </a:lvl6pPr>
+            <a:lvl7pPr marL="914400" algn="l" rtl="0" fontAlgn="base">
+              <a:spcBef>
+                <a:spcPct val="0"/>
+              </a:spcBef>
+              <a:spcAft>
+                <a:spcPct val="0"/>
+              </a:spcAft>
+              <a:defRPr sz="3200" b="1">
+                <a:solidFill>
+                  <a:schemeClr val="bg1"/>
+                </a:solidFill>
+                <a:latin typeface="Arial" charset="0"/>
+                <a:ea typeface="华文黑体" charset="-122"/>
+              </a:defRPr>
+            </a:lvl7pPr>
+            <a:lvl8pPr marL="1371600" algn="l" rtl="0" fontAlgn="base">
+              <a:spcBef>
+                <a:spcPct val="0"/>
+              </a:spcBef>
+              <a:spcAft>
+                <a:spcPct val="0"/>
+              </a:spcAft>
+              <a:defRPr sz="3200" b="1">
+                <a:solidFill>
+                  <a:schemeClr val="bg1"/>
+                </a:solidFill>
+                <a:latin typeface="Arial" charset="0"/>
+                <a:ea typeface="华文黑体" charset="-122"/>
+              </a:defRPr>
+            </a:lvl8pPr>
+            <a:lvl9pPr marL="1828800" algn="l" rtl="0" fontAlgn="base">
+              <a:spcBef>
+                <a:spcPct val="0"/>
+              </a:spcBef>
+              <a:spcAft>
+                <a:spcPct val="0"/>
+              </a:spcAft>
+              <a:defRPr sz="3200" b="1">
+                <a:solidFill>
+                  <a:schemeClr val="bg1"/>
+                </a:solidFill>
+                <a:latin typeface="Arial" charset="0"/>
+                <a:ea typeface="华文黑体" charset="-122"/>
+              </a:defRPr>
+            </a:lvl9pPr>
+          </a:lstStyle>
+          <a:p>
+            <a:pPr eaLnBrk="1" hangingPunct="1"/>
+            <a:r>
+              <a:rPr lang="zh-CN" altLang="en-US" dirty="0">
+                <a:solidFill>
+                  <a:schemeClr val="tx1"/>
+                </a:solidFill>
+                <a:latin typeface="微软雅黑" pitchFamily="34" charset="-122"/>
+                <a:ea typeface="微软雅黑" pitchFamily="34" charset="-122"/>
+              </a:rPr>
+              <a:t>前</a:t>
+            </a:r>
+            <a:r>
+              <a:rPr lang="zh-CN" altLang="en-US" dirty="0" smtClean="0">
+                <a:solidFill>
+                  <a:schemeClr val="tx1"/>
+                </a:solidFill>
+                <a:latin typeface="微软雅黑" pitchFamily="34" charset="-122"/>
+                <a:ea typeface="微软雅黑" pitchFamily="34" charset="-122"/>
+              </a:rPr>
+              <a:t>序</a:t>
+            </a:r>
+            <a:r>
+              <a:rPr lang="en-US" altLang="zh-CN" dirty="0" smtClean="0">
+                <a:solidFill>
+                  <a:schemeClr val="tx1"/>
+                </a:solidFill>
+                <a:latin typeface="微软雅黑" pitchFamily="34" charset="-122"/>
+                <a:ea typeface="微软雅黑" pitchFamily="34" charset="-122"/>
+              </a:rPr>
+              <a:t>-</a:t>
+            </a:r>
+            <a:r>
+              <a:rPr lang="zh-CN" altLang="en-US" dirty="0" smtClean="0">
+                <a:solidFill>
+                  <a:schemeClr val="tx1"/>
+                </a:solidFill>
+                <a:latin typeface="微软雅黑" pitchFamily="34" charset="-122"/>
+                <a:ea typeface="微软雅黑" pitchFamily="34" charset="-122"/>
+              </a:rPr>
+              <a:t>需求人群的预判</a:t>
+            </a:r>
+            <a:endParaRPr lang="en-US" altLang="zh-CN" dirty="0">
+              <a:solidFill>
+                <a:schemeClr val="tx1"/>
+              </a:solidFill>
+              <a:latin typeface="微软雅黑" pitchFamily="34" charset="-122"/>
+              <a:ea typeface="微软雅黑" pitchFamily="34" charset="-122"/>
+            </a:endParaRPr>
+          </a:p>
+        </p:txBody>
+      </p:sp>
+      <p:pic>
+        <p:nvPicPr>
+          <p:cNvPr id="4" name="Picture 3"/>
+          <p:cNvPicPr>
+            <a:picLocks noChangeAspect="1"/>
+          </p:cNvPicPr>
+          <p:nvPr/>
+        </p:nvPicPr>
+        <p:blipFill>
+          <a:blip r:embed="rId2">
+            <a:extLst>
+              <a:ext uri="{28A0092B-C50C-407E-A947-70E740481C1C}">
+                <a14:useLocalDpi xmlns:a14="http://schemas.microsoft.com/office/drawing/2010/main" val="0"/>
+              </a:ext>
+            </a:extLst>
+          </a:blip>
+          <a:stretch>
+            <a:fillRect/>
+          </a:stretch>
+        </p:blipFill>
+        <p:spPr>
+          <a:xfrm>
+            <a:off x="683568" y="1705372"/>
+            <a:ext cx="1339140" cy="2666533"/>
+          </a:xfrm>
+          <a:prstGeom prst="rect">
+            <a:avLst/>
+          </a:prstGeom>
+        </p:spPr>
+      </p:pic>
+      <p:sp>
+        <p:nvSpPr>
+          <p:cNvPr id="6" name="TextBox 5"/>
+          <p:cNvSpPr txBox="1"/>
+          <p:nvPr/>
+        </p:nvSpPr>
+        <p:spPr>
+          <a:xfrm>
+            <a:off x="683568" y="4329017"/>
+            <a:ext cx="976549" cy="276999"/>
+          </a:xfrm>
+          <a:prstGeom prst="rect">
+            <a:avLst/>
+          </a:prstGeom>
+          <a:noFill/>
+        </p:spPr>
+        <p:txBody>
+          <a:bodyPr wrap="none" rtlCol="0">
+            <a:spAutoFit/>
+          </a:bodyPr>
+          <a:lstStyle/>
+          <a:p>
+            <a:r>
+              <a:rPr lang="zh-CN" altLang="en-US" sz="1200" dirty="0">
+                <a:latin typeface="微软雅黑" pitchFamily="34" charset="-122"/>
+                <a:ea typeface="微软雅黑" pitchFamily="34" charset="-122"/>
+              </a:rPr>
+              <a:t>输</a:t>
+            </a:r>
+            <a:r>
+              <a:rPr lang="zh-CN" altLang="en-US" sz="1200" dirty="0" smtClean="0">
+                <a:latin typeface="微软雅黑" pitchFamily="34" charset="-122"/>
+                <a:ea typeface="微软雅黑" pitchFamily="34" charset="-122"/>
+              </a:rPr>
+              <a:t>入</a:t>
+            </a:r>
+            <a:r>
+              <a:rPr lang="en-US" altLang="zh-CN" sz="1200" dirty="0" smtClean="0">
+                <a:latin typeface="微软雅黑" pitchFamily="34" charset="-122"/>
+                <a:ea typeface="微软雅黑" pitchFamily="34" charset="-122"/>
+              </a:rPr>
+              <a:t>cookie</a:t>
+            </a:r>
+            <a:endParaRPr lang="en-US" sz="1200" dirty="0">
+              <a:latin typeface="微软雅黑" pitchFamily="34" charset="-122"/>
+              <a:ea typeface="微软雅黑" pitchFamily="34" charset="-122"/>
+            </a:endParaRPr>
+          </a:p>
+        </p:txBody>
+      </p:sp>
+    </p:spTree>
+    <p:extLst>
+      <p:ext uri="{BB962C8B-B14F-4D97-AF65-F5344CB8AC3E}">
+        <p14:creationId xmlns:p14="http://schemas.microsoft.com/office/powerpoint/2010/main" val="3187494990"/>
+      </p:ext>
+    </p:extLst>
+  </p:cSld>
+  <p:clrMapOvr>
+    <a:masterClrMapping/>
+  </p:clrMapOvr>
+  <p:timing>
+    <p:tnLst>
+      <p:par>
+        <p:cTn id="1" dur="indefinite" restart="never" nodeType="tmRoot"/>
+      </p:par>
+    </p:tnLst>
+  </p:timing>
+</p:sld>
+</file>
+
+<file path=ppt/slides/slide8.xml><?xml version="1.0" encoding="utf-8"?>
+<p:sld xmlns:a="http://schemas.openxmlformats.org/drawingml/2006/main" xmlns:r="http://schemas.openxmlformats.org/officeDocument/2006/relationships" xmlns:p="http://schemas.openxmlformats.org/presentationml/2006/main">
+  <p:cSld>
+    <p:spTree>
+      <p:nvGrpSpPr>
+        <p:cNvPr id="1" name=""/>
+        <p:cNvGrpSpPr/>
+        <p:nvPr/>
+      </p:nvGrpSpPr>
+      <p:grpSpPr>
+        <a:xfrm>
+          <a:off x="0" y="0"/>
+          <a:ext cx="0" cy="0"/>
+          <a:chOff x="0" y="0"/>
+          <a:chExt cx="0" cy="0"/>
+        </a:xfrm>
+      </p:grpSpPr>
+      <p:sp>
+        <p:nvSpPr>
+          <p:cNvPr id="2" name="Content Placeholder 1"/>
+          <p:cNvSpPr>
+            <a:spLocks noGrp="1"/>
+          </p:cNvSpPr>
+          <p:nvPr>
+            <p:ph idx="1"/>
+          </p:nvPr>
+        </p:nvSpPr>
+        <p:spPr>
+          <a:xfrm>
+            <a:off x="323528" y="1308100"/>
+            <a:ext cx="8496944" cy="613296"/>
+          </a:xfrm>
+        </p:spPr>
+        <p:txBody>
+          <a:bodyPr/>
+          <a:lstStyle/>
+          <a:p>
+            <a:r>
+              <a:rPr lang="zh-CN" altLang="en-US" sz="1800" dirty="0" smtClean="0">
+                <a:latin typeface="微软雅黑" pitchFamily="34" charset="-122"/>
+                <a:ea typeface="微软雅黑" pitchFamily="34" charset="-122"/>
+                <a:cs typeface="+mn-cs"/>
+              </a:rPr>
+              <a:t>行为分析</a:t>
+            </a:r>
+            <a:r>
+              <a:rPr lang="zh-CN" altLang="en-US" sz="1800" dirty="0" smtClean="0">
+                <a:latin typeface="微软雅黑" pitchFamily="34" charset="-122"/>
+                <a:ea typeface="微软雅黑" pitchFamily="34" charset="-122"/>
+              </a:rPr>
+              <a:t>及人群链接工具流程的整合，可以给到</a:t>
+            </a:r>
+            <a:r>
+              <a:rPr lang="en-US" altLang="zh-CN" sz="1800" dirty="0" smtClean="0">
+                <a:latin typeface="微软雅黑" pitchFamily="34" charset="-122"/>
+                <a:ea typeface="微软雅黑" pitchFamily="34" charset="-122"/>
+              </a:rPr>
+              <a:t>cookie-EPA</a:t>
+            </a:r>
+            <a:r>
+              <a:rPr lang="zh-CN" altLang="en-US" sz="1800" dirty="0" smtClean="0">
+                <a:latin typeface="微软雅黑" pitchFamily="34" charset="-122"/>
+                <a:ea typeface="微软雅黑" pitchFamily="34" charset="-122"/>
+              </a:rPr>
+              <a:t>的基本关系，描述行为与产出</a:t>
+            </a:r>
+            <a:r>
+              <a:rPr lang="en-US" altLang="zh-CN" sz="1800" dirty="0" smtClean="0">
+                <a:latin typeface="微软雅黑" pitchFamily="34" charset="-122"/>
+                <a:ea typeface="微软雅黑" pitchFamily="34" charset="-122"/>
+              </a:rPr>
+              <a:t>EPA</a:t>
+            </a:r>
+            <a:r>
+              <a:rPr lang="zh-CN" altLang="en-US" sz="1800" dirty="0" smtClean="0">
+                <a:latin typeface="微软雅黑" pitchFamily="34" charset="-122"/>
+                <a:ea typeface="微软雅黑" pitchFamily="34" charset="-122"/>
+              </a:rPr>
+              <a:t>的现状情况，预判</a:t>
+            </a:r>
+            <a:r>
+              <a:rPr lang="en-US" altLang="zh-CN" sz="1800" dirty="0" smtClean="0">
+                <a:latin typeface="微软雅黑" pitchFamily="34" charset="-122"/>
+                <a:ea typeface="微软雅黑" pitchFamily="34" charset="-122"/>
+              </a:rPr>
+              <a:t>EPA</a:t>
+            </a:r>
+            <a:r>
+              <a:rPr lang="zh-CN" altLang="en-US" sz="1800" dirty="0" smtClean="0">
+                <a:latin typeface="微软雅黑" pitchFamily="34" charset="-122"/>
+                <a:ea typeface="微软雅黑" pitchFamily="34" charset="-122"/>
+              </a:rPr>
+              <a:t>条件对应什么样的人群</a:t>
+            </a:r>
+            <a:endParaRPr lang="en-US" altLang="zh-CN" sz="1800" dirty="0">
+              <a:latin typeface="微软雅黑" pitchFamily="34" charset="-122"/>
+              <a:ea typeface="微软雅黑" pitchFamily="34" charset="-122"/>
+              <a:cs typeface="+mn-cs"/>
+            </a:endParaRPr>
+          </a:p>
+        </p:txBody>
+      </p:sp>
+      <p:sp>
+        <p:nvSpPr>
+          <p:cNvPr id="3" name="标题 1"/>
+          <p:cNvSpPr txBox="1">
+            <a:spLocks/>
+          </p:cNvSpPr>
+          <p:nvPr/>
+        </p:nvSpPr>
+        <p:spPr bwMode="auto">
+          <a:xfrm>
+            <a:off x="282781" y="265212"/>
+            <a:ext cx="8362950" cy="720080"/>
+          </a:xfrm>
+          <a:prstGeom prst="rect">
+            <a:avLst/>
+          </a:prstGeom>
+          <a:noFill/>
+          <a:extLst>
+            <a:ext uri="{909E8E84-426E-40DD-AFC4-6F175D3DCCD1}">
+              <a14:hiddenFill xmlns:a14="http://schemas.microsoft.com/office/drawing/2010/main">
+                <a:solidFill>
+                  <a:srgbClr val="FFFFFF"/>
+                </a:solidFill>
+              </a14:hiddenFill>
+            </a:ext>
+            <a:ext uri="{91240B29-F687-4F45-9708-019B960494DF}">
+              <a14:hiddenLine xmlns:a14="http://schemas.microsoft.com/office/drawing/2010/main" w="9525">
+                <a:solidFill>
+                  <a:srgbClr val="000000"/>
+                </a:solidFill>
+                <a:miter lim="800000"/>
+                <a:headEnd/>
+                <a:tailEnd/>
+              </a14:hiddenLine>
+            </a:ext>
+          </a:extLst>
+        </p:spPr>
+        <p:txBody>
+          <a:bodyPr vert="horz" wrap="square" lIns="91440" tIns="45720" rIns="91440" bIns="45720" numCol="1" anchor="t" anchorCtr="0" compatLnSpc="1">
+            <a:prstTxWarp prst="textNoShape">
+              <a:avLst/>
+            </a:prstTxWarp>
+          </a:bodyPr>
+          <a:lstStyle>
+            <a:lvl1pPr algn="l" rtl="0" eaLnBrk="0" fontAlgn="base" hangingPunct="0">
+              <a:spcBef>
+                <a:spcPct val="0"/>
+              </a:spcBef>
+              <a:spcAft>
+                <a:spcPct val="0"/>
+              </a:spcAft>
+              <a:defRPr sz="3200" b="1">
+                <a:solidFill>
+                  <a:schemeClr val="bg1"/>
+                </a:solidFill>
+                <a:latin typeface="+mj-lt"/>
+                <a:ea typeface="+mj-ea"/>
+                <a:cs typeface="华文黑体"/>
+              </a:defRPr>
+            </a:lvl1pPr>
+            <a:lvl2pPr algn="l" rtl="0" eaLnBrk="0" fontAlgn="base" hangingPunct="0">
+              <a:spcBef>
+                <a:spcPct val="0"/>
+              </a:spcBef>
+              <a:spcAft>
+                <a:spcPct val="0"/>
+              </a:spcAft>
+              <a:defRPr sz="3200" b="1">
+                <a:solidFill>
+                  <a:schemeClr val="bg1"/>
+                </a:solidFill>
+                <a:latin typeface="Arial" charset="0"/>
+                <a:ea typeface="华文黑体" charset="-122"/>
+                <a:cs typeface="华文黑体"/>
+              </a:defRPr>
+            </a:lvl2pPr>
+            <a:lvl3pPr algn="l" rtl="0" eaLnBrk="0" fontAlgn="base" hangingPunct="0">
+              <a:spcBef>
+                <a:spcPct val="0"/>
+              </a:spcBef>
+              <a:spcAft>
+                <a:spcPct val="0"/>
+              </a:spcAft>
+              <a:defRPr sz="3200" b="1">
+                <a:solidFill>
+                  <a:schemeClr val="bg1"/>
+                </a:solidFill>
+                <a:latin typeface="Arial" charset="0"/>
+                <a:ea typeface="华文黑体" charset="-122"/>
+                <a:cs typeface="华文黑体"/>
+              </a:defRPr>
+            </a:lvl3pPr>
+            <a:lvl4pPr algn="l" rtl="0" eaLnBrk="0" fontAlgn="base" hangingPunct="0">
+              <a:spcBef>
+                <a:spcPct val="0"/>
+              </a:spcBef>
+              <a:spcAft>
+                <a:spcPct val="0"/>
+              </a:spcAft>
+              <a:defRPr sz="3200" b="1">
+                <a:solidFill>
+                  <a:schemeClr val="bg1"/>
+                </a:solidFill>
+                <a:latin typeface="Arial" charset="0"/>
+                <a:ea typeface="华文黑体" charset="-122"/>
+                <a:cs typeface="华文黑体"/>
+              </a:defRPr>
+            </a:lvl4pPr>
+            <a:lvl5pPr algn="l" rtl="0" eaLnBrk="0" fontAlgn="base" hangingPunct="0">
+              <a:spcBef>
+                <a:spcPct val="0"/>
+              </a:spcBef>
+              <a:spcAft>
+                <a:spcPct val="0"/>
+              </a:spcAft>
+              <a:defRPr sz="3200" b="1">
+                <a:solidFill>
+                  <a:schemeClr val="bg1"/>
+                </a:solidFill>
+                <a:latin typeface="Arial" charset="0"/>
+                <a:ea typeface="华文黑体" charset="-122"/>
+                <a:cs typeface="华文黑体"/>
+              </a:defRPr>
+            </a:lvl5pPr>
+            <a:lvl6pPr marL="457200" algn="l" rtl="0" fontAlgn="base">
+              <a:spcBef>
+                <a:spcPct val="0"/>
+              </a:spcBef>
+              <a:spcAft>
+                <a:spcPct val="0"/>
+              </a:spcAft>
+              <a:defRPr sz="3200" b="1">
+                <a:solidFill>
+                  <a:schemeClr val="bg1"/>
+                </a:solidFill>
+                <a:latin typeface="Arial" charset="0"/>
+                <a:ea typeface="华文黑体" charset="-122"/>
+              </a:defRPr>
+            </a:lvl6pPr>
+            <a:lvl7pPr marL="914400" algn="l" rtl="0" fontAlgn="base">
+              <a:spcBef>
+                <a:spcPct val="0"/>
+              </a:spcBef>
+              <a:spcAft>
+                <a:spcPct val="0"/>
+              </a:spcAft>
+              <a:defRPr sz="3200" b="1">
+                <a:solidFill>
+                  <a:schemeClr val="bg1"/>
+                </a:solidFill>
+                <a:latin typeface="Arial" charset="0"/>
+                <a:ea typeface="华文黑体" charset="-122"/>
+              </a:defRPr>
+            </a:lvl7pPr>
+            <a:lvl8pPr marL="1371600" algn="l" rtl="0" fontAlgn="base">
+              <a:spcBef>
+                <a:spcPct val="0"/>
+              </a:spcBef>
+              <a:spcAft>
+                <a:spcPct val="0"/>
+              </a:spcAft>
+              <a:defRPr sz="3200" b="1">
+                <a:solidFill>
+                  <a:schemeClr val="bg1"/>
+                </a:solidFill>
+                <a:latin typeface="Arial" charset="0"/>
+                <a:ea typeface="华文黑体" charset="-122"/>
+              </a:defRPr>
+            </a:lvl8pPr>
+            <a:lvl9pPr marL="1828800" algn="l" rtl="0" fontAlgn="base">
+              <a:spcBef>
+                <a:spcPct val="0"/>
+              </a:spcBef>
+              <a:spcAft>
+                <a:spcPct val="0"/>
+              </a:spcAft>
+              <a:defRPr sz="3200" b="1">
+                <a:solidFill>
+                  <a:schemeClr val="bg1"/>
+                </a:solidFill>
+                <a:latin typeface="Arial" charset="0"/>
+                <a:ea typeface="华文黑体" charset="-122"/>
+              </a:defRPr>
+            </a:lvl9pPr>
+          </a:lstStyle>
+          <a:p>
+            <a:pPr eaLnBrk="1" hangingPunct="1"/>
+            <a:r>
+              <a:rPr lang="zh-CN" altLang="en-US" dirty="0">
+                <a:solidFill>
+                  <a:schemeClr val="tx1"/>
+                </a:solidFill>
+                <a:latin typeface="微软雅黑" pitchFamily="34" charset="-122"/>
+                <a:ea typeface="微软雅黑" pitchFamily="34" charset="-122"/>
+              </a:rPr>
+              <a:t>前</a:t>
+            </a:r>
+            <a:r>
+              <a:rPr lang="zh-CN" altLang="en-US" dirty="0" smtClean="0">
+                <a:solidFill>
+                  <a:schemeClr val="tx1"/>
+                </a:solidFill>
+                <a:latin typeface="微软雅黑" pitchFamily="34" charset="-122"/>
+                <a:ea typeface="微软雅黑" pitchFamily="34" charset="-122"/>
+              </a:rPr>
+              <a:t>序</a:t>
+            </a:r>
+            <a:r>
+              <a:rPr lang="en-US" altLang="zh-CN" dirty="0" smtClean="0">
+                <a:solidFill>
+                  <a:schemeClr val="tx1"/>
+                </a:solidFill>
+                <a:latin typeface="微软雅黑" pitchFamily="34" charset="-122"/>
+                <a:ea typeface="微软雅黑" pitchFamily="34" charset="-122"/>
+              </a:rPr>
+              <a:t>-</a:t>
+            </a:r>
+            <a:r>
+              <a:rPr lang="zh-CN" altLang="en-US" dirty="0" smtClean="0">
+                <a:solidFill>
+                  <a:schemeClr val="tx1"/>
+                </a:solidFill>
+                <a:latin typeface="微软雅黑" pitchFamily="34" charset="-122"/>
+                <a:ea typeface="微软雅黑" pitchFamily="34" charset="-122"/>
+              </a:rPr>
+              <a:t>需求人群的预判</a:t>
+            </a:r>
+            <a:endParaRPr lang="en-US" altLang="zh-CN" dirty="0">
+              <a:solidFill>
+                <a:schemeClr val="tx1"/>
+              </a:solidFill>
+              <a:latin typeface="微软雅黑" pitchFamily="34" charset="-122"/>
+              <a:ea typeface="微软雅黑" pitchFamily="34" charset="-122"/>
+            </a:endParaRPr>
+          </a:p>
+        </p:txBody>
+      </p:sp>
+      <p:pic>
+        <p:nvPicPr>
+          <p:cNvPr id="4" name="Picture 3"/>
+          <p:cNvPicPr>
+            <a:picLocks noChangeAspect="1"/>
+          </p:cNvPicPr>
+          <p:nvPr/>
+        </p:nvPicPr>
+        <p:blipFill>
+          <a:blip r:embed="rId2">
+            <a:extLst>
+              <a:ext uri="{28A0092B-C50C-407E-A947-70E740481C1C}">
+                <a14:useLocalDpi xmlns:a14="http://schemas.microsoft.com/office/drawing/2010/main" val="0"/>
+              </a:ext>
+            </a:extLst>
+          </a:blip>
+          <a:stretch>
+            <a:fillRect/>
+          </a:stretch>
+        </p:blipFill>
+        <p:spPr>
+          <a:xfrm>
+            <a:off x="827584" y="2137420"/>
+            <a:ext cx="1339140" cy="2666533"/>
+          </a:xfrm>
+          <a:prstGeom prst="rect">
+            <a:avLst/>
+          </a:prstGeom>
+        </p:spPr>
+      </p:pic>
+      <p:sp>
+        <p:nvSpPr>
+          <p:cNvPr id="6" name="TextBox 5"/>
+          <p:cNvSpPr txBox="1"/>
+          <p:nvPr/>
+        </p:nvSpPr>
+        <p:spPr>
+          <a:xfrm>
+            <a:off x="827584" y="4799095"/>
+            <a:ext cx="976549" cy="276999"/>
+          </a:xfrm>
+          <a:prstGeom prst="rect">
+            <a:avLst/>
+          </a:prstGeom>
+          <a:noFill/>
+        </p:spPr>
+        <p:txBody>
+          <a:bodyPr wrap="none" rtlCol="0">
+            <a:spAutoFit/>
+          </a:bodyPr>
+          <a:lstStyle/>
+          <a:p>
+            <a:r>
+              <a:rPr lang="zh-CN" altLang="en-US" sz="1200" dirty="0">
+                <a:latin typeface="微软雅黑" pitchFamily="34" charset="-122"/>
+                <a:ea typeface="微软雅黑" pitchFamily="34" charset="-122"/>
+              </a:rPr>
+              <a:t>输</a:t>
+            </a:r>
+            <a:r>
+              <a:rPr lang="zh-CN" altLang="en-US" sz="1200" dirty="0" smtClean="0">
+                <a:latin typeface="微软雅黑" pitchFamily="34" charset="-122"/>
+                <a:ea typeface="微软雅黑" pitchFamily="34" charset="-122"/>
+              </a:rPr>
+              <a:t>入</a:t>
+            </a:r>
+            <a:r>
+              <a:rPr lang="en-US" altLang="zh-CN" sz="1200" dirty="0" smtClean="0">
+                <a:latin typeface="微软雅黑" pitchFamily="34" charset="-122"/>
+                <a:ea typeface="微软雅黑" pitchFamily="34" charset="-122"/>
+              </a:rPr>
+              <a:t>cookie</a:t>
+            </a:r>
+            <a:endParaRPr lang="en-US" sz="1200" dirty="0">
+              <a:latin typeface="微软雅黑" pitchFamily="34" charset="-122"/>
+              <a:ea typeface="微软雅黑" pitchFamily="34" charset="-122"/>
+            </a:endParaRPr>
+          </a:p>
+        </p:txBody>
+      </p:sp>
+    </p:spTree>
+    <p:extLst>
+      <p:ext uri="{BB962C8B-B14F-4D97-AF65-F5344CB8AC3E}">
+        <p14:creationId xmlns:p14="http://schemas.microsoft.com/office/powerpoint/2010/main" val="3071493443"/>
+      </p:ext>
+    </p:extLst>
+  </p:cSld>
+  <p:clrMapOvr>
+    <a:masterClrMapping/>
+  </p:clrMapOvr>
+  <p:timing>
+    <p:tnLst>
+      <p:par>
+        <p:cTn id="1" dur="indefinite" restart="never" nodeType="tmRoot"/>
+      </p:par>
+    </p:tnLst>
+  </p:timing>
+</p:sld>
+</file>
+
+<file path=ppt/slides/slide9.xml><?xml version="1.0" encoding="utf-8"?>
 <p:sld xmlns:a="http://schemas.openxmlformats.org/drawingml/2006/main" xmlns:r="http://schemas.openxmlformats.org/officeDocument/2006/relationships" xmlns:p="http://schemas.openxmlformats.org/presentationml/2006/main">
   <p:cSld>
     <p:spTree>
@@ -13801,1012 +16865,6 @@
     <p:extLst>
       <p:ext uri="{BB962C8B-B14F-4D97-AF65-F5344CB8AC3E}">
         <p14:creationId xmlns:p14="http://schemas.microsoft.com/office/powerpoint/2010/main" val="52385449"/>
-      </p:ext>
-    </p:extLst>
-  </p:cSld>
-  <p:clrMapOvr>
-    <a:masterClrMapping/>
-  </p:clrMapOvr>
-  <p:timing>
-    <p:tnLst>
-      <p:par>
-        <p:cTn id="1" dur="indefinite" restart="never" nodeType="tmRoot"/>
-      </p:par>
-    </p:tnLst>
-  </p:timing>
-</p:sld>
-</file>
-
-<file path=ppt/slides/slide8.xml><?xml version="1.0" encoding="utf-8"?>
-<p:sld xmlns:a="http://schemas.openxmlformats.org/drawingml/2006/main" xmlns:r="http://schemas.openxmlformats.org/officeDocument/2006/relationships" xmlns:p="http://schemas.openxmlformats.org/presentationml/2006/main">
-  <p:cSld>
-    <p:spTree>
-      <p:nvGrpSpPr>
-        <p:cNvPr id="1" name=""/>
-        <p:cNvGrpSpPr/>
-        <p:nvPr/>
-      </p:nvGrpSpPr>
-      <p:grpSpPr>
-        <a:xfrm>
-          <a:off x="0" y="0"/>
-          <a:ext cx="0" cy="0"/>
-          <a:chOff x="0" y="0"/>
-          <a:chExt cx="0" cy="0"/>
-        </a:xfrm>
-      </p:grpSpPr>
-      <p:sp>
-        <p:nvSpPr>
-          <p:cNvPr id="2" name="Content Placeholder 1"/>
-          <p:cNvSpPr>
-            <a:spLocks noGrp="1"/>
-          </p:cNvSpPr>
-          <p:nvPr>
-            <p:ph idx="1"/>
-          </p:nvPr>
-        </p:nvSpPr>
-        <p:spPr>
-          <a:xfrm>
-            <a:off x="282781" y="1273324"/>
-            <a:ext cx="8537691" cy="3421608"/>
-          </a:xfrm>
-        </p:spPr>
-        <p:txBody>
-          <a:bodyPr/>
-          <a:lstStyle/>
-          <a:p>
-            <a:r>
-              <a:rPr lang="zh-CN" altLang="en-US" sz="1600" dirty="0" smtClean="0">
-                <a:latin typeface="微软雅黑" pitchFamily="34" charset="-122"/>
-                <a:ea typeface="微软雅黑" pitchFamily="34" charset="-122"/>
-              </a:rPr>
-              <a:t>人群分析工具</a:t>
-            </a:r>
-            <a:r>
-              <a:rPr lang="en-US" altLang="zh-CN" sz="1600" dirty="0" smtClean="0">
-                <a:latin typeface="微软雅黑" pitchFamily="34" charset="-122"/>
-                <a:ea typeface="微软雅黑" pitchFamily="34" charset="-122"/>
-              </a:rPr>
-              <a:t>-</a:t>
-            </a:r>
-            <a:r>
-              <a:rPr lang="zh-CN" altLang="en-US" sz="1600" dirty="0" smtClean="0">
-                <a:latin typeface="微软雅黑" pitchFamily="34" charset="-122"/>
-                <a:ea typeface="微软雅黑" pitchFamily="34" charset="-122"/>
-              </a:rPr>
-              <a:t>基于</a:t>
-            </a:r>
-            <a:r>
-              <a:rPr lang="en-US" altLang="zh-CN" sz="1600" dirty="0" smtClean="0">
-                <a:latin typeface="微软雅黑" pitchFamily="34" charset="-122"/>
-                <a:ea typeface="微软雅黑" pitchFamily="34" charset="-122"/>
-              </a:rPr>
-              <a:t>A720</a:t>
-            </a:r>
-          </a:p>
-          <a:p>
-            <a:r>
-              <a:rPr lang="en-US" altLang="zh-CN" sz="1600" dirty="0">
-                <a:latin typeface="微软雅黑" pitchFamily="34" charset="-122"/>
-                <a:ea typeface="微软雅黑" pitchFamily="34" charset="-122"/>
-                <a:hlinkClick r:id="rId2"/>
-              </a:rPr>
-              <a:t>http://sp.baidu.com:8080/survey/public?type=task&amp;name=/</a:t>
-            </a:r>
-            <a:r>
-              <a:rPr lang="en-US" altLang="zh-CN" sz="1600" dirty="0" smtClean="0">
-                <a:latin typeface="微软雅黑" pitchFamily="34" charset="-122"/>
-                <a:ea typeface="微软雅黑" pitchFamily="34" charset="-122"/>
-                <a:hlinkClick r:id="rId2"/>
-              </a:rPr>
-              <a:t>nova/A720/crowd_report</a:t>
-            </a:r>
-            <a:endParaRPr lang="en-US" altLang="zh-CN" sz="1600" dirty="0" smtClean="0">
-              <a:latin typeface="微软雅黑" pitchFamily="34" charset="-122"/>
-              <a:ea typeface="微软雅黑" pitchFamily="34" charset="-122"/>
-            </a:endParaRPr>
-          </a:p>
-          <a:p>
-            <a:endParaRPr lang="en-US" altLang="zh-CN" sz="1600" dirty="0">
-              <a:latin typeface="微软雅黑" pitchFamily="34" charset="-122"/>
-              <a:ea typeface="微软雅黑" pitchFamily="34" charset="-122"/>
-            </a:endParaRPr>
-          </a:p>
-          <a:p>
-            <a:endParaRPr lang="en-US" altLang="zh-CN" sz="1600" dirty="0" smtClean="0">
-              <a:latin typeface="微软雅黑" pitchFamily="34" charset="-122"/>
-              <a:ea typeface="微软雅黑" pitchFamily="34" charset="-122"/>
-            </a:endParaRPr>
-          </a:p>
-          <a:p>
-            <a:endParaRPr lang="en-US" altLang="zh-CN" sz="1600" dirty="0">
-              <a:latin typeface="微软雅黑" pitchFamily="34" charset="-122"/>
-              <a:ea typeface="微软雅黑" pitchFamily="34" charset="-122"/>
-            </a:endParaRPr>
-          </a:p>
-          <a:p>
-            <a:endParaRPr lang="en-US" altLang="zh-CN" sz="1600" dirty="0" smtClean="0">
-              <a:latin typeface="微软雅黑" pitchFamily="34" charset="-122"/>
-              <a:ea typeface="微软雅黑" pitchFamily="34" charset="-122"/>
-            </a:endParaRPr>
-          </a:p>
-          <a:p>
-            <a:endParaRPr lang="en-US" altLang="zh-CN" sz="1600" dirty="0">
-              <a:latin typeface="微软雅黑" pitchFamily="34" charset="-122"/>
-              <a:ea typeface="微软雅黑" pitchFamily="34" charset="-122"/>
-            </a:endParaRPr>
-          </a:p>
-          <a:p>
-            <a:endParaRPr lang="en-US" altLang="zh-CN" sz="1600" dirty="0" smtClean="0">
-              <a:latin typeface="微软雅黑" pitchFamily="34" charset="-122"/>
-              <a:ea typeface="微软雅黑" pitchFamily="34" charset="-122"/>
-            </a:endParaRPr>
-          </a:p>
-          <a:p>
-            <a:endParaRPr lang="en-US" altLang="zh-CN" sz="1600" dirty="0">
-              <a:latin typeface="微软雅黑" pitchFamily="34" charset="-122"/>
-              <a:ea typeface="微软雅黑" pitchFamily="34" charset="-122"/>
-            </a:endParaRPr>
-          </a:p>
-          <a:p>
-            <a:r>
-              <a:rPr lang="zh-CN" altLang="en-US" sz="1600" dirty="0">
-                <a:latin typeface="微软雅黑" pitchFamily="34" charset="-122"/>
-                <a:ea typeface="微软雅黑" pitchFamily="34" charset="-122"/>
-              </a:rPr>
-              <a:t>支</a:t>
-            </a:r>
-            <a:r>
-              <a:rPr lang="zh-CN" altLang="en-US" sz="1600" dirty="0" smtClean="0">
-                <a:latin typeface="微软雅黑" pitchFamily="34" charset="-122"/>
-                <a:ea typeface="微软雅黑" pitchFamily="34" charset="-122"/>
-              </a:rPr>
-              <a:t>持对</a:t>
-            </a:r>
-            <a:r>
-              <a:rPr lang="en-US" altLang="zh-CN" sz="1600" dirty="0" smtClean="0">
-                <a:latin typeface="微软雅黑" pitchFamily="34" charset="-122"/>
-                <a:ea typeface="微软雅黑" pitchFamily="34" charset="-122"/>
-              </a:rPr>
-              <a:t>cookie</a:t>
-            </a:r>
-            <a:r>
-              <a:rPr lang="zh-CN" altLang="en-US" sz="1600" dirty="0" smtClean="0">
-                <a:latin typeface="微软雅黑" pitchFamily="34" charset="-122"/>
-                <a:ea typeface="微软雅黑" pitchFamily="34" charset="-122"/>
-              </a:rPr>
-              <a:t>进行</a:t>
-            </a:r>
-            <a:r>
-              <a:rPr lang="en-US" altLang="zh-CN" sz="1600" dirty="0" smtClean="0">
-                <a:latin typeface="微软雅黑" pitchFamily="34" charset="-122"/>
-                <a:ea typeface="微软雅黑" pitchFamily="34" charset="-122"/>
-              </a:rPr>
-              <a:t>it-tag</a:t>
-            </a:r>
-            <a:r>
-              <a:rPr lang="zh-CN" altLang="en-US" sz="1600" dirty="0" smtClean="0">
-                <a:latin typeface="微软雅黑" pitchFamily="34" charset="-122"/>
-                <a:ea typeface="微软雅黑" pitchFamily="34" charset="-122"/>
-              </a:rPr>
-              <a:t>，</a:t>
-            </a:r>
-            <a:r>
-              <a:rPr lang="en-US" altLang="zh-CN" sz="1600" dirty="0" err="1" smtClean="0">
-                <a:latin typeface="微软雅黑" pitchFamily="34" charset="-122"/>
-                <a:ea typeface="微软雅黑" pitchFamily="34" charset="-122"/>
-              </a:rPr>
-              <a:t>kate</a:t>
-            </a:r>
-            <a:r>
-              <a:rPr lang="zh-CN" altLang="en-US" sz="1600" dirty="0" smtClean="0">
-                <a:latin typeface="微软雅黑" pitchFamily="34" charset="-122"/>
-                <a:ea typeface="微软雅黑" pitchFamily="34" charset="-122"/>
-              </a:rPr>
-              <a:t>分类，地域特征等分析，可以同时给</a:t>
-            </a:r>
-            <a:r>
-              <a:rPr lang="en-US" altLang="zh-CN" sz="1600" dirty="0" smtClean="0">
-                <a:latin typeface="微软雅黑" pitchFamily="34" charset="-122"/>
-                <a:ea typeface="微软雅黑" pitchFamily="34" charset="-122"/>
-              </a:rPr>
-              <a:t>RD/PM</a:t>
-            </a:r>
-            <a:r>
-              <a:rPr lang="zh-CN" altLang="en-US" sz="1600" dirty="0" smtClean="0">
-                <a:latin typeface="微软雅黑" pitchFamily="34" charset="-122"/>
-                <a:ea typeface="微软雅黑" pitchFamily="34" charset="-122"/>
-              </a:rPr>
-              <a:t>提供支持</a:t>
-            </a:r>
-            <a:endParaRPr lang="en-US" altLang="zh-CN" sz="1600" dirty="0" smtClean="0">
-              <a:latin typeface="微软雅黑" pitchFamily="34" charset="-122"/>
-              <a:ea typeface="微软雅黑" pitchFamily="34" charset="-122"/>
-            </a:endParaRPr>
-          </a:p>
-          <a:p>
-            <a:endParaRPr lang="en-US" altLang="zh-CN" sz="1800" dirty="0">
-              <a:latin typeface="微软雅黑" pitchFamily="34" charset="-122"/>
-              <a:ea typeface="微软雅黑" pitchFamily="34" charset="-122"/>
-            </a:endParaRPr>
-          </a:p>
-        </p:txBody>
-      </p:sp>
-      <p:sp>
-        <p:nvSpPr>
-          <p:cNvPr id="3" name="标题 1"/>
-          <p:cNvSpPr txBox="1">
-            <a:spLocks/>
-          </p:cNvSpPr>
-          <p:nvPr/>
-        </p:nvSpPr>
-        <p:spPr bwMode="auto">
-          <a:xfrm>
-            <a:off x="282781" y="265212"/>
-            <a:ext cx="8362950" cy="720080"/>
-          </a:xfrm>
-          <a:prstGeom prst="rect">
-            <a:avLst/>
-          </a:prstGeom>
-          <a:noFill/>
-          <a:extLst>
-            <a:ext uri="{909E8E84-426E-40DD-AFC4-6F175D3DCCD1}">
-              <a14:hiddenFill xmlns:a14="http://schemas.microsoft.com/office/drawing/2010/main">
-                <a:solidFill>
-                  <a:srgbClr val="FFFFFF"/>
-                </a:solidFill>
-              </a14:hiddenFill>
-            </a:ext>
-            <a:ext uri="{91240B29-F687-4F45-9708-019B960494DF}">
-              <a14:hiddenLine xmlns:a14="http://schemas.microsoft.com/office/drawing/2010/main" w="9525">
-                <a:solidFill>
-                  <a:srgbClr val="000000"/>
-                </a:solidFill>
-                <a:miter lim="800000"/>
-                <a:headEnd/>
-                <a:tailEnd/>
-              </a14:hiddenLine>
-            </a:ext>
-          </a:extLst>
-        </p:spPr>
-        <p:txBody>
-          <a:bodyPr vert="horz" wrap="square" lIns="91440" tIns="45720" rIns="91440" bIns="45720" numCol="1" anchor="t" anchorCtr="0" compatLnSpc="1">
-            <a:prstTxWarp prst="textNoShape">
-              <a:avLst/>
-            </a:prstTxWarp>
-          </a:bodyPr>
-          <a:lstStyle>
-            <a:lvl1pPr algn="l" rtl="0" eaLnBrk="0" fontAlgn="base" hangingPunct="0">
-              <a:spcBef>
-                <a:spcPct val="0"/>
-              </a:spcBef>
-              <a:spcAft>
-                <a:spcPct val="0"/>
-              </a:spcAft>
-              <a:defRPr sz="3200" b="1">
-                <a:solidFill>
-                  <a:schemeClr val="bg1"/>
-                </a:solidFill>
-                <a:latin typeface="+mj-lt"/>
-                <a:ea typeface="+mj-ea"/>
-                <a:cs typeface="华文黑体"/>
-              </a:defRPr>
-            </a:lvl1pPr>
-            <a:lvl2pPr algn="l" rtl="0" eaLnBrk="0" fontAlgn="base" hangingPunct="0">
-              <a:spcBef>
-                <a:spcPct val="0"/>
-              </a:spcBef>
-              <a:spcAft>
-                <a:spcPct val="0"/>
-              </a:spcAft>
-              <a:defRPr sz="3200" b="1">
-                <a:solidFill>
-                  <a:schemeClr val="bg1"/>
-                </a:solidFill>
-                <a:latin typeface="Arial" charset="0"/>
-                <a:ea typeface="华文黑体" charset="-122"/>
-                <a:cs typeface="华文黑体"/>
-              </a:defRPr>
-            </a:lvl2pPr>
-            <a:lvl3pPr algn="l" rtl="0" eaLnBrk="0" fontAlgn="base" hangingPunct="0">
-              <a:spcBef>
-                <a:spcPct val="0"/>
-              </a:spcBef>
-              <a:spcAft>
-                <a:spcPct val="0"/>
-              </a:spcAft>
-              <a:defRPr sz="3200" b="1">
-                <a:solidFill>
-                  <a:schemeClr val="bg1"/>
-                </a:solidFill>
-                <a:latin typeface="Arial" charset="0"/>
-                <a:ea typeface="华文黑体" charset="-122"/>
-                <a:cs typeface="华文黑体"/>
-              </a:defRPr>
-            </a:lvl3pPr>
-            <a:lvl4pPr algn="l" rtl="0" eaLnBrk="0" fontAlgn="base" hangingPunct="0">
-              <a:spcBef>
-                <a:spcPct val="0"/>
-              </a:spcBef>
-              <a:spcAft>
-                <a:spcPct val="0"/>
-              </a:spcAft>
-              <a:defRPr sz="3200" b="1">
-                <a:solidFill>
-                  <a:schemeClr val="bg1"/>
-                </a:solidFill>
-                <a:latin typeface="Arial" charset="0"/>
-                <a:ea typeface="华文黑体" charset="-122"/>
-                <a:cs typeface="华文黑体"/>
-              </a:defRPr>
-            </a:lvl4pPr>
-            <a:lvl5pPr algn="l" rtl="0" eaLnBrk="0" fontAlgn="base" hangingPunct="0">
-              <a:spcBef>
-                <a:spcPct val="0"/>
-              </a:spcBef>
-              <a:spcAft>
-                <a:spcPct val="0"/>
-              </a:spcAft>
-              <a:defRPr sz="3200" b="1">
-                <a:solidFill>
-                  <a:schemeClr val="bg1"/>
-                </a:solidFill>
-                <a:latin typeface="Arial" charset="0"/>
-                <a:ea typeface="华文黑体" charset="-122"/>
-                <a:cs typeface="华文黑体"/>
-              </a:defRPr>
-            </a:lvl5pPr>
-            <a:lvl6pPr marL="457200" algn="l" rtl="0" fontAlgn="base">
-              <a:spcBef>
-                <a:spcPct val="0"/>
-              </a:spcBef>
-              <a:spcAft>
-                <a:spcPct val="0"/>
-              </a:spcAft>
-              <a:defRPr sz="3200" b="1">
-                <a:solidFill>
-                  <a:schemeClr val="bg1"/>
-                </a:solidFill>
-                <a:latin typeface="Arial" charset="0"/>
-                <a:ea typeface="华文黑体" charset="-122"/>
-              </a:defRPr>
-            </a:lvl6pPr>
-            <a:lvl7pPr marL="914400" algn="l" rtl="0" fontAlgn="base">
-              <a:spcBef>
-                <a:spcPct val="0"/>
-              </a:spcBef>
-              <a:spcAft>
-                <a:spcPct val="0"/>
-              </a:spcAft>
-              <a:defRPr sz="3200" b="1">
-                <a:solidFill>
-                  <a:schemeClr val="bg1"/>
-                </a:solidFill>
-                <a:latin typeface="Arial" charset="0"/>
-                <a:ea typeface="华文黑体" charset="-122"/>
-              </a:defRPr>
-            </a:lvl7pPr>
-            <a:lvl8pPr marL="1371600" algn="l" rtl="0" fontAlgn="base">
-              <a:spcBef>
-                <a:spcPct val="0"/>
-              </a:spcBef>
-              <a:spcAft>
-                <a:spcPct val="0"/>
-              </a:spcAft>
-              <a:defRPr sz="3200" b="1">
-                <a:solidFill>
-                  <a:schemeClr val="bg1"/>
-                </a:solidFill>
-                <a:latin typeface="Arial" charset="0"/>
-                <a:ea typeface="华文黑体" charset="-122"/>
-              </a:defRPr>
-            </a:lvl8pPr>
-            <a:lvl9pPr marL="1828800" algn="l" rtl="0" fontAlgn="base">
-              <a:spcBef>
-                <a:spcPct val="0"/>
-              </a:spcBef>
-              <a:spcAft>
-                <a:spcPct val="0"/>
-              </a:spcAft>
-              <a:defRPr sz="3200" b="1">
-                <a:solidFill>
-                  <a:schemeClr val="bg1"/>
-                </a:solidFill>
-                <a:latin typeface="Arial" charset="0"/>
-                <a:ea typeface="华文黑体" charset="-122"/>
-              </a:defRPr>
-            </a:lvl9pPr>
-          </a:lstStyle>
-          <a:p>
-            <a:pPr eaLnBrk="1" hangingPunct="1"/>
-            <a:r>
-              <a:rPr lang="zh-CN" altLang="en-US" sz="2800" dirty="0">
-                <a:solidFill>
-                  <a:schemeClr val="tx1"/>
-                </a:solidFill>
-                <a:latin typeface="微软雅黑" pitchFamily="34" charset="-122"/>
-                <a:ea typeface="微软雅黑" pitchFamily="34" charset="-122"/>
-              </a:rPr>
-              <a:t>人群定义层（</a:t>
-            </a:r>
-            <a:r>
-              <a:rPr lang="en-US" altLang="zh-CN" sz="2800" dirty="0">
-                <a:solidFill>
-                  <a:schemeClr val="tx1"/>
-                </a:solidFill>
-                <a:latin typeface="微软雅黑" pitchFamily="34" charset="-122"/>
-                <a:ea typeface="微软雅黑" pitchFamily="34" charset="-122"/>
-              </a:rPr>
-              <a:t>L3-L5</a:t>
-            </a:r>
-            <a:r>
-              <a:rPr lang="zh-CN" altLang="en-US" sz="2800" dirty="0">
-                <a:solidFill>
-                  <a:schemeClr val="tx1"/>
-                </a:solidFill>
-                <a:latin typeface="微软雅黑" pitchFamily="34" charset="-122"/>
-                <a:ea typeface="微软雅黑" pitchFamily="34" charset="-122"/>
-              </a:rPr>
-              <a:t>）人群定义构建及应</a:t>
-            </a:r>
-            <a:r>
-              <a:rPr lang="zh-CN" altLang="en-US" sz="2800" dirty="0" smtClean="0">
-                <a:solidFill>
-                  <a:schemeClr val="tx1"/>
-                </a:solidFill>
-                <a:latin typeface="微软雅黑" pitchFamily="34" charset="-122"/>
-                <a:ea typeface="微软雅黑" pitchFamily="34" charset="-122"/>
-              </a:rPr>
-              <a:t>用（</a:t>
-            </a:r>
-            <a:r>
-              <a:rPr lang="en-US" altLang="zh-CN" sz="2800" dirty="0">
-                <a:solidFill>
-                  <a:schemeClr val="tx1"/>
-                </a:solidFill>
-                <a:latin typeface="微软雅黑" pitchFamily="34" charset="-122"/>
-                <a:ea typeface="微软雅黑" pitchFamily="34" charset="-122"/>
-              </a:rPr>
-              <a:t>5</a:t>
-            </a:r>
-            <a:r>
-              <a:rPr lang="zh-CN" altLang="en-US" sz="2800" dirty="0" smtClean="0">
-                <a:solidFill>
-                  <a:schemeClr val="tx1"/>
-                </a:solidFill>
-                <a:latin typeface="微软雅黑" pitchFamily="34" charset="-122"/>
-                <a:ea typeface="微软雅黑" pitchFamily="34" charset="-122"/>
-              </a:rPr>
-              <a:t>）</a:t>
-            </a:r>
-            <a:endParaRPr lang="zh-CN" altLang="en-US" sz="2800" dirty="0">
-              <a:solidFill>
-                <a:schemeClr val="tx1"/>
-              </a:solidFill>
-              <a:latin typeface="微软雅黑" pitchFamily="34" charset="-122"/>
-              <a:ea typeface="微软雅黑" pitchFamily="34" charset="-122"/>
-            </a:endParaRPr>
-          </a:p>
-          <a:p>
-            <a:pPr eaLnBrk="1" hangingPunct="1"/>
-            <a:endParaRPr lang="en-US" altLang="zh-CN" dirty="0">
-              <a:solidFill>
-                <a:schemeClr val="tx1"/>
-              </a:solidFill>
-              <a:latin typeface="微软雅黑" pitchFamily="34" charset="-122"/>
-              <a:ea typeface="微软雅黑" pitchFamily="34" charset="-122"/>
-            </a:endParaRPr>
-          </a:p>
-        </p:txBody>
-      </p:sp>
-      <p:pic>
-        <p:nvPicPr>
-          <p:cNvPr id="6" name="Picture 5"/>
-          <p:cNvPicPr>
-            <a:picLocks noChangeAspect="1"/>
-          </p:cNvPicPr>
-          <p:nvPr/>
-        </p:nvPicPr>
-        <p:blipFill>
-          <a:blip r:embed="rId3">
-            <a:extLst>
-              <a:ext uri="{28A0092B-C50C-407E-A947-70E740481C1C}">
-                <a14:useLocalDpi xmlns:a14="http://schemas.microsoft.com/office/drawing/2010/main" val="0"/>
-              </a:ext>
-            </a:extLst>
-          </a:blip>
-          <a:stretch>
-            <a:fillRect/>
-          </a:stretch>
-        </p:blipFill>
-        <p:spPr>
-          <a:xfrm>
-            <a:off x="1226438" y="1921396"/>
-            <a:ext cx="6081866" cy="2191110"/>
-          </a:xfrm>
-          <a:prstGeom prst="rect">
-            <a:avLst/>
-          </a:prstGeom>
-        </p:spPr>
-      </p:pic>
-    </p:spTree>
-    <p:extLst>
-      <p:ext uri="{BB962C8B-B14F-4D97-AF65-F5344CB8AC3E}">
-        <p14:creationId xmlns:p14="http://schemas.microsoft.com/office/powerpoint/2010/main" val="4181401618"/>
-      </p:ext>
-    </p:extLst>
-  </p:cSld>
-  <p:clrMapOvr>
-    <a:masterClrMapping/>
-  </p:clrMapOvr>
-  <p:timing>
-    <p:tnLst>
-      <p:par>
-        <p:cTn id="1" dur="indefinite" restart="never" nodeType="tmRoot"/>
-      </p:par>
-    </p:tnLst>
-  </p:timing>
-</p:sld>
-</file>
-
-<file path=ppt/slides/slide9.xml><?xml version="1.0" encoding="utf-8"?>
-<p:sld xmlns:a="http://schemas.openxmlformats.org/drawingml/2006/main" xmlns:r="http://schemas.openxmlformats.org/officeDocument/2006/relationships" xmlns:p="http://schemas.openxmlformats.org/presentationml/2006/main">
-  <p:cSld>
-    <p:spTree>
-      <p:nvGrpSpPr>
-        <p:cNvPr id="1" name=""/>
-        <p:cNvGrpSpPr/>
-        <p:nvPr/>
-      </p:nvGrpSpPr>
-      <p:grpSpPr>
-        <a:xfrm>
-          <a:off x="0" y="0"/>
-          <a:ext cx="0" cy="0"/>
-          <a:chOff x="0" y="0"/>
-          <a:chExt cx="0" cy="0"/>
-        </a:xfrm>
-      </p:grpSpPr>
-      <p:sp>
-        <p:nvSpPr>
-          <p:cNvPr id="3" name="标题 1"/>
-          <p:cNvSpPr txBox="1">
-            <a:spLocks/>
-          </p:cNvSpPr>
-          <p:nvPr/>
-        </p:nvSpPr>
-        <p:spPr bwMode="auto">
-          <a:xfrm>
-            <a:off x="282781" y="265212"/>
-            <a:ext cx="8362950" cy="720080"/>
-          </a:xfrm>
-          <a:prstGeom prst="rect">
-            <a:avLst/>
-          </a:prstGeom>
-          <a:noFill/>
-          <a:extLst>
-            <a:ext uri="{909E8E84-426E-40DD-AFC4-6F175D3DCCD1}">
-              <a14:hiddenFill xmlns:a14="http://schemas.microsoft.com/office/drawing/2010/main">
-                <a:solidFill>
-                  <a:srgbClr val="FFFFFF"/>
-                </a:solidFill>
-              </a14:hiddenFill>
-            </a:ext>
-            <a:ext uri="{91240B29-F687-4F45-9708-019B960494DF}">
-              <a14:hiddenLine xmlns:a14="http://schemas.microsoft.com/office/drawing/2010/main" w="9525">
-                <a:solidFill>
-                  <a:srgbClr val="000000"/>
-                </a:solidFill>
-                <a:miter lim="800000"/>
-                <a:headEnd/>
-                <a:tailEnd/>
-              </a14:hiddenLine>
-            </a:ext>
-          </a:extLst>
-        </p:spPr>
-        <p:txBody>
-          <a:bodyPr vert="horz" wrap="square" lIns="91440" tIns="45720" rIns="91440" bIns="45720" numCol="1" anchor="t" anchorCtr="0" compatLnSpc="1">
-            <a:prstTxWarp prst="textNoShape">
-              <a:avLst/>
-            </a:prstTxWarp>
-          </a:bodyPr>
-          <a:lstStyle>
-            <a:lvl1pPr algn="l" rtl="0" eaLnBrk="0" fontAlgn="base" hangingPunct="0">
-              <a:spcBef>
-                <a:spcPct val="0"/>
-              </a:spcBef>
-              <a:spcAft>
-                <a:spcPct val="0"/>
-              </a:spcAft>
-              <a:defRPr sz="3200" b="1">
-                <a:solidFill>
-                  <a:schemeClr val="bg1"/>
-                </a:solidFill>
-                <a:latin typeface="+mj-lt"/>
-                <a:ea typeface="+mj-ea"/>
-                <a:cs typeface="华文黑体"/>
-              </a:defRPr>
-            </a:lvl1pPr>
-            <a:lvl2pPr algn="l" rtl="0" eaLnBrk="0" fontAlgn="base" hangingPunct="0">
-              <a:spcBef>
-                <a:spcPct val="0"/>
-              </a:spcBef>
-              <a:spcAft>
-                <a:spcPct val="0"/>
-              </a:spcAft>
-              <a:defRPr sz="3200" b="1">
-                <a:solidFill>
-                  <a:schemeClr val="bg1"/>
-                </a:solidFill>
-                <a:latin typeface="Arial" charset="0"/>
-                <a:ea typeface="华文黑体" charset="-122"/>
-                <a:cs typeface="华文黑体"/>
-              </a:defRPr>
-            </a:lvl2pPr>
-            <a:lvl3pPr algn="l" rtl="0" eaLnBrk="0" fontAlgn="base" hangingPunct="0">
-              <a:spcBef>
-                <a:spcPct val="0"/>
-              </a:spcBef>
-              <a:spcAft>
-                <a:spcPct val="0"/>
-              </a:spcAft>
-              <a:defRPr sz="3200" b="1">
-                <a:solidFill>
-                  <a:schemeClr val="bg1"/>
-                </a:solidFill>
-                <a:latin typeface="Arial" charset="0"/>
-                <a:ea typeface="华文黑体" charset="-122"/>
-                <a:cs typeface="华文黑体"/>
-              </a:defRPr>
-            </a:lvl3pPr>
-            <a:lvl4pPr algn="l" rtl="0" eaLnBrk="0" fontAlgn="base" hangingPunct="0">
-              <a:spcBef>
-                <a:spcPct val="0"/>
-              </a:spcBef>
-              <a:spcAft>
-                <a:spcPct val="0"/>
-              </a:spcAft>
-              <a:defRPr sz="3200" b="1">
-                <a:solidFill>
-                  <a:schemeClr val="bg1"/>
-                </a:solidFill>
-                <a:latin typeface="Arial" charset="0"/>
-                <a:ea typeface="华文黑体" charset="-122"/>
-                <a:cs typeface="华文黑体"/>
-              </a:defRPr>
-            </a:lvl4pPr>
-            <a:lvl5pPr algn="l" rtl="0" eaLnBrk="0" fontAlgn="base" hangingPunct="0">
-              <a:spcBef>
-                <a:spcPct val="0"/>
-              </a:spcBef>
-              <a:spcAft>
-                <a:spcPct val="0"/>
-              </a:spcAft>
-              <a:defRPr sz="3200" b="1">
-                <a:solidFill>
-                  <a:schemeClr val="bg1"/>
-                </a:solidFill>
-                <a:latin typeface="Arial" charset="0"/>
-                <a:ea typeface="华文黑体" charset="-122"/>
-                <a:cs typeface="华文黑体"/>
-              </a:defRPr>
-            </a:lvl5pPr>
-            <a:lvl6pPr marL="457200" algn="l" rtl="0" fontAlgn="base">
-              <a:spcBef>
-                <a:spcPct val="0"/>
-              </a:spcBef>
-              <a:spcAft>
-                <a:spcPct val="0"/>
-              </a:spcAft>
-              <a:defRPr sz="3200" b="1">
-                <a:solidFill>
-                  <a:schemeClr val="bg1"/>
-                </a:solidFill>
-                <a:latin typeface="Arial" charset="0"/>
-                <a:ea typeface="华文黑体" charset="-122"/>
-              </a:defRPr>
-            </a:lvl6pPr>
-            <a:lvl7pPr marL="914400" algn="l" rtl="0" fontAlgn="base">
-              <a:spcBef>
-                <a:spcPct val="0"/>
-              </a:spcBef>
-              <a:spcAft>
-                <a:spcPct val="0"/>
-              </a:spcAft>
-              <a:defRPr sz="3200" b="1">
-                <a:solidFill>
-                  <a:schemeClr val="bg1"/>
-                </a:solidFill>
-                <a:latin typeface="Arial" charset="0"/>
-                <a:ea typeface="华文黑体" charset="-122"/>
-              </a:defRPr>
-            </a:lvl7pPr>
-            <a:lvl8pPr marL="1371600" algn="l" rtl="0" fontAlgn="base">
-              <a:spcBef>
-                <a:spcPct val="0"/>
-              </a:spcBef>
-              <a:spcAft>
-                <a:spcPct val="0"/>
-              </a:spcAft>
-              <a:defRPr sz="3200" b="1">
-                <a:solidFill>
-                  <a:schemeClr val="bg1"/>
-                </a:solidFill>
-                <a:latin typeface="Arial" charset="0"/>
-                <a:ea typeface="华文黑体" charset="-122"/>
-              </a:defRPr>
-            </a:lvl8pPr>
-            <a:lvl9pPr marL="1828800" algn="l" rtl="0" fontAlgn="base">
-              <a:spcBef>
-                <a:spcPct val="0"/>
-              </a:spcBef>
-              <a:spcAft>
-                <a:spcPct val="0"/>
-              </a:spcAft>
-              <a:defRPr sz="3200" b="1">
-                <a:solidFill>
-                  <a:schemeClr val="bg1"/>
-                </a:solidFill>
-                <a:latin typeface="Arial" charset="0"/>
-                <a:ea typeface="华文黑体" charset="-122"/>
-              </a:defRPr>
-            </a:lvl9pPr>
-          </a:lstStyle>
-          <a:p>
-            <a:pPr eaLnBrk="1" hangingPunct="1"/>
-            <a:r>
-              <a:rPr lang="zh-CN" altLang="en-US" dirty="0" smtClean="0">
-                <a:solidFill>
-                  <a:schemeClr val="tx1"/>
-                </a:solidFill>
-                <a:latin typeface="微软雅黑" pitchFamily="34" charset="-122"/>
-                <a:ea typeface="微软雅黑" pitchFamily="34" charset="-122"/>
-              </a:rPr>
-              <a:t>行</a:t>
-            </a:r>
-            <a:r>
-              <a:rPr lang="zh-CN" altLang="en-US" dirty="0">
-                <a:solidFill>
-                  <a:schemeClr val="tx1"/>
-                </a:solidFill>
-                <a:latin typeface="微软雅黑" pitchFamily="34" charset="-122"/>
-                <a:ea typeface="微软雅黑" pitchFamily="34" charset="-122"/>
-              </a:rPr>
-              <a:t>为关联层（</a:t>
-            </a:r>
-            <a:r>
-              <a:rPr lang="en-US" altLang="zh-CN" dirty="0">
-                <a:solidFill>
-                  <a:schemeClr val="tx1"/>
-                </a:solidFill>
-                <a:latin typeface="微软雅黑" pitchFamily="34" charset="-122"/>
-                <a:ea typeface="微软雅黑" pitchFamily="34" charset="-122"/>
-              </a:rPr>
-              <a:t>L2</a:t>
-            </a:r>
-            <a:r>
-              <a:rPr lang="zh-CN" altLang="en-US" dirty="0">
-                <a:solidFill>
-                  <a:schemeClr val="tx1"/>
-                </a:solidFill>
-                <a:latin typeface="微软雅黑" pitchFamily="34" charset="-122"/>
-                <a:ea typeface="微软雅黑" pitchFamily="34" charset="-122"/>
-              </a:rPr>
-              <a:t>）特征调研及特征</a:t>
-            </a:r>
-          </a:p>
-        </p:txBody>
-      </p:sp>
-      <p:sp>
-        <p:nvSpPr>
-          <p:cNvPr id="4" name="Content Placeholder 3"/>
-          <p:cNvSpPr>
-            <a:spLocks noGrp="1"/>
-          </p:cNvSpPr>
-          <p:nvPr>
-            <p:ph idx="1"/>
-          </p:nvPr>
-        </p:nvSpPr>
-        <p:spPr/>
-        <p:txBody>
-          <a:bodyPr/>
-          <a:lstStyle/>
-          <a:p>
-            <a:r>
-              <a:rPr lang="zh-CN" altLang="en-US" sz="1800" dirty="0">
-                <a:latin typeface="微软雅黑" pitchFamily="34" charset="-122"/>
-                <a:ea typeface="微软雅黑" pitchFamily="34" charset="-122"/>
-              </a:rPr>
-              <a:t>调研特征逻辑</a:t>
-            </a:r>
-            <a:endParaRPr lang="en-US" altLang="zh-CN" sz="1800" dirty="0">
-              <a:latin typeface="微软雅黑" pitchFamily="34" charset="-122"/>
-              <a:ea typeface="微软雅黑" pitchFamily="34" charset="-122"/>
-            </a:endParaRPr>
-          </a:p>
-          <a:p>
-            <a:endParaRPr lang="en-US" sz="1800" dirty="0">
-              <a:latin typeface="微软雅黑" pitchFamily="34" charset="-122"/>
-              <a:ea typeface="微软雅黑" pitchFamily="34" charset="-122"/>
-            </a:endParaRPr>
-          </a:p>
-          <a:p>
-            <a:endParaRPr lang="en-US" sz="1800" dirty="0">
-              <a:latin typeface="微软雅黑" pitchFamily="34" charset="-122"/>
-              <a:ea typeface="微软雅黑" pitchFamily="34" charset="-122"/>
-            </a:endParaRPr>
-          </a:p>
-          <a:p>
-            <a:endParaRPr lang="en-US" sz="1800" dirty="0">
-              <a:latin typeface="微软雅黑" pitchFamily="34" charset="-122"/>
-              <a:ea typeface="微软雅黑" pitchFamily="34" charset="-122"/>
-            </a:endParaRPr>
-          </a:p>
-          <a:p>
-            <a:endParaRPr lang="en-US" sz="1800" dirty="0">
-              <a:latin typeface="微软雅黑" pitchFamily="34" charset="-122"/>
-              <a:ea typeface="微软雅黑" pitchFamily="34" charset="-122"/>
-            </a:endParaRPr>
-          </a:p>
-          <a:p>
-            <a:endParaRPr lang="en-US" sz="1800" dirty="0">
-              <a:latin typeface="微软雅黑" pitchFamily="34" charset="-122"/>
-              <a:ea typeface="微软雅黑" pitchFamily="34" charset="-122"/>
-            </a:endParaRPr>
-          </a:p>
-          <a:p>
-            <a:endParaRPr lang="en-US" altLang="zh-CN" sz="1800" dirty="0">
-              <a:latin typeface="微软雅黑" pitchFamily="34" charset="-122"/>
-              <a:ea typeface="微软雅黑" pitchFamily="34" charset="-122"/>
-            </a:endParaRPr>
-          </a:p>
-          <a:p>
-            <a:r>
-              <a:rPr lang="zh-CN" altLang="en-US" sz="1600" dirty="0">
-                <a:latin typeface="微软雅黑" pitchFamily="34" charset="-122"/>
-                <a:ea typeface="微软雅黑" pitchFamily="34" charset="-122"/>
-              </a:rPr>
-              <a:t>上线特征逻辑：使用</a:t>
-            </a:r>
-            <a:r>
-              <a:rPr lang="en-US" altLang="zh-CN" sz="1600" dirty="0">
-                <a:latin typeface="微软雅黑" pitchFamily="34" charset="-122"/>
-                <a:ea typeface="微软雅黑" pitchFamily="34" charset="-122"/>
-              </a:rPr>
-              <a:t>Top-EPA</a:t>
-            </a:r>
-            <a:r>
-              <a:rPr lang="zh-CN" altLang="en-US" sz="1600" dirty="0">
-                <a:latin typeface="微软雅黑" pitchFamily="34" charset="-122"/>
-                <a:ea typeface="微软雅黑" pitchFamily="34" charset="-122"/>
-              </a:rPr>
-              <a:t>方式，</a:t>
-            </a:r>
-            <a:r>
-              <a:rPr lang="en-US" altLang="zh-CN" sz="1600" dirty="0">
-                <a:latin typeface="微软雅黑" pitchFamily="34" charset="-122"/>
-                <a:ea typeface="微软雅黑" pitchFamily="34" charset="-122"/>
-              </a:rPr>
-              <a:t>UPS</a:t>
-            </a:r>
-            <a:r>
-              <a:rPr lang="zh-CN" altLang="en-US" sz="1600" dirty="0">
-                <a:latin typeface="微软雅黑" pitchFamily="34" charset="-122"/>
-                <a:ea typeface="微软雅黑" pitchFamily="34" charset="-122"/>
-              </a:rPr>
-              <a:t>行为还原</a:t>
-            </a:r>
-            <a:r>
-              <a:rPr lang="en-US" altLang="zh-CN" sz="1600" dirty="0">
-                <a:latin typeface="微软雅黑" pitchFamily="34" charset="-122"/>
-                <a:ea typeface="微软雅黑" pitchFamily="34" charset="-122"/>
-              </a:rPr>
-              <a:t>EPA</a:t>
-            </a:r>
-            <a:r>
-              <a:rPr lang="zh-CN" altLang="en-US" sz="1600" dirty="0">
-                <a:latin typeface="微软雅黑" pitchFamily="34" charset="-122"/>
-                <a:ea typeface="微软雅黑" pitchFamily="34" charset="-122"/>
-              </a:rPr>
-              <a:t>组合覆盖面约</a:t>
-            </a:r>
-            <a:r>
-              <a:rPr lang="en-US" altLang="zh-CN" sz="1600" dirty="0">
-                <a:latin typeface="微软雅黑" pitchFamily="34" charset="-122"/>
-                <a:ea typeface="微软雅黑" pitchFamily="34" charset="-122"/>
-              </a:rPr>
-              <a:t>80%</a:t>
-            </a:r>
-            <a:r>
-              <a:rPr lang="zh-CN" altLang="en-US" sz="1600" dirty="0">
-                <a:latin typeface="微软雅黑" pitchFamily="34" charset="-122"/>
-                <a:ea typeface="微软雅黑" pitchFamily="34" charset="-122"/>
-              </a:rPr>
-              <a:t>；过滤不置信行为后行为准确表述当前链接主旨准确率约</a:t>
-            </a:r>
-            <a:r>
-              <a:rPr lang="en-US" altLang="zh-CN" sz="1600" dirty="0" smtClean="0">
-                <a:latin typeface="微软雅黑" pitchFamily="34" charset="-122"/>
-                <a:ea typeface="微软雅黑" pitchFamily="34" charset="-122"/>
-              </a:rPr>
-              <a:t>80</a:t>
-            </a:r>
-            <a:r>
-              <a:rPr lang="en-US" altLang="zh-CN" sz="1600" dirty="0">
-                <a:latin typeface="微软雅黑" pitchFamily="34" charset="-122"/>
-                <a:ea typeface="微软雅黑" pitchFamily="34" charset="-122"/>
-              </a:rPr>
-              <a:t>%</a:t>
-            </a:r>
-          </a:p>
-        </p:txBody>
-      </p:sp>
-      <p:pic>
-        <p:nvPicPr>
-          <p:cNvPr id="2051" name="Picture 3"/>
-          <p:cNvPicPr>
-            <a:picLocks noChangeAspect="1" noChangeArrowheads="1"/>
-          </p:cNvPicPr>
-          <p:nvPr/>
-        </p:nvPicPr>
-        <p:blipFill>
-          <a:blip r:embed="rId2">
-            <a:extLst>
-              <a:ext uri="{28A0092B-C50C-407E-A947-70E740481C1C}">
-                <a14:useLocalDpi xmlns:a14="http://schemas.microsoft.com/office/drawing/2010/main" val="0"/>
-              </a:ext>
-            </a:extLst>
-          </a:blip>
-          <a:srcRect/>
-          <a:stretch>
-            <a:fillRect/>
-          </a:stretch>
-        </p:blipFill>
-        <p:spPr bwMode="auto">
-          <a:xfrm>
-            <a:off x="473281" y="1705372"/>
-            <a:ext cx="8172450" cy="1828800"/>
-          </a:xfrm>
-          <a:prstGeom prst="rect">
-            <a:avLst/>
-          </a:prstGeom>
-          <a:noFill/>
-          <a:ln>
-            <a:noFill/>
-          </a:ln>
-          <a:effectLst/>
-          <a:extLst>
-            <a:ext uri="{909E8E84-426E-40DD-AFC4-6F175D3DCCD1}">
-              <a14:hiddenFill xmlns:a14="http://schemas.microsoft.com/office/drawing/2010/main">
-                <a:solidFill>
-                  <a:schemeClr val="accent1"/>
-                </a:solidFill>
-              </a14:hiddenFill>
-            </a:ext>
-            <a:ext uri="{91240B29-F687-4F45-9708-019B960494DF}">
-              <a14:hiddenLine xmlns:a14="http://schemas.microsoft.com/office/drawing/2010/main" w="9525">
-                <a:solidFill>
-                  <a:schemeClr val="tx1"/>
-                </a:solidFill>
-                <a:miter lim="800000"/>
-                <a:headEnd/>
-                <a:tailEnd/>
-              </a14:hiddenLine>
-            </a:ext>
-            <a:ext uri="{AF507438-7753-43E0-B8FC-AC1667EBCBE1}">
-              <a14:hiddenEffects xmlns:a14="http://schemas.microsoft.com/office/drawing/2010/main">
-                <a:effectLst>
-                  <a:outerShdw dist="35921" dir="2700000" algn="ctr" rotWithShape="0">
-                    <a:schemeClr val="bg2"/>
-                  </a:outerShdw>
-                </a:effectLst>
-              </a14:hiddenEffects>
-            </a:ext>
-          </a:extLst>
-        </p:spPr>
-      </p:pic>
-    </p:spTree>
-    <p:extLst>
-      <p:ext uri="{BB962C8B-B14F-4D97-AF65-F5344CB8AC3E}">
-        <p14:creationId xmlns:p14="http://schemas.microsoft.com/office/powerpoint/2010/main" val="1174353607"/>
       </p:ext>
     </p:extLst>
   </p:cSld>

--- a/For T5/蒋学渊_2015年春工作述职.pptx
+++ b/For T5/蒋学渊_2015年春工作述职.pptx
@@ -5,10 +5,10 @@
     <p:sldMasterId id="2147483651" r:id="rId1"/>
   </p:sldMasterIdLst>
   <p:notesMasterIdLst>
-    <p:notesMasterId r:id="rId16"/>
+    <p:notesMasterId r:id="rId15"/>
   </p:notesMasterIdLst>
   <p:handoutMasterIdLst>
-    <p:handoutMasterId r:id="rId17"/>
+    <p:handoutMasterId r:id="rId16"/>
   </p:handoutMasterIdLst>
   <p:sldIdLst>
     <p:sldId id="256" r:id="rId2"/>
@@ -17,14 +17,13 @@
     <p:sldId id="341" r:id="rId5"/>
     <p:sldId id="322" r:id="rId6"/>
     <p:sldId id="335" r:id="rId7"/>
-    <p:sldId id="337" r:id="rId8"/>
-    <p:sldId id="326" r:id="rId9"/>
-    <p:sldId id="340" r:id="rId10"/>
-    <p:sldId id="324" r:id="rId11"/>
-    <p:sldId id="333" r:id="rId12"/>
-    <p:sldId id="316" r:id="rId13"/>
-    <p:sldId id="336" r:id="rId14"/>
-    <p:sldId id="271" r:id="rId15"/>
+    <p:sldId id="342" r:id="rId8"/>
+    <p:sldId id="343" r:id="rId9"/>
+    <p:sldId id="324" r:id="rId10"/>
+    <p:sldId id="333" r:id="rId11"/>
+    <p:sldId id="316" r:id="rId12"/>
+    <p:sldId id="336" r:id="rId13"/>
+    <p:sldId id="271" r:id="rId14"/>
   </p:sldIdLst>
   <p:sldSz cx="9144000" cy="5715000" type="screen16x10"/>
   <p:notesSz cx="6797675" cy="9874250"/>
@@ -957,8 +956,8 @@
       <dgm:spPr>
         <a:solidFill>
           <a:schemeClr val="accent6">
-            <a:lumMod val="40000"/>
-            <a:lumOff val="60000"/>
+            <a:lumMod val="60000"/>
+            <a:lumOff val="40000"/>
           </a:schemeClr>
         </a:solidFill>
       </dgm:spPr>
@@ -1091,7 +1090,9 @@
       <dgm:prSet phldrT="[Text]" custT="1"/>
       <dgm:spPr>
         <a:solidFill>
-          <a:srgbClr val="87AFFF"/>
+          <a:schemeClr val="accent6">
+            <a:lumMod val="50000"/>
+          </a:schemeClr>
         </a:solidFill>
       </dgm:spPr>
       <dgm:t>
@@ -1260,9 +1261,7 @@
           <a:r>
             <a:rPr lang="en-US" altLang="zh-CN" sz="1200" b="1" dirty="0" smtClean="0">
               <a:solidFill>
-                <a:schemeClr val="bg1">
-                  <a:lumMod val="65000"/>
-                </a:schemeClr>
+                <a:schemeClr val="tx1"/>
               </a:solidFill>
               <a:latin typeface="微软雅黑" pitchFamily="34" charset="-122"/>
               <a:ea typeface="微软雅黑" pitchFamily="34" charset="-122"/>
@@ -1274,9 +1273,7 @@
           <a:r>
             <a:rPr lang="en-US" altLang="zh-CN" sz="1200" b="1" dirty="0" smtClean="0">
               <a:solidFill>
-                <a:schemeClr val="bg1">
-                  <a:lumMod val="65000"/>
-                </a:schemeClr>
+                <a:schemeClr val="tx1"/>
               </a:solidFill>
               <a:latin typeface="微软雅黑" pitchFamily="34" charset="-122"/>
               <a:ea typeface="微软雅黑" pitchFamily="34" charset="-122"/>
@@ -1286,9 +1283,7 @@
           <a:r>
             <a:rPr lang="zh-CN" altLang="en-US" sz="1200" b="1" dirty="0" smtClean="0">
               <a:solidFill>
-                <a:schemeClr val="bg1">
-                  <a:lumMod val="65000"/>
-                </a:schemeClr>
+                <a:schemeClr val="tx1"/>
               </a:solidFill>
               <a:latin typeface="微软雅黑" pitchFamily="34" charset="-122"/>
               <a:ea typeface="微软雅黑" pitchFamily="34" charset="-122"/>
@@ -1298,9 +1293,7 @@
           <a:r>
             <a:rPr lang="en-US" altLang="zh-CN" sz="1200" b="1" dirty="0" smtClean="0">
               <a:solidFill>
-                <a:schemeClr val="bg1">
-                  <a:lumMod val="65000"/>
-                </a:schemeClr>
+                <a:schemeClr val="tx1"/>
               </a:solidFill>
               <a:latin typeface="微软雅黑" pitchFamily="34" charset="-122"/>
               <a:ea typeface="微软雅黑" pitchFamily="34" charset="-122"/>
@@ -1310,9 +1303,7 @@
           <a:r>
             <a:rPr lang="zh-CN" altLang="en-US" sz="1200" b="1" dirty="0" smtClean="0">
               <a:solidFill>
-                <a:schemeClr val="bg1">
-                  <a:lumMod val="65000"/>
-                </a:schemeClr>
+                <a:schemeClr val="tx1"/>
               </a:solidFill>
               <a:latin typeface="微软雅黑" pitchFamily="34" charset="-122"/>
               <a:ea typeface="微软雅黑" pitchFamily="34" charset="-122"/>
@@ -1321,9 +1312,7 @@
           </a:r>
           <a:endParaRPr lang="en-US" sz="1200" b="1" dirty="0">
             <a:solidFill>
-              <a:schemeClr val="bg1">
-                <a:lumMod val="65000"/>
-              </a:schemeClr>
+              <a:schemeClr val="tx1"/>
             </a:solidFill>
             <a:latin typeface="微软雅黑" pitchFamily="34" charset="-122"/>
             <a:ea typeface="微软雅黑" pitchFamily="34" charset="-122"/>
@@ -1382,7 +1371,7 @@
           <a:r>
             <a:rPr lang="en-US" altLang="zh-CN" sz="1200" b="1" dirty="0" smtClean="0">
               <a:solidFill>
-                <a:schemeClr val="tx1"/>
+                <a:srgbClr val="FF0000"/>
               </a:solidFill>
               <a:latin typeface="微软雅黑" pitchFamily="34" charset="-122"/>
               <a:ea typeface="微软雅黑" pitchFamily="34" charset="-122"/>
@@ -1392,7 +1381,7 @@
           <a:r>
             <a:rPr lang="zh-CN" altLang="en-US" sz="1200" b="1" dirty="0" smtClean="0">
               <a:solidFill>
-                <a:schemeClr val="tx1"/>
+                <a:srgbClr val="FF0000"/>
               </a:solidFill>
               <a:latin typeface="微软雅黑" pitchFamily="34" charset="-122"/>
               <a:ea typeface="微软雅黑" pitchFamily="34" charset="-122"/>
@@ -1402,12 +1391,22 @@
           <a:r>
             <a:rPr lang="en-US" altLang="zh-CN" sz="1200" b="1" dirty="0" smtClean="0">
               <a:solidFill>
+                <a:srgbClr val="FF0000"/>
+              </a:solidFill>
+              <a:latin typeface="微软雅黑" pitchFamily="34" charset="-122"/>
+              <a:ea typeface="微软雅黑" pitchFamily="34" charset="-122"/>
+            </a:rPr>
+            <a:t>T4】</a:t>
+          </a:r>
+          <a:r>
+            <a:rPr lang="en-US" altLang="zh-CN" sz="1200" b="1" dirty="0" smtClean="0">
+              <a:solidFill>
                 <a:schemeClr val="tx1"/>
               </a:solidFill>
               <a:latin typeface="微软雅黑" pitchFamily="34" charset="-122"/>
               <a:ea typeface="微软雅黑" pitchFamily="34" charset="-122"/>
             </a:rPr>
-            <a:t>T4】KT</a:t>
+            <a:t>KT</a:t>
           </a:r>
           <a:r>
             <a:rPr lang="zh-CN" altLang="en-US" sz="1200" b="1" dirty="0" smtClean="0">
@@ -1801,7 +1800,9 @@
           <a:avLst/>
         </a:prstGeom>
         <a:solidFill>
-          <a:srgbClr val="87AFFF"/>
+          <a:schemeClr val="accent6">
+            <a:lumMod val="50000"/>
+          </a:schemeClr>
         </a:solidFill>
         <a:ln w="25400" cap="flat" cmpd="sng" algn="ctr">
           <a:solidFill>
@@ -2178,8 +2179,8 @@
         </a:prstGeom>
         <a:solidFill>
           <a:schemeClr val="accent6">
-            <a:lumMod val="40000"/>
-            <a:lumOff val="60000"/>
+            <a:lumMod val="60000"/>
+            <a:lumOff val="40000"/>
           </a:schemeClr>
         </a:solidFill>
         <a:ln w="25400" cap="flat" cmpd="sng" algn="ctr">
@@ -2437,9 +2438,7 @@
           <a:r>
             <a:rPr lang="en-US" altLang="zh-CN" sz="1200" b="1" kern="1200" dirty="0" smtClean="0">
               <a:solidFill>
-                <a:schemeClr val="bg1">
-                  <a:lumMod val="65000"/>
-                </a:schemeClr>
+                <a:schemeClr val="tx1"/>
               </a:solidFill>
               <a:latin typeface="微软雅黑" pitchFamily="34" charset="-122"/>
               <a:ea typeface="微软雅黑" pitchFamily="34" charset="-122"/>
@@ -2462,9 +2461,7 @@
           <a:r>
             <a:rPr lang="en-US" altLang="zh-CN" sz="1200" b="1" kern="1200" dirty="0" smtClean="0">
               <a:solidFill>
-                <a:schemeClr val="bg1">
-                  <a:lumMod val="65000"/>
-                </a:schemeClr>
+                <a:schemeClr val="tx1"/>
               </a:solidFill>
               <a:latin typeface="微软雅黑" pitchFamily="34" charset="-122"/>
               <a:ea typeface="微软雅黑" pitchFamily="34" charset="-122"/>
@@ -2474,9 +2471,7 @@
           <a:r>
             <a:rPr lang="zh-CN" altLang="en-US" sz="1200" b="1" kern="1200" dirty="0" smtClean="0">
               <a:solidFill>
-                <a:schemeClr val="bg1">
-                  <a:lumMod val="65000"/>
-                </a:schemeClr>
+                <a:schemeClr val="tx1"/>
               </a:solidFill>
               <a:latin typeface="微软雅黑" pitchFamily="34" charset="-122"/>
               <a:ea typeface="微软雅黑" pitchFamily="34" charset="-122"/>
@@ -2486,9 +2481,7 @@
           <a:r>
             <a:rPr lang="en-US" altLang="zh-CN" sz="1200" b="1" kern="1200" dirty="0" smtClean="0">
               <a:solidFill>
-                <a:schemeClr val="bg1">
-                  <a:lumMod val="65000"/>
-                </a:schemeClr>
+                <a:schemeClr val="tx1"/>
               </a:solidFill>
               <a:latin typeface="微软雅黑" pitchFamily="34" charset="-122"/>
               <a:ea typeface="微软雅黑" pitchFamily="34" charset="-122"/>
@@ -2498,9 +2491,7 @@
           <a:r>
             <a:rPr lang="zh-CN" altLang="en-US" sz="1200" b="1" kern="1200" dirty="0" smtClean="0">
               <a:solidFill>
-                <a:schemeClr val="bg1">
-                  <a:lumMod val="65000"/>
-                </a:schemeClr>
+                <a:schemeClr val="tx1"/>
               </a:solidFill>
               <a:latin typeface="微软雅黑" pitchFamily="34" charset="-122"/>
               <a:ea typeface="微软雅黑" pitchFamily="34" charset="-122"/>
@@ -2509,9 +2500,7 @@
           </a:r>
           <a:endParaRPr lang="en-US" sz="1200" b="1" kern="1200" dirty="0">
             <a:solidFill>
-              <a:schemeClr val="bg1">
-                <a:lumMod val="65000"/>
-              </a:schemeClr>
+              <a:schemeClr val="tx1"/>
             </a:solidFill>
             <a:latin typeface="微软雅黑" pitchFamily="34" charset="-122"/>
             <a:ea typeface="微软雅黑" pitchFamily="34" charset="-122"/>
@@ -2612,7 +2601,7 @@
           <a:r>
             <a:rPr lang="en-US" altLang="zh-CN" sz="1200" b="1" kern="1200" dirty="0" smtClean="0">
               <a:solidFill>
-                <a:schemeClr val="tx1"/>
+                <a:srgbClr val="FF0000"/>
               </a:solidFill>
               <a:latin typeface="微软雅黑" pitchFamily="34" charset="-122"/>
               <a:ea typeface="微软雅黑" pitchFamily="34" charset="-122"/>
@@ -2622,7 +2611,7 @@
           <a:r>
             <a:rPr lang="zh-CN" altLang="en-US" sz="1200" b="1" kern="1200" dirty="0" smtClean="0">
               <a:solidFill>
-                <a:schemeClr val="tx1"/>
+                <a:srgbClr val="FF0000"/>
               </a:solidFill>
               <a:latin typeface="微软雅黑" pitchFamily="34" charset="-122"/>
               <a:ea typeface="微软雅黑" pitchFamily="34" charset="-122"/>
@@ -2632,12 +2621,22 @@
           <a:r>
             <a:rPr lang="en-US" altLang="zh-CN" sz="1200" b="1" kern="1200" dirty="0" smtClean="0">
               <a:solidFill>
+                <a:srgbClr val="FF0000"/>
+              </a:solidFill>
+              <a:latin typeface="微软雅黑" pitchFamily="34" charset="-122"/>
+              <a:ea typeface="微软雅黑" pitchFamily="34" charset="-122"/>
+            </a:rPr>
+            <a:t>T4】</a:t>
+          </a:r>
+          <a:r>
+            <a:rPr lang="en-US" altLang="zh-CN" sz="1200" b="1" kern="1200" dirty="0" smtClean="0">
+              <a:solidFill>
                 <a:schemeClr val="tx1"/>
               </a:solidFill>
               <a:latin typeface="微软雅黑" pitchFamily="34" charset="-122"/>
               <a:ea typeface="微软雅黑" pitchFamily="34" charset="-122"/>
             </a:rPr>
-            <a:t>T4】KT</a:t>
+            <a:t>KT</a:t>
           </a:r>
           <a:r>
             <a:rPr lang="zh-CN" altLang="en-US" sz="1200" b="1" kern="1200" dirty="0" smtClean="0">
@@ -5010,6 +5009,566 @@
 </p:notes>
 </file>
 
+<file path=ppt/notesSlides/notesSlide10.xml><?xml version="1.0" encoding="utf-8"?>
+<p:notes xmlns:a="http://schemas.openxmlformats.org/drawingml/2006/main" xmlns:r="http://schemas.openxmlformats.org/officeDocument/2006/relationships" xmlns:p="http://schemas.openxmlformats.org/presentationml/2006/main">
+  <p:cSld>
+    <p:spTree>
+      <p:nvGrpSpPr>
+        <p:cNvPr id="1" name=""/>
+        <p:cNvGrpSpPr/>
+        <p:nvPr/>
+      </p:nvGrpSpPr>
+      <p:grpSpPr>
+        <a:xfrm>
+          <a:off x="0" y="0"/>
+          <a:ext cx="0" cy="0"/>
+          <a:chOff x="0" y="0"/>
+          <a:chExt cx="0" cy="0"/>
+        </a:xfrm>
+      </p:grpSpPr>
+      <p:sp>
+        <p:nvSpPr>
+          <p:cNvPr id="19458" name="Slide Image Placeholder 1"/>
+          <p:cNvSpPr>
+            <a:spLocks noGrp="1" noRot="1" noChangeAspect="1" noTextEdit="1"/>
+          </p:cNvSpPr>
+          <p:nvPr>
+            <p:ph type="sldImg"/>
+          </p:nvPr>
+        </p:nvSpPr>
+        <p:spPr>
+          <a:ln/>
+        </p:spPr>
+      </p:sp>
+      <p:sp>
+        <p:nvSpPr>
+          <p:cNvPr id="19459" name="Notes Placeholder 2"/>
+          <p:cNvSpPr>
+            <a:spLocks noGrp="1"/>
+          </p:cNvSpPr>
+          <p:nvPr>
+            <p:ph type="body" idx="1"/>
+          </p:nvPr>
+        </p:nvSpPr>
+        <p:spPr>
+          <a:noFill/>
+          <a:ln/>
+          <a:extLst>
+            <a:ext uri="{909E8E84-426E-40DD-AFC4-6F175D3DCCD1}">
+              <a14:hiddenFill xmlns:a14="http://schemas.microsoft.com/office/drawing/2010/main">
+                <a:solidFill>
+                  <a:srgbClr val="FFFFFF"/>
+                </a:solidFill>
+              </a14:hiddenFill>
+            </a:ext>
+            <a:ext uri="{91240B29-F687-4F45-9708-019B960494DF}">
+              <a14:hiddenLine xmlns:a14="http://schemas.microsoft.com/office/drawing/2010/main" w="9525">
+                <a:solidFill>
+                  <a:srgbClr val="000000"/>
+                </a:solidFill>
+                <a:miter lim="800000"/>
+                <a:headEnd/>
+                <a:tailEnd/>
+              </a14:hiddenLine>
+            </a:ext>
+          </a:extLst>
+        </p:spPr>
+        <p:txBody>
+          <a:bodyPr/>
+          <a:lstStyle/>
+          <a:p>
+            <a:endParaRPr lang="en-US" altLang="zh-CN" dirty="0" smtClean="0">
+              <a:ea typeface="宋体" charset="-122"/>
+            </a:endParaRPr>
+          </a:p>
+        </p:txBody>
+      </p:sp>
+      <p:sp>
+        <p:nvSpPr>
+          <p:cNvPr id="19460" name="Slide Number Placeholder 3"/>
+          <p:cNvSpPr>
+            <a:spLocks noGrp="1"/>
+          </p:cNvSpPr>
+          <p:nvPr>
+            <p:ph type="sldNum" sz="quarter" idx="5"/>
+          </p:nvPr>
+        </p:nvSpPr>
+        <p:spPr>
+          <a:noFill/>
+          <a:ln/>
+          <a:extLst>
+            <a:ext uri="{909E8E84-426E-40DD-AFC4-6F175D3DCCD1}">
+              <a14:hiddenFill xmlns:a14="http://schemas.microsoft.com/office/drawing/2010/main">
+                <a:solidFill>
+                  <a:srgbClr val="FFFFFF"/>
+                </a:solidFill>
+              </a14:hiddenFill>
+            </a:ext>
+            <a:ext uri="{91240B29-F687-4F45-9708-019B960494DF}">
+              <a14:hiddenLine xmlns:a14="http://schemas.microsoft.com/office/drawing/2010/main" w="9525">
+                <a:solidFill>
+                  <a:srgbClr val="000000"/>
+                </a:solidFill>
+                <a:miter lim="800000"/>
+                <a:headEnd/>
+                <a:tailEnd/>
+              </a14:hiddenLine>
+            </a:ext>
+          </a:extLst>
+        </p:spPr>
+        <p:txBody>
+          <a:bodyPr/>
+          <a:lstStyle>
+            <a:lvl1pPr eaLnBrk="0" hangingPunct="0">
+              <a:defRPr>
+                <a:solidFill>
+                  <a:schemeClr val="tx1"/>
+                </a:solidFill>
+                <a:latin typeface="Arial" charset="0"/>
+                <a:ea typeface="宋体" charset="-122"/>
+              </a:defRPr>
+            </a:lvl1pPr>
+            <a:lvl2pPr marL="742950" indent="-285750" eaLnBrk="0" hangingPunct="0">
+              <a:defRPr>
+                <a:solidFill>
+                  <a:schemeClr val="tx1"/>
+                </a:solidFill>
+                <a:latin typeface="Arial" charset="0"/>
+                <a:ea typeface="宋体" charset="-122"/>
+              </a:defRPr>
+            </a:lvl2pPr>
+            <a:lvl3pPr marL="1143000" indent="-228600" eaLnBrk="0" hangingPunct="0">
+              <a:defRPr>
+                <a:solidFill>
+                  <a:schemeClr val="tx1"/>
+                </a:solidFill>
+                <a:latin typeface="Arial" charset="0"/>
+                <a:ea typeface="宋体" charset="-122"/>
+              </a:defRPr>
+            </a:lvl3pPr>
+            <a:lvl4pPr marL="1600200" indent="-228600" eaLnBrk="0" hangingPunct="0">
+              <a:defRPr>
+                <a:solidFill>
+                  <a:schemeClr val="tx1"/>
+                </a:solidFill>
+                <a:latin typeface="Arial" charset="0"/>
+                <a:ea typeface="宋体" charset="-122"/>
+              </a:defRPr>
+            </a:lvl4pPr>
+            <a:lvl5pPr marL="2057400" indent="-228600" eaLnBrk="0" hangingPunct="0">
+              <a:defRPr>
+                <a:solidFill>
+                  <a:schemeClr val="tx1"/>
+                </a:solidFill>
+                <a:latin typeface="Arial" charset="0"/>
+                <a:ea typeface="宋体" charset="-122"/>
+              </a:defRPr>
+            </a:lvl5pPr>
+            <a:lvl6pPr marL="2514600" indent="-228600" algn="ctr" eaLnBrk="0" fontAlgn="base" hangingPunct="0">
+              <a:spcBef>
+                <a:spcPct val="0"/>
+              </a:spcBef>
+              <a:spcAft>
+                <a:spcPct val="0"/>
+              </a:spcAft>
+              <a:defRPr>
+                <a:solidFill>
+                  <a:schemeClr val="tx1"/>
+                </a:solidFill>
+                <a:latin typeface="Arial" charset="0"/>
+                <a:ea typeface="宋体" charset="-122"/>
+              </a:defRPr>
+            </a:lvl6pPr>
+            <a:lvl7pPr marL="2971800" indent="-228600" algn="ctr" eaLnBrk="0" fontAlgn="base" hangingPunct="0">
+              <a:spcBef>
+                <a:spcPct val="0"/>
+              </a:spcBef>
+              <a:spcAft>
+                <a:spcPct val="0"/>
+              </a:spcAft>
+              <a:defRPr>
+                <a:solidFill>
+                  <a:schemeClr val="tx1"/>
+                </a:solidFill>
+                <a:latin typeface="Arial" charset="0"/>
+                <a:ea typeface="宋体" charset="-122"/>
+              </a:defRPr>
+            </a:lvl7pPr>
+            <a:lvl8pPr marL="3429000" indent="-228600" algn="ctr" eaLnBrk="0" fontAlgn="base" hangingPunct="0">
+              <a:spcBef>
+                <a:spcPct val="0"/>
+              </a:spcBef>
+              <a:spcAft>
+                <a:spcPct val="0"/>
+              </a:spcAft>
+              <a:defRPr>
+                <a:solidFill>
+                  <a:schemeClr val="tx1"/>
+                </a:solidFill>
+                <a:latin typeface="Arial" charset="0"/>
+                <a:ea typeface="宋体" charset="-122"/>
+              </a:defRPr>
+            </a:lvl8pPr>
+            <a:lvl9pPr marL="3886200" indent="-228600" algn="ctr" eaLnBrk="0" fontAlgn="base" hangingPunct="0">
+              <a:spcBef>
+                <a:spcPct val="0"/>
+              </a:spcBef>
+              <a:spcAft>
+                <a:spcPct val="0"/>
+              </a:spcAft>
+              <a:defRPr>
+                <a:solidFill>
+                  <a:schemeClr val="tx1"/>
+                </a:solidFill>
+                <a:latin typeface="Arial" charset="0"/>
+                <a:ea typeface="宋体" charset="-122"/>
+              </a:defRPr>
+            </a:lvl9pPr>
+          </a:lstStyle>
+          <a:p>
+            <a:pPr eaLnBrk="1" hangingPunct="1"/>
+            <a:fld id="{DDC193DB-5C1C-41DC-890E-4A0DD2BBFDE2}" type="slidenum">
+              <a:rPr lang="en-US" altLang="zh-CN" smtClean="0"/>
+              <a:pPr eaLnBrk="1" hangingPunct="1"/>
+              <a:t>11</a:t>
+            </a:fld>
+            <a:endParaRPr lang="en-US" altLang="zh-CN" smtClean="0"/>
+          </a:p>
+        </p:txBody>
+      </p:sp>
+    </p:spTree>
+  </p:cSld>
+  <p:clrMapOvr>
+    <a:masterClrMapping/>
+  </p:clrMapOvr>
+</p:notes>
+</file>
+
+<file path=ppt/notesSlides/notesSlide11.xml><?xml version="1.0" encoding="utf-8"?>
+<p:notes xmlns:a="http://schemas.openxmlformats.org/drawingml/2006/main" xmlns:r="http://schemas.openxmlformats.org/officeDocument/2006/relationships" xmlns:p="http://schemas.openxmlformats.org/presentationml/2006/main">
+  <p:cSld>
+    <p:spTree>
+      <p:nvGrpSpPr>
+        <p:cNvPr id="1" name=""/>
+        <p:cNvGrpSpPr/>
+        <p:nvPr/>
+      </p:nvGrpSpPr>
+      <p:grpSpPr>
+        <a:xfrm>
+          <a:off x="0" y="0"/>
+          <a:ext cx="0" cy="0"/>
+          <a:chOff x="0" y="0"/>
+          <a:chExt cx="0" cy="0"/>
+        </a:xfrm>
+      </p:grpSpPr>
+      <p:sp>
+        <p:nvSpPr>
+          <p:cNvPr id="2" name="幻灯片图像占位符 1"/>
+          <p:cNvSpPr>
+            <a:spLocks noGrp="1" noRot="1" noChangeAspect="1"/>
+          </p:cNvSpPr>
+          <p:nvPr>
+            <p:ph type="sldImg"/>
+          </p:nvPr>
+        </p:nvSpPr>
+        <p:spPr/>
+      </p:sp>
+      <p:sp>
+        <p:nvSpPr>
+          <p:cNvPr id="3" name="备注占位符 2"/>
+          <p:cNvSpPr>
+            <a:spLocks noGrp="1"/>
+          </p:cNvSpPr>
+          <p:nvPr>
+            <p:ph type="body" idx="1"/>
+          </p:nvPr>
+        </p:nvSpPr>
+        <p:spPr/>
+        <p:txBody>
+          <a:bodyPr/>
+          <a:lstStyle/>
+          <a:p>
+            <a:endParaRPr lang="en-US" altLang="zh-CN" dirty="0" smtClean="0"/>
+          </a:p>
+        </p:txBody>
+      </p:sp>
+      <p:sp>
+        <p:nvSpPr>
+          <p:cNvPr id="4" name="灯片编号占位符 3"/>
+          <p:cNvSpPr>
+            <a:spLocks noGrp="1"/>
+          </p:cNvSpPr>
+          <p:nvPr>
+            <p:ph type="sldNum" sz="quarter" idx="10"/>
+          </p:nvPr>
+        </p:nvSpPr>
+        <p:spPr/>
+        <p:txBody>
+          <a:bodyPr/>
+          <a:lstStyle/>
+          <a:p>
+            <a:pPr>
+              <a:defRPr/>
+            </a:pPr>
+            <a:fld id="{579A1142-4716-4610-AE74-C7D834E0EA1F}" type="slidenum">
+              <a:rPr lang="en-US" smtClean="0"/>
+              <a:pPr>
+                <a:defRPr/>
+              </a:pPr>
+              <a:t>12</a:t>
+            </a:fld>
+            <a:endParaRPr lang="en-US"/>
+          </a:p>
+        </p:txBody>
+      </p:sp>
+    </p:spTree>
+    <p:extLst>
+      <p:ext uri="{BB962C8B-B14F-4D97-AF65-F5344CB8AC3E}">
+        <p14:creationId xmlns:p14="http://schemas.microsoft.com/office/powerpoint/2010/main" val="1128958925"/>
+      </p:ext>
+    </p:extLst>
+  </p:cSld>
+  <p:clrMapOvr>
+    <a:masterClrMapping/>
+  </p:clrMapOvr>
+</p:notes>
+</file>
+
+<file path=ppt/notesSlides/notesSlide12.xml><?xml version="1.0" encoding="utf-8"?>
+<p:notes xmlns:a="http://schemas.openxmlformats.org/drawingml/2006/main" xmlns:r="http://schemas.openxmlformats.org/officeDocument/2006/relationships" xmlns:p="http://schemas.openxmlformats.org/presentationml/2006/main">
+  <p:cSld>
+    <p:spTree>
+      <p:nvGrpSpPr>
+        <p:cNvPr id="1" name=""/>
+        <p:cNvGrpSpPr/>
+        <p:nvPr/>
+      </p:nvGrpSpPr>
+      <p:grpSpPr>
+        <a:xfrm>
+          <a:off x="0" y="0"/>
+          <a:ext cx="0" cy="0"/>
+          <a:chOff x="0" y="0"/>
+          <a:chExt cx="0" cy="0"/>
+        </a:xfrm>
+      </p:grpSpPr>
+      <p:sp>
+        <p:nvSpPr>
+          <p:cNvPr id="22530" name="Slide Image Placeholder 1"/>
+          <p:cNvSpPr>
+            <a:spLocks noGrp="1" noRot="1" noChangeAspect="1" noTextEdit="1"/>
+          </p:cNvSpPr>
+          <p:nvPr>
+            <p:ph type="sldImg"/>
+          </p:nvPr>
+        </p:nvSpPr>
+        <p:spPr>
+          <a:ln/>
+        </p:spPr>
+      </p:sp>
+      <p:sp>
+        <p:nvSpPr>
+          <p:cNvPr id="22531" name="Notes Placeholder 2"/>
+          <p:cNvSpPr>
+            <a:spLocks noGrp="1"/>
+          </p:cNvSpPr>
+          <p:nvPr>
+            <p:ph type="body" idx="1"/>
+          </p:nvPr>
+        </p:nvSpPr>
+        <p:spPr>
+          <a:noFill/>
+          <a:ln/>
+          <a:extLst>
+            <a:ext uri="{909E8E84-426E-40DD-AFC4-6F175D3DCCD1}">
+              <a14:hiddenFill xmlns:a14="http://schemas.microsoft.com/office/drawing/2010/main">
+                <a:solidFill>
+                  <a:srgbClr val="FFFFFF"/>
+                </a:solidFill>
+              </a14:hiddenFill>
+            </a:ext>
+            <a:ext uri="{91240B29-F687-4F45-9708-019B960494DF}">
+              <a14:hiddenLine xmlns:a14="http://schemas.microsoft.com/office/drawing/2010/main" w="9525">
+                <a:solidFill>
+                  <a:srgbClr val="000000"/>
+                </a:solidFill>
+                <a:miter lim="800000"/>
+                <a:headEnd/>
+                <a:tailEnd/>
+              </a14:hiddenLine>
+            </a:ext>
+          </a:extLst>
+        </p:spPr>
+        <p:txBody>
+          <a:bodyPr/>
+          <a:lstStyle/>
+          <a:p>
+            <a:endParaRPr lang="zh-CN" altLang="en-US" smtClean="0">
+              <a:ea typeface="宋体" charset="-122"/>
+            </a:endParaRPr>
+          </a:p>
+        </p:txBody>
+      </p:sp>
+      <p:sp>
+        <p:nvSpPr>
+          <p:cNvPr id="22532" name="Slide Number Placeholder 3"/>
+          <p:cNvSpPr>
+            <a:spLocks noGrp="1"/>
+          </p:cNvSpPr>
+          <p:nvPr>
+            <p:ph type="sldNum" sz="quarter" idx="5"/>
+          </p:nvPr>
+        </p:nvSpPr>
+        <p:spPr>
+          <a:noFill/>
+          <a:ln/>
+          <a:extLst>
+            <a:ext uri="{909E8E84-426E-40DD-AFC4-6F175D3DCCD1}">
+              <a14:hiddenFill xmlns:a14="http://schemas.microsoft.com/office/drawing/2010/main">
+                <a:solidFill>
+                  <a:srgbClr val="FFFFFF"/>
+                </a:solidFill>
+              </a14:hiddenFill>
+            </a:ext>
+            <a:ext uri="{91240B29-F687-4F45-9708-019B960494DF}">
+              <a14:hiddenLine xmlns:a14="http://schemas.microsoft.com/office/drawing/2010/main" w="9525">
+                <a:solidFill>
+                  <a:srgbClr val="000000"/>
+                </a:solidFill>
+                <a:miter lim="800000"/>
+                <a:headEnd/>
+                <a:tailEnd/>
+              </a14:hiddenLine>
+            </a:ext>
+          </a:extLst>
+        </p:spPr>
+        <p:txBody>
+          <a:bodyPr/>
+          <a:lstStyle>
+            <a:lvl1pPr eaLnBrk="0" hangingPunct="0">
+              <a:defRPr>
+                <a:solidFill>
+                  <a:schemeClr val="tx1"/>
+                </a:solidFill>
+                <a:latin typeface="Arial" charset="0"/>
+                <a:ea typeface="宋体" charset="-122"/>
+              </a:defRPr>
+            </a:lvl1pPr>
+            <a:lvl2pPr marL="742950" indent="-285750" eaLnBrk="0" hangingPunct="0">
+              <a:defRPr>
+                <a:solidFill>
+                  <a:schemeClr val="tx1"/>
+                </a:solidFill>
+                <a:latin typeface="Arial" charset="0"/>
+                <a:ea typeface="宋体" charset="-122"/>
+              </a:defRPr>
+            </a:lvl2pPr>
+            <a:lvl3pPr marL="1143000" indent="-228600" eaLnBrk="0" hangingPunct="0">
+              <a:defRPr>
+                <a:solidFill>
+                  <a:schemeClr val="tx1"/>
+                </a:solidFill>
+                <a:latin typeface="Arial" charset="0"/>
+                <a:ea typeface="宋体" charset="-122"/>
+              </a:defRPr>
+            </a:lvl3pPr>
+            <a:lvl4pPr marL="1600200" indent="-228600" eaLnBrk="0" hangingPunct="0">
+              <a:defRPr>
+                <a:solidFill>
+                  <a:schemeClr val="tx1"/>
+                </a:solidFill>
+                <a:latin typeface="Arial" charset="0"/>
+                <a:ea typeface="宋体" charset="-122"/>
+              </a:defRPr>
+            </a:lvl4pPr>
+            <a:lvl5pPr marL="2057400" indent="-228600" eaLnBrk="0" hangingPunct="0">
+              <a:defRPr>
+                <a:solidFill>
+                  <a:schemeClr val="tx1"/>
+                </a:solidFill>
+                <a:latin typeface="Arial" charset="0"/>
+                <a:ea typeface="宋体" charset="-122"/>
+              </a:defRPr>
+            </a:lvl5pPr>
+            <a:lvl6pPr marL="2514600" indent="-228600" algn="ctr" eaLnBrk="0" fontAlgn="base" hangingPunct="0">
+              <a:spcBef>
+                <a:spcPct val="0"/>
+              </a:spcBef>
+              <a:spcAft>
+                <a:spcPct val="0"/>
+              </a:spcAft>
+              <a:defRPr>
+                <a:solidFill>
+                  <a:schemeClr val="tx1"/>
+                </a:solidFill>
+                <a:latin typeface="Arial" charset="0"/>
+                <a:ea typeface="宋体" charset="-122"/>
+              </a:defRPr>
+            </a:lvl6pPr>
+            <a:lvl7pPr marL="2971800" indent="-228600" algn="ctr" eaLnBrk="0" fontAlgn="base" hangingPunct="0">
+              <a:spcBef>
+                <a:spcPct val="0"/>
+              </a:spcBef>
+              <a:spcAft>
+                <a:spcPct val="0"/>
+              </a:spcAft>
+              <a:defRPr>
+                <a:solidFill>
+                  <a:schemeClr val="tx1"/>
+                </a:solidFill>
+                <a:latin typeface="Arial" charset="0"/>
+                <a:ea typeface="宋体" charset="-122"/>
+              </a:defRPr>
+            </a:lvl7pPr>
+            <a:lvl8pPr marL="3429000" indent="-228600" algn="ctr" eaLnBrk="0" fontAlgn="base" hangingPunct="0">
+              <a:spcBef>
+                <a:spcPct val="0"/>
+              </a:spcBef>
+              <a:spcAft>
+                <a:spcPct val="0"/>
+              </a:spcAft>
+              <a:defRPr>
+                <a:solidFill>
+                  <a:schemeClr val="tx1"/>
+                </a:solidFill>
+                <a:latin typeface="Arial" charset="0"/>
+                <a:ea typeface="宋体" charset="-122"/>
+              </a:defRPr>
+            </a:lvl8pPr>
+            <a:lvl9pPr marL="3886200" indent="-228600" algn="ctr" eaLnBrk="0" fontAlgn="base" hangingPunct="0">
+              <a:spcBef>
+                <a:spcPct val="0"/>
+              </a:spcBef>
+              <a:spcAft>
+                <a:spcPct val="0"/>
+              </a:spcAft>
+              <a:defRPr>
+                <a:solidFill>
+                  <a:schemeClr val="tx1"/>
+                </a:solidFill>
+                <a:latin typeface="Arial" charset="0"/>
+                <a:ea typeface="宋体" charset="-122"/>
+              </a:defRPr>
+            </a:lvl9pPr>
+          </a:lstStyle>
+          <a:p>
+            <a:pPr eaLnBrk="1" hangingPunct="1"/>
+            <a:fld id="{33439DA0-5310-4002-A5B4-23EA613F4FE7}" type="slidenum">
+              <a:rPr lang="en-US" altLang="zh-CN" smtClean="0"/>
+              <a:pPr eaLnBrk="1" hangingPunct="1"/>
+              <a:t>13</a:t>
+            </a:fld>
+            <a:endParaRPr lang="en-US" altLang="zh-CN" smtClean="0"/>
+          </a:p>
+        </p:txBody>
+      </p:sp>
+    </p:spTree>
+  </p:cSld>
+  <p:clrMapOvr>
+    <a:masterClrMapping/>
+  </p:clrMapOvr>
+</p:notes>
+</file>
+
 <file path=ppt/notesSlides/notesSlide2.xml><?xml version="1.0" encoding="utf-8"?>
 <p:notes xmlns:a="http://schemas.openxmlformats.org/drawingml/2006/main" xmlns:r="http://schemas.openxmlformats.org/officeDocument/2006/relationships" xmlns:p="http://schemas.openxmlformats.org/presentationml/2006/main">
   <p:cSld>
@@ -5068,15 +5627,7 @@
             </a:r>
             <a:r>
               <a:rPr lang="zh-CN" altLang="en-US" dirty="0" smtClean="0"/>
-              <a:t>收入提升，</a:t>
-            </a:r>
-            <a:r>
-              <a:rPr lang="zh-CN" altLang="en-US" dirty="0" smtClean="0"/>
-              <a:t>广告分类优化，</a:t>
-            </a:r>
-            <a:r>
-              <a:rPr lang="zh-CN" altLang="en-US" dirty="0" smtClean="0"/>
-              <a:t>开物人群构建</a:t>
+              <a:t>收入提升，广告分类优化，开物人群构建</a:t>
             </a:r>
             <a:endParaRPr lang="en-US" dirty="0"/>
           </a:p>
@@ -5540,7 +6091,7 @@
           <a:p>
             <a:r>
               <a:rPr lang="zh-CN" altLang="en-US" dirty="0" smtClean="0"/>
-              <a:t>词性打折下线，为什么？影响收入，相关性</a:t>
+              <a:t>行为到预判的示例</a:t>
             </a:r>
             <a:endParaRPr lang="en-US" dirty="0"/>
           </a:p>
@@ -5569,7 +6120,7 @@
               <a:pPr>
                 <a:defRPr/>
               </a:pPr>
-              <a:t>10</a:t>
+              <a:t>6</a:t>
             </a:fld>
             <a:endParaRPr lang="en-US"/>
           </a:p>
@@ -5578,7 +6129,7 @@
     </p:spTree>
     <p:extLst>
       <p:ext uri="{BB962C8B-B14F-4D97-AF65-F5344CB8AC3E}">
-        <p14:creationId xmlns:p14="http://schemas.microsoft.com/office/powerpoint/2010/main" val="3504263988"/>
+        <p14:creationId xmlns:p14="http://schemas.microsoft.com/office/powerpoint/2010/main" val="1283840725"/>
       </p:ext>
     </p:extLst>
   </p:cSld>
@@ -5633,40 +6184,12 @@
           <a:lstStyle/>
           <a:p>
             <a:r>
-              <a:rPr lang="en-US" altLang="zh-CN" dirty="0" err="1" smtClean="0"/>
-              <a:t>LP+Text+Flash</a:t>
-            </a:r>
-            <a:r>
               <a:rPr lang="zh-CN" altLang="en-US" dirty="0" smtClean="0"/>
-              <a:t>提词</a:t>
-            </a:r>
-            <a:r>
-              <a:rPr lang="zh-CN" altLang="en-US" baseline="0" dirty="0" smtClean="0"/>
-              <a:t>得到</a:t>
-            </a:r>
-            <a:r>
-              <a:rPr lang="en-US" altLang="zh-CN" baseline="0" dirty="0" smtClean="0"/>
-              <a:t>idea core-words</a:t>
-            </a:r>
-            <a:r>
-              <a:rPr lang="zh-CN" altLang="en-US" baseline="0" dirty="0" smtClean="0"/>
-              <a:t>，加</a:t>
-            </a:r>
-            <a:r>
-              <a:rPr lang="en-US" altLang="zh-CN" baseline="0" dirty="0" smtClean="0"/>
-              <a:t>group bid-words</a:t>
-            </a:r>
-            <a:r>
-              <a:rPr lang="zh-CN" altLang="en-US" baseline="0" dirty="0" smtClean="0"/>
-              <a:t>，分别分类合并得到</a:t>
-            </a:r>
-            <a:r>
-              <a:rPr lang="en-US" altLang="zh-CN" baseline="0" dirty="0" err="1" smtClean="0"/>
-              <a:t>afs</a:t>
-            </a:r>
-            <a:r>
-              <a:rPr lang="zh-CN" altLang="en-US" baseline="0" dirty="0" smtClean="0"/>
-              <a:t>广告分类</a:t>
+              <a:t>问题是：时间紧，准召差，对比组强力</a:t>
+            </a:r>
+            <a:r>
+              <a:rPr lang="zh-CN" altLang="en-US" dirty="0" smtClean="0"/>
+              <a:t>？已有构建流程解释（电商不是第一个构建的人群，所以流程当时已经相对成熟）</a:t>
             </a:r>
             <a:endParaRPr lang="en-US" dirty="0"/>
           </a:p>
@@ -5695,7 +6218,7 @@
               <a:pPr>
                 <a:defRPr/>
               </a:pPr>
-              <a:t>11</a:t>
+              <a:t>7</a:t>
             </a:fld>
             <a:endParaRPr lang="en-US"/>
           </a:p>
@@ -5704,7 +6227,7 @@
     </p:spTree>
     <p:extLst>
       <p:ext uri="{BB962C8B-B14F-4D97-AF65-F5344CB8AC3E}">
-        <p14:creationId xmlns:p14="http://schemas.microsoft.com/office/powerpoint/2010/main" val="3504263988"/>
+        <p14:creationId xmlns:p14="http://schemas.microsoft.com/office/powerpoint/2010/main" val="3467182563"/>
       </p:ext>
     </p:extLst>
   </p:cSld>
@@ -5733,21 +6256,19 @@
       </p:grpSpPr>
       <p:sp>
         <p:nvSpPr>
-          <p:cNvPr id="19458" name="Slide Image Placeholder 1"/>
+          <p:cNvPr id="2" name="Slide Image Placeholder 1"/>
           <p:cNvSpPr>
-            <a:spLocks noGrp="1" noRot="1" noChangeAspect="1" noTextEdit="1"/>
+            <a:spLocks noGrp="1" noRot="1" noChangeAspect="1"/>
           </p:cNvSpPr>
           <p:nvPr>
             <p:ph type="sldImg"/>
           </p:nvPr>
         </p:nvSpPr>
-        <p:spPr>
-          <a:ln/>
-        </p:spPr>
+        <p:spPr/>
       </p:sp>
       <p:sp>
         <p:nvSpPr>
-          <p:cNvPr id="19459" name="Notes Placeholder 2"/>
+          <p:cNvPr id="3" name="Notes Placeholder 2"/>
           <p:cNvSpPr>
             <a:spLocks noGrp="1"/>
           </p:cNvSpPr>
@@ -5755,193 +6276,62 @@
             <p:ph type="body" idx="1"/>
           </p:nvPr>
         </p:nvSpPr>
-        <p:spPr>
-          <a:noFill/>
-          <a:ln/>
-          <a:extLst>
-            <a:ext uri="{909E8E84-426E-40DD-AFC4-6F175D3DCCD1}">
-              <a14:hiddenFill xmlns:a14="http://schemas.microsoft.com/office/drawing/2010/main">
-                <a:solidFill>
-                  <a:srgbClr val="FFFFFF"/>
-                </a:solidFill>
-              </a14:hiddenFill>
-            </a:ext>
-            <a:ext uri="{91240B29-F687-4F45-9708-019B960494DF}">
-              <a14:hiddenLine xmlns:a14="http://schemas.microsoft.com/office/drawing/2010/main" w="9525">
-                <a:solidFill>
-                  <a:srgbClr val="000000"/>
-                </a:solidFill>
-                <a:miter lim="800000"/>
-                <a:headEnd/>
-                <a:tailEnd/>
-              </a14:hiddenLine>
-            </a:ext>
-          </a:extLst>
-        </p:spPr>
+        <p:spPr/>
         <p:txBody>
           <a:bodyPr/>
           <a:lstStyle/>
           <a:p>
-            <a:endParaRPr lang="en-US" altLang="zh-CN" dirty="0" smtClean="0">
-              <a:ea typeface="宋体" charset="-122"/>
-            </a:endParaRPr>
+            <a:r>
+              <a:rPr lang="zh-CN" altLang="en-US" dirty="0" smtClean="0"/>
+              <a:t>主要的应用是活动营销，</a:t>
+            </a:r>
+            <a:r>
+              <a:rPr lang="en-US" altLang="zh-CN" dirty="0" smtClean="0"/>
+              <a:t>NLP</a:t>
+            </a:r>
+            <a:r>
+              <a:rPr lang="zh-CN" altLang="en-US" dirty="0" smtClean="0"/>
+              <a:t>，秋实</a:t>
+            </a:r>
+            <a:endParaRPr lang="en-US" dirty="0"/>
           </a:p>
         </p:txBody>
       </p:sp>
       <p:sp>
         <p:nvSpPr>
-          <p:cNvPr id="19460" name="Slide Number Placeholder 3"/>
+          <p:cNvPr id="4" name="Slide Number Placeholder 3"/>
           <p:cNvSpPr>
             <a:spLocks noGrp="1"/>
           </p:cNvSpPr>
           <p:nvPr>
-            <p:ph type="sldNum" sz="quarter" idx="5"/>
+            <p:ph type="sldNum" sz="quarter" idx="10"/>
           </p:nvPr>
         </p:nvSpPr>
-        <p:spPr>
-          <a:noFill/>
-          <a:ln/>
-          <a:extLst>
-            <a:ext uri="{909E8E84-426E-40DD-AFC4-6F175D3DCCD1}">
-              <a14:hiddenFill xmlns:a14="http://schemas.microsoft.com/office/drawing/2010/main">
-                <a:solidFill>
-                  <a:srgbClr val="FFFFFF"/>
-                </a:solidFill>
-              </a14:hiddenFill>
-            </a:ext>
-            <a:ext uri="{91240B29-F687-4F45-9708-019B960494DF}">
-              <a14:hiddenLine xmlns:a14="http://schemas.microsoft.com/office/drawing/2010/main" w="9525">
-                <a:solidFill>
-                  <a:srgbClr val="000000"/>
-                </a:solidFill>
-                <a:miter lim="800000"/>
-                <a:headEnd/>
-                <a:tailEnd/>
-              </a14:hiddenLine>
-            </a:ext>
-          </a:extLst>
-        </p:spPr>
+        <p:spPr/>
         <p:txBody>
           <a:bodyPr/>
-          <a:lstStyle>
-            <a:lvl1pPr eaLnBrk="0" hangingPunct="0">
-              <a:defRPr>
-                <a:solidFill>
-                  <a:schemeClr val="tx1"/>
-                </a:solidFill>
-                <a:latin typeface="Arial" charset="0"/>
-                <a:ea typeface="宋体" charset="-122"/>
-              </a:defRPr>
-            </a:lvl1pPr>
-            <a:lvl2pPr marL="742950" indent="-285750" eaLnBrk="0" hangingPunct="0">
-              <a:defRPr>
-                <a:solidFill>
-                  <a:schemeClr val="tx1"/>
-                </a:solidFill>
-                <a:latin typeface="Arial" charset="0"/>
-                <a:ea typeface="宋体" charset="-122"/>
-              </a:defRPr>
-            </a:lvl2pPr>
-            <a:lvl3pPr marL="1143000" indent="-228600" eaLnBrk="0" hangingPunct="0">
-              <a:defRPr>
-                <a:solidFill>
-                  <a:schemeClr val="tx1"/>
-                </a:solidFill>
-                <a:latin typeface="Arial" charset="0"/>
-                <a:ea typeface="宋体" charset="-122"/>
-              </a:defRPr>
-            </a:lvl3pPr>
-            <a:lvl4pPr marL="1600200" indent="-228600" eaLnBrk="0" hangingPunct="0">
-              <a:defRPr>
-                <a:solidFill>
-                  <a:schemeClr val="tx1"/>
-                </a:solidFill>
-                <a:latin typeface="Arial" charset="0"/>
-                <a:ea typeface="宋体" charset="-122"/>
-              </a:defRPr>
-            </a:lvl4pPr>
-            <a:lvl5pPr marL="2057400" indent="-228600" eaLnBrk="0" hangingPunct="0">
-              <a:defRPr>
-                <a:solidFill>
-                  <a:schemeClr val="tx1"/>
-                </a:solidFill>
-                <a:latin typeface="Arial" charset="0"/>
-                <a:ea typeface="宋体" charset="-122"/>
-              </a:defRPr>
-            </a:lvl5pPr>
-            <a:lvl6pPr marL="2514600" indent="-228600" algn="ctr" eaLnBrk="0" fontAlgn="base" hangingPunct="0">
-              <a:spcBef>
-                <a:spcPct val="0"/>
-              </a:spcBef>
-              <a:spcAft>
-                <a:spcPct val="0"/>
-              </a:spcAft>
-              <a:defRPr>
-                <a:solidFill>
-                  <a:schemeClr val="tx1"/>
-                </a:solidFill>
-                <a:latin typeface="Arial" charset="0"/>
-                <a:ea typeface="宋体" charset="-122"/>
-              </a:defRPr>
-            </a:lvl6pPr>
-            <a:lvl7pPr marL="2971800" indent="-228600" algn="ctr" eaLnBrk="0" fontAlgn="base" hangingPunct="0">
-              <a:spcBef>
-                <a:spcPct val="0"/>
-              </a:spcBef>
-              <a:spcAft>
-                <a:spcPct val="0"/>
-              </a:spcAft>
-              <a:defRPr>
-                <a:solidFill>
-                  <a:schemeClr val="tx1"/>
-                </a:solidFill>
-                <a:latin typeface="Arial" charset="0"/>
-                <a:ea typeface="宋体" charset="-122"/>
-              </a:defRPr>
-            </a:lvl7pPr>
-            <a:lvl8pPr marL="3429000" indent="-228600" algn="ctr" eaLnBrk="0" fontAlgn="base" hangingPunct="0">
-              <a:spcBef>
-                <a:spcPct val="0"/>
-              </a:spcBef>
-              <a:spcAft>
-                <a:spcPct val="0"/>
-              </a:spcAft>
-              <a:defRPr>
-                <a:solidFill>
-                  <a:schemeClr val="tx1"/>
-                </a:solidFill>
-                <a:latin typeface="Arial" charset="0"/>
-                <a:ea typeface="宋体" charset="-122"/>
-              </a:defRPr>
-            </a:lvl8pPr>
-            <a:lvl9pPr marL="3886200" indent="-228600" algn="ctr" eaLnBrk="0" fontAlgn="base" hangingPunct="0">
-              <a:spcBef>
-                <a:spcPct val="0"/>
-              </a:spcBef>
-              <a:spcAft>
-                <a:spcPct val="0"/>
-              </a:spcAft>
-              <a:defRPr>
-                <a:solidFill>
-                  <a:schemeClr val="tx1"/>
-                </a:solidFill>
-                <a:latin typeface="Arial" charset="0"/>
-                <a:ea typeface="宋体" charset="-122"/>
-              </a:defRPr>
-            </a:lvl9pPr>
-          </a:lstStyle>
+          <a:lstStyle/>
           <a:p>
-            <a:pPr eaLnBrk="1" hangingPunct="1"/>
-            <a:fld id="{DDC193DB-5C1C-41DC-890E-4A0DD2BBFDE2}" type="slidenum">
-              <a:rPr lang="en-US" altLang="zh-CN" smtClean="0"/>
-              <a:pPr eaLnBrk="1" hangingPunct="1"/>
-              <a:t>12</a:t>
+            <a:pPr>
+              <a:defRPr/>
+            </a:pPr>
+            <a:fld id="{579A1142-4716-4610-AE74-C7D834E0EA1F}" type="slidenum">
+              <a:rPr lang="en-US" smtClean="0"/>
+              <a:pPr>
+                <a:defRPr/>
+              </a:pPr>
+              <a:t>8</a:t>
             </a:fld>
-            <a:endParaRPr lang="en-US" altLang="zh-CN" smtClean="0"/>
+            <a:endParaRPr lang="en-US"/>
           </a:p>
         </p:txBody>
       </p:sp>
     </p:spTree>
+    <p:extLst>
+      <p:ext uri="{BB962C8B-B14F-4D97-AF65-F5344CB8AC3E}">
+        <p14:creationId xmlns:p14="http://schemas.microsoft.com/office/powerpoint/2010/main" val="2048100865"/>
+      </p:ext>
+    </p:extLst>
   </p:cSld>
   <p:clrMapOvr>
     <a:masterClrMapping/>
@@ -5968,7 +6358,7 @@
       </p:grpSpPr>
       <p:sp>
         <p:nvSpPr>
-          <p:cNvPr id="2" name="幻灯片图像占位符 1"/>
+          <p:cNvPr id="2" name="Slide Image Placeholder 1"/>
           <p:cNvSpPr>
             <a:spLocks noGrp="1" noRot="1" noChangeAspect="1"/>
           </p:cNvSpPr>
@@ -5980,7 +6370,7 @@
       </p:sp>
       <p:sp>
         <p:nvSpPr>
-          <p:cNvPr id="3" name="备注占位符 2"/>
+          <p:cNvPr id="3" name="Notes Placeholder 2"/>
           <p:cNvSpPr>
             <a:spLocks noGrp="1"/>
           </p:cNvSpPr>
@@ -5993,13 +6383,17 @@
           <a:bodyPr/>
           <a:lstStyle/>
           <a:p>
-            <a:endParaRPr lang="en-US" altLang="zh-CN" dirty="0" smtClean="0"/>
+            <a:r>
+              <a:rPr lang="zh-CN" altLang="en-US" dirty="0" smtClean="0"/>
+              <a:t>词性打折下线，为什么？影响收入，相关性</a:t>
+            </a:r>
+            <a:endParaRPr lang="en-US" dirty="0"/>
           </a:p>
         </p:txBody>
       </p:sp>
       <p:sp>
         <p:nvSpPr>
-          <p:cNvPr id="4" name="灯片编号占位符 3"/>
+          <p:cNvPr id="4" name="Slide Number Placeholder 3"/>
           <p:cNvSpPr>
             <a:spLocks noGrp="1"/>
           </p:cNvSpPr>
@@ -6020,7 +6414,7 @@
               <a:pPr>
                 <a:defRPr/>
               </a:pPr>
-              <a:t>13</a:t>
+              <a:t>9</a:t>
             </a:fld>
             <a:endParaRPr lang="en-US"/>
           </a:p>
@@ -6029,7 +6423,7 @@
     </p:spTree>
     <p:extLst>
       <p:ext uri="{BB962C8B-B14F-4D97-AF65-F5344CB8AC3E}">
-        <p14:creationId xmlns:p14="http://schemas.microsoft.com/office/powerpoint/2010/main" val="1128958925"/>
+        <p14:creationId xmlns:p14="http://schemas.microsoft.com/office/powerpoint/2010/main" val="3504263988"/>
       </p:ext>
     </p:extLst>
   </p:cSld>
@@ -6058,21 +6452,19 @@
       </p:grpSpPr>
       <p:sp>
         <p:nvSpPr>
-          <p:cNvPr id="22530" name="Slide Image Placeholder 1"/>
+          <p:cNvPr id="2" name="Slide Image Placeholder 1"/>
           <p:cNvSpPr>
-            <a:spLocks noGrp="1" noRot="1" noChangeAspect="1" noTextEdit="1"/>
+            <a:spLocks noGrp="1" noRot="1" noChangeAspect="1"/>
           </p:cNvSpPr>
           <p:nvPr>
             <p:ph type="sldImg"/>
           </p:nvPr>
         </p:nvSpPr>
-        <p:spPr>
-          <a:ln/>
-        </p:spPr>
+        <p:spPr/>
       </p:sp>
       <p:sp>
         <p:nvSpPr>
-          <p:cNvPr id="22531" name="Notes Placeholder 2"/>
+          <p:cNvPr id="3" name="Notes Placeholder 2"/>
           <p:cNvSpPr>
             <a:spLocks noGrp="1"/>
           </p:cNvSpPr>
@@ -6080,193 +6472,86 @@
             <p:ph type="body" idx="1"/>
           </p:nvPr>
         </p:nvSpPr>
-        <p:spPr>
-          <a:noFill/>
-          <a:ln/>
-          <a:extLst>
-            <a:ext uri="{909E8E84-426E-40DD-AFC4-6F175D3DCCD1}">
-              <a14:hiddenFill xmlns:a14="http://schemas.microsoft.com/office/drawing/2010/main">
-                <a:solidFill>
-                  <a:srgbClr val="FFFFFF"/>
-                </a:solidFill>
-              </a14:hiddenFill>
-            </a:ext>
-            <a:ext uri="{91240B29-F687-4F45-9708-019B960494DF}">
-              <a14:hiddenLine xmlns:a14="http://schemas.microsoft.com/office/drawing/2010/main" w="9525">
-                <a:solidFill>
-                  <a:srgbClr val="000000"/>
-                </a:solidFill>
-                <a:miter lim="800000"/>
-                <a:headEnd/>
-                <a:tailEnd/>
-              </a14:hiddenLine>
-            </a:ext>
-          </a:extLst>
-        </p:spPr>
+        <p:spPr/>
         <p:txBody>
           <a:bodyPr/>
           <a:lstStyle/>
           <a:p>
-            <a:endParaRPr lang="zh-CN" altLang="en-US" smtClean="0">
-              <a:ea typeface="宋体" charset="-122"/>
-            </a:endParaRPr>
+            <a:r>
+              <a:rPr lang="en-US" altLang="zh-CN" dirty="0" err="1" smtClean="0"/>
+              <a:t>LP+Text+Flash</a:t>
+            </a:r>
+            <a:r>
+              <a:rPr lang="zh-CN" altLang="en-US" dirty="0" smtClean="0"/>
+              <a:t>提词</a:t>
+            </a:r>
+            <a:r>
+              <a:rPr lang="zh-CN" altLang="en-US" baseline="0" dirty="0" smtClean="0"/>
+              <a:t>得到</a:t>
+            </a:r>
+            <a:r>
+              <a:rPr lang="en-US" altLang="zh-CN" baseline="0" dirty="0" smtClean="0"/>
+              <a:t>idea core-words</a:t>
+            </a:r>
+            <a:r>
+              <a:rPr lang="zh-CN" altLang="en-US" baseline="0" dirty="0" smtClean="0"/>
+              <a:t>，加</a:t>
+            </a:r>
+            <a:r>
+              <a:rPr lang="en-US" altLang="zh-CN" baseline="0" dirty="0" smtClean="0"/>
+              <a:t>group bid-words</a:t>
+            </a:r>
+            <a:r>
+              <a:rPr lang="zh-CN" altLang="en-US" baseline="0" dirty="0" smtClean="0"/>
+              <a:t>，分别分类合并得到</a:t>
+            </a:r>
+            <a:r>
+              <a:rPr lang="en-US" altLang="zh-CN" baseline="0" dirty="0" err="1" smtClean="0"/>
+              <a:t>afs</a:t>
+            </a:r>
+            <a:r>
+              <a:rPr lang="zh-CN" altLang="en-US" baseline="0" dirty="0" smtClean="0"/>
+              <a:t>广告分类</a:t>
+            </a:r>
+            <a:endParaRPr lang="en-US" dirty="0"/>
           </a:p>
         </p:txBody>
       </p:sp>
       <p:sp>
         <p:nvSpPr>
-          <p:cNvPr id="22532" name="Slide Number Placeholder 3"/>
+          <p:cNvPr id="4" name="Slide Number Placeholder 3"/>
           <p:cNvSpPr>
             <a:spLocks noGrp="1"/>
           </p:cNvSpPr>
           <p:nvPr>
-            <p:ph type="sldNum" sz="quarter" idx="5"/>
+            <p:ph type="sldNum" sz="quarter" idx="10"/>
           </p:nvPr>
         </p:nvSpPr>
-        <p:spPr>
-          <a:noFill/>
-          <a:ln/>
-          <a:extLst>
-            <a:ext uri="{909E8E84-426E-40DD-AFC4-6F175D3DCCD1}">
-              <a14:hiddenFill xmlns:a14="http://schemas.microsoft.com/office/drawing/2010/main">
-                <a:solidFill>
-                  <a:srgbClr val="FFFFFF"/>
-                </a:solidFill>
-              </a14:hiddenFill>
-            </a:ext>
-            <a:ext uri="{91240B29-F687-4F45-9708-019B960494DF}">
-              <a14:hiddenLine xmlns:a14="http://schemas.microsoft.com/office/drawing/2010/main" w="9525">
-                <a:solidFill>
-                  <a:srgbClr val="000000"/>
-                </a:solidFill>
-                <a:miter lim="800000"/>
-                <a:headEnd/>
-                <a:tailEnd/>
-              </a14:hiddenLine>
-            </a:ext>
-          </a:extLst>
-        </p:spPr>
+        <p:spPr/>
         <p:txBody>
           <a:bodyPr/>
-          <a:lstStyle>
-            <a:lvl1pPr eaLnBrk="0" hangingPunct="0">
-              <a:defRPr>
-                <a:solidFill>
-                  <a:schemeClr val="tx1"/>
-                </a:solidFill>
-                <a:latin typeface="Arial" charset="0"/>
-                <a:ea typeface="宋体" charset="-122"/>
-              </a:defRPr>
-            </a:lvl1pPr>
-            <a:lvl2pPr marL="742950" indent="-285750" eaLnBrk="0" hangingPunct="0">
-              <a:defRPr>
-                <a:solidFill>
-                  <a:schemeClr val="tx1"/>
-                </a:solidFill>
-                <a:latin typeface="Arial" charset="0"/>
-                <a:ea typeface="宋体" charset="-122"/>
-              </a:defRPr>
-            </a:lvl2pPr>
-            <a:lvl3pPr marL="1143000" indent="-228600" eaLnBrk="0" hangingPunct="0">
-              <a:defRPr>
-                <a:solidFill>
-                  <a:schemeClr val="tx1"/>
-                </a:solidFill>
-                <a:latin typeface="Arial" charset="0"/>
-                <a:ea typeface="宋体" charset="-122"/>
-              </a:defRPr>
-            </a:lvl3pPr>
-            <a:lvl4pPr marL="1600200" indent="-228600" eaLnBrk="0" hangingPunct="0">
-              <a:defRPr>
-                <a:solidFill>
-                  <a:schemeClr val="tx1"/>
-                </a:solidFill>
-                <a:latin typeface="Arial" charset="0"/>
-                <a:ea typeface="宋体" charset="-122"/>
-              </a:defRPr>
-            </a:lvl4pPr>
-            <a:lvl5pPr marL="2057400" indent="-228600" eaLnBrk="0" hangingPunct="0">
-              <a:defRPr>
-                <a:solidFill>
-                  <a:schemeClr val="tx1"/>
-                </a:solidFill>
-                <a:latin typeface="Arial" charset="0"/>
-                <a:ea typeface="宋体" charset="-122"/>
-              </a:defRPr>
-            </a:lvl5pPr>
-            <a:lvl6pPr marL="2514600" indent="-228600" algn="ctr" eaLnBrk="0" fontAlgn="base" hangingPunct="0">
-              <a:spcBef>
-                <a:spcPct val="0"/>
-              </a:spcBef>
-              <a:spcAft>
-                <a:spcPct val="0"/>
-              </a:spcAft>
-              <a:defRPr>
-                <a:solidFill>
-                  <a:schemeClr val="tx1"/>
-                </a:solidFill>
-                <a:latin typeface="Arial" charset="0"/>
-                <a:ea typeface="宋体" charset="-122"/>
-              </a:defRPr>
-            </a:lvl6pPr>
-            <a:lvl7pPr marL="2971800" indent="-228600" algn="ctr" eaLnBrk="0" fontAlgn="base" hangingPunct="0">
-              <a:spcBef>
-                <a:spcPct val="0"/>
-              </a:spcBef>
-              <a:spcAft>
-                <a:spcPct val="0"/>
-              </a:spcAft>
-              <a:defRPr>
-                <a:solidFill>
-                  <a:schemeClr val="tx1"/>
-                </a:solidFill>
-                <a:latin typeface="Arial" charset="0"/>
-                <a:ea typeface="宋体" charset="-122"/>
-              </a:defRPr>
-            </a:lvl7pPr>
-            <a:lvl8pPr marL="3429000" indent="-228600" algn="ctr" eaLnBrk="0" fontAlgn="base" hangingPunct="0">
-              <a:spcBef>
-                <a:spcPct val="0"/>
-              </a:spcBef>
-              <a:spcAft>
-                <a:spcPct val="0"/>
-              </a:spcAft>
-              <a:defRPr>
-                <a:solidFill>
-                  <a:schemeClr val="tx1"/>
-                </a:solidFill>
-                <a:latin typeface="Arial" charset="0"/>
-                <a:ea typeface="宋体" charset="-122"/>
-              </a:defRPr>
-            </a:lvl8pPr>
-            <a:lvl9pPr marL="3886200" indent="-228600" algn="ctr" eaLnBrk="0" fontAlgn="base" hangingPunct="0">
-              <a:spcBef>
-                <a:spcPct val="0"/>
-              </a:spcBef>
-              <a:spcAft>
-                <a:spcPct val="0"/>
-              </a:spcAft>
-              <a:defRPr>
-                <a:solidFill>
-                  <a:schemeClr val="tx1"/>
-                </a:solidFill>
-                <a:latin typeface="Arial" charset="0"/>
-                <a:ea typeface="宋体" charset="-122"/>
-              </a:defRPr>
-            </a:lvl9pPr>
-          </a:lstStyle>
+          <a:lstStyle/>
           <a:p>
-            <a:pPr eaLnBrk="1" hangingPunct="1"/>
-            <a:fld id="{33439DA0-5310-4002-A5B4-23EA613F4FE7}" type="slidenum">
-              <a:rPr lang="en-US" altLang="zh-CN" smtClean="0"/>
-              <a:pPr eaLnBrk="1" hangingPunct="1"/>
-              <a:t>14</a:t>
+            <a:pPr>
+              <a:defRPr/>
+            </a:pPr>
+            <a:fld id="{579A1142-4716-4610-AE74-C7D834E0EA1F}" type="slidenum">
+              <a:rPr lang="en-US" smtClean="0"/>
+              <a:pPr>
+                <a:defRPr/>
+              </a:pPr>
+              <a:t>10</a:t>
             </a:fld>
-            <a:endParaRPr lang="en-US" altLang="zh-CN" smtClean="0"/>
+            <a:endParaRPr lang="en-US"/>
           </a:p>
         </p:txBody>
       </p:sp>
     </p:spTree>
+    <p:extLst>
+      <p:ext uri="{BB962C8B-B14F-4D97-AF65-F5344CB8AC3E}">
+        <p14:creationId xmlns:p14="http://schemas.microsoft.com/office/powerpoint/2010/main" val="3504263988"/>
+      </p:ext>
+    </p:extLst>
   </p:cSld>
   <p:clrMapOvr>
     <a:masterClrMapping/>
@@ -7762,7 +8047,7 @@
                 <a:ea typeface="微软雅黑" pitchFamily="34" charset="-122"/>
                 <a:cs typeface="Courier New" pitchFamily="49" charset="0"/>
               </a:rPr>
-              <a:t>2015-01-19</a:t>
+              <a:t>2015-01-28</a:t>
             </a:r>
             <a:endParaRPr lang="en-US" altLang="zh-CN" sz="2000" dirty="0" smtClean="0">
               <a:latin typeface="微软雅黑" pitchFamily="34" charset="-122"/>
@@ -7817,47 +8102,30 @@
         <p:spPr>
           <a:xfrm>
             <a:off x="323528" y="1308100"/>
-            <a:ext cx="8496944" cy="1621408"/>
+            <a:ext cx="8496944" cy="2053456"/>
           </a:xfrm>
         </p:spPr>
         <p:txBody>
           <a:bodyPr/>
           <a:lstStyle/>
           <a:p>
-            <a:pPr marL="342900" lvl="1" indent="-342900">
-              <a:buClr>
-                <a:srgbClr val="2318DE"/>
-              </a:buClr>
-              <a:buChar char="•"/>
-            </a:pPr>
             <a:r>
               <a:rPr lang="en-US" altLang="zh-CN" sz="2400" b="1" dirty="0" smtClean="0">
                 <a:latin typeface="微软雅黑" pitchFamily="34" charset="-122"/>
                 <a:ea typeface="微软雅黑" pitchFamily="34" charset="-122"/>
-                <a:cs typeface="+mn-cs"/>
-              </a:rPr>
-              <a:t>KTE</a:t>
+              </a:rPr>
+              <a:t>AFS</a:t>
             </a:r>
             <a:r>
               <a:rPr lang="zh-CN" altLang="en-US" sz="2400" b="1" dirty="0">
                 <a:latin typeface="微软雅黑" pitchFamily="34" charset="-122"/>
                 <a:ea typeface="微软雅黑" pitchFamily="34" charset="-122"/>
-                <a:cs typeface="+mn-cs"/>
-              </a:rPr>
-              <a:t>广</a:t>
-            </a:r>
-            <a:r>
-              <a:rPr lang="zh-CN" altLang="en-US" sz="2400" b="1" dirty="0" smtClean="0">
-                <a:latin typeface="微软雅黑" pitchFamily="34" charset="-122"/>
-                <a:ea typeface="微软雅黑" pitchFamily="34" charset="-122"/>
-                <a:cs typeface="+mn-cs"/>
-              </a:rPr>
-              <a:t>告收入拓展</a:t>
-            </a:r>
-            <a:endParaRPr lang="en-US" altLang="zh-CN" sz="2400" b="1" dirty="0" smtClean="0">
+              </a:rPr>
+              <a:t>广告分类特征优化</a:t>
+            </a:r>
+            <a:endParaRPr lang="en-US" altLang="zh-CN" sz="2400" b="1" dirty="0">
               <a:latin typeface="微软雅黑" pitchFamily="34" charset="-122"/>
               <a:ea typeface="微软雅黑" pitchFamily="34" charset="-122"/>
-              <a:cs typeface="+mn-cs"/>
             </a:endParaRPr>
           </a:p>
           <a:p>
@@ -7867,21 +8135,7 @@
                 <a:latin typeface="微软雅黑" pitchFamily="34" charset="-122"/>
                 <a:ea typeface="微软雅黑" pitchFamily="34" charset="-122"/>
               </a:rPr>
-              <a:t>主</a:t>
-            </a:r>
-            <a:r>
-              <a:rPr lang="zh-CN" altLang="en-US" sz="1400" dirty="0" smtClean="0">
-                <a:latin typeface="微软雅黑" pitchFamily="34" charset="-122"/>
-                <a:ea typeface="微软雅黑" pitchFamily="34" charset="-122"/>
-              </a:rPr>
-              <a:t>要工作</a:t>
-            </a:r>
-            <a:r>
-              <a:rPr lang="zh-CN" altLang="en-US" sz="1400" dirty="0" smtClean="0">
-                <a:latin typeface="微软雅黑" pitchFamily="34" charset="-122"/>
-                <a:ea typeface="微软雅黑" pitchFamily="34" charset="-122"/>
-              </a:rPr>
-              <a:t>：</a:t>
+              <a:t>主要工作：</a:t>
             </a:r>
             <a:endParaRPr lang="en-US" altLang="zh-CN" sz="1400" dirty="0" smtClean="0">
               <a:latin typeface="微软雅黑" pitchFamily="34" charset="-122"/>
@@ -7895,84 +8149,70 @@
                 <a:latin typeface="微软雅黑" pitchFamily="34" charset="-122"/>
                 <a:ea typeface="微软雅黑" pitchFamily="34" charset="-122"/>
               </a:rPr>
-              <a:t>构建</a:t>
+              <a:t>优</a:t>
+            </a:r>
+            <a:r>
+              <a:rPr lang="zh-CN" altLang="en-US" sz="1200" dirty="0">
+                <a:latin typeface="微软雅黑" pitchFamily="34" charset="-122"/>
+                <a:ea typeface="微软雅黑" pitchFamily="34" charset="-122"/>
+              </a:rPr>
+              <a:t>化策略原始特征</a:t>
+            </a:r>
+            <a:r>
+              <a:rPr lang="zh-CN" altLang="en-US" sz="1200" dirty="0" smtClean="0">
+                <a:latin typeface="微软雅黑" pitchFamily="34" charset="-122"/>
+                <a:ea typeface="微软雅黑" pitchFamily="34" charset="-122"/>
+              </a:rPr>
+              <a:t>（用展</a:t>
+            </a:r>
+            <a:r>
+              <a:rPr lang="zh-CN" altLang="en-US" sz="1200" dirty="0">
+                <a:latin typeface="微软雅黑" pitchFamily="34" charset="-122"/>
+                <a:ea typeface="微软雅黑" pitchFamily="34" charset="-122"/>
+              </a:rPr>
+              <a:t>现</a:t>
+            </a:r>
+            <a:r>
+              <a:rPr lang="en-US" altLang="zh-CN" sz="1200" dirty="0">
+                <a:latin typeface="微软雅黑" pitchFamily="34" charset="-122"/>
+                <a:ea typeface="微软雅黑" pitchFamily="34" charset="-122"/>
+              </a:rPr>
+              <a:t>bid-words</a:t>
+            </a:r>
+            <a:r>
+              <a:rPr lang="zh-CN" altLang="en-US" sz="1200" dirty="0">
+                <a:latin typeface="微软雅黑" pitchFamily="34" charset="-122"/>
+                <a:ea typeface="微软雅黑" pitchFamily="34" charset="-122"/>
+              </a:rPr>
+              <a:t>取代全库</a:t>
             </a:r>
             <a:r>
               <a:rPr lang="en-US" altLang="zh-CN" sz="1200" dirty="0" smtClean="0">
                 <a:latin typeface="微软雅黑" pitchFamily="34" charset="-122"/>
                 <a:ea typeface="微软雅黑" pitchFamily="34" charset="-122"/>
               </a:rPr>
-              <a:t>KTE</a:t>
+              <a:t>bid-words</a:t>
             </a:r>
             <a:r>
               <a:rPr lang="zh-CN" altLang="en-US" sz="1200" dirty="0" smtClean="0">
                 <a:latin typeface="微软雅黑" pitchFamily="34" charset="-122"/>
                 <a:ea typeface="微软雅黑" pitchFamily="34" charset="-122"/>
               </a:rPr>
-              <a:t>（</a:t>
+              <a:t>，原始特征</a:t>
             </a:r>
             <a:r>
               <a:rPr lang="en-US" altLang="zh-CN" sz="1200" dirty="0" smtClean="0">
                 <a:latin typeface="微软雅黑" pitchFamily="34" charset="-122"/>
                 <a:ea typeface="微软雅黑" pitchFamily="34" charset="-122"/>
               </a:rPr>
-              <a:t>KT Extend</a:t>
+              <a:t>landing-page</a:t>
             </a:r>
             <a:r>
               <a:rPr lang="zh-CN" altLang="en-US" sz="1200" dirty="0" smtClean="0">
                 <a:latin typeface="微软雅黑" pitchFamily="34" charset="-122"/>
                 <a:ea typeface="微软雅黑" pitchFamily="34" charset="-122"/>
               </a:rPr>
-              <a:t>）作</a:t>
-            </a:r>
-            <a:r>
-              <a:rPr lang="zh-CN" altLang="en-US" sz="1200" dirty="0">
-                <a:latin typeface="微软雅黑" pitchFamily="34" charset="-122"/>
-                <a:ea typeface="微软雅黑" pitchFamily="34" charset="-122"/>
-              </a:rPr>
-              <a:t>为</a:t>
-            </a:r>
-            <a:r>
-              <a:rPr lang="en-US" altLang="zh-CN" sz="1200" dirty="0">
-                <a:latin typeface="微软雅黑" pitchFamily="34" charset="-122"/>
-                <a:ea typeface="微软雅黑" pitchFamily="34" charset="-122"/>
-              </a:rPr>
-              <a:t>KT</a:t>
-            </a:r>
-            <a:r>
-              <a:rPr lang="zh-CN" altLang="en-US" sz="1200" dirty="0">
-                <a:latin typeface="微软雅黑" pitchFamily="34" charset="-122"/>
-                <a:ea typeface="微软雅黑" pitchFamily="34" charset="-122"/>
-              </a:rPr>
-              <a:t>整</a:t>
-            </a:r>
-            <a:r>
-              <a:rPr lang="zh-CN" altLang="en-US" sz="1200" dirty="0" smtClean="0">
-                <a:latin typeface="微软雅黑" pitchFamily="34" charset="-122"/>
-                <a:ea typeface="微软雅黑" pitchFamily="34" charset="-122"/>
-              </a:rPr>
-              <a:t>体</a:t>
-            </a:r>
-            <a:r>
-              <a:rPr lang="zh-CN" altLang="en-US" sz="1200" dirty="0">
-                <a:latin typeface="微软雅黑" pitchFamily="34" charset="-122"/>
-                <a:ea typeface="微软雅黑" pitchFamily="34" charset="-122"/>
-              </a:rPr>
-              <a:t>改写</a:t>
-            </a:r>
-            <a:r>
-              <a:rPr lang="zh-CN" altLang="en-US" sz="1200" dirty="0" smtClean="0">
-                <a:latin typeface="微软雅黑" pitchFamily="34" charset="-122"/>
-                <a:ea typeface="微软雅黑" pitchFamily="34" charset="-122"/>
-              </a:rPr>
-              <a:t>框架，使用统一改写逻辑</a:t>
-            </a:r>
-            <a:r>
-              <a:rPr lang="zh-CN" altLang="en-US" sz="1200" dirty="0" smtClean="0">
-                <a:latin typeface="微软雅黑" pitchFamily="34" charset="-122"/>
-                <a:ea typeface="微软雅黑" pitchFamily="34" charset="-122"/>
-              </a:rPr>
-              <a:t>；</a:t>
+              <a:t>提词支持增量化）；</a:t>
             </a:r>
             <a:endParaRPr lang="en-US" altLang="zh-CN" sz="1200" dirty="0" smtClean="0">
               <a:latin typeface="微软雅黑" pitchFamily="34" charset="-122"/>
@@ -7986,761 +8226,6 @@
                 <a:latin typeface="微软雅黑" pitchFamily="34" charset="-122"/>
                 <a:ea typeface="微软雅黑" pitchFamily="34" charset="-122"/>
               </a:rPr>
-              <a:t>引入</a:t>
-            </a:r>
-            <a:r>
-              <a:rPr lang="en-US" altLang="zh-CN" sz="1200" dirty="0" smtClean="0">
-                <a:latin typeface="微软雅黑" pitchFamily="34" charset="-122"/>
-                <a:ea typeface="微软雅黑" pitchFamily="34" charset="-122"/>
-              </a:rPr>
-              <a:t>KR</a:t>
-            </a:r>
-            <a:r>
-              <a:rPr lang="zh-CN" altLang="en-US" sz="1200" dirty="0" smtClean="0">
-                <a:latin typeface="微软雅黑" pitchFamily="34" charset="-122"/>
-                <a:ea typeface="微软雅黑" pitchFamily="34" charset="-122"/>
-              </a:rPr>
-              <a:t>历史数据及</a:t>
-            </a:r>
-            <a:r>
-              <a:rPr lang="en-US" altLang="zh-CN" sz="1200" dirty="0" smtClean="0">
-                <a:latin typeface="微软雅黑" pitchFamily="34" charset="-122"/>
-                <a:ea typeface="微软雅黑" pitchFamily="34" charset="-122"/>
-              </a:rPr>
-              <a:t>NLP</a:t>
-            </a:r>
-            <a:r>
-              <a:rPr lang="zh-CN" altLang="en-US" sz="1200" dirty="0" smtClean="0">
-                <a:latin typeface="微软雅黑" pitchFamily="34" charset="-122"/>
-                <a:ea typeface="微软雅黑" pitchFamily="34" charset="-122"/>
-              </a:rPr>
-              <a:t>数据作为新的改写数据源；</a:t>
-            </a:r>
-            <a:endParaRPr lang="en-US" altLang="zh-CN" sz="1200" dirty="0" smtClean="0">
-              <a:latin typeface="微软雅黑" pitchFamily="34" charset="-122"/>
-              <a:ea typeface="微软雅黑" pitchFamily="34" charset="-122"/>
-            </a:endParaRPr>
-          </a:p>
-          <a:p>
-            <a:pPr lvl="2"/>
-            <a:r>
-              <a:rPr lang="zh-CN" altLang="en-US" sz="1200" dirty="0" smtClean="0">
-                <a:latin typeface="微软雅黑" pitchFamily="34" charset="-122"/>
-                <a:ea typeface="微软雅黑" pitchFamily="34" charset="-122"/>
-              </a:rPr>
-              <a:t>在检索端</a:t>
-            </a:r>
-            <a:r>
-              <a:rPr lang="zh-CN" altLang="en-US" sz="1200" dirty="0" smtClean="0">
-                <a:latin typeface="微软雅黑" pitchFamily="34" charset="-122"/>
-                <a:ea typeface="微软雅黑" pitchFamily="34" charset="-122"/>
-              </a:rPr>
-              <a:t>改</a:t>
-            </a:r>
-            <a:r>
-              <a:rPr lang="zh-CN" altLang="en-US" sz="1200" dirty="0">
-                <a:latin typeface="微软雅黑" pitchFamily="34" charset="-122"/>
-                <a:ea typeface="微软雅黑" pitchFamily="34" charset="-122"/>
-              </a:rPr>
-              <a:t>写</a:t>
-            </a:r>
-            <a:r>
-              <a:rPr lang="en-US" altLang="zh-CN" sz="1200" dirty="0" smtClean="0">
-                <a:latin typeface="微软雅黑" pitchFamily="34" charset="-122"/>
-                <a:ea typeface="微软雅黑" pitchFamily="34" charset="-122"/>
-              </a:rPr>
-              <a:t>QT/CT/HCT</a:t>
-            </a:r>
-            <a:r>
-              <a:rPr lang="zh-CN" altLang="en-US" sz="1200" dirty="0" smtClean="0">
-                <a:latin typeface="微软雅黑" pitchFamily="34" charset="-122"/>
-                <a:ea typeface="微软雅黑" pitchFamily="34" charset="-122"/>
-              </a:rPr>
-              <a:t>的触发词（</a:t>
-            </a:r>
-            <a:r>
-              <a:rPr lang="en-US" altLang="zh-CN" sz="1200" dirty="0" smtClean="0">
-                <a:latin typeface="微软雅黑" pitchFamily="34" charset="-122"/>
-                <a:ea typeface="微软雅黑" pitchFamily="34" charset="-122"/>
-              </a:rPr>
-              <a:t>bid-word</a:t>
-            </a:r>
-            <a:r>
-              <a:rPr lang="zh-CN" altLang="en-US" sz="1200" dirty="0" smtClean="0">
-                <a:latin typeface="微软雅黑" pitchFamily="34" charset="-122"/>
-                <a:ea typeface="微软雅黑" pitchFamily="34" charset="-122"/>
-              </a:rPr>
-              <a:t>），增</a:t>
-            </a:r>
-            <a:r>
-              <a:rPr lang="zh-CN" altLang="en-US" sz="1200" dirty="0">
-                <a:latin typeface="微软雅黑" pitchFamily="34" charset="-122"/>
-                <a:ea typeface="微软雅黑" pitchFamily="34" charset="-122"/>
-              </a:rPr>
-              <a:t>加</a:t>
-            </a:r>
-            <a:r>
-              <a:rPr lang="en-US" altLang="zh-CN" sz="1200" dirty="0">
-                <a:latin typeface="微软雅黑" pitchFamily="34" charset="-122"/>
-                <a:ea typeface="微软雅黑" pitchFamily="34" charset="-122"/>
-              </a:rPr>
-              <a:t>KT</a:t>
-            </a:r>
-            <a:r>
-              <a:rPr lang="zh-CN" altLang="en-US" sz="1200" dirty="0">
-                <a:latin typeface="微软雅黑" pitchFamily="34" charset="-122"/>
-                <a:ea typeface="微软雅黑" pitchFamily="34" charset="-122"/>
-              </a:rPr>
-              <a:t>的触发机会</a:t>
-            </a:r>
-            <a:r>
-              <a:rPr lang="zh-CN" altLang="en-US" sz="1200" dirty="0" smtClean="0">
-                <a:latin typeface="微软雅黑" pitchFamily="34" charset="-122"/>
-                <a:ea typeface="微软雅黑" pitchFamily="34" charset="-122"/>
-              </a:rPr>
-              <a:t>，扩大广告召回</a:t>
-            </a:r>
-            <a:r>
-              <a:rPr lang="zh-CN" altLang="en-US" sz="1200" dirty="0">
-                <a:latin typeface="微软雅黑" pitchFamily="34" charset="-122"/>
-                <a:ea typeface="微软雅黑" pitchFamily="34" charset="-122"/>
-              </a:rPr>
-              <a:t>，</a:t>
-            </a:r>
-            <a:r>
-              <a:rPr lang="zh-CN" altLang="en-US" sz="1200" dirty="0" smtClean="0">
-                <a:latin typeface="微软雅黑" pitchFamily="34" charset="-122"/>
-                <a:ea typeface="微软雅黑" pitchFamily="34" charset="-122"/>
-              </a:rPr>
-              <a:t>增加收</a:t>
-            </a:r>
-            <a:r>
-              <a:rPr lang="zh-CN" altLang="en-US" sz="1200" dirty="0" smtClean="0">
-                <a:latin typeface="微软雅黑" pitchFamily="34" charset="-122"/>
-                <a:ea typeface="微软雅黑" pitchFamily="34" charset="-122"/>
-              </a:rPr>
-              <a:t>入；</a:t>
-            </a:r>
-            <a:endParaRPr lang="en-US" altLang="zh-CN" sz="1200" dirty="0" smtClean="0">
-              <a:latin typeface="微软雅黑" pitchFamily="34" charset="-122"/>
-              <a:ea typeface="微软雅黑" pitchFamily="34" charset="-122"/>
-            </a:endParaRPr>
-          </a:p>
-          <a:p>
-            <a:pPr lvl="1"/>
-            <a:r>
-              <a:rPr lang="zh-CN" altLang="en-US" sz="1400" dirty="0" smtClean="0">
-                <a:latin typeface="微软雅黑" pitchFamily="34" charset="-122"/>
-                <a:ea typeface="微软雅黑" pitchFamily="34" charset="-122"/>
-              </a:rPr>
-              <a:t>策略效果：不影响</a:t>
-            </a:r>
-            <a:r>
-              <a:rPr lang="en-US" altLang="zh-CN" sz="1400" dirty="0" smtClean="0">
-                <a:latin typeface="微软雅黑" pitchFamily="34" charset="-122"/>
-                <a:ea typeface="微软雅黑" pitchFamily="34" charset="-122"/>
-              </a:rPr>
-              <a:t>KT</a:t>
-            </a:r>
-            <a:r>
-              <a:rPr lang="zh-CN" altLang="en-US" sz="1400" dirty="0" smtClean="0">
-                <a:latin typeface="微软雅黑" pitchFamily="34" charset="-122"/>
-                <a:ea typeface="微软雅黑" pitchFamily="34" charset="-122"/>
-              </a:rPr>
-              <a:t>相关性的基础上，</a:t>
-            </a:r>
-            <a:r>
-              <a:rPr lang="en-US" altLang="zh-CN" sz="1400" dirty="0" smtClean="0">
-                <a:solidFill>
-                  <a:srgbClr val="00B050"/>
-                </a:solidFill>
-                <a:latin typeface="微软雅黑" pitchFamily="34" charset="-122"/>
-                <a:ea typeface="微软雅黑" pitchFamily="34" charset="-122"/>
-              </a:rPr>
-              <a:t>KT</a:t>
-            </a:r>
-            <a:r>
-              <a:rPr lang="zh-CN" altLang="en-US" sz="1400" dirty="0" smtClean="0">
-                <a:solidFill>
-                  <a:srgbClr val="00B050"/>
-                </a:solidFill>
-                <a:latin typeface="微软雅黑" pitchFamily="34" charset="-122"/>
-                <a:ea typeface="微软雅黑" pitchFamily="34" charset="-122"/>
-              </a:rPr>
-              <a:t>展现</a:t>
-            </a:r>
-            <a:r>
-              <a:rPr lang="en-US" altLang="zh-CN" sz="1400" dirty="0" smtClean="0">
-                <a:solidFill>
-                  <a:srgbClr val="00B050"/>
-                </a:solidFill>
-                <a:latin typeface="微软雅黑" pitchFamily="34" charset="-122"/>
-                <a:ea typeface="微软雅黑" pitchFamily="34" charset="-122"/>
-              </a:rPr>
-              <a:t>+1.2%</a:t>
-            </a:r>
-            <a:r>
-              <a:rPr lang="zh-CN" altLang="en-US" sz="1400" dirty="0" smtClean="0">
-                <a:solidFill>
-                  <a:srgbClr val="00B050"/>
-                </a:solidFill>
-                <a:latin typeface="微软雅黑" pitchFamily="34" charset="-122"/>
-                <a:ea typeface="微软雅黑" pitchFamily="34" charset="-122"/>
-              </a:rPr>
-              <a:t>，收入</a:t>
-            </a:r>
-            <a:r>
-              <a:rPr lang="en-US" altLang="zh-CN" sz="1400" dirty="0" smtClean="0">
-                <a:solidFill>
-                  <a:srgbClr val="00B050"/>
-                </a:solidFill>
-                <a:latin typeface="微软雅黑" pitchFamily="34" charset="-122"/>
-                <a:ea typeface="微软雅黑" pitchFamily="34" charset="-122"/>
-              </a:rPr>
-              <a:t>+1.1%</a:t>
-            </a:r>
-            <a:r>
-              <a:rPr lang="zh-CN" altLang="en-US" sz="1400" dirty="0" smtClean="0">
-                <a:solidFill>
-                  <a:srgbClr val="00B050"/>
-                </a:solidFill>
-                <a:latin typeface="微软雅黑" pitchFamily="34" charset="-122"/>
-                <a:ea typeface="微软雅黑" pitchFamily="34" charset="-122"/>
-              </a:rPr>
-              <a:t>，网盟整体收入</a:t>
-            </a:r>
-            <a:r>
-              <a:rPr lang="en-US" altLang="zh-CN" sz="1400" dirty="0" smtClean="0">
-                <a:solidFill>
-                  <a:srgbClr val="00B050"/>
-                </a:solidFill>
-                <a:latin typeface="微软雅黑" pitchFamily="34" charset="-122"/>
-                <a:ea typeface="微软雅黑" pitchFamily="34" charset="-122"/>
-              </a:rPr>
-              <a:t>+0.4%</a:t>
-            </a:r>
-          </a:p>
-        </p:txBody>
-      </p:sp>
-      <p:sp>
-        <p:nvSpPr>
-          <p:cNvPr id="3" name="标题 1"/>
-          <p:cNvSpPr txBox="1">
-            <a:spLocks/>
-          </p:cNvSpPr>
-          <p:nvPr/>
-        </p:nvSpPr>
-        <p:spPr bwMode="auto">
-          <a:xfrm>
-            <a:off x="282781" y="265212"/>
-            <a:ext cx="8362950" cy="720080"/>
-          </a:xfrm>
-          <a:prstGeom prst="rect">
-            <a:avLst/>
-          </a:prstGeom>
-          <a:noFill/>
-          <a:extLst>
-            <a:ext uri="{909E8E84-426E-40DD-AFC4-6F175D3DCCD1}">
-              <a14:hiddenFill xmlns:a14="http://schemas.microsoft.com/office/drawing/2010/main">
-                <a:solidFill>
-                  <a:srgbClr val="FFFFFF"/>
-                </a:solidFill>
-              </a14:hiddenFill>
-            </a:ext>
-            <a:ext uri="{91240B29-F687-4F45-9708-019B960494DF}">
-              <a14:hiddenLine xmlns:a14="http://schemas.microsoft.com/office/drawing/2010/main" w="9525">
-                <a:solidFill>
-                  <a:srgbClr val="000000"/>
-                </a:solidFill>
-                <a:miter lim="800000"/>
-                <a:headEnd/>
-                <a:tailEnd/>
-              </a14:hiddenLine>
-            </a:ext>
-          </a:extLst>
-        </p:spPr>
-        <p:txBody>
-          <a:bodyPr vert="horz" wrap="square" lIns="91440" tIns="45720" rIns="91440" bIns="45720" numCol="1" anchor="t" anchorCtr="0" compatLnSpc="1">
-            <a:prstTxWarp prst="textNoShape">
-              <a:avLst/>
-            </a:prstTxWarp>
-          </a:bodyPr>
-          <a:lstStyle>
-            <a:lvl1pPr algn="l" rtl="0" eaLnBrk="0" fontAlgn="base" hangingPunct="0">
-              <a:spcBef>
-                <a:spcPct val="0"/>
-              </a:spcBef>
-              <a:spcAft>
-                <a:spcPct val="0"/>
-              </a:spcAft>
-              <a:defRPr sz="3200" b="1">
-                <a:solidFill>
-                  <a:schemeClr val="bg1"/>
-                </a:solidFill>
-                <a:latin typeface="+mj-lt"/>
-                <a:ea typeface="+mj-ea"/>
-                <a:cs typeface="华文黑体"/>
-              </a:defRPr>
-            </a:lvl1pPr>
-            <a:lvl2pPr algn="l" rtl="0" eaLnBrk="0" fontAlgn="base" hangingPunct="0">
-              <a:spcBef>
-                <a:spcPct val="0"/>
-              </a:spcBef>
-              <a:spcAft>
-                <a:spcPct val="0"/>
-              </a:spcAft>
-              <a:defRPr sz="3200" b="1">
-                <a:solidFill>
-                  <a:schemeClr val="bg1"/>
-                </a:solidFill>
-                <a:latin typeface="Arial" charset="0"/>
-                <a:ea typeface="华文黑体" charset="-122"/>
-                <a:cs typeface="华文黑体"/>
-              </a:defRPr>
-            </a:lvl2pPr>
-            <a:lvl3pPr algn="l" rtl="0" eaLnBrk="0" fontAlgn="base" hangingPunct="0">
-              <a:spcBef>
-                <a:spcPct val="0"/>
-              </a:spcBef>
-              <a:spcAft>
-                <a:spcPct val="0"/>
-              </a:spcAft>
-              <a:defRPr sz="3200" b="1">
-                <a:solidFill>
-                  <a:schemeClr val="bg1"/>
-                </a:solidFill>
-                <a:latin typeface="Arial" charset="0"/>
-                <a:ea typeface="华文黑体" charset="-122"/>
-                <a:cs typeface="华文黑体"/>
-              </a:defRPr>
-            </a:lvl3pPr>
-            <a:lvl4pPr algn="l" rtl="0" eaLnBrk="0" fontAlgn="base" hangingPunct="0">
-              <a:spcBef>
-                <a:spcPct val="0"/>
-              </a:spcBef>
-              <a:spcAft>
-                <a:spcPct val="0"/>
-              </a:spcAft>
-              <a:defRPr sz="3200" b="1">
-                <a:solidFill>
-                  <a:schemeClr val="bg1"/>
-                </a:solidFill>
-                <a:latin typeface="Arial" charset="0"/>
-                <a:ea typeface="华文黑体" charset="-122"/>
-                <a:cs typeface="华文黑体"/>
-              </a:defRPr>
-            </a:lvl4pPr>
-            <a:lvl5pPr algn="l" rtl="0" eaLnBrk="0" fontAlgn="base" hangingPunct="0">
-              <a:spcBef>
-                <a:spcPct val="0"/>
-              </a:spcBef>
-              <a:spcAft>
-                <a:spcPct val="0"/>
-              </a:spcAft>
-              <a:defRPr sz="3200" b="1">
-                <a:solidFill>
-                  <a:schemeClr val="bg1"/>
-                </a:solidFill>
-                <a:latin typeface="Arial" charset="0"/>
-                <a:ea typeface="华文黑体" charset="-122"/>
-                <a:cs typeface="华文黑体"/>
-              </a:defRPr>
-            </a:lvl5pPr>
-            <a:lvl6pPr marL="457200" algn="l" rtl="0" fontAlgn="base">
-              <a:spcBef>
-                <a:spcPct val="0"/>
-              </a:spcBef>
-              <a:spcAft>
-                <a:spcPct val="0"/>
-              </a:spcAft>
-              <a:defRPr sz="3200" b="1">
-                <a:solidFill>
-                  <a:schemeClr val="bg1"/>
-                </a:solidFill>
-                <a:latin typeface="Arial" charset="0"/>
-                <a:ea typeface="华文黑体" charset="-122"/>
-              </a:defRPr>
-            </a:lvl6pPr>
-            <a:lvl7pPr marL="914400" algn="l" rtl="0" fontAlgn="base">
-              <a:spcBef>
-                <a:spcPct val="0"/>
-              </a:spcBef>
-              <a:spcAft>
-                <a:spcPct val="0"/>
-              </a:spcAft>
-              <a:defRPr sz="3200" b="1">
-                <a:solidFill>
-                  <a:schemeClr val="bg1"/>
-                </a:solidFill>
-                <a:latin typeface="Arial" charset="0"/>
-                <a:ea typeface="华文黑体" charset="-122"/>
-              </a:defRPr>
-            </a:lvl7pPr>
-            <a:lvl8pPr marL="1371600" algn="l" rtl="0" fontAlgn="base">
-              <a:spcBef>
-                <a:spcPct val="0"/>
-              </a:spcBef>
-              <a:spcAft>
-                <a:spcPct val="0"/>
-              </a:spcAft>
-              <a:defRPr sz="3200" b="1">
-                <a:solidFill>
-                  <a:schemeClr val="bg1"/>
-                </a:solidFill>
-                <a:latin typeface="Arial" charset="0"/>
-                <a:ea typeface="华文黑体" charset="-122"/>
-              </a:defRPr>
-            </a:lvl8pPr>
-            <a:lvl9pPr marL="1828800" algn="l" rtl="0" fontAlgn="base">
-              <a:spcBef>
-                <a:spcPct val="0"/>
-              </a:spcBef>
-              <a:spcAft>
-                <a:spcPct val="0"/>
-              </a:spcAft>
-              <a:defRPr sz="3200" b="1">
-                <a:solidFill>
-                  <a:schemeClr val="bg1"/>
-                </a:solidFill>
-                <a:latin typeface="Arial" charset="0"/>
-                <a:ea typeface="华文黑体" charset="-122"/>
-              </a:defRPr>
-            </a:lvl9pPr>
-          </a:lstStyle>
-          <a:p>
-            <a:pPr eaLnBrk="1" hangingPunct="1"/>
-            <a:r>
-              <a:rPr lang="en-US" altLang="zh-CN" dirty="0">
-                <a:solidFill>
-                  <a:schemeClr val="tx1"/>
-                </a:solidFill>
-                <a:latin typeface="微软雅黑" pitchFamily="34" charset="-122"/>
-                <a:ea typeface="微软雅黑" pitchFamily="34" charset="-122"/>
-              </a:rPr>
-              <a:t>T4</a:t>
-            </a:r>
-            <a:r>
-              <a:rPr lang="zh-CN" altLang="en-US" dirty="0">
-                <a:solidFill>
-                  <a:schemeClr val="tx1"/>
-                </a:solidFill>
-                <a:latin typeface="微软雅黑" pitchFamily="34" charset="-122"/>
-                <a:ea typeface="微软雅黑" pitchFamily="34" charset="-122"/>
-              </a:rPr>
-              <a:t>晋</a:t>
-            </a:r>
-            <a:r>
-              <a:rPr lang="zh-CN" altLang="en-US" dirty="0" smtClean="0">
-                <a:solidFill>
-                  <a:schemeClr val="tx1"/>
-                </a:solidFill>
-                <a:latin typeface="微软雅黑" pitchFamily="34" charset="-122"/>
-                <a:ea typeface="微软雅黑" pitchFamily="34" charset="-122"/>
-              </a:rPr>
-              <a:t>升</a:t>
-            </a:r>
-            <a:r>
-              <a:rPr lang="zh-CN" altLang="en-US" dirty="0">
-                <a:solidFill>
-                  <a:schemeClr val="tx1"/>
-                </a:solidFill>
-                <a:latin typeface="微软雅黑" pitchFamily="34" charset="-122"/>
-                <a:ea typeface="微软雅黑" pitchFamily="34" charset="-122"/>
-              </a:rPr>
-              <a:t>以</a:t>
-            </a:r>
-            <a:r>
-              <a:rPr lang="zh-CN" altLang="en-US" dirty="0" smtClean="0">
-                <a:solidFill>
-                  <a:schemeClr val="tx1"/>
-                </a:solidFill>
-                <a:latin typeface="微软雅黑" pitchFamily="34" charset="-122"/>
-                <a:ea typeface="微软雅黑" pitchFamily="34" charset="-122"/>
-              </a:rPr>
-              <a:t>来其他工作</a:t>
-            </a:r>
-            <a:r>
-              <a:rPr lang="en-US" altLang="zh-CN" dirty="0" smtClean="0">
-                <a:solidFill>
-                  <a:schemeClr val="tx1"/>
-                </a:solidFill>
-                <a:latin typeface="微软雅黑" pitchFamily="34" charset="-122"/>
-                <a:ea typeface="微软雅黑" pitchFamily="34" charset="-122"/>
-              </a:rPr>
-              <a:t>-KTE</a:t>
-            </a:r>
-            <a:r>
-              <a:rPr lang="zh-CN" altLang="en-US" dirty="0" smtClean="0">
-                <a:solidFill>
-                  <a:schemeClr val="tx1"/>
-                </a:solidFill>
-                <a:latin typeface="微软雅黑" pitchFamily="34" charset="-122"/>
-                <a:ea typeface="微软雅黑" pitchFamily="34" charset="-122"/>
-              </a:rPr>
-              <a:t>广告收入拓展</a:t>
-            </a:r>
-            <a:endParaRPr lang="zh-CN" altLang="en-US" dirty="0">
-              <a:solidFill>
-                <a:schemeClr val="tx1"/>
-              </a:solidFill>
-              <a:latin typeface="微软雅黑" pitchFamily="34" charset="-122"/>
-              <a:ea typeface="微软雅黑" pitchFamily="34" charset="-122"/>
-            </a:endParaRPr>
-          </a:p>
-        </p:txBody>
-      </p:sp>
-      <p:pic>
-        <p:nvPicPr>
-          <p:cNvPr id="1026" name="Picture 2"/>
-          <p:cNvPicPr>
-            <a:picLocks noChangeAspect="1" noChangeArrowheads="1"/>
-          </p:cNvPicPr>
-          <p:nvPr/>
-        </p:nvPicPr>
-        <p:blipFill>
-          <a:blip r:embed="rId3">
-            <a:extLst>
-              <a:ext uri="{28A0092B-C50C-407E-A947-70E740481C1C}">
-                <a14:useLocalDpi xmlns:a14="http://schemas.microsoft.com/office/drawing/2010/main" val="0"/>
-              </a:ext>
-            </a:extLst>
-          </a:blip>
-          <a:srcRect/>
-          <a:stretch>
-            <a:fillRect/>
-          </a:stretch>
-        </p:blipFill>
-        <p:spPr bwMode="auto">
-          <a:xfrm>
-            <a:off x="659940" y="3073524"/>
-            <a:ext cx="7608632" cy="2034543"/>
-          </a:xfrm>
-          <a:prstGeom prst="rect">
-            <a:avLst/>
-          </a:prstGeom>
-          <a:noFill/>
-          <a:ln>
-            <a:noFill/>
-          </a:ln>
-          <a:effectLst/>
-          <a:extLst>
-            <a:ext uri="{909E8E84-426E-40DD-AFC4-6F175D3DCCD1}">
-              <a14:hiddenFill xmlns:a14="http://schemas.microsoft.com/office/drawing/2010/main">
-                <a:solidFill>
-                  <a:schemeClr val="accent1"/>
-                </a:solidFill>
-              </a14:hiddenFill>
-            </a:ext>
-            <a:ext uri="{91240B29-F687-4F45-9708-019B960494DF}">
-              <a14:hiddenLine xmlns:a14="http://schemas.microsoft.com/office/drawing/2010/main" w="9525">
-                <a:solidFill>
-                  <a:schemeClr val="tx1"/>
-                </a:solidFill>
-                <a:miter lim="800000"/>
-                <a:headEnd/>
-                <a:tailEnd/>
-              </a14:hiddenLine>
-            </a:ext>
-            <a:ext uri="{AF507438-7753-43E0-B8FC-AC1667EBCBE1}">
-              <a14:hiddenEffects xmlns:a14="http://schemas.microsoft.com/office/drawing/2010/main">
-                <a:effectLst>
-                  <a:outerShdw dist="35921" dir="2700000" algn="ctr" rotWithShape="0">
-                    <a:schemeClr val="bg2"/>
-                  </a:outerShdw>
-                </a:effectLst>
-              </a14:hiddenEffects>
-            </a:ext>
-          </a:extLst>
-        </p:spPr>
-      </p:pic>
-    </p:spTree>
-    <p:extLst>
-      <p:ext uri="{BB962C8B-B14F-4D97-AF65-F5344CB8AC3E}">
-        <p14:creationId xmlns:p14="http://schemas.microsoft.com/office/powerpoint/2010/main" val="4062553904"/>
-      </p:ext>
-    </p:extLst>
-  </p:cSld>
-  <p:clrMapOvr>
-    <a:masterClrMapping/>
-  </p:clrMapOvr>
-  <p:timing>
-    <p:tnLst>
-      <p:par>
-        <p:cTn id="1" dur="indefinite" restart="never" nodeType="tmRoot"/>
-      </p:par>
-    </p:tnLst>
-  </p:timing>
-</p:sld>
-</file>
-
-<file path=ppt/slides/slide11.xml><?xml version="1.0" encoding="utf-8"?>
-<p:sld xmlns:a="http://schemas.openxmlformats.org/drawingml/2006/main" xmlns:r="http://schemas.openxmlformats.org/officeDocument/2006/relationships" xmlns:p="http://schemas.openxmlformats.org/presentationml/2006/main">
-  <p:cSld>
-    <p:spTree>
-      <p:nvGrpSpPr>
-        <p:cNvPr id="1" name=""/>
-        <p:cNvGrpSpPr/>
-        <p:nvPr/>
-      </p:nvGrpSpPr>
-      <p:grpSpPr>
-        <a:xfrm>
-          <a:off x="0" y="0"/>
-          <a:ext cx="0" cy="0"/>
-          <a:chOff x="0" y="0"/>
-          <a:chExt cx="0" cy="0"/>
-        </a:xfrm>
-      </p:grpSpPr>
-      <p:sp>
-        <p:nvSpPr>
-          <p:cNvPr id="2" name="Content Placeholder 1"/>
-          <p:cNvSpPr>
-            <a:spLocks noGrp="1"/>
-          </p:cNvSpPr>
-          <p:nvPr>
-            <p:ph idx="1"/>
-          </p:nvPr>
-        </p:nvSpPr>
-        <p:spPr>
-          <a:xfrm>
-            <a:off x="323528" y="1308100"/>
-            <a:ext cx="8496944" cy="2053456"/>
-          </a:xfrm>
-        </p:spPr>
-        <p:txBody>
-          <a:bodyPr/>
-          <a:lstStyle/>
-          <a:p>
-            <a:r>
-              <a:rPr lang="en-US" altLang="zh-CN" sz="2400" b="1" dirty="0" smtClean="0">
-                <a:latin typeface="微软雅黑" pitchFamily="34" charset="-122"/>
-                <a:ea typeface="微软雅黑" pitchFamily="34" charset="-122"/>
-              </a:rPr>
-              <a:t>AFS</a:t>
-            </a:r>
-            <a:r>
-              <a:rPr lang="zh-CN" altLang="en-US" sz="2400" b="1" dirty="0">
-                <a:latin typeface="微软雅黑" pitchFamily="34" charset="-122"/>
-                <a:ea typeface="微软雅黑" pitchFamily="34" charset="-122"/>
-              </a:rPr>
-              <a:t>广告分类特征优化</a:t>
-            </a:r>
-            <a:endParaRPr lang="en-US" altLang="zh-CN" sz="2400" b="1" dirty="0">
-              <a:latin typeface="微软雅黑" pitchFamily="34" charset="-122"/>
-              <a:ea typeface="微软雅黑" pitchFamily="34" charset="-122"/>
-            </a:endParaRPr>
-          </a:p>
-          <a:p>
-            <a:pPr lvl="1"/>
-            <a:r>
-              <a:rPr lang="zh-CN" altLang="en-US" sz="1400" dirty="0" smtClean="0">
-                <a:latin typeface="微软雅黑" pitchFamily="34" charset="-122"/>
-                <a:ea typeface="微软雅黑" pitchFamily="34" charset="-122"/>
-              </a:rPr>
-              <a:t>主</a:t>
-            </a:r>
-            <a:r>
-              <a:rPr lang="zh-CN" altLang="en-US" sz="1400" dirty="0" smtClean="0">
-                <a:latin typeface="微软雅黑" pitchFamily="34" charset="-122"/>
-                <a:ea typeface="微软雅黑" pitchFamily="34" charset="-122"/>
-              </a:rPr>
-              <a:t>要工作</a:t>
-            </a:r>
-            <a:r>
-              <a:rPr lang="zh-CN" altLang="en-US" sz="1400" dirty="0" smtClean="0">
-                <a:latin typeface="微软雅黑" pitchFamily="34" charset="-122"/>
-                <a:ea typeface="微软雅黑" pitchFamily="34" charset="-122"/>
-              </a:rPr>
-              <a:t>：</a:t>
-            </a:r>
-            <a:endParaRPr lang="en-US" altLang="zh-CN" sz="1400" dirty="0" smtClean="0">
-              <a:latin typeface="微软雅黑" pitchFamily="34" charset="-122"/>
-              <a:ea typeface="微软雅黑" pitchFamily="34" charset="-122"/>
-            </a:endParaRPr>
-          </a:p>
-          <a:p>
-            <a:pPr lvl="2"/>
-            <a:r>
-              <a:rPr lang="zh-CN" altLang="en-US" sz="1200" dirty="0" smtClean="0">
-                <a:latin typeface="微软雅黑" pitchFamily="34" charset="-122"/>
-                <a:ea typeface="微软雅黑" pitchFamily="34" charset="-122"/>
-              </a:rPr>
-              <a:t>优</a:t>
-            </a:r>
-            <a:r>
-              <a:rPr lang="zh-CN" altLang="en-US" sz="1200" dirty="0">
-                <a:latin typeface="微软雅黑" pitchFamily="34" charset="-122"/>
-                <a:ea typeface="微软雅黑" pitchFamily="34" charset="-122"/>
-              </a:rPr>
-              <a:t>化策略原始特征</a:t>
-            </a:r>
-            <a:r>
-              <a:rPr lang="zh-CN" altLang="en-US" sz="1200" dirty="0" smtClean="0">
-                <a:latin typeface="微软雅黑" pitchFamily="34" charset="-122"/>
-                <a:ea typeface="微软雅黑" pitchFamily="34" charset="-122"/>
-              </a:rPr>
-              <a:t>（用展</a:t>
-            </a:r>
-            <a:r>
-              <a:rPr lang="zh-CN" altLang="en-US" sz="1200" dirty="0">
-                <a:latin typeface="微软雅黑" pitchFamily="34" charset="-122"/>
-                <a:ea typeface="微软雅黑" pitchFamily="34" charset="-122"/>
-              </a:rPr>
-              <a:t>现</a:t>
-            </a:r>
-            <a:r>
-              <a:rPr lang="en-US" altLang="zh-CN" sz="1200" dirty="0">
-                <a:latin typeface="微软雅黑" pitchFamily="34" charset="-122"/>
-                <a:ea typeface="微软雅黑" pitchFamily="34" charset="-122"/>
-              </a:rPr>
-              <a:t>bid-words</a:t>
-            </a:r>
-            <a:r>
-              <a:rPr lang="zh-CN" altLang="en-US" sz="1200" dirty="0">
-                <a:latin typeface="微软雅黑" pitchFamily="34" charset="-122"/>
-                <a:ea typeface="微软雅黑" pitchFamily="34" charset="-122"/>
-              </a:rPr>
-              <a:t>取代全库</a:t>
-            </a:r>
-            <a:r>
-              <a:rPr lang="en-US" altLang="zh-CN" sz="1200" dirty="0" smtClean="0">
-                <a:latin typeface="微软雅黑" pitchFamily="34" charset="-122"/>
-                <a:ea typeface="微软雅黑" pitchFamily="34" charset="-122"/>
-              </a:rPr>
-              <a:t>bid-words</a:t>
-            </a:r>
-            <a:r>
-              <a:rPr lang="zh-CN" altLang="en-US" sz="1200" dirty="0" smtClean="0">
-                <a:latin typeface="微软雅黑" pitchFamily="34" charset="-122"/>
-                <a:ea typeface="微软雅黑" pitchFamily="34" charset="-122"/>
-              </a:rPr>
-              <a:t>，原始特征</a:t>
-            </a:r>
-            <a:r>
-              <a:rPr lang="en-US" altLang="zh-CN" sz="1200" dirty="0" smtClean="0">
-                <a:latin typeface="微软雅黑" pitchFamily="34" charset="-122"/>
-                <a:ea typeface="微软雅黑" pitchFamily="34" charset="-122"/>
-              </a:rPr>
-              <a:t>landing-page</a:t>
-            </a:r>
-            <a:r>
-              <a:rPr lang="zh-CN" altLang="en-US" sz="1200" dirty="0" smtClean="0">
-                <a:latin typeface="微软雅黑" pitchFamily="34" charset="-122"/>
-                <a:ea typeface="微软雅黑" pitchFamily="34" charset="-122"/>
-              </a:rPr>
-              <a:t>提词支持增量化）；</a:t>
-            </a:r>
-            <a:endParaRPr lang="en-US" altLang="zh-CN" sz="1200" dirty="0" smtClean="0">
-              <a:latin typeface="微软雅黑" pitchFamily="34" charset="-122"/>
-              <a:ea typeface="微软雅黑" pitchFamily="34" charset="-122"/>
-            </a:endParaRPr>
-          </a:p>
-          <a:p>
-            <a:pPr lvl="2"/>
-            <a:r>
-              <a:rPr lang="zh-CN" altLang="en-US" sz="1200" dirty="0" smtClean="0">
-                <a:latin typeface="微软雅黑" pitchFamily="34" charset="-122"/>
-                <a:ea typeface="微软雅黑" pitchFamily="34" charset="-122"/>
-              </a:rPr>
               <a:t>优化策略计算逻辑，提高计算效率（</a:t>
             </a:r>
             <a:r>
@@ -8797,318 +8282,306 @@
                 <a:latin typeface="微软雅黑" pitchFamily="34" charset="-122"/>
                 <a:ea typeface="微软雅黑" pitchFamily="34" charset="-122"/>
               </a:rPr>
-              <a:t>策</a:t>
+              <a:t>策略效果</a:t>
+            </a:r>
+            <a:r>
+              <a:rPr lang="zh-CN" altLang="en-US" sz="1400" dirty="0" smtClean="0">
+                <a:latin typeface="微软雅黑" pitchFamily="34" charset="-122"/>
+                <a:ea typeface="微软雅黑" pitchFamily="34" charset="-122"/>
+              </a:rPr>
+              <a:t>：</a:t>
+            </a:r>
+            <a:r>
+              <a:rPr lang="en-US" altLang="zh-CN" sz="1400" b="1" dirty="0" smtClean="0">
+                <a:solidFill>
+                  <a:srgbClr val="FF0000"/>
+                </a:solidFill>
+                <a:latin typeface="微软雅黑" pitchFamily="34" charset="-122"/>
+                <a:ea typeface="微软雅黑" pitchFamily="34" charset="-122"/>
+              </a:rPr>
+              <a:t>AFS</a:t>
+            </a:r>
+            <a:r>
+              <a:rPr lang="zh-CN" altLang="en-US" sz="1400" b="1" dirty="0">
+                <a:solidFill>
+                  <a:srgbClr val="FF0000"/>
+                </a:solidFill>
+                <a:latin typeface="微软雅黑" pitchFamily="34" charset="-122"/>
+                <a:ea typeface="微软雅黑" pitchFamily="34" charset="-122"/>
+              </a:rPr>
+              <a:t>广告分</a:t>
+            </a:r>
+            <a:r>
+              <a:rPr lang="zh-CN" altLang="en-US" sz="1400" b="1" dirty="0" smtClean="0">
+                <a:solidFill>
+                  <a:srgbClr val="FF0000"/>
+                </a:solidFill>
+                <a:latin typeface="微软雅黑" pitchFamily="34" charset="-122"/>
+                <a:ea typeface="微软雅黑" pitchFamily="34" charset="-122"/>
+              </a:rPr>
+              <a:t>类准</a:t>
+            </a:r>
+            <a:r>
+              <a:rPr lang="zh-CN" altLang="en-US" sz="1400" b="1" dirty="0">
+                <a:solidFill>
+                  <a:srgbClr val="FF0000"/>
+                </a:solidFill>
+                <a:latin typeface="微软雅黑" pitchFamily="34" charset="-122"/>
+                <a:ea typeface="微软雅黑" pitchFamily="34" charset="-122"/>
+              </a:rPr>
+              <a:t>确</a:t>
+            </a:r>
+            <a:r>
+              <a:rPr lang="zh-CN" altLang="en-US" sz="1400" b="1" dirty="0" smtClean="0">
+                <a:solidFill>
+                  <a:srgbClr val="FF0000"/>
+                </a:solidFill>
+                <a:latin typeface="微软雅黑" pitchFamily="34" charset="-122"/>
+                <a:ea typeface="微软雅黑" pitchFamily="34" charset="-122"/>
+              </a:rPr>
+              <a:t>率维持在</a:t>
+            </a:r>
+            <a:r>
+              <a:rPr lang="en-US" altLang="zh-CN" sz="1400" b="1" dirty="0" smtClean="0">
+                <a:solidFill>
+                  <a:srgbClr val="FF0000"/>
+                </a:solidFill>
+                <a:latin typeface="微软雅黑" pitchFamily="34" charset="-122"/>
+                <a:ea typeface="微软雅黑" pitchFamily="34" charset="-122"/>
+              </a:rPr>
+              <a:t>85</a:t>
+            </a:r>
+            <a:r>
+              <a:rPr lang="en-US" altLang="zh-CN" sz="1400" b="1" dirty="0">
+                <a:solidFill>
+                  <a:srgbClr val="FF0000"/>
+                </a:solidFill>
+                <a:latin typeface="微软雅黑" pitchFamily="34" charset="-122"/>
+                <a:ea typeface="微软雅黑" pitchFamily="34" charset="-122"/>
+              </a:rPr>
+              <a:t>%</a:t>
+            </a:r>
+            <a:r>
+              <a:rPr lang="zh-CN" altLang="en-US" sz="1400" b="1" dirty="0">
+                <a:solidFill>
+                  <a:srgbClr val="FF0000"/>
+                </a:solidFill>
+                <a:latin typeface="微软雅黑" pitchFamily="34" charset="-122"/>
+                <a:ea typeface="微软雅黑" pitchFamily="34" charset="-122"/>
+              </a:rPr>
+              <a:t>的基础上，全通道特征覆盖率从</a:t>
+            </a:r>
+            <a:r>
+              <a:rPr lang="en-US" altLang="zh-CN" sz="1400" b="1" dirty="0">
+                <a:solidFill>
+                  <a:srgbClr val="FF0000"/>
+                </a:solidFill>
+                <a:latin typeface="微软雅黑" pitchFamily="34" charset="-122"/>
+                <a:ea typeface="微软雅黑" pitchFamily="34" charset="-122"/>
+              </a:rPr>
+              <a:t>75%</a:t>
+            </a:r>
+            <a:r>
+              <a:rPr lang="zh-CN" altLang="en-US" sz="1400" b="1" dirty="0">
+                <a:solidFill>
+                  <a:srgbClr val="FF0000"/>
+                </a:solidFill>
+                <a:latin typeface="微软雅黑" pitchFamily="34" charset="-122"/>
+                <a:ea typeface="微软雅黑" pitchFamily="34" charset="-122"/>
+              </a:rPr>
+              <a:t>提升至 </a:t>
+            </a:r>
+            <a:r>
+              <a:rPr lang="en-US" altLang="zh-CN" sz="1400" b="1" dirty="0">
+                <a:solidFill>
+                  <a:srgbClr val="FF0000"/>
+                </a:solidFill>
+                <a:latin typeface="微软雅黑" pitchFamily="34" charset="-122"/>
+                <a:ea typeface="微软雅黑" pitchFamily="34" charset="-122"/>
+              </a:rPr>
+              <a:t>78%</a:t>
+            </a:r>
+            <a:r>
+              <a:rPr lang="zh-CN" altLang="en-US" sz="1400" b="1" dirty="0">
+                <a:solidFill>
+                  <a:srgbClr val="FF0000"/>
+                </a:solidFill>
+                <a:latin typeface="微软雅黑" pitchFamily="34" charset="-122"/>
+                <a:ea typeface="微软雅黑" pitchFamily="34" charset="-122"/>
+              </a:rPr>
+              <a:t>（</a:t>
+            </a:r>
+            <a:r>
+              <a:rPr lang="en-US" altLang="zh-CN" sz="1400" b="1" dirty="0">
+                <a:solidFill>
+                  <a:srgbClr val="FF0000"/>
+                </a:solidFill>
+                <a:latin typeface="微软雅黑" pitchFamily="34" charset="-122"/>
+                <a:ea typeface="微软雅黑" pitchFamily="34" charset="-122"/>
+              </a:rPr>
+              <a:t>KT</a:t>
+            </a:r>
+            <a:r>
+              <a:rPr lang="zh-CN" altLang="en-US" sz="1400" b="1" dirty="0">
+                <a:solidFill>
+                  <a:srgbClr val="FF0000"/>
+                </a:solidFill>
+                <a:latin typeface="微软雅黑" pitchFamily="34" charset="-122"/>
+                <a:ea typeface="微软雅黑" pitchFamily="34" charset="-122"/>
+              </a:rPr>
+              <a:t>通道从</a:t>
+            </a:r>
+            <a:r>
+              <a:rPr lang="en-US" altLang="zh-CN" sz="1400" b="1" dirty="0">
+                <a:solidFill>
+                  <a:srgbClr val="FF0000"/>
+                </a:solidFill>
+                <a:latin typeface="微软雅黑" pitchFamily="34" charset="-122"/>
+                <a:ea typeface="微软雅黑" pitchFamily="34" charset="-122"/>
+              </a:rPr>
+              <a:t>90%</a:t>
+            </a:r>
+            <a:r>
+              <a:rPr lang="zh-CN" altLang="en-US" sz="1400" b="1" dirty="0">
+                <a:solidFill>
+                  <a:srgbClr val="FF0000"/>
+                </a:solidFill>
+                <a:latin typeface="微软雅黑" pitchFamily="34" charset="-122"/>
+                <a:ea typeface="微软雅黑" pitchFamily="34" charset="-122"/>
+              </a:rPr>
+              <a:t>略升至</a:t>
+            </a:r>
+            <a:r>
+              <a:rPr lang="en-US" altLang="zh-CN" sz="1400" b="1" dirty="0">
+                <a:solidFill>
+                  <a:srgbClr val="FF0000"/>
+                </a:solidFill>
+                <a:latin typeface="微软雅黑" pitchFamily="34" charset="-122"/>
+                <a:ea typeface="微软雅黑" pitchFamily="34" charset="-122"/>
+              </a:rPr>
+              <a:t>92%</a:t>
+            </a:r>
+            <a:r>
+              <a:rPr lang="zh-CN" altLang="en-US" sz="1400" b="1" dirty="0">
+                <a:solidFill>
+                  <a:srgbClr val="FF0000"/>
+                </a:solidFill>
+                <a:latin typeface="微软雅黑" pitchFamily="34" charset="-122"/>
+                <a:ea typeface="微软雅黑" pitchFamily="34" charset="-122"/>
+              </a:rPr>
+              <a:t>）</a:t>
             </a:r>
             <a:r>
               <a:rPr lang="zh-CN" altLang="en-US" sz="1400" dirty="0">
                 <a:latin typeface="微软雅黑" pitchFamily="34" charset="-122"/>
                 <a:ea typeface="微软雅黑" pitchFamily="34" charset="-122"/>
               </a:rPr>
-              <a:t>略效果</a:t>
+              <a:t>，计算时</a:t>
             </a:r>
             <a:r>
               <a:rPr lang="zh-CN" altLang="en-US" sz="1400" dirty="0" smtClean="0">
                 <a:latin typeface="微软雅黑" pitchFamily="34" charset="-122"/>
                 <a:ea typeface="微软雅黑" pitchFamily="34" charset="-122"/>
               </a:rPr>
-              <a:t>：</a:t>
+              <a:t>间从</a:t>
+            </a:r>
+            <a:r>
+              <a:rPr lang="zh-CN" altLang="en-US" sz="1400" dirty="0">
+                <a:latin typeface="微软雅黑" pitchFamily="34" charset="-122"/>
+                <a:ea typeface="微软雅黑" pitchFamily="34" charset="-122"/>
+              </a:rPr>
+              <a:t>平均</a:t>
+            </a:r>
+            <a:r>
+              <a:rPr lang="en-US" altLang="zh-CN" sz="1400" dirty="0">
+                <a:latin typeface="微软雅黑" pitchFamily="34" charset="-122"/>
+                <a:ea typeface="微软雅黑" pitchFamily="34" charset="-122"/>
+              </a:rPr>
+              <a:t>30</a:t>
+            </a:r>
+            <a:r>
+              <a:rPr lang="zh-CN" altLang="en-US" sz="1400" dirty="0">
+                <a:latin typeface="微软雅黑" pitchFamily="34" charset="-122"/>
+                <a:ea typeface="微软雅黑" pitchFamily="34" charset="-122"/>
+              </a:rPr>
+              <a:t>小</a:t>
+            </a:r>
+            <a:r>
+              <a:rPr lang="zh-CN" altLang="en-US" sz="1400" dirty="0" smtClean="0">
+                <a:latin typeface="微软雅黑" pitchFamily="34" charset="-122"/>
+                <a:ea typeface="微软雅黑" pitchFamily="34" charset="-122"/>
+              </a:rPr>
+              <a:t>时</a:t>
+            </a:r>
+            <a:r>
+              <a:rPr lang="zh-CN" altLang="en-US" sz="1400" dirty="0">
+                <a:latin typeface="微软雅黑" pitchFamily="34" charset="-122"/>
+                <a:ea typeface="微软雅黑" pitchFamily="34" charset="-122"/>
+              </a:rPr>
+              <a:t>缩</a:t>
+            </a:r>
+            <a:r>
+              <a:rPr lang="zh-CN" altLang="en-US" sz="1400" dirty="0" smtClean="0">
+                <a:latin typeface="微软雅黑" pitchFamily="34" charset="-122"/>
+                <a:ea typeface="微软雅黑" pitchFamily="34" charset="-122"/>
+              </a:rPr>
+              <a:t>短到</a:t>
             </a:r>
             <a:r>
               <a:rPr lang="en-US" altLang="zh-CN" sz="1400" dirty="0" smtClean="0">
-                <a:solidFill>
-                  <a:srgbClr val="00D75F"/>
-                </a:solidFill>
-                <a:latin typeface="微软雅黑" pitchFamily="34" charset="-122"/>
-                <a:ea typeface="微软雅黑" pitchFamily="34" charset="-122"/>
-              </a:rPr>
-              <a:t>AFS</a:t>
+                <a:latin typeface="微软雅黑" pitchFamily="34" charset="-122"/>
+                <a:ea typeface="微软雅黑" pitchFamily="34" charset="-122"/>
+              </a:rPr>
+              <a:t>6</a:t>
             </a:r>
             <a:r>
               <a:rPr lang="zh-CN" altLang="en-US" sz="1400" dirty="0">
-                <a:solidFill>
-                  <a:srgbClr val="00D75F"/>
-                </a:solidFill>
-                <a:latin typeface="微软雅黑" pitchFamily="34" charset="-122"/>
-                <a:ea typeface="微软雅黑" pitchFamily="34" charset="-122"/>
-              </a:rPr>
-              <a:t>广告分</a:t>
+                <a:latin typeface="微软雅黑" pitchFamily="34" charset="-122"/>
+                <a:ea typeface="微软雅黑" pitchFamily="34" charset="-122"/>
+              </a:rPr>
+              <a:t>小时内</a:t>
             </a:r>
             <a:r>
               <a:rPr lang="zh-CN" altLang="en-US" sz="1400" dirty="0" smtClean="0">
-                <a:solidFill>
-                  <a:srgbClr val="00D75F"/>
-                </a:solidFill>
-                <a:latin typeface="微软雅黑" pitchFamily="34" charset="-122"/>
-                <a:ea typeface="微软雅黑" pitchFamily="34" charset="-122"/>
-              </a:rPr>
-              <a:t>类准</a:t>
+                <a:latin typeface="微软雅黑" pitchFamily="34" charset="-122"/>
+                <a:ea typeface="微软雅黑" pitchFamily="34" charset="-122"/>
+              </a:rPr>
+              <a:t>，内</a:t>
             </a:r>
             <a:r>
               <a:rPr lang="zh-CN" altLang="en-US" sz="1400" dirty="0">
-                <a:solidFill>
-                  <a:srgbClr val="00D75F"/>
-                </a:solidFill>
-                <a:latin typeface="微软雅黑" pitchFamily="34" charset="-122"/>
-                <a:ea typeface="微软雅黑" pitchFamily="34" charset="-122"/>
-              </a:rPr>
-              <a:t>确</a:t>
-            </a:r>
-            <a:r>
-              <a:rPr lang="zh-CN" altLang="en-US" sz="1400" dirty="0" smtClean="0">
-                <a:solidFill>
-                  <a:srgbClr val="00D75F"/>
-                </a:solidFill>
-                <a:latin typeface="微软雅黑" pitchFamily="34" charset="-122"/>
-                <a:ea typeface="微软雅黑" pitchFamily="34" charset="-122"/>
-              </a:rPr>
-              <a:t>率维持在</a:t>
-            </a:r>
-            <a:r>
-              <a:rPr lang="en-US" altLang="zh-CN" sz="1400" dirty="0" smtClean="0">
-                <a:solidFill>
-                  <a:srgbClr val="00D75F"/>
-                </a:solidFill>
-                <a:latin typeface="微软雅黑" pitchFamily="34" charset="-122"/>
-                <a:ea typeface="微软雅黑" pitchFamily="34" charset="-122"/>
-              </a:rPr>
-              <a:t>85</a:t>
+                <a:latin typeface="微软雅黑" pitchFamily="34" charset="-122"/>
+                <a:ea typeface="微软雅黑" pitchFamily="34" charset="-122"/>
+              </a:rPr>
+              <a:t>存占用从</a:t>
             </a:r>
             <a:r>
               <a:rPr lang="en-US" altLang="zh-CN" sz="1400" dirty="0">
-                <a:solidFill>
-                  <a:srgbClr val="00D75F"/>
-                </a:solidFill>
-                <a:latin typeface="微软雅黑" pitchFamily="34" charset="-122"/>
-                <a:ea typeface="微软雅黑" pitchFamily="34" charset="-122"/>
-              </a:rPr>
-              <a:t>%</a:t>
+                <a:latin typeface="微软雅黑" pitchFamily="34" charset="-122"/>
+                <a:ea typeface="微软雅黑" pitchFamily="34" charset="-122"/>
+              </a:rPr>
+              <a:t>40G</a:t>
             </a:r>
             <a:r>
               <a:rPr lang="zh-CN" altLang="en-US" sz="1400" dirty="0">
-                <a:solidFill>
-                  <a:srgbClr val="00D75F"/>
-                </a:solidFill>
-                <a:latin typeface="微软雅黑" pitchFamily="34" charset="-122"/>
-                <a:ea typeface="微软雅黑" pitchFamily="34" charset="-122"/>
-              </a:rPr>
-              <a:t>的基础上，</a:t>
+                <a:latin typeface="微软雅黑" pitchFamily="34" charset="-122"/>
+                <a:ea typeface="微软雅黑" pitchFamily="34" charset="-122"/>
+              </a:rPr>
+              <a:t>降至</a:t>
+            </a:r>
+            <a:r>
+              <a:rPr lang="en-US" altLang="zh-CN" sz="1400" dirty="0">
+                <a:latin typeface="微软雅黑" pitchFamily="34" charset="-122"/>
+                <a:ea typeface="微软雅黑" pitchFamily="34" charset="-122"/>
+              </a:rPr>
+              <a:t>10G</a:t>
             </a:r>
             <a:r>
               <a:rPr lang="zh-CN" altLang="en-US" sz="1400" dirty="0">
-                <a:solidFill>
-                  <a:srgbClr val="00D75F"/>
-                </a:solidFill>
-                <a:latin typeface="微软雅黑" pitchFamily="34" charset="-122"/>
-                <a:ea typeface="微软雅黑" pitchFamily="34" charset="-122"/>
-              </a:rPr>
-              <a:t>全通道特征覆盖</a:t>
-            </a:r>
-            <a:r>
-              <a:rPr lang="zh-CN" altLang="en-US" sz="1400" dirty="0">
-                <a:solidFill>
-                  <a:srgbClr val="00D75F"/>
-                </a:solidFill>
-                <a:latin typeface="微软雅黑" pitchFamily="34" charset="-122"/>
-                <a:ea typeface="微软雅黑" pitchFamily="34" charset="-122"/>
-              </a:rPr>
-              <a:t>率从</a:t>
-            </a:r>
-            <a:r>
-              <a:rPr lang="en-US" altLang="zh-CN" sz="1400" dirty="0">
-                <a:solidFill>
-                  <a:srgbClr val="00D75F"/>
-                </a:solidFill>
-                <a:latin typeface="微软雅黑" pitchFamily="34" charset="-122"/>
-                <a:ea typeface="微软雅黑" pitchFamily="34" charset="-122"/>
-              </a:rPr>
-              <a:t>75%</a:t>
-            </a:r>
-            <a:r>
-              <a:rPr lang="zh-CN" altLang="en-US" sz="1400" dirty="0">
-                <a:solidFill>
-                  <a:srgbClr val="00D75F"/>
-                </a:solidFill>
-                <a:latin typeface="微软雅黑" pitchFamily="34" charset="-122"/>
-                <a:ea typeface="微软雅黑" pitchFamily="34" charset="-122"/>
-              </a:rPr>
-              <a:t>提升至 </a:t>
-            </a:r>
-            <a:r>
-              <a:rPr lang="en-US" altLang="zh-CN" sz="1400" dirty="0">
-                <a:solidFill>
-                  <a:srgbClr val="00D75F"/>
-                </a:solidFill>
-                <a:latin typeface="微软雅黑" pitchFamily="34" charset="-122"/>
-                <a:ea typeface="微软雅黑" pitchFamily="34" charset="-122"/>
-              </a:rPr>
-              <a:t>78%</a:t>
-            </a:r>
-            <a:r>
-              <a:rPr lang="zh-CN" altLang="en-US" sz="1400" dirty="0">
-                <a:solidFill>
-                  <a:srgbClr val="00D75F"/>
-                </a:solidFill>
-                <a:latin typeface="微软雅黑" pitchFamily="34" charset="-122"/>
-                <a:ea typeface="微软雅黑" pitchFamily="34" charset="-122"/>
-              </a:rPr>
-              <a:t>（</a:t>
-            </a:r>
-            <a:r>
-              <a:rPr lang="en-US" altLang="zh-CN" sz="1400" dirty="0">
-                <a:solidFill>
-                  <a:srgbClr val="00D75F"/>
-                </a:solidFill>
-                <a:latin typeface="微软雅黑" pitchFamily="34" charset="-122"/>
-                <a:ea typeface="微软雅黑" pitchFamily="34" charset="-122"/>
-              </a:rPr>
-              <a:t>KT</a:t>
-            </a:r>
-            <a:r>
-              <a:rPr lang="zh-CN" altLang="en-US" sz="1400" dirty="0">
-                <a:solidFill>
-                  <a:srgbClr val="00D75F"/>
-                </a:solidFill>
-                <a:latin typeface="微软雅黑" pitchFamily="34" charset="-122"/>
-                <a:ea typeface="微软雅黑" pitchFamily="34" charset="-122"/>
-              </a:rPr>
-              <a:t>通</a:t>
-            </a:r>
-            <a:r>
-              <a:rPr lang="zh-CN" altLang="en-US" sz="1400" dirty="0">
-                <a:solidFill>
-                  <a:srgbClr val="00D75F"/>
-                </a:solidFill>
-                <a:latin typeface="微软雅黑" pitchFamily="34" charset="-122"/>
-                <a:ea typeface="微软雅黑" pitchFamily="34" charset="-122"/>
-              </a:rPr>
-              <a:t>道从</a:t>
-            </a:r>
-            <a:r>
-              <a:rPr lang="en-US" altLang="zh-CN" sz="1400" dirty="0">
-                <a:solidFill>
-                  <a:srgbClr val="00D75F"/>
-                </a:solidFill>
-                <a:latin typeface="微软雅黑" pitchFamily="34" charset="-122"/>
-                <a:ea typeface="微软雅黑" pitchFamily="34" charset="-122"/>
-              </a:rPr>
-              <a:t>90%</a:t>
-            </a:r>
-            <a:r>
-              <a:rPr lang="zh-CN" altLang="en-US" sz="1400" dirty="0">
-                <a:solidFill>
-                  <a:srgbClr val="00D75F"/>
-                </a:solidFill>
-                <a:latin typeface="微软雅黑" pitchFamily="34" charset="-122"/>
-                <a:ea typeface="微软雅黑" pitchFamily="34" charset="-122"/>
-              </a:rPr>
-              <a:t>略升至</a:t>
-            </a:r>
-            <a:r>
-              <a:rPr lang="en-US" altLang="zh-CN" sz="1400" dirty="0">
-                <a:solidFill>
-                  <a:srgbClr val="00D75F"/>
-                </a:solidFill>
-                <a:latin typeface="微软雅黑" pitchFamily="34" charset="-122"/>
-                <a:ea typeface="微软雅黑" pitchFamily="34" charset="-122"/>
-              </a:rPr>
-              <a:t>92</a:t>
-            </a:r>
-            <a:r>
-              <a:rPr lang="en-US" altLang="zh-CN" sz="1400" dirty="0">
-                <a:solidFill>
-                  <a:srgbClr val="00D75F"/>
-                </a:solidFill>
-                <a:latin typeface="微软雅黑" pitchFamily="34" charset="-122"/>
-                <a:ea typeface="微软雅黑" pitchFamily="34" charset="-122"/>
-              </a:rPr>
-              <a:t>%</a:t>
-            </a:r>
-            <a:r>
-              <a:rPr lang="zh-CN" altLang="en-US" sz="1400" dirty="0">
-                <a:solidFill>
-                  <a:srgbClr val="00D75F"/>
-                </a:solidFill>
-                <a:latin typeface="微软雅黑" pitchFamily="34" charset="-122"/>
-                <a:ea typeface="微软雅黑" pitchFamily="34" charset="-122"/>
-              </a:rPr>
-              <a:t>）</a:t>
-            </a:r>
-            <a:r>
-              <a:rPr lang="zh-CN" altLang="en-US" sz="1400" dirty="0">
-                <a:latin typeface="微软雅黑" pitchFamily="34" charset="-122"/>
-                <a:ea typeface="微软雅黑" pitchFamily="34" charset="-122"/>
-              </a:rPr>
-              <a:t>，计算时间从平均</a:t>
-            </a:r>
-            <a:r>
-              <a:rPr lang="en-US" altLang="zh-CN" sz="1400" dirty="0">
-                <a:latin typeface="微软雅黑" pitchFamily="34" charset="-122"/>
-                <a:ea typeface="微软雅黑" pitchFamily="34" charset="-122"/>
-              </a:rPr>
-              <a:t>30</a:t>
-            </a:r>
-            <a:r>
-              <a:rPr lang="zh-CN" altLang="en-US" sz="1400" dirty="0">
-                <a:latin typeface="微软雅黑" pitchFamily="34" charset="-122"/>
-                <a:ea typeface="微软雅黑" pitchFamily="34" charset="-122"/>
-              </a:rPr>
-              <a:t>小时降低至</a:t>
-            </a:r>
-            <a:r>
-              <a:rPr lang="en-US" altLang="zh-CN" sz="1400" dirty="0">
-                <a:latin typeface="微软雅黑" pitchFamily="34" charset="-122"/>
-                <a:ea typeface="微软雅黑" pitchFamily="34" charset="-122"/>
-              </a:rPr>
-              <a:t>6</a:t>
-            </a:r>
-            <a:r>
-              <a:rPr lang="zh-CN" altLang="en-US" sz="1400" dirty="0">
-                <a:latin typeface="微软雅黑" pitchFamily="34" charset="-122"/>
-                <a:ea typeface="微软雅黑" pitchFamily="34" charset="-122"/>
-              </a:rPr>
-              <a:t>小时内，最大内存占用从</a:t>
-            </a:r>
-            <a:r>
-              <a:rPr lang="en-US" altLang="zh-CN" sz="1400" dirty="0">
-                <a:latin typeface="微软雅黑" pitchFamily="34" charset="-122"/>
-                <a:ea typeface="微软雅黑" pitchFamily="34" charset="-122"/>
-              </a:rPr>
-              <a:t>40G</a:t>
-            </a:r>
-            <a:r>
-              <a:rPr lang="zh-CN" altLang="en-US" sz="1400" dirty="0">
-                <a:latin typeface="微软雅黑" pitchFamily="34" charset="-122"/>
-                <a:ea typeface="微软雅黑" pitchFamily="34" charset="-122"/>
-              </a:rPr>
-              <a:t>降</a:t>
-            </a:r>
-            <a:r>
-              <a:rPr lang="zh-CN" altLang="en-US" sz="1400" dirty="0">
-                <a:latin typeface="微软雅黑" pitchFamily="34" charset="-122"/>
-                <a:ea typeface="微软雅黑" pitchFamily="34" charset="-122"/>
-              </a:rPr>
-              <a:t>至</a:t>
-            </a:r>
-            <a:r>
-              <a:rPr lang="en-US" altLang="zh-CN" sz="1400" dirty="0">
-                <a:latin typeface="微软雅黑" pitchFamily="34" charset="-122"/>
-                <a:ea typeface="微软雅黑" pitchFamily="34" charset="-122"/>
-              </a:rPr>
-              <a:t>10G</a:t>
-            </a:r>
-            <a:r>
-              <a:rPr lang="zh-CN" altLang="en-US" sz="1400" dirty="0">
-                <a:latin typeface="微软雅黑" pitchFamily="34" charset="-122"/>
-                <a:ea typeface="微软雅黑" pitchFamily="34" charset="-122"/>
-              </a:rPr>
-              <a:t>以</a:t>
-            </a:r>
-            <a:r>
-              <a:rPr lang="zh-CN" altLang="en-US" sz="1400" dirty="0">
-                <a:latin typeface="微软雅黑" pitchFamily="34" charset="-122"/>
-                <a:ea typeface="微软雅黑" pitchFamily="34" charset="-122"/>
-              </a:rPr>
-              <a:t>内</a:t>
+                <a:latin typeface="微软雅黑" pitchFamily="34" charset="-122"/>
+                <a:ea typeface="微软雅黑" pitchFamily="34" charset="-122"/>
+              </a:rPr>
+              <a:t>以内</a:t>
             </a:r>
             <a:endParaRPr lang="en-US" altLang="zh-CN" sz="1400" dirty="0">
               <a:latin typeface="微软雅黑" pitchFamily="34" charset="-122"/>
@@ -9478,7 +8951,7 @@
 </p:sld>
 </file>
 
-<file path=ppt/slides/slide12.xml><?xml version="1.0" encoding="utf-8"?>
+<file path=ppt/slides/slide11.xml><?xml version="1.0" encoding="utf-8"?>
 <p:sld xmlns:a="http://schemas.openxmlformats.org/drawingml/2006/main" xmlns:r="http://schemas.openxmlformats.org/officeDocument/2006/relationships" xmlns:p="http://schemas.openxmlformats.org/presentationml/2006/main">
   <p:cSld>
     <p:spTree>
@@ -10214,7 +9687,7 @@
 </p:sld>
 </file>
 
-<file path=ppt/slides/slide13.xml><?xml version="1.0" encoding="utf-8"?>
+<file path=ppt/slides/slide12.xml><?xml version="1.0" encoding="utf-8"?>
 <p:sld xmlns:a="http://schemas.openxmlformats.org/drawingml/2006/main" xmlns:r="http://schemas.openxmlformats.org/officeDocument/2006/relationships" xmlns:p="http://schemas.openxmlformats.org/presentationml/2006/main">
   <p:cSld>
     <p:spTree>
@@ -10922,7 +10395,7 @@
 </p:sld>
 </file>
 
-<file path=ppt/slides/slide14.xml><?xml version="1.0" encoding="utf-8"?>
+<file path=ppt/slides/slide13.xml><?xml version="1.0" encoding="utf-8"?>
 <p:sld xmlns:a="http://schemas.openxmlformats.org/drawingml/2006/main" xmlns:r="http://schemas.openxmlformats.org/officeDocument/2006/relationships" xmlns:p="http://schemas.openxmlformats.org/presentationml/2006/main">
   <p:cSld>
     <p:spTree>
@@ -11202,7 +10675,7 @@
             <p:ph idx="1"/>
             <p:extLst>
               <p:ext uri="{D42A27DB-BD31-4B8C-83A1-F6EECF244321}">
-                <p14:modId xmlns:p14="http://schemas.microsoft.com/office/powerpoint/2010/main" val="1610937846"/>
+                <p14:modId xmlns:p14="http://schemas.microsoft.com/office/powerpoint/2010/main" val="661244709"/>
               </p:ext>
             </p:extLst>
           </p:nvPr>
@@ -11482,18 +10955,32 @@
                 <a:latin typeface="微软雅黑" pitchFamily="34" charset="-122"/>
                 <a:ea typeface="微软雅黑" pitchFamily="34" charset="-122"/>
               </a:rPr>
-              <a:t>开物人群构建及转投</a:t>
+              <a:t>开物人群构</a:t>
+            </a:r>
+            <a:r>
+              <a:rPr lang="zh-CN" altLang="en-US" sz="2400" b="1" dirty="0" smtClean="0">
+                <a:latin typeface="微软雅黑" pitchFamily="34" charset="-122"/>
+                <a:ea typeface="微软雅黑" pitchFamily="34" charset="-122"/>
+              </a:rPr>
+              <a:t>建</a:t>
             </a:r>
             <a:endParaRPr lang="en-US" sz="2400" dirty="0"/>
           </a:p>
           <a:p>
             <a:pPr lvl="1"/>
             <a:r>
+              <a:rPr lang="zh-CN" altLang="en-US" sz="1600" dirty="0" smtClean="0">
+                <a:latin typeface="微软雅黑" pitchFamily="34" charset="-122"/>
+                <a:ea typeface="微软雅黑" pitchFamily="34" charset="-122"/>
+              </a:rPr>
+              <a:t>人</a:t>
+            </a:r>
+            <a:r>
               <a:rPr lang="zh-CN" altLang="en-US" sz="1600" dirty="0">
                 <a:latin typeface="微软雅黑" pitchFamily="34" charset="-122"/>
                 <a:ea typeface="微软雅黑" pitchFamily="34" charset="-122"/>
               </a:rPr>
-              <a:t>行为到人群构建的流</a:t>
+              <a:t>群构建的流</a:t>
             </a:r>
             <a:r>
               <a:rPr lang="zh-CN" altLang="en-US" sz="1600" dirty="0" smtClean="0">
@@ -11535,21 +11022,35 @@
                 <a:latin typeface="微软雅黑" pitchFamily="34" charset="-122"/>
                 <a:ea typeface="微软雅黑" pitchFamily="34" charset="-122"/>
               </a:rPr>
-              <a:t>构</a:t>
+              <a:t>构建人群</a:t>
+            </a:r>
+            <a:r>
+              <a:rPr lang="zh-CN" altLang="en-US" sz="1600" dirty="0">
+                <a:latin typeface="微软雅黑" pitchFamily="34" charset="-122"/>
+                <a:ea typeface="微软雅黑" pitchFamily="34" charset="-122"/>
+              </a:rPr>
+              <a:t>示</a:t>
             </a:r>
             <a:r>
               <a:rPr lang="zh-CN" altLang="en-US" sz="1600" dirty="0" smtClean="0">
                 <a:latin typeface="微软雅黑" pitchFamily="34" charset="-122"/>
                 <a:ea typeface="微软雅黑" pitchFamily="34" charset="-122"/>
               </a:rPr>
-              <a:t>建人群</a:t>
+              <a:t>例</a:t>
+            </a:r>
+            <a:r>
+              <a:rPr lang="en-US" altLang="zh-CN" sz="1600" dirty="0" smtClean="0">
+                <a:latin typeface="微软雅黑" pitchFamily="34" charset="-122"/>
+                <a:ea typeface="微软雅黑" pitchFamily="34" charset="-122"/>
+              </a:rPr>
+              <a:t>-</a:t>
             </a:r>
             <a:r>
               <a:rPr lang="zh-CN" altLang="en-US" sz="1600" dirty="0" smtClean="0">
                 <a:latin typeface="微软雅黑" pitchFamily="34" charset="-122"/>
                 <a:ea typeface="微软雅黑" pitchFamily="34" charset="-122"/>
               </a:rPr>
-              <a:t>的方案</a:t>
+              <a:t>电商人群</a:t>
             </a:r>
             <a:endParaRPr lang="en-US" altLang="zh-CN" sz="1600" dirty="0" smtClean="0">
               <a:latin typeface="微软雅黑" pitchFamily="34" charset="-122"/>
@@ -11570,21 +11071,21 @@
                 <a:latin typeface="微软雅黑" pitchFamily="34" charset="-122"/>
                 <a:ea typeface="微软雅黑" pitchFamily="34" charset="-122"/>
               </a:rPr>
-              <a:t>建人群的</a:t>
+              <a:t>建人群</a:t>
+            </a:r>
+            <a:r>
+              <a:rPr lang="zh-CN" altLang="en-US" sz="1600" dirty="0">
+                <a:latin typeface="微软雅黑" pitchFamily="34" charset="-122"/>
+                <a:ea typeface="微软雅黑" pitchFamily="34" charset="-122"/>
+              </a:rPr>
+              <a:t>产</a:t>
             </a:r>
             <a:r>
               <a:rPr lang="zh-CN" altLang="en-US" sz="1600" dirty="0" smtClean="0">
                 <a:latin typeface="微软雅黑" pitchFamily="34" charset="-122"/>
                 <a:ea typeface="微软雅黑" pitchFamily="34" charset="-122"/>
               </a:rPr>
-              <a:t>验</a:t>
-            </a:r>
-            <a:r>
-              <a:rPr lang="zh-CN" altLang="en-US" sz="1600" dirty="0" smtClean="0">
-                <a:latin typeface="微软雅黑" pitchFamily="34" charset="-122"/>
-                <a:ea typeface="微软雅黑" pitchFamily="34" charset="-122"/>
-              </a:rPr>
-              <a:t>证</a:t>
+              <a:t>出概况</a:t>
             </a:r>
             <a:endParaRPr lang="en-US" altLang="zh-CN" sz="1600" dirty="0" smtClean="0">
               <a:latin typeface="微软雅黑" pitchFamily="34" charset="-122"/>
@@ -12028,7 +11529,7 @@
                 <a:latin typeface="微软雅黑" pitchFamily="34" charset="-122"/>
                 <a:ea typeface="微软雅黑" pitchFamily="34" charset="-122"/>
               </a:rPr>
-              <a:t>物人群构建及转投</a:t>
+              <a:t>物人群构建</a:t>
             </a:r>
             <a:endParaRPr lang="en-US" altLang="zh-CN" dirty="0" smtClean="0">
               <a:solidFill>
@@ -12053,7 +11554,7 @@
         <p:spPr>
           <a:xfrm>
             <a:off x="323528" y="1308100"/>
-            <a:ext cx="8496944" cy="3709640"/>
+            <a:ext cx="8496944" cy="3853656"/>
           </a:xfrm>
         </p:spPr>
         <p:txBody>
@@ -12092,21 +11593,35 @@
                 <a:ea typeface="微软雅黑" pitchFamily="34" charset="-122"/>
                 <a:cs typeface="+mn-cs"/>
               </a:rPr>
-              <a:t>受众人群构建流程实现，完成</a:t>
+              <a:t>受众人群构建流程实现，</a:t>
             </a:r>
             <a:r>
               <a:rPr lang="zh-CN" altLang="en-US" sz="1800" dirty="0" smtClean="0">
                 <a:latin typeface="微软雅黑" pitchFamily="34" charset="-122"/>
                 <a:ea typeface="微软雅黑" pitchFamily="34" charset="-122"/>
               </a:rPr>
-              <a:t>快</a:t>
+              <a:t>快速</a:t>
             </a:r>
             <a:r>
               <a:rPr lang="zh-CN" altLang="en-US" sz="1800" dirty="0">
                 <a:latin typeface="微软雅黑" pitchFamily="34" charset="-122"/>
                 <a:ea typeface="微软雅黑" pitchFamily="34" charset="-122"/>
               </a:rPr>
-              <a:t>速人群构建平台的搭</a:t>
+              <a:t>迭</a:t>
+            </a:r>
+            <a:r>
+              <a:rPr lang="zh-CN" altLang="en-US" sz="1800" dirty="0" smtClean="0">
+                <a:latin typeface="微软雅黑" pitchFamily="34" charset="-122"/>
+                <a:ea typeface="微软雅黑" pitchFamily="34" charset="-122"/>
+              </a:rPr>
+              <a:t>代各方人</a:t>
+            </a:r>
+            <a:r>
+              <a:rPr lang="zh-CN" altLang="en-US" sz="1800" dirty="0">
+                <a:latin typeface="微软雅黑" pitchFamily="34" charset="-122"/>
+                <a:ea typeface="微软雅黑" pitchFamily="34" charset="-122"/>
+              </a:rPr>
+              <a:t>群构</a:t>
             </a:r>
             <a:r>
               <a:rPr lang="zh-CN" altLang="en-US" sz="1800" dirty="0" smtClean="0">
@@ -12133,22 +11648,67 @@
                 <a:latin typeface="微软雅黑" pitchFamily="34" charset="-122"/>
                 <a:ea typeface="微软雅黑" pitchFamily="34" charset="-122"/>
               </a:rPr>
-              <a:t>负责人群分析到构建全套流程，优化构建流程，</a:t>
+              <a:t>负责人群分析到构建全套流程</a:t>
+            </a:r>
+            <a:r>
+              <a:rPr lang="zh-CN" altLang="en-US" sz="1400" dirty="0" smtClean="0">
+                <a:latin typeface="微软雅黑" pitchFamily="34" charset="-122"/>
+                <a:ea typeface="微软雅黑" pitchFamily="34" charset="-122"/>
+              </a:rPr>
+              <a:t>，构</a:t>
             </a:r>
             <a:r>
               <a:rPr lang="zh-CN" altLang="en-US" sz="1400" dirty="0">
-                <a:solidFill>
-                  <a:srgbClr val="00D75F"/>
-                </a:solidFill>
-                <a:latin typeface="微软雅黑" pitchFamily="34" charset="-122"/>
-                <a:ea typeface="微软雅黑" pitchFamily="34" charset="-122"/>
-              </a:rPr>
-              <a:t>数据产出从</a:t>
-            </a:r>
-            <a:r>
-              <a:rPr lang="en-US" altLang="zh-CN" sz="1400" dirty="0">
-                <a:solidFill>
-                  <a:srgbClr val="00D75F"/>
+                <a:latin typeface="微软雅黑" pitchFamily="34" charset="-122"/>
+                <a:ea typeface="微软雅黑" pitchFamily="34" charset="-122"/>
+              </a:rPr>
+              <a:t>建流</a:t>
+            </a:r>
+            <a:r>
+              <a:rPr lang="zh-CN" altLang="en-US" sz="1400" dirty="0" smtClean="0">
+                <a:latin typeface="微软雅黑" pitchFamily="34" charset="-122"/>
+                <a:ea typeface="微软雅黑" pitchFamily="34" charset="-122"/>
+              </a:rPr>
+              <a:t>程产出及优</a:t>
+            </a:r>
+            <a:r>
+              <a:rPr lang="zh-CN" altLang="en-US" sz="1400" dirty="0">
+                <a:latin typeface="微软雅黑" pitchFamily="34" charset="-122"/>
+                <a:ea typeface="微软雅黑" pitchFamily="34" charset="-122"/>
+              </a:rPr>
+              <a:t>化</a:t>
+            </a:r>
+            <a:r>
+              <a:rPr lang="zh-CN" altLang="en-US" sz="1400" dirty="0" smtClean="0">
+                <a:latin typeface="微软雅黑" pitchFamily="34" charset="-122"/>
+                <a:ea typeface="微软雅黑" pitchFamily="34" charset="-122"/>
+              </a:rPr>
+              <a:t>，</a:t>
+            </a:r>
+            <a:r>
+              <a:rPr lang="zh-CN" altLang="en-US" sz="1400" b="1" dirty="0">
+                <a:solidFill>
+                  <a:srgbClr val="FF0000"/>
+                </a:solidFill>
+                <a:latin typeface="微软雅黑" pitchFamily="34" charset="-122"/>
+                <a:ea typeface="微软雅黑" pitchFamily="34" charset="-122"/>
+              </a:rPr>
+              <a:t>人</a:t>
+            </a:r>
+            <a:r>
+              <a:rPr lang="zh-CN" altLang="en-US" sz="1400" b="1" dirty="0" smtClean="0">
+                <a:solidFill>
+                  <a:srgbClr val="FF0000"/>
+                </a:solidFill>
+                <a:latin typeface="微软雅黑" pitchFamily="34" charset="-122"/>
+                <a:ea typeface="微软雅黑" pitchFamily="34" charset="-122"/>
+              </a:rPr>
+              <a:t>群调研周期从</a:t>
+            </a:r>
+            <a:r>
+              <a:rPr lang="en-US" altLang="zh-CN" sz="1400" b="1" dirty="0">
+                <a:solidFill>
+                  <a:srgbClr val="FF0000"/>
                 </a:solidFill>
                 <a:latin typeface="微软雅黑" pitchFamily="34" charset="-122"/>
                 <a:ea typeface="微软雅黑" pitchFamily="34" charset="-122"/>
@@ -12156,9 +11716,9 @@
               <a:t>1</a:t>
             </a:r>
             <a:r>
-              <a:rPr lang="zh-CN" altLang="en-US" sz="1400" dirty="0">
-                <a:solidFill>
-                  <a:srgbClr val="00D75F"/>
+              <a:rPr lang="zh-CN" altLang="en-US" sz="1400" b="1" dirty="0">
+                <a:solidFill>
+                  <a:srgbClr val="FF0000"/>
                 </a:solidFill>
                 <a:latin typeface="微软雅黑" pitchFamily="34" charset="-122"/>
                 <a:ea typeface="微软雅黑" pitchFamily="34" charset="-122"/>
@@ -12166,9 +11726,9 @@
               <a:t>周缩短至</a:t>
             </a:r>
             <a:r>
-              <a:rPr lang="en-US" altLang="zh-CN" sz="1400" dirty="0">
-                <a:solidFill>
-                  <a:srgbClr val="00D75F"/>
+              <a:rPr lang="en-US" altLang="zh-CN" sz="1400" b="1" dirty="0">
+                <a:solidFill>
+                  <a:srgbClr val="FF0000"/>
                 </a:solidFill>
                 <a:latin typeface="微软雅黑" pitchFamily="34" charset="-122"/>
                 <a:ea typeface="微软雅黑" pitchFamily="34" charset="-122"/>
@@ -12176,18 +11736,18 @@
               <a:t>3</a:t>
             </a:r>
             <a:r>
-              <a:rPr lang="zh-CN" altLang="en-US" sz="1400" dirty="0">
-                <a:solidFill>
-                  <a:srgbClr val="00D75F"/>
+              <a:rPr lang="zh-CN" altLang="en-US" sz="1400" b="1" dirty="0">
+                <a:solidFill>
+                  <a:srgbClr val="FF0000"/>
                 </a:solidFill>
                 <a:latin typeface="微软雅黑" pitchFamily="34" charset="-122"/>
                 <a:ea typeface="微软雅黑" pitchFamily="34" charset="-122"/>
               </a:rPr>
               <a:t>天</a:t>
             </a:r>
-            <a:endParaRPr lang="en-US" altLang="zh-CN" sz="1400" dirty="0">
+            <a:endParaRPr lang="en-US" altLang="zh-CN" sz="1400" b="1" dirty="0">
               <a:solidFill>
-                <a:srgbClr val="00D75F"/>
+                <a:srgbClr val="FF0000"/>
               </a:solidFill>
               <a:latin typeface="微软雅黑" pitchFamily="34" charset="-122"/>
               <a:ea typeface="微软雅黑" pitchFamily="34" charset="-122"/>
@@ -12203,29 +11763,169 @@
             </a:pPr>
             <a:r>
               <a:rPr lang="zh-CN" altLang="en-US" sz="1400" dirty="0" smtClean="0">
-                <a:solidFill>
-                  <a:srgbClr val="00D75F"/>
-                </a:solidFill>
-                <a:latin typeface="微软雅黑" pitchFamily="34" charset="-122"/>
-                <a:ea typeface="微软雅黑" pitchFamily="34" charset="-122"/>
-              </a:rPr>
-              <a:t>开</a:t>
+                <a:latin typeface="微软雅黑" pitchFamily="34" charset="-122"/>
+                <a:ea typeface="微软雅黑" pitchFamily="34" charset="-122"/>
+              </a:rPr>
+              <a:t>平</a:t>
+            </a:r>
+            <a:r>
+              <a:rPr lang="zh-CN" altLang="en-US" sz="1400" dirty="0" smtClean="0">
+                <a:latin typeface="微软雅黑" pitchFamily="34" charset="-122"/>
+                <a:ea typeface="微软雅黑" pitchFamily="34" charset="-122"/>
+              </a:rPr>
+              <a:t>台</a:t>
+            </a:r>
+            <a:r>
+              <a:rPr lang="zh-CN" altLang="en-US" sz="1400" b="1" dirty="0" smtClean="0">
+                <a:solidFill>
+                  <a:srgbClr val="FF0000"/>
+                </a:solidFill>
+                <a:latin typeface="微软雅黑" pitchFamily="34" charset="-122"/>
+                <a:ea typeface="微软雅黑" pitchFamily="34" charset="-122"/>
+                <a:cs typeface="+mn-cs"/>
+              </a:rPr>
+              <a:t>半</a:t>
+            </a:r>
+            <a:r>
+              <a:rPr lang="zh-CN" altLang="en-US" sz="1400" b="1" dirty="0">
+                <a:solidFill>
+                  <a:srgbClr val="FF0000"/>
+                </a:solidFill>
+                <a:latin typeface="微软雅黑" pitchFamily="34" charset="-122"/>
+                <a:ea typeface="微软雅黑" pitchFamily="34" charset="-122"/>
+                <a:cs typeface="+mn-cs"/>
+              </a:rPr>
+              <a:t>年时间</a:t>
+            </a:r>
+            <a:r>
+              <a:rPr lang="zh-CN" altLang="en-US" sz="1400" b="1" dirty="0" smtClean="0">
+                <a:solidFill>
+                  <a:srgbClr val="FF0000"/>
+                </a:solidFill>
+                <a:latin typeface="微软雅黑" pitchFamily="34" charset="-122"/>
+                <a:ea typeface="微软雅黑" pitchFamily="34" charset="-122"/>
+                <a:cs typeface="+mn-cs"/>
+              </a:rPr>
+              <a:t>内</a:t>
+            </a:r>
+            <a:r>
+              <a:rPr lang="zh-CN" altLang="en-US" sz="1400" dirty="0" smtClean="0">
+                <a:latin typeface="微软雅黑" pitchFamily="34" charset="-122"/>
+                <a:ea typeface="微软雅黑" pitchFamily="34" charset="-122"/>
+                <a:cs typeface="+mn-cs"/>
+              </a:rPr>
+              <a:t>完成网</a:t>
             </a:r>
             <a:r>
               <a:rPr lang="zh-CN" altLang="en-US" sz="1400" dirty="0">
-                <a:solidFill>
-                  <a:srgbClr val="00D75F"/>
-                </a:solidFill>
-                <a:latin typeface="微软雅黑" pitchFamily="34" charset="-122"/>
-                <a:ea typeface="微软雅黑" pitchFamily="34" charset="-122"/>
-              </a:rPr>
-              <a:t>物电商人群快速构建，双</a:t>
+                <a:latin typeface="微软雅黑" pitchFamily="34" charset="-122"/>
+                <a:ea typeface="微软雅黑" pitchFamily="34" charset="-122"/>
+                <a:cs typeface="+mn-cs"/>
+              </a:rPr>
+              <a:t>盟开物，移动秋实，</a:t>
             </a:r>
             <a:r>
               <a:rPr lang="en-US" altLang="zh-CN" sz="1400" dirty="0">
-                <a:solidFill>
-                  <a:srgbClr val="00D75F"/>
-                </a:solidFill>
+                <a:latin typeface="微软雅黑" pitchFamily="34" charset="-122"/>
+                <a:ea typeface="微软雅黑" pitchFamily="34" charset="-122"/>
+                <a:cs typeface="+mn-cs"/>
+              </a:rPr>
+              <a:t>NLP</a:t>
+            </a:r>
+            <a:r>
+              <a:rPr lang="zh-CN" altLang="en-US" sz="1400" dirty="0">
+                <a:latin typeface="微软雅黑" pitchFamily="34" charset="-122"/>
+                <a:ea typeface="微软雅黑" pitchFamily="34" charset="-122"/>
+                <a:cs typeface="+mn-cs"/>
+              </a:rPr>
+              <a:t>，</a:t>
+            </a:r>
+            <a:r>
+              <a:rPr lang="en-US" altLang="zh-CN" sz="1400" dirty="0">
+                <a:latin typeface="微软雅黑" pitchFamily="34" charset="-122"/>
+                <a:ea typeface="微软雅黑" pitchFamily="34" charset="-122"/>
+                <a:cs typeface="+mn-cs"/>
+              </a:rPr>
+              <a:t>LBS</a:t>
+            </a:r>
+            <a:r>
+              <a:rPr lang="zh-CN" altLang="en-US" sz="1400" dirty="0">
+                <a:latin typeface="微软雅黑" pitchFamily="34" charset="-122"/>
+                <a:ea typeface="微软雅黑" pitchFamily="34" charset="-122"/>
+                <a:cs typeface="+mn-cs"/>
+              </a:rPr>
+              <a:t>，新首页，百度金融等多方应用需求，</a:t>
+            </a:r>
+            <a:r>
+              <a:rPr lang="zh-CN" altLang="en-US" sz="1400" b="1" dirty="0">
+                <a:solidFill>
+                  <a:srgbClr val="FF0000"/>
+                </a:solidFill>
+                <a:latin typeface="微软雅黑" pitchFamily="34" charset="-122"/>
+                <a:ea typeface="微软雅黑" pitchFamily="34" charset="-122"/>
+                <a:cs typeface="+mn-cs"/>
+              </a:rPr>
+              <a:t>实现</a:t>
+            </a:r>
+            <a:r>
+              <a:rPr lang="en-US" altLang="zh-CN" sz="1400" b="1" dirty="0">
+                <a:solidFill>
+                  <a:srgbClr val="FF0000"/>
+                </a:solidFill>
+                <a:latin typeface="微软雅黑" pitchFamily="34" charset="-122"/>
+                <a:ea typeface="微软雅黑" pitchFamily="34" charset="-122"/>
+                <a:cs typeface="+mn-cs"/>
+              </a:rPr>
+              <a:t>300+</a:t>
+            </a:r>
+            <a:r>
+              <a:rPr lang="zh-CN" altLang="en-US" sz="1400" b="1" dirty="0">
+                <a:solidFill>
+                  <a:srgbClr val="FF0000"/>
+                </a:solidFill>
+                <a:latin typeface="微软雅黑" pitchFamily="34" charset="-122"/>
+                <a:ea typeface="微软雅黑" pitchFamily="34" charset="-122"/>
+                <a:cs typeface="+mn-cs"/>
+              </a:rPr>
+              <a:t>个人群构</a:t>
+            </a:r>
+            <a:r>
+              <a:rPr lang="zh-CN" altLang="en-US" sz="1400" b="1" dirty="0" smtClean="0">
+                <a:solidFill>
+                  <a:srgbClr val="FF0000"/>
+                </a:solidFill>
+                <a:latin typeface="微软雅黑" pitchFamily="34" charset="-122"/>
+                <a:ea typeface="微软雅黑" pitchFamily="34" charset="-122"/>
+                <a:cs typeface="+mn-cs"/>
+              </a:rPr>
+              <a:t>建</a:t>
+            </a:r>
+            <a:endParaRPr lang="en-US" altLang="zh-CN" sz="1400" b="1" dirty="0" smtClean="0">
+              <a:solidFill>
+                <a:srgbClr val="FF0000"/>
+              </a:solidFill>
+              <a:latin typeface="微软雅黑" pitchFamily="34" charset="-122"/>
+              <a:ea typeface="微软雅黑" pitchFamily="34" charset="-122"/>
+              <a:cs typeface="+mn-cs"/>
+            </a:endParaRPr>
+          </a:p>
+          <a:p>
+            <a:pPr marL="742950" lvl="2" indent="-342900">
+              <a:lnSpc>
+                <a:spcPct val="130000"/>
+              </a:lnSpc>
+              <a:buFont typeface="Wingdings" pitchFamily="2" charset="2"/>
+              <a:buChar char="q"/>
+            </a:pPr>
+            <a:r>
+              <a:rPr lang="zh-CN" altLang="en-US" sz="1400" dirty="0">
+                <a:latin typeface="微软雅黑" pitchFamily="34" charset="-122"/>
+                <a:ea typeface="微软雅黑" pitchFamily="34" charset="-122"/>
+              </a:rPr>
+              <a:t>开物电商人群快速构建，双</a:t>
+            </a:r>
+            <a:r>
+              <a:rPr lang="en-US" altLang="zh-CN" sz="1400" dirty="0">
                 <a:latin typeface="微软雅黑" pitchFamily="34" charset="-122"/>
                 <a:ea typeface="微软雅黑" pitchFamily="34" charset="-122"/>
               </a:rPr>
@@ -12233,39 +11933,70 @@
             </a:r>
             <a:r>
               <a:rPr lang="zh-CN" altLang="en-US" sz="1400" dirty="0">
-                <a:solidFill>
-                  <a:srgbClr val="00D75F"/>
-                </a:solidFill>
-                <a:latin typeface="微软雅黑" pitchFamily="34" charset="-122"/>
-                <a:ea typeface="微软雅黑" pitchFamily="34" charset="-122"/>
-              </a:rPr>
-              <a:t>前短时间完</a:t>
-            </a:r>
-            <a:r>
-              <a:rPr lang="zh-CN" altLang="en-US" sz="1400" dirty="0" smtClean="0">
-                <a:solidFill>
-                  <a:srgbClr val="00D75F"/>
-                </a:solidFill>
-                <a:latin typeface="微软雅黑" pitchFamily="34" charset="-122"/>
-                <a:ea typeface="微软雅黑" pitchFamily="34" charset="-122"/>
-              </a:rPr>
-              <a:t>成电商人群快</a:t>
+                <a:latin typeface="微软雅黑" pitchFamily="34" charset="-122"/>
+                <a:ea typeface="微软雅黑" pitchFamily="34" charset="-122"/>
+              </a:rPr>
+              <a:t>期间短时间完成电商人群上线，</a:t>
+            </a:r>
+            <a:r>
+              <a:rPr lang="zh-CN" altLang="en-US" sz="1400" b="1" dirty="0">
+                <a:solidFill>
+                  <a:srgbClr val="FF0000"/>
+                </a:solidFill>
+                <a:latin typeface="微软雅黑" pitchFamily="34" charset="-122"/>
+                <a:ea typeface="微软雅黑" pitchFamily="34" charset="-122"/>
+              </a:rPr>
+              <a:t>双</a:t>
+            </a:r>
+            <a:r>
+              <a:rPr lang="en-US" altLang="zh-CN" sz="1400" b="1" dirty="0">
+                <a:solidFill>
+                  <a:srgbClr val="FF0000"/>
+                </a:solidFill>
+                <a:latin typeface="微软雅黑" pitchFamily="34" charset="-122"/>
+                <a:ea typeface="微软雅黑" pitchFamily="34" charset="-122"/>
+              </a:rPr>
+              <a:t>11</a:t>
+            </a:r>
+            <a:r>
+              <a:rPr lang="zh-CN" altLang="en-US" sz="1400" b="1" dirty="0">
+                <a:solidFill>
+                  <a:srgbClr val="FF0000"/>
+                </a:solidFill>
+                <a:latin typeface="微软雅黑" pitchFamily="34" charset="-122"/>
+                <a:ea typeface="微软雅黑" pitchFamily="34" charset="-122"/>
+              </a:rPr>
+              <a:t>当日投放贡献</a:t>
+            </a:r>
+            <a:r>
+              <a:rPr lang="en-US" altLang="zh-CN" sz="1400" b="1" dirty="0">
+                <a:solidFill>
+                  <a:srgbClr val="FF0000"/>
+                </a:solidFill>
+                <a:latin typeface="微软雅黑" pitchFamily="34" charset="-122"/>
+                <a:ea typeface="微软雅黑" pitchFamily="34" charset="-122"/>
+              </a:rPr>
+              <a:t>46</a:t>
+            </a:r>
+            <a:r>
+              <a:rPr lang="zh-CN" altLang="en-US" sz="1400" b="1" dirty="0">
+                <a:solidFill>
+                  <a:srgbClr val="FF0000"/>
+                </a:solidFill>
+                <a:latin typeface="微软雅黑" pitchFamily="34" charset="-122"/>
+                <a:ea typeface="微软雅黑" pitchFamily="34" charset="-122"/>
+              </a:rPr>
+              <a:t>万收入</a:t>
             </a:r>
             <a:r>
               <a:rPr lang="zh-CN" altLang="en-US" sz="1400" dirty="0">
-                <a:solidFill>
-                  <a:srgbClr val="00D75F"/>
-                </a:solidFill>
-                <a:latin typeface="微软雅黑" pitchFamily="34" charset="-122"/>
-                <a:ea typeface="微软雅黑" pitchFamily="34" charset="-122"/>
-              </a:rPr>
-              <a:t>速上线，双</a:t>
+                <a:latin typeface="微软雅黑" pitchFamily="34" charset="-122"/>
+                <a:ea typeface="微软雅黑" pitchFamily="34" charset="-122"/>
+              </a:rPr>
+              <a:t>（电商活动期间除双</a:t>
             </a:r>
             <a:r>
               <a:rPr lang="en-US" altLang="zh-CN" sz="1400" dirty="0">
-                <a:solidFill>
-                  <a:srgbClr val="00D75F"/>
-                </a:solidFill>
                 <a:latin typeface="微软雅黑" pitchFamily="34" charset="-122"/>
                 <a:ea typeface="微软雅黑" pitchFamily="34" charset="-122"/>
               </a:rPr>
@@ -12273,77 +12004,26 @@
             </a:r>
             <a:r>
               <a:rPr lang="zh-CN" altLang="en-US" sz="1400" dirty="0">
-                <a:solidFill>
-                  <a:srgbClr val="00D75F"/>
-                </a:solidFill>
-                <a:latin typeface="微软雅黑" pitchFamily="34" charset="-122"/>
-                <a:ea typeface="微软雅黑" pitchFamily="34" charset="-122"/>
-              </a:rPr>
-              <a:t>当日投放贡献</a:t>
+                <a:latin typeface="微软雅黑" pitchFamily="34" charset="-122"/>
+                <a:ea typeface="微软雅黑" pitchFamily="34" charset="-122"/>
+              </a:rPr>
+              <a:t>当天外每日</a:t>
             </a:r>
             <a:r>
               <a:rPr lang="en-US" altLang="zh-CN" sz="1400" dirty="0">
-                <a:solidFill>
-                  <a:srgbClr val="00D75F"/>
-                </a:solidFill>
-                <a:latin typeface="微软雅黑" pitchFamily="34" charset="-122"/>
-                <a:ea typeface="微软雅黑" pitchFamily="34" charset="-122"/>
-              </a:rPr>
-              <a:t>46</a:t>
+                <a:latin typeface="微软雅黑" pitchFamily="34" charset="-122"/>
+                <a:ea typeface="微软雅黑" pitchFamily="34" charset="-122"/>
+              </a:rPr>
+              <a:t>3-5</a:t>
             </a:r>
             <a:r>
               <a:rPr lang="zh-CN" altLang="en-US" sz="1400" dirty="0">
-                <a:solidFill>
-                  <a:srgbClr val="00D75F"/>
-                </a:solidFill>
-                <a:latin typeface="微软雅黑" pitchFamily="34" charset="-122"/>
-                <a:ea typeface="微软雅黑" pitchFamily="34" charset="-122"/>
-              </a:rPr>
-              <a:t>万收入</a:t>
-            </a:r>
-            <a:r>
-              <a:rPr lang="zh-CN" altLang="en-US" sz="1400" dirty="0">
-                <a:latin typeface="微软雅黑" pitchFamily="34" charset="-122"/>
-                <a:ea typeface="微软雅黑" pitchFamily="34" charset="-122"/>
-              </a:rPr>
-              <a:t>（电商活动期间除双</a:t>
-            </a:r>
-            <a:r>
-              <a:rPr lang="en-US" altLang="zh-CN" sz="1400" dirty="0">
-                <a:latin typeface="微软雅黑" pitchFamily="34" charset="-122"/>
-                <a:ea typeface="微软雅黑" pitchFamily="34" charset="-122"/>
-              </a:rPr>
-              <a:t>11</a:t>
-            </a:r>
-            <a:r>
-              <a:rPr lang="zh-CN" altLang="en-US" sz="1400" dirty="0">
-                <a:latin typeface="微软雅黑" pitchFamily="34" charset="-122"/>
-                <a:ea typeface="微软雅黑" pitchFamily="34" charset="-122"/>
-              </a:rPr>
-              <a:t>外日均</a:t>
-            </a:r>
-            <a:r>
-              <a:rPr lang="en-US" altLang="zh-CN" sz="1400" dirty="0">
-                <a:latin typeface="微软雅黑" pitchFamily="34" charset="-122"/>
-                <a:ea typeface="微软雅黑" pitchFamily="34" charset="-122"/>
-              </a:rPr>
-              <a:t>5</a:t>
-            </a:r>
-            <a:r>
-              <a:rPr lang="zh-CN" altLang="en-US" sz="1400" dirty="0">
-                <a:latin typeface="微软雅黑" pitchFamily="34" charset="-122"/>
-                <a:ea typeface="微软雅黑" pitchFamily="34" charset="-122"/>
-              </a:rPr>
-              <a:t>万</a:t>
-            </a:r>
-            <a:r>
-              <a:rPr lang="zh-CN" altLang="en-US" sz="1400" dirty="0" smtClean="0">
-                <a:latin typeface="微软雅黑" pitchFamily="34" charset="-122"/>
-                <a:ea typeface="微软雅黑" pitchFamily="34" charset="-122"/>
-              </a:rPr>
-              <a:t>）；</a:t>
-            </a:r>
-            <a:endParaRPr lang="en-US" altLang="zh-CN" sz="1400" dirty="0" smtClean="0">
+                <a:latin typeface="微软雅黑" pitchFamily="34" charset="-122"/>
+                <a:ea typeface="微软雅黑" pitchFamily="34" charset="-122"/>
+              </a:rPr>
+              <a:t>万）；</a:t>
+            </a:r>
+            <a:endParaRPr lang="en-US" altLang="zh-CN" sz="1400" dirty="0">
               <a:latin typeface="微软雅黑" pitchFamily="34" charset="-122"/>
               <a:ea typeface="微软雅黑" pitchFamily="34" charset="-122"/>
             </a:endParaRPr>
@@ -12360,8 +12040,9 @@
               <a:rPr lang="zh-CN" altLang="en-US" sz="1400" dirty="0" smtClean="0">
                 <a:latin typeface="微软雅黑" pitchFamily="34" charset="-122"/>
                 <a:ea typeface="微软雅黑" pitchFamily="34" charset="-122"/>
-              </a:rPr>
-              <a:t>平台</a:t>
+                <a:cs typeface="+mn-cs"/>
+              </a:rPr>
+              <a:t>电</a:t>
             </a:r>
             <a:r>
               <a:rPr lang="zh-CN" altLang="en-US" sz="1400" dirty="0" smtClean="0">
@@ -12369,124 +12050,74 @@
                 <a:ea typeface="微软雅黑" pitchFamily="34" charset="-122"/>
                 <a:cs typeface="+mn-cs"/>
               </a:rPr>
-              <a:t>半</a:t>
-            </a:r>
-            <a:r>
-              <a:rPr lang="zh-CN" altLang="en-US" sz="1400" dirty="0">
+              <a:t>商引入</a:t>
+            </a:r>
+            <a:r>
+              <a:rPr lang="en-US" altLang="zh-CN" sz="1400" dirty="0" smtClean="0">
                 <a:latin typeface="微软雅黑" pitchFamily="34" charset="-122"/>
                 <a:ea typeface="微软雅黑" pitchFamily="34" charset="-122"/>
                 <a:cs typeface="+mn-cs"/>
               </a:rPr>
-              <a:t>年时</a:t>
-            </a:r>
-            <a:r>
-              <a:rPr lang="zh-CN" altLang="en-US" sz="1400" dirty="0">
+              <a:t>RT</a:t>
+            </a:r>
+            <a:r>
+              <a:rPr lang="zh-CN" altLang="en-US" sz="1400" dirty="0" smtClean="0">
                 <a:latin typeface="微软雅黑" pitchFamily="34" charset="-122"/>
                 <a:ea typeface="微软雅黑" pitchFamily="34" charset="-122"/>
                 <a:cs typeface="+mn-cs"/>
               </a:rPr>
-              <a:t>间</a:t>
-            </a:r>
-            <a:r>
-              <a:rPr lang="zh-CN" altLang="en-US" sz="1400" dirty="0" smtClean="0">
-                <a:latin typeface="微软雅黑" pitchFamily="34" charset="-122"/>
-                <a:ea typeface="微软雅黑" pitchFamily="34" charset="-122"/>
-                <a:cs typeface="+mn-cs"/>
-              </a:rPr>
-              <a:t>内完成网</a:t>
-            </a:r>
-            <a:r>
-              <a:rPr lang="zh-CN" altLang="en-US" sz="1400" dirty="0">
-                <a:latin typeface="微软雅黑" pitchFamily="34" charset="-122"/>
-                <a:ea typeface="微软雅黑" pitchFamily="34" charset="-122"/>
-                <a:cs typeface="+mn-cs"/>
-              </a:rPr>
-              <a:t>盟开物，移动秋实，</a:t>
-            </a:r>
-            <a:r>
-              <a:rPr lang="en-US" altLang="zh-CN" sz="1400" dirty="0">
-                <a:latin typeface="微软雅黑" pitchFamily="34" charset="-122"/>
-                <a:ea typeface="微软雅黑" pitchFamily="34" charset="-122"/>
-                <a:cs typeface="+mn-cs"/>
-              </a:rPr>
-              <a:t>NLP</a:t>
-            </a:r>
-            <a:r>
-              <a:rPr lang="zh-CN" altLang="en-US" sz="1400" dirty="0">
-                <a:latin typeface="微软雅黑" pitchFamily="34" charset="-122"/>
-                <a:ea typeface="微软雅黑" pitchFamily="34" charset="-122"/>
-                <a:cs typeface="+mn-cs"/>
+              <a:t>数据源调研，提升对应人群构建召回，用户电商行为量级可以增加收益</a:t>
+            </a:r>
+            <a:r>
+              <a:rPr lang="en-US" altLang="zh-CN" sz="1400" b="1" dirty="0" smtClean="0">
+                <a:solidFill>
+                  <a:srgbClr val="FF0000"/>
+                </a:solidFill>
+                <a:latin typeface="微软雅黑" pitchFamily="34" charset="-122"/>
+                <a:ea typeface="微软雅黑" pitchFamily="34" charset="-122"/>
+              </a:rPr>
+              <a:t>+</a:t>
+            </a:r>
+            <a:r>
+              <a:rPr lang="en-US" altLang="zh-CN" sz="1400" b="1" dirty="0">
+                <a:solidFill>
+                  <a:srgbClr val="FF0000"/>
+                </a:solidFill>
+                <a:latin typeface="微软雅黑" pitchFamily="34" charset="-122"/>
+                <a:ea typeface="微软雅黑" pitchFamily="34" charset="-122"/>
+              </a:rPr>
+              <a:t>109%PV</a:t>
+            </a:r>
+            <a:r>
+              <a:rPr lang="zh-CN" altLang="en-US" sz="1400" b="1" dirty="0">
+                <a:solidFill>
+                  <a:srgbClr val="FF0000"/>
+                </a:solidFill>
+                <a:latin typeface="微软雅黑" pitchFamily="34" charset="-122"/>
+                <a:ea typeface="微软雅黑" pitchFamily="34" charset="-122"/>
               </a:rPr>
               <a:t>，</a:t>
             </a:r>
             <a:r>
-              <a:rPr lang="en-US" altLang="zh-CN" sz="1400" dirty="0">
-                <a:latin typeface="微软雅黑" pitchFamily="34" charset="-122"/>
-                <a:ea typeface="微软雅黑" pitchFamily="34" charset="-122"/>
-                <a:cs typeface="+mn-cs"/>
-              </a:rPr>
-              <a:t>LBS</a:t>
-            </a:r>
-            <a:r>
-              <a:rPr lang="zh-CN" altLang="en-US" sz="1400" dirty="0">
-                <a:latin typeface="微软雅黑" pitchFamily="34" charset="-122"/>
-                <a:ea typeface="微软雅黑" pitchFamily="34" charset="-122"/>
-                <a:cs typeface="+mn-cs"/>
-              </a:rPr>
-              <a:t>，新首页，百度金融等多方应用需求，</a:t>
-            </a:r>
-            <a:r>
-              <a:rPr lang="zh-CN" altLang="en-US" sz="1400" dirty="0">
-                <a:solidFill>
-                  <a:srgbClr val="00D75F"/>
-                </a:solidFill>
-                <a:latin typeface="微软雅黑" pitchFamily="34" charset="-122"/>
-                <a:ea typeface="微软雅黑" pitchFamily="34" charset="-122"/>
-                <a:cs typeface="+mn-cs"/>
-              </a:rPr>
-              <a:t>实现</a:t>
-            </a:r>
-            <a:r>
-              <a:rPr lang="en-US" altLang="zh-CN" sz="1400" dirty="0">
-                <a:solidFill>
-                  <a:srgbClr val="00D75F"/>
-                </a:solidFill>
-                <a:latin typeface="微软雅黑" pitchFamily="34" charset="-122"/>
-                <a:ea typeface="微软雅黑" pitchFamily="34" charset="-122"/>
-                <a:cs typeface="+mn-cs"/>
-              </a:rPr>
-              <a:t>300+</a:t>
-            </a:r>
-            <a:r>
-              <a:rPr lang="zh-CN" altLang="en-US" sz="1400" dirty="0">
-                <a:solidFill>
-                  <a:srgbClr val="00D75F"/>
-                </a:solidFill>
-                <a:latin typeface="微软雅黑" pitchFamily="34" charset="-122"/>
-                <a:ea typeface="微软雅黑" pitchFamily="34" charset="-122"/>
-                <a:cs typeface="+mn-cs"/>
-              </a:rPr>
-              <a:t>个人群构</a:t>
-            </a:r>
-            <a:r>
-              <a:rPr lang="zh-CN" altLang="en-US" sz="1400" dirty="0">
-                <a:solidFill>
-                  <a:srgbClr val="00D75F"/>
-                </a:solidFill>
-                <a:latin typeface="微软雅黑" pitchFamily="34" charset="-122"/>
-                <a:ea typeface="微软雅黑" pitchFamily="34" charset="-122"/>
-                <a:cs typeface="+mn-cs"/>
-              </a:rPr>
-              <a:t>建</a:t>
-            </a:r>
-            <a:endParaRPr lang="en-US" altLang="zh-CN" sz="1400" dirty="0">
-              <a:solidFill>
-                <a:srgbClr val="00D75F"/>
-              </a:solidFill>
-              <a:latin typeface="微软雅黑" pitchFamily="34" charset="-122"/>
-              <a:ea typeface="微软雅黑" pitchFamily="34" charset="-122"/>
-              <a:cs typeface="+mn-cs"/>
-            </a:endParaRPr>
+              <a:rPr lang="en-US" altLang="zh-CN" sz="1400" b="1" dirty="0">
+                <a:solidFill>
+                  <a:srgbClr val="FF0000"/>
+                </a:solidFill>
+                <a:latin typeface="微软雅黑" pitchFamily="34" charset="-122"/>
+                <a:ea typeface="微软雅黑" pitchFamily="34" charset="-122"/>
+              </a:rPr>
+              <a:t>+</a:t>
+            </a:r>
+            <a:r>
+              <a:rPr lang="en-US" altLang="zh-CN" sz="1400" b="1" dirty="0" smtClean="0">
+                <a:solidFill>
+                  <a:srgbClr val="FF0000"/>
+                </a:solidFill>
+                <a:latin typeface="微软雅黑" pitchFamily="34" charset="-122"/>
+                <a:ea typeface="微软雅黑" pitchFamily="34" charset="-122"/>
+              </a:rPr>
+              <a:t>62%UV</a:t>
+            </a:r>
           </a:p>
           <a:p>
             <a:pPr marL="342900" lvl="1" indent="-342900">
@@ -12500,167 +12131,67 @@
               <a:buChar char="q"/>
             </a:pPr>
             <a:r>
+              <a:rPr lang="zh-CN" altLang="en-US" sz="1800" dirty="0">
+                <a:latin typeface="微软雅黑" pitchFamily="34" charset="-122"/>
+                <a:ea typeface="微软雅黑" pitchFamily="34" charset="-122"/>
+              </a:rPr>
+              <a:t>升</a:t>
+            </a:r>
+            <a:r>
               <a:rPr lang="zh-CN" altLang="en-US" sz="1800" dirty="0" smtClean="0">
                 <a:latin typeface="微软雅黑" pitchFamily="34" charset="-122"/>
                 <a:ea typeface="微软雅黑" pitchFamily="34" charset="-122"/>
-                <a:cs typeface="+mn-cs"/>
-              </a:rPr>
-              <a:t>电商引入</a:t>
+              </a:rPr>
+              <a:t>级</a:t>
             </a:r>
             <a:r>
               <a:rPr lang="en-US" altLang="zh-CN" sz="1800" dirty="0" smtClean="0">
                 <a:latin typeface="微软雅黑" pitchFamily="34" charset="-122"/>
                 <a:ea typeface="微软雅黑" pitchFamily="34" charset="-122"/>
-                <a:cs typeface="+mn-cs"/>
-              </a:rPr>
-              <a:t>RT</a:t>
+              </a:rPr>
+              <a:t>A720</a:t>
             </a:r>
             <a:r>
               <a:rPr lang="zh-CN" altLang="en-US" sz="1800" dirty="0" smtClean="0">
                 <a:latin typeface="微软雅黑" pitchFamily="34" charset="-122"/>
                 <a:ea typeface="微软雅黑" pitchFamily="34" charset="-122"/>
-                <a:cs typeface="+mn-cs"/>
-              </a:rPr>
-              <a:t>数据源，提升对应人群构建召回，用户行为量级增加收益</a:t>
-            </a:r>
-            <a:r>
-              <a:rPr lang="en-US" altLang="zh-CN" sz="1800" dirty="0" smtClean="0">
-                <a:solidFill>
-                  <a:srgbClr val="00D75F"/>
-                </a:solidFill>
-                <a:latin typeface="微软雅黑" pitchFamily="34" charset="-122"/>
-                <a:ea typeface="微软雅黑" pitchFamily="34" charset="-122"/>
-              </a:rPr>
-              <a:t>+</a:t>
+              </a:rPr>
+              <a:t>分析工具回溯构建人群，</a:t>
             </a:r>
             <a:r>
               <a:rPr lang="en-US" altLang="zh-CN" sz="1800" dirty="0">
-                <a:solidFill>
-                  <a:srgbClr val="00D75F"/>
-                </a:solidFill>
-                <a:latin typeface="微软雅黑" pitchFamily="34" charset="-122"/>
-                <a:ea typeface="微软雅黑" pitchFamily="34" charset="-122"/>
-              </a:rPr>
-              <a:t>109%PV</a:t>
+                <a:latin typeface="微软雅黑" pitchFamily="34" charset="-122"/>
+                <a:ea typeface="微软雅黑" pitchFamily="34" charset="-122"/>
+              </a:rPr>
+              <a:t>PM</a:t>
             </a:r>
             <a:r>
               <a:rPr lang="zh-CN" altLang="en-US" sz="1800" dirty="0">
-                <a:solidFill>
-                  <a:srgbClr val="00D75F"/>
-                </a:solidFill>
-                <a:latin typeface="微软雅黑" pitchFamily="34" charset="-122"/>
-                <a:ea typeface="微软雅黑" pitchFamily="34" charset="-122"/>
-              </a:rPr>
-              <a:t>，</a:t>
+                <a:latin typeface="微软雅黑" pitchFamily="34" charset="-122"/>
+                <a:ea typeface="微软雅黑" pitchFamily="34" charset="-122"/>
+              </a:rPr>
+              <a:t>使用其进行了约</a:t>
             </a:r>
             <a:r>
               <a:rPr lang="en-US" altLang="zh-CN" sz="1800" dirty="0">
-                <a:solidFill>
-                  <a:srgbClr val="00D75F"/>
-                </a:solidFill>
-                <a:latin typeface="微软雅黑" pitchFamily="34" charset="-122"/>
-                <a:ea typeface="微软雅黑" pitchFamily="34" charset="-122"/>
-              </a:rPr>
-              <a:t>+</a:t>
-            </a:r>
-            <a:r>
-              <a:rPr lang="en-US" altLang="zh-CN" sz="1800" dirty="0" smtClean="0">
-                <a:solidFill>
-                  <a:srgbClr val="00D75F"/>
-                </a:solidFill>
-                <a:latin typeface="微软雅黑" pitchFamily="34" charset="-122"/>
-                <a:ea typeface="微软雅黑" pitchFamily="34" charset="-122"/>
-              </a:rPr>
-              <a:t>62%UV</a:t>
-            </a:r>
-          </a:p>
-          <a:p>
-            <a:pPr marL="342900" lvl="1" indent="-342900">
-              <a:lnSpc>
-                <a:spcPct val="130000"/>
-              </a:lnSpc>
-              <a:buClr>
-                <a:srgbClr val="2318DE"/>
-              </a:buClr>
-              <a:buFont typeface="Wingdings" pitchFamily="2" charset="2"/>
-              <a:buChar char="q"/>
-            </a:pPr>
+                <a:latin typeface="微软雅黑" pitchFamily="34" charset="-122"/>
+                <a:ea typeface="微软雅黑" pitchFamily="34" charset="-122"/>
+              </a:rPr>
+              <a:t>50+</a:t>
+            </a:r>
             <a:r>
               <a:rPr lang="zh-CN" altLang="en-US" sz="1800" dirty="0">
                 <a:latin typeface="微软雅黑" pitchFamily="34" charset="-122"/>
                 <a:ea typeface="微软雅黑" pitchFamily="34" charset="-122"/>
               </a:rPr>
-              <a:t>升</a:t>
+              <a:t>个人群节点的预估调</a:t>
             </a:r>
             <a:r>
               <a:rPr lang="zh-CN" altLang="en-US" sz="1800" dirty="0" smtClean="0">
                 <a:latin typeface="微软雅黑" pitchFamily="34" charset="-122"/>
                 <a:ea typeface="微软雅黑" pitchFamily="34" charset="-122"/>
               </a:rPr>
-              <a:t>级</a:t>
-            </a:r>
-            <a:r>
-              <a:rPr lang="en-US" altLang="zh-CN" sz="1800" dirty="0" smtClean="0">
-                <a:latin typeface="微软雅黑" pitchFamily="34" charset="-122"/>
-                <a:ea typeface="微软雅黑" pitchFamily="34" charset="-122"/>
-              </a:rPr>
-              <a:t>A720</a:t>
-            </a:r>
-            <a:r>
-              <a:rPr lang="zh-CN" altLang="en-US" sz="1800" dirty="0" smtClean="0">
-                <a:latin typeface="微软雅黑" pitchFamily="34" charset="-122"/>
-                <a:ea typeface="微软雅黑" pitchFamily="34" charset="-122"/>
-              </a:rPr>
-              <a:t>分析工具回溯构建人群，</a:t>
-            </a:r>
-            <a:r>
-              <a:rPr lang="en-US" altLang="zh-CN" sz="1800" dirty="0">
-                <a:latin typeface="微软雅黑" pitchFamily="34" charset="-122"/>
-                <a:ea typeface="微软雅黑" pitchFamily="34" charset="-122"/>
-              </a:rPr>
-              <a:t>PM</a:t>
-            </a:r>
-            <a:r>
-              <a:rPr lang="zh-CN" altLang="en-US" sz="1800" dirty="0">
-                <a:latin typeface="微软雅黑" pitchFamily="34" charset="-122"/>
-                <a:ea typeface="微软雅黑" pitchFamily="34" charset="-122"/>
-              </a:rPr>
-              <a:t>使用其进行了约</a:t>
-            </a:r>
-            <a:r>
-              <a:rPr lang="en-US" altLang="zh-CN" sz="1800" dirty="0">
-                <a:latin typeface="微软雅黑" pitchFamily="34" charset="-122"/>
-                <a:ea typeface="微软雅黑" pitchFamily="34" charset="-122"/>
-              </a:rPr>
-              <a:t>50+</a:t>
-            </a:r>
-            <a:r>
-              <a:rPr lang="zh-CN" altLang="en-US" sz="1800" dirty="0">
-                <a:latin typeface="微软雅黑" pitchFamily="34" charset="-122"/>
-                <a:ea typeface="微软雅黑" pitchFamily="34" charset="-122"/>
-              </a:rPr>
-              <a:t>个</a:t>
-            </a:r>
-            <a:r>
-              <a:rPr lang="zh-CN" altLang="en-US" sz="1800" dirty="0">
-                <a:latin typeface="微软雅黑" pitchFamily="34" charset="-122"/>
-                <a:ea typeface="微软雅黑" pitchFamily="34" charset="-122"/>
-              </a:rPr>
-              <a:t>人群</a:t>
-            </a:r>
-            <a:r>
-              <a:rPr lang="zh-CN" altLang="en-US" sz="1800" dirty="0">
-                <a:latin typeface="微软雅黑" pitchFamily="34" charset="-122"/>
-                <a:ea typeface="微软雅黑" pitchFamily="34" charset="-122"/>
-              </a:rPr>
-              <a:t>节点的预估调</a:t>
-            </a:r>
-            <a:r>
-              <a:rPr lang="zh-CN" altLang="en-US" sz="1800" dirty="0" smtClean="0">
-                <a:latin typeface="微软雅黑" pitchFamily="34" charset="-122"/>
-                <a:ea typeface="微软雅黑" pitchFamily="34" charset="-122"/>
-              </a:rPr>
-              <a:t>研，移动手游通过分析找到了构建人群的</a:t>
+              <a:t>研，移动手游使用分析工具找到了构建人群的</a:t>
             </a:r>
             <a:r>
               <a:rPr lang="en-US" altLang="zh-CN" sz="1800" dirty="0" smtClean="0">
@@ -12725,8 +12256,8 @@
         </p:nvSpPr>
         <p:spPr>
           <a:xfrm>
-            <a:off x="439314" y="3936199"/>
-            <a:ext cx="8206415" cy="1594750"/>
+            <a:off x="444277" y="4612019"/>
+            <a:ext cx="8206415" cy="1102981"/>
           </a:xfrm>
           <a:noFill/>
         </p:spPr>
@@ -12829,70 +12360,21 @@
                 <a:latin typeface="微软雅黑" pitchFamily="34" charset="-122"/>
                 <a:ea typeface="微软雅黑" pitchFamily="34" charset="-122"/>
               </a:rPr>
-              <a:t>作实</a:t>
+              <a:t>作实现行为级特征到人群级别特征的计算，实现开物特征快速构建定向人</a:t>
+            </a:r>
+            <a:r>
+              <a:rPr lang="zh-CN" altLang="en-US" sz="1400" dirty="0" smtClean="0">
+                <a:latin typeface="微软雅黑" pitchFamily="34" charset="-122"/>
+                <a:ea typeface="微软雅黑" pitchFamily="34" charset="-122"/>
+              </a:rPr>
+              <a:t>群；</a:t>
             </a:r>
             <a:r>
               <a:rPr lang="zh-CN" altLang="en-US" sz="1400" dirty="0">
                 <a:latin typeface="微软雅黑" pitchFamily="34" charset="-122"/>
                 <a:ea typeface="微软雅黑" pitchFamily="34" charset="-122"/>
               </a:rPr>
-              <a:t>现行</a:t>
-            </a:r>
-            <a:r>
-              <a:rPr lang="zh-CN" altLang="en-US" sz="1400" dirty="0">
-                <a:latin typeface="微软雅黑" pitchFamily="34" charset="-122"/>
-                <a:ea typeface="微软雅黑" pitchFamily="34" charset="-122"/>
-              </a:rPr>
-              <a:t>为级特征到人</a:t>
-            </a:r>
-            <a:r>
-              <a:rPr lang="zh-CN" altLang="en-US" sz="1400" dirty="0">
-                <a:latin typeface="微软雅黑" pitchFamily="34" charset="-122"/>
-                <a:ea typeface="微软雅黑" pitchFamily="34" charset="-122"/>
-              </a:rPr>
-              <a:t>群</a:t>
-            </a:r>
-            <a:r>
-              <a:rPr lang="zh-CN" altLang="en-US" sz="1400" dirty="0">
-                <a:latin typeface="微软雅黑" pitchFamily="34" charset="-122"/>
-                <a:ea typeface="微软雅黑" pitchFamily="34" charset="-122"/>
-              </a:rPr>
-              <a:t>级</a:t>
-            </a:r>
-            <a:r>
-              <a:rPr lang="zh-CN" altLang="en-US" sz="1400" dirty="0">
-                <a:latin typeface="微软雅黑" pitchFamily="34" charset="-122"/>
-                <a:ea typeface="微软雅黑" pitchFamily="34" charset="-122"/>
-              </a:rPr>
-              <a:t>别特征的计算，</a:t>
-            </a:r>
-            <a:r>
-              <a:rPr lang="zh-CN" altLang="en-US" sz="1400" dirty="0">
-                <a:latin typeface="微软雅黑" pitchFamily="34" charset="-122"/>
-                <a:ea typeface="微软雅黑" pitchFamily="34" charset="-122"/>
-              </a:rPr>
-              <a:t>实现开物特征快</a:t>
-            </a:r>
-            <a:r>
-              <a:rPr lang="zh-CN" altLang="en-US" sz="1400" dirty="0">
-                <a:latin typeface="微软雅黑" pitchFamily="34" charset="-122"/>
-                <a:ea typeface="微软雅黑" pitchFamily="34" charset="-122"/>
-              </a:rPr>
-              <a:t>速构建定</a:t>
-            </a:r>
-            <a:r>
-              <a:rPr lang="zh-CN" altLang="en-US" sz="1400" dirty="0">
-                <a:latin typeface="微软雅黑" pitchFamily="34" charset="-122"/>
-                <a:ea typeface="微软雅黑" pitchFamily="34" charset="-122"/>
-              </a:rPr>
-              <a:t>向人群投</a:t>
-            </a:r>
-            <a:r>
-              <a:rPr lang="zh-CN" altLang="en-US" sz="1400" dirty="0">
-                <a:latin typeface="微软雅黑" pitchFamily="34" charset="-122"/>
-                <a:ea typeface="微软雅黑" pitchFamily="34" charset="-122"/>
-              </a:rPr>
-              <a:t>放；支</a:t>
+              <a:t>支</a:t>
             </a:r>
             <a:r>
               <a:rPr lang="zh-CN" altLang="en-US" sz="1400" dirty="0" smtClean="0">
@@ -13138,26 +12620,6 @@
                 <a:latin typeface="微软雅黑" pitchFamily="34" charset="-122"/>
                 <a:ea typeface="微软雅黑" pitchFamily="34" charset="-122"/>
               </a:rPr>
-              <a:t>开物</a:t>
-            </a:r>
-            <a:r>
-              <a:rPr lang="en-US" altLang="zh-CN" dirty="0" smtClean="0">
-                <a:solidFill>
-                  <a:schemeClr val="tx1"/>
-                </a:solidFill>
-                <a:latin typeface="微软雅黑" pitchFamily="34" charset="-122"/>
-                <a:ea typeface="微软雅黑" pitchFamily="34" charset="-122"/>
-              </a:rPr>
-              <a:t>-</a:t>
-            </a:r>
-            <a:r>
-              <a:rPr lang="zh-CN" altLang="en-US" dirty="0" smtClean="0">
-                <a:solidFill>
-                  <a:schemeClr val="tx1"/>
-                </a:solidFill>
-                <a:latin typeface="微软雅黑" pitchFamily="34" charset="-122"/>
-                <a:ea typeface="微软雅黑" pitchFamily="34" charset="-122"/>
-              </a:rPr>
               <a:t>人群构建的流程</a:t>
             </a:r>
             <a:endParaRPr lang="zh-CN" altLang="en-US" dirty="0">
@@ -13182,7 +12644,7 @@
       </p:sp>
       <p:pic>
         <p:nvPicPr>
-          <p:cNvPr id="2050" name="Picture 2"/>
+          <p:cNvPr id="1026" name="Picture 2"/>
           <p:cNvPicPr>
             <a:picLocks noChangeAspect="1" noChangeArrowheads="1"/>
           </p:cNvPicPr>
@@ -13203,8 +12665,8 @@
         </p:blipFill>
         <p:spPr bwMode="auto">
           <a:xfrm>
-            <a:off x="282781" y="1264940"/>
-            <a:ext cx="8022547" cy="2691269"/>
+            <a:off x="467545" y="1201316"/>
+            <a:ext cx="7488832" cy="3469268"/>
           </a:xfrm>
           <a:prstGeom prst="rect">
             <a:avLst/>
@@ -13294,7 +12756,7 @@
         <p:spPr>
           <a:xfrm>
             <a:off x="282781" y="1129308"/>
-            <a:ext cx="8496944" cy="1656184"/>
+            <a:ext cx="8496944" cy="1008112"/>
           </a:xfrm>
         </p:spPr>
         <p:txBody>
@@ -13306,14 +12768,21 @@
                 <a:latin typeface="微软雅黑" pitchFamily="34" charset="-122"/>
                 <a:ea typeface="微软雅黑" pitchFamily="34" charset="-122"/>
               </a:rPr>
-              <a:t>行为分析及人群链接工具流程的整合</a:t>
+              <a:t>行为分析及人群链</a:t>
+            </a:r>
+            <a:r>
+              <a:rPr lang="zh-CN" altLang="en-US" sz="1400" dirty="0">
+                <a:latin typeface="微软雅黑" pitchFamily="34" charset="-122"/>
+                <a:ea typeface="微软雅黑" pitchFamily="34" charset="-122"/>
+              </a:rPr>
+              <a:t>接，快速产</a:t>
             </a:r>
             <a:r>
               <a:rPr lang="zh-CN" altLang="en-US" sz="1400" dirty="0" smtClean="0">
                 <a:latin typeface="微软雅黑" pitchFamily="34" charset="-122"/>
                 <a:ea typeface="微软雅黑" pitchFamily="34" charset="-122"/>
               </a:rPr>
-              <a:t>，将原先复杂的人群分析工作简化；快速给出人群</a:t>
+              <a:t>出抽样</a:t>
             </a:r>
             <a:r>
               <a:rPr lang="en-US" altLang="zh-CN" sz="1400" dirty="0" smtClean="0">
@@ -13327,7 +12796,7 @@
                 <a:latin typeface="微软雅黑" pitchFamily="34" charset="-122"/>
                 <a:ea typeface="微软雅黑" pitchFamily="34" charset="-122"/>
               </a:rPr>
-              <a:t>的行为数据，分析</a:t>
+              <a:t>的行为分析数据，将原先复杂的人群分析工作简化；行为数据用于分析</a:t>
             </a:r>
             <a:r>
               <a:rPr lang="en-US" altLang="zh-CN" sz="1400" dirty="0" smtClean="0">
@@ -13362,56 +12831,21 @@
                 <a:latin typeface="微软雅黑" pitchFamily="34" charset="-122"/>
                 <a:ea typeface="微软雅黑" pitchFamily="34" charset="-122"/>
               </a:rPr>
-              <a:t>构数据</a:t>
+              <a:t>构数据基本关系，预判</a:t>
+            </a:r>
+            <a:r>
+              <a:rPr lang="en-US" altLang="zh-CN" sz="1400" dirty="0" smtClean="0">
+                <a:latin typeface="微软雅黑" pitchFamily="34" charset="-122"/>
+                <a:ea typeface="微软雅黑" pitchFamily="34" charset="-122"/>
+              </a:rPr>
+              <a:t>EPA</a:t>
             </a:r>
             <a:r>
               <a:rPr lang="zh-CN" altLang="en-US" sz="1400" dirty="0" smtClean="0">
                 <a:latin typeface="微软雅黑" pitchFamily="34" charset="-122"/>
                 <a:ea typeface="微软雅黑" pitchFamily="34" charset="-122"/>
               </a:rPr>
-              <a:t>基</a:t>
-            </a:r>
-            <a:r>
-              <a:rPr lang="zh-CN" altLang="en-US" sz="1400" dirty="0" smtClean="0">
-                <a:latin typeface="微软雅黑" pitchFamily="34" charset="-122"/>
-                <a:ea typeface="微软雅黑" pitchFamily="34" charset="-122"/>
-              </a:rPr>
-              <a:t>本关系</a:t>
-            </a:r>
-            <a:r>
-              <a:rPr lang="zh-CN" altLang="en-US" sz="1400" dirty="0" smtClean="0">
-                <a:latin typeface="微软雅黑" pitchFamily="34" charset="-122"/>
-                <a:ea typeface="微软雅黑" pitchFamily="34" charset="-122"/>
-              </a:rPr>
-              <a:t>，预</a:t>
-            </a:r>
-            <a:r>
-              <a:rPr lang="zh-CN" altLang="en-US" sz="1400" dirty="0" smtClean="0">
-                <a:latin typeface="微软雅黑" pitchFamily="34" charset="-122"/>
-                <a:ea typeface="微软雅黑" pitchFamily="34" charset="-122"/>
-              </a:rPr>
-              <a:t>判</a:t>
-            </a:r>
-            <a:r>
-              <a:rPr lang="en-US" altLang="zh-CN" sz="1400" dirty="0" smtClean="0">
-                <a:latin typeface="微软雅黑" pitchFamily="34" charset="-122"/>
-                <a:ea typeface="微软雅黑" pitchFamily="34" charset="-122"/>
-              </a:rPr>
-              <a:t>EPA</a:t>
-            </a:r>
-            <a:r>
-              <a:rPr lang="zh-CN" altLang="en-US" sz="1400" dirty="0" smtClean="0">
-                <a:latin typeface="微软雅黑" pitchFamily="34" charset="-122"/>
-                <a:ea typeface="微软雅黑" pitchFamily="34" charset="-122"/>
-              </a:rPr>
-              <a:t>条件对应什么样的人</a:t>
-            </a:r>
-            <a:r>
-              <a:rPr lang="zh-CN" altLang="en-US" sz="1400" dirty="0" smtClean="0">
-                <a:latin typeface="微软雅黑" pitchFamily="34" charset="-122"/>
-                <a:ea typeface="微软雅黑" pitchFamily="34" charset="-122"/>
-              </a:rPr>
-              <a:t>群</a:t>
+              <a:t>条件对应人群的情况</a:t>
             </a:r>
             <a:endParaRPr lang="en-US" altLang="zh-CN" sz="1400" dirty="0" smtClean="0">
               <a:latin typeface="微软雅黑" pitchFamily="34" charset="-122"/>
@@ -13508,47 +12942,14 @@
                 <a:latin typeface="微软雅黑" pitchFamily="34" charset="-122"/>
                 <a:ea typeface="微软雅黑" pitchFamily="34" charset="-122"/>
               </a:rPr>
-              <a:t>80%</a:t>
-            </a:r>
-          </a:p>
-          <a:p>
-            <a:r>
-              <a:rPr lang="zh-CN" altLang="en-US" sz="1400" dirty="0">
-                <a:latin typeface="微软雅黑" pitchFamily="34" charset="-122"/>
-                <a:ea typeface="微软雅黑" pitchFamily="34" charset="-122"/>
-              </a:rPr>
-              <a:t>线下分析工具</a:t>
-            </a:r>
-            <a:r>
-              <a:rPr lang="zh-CN" altLang="en-US" sz="1400" dirty="0" smtClean="0">
-                <a:latin typeface="微软雅黑" pitchFamily="34" charset="-122"/>
-                <a:ea typeface="微软雅黑" pitchFamily="34" charset="-122"/>
-              </a:rPr>
-              <a:t>：</a:t>
+              <a:t>80</a:t>
             </a:r>
             <a:r>
               <a:rPr lang="en-US" altLang="zh-CN" sz="1400" dirty="0" smtClean="0">
                 <a:latin typeface="微软雅黑" pitchFamily="34" charset="-122"/>
                 <a:ea typeface="微软雅黑" pitchFamily="34" charset="-122"/>
-                <a:hlinkClick r:id="rId2"/>
-              </a:rPr>
-              <a:t>http</a:t>
-            </a:r>
-            <a:r>
-              <a:rPr lang="en-US" altLang="zh-CN" sz="1400" dirty="0">
-                <a:latin typeface="微软雅黑" pitchFamily="34" charset="-122"/>
-                <a:ea typeface="微软雅黑" pitchFamily="34" charset="-122"/>
-                <a:hlinkClick r:id="rId2"/>
-              </a:rPr>
-              <a:t>://sp.baidu.com:8080/survey/public?type=task&amp;name=/</a:t>
-            </a:r>
-            <a:r>
-              <a:rPr lang="en-US" altLang="zh-CN" sz="1400" dirty="0">
-                <a:latin typeface="微软雅黑" pitchFamily="34" charset="-122"/>
-                <a:ea typeface="微软雅黑" pitchFamily="34" charset="-122"/>
-                <a:hlinkClick r:id="rId2"/>
-              </a:rPr>
-              <a:t>nova/kaiwu/l2_analysis_pb_join_kt</a:t>
+              </a:rPr>
+              <a:t>%</a:t>
             </a:r>
             <a:endParaRPr lang="en-US" altLang="zh-CN" sz="1400" dirty="0">
               <a:latin typeface="微软雅黑" pitchFamily="34" charset="-122"/>
@@ -13745,36 +13146,6 @@
           <a:p>
             <a:pPr eaLnBrk="1" hangingPunct="1"/>
             <a:r>
-              <a:rPr lang="zh-CN" altLang="en-US" dirty="0">
-                <a:solidFill>
-                  <a:schemeClr val="tx1"/>
-                </a:solidFill>
-                <a:latin typeface="微软雅黑" pitchFamily="34" charset="-122"/>
-                <a:ea typeface="微软雅黑" pitchFamily="34" charset="-122"/>
-              </a:rPr>
-              <a:t>前</a:t>
-            </a:r>
-            <a:r>
-              <a:rPr lang="zh-CN" altLang="en-US" dirty="0" smtClean="0">
-                <a:solidFill>
-                  <a:schemeClr val="tx1"/>
-                </a:solidFill>
-                <a:latin typeface="微软雅黑" pitchFamily="34" charset="-122"/>
-                <a:ea typeface="微软雅黑" pitchFamily="34" charset="-122"/>
-              </a:rPr>
-              <a:t>序</a:t>
-            </a:r>
-            <a:r>
-              <a:rPr lang="en-US" altLang="zh-CN" dirty="0" smtClean="0">
-                <a:solidFill>
-                  <a:schemeClr val="tx1"/>
-                </a:solidFill>
-                <a:latin typeface="微软雅黑" pitchFamily="34" charset="-122"/>
-                <a:ea typeface="微软雅黑" pitchFamily="34" charset="-122"/>
-              </a:rPr>
-              <a:t>-</a:t>
-            </a:r>
-            <a:r>
               <a:rPr lang="zh-CN" altLang="en-US" dirty="0" smtClean="0">
                 <a:solidFill>
                   <a:schemeClr val="tx1"/>
@@ -13803,13 +13174,13 @@
           <p:nvPr>
             <p:extLst>
               <p:ext uri="{D42A27DB-BD31-4B8C-83A1-F6EECF244321}">
-                <p14:modId xmlns:p14="http://schemas.microsoft.com/office/powerpoint/2010/main" val="2847439184"/>
+                <p14:modId xmlns:p14="http://schemas.microsoft.com/office/powerpoint/2010/main" val="3267240180"/>
               </p:ext>
             </p:extLst>
           </p:nvPr>
         </p:nvGraphicFramePr>
         <p:xfrm>
-          <a:off x="730027" y="2137420"/>
+          <a:off x="679514" y="2136944"/>
           <a:ext cx="6680200" cy="1143000"/>
         </p:xfrm>
         <a:graphic>
@@ -14332,8 +13703,8 @@
                   <a:schemeClr val="tx1"/>
                 </a:solidFill>
                 <a:effectLst/>
-                <a:latin typeface="Arial" charset="0"/>
-                <a:ea typeface="宋体" pitchFamily="2" charset="-122"/>
+                <a:latin typeface="微软雅黑" pitchFamily="34" charset="-122"/>
+                <a:ea typeface="微软雅黑" pitchFamily="34" charset="-122"/>
               </a:endParaRPr>
             </a:p>
           </p:txBody>
@@ -14361,26 +13732,44 @@
             <a:lstStyle/>
             <a:p>
               <a:r>
-                <a:rPr lang="en-US" altLang="zh-CN" sz="1600" dirty="0" smtClean="0"/>
+                <a:rPr lang="en-US" altLang="zh-CN" sz="1600" dirty="0" smtClean="0">
+                  <a:latin typeface="微软雅黑" pitchFamily="34" charset="-122"/>
+                  <a:ea typeface="微软雅黑" pitchFamily="34" charset="-122"/>
+                </a:rPr>
                 <a:t>E</a:t>
               </a:r>
               <a:r>
-                <a:rPr lang="zh-CN" altLang="en-US" sz="1600" dirty="0" smtClean="0"/>
+                <a:rPr lang="zh-CN" altLang="en-US" sz="1600" dirty="0" smtClean="0">
+                  <a:latin typeface="微软雅黑" pitchFamily="34" charset="-122"/>
+                  <a:ea typeface="微软雅黑" pitchFamily="34" charset="-122"/>
+                </a:rPr>
                 <a:t>：电脑配件；</a:t>
               </a:r>
               <a:r>
-                <a:rPr lang="en-US" altLang="zh-CN" sz="1600" dirty="0" smtClean="0"/>
+                <a:rPr lang="en-US" altLang="zh-CN" sz="1600" dirty="0" smtClean="0">
+                  <a:latin typeface="微软雅黑" pitchFamily="34" charset="-122"/>
+                  <a:ea typeface="微软雅黑" pitchFamily="34" charset="-122"/>
+                </a:rPr>
                 <a:t>P</a:t>
               </a:r>
               <a:r>
-                <a:rPr lang="zh-CN" altLang="en-US" sz="1600" dirty="0" smtClean="0"/>
+                <a:rPr lang="zh-CN" altLang="en-US" sz="1600" dirty="0" smtClean="0">
+                  <a:latin typeface="微软雅黑" pitchFamily="34" charset="-122"/>
+                  <a:ea typeface="微软雅黑" pitchFamily="34" charset="-122"/>
+                </a:rPr>
                 <a:t>：产品</a:t>
               </a:r>
               <a:r>
-                <a:rPr lang="en-US" altLang="zh-CN" sz="1600" dirty="0" smtClean="0"/>
+                <a:rPr lang="en-US" altLang="zh-CN" sz="1600" dirty="0" smtClean="0">
+                  <a:latin typeface="微软雅黑" pitchFamily="34" charset="-122"/>
+                  <a:ea typeface="微软雅黑" pitchFamily="34" charset="-122"/>
+                </a:rPr>
                 <a:t>=CPU</a:t>
               </a:r>
-              <a:endParaRPr lang="en-US" sz="1600" dirty="0"/>
+              <a:endParaRPr lang="en-US" sz="1600" dirty="0">
+                <a:latin typeface="微软雅黑" pitchFamily="34" charset="-122"/>
+                <a:ea typeface="微软雅黑" pitchFamily="34" charset="-122"/>
+              </a:endParaRPr>
             </a:p>
           </p:txBody>
         </p:sp>
@@ -14393,10 +13782,10 @@
         </p:nvGrpSpPr>
         <p:grpSpPr>
           <a:xfrm>
-            <a:off x="755576" y="3691466"/>
-            <a:ext cx="7639395" cy="360040"/>
+            <a:off x="755576" y="3877042"/>
+            <a:ext cx="7677644" cy="360040"/>
             <a:chOff x="755576" y="3916134"/>
-            <a:chExt cx="7639395" cy="360040"/>
+            <a:chExt cx="7677644" cy="360040"/>
           </a:xfrm>
         </p:grpSpPr>
         <p:sp>
@@ -14459,8 +13848,8 @@
                   <a:schemeClr val="tx1"/>
                 </a:solidFill>
                 <a:effectLst/>
-                <a:latin typeface="Arial" charset="0"/>
-                <a:ea typeface="宋体" pitchFamily="2" charset="-122"/>
+                <a:latin typeface="微软雅黑" pitchFamily="34" charset="-122"/>
+                <a:ea typeface="微软雅黑" pitchFamily="34" charset="-122"/>
               </a:endParaRPr>
             </a:p>
           </p:txBody>
@@ -14473,8 +13862,8 @@
           </p:nvSpPr>
           <p:spPr>
             <a:xfrm>
-              <a:off x="1482502" y="3937620"/>
-              <a:ext cx="6912469" cy="338554"/>
+              <a:off x="1444254" y="3937620"/>
+              <a:ext cx="6988966" cy="338554"/>
             </a:xfrm>
             <a:prstGeom prst="rect">
               <a:avLst/>
@@ -14488,46 +13877,79 @@
             <a:lstStyle/>
             <a:p>
               <a:r>
-                <a:rPr lang="zh-CN" altLang="en-US" sz="1600" dirty="0"/>
+                <a:rPr lang="zh-CN" altLang="en-US" sz="1600" dirty="0">
+                  <a:latin typeface="微软雅黑" pitchFamily="34" charset="-122"/>
+                  <a:ea typeface="微软雅黑" pitchFamily="34" charset="-122"/>
+                </a:rPr>
                 <a:t>约</a:t>
               </a:r>
               <a:r>
-                <a:rPr lang="zh-CN" altLang="en-US" sz="1600" dirty="0" smtClean="0"/>
+                <a:rPr lang="zh-CN" altLang="en-US" sz="1600" dirty="0" smtClean="0">
+                  <a:latin typeface="微软雅黑" pitchFamily="34" charset="-122"/>
+                  <a:ea typeface="微软雅黑" pitchFamily="34" charset="-122"/>
+                </a:rPr>
                 <a:t>束条件（</a:t>
               </a:r>
               <a:r>
-                <a:rPr lang="en-US" altLang="zh-CN" sz="1600" dirty="0" smtClean="0"/>
+                <a:rPr lang="en-US" altLang="zh-CN" sz="1600" dirty="0" smtClean="0">
+                  <a:latin typeface="微软雅黑" pitchFamily="34" charset="-122"/>
+                  <a:ea typeface="微软雅黑" pitchFamily="34" charset="-122"/>
+                </a:rPr>
                 <a:t>E=</a:t>
               </a:r>
               <a:r>
-                <a:rPr lang="zh-CN" altLang="en-US" sz="1600" dirty="0" smtClean="0"/>
+                <a:rPr lang="zh-CN" altLang="en-US" sz="1600" dirty="0" smtClean="0">
+                  <a:latin typeface="微软雅黑" pitchFamily="34" charset="-122"/>
+                  <a:ea typeface="微软雅黑" pitchFamily="34" charset="-122"/>
+                </a:rPr>
                 <a:t>电脑配件，</a:t>
               </a:r>
               <a:r>
-                <a:rPr lang="en-US" altLang="zh-CN" sz="1600" dirty="0" err="1" smtClean="0"/>
+                <a:rPr lang="en-US" altLang="zh-CN" sz="1600" dirty="0" err="1" smtClean="0">
+                  <a:latin typeface="微软雅黑" pitchFamily="34" charset="-122"/>
+                  <a:ea typeface="微软雅黑" pitchFamily="34" charset="-122"/>
+                </a:rPr>
                 <a:t>Pkey</a:t>
               </a:r>
               <a:r>
-                <a:rPr lang="en-US" altLang="zh-CN" sz="1600" dirty="0" smtClean="0"/>
+                <a:rPr lang="en-US" altLang="zh-CN" sz="1600" dirty="0" smtClean="0">
+                  <a:latin typeface="微软雅黑" pitchFamily="34" charset="-122"/>
+                  <a:ea typeface="微软雅黑" pitchFamily="34" charset="-122"/>
+                </a:rPr>
                 <a:t>=</a:t>
               </a:r>
               <a:r>
-                <a:rPr lang="zh-CN" altLang="en-US" sz="1600" dirty="0" smtClean="0"/>
+                <a:rPr lang="zh-CN" altLang="en-US" sz="1600" dirty="0" smtClean="0">
+                  <a:latin typeface="微软雅黑" pitchFamily="34" charset="-122"/>
+                  <a:ea typeface="微软雅黑" pitchFamily="34" charset="-122"/>
+                </a:rPr>
                 <a:t>产品，</a:t>
               </a:r>
               <a:r>
-                <a:rPr lang="en-US" altLang="zh-CN" sz="1600" dirty="0" err="1" smtClean="0"/>
+                <a:rPr lang="en-US" altLang="zh-CN" sz="1600" dirty="0" err="1" smtClean="0">
+                  <a:latin typeface="微软雅黑" pitchFamily="34" charset="-122"/>
+                  <a:ea typeface="微软雅黑" pitchFamily="34" charset="-122"/>
+                </a:rPr>
                 <a:t>Pvalue</a:t>
               </a:r>
               <a:r>
-                <a:rPr lang="en-US" altLang="zh-CN" sz="1600" dirty="0" smtClean="0"/>
+                <a:rPr lang="en-US" altLang="zh-CN" sz="1600" dirty="0" smtClean="0">
+                  <a:latin typeface="微软雅黑" pitchFamily="34" charset="-122"/>
+                  <a:ea typeface="微软雅黑" pitchFamily="34" charset="-122"/>
+                </a:rPr>
                 <a:t>=CPU</a:t>
               </a:r>
               <a:r>
-                <a:rPr lang="zh-CN" altLang="en-US" sz="1600" dirty="0" smtClean="0"/>
+                <a:rPr lang="zh-CN" altLang="en-US" sz="1600" dirty="0" smtClean="0">
+                  <a:latin typeface="微软雅黑" pitchFamily="34" charset="-122"/>
+                  <a:ea typeface="微软雅黑" pitchFamily="34" charset="-122"/>
+                </a:rPr>
                 <a:t>）定义为电脑组装人群</a:t>
               </a:r>
-              <a:endParaRPr lang="en-US" sz="1600" dirty="0"/>
+              <a:endParaRPr lang="en-US" sz="1600" dirty="0">
+                <a:latin typeface="微软雅黑" pitchFamily="34" charset="-122"/>
+                <a:ea typeface="微软雅黑" pitchFamily="34" charset="-122"/>
+              </a:endParaRPr>
             </a:p>
           </p:txBody>
         </p:sp>
@@ -14540,10 +13962,10 @@
         </p:nvGrpSpPr>
         <p:grpSpPr>
           <a:xfrm>
-            <a:off x="755576" y="4051506"/>
-            <a:ext cx="6552239" cy="360040"/>
+            <a:off x="755576" y="4407263"/>
+            <a:ext cx="6583947" cy="360040"/>
             <a:chOff x="755576" y="4297660"/>
-            <a:chExt cx="6552239" cy="360040"/>
+            <a:chExt cx="6583947" cy="360040"/>
           </a:xfrm>
         </p:grpSpPr>
         <p:sp>
@@ -14606,8 +14028,8 @@
                   <a:schemeClr val="tx1"/>
                 </a:solidFill>
                 <a:effectLst/>
-                <a:latin typeface="Arial" charset="0"/>
-                <a:ea typeface="宋体" pitchFamily="2" charset="-122"/>
+                <a:latin typeface="微软雅黑" pitchFamily="34" charset="-122"/>
+                <a:ea typeface="微软雅黑" pitchFamily="34" charset="-122"/>
               </a:endParaRPr>
             </a:p>
           </p:txBody>
@@ -14620,8 +14042,8 @@
           </p:nvSpPr>
           <p:spPr>
             <a:xfrm>
-              <a:off x="1482502" y="4308115"/>
-              <a:ext cx="5825313" cy="338554"/>
+              <a:off x="1450795" y="4308115"/>
+              <a:ext cx="5888728" cy="338554"/>
             </a:xfrm>
             <a:prstGeom prst="rect">
               <a:avLst/>
@@ -14635,30 +14057,51 @@
             <a:lstStyle/>
             <a:p>
               <a:r>
-                <a:rPr lang="zh-CN" altLang="en-US" sz="1600" dirty="0"/>
+                <a:rPr lang="zh-CN" altLang="en-US" sz="1600" dirty="0">
+                  <a:latin typeface="微软雅黑" pitchFamily="34" charset="-122"/>
+                  <a:ea typeface="微软雅黑" pitchFamily="34" charset="-122"/>
+                </a:rPr>
                 <a:t>使</a:t>
               </a:r>
               <a:r>
-                <a:rPr lang="zh-CN" altLang="en-US" sz="1600" dirty="0" smtClean="0"/>
+                <a:rPr lang="zh-CN" altLang="en-US" sz="1600" dirty="0" smtClean="0">
+                  <a:latin typeface="微软雅黑" pitchFamily="34" charset="-122"/>
+                  <a:ea typeface="微软雅黑" pitchFamily="34" charset="-122"/>
+                </a:rPr>
                 <a:t>用约束条件构建人群</a:t>
               </a:r>
               <a:r>
-                <a:rPr lang="en-US" altLang="zh-CN" sz="1600" dirty="0" smtClean="0"/>
+                <a:rPr lang="en-US" altLang="zh-CN" sz="1600" dirty="0" smtClean="0">
+                  <a:latin typeface="微软雅黑" pitchFamily="34" charset="-122"/>
+                  <a:ea typeface="微软雅黑" pitchFamily="34" charset="-122"/>
+                </a:rPr>
                 <a:t>Tag</a:t>
               </a:r>
               <a:r>
-                <a:rPr lang="zh-CN" altLang="en-US" sz="1600" dirty="0" smtClean="0"/>
+                <a:rPr lang="zh-CN" altLang="en-US" sz="1600" dirty="0" smtClean="0">
+                  <a:latin typeface="微软雅黑" pitchFamily="34" charset="-122"/>
+                  <a:ea typeface="微软雅黑" pitchFamily="34" charset="-122"/>
+                </a:rPr>
                 <a:t>，给类似行为的</a:t>
               </a:r>
               <a:r>
-                <a:rPr lang="en-US" altLang="zh-CN" sz="1600" dirty="0" smtClean="0"/>
+                <a:rPr lang="en-US" altLang="zh-CN" sz="1600" dirty="0" smtClean="0">
+                  <a:latin typeface="微软雅黑" pitchFamily="34" charset="-122"/>
+                  <a:ea typeface="微软雅黑" pitchFamily="34" charset="-122"/>
+                </a:rPr>
                 <a:t>cookie</a:t>
               </a:r>
               <a:r>
-                <a:rPr lang="zh-CN" altLang="en-US" sz="1600" dirty="0" smtClean="0"/>
+                <a:rPr lang="zh-CN" altLang="en-US" sz="1600" dirty="0" smtClean="0">
+                  <a:latin typeface="微软雅黑" pitchFamily="34" charset="-122"/>
+                  <a:ea typeface="微软雅黑" pitchFamily="34" charset="-122"/>
+                </a:rPr>
                 <a:t>打上相同标签</a:t>
               </a:r>
-              <a:endParaRPr lang="en-US" sz="1600" dirty="0"/>
+              <a:endParaRPr lang="en-US" sz="1600" dirty="0">
+                <a:latin typeface="微软雅黑" pitchFamily="34" charset="-122"/>
+                <a:ea typeface="微软雅黑" pitchFamily="34" charset="-122"/>
+              </a:endParaRPr>
             </a:p>
           </p:txBody>
         </p:sp>
@@ -15089,552 +14532,6 @@
       </p:grpSpPr>
       <p:sp>
         <p:nvSpPr>
-          <p:cNvPr id="2" name="Content Placeholder 1"/>
-          <p:cNvSpPr>
-            <a:spLocks noGrp="1"/>
-          </p:cNvSpPr>
-          <p:nvPr>
-            <p:ph idx="1"/>
-          </p:nvPr>
-        </p:nvSpPr>
-        <p:spPr>
-          <a:xfrm>
-            <a:off x="323528" y="1308100"/>
-            <a:ext cx="3840170" cy="3709640"/>
-          </a:xfrm>
-        </p:spPr>
-        <p:txBody>
-          <a:bodyPr/>
-          <a:lstStyle/>
-          <a:p>
-            <a:r>
-              <a:rPr lang="zh-CN" altLang="en-US" sz="1600" dirty="0" smtClean="0">
-                <a:latin typeface="微软雅黑" pitchFamily="34" charset="-122"/>
-                <a:ea typeface="微软雅黑" pitchFamily="34" charset="-122"/>
-              </a:rPr>
-              <a:t>紧</a:t>
-            </a:r>
-            <a:r>
-              <a:rPr lang="zh-CN" altLang="en-US" sz="1600" dirty="0">
-                <a:latin typeface="微软雅黑" pitchFamily="34" charset="-122"/>
-                <a:ea typeface="微软雅黑" pitchFamily="34" charset="-122"/>
-              </a:rPr>
-              <a:t>急需</a:t>
-            </a:r>
-            <a:r>
-              <a:rPr lang="zh-CN" altLang="en-US" sz="1600" dirty="0" smtClean="0">
-                <a:latin typeface="微软雅黑" pitchFamily="34" charset="-122"/>
-                <a:ea typeface="微软雅黑" pitchFamily="34" charset="-122"/>
-              </a:rPr>
-              <a:t>求快速完成，</a:t>
-            </a:r>
-            <a:r>
-              <a:rPr lang="en-US" altLang="zh-CN" sz="1600" dirty="0" smtClean="0">
-                <a:latin typeface="微软雅黑" pitchFamily="34" charset="-122"/>
-                <a:ea typeface="微软雅黑" pitchFamily="34" charset="-122"/>
-              </a:rPr>
-              <a:t>10</a:t>
-            </a:r>
-            <a:r>
-              <a:rPr lang="zh-CN" altLang="en-US" sz="1600" dirty="0" smtClean="0">
-                <a:latin typeface="微软雅黑" pitchFamily="34" charset="-122"/>
-                <a:ea typeface="微软雅黑" pitchFamily="34" charset="-122"/>
-              </a:rPr>
-              <a:t>月下旬提出构建电商人群，</a:t>
-            </a:r>
-            <a:r>
-              <a:rPr lang="en-US" altLang="zh-CN" sz="1600" dirty="0" smtClean="0">
-                <a:latin typeface="微软雅黑" pitchFamily="34" charset="-122"/>
-                <a:ea typeface="微软雅黑" pitchFamily="34" charset="-122"/>
-              </a:rPr>
-              <a:t>11.7</a:t>
-            </a:r>
-            <a:r>
-              <a:rPr lang="zh-CN" altLang="en-US" sz="1600" dirty="0" smtClean="0">
-                <a:latin typeface="微软雅黑" pitchFamily="34" charset="-122"/>
-                <a:ea typeface="微软雅黑" pitchFamily="34" charset="-122"/>
-              </a:rPr>
-              <a:t>日完成人群构建及灌库，参与双</a:t>
-            </a:r>
-            <a:r>
-              <a:rPr lang="en-US" altLang="zh-CN" sz="1600" dirty="0" smtClean="0">
-                <a:latin typeface="微软雅黑" pitchFamily="34" charset="-122"/>
-                <a:ea typeface="微软雅黑" pitchFamily="34" charset="-122"/>
-              </a:rPr>
-              <a:t>11</a:t>
-            </a:r>
-            <a:r>
-              <a:rPr lang="zh-CN" altLang="en-US" sz="1600" dirty="0" smtClean="0">
-                <a:latin typeface="微软雅黑" pitchFamily="34" charset="-122"/>
-                <a:ea typeface="微软雅黑" pitchFamily="34" charset="-122"/>
-              </a:rPr>
-              <a:t>电商投放</a:t>
-            </a:r>
-            <a:endParaRPr lang="en-US" altLang="zh-CN" sz="1600" dirty="0" smtClean="0">
-              <a:latin typeface="微软雅黑" pitchFamily="34" charset="-122"/>
-              <a:ea typeface="微软雅黑" pitchFamily="34" charset="-122"/>
-            </a:endParaRPr>
-          </a:p>
-          <a:p>
-            <a:r>
-              <a:rPr lang="zh-CN" altLang="en-US" sz="1600" dirty="0" smtClean="0">
-                <a:latin typeface="微软雅黑" pitchFamily="34" charset="-122"/>
-                <a:ea typeface="微软雅黑" pitchFamily="34" charset="-122"/>
-              </a:rPr>
-              <a:t>电</a:t>
-            </a:r>
-            <a:r>
-              <a:rPr lang="zh-CN" altLang="en-US" sz="1600" dirty="0">
-                <a:latin typeface="微软雅黑" pitchFamily="34" charset="-122"/>
-                <a:ea typeface="微软雅黑" pitchFamily="34" charset="-122"/>
-              </a:rPr>
-              <a:t>商系列人</a:t>
-            </a:r>
-            <a:r>
-              <a:rPr lang="zh-CN" altLang="en-US" sz="1600" dirty="0" smtClean="0">
-                <a:latin typeface="微软雅黑" pitchFamily="34" charset="-122"/>
-                <a:ea typeface="微软雅黑" pitchFamily="34" charset="-122"/>
-              </a:rPr>
-              <a:t>群构建</a:t>
-            </a:r>
-            <a:endParaRPr lang="en-US" altLang="zh-CN" sz="1600" dirty="0" smtClean="0">
-              <a:latin typeface="微软雅黑" pitchFamily="34" charset="-122"/>
-              <a:ea typeface="微软雅黑" pitchFamily="34" charset="-122"/>
-            </a:endParaRPr>
-          </a:p>
-          <a:p>
-            <a:pPr lvl="1"/>
-            <a:r>
-              <a:rPr lang="zh-CN" altLang="en-US" sz="1200" dirty="0">
-                <a:latin typeface="微软雅黑" pitchFamily="34" charset="-122"/>
-                <a:ea typeface="微软雅黑" pitchFamily="34" charset="-122"/>
-              </a:rPr>
-              <a:t>电</a:t>
-            </a:r>
-            <a:r>
-              <a:rPr lang="zh-CN" altLang="en-US" sz="1200" dirty="0" smtClean="0">
-                <a:latin typeface="微软雅黑" pitchFamily="34" charset="-122"/>
-                <a:ea typeface="微软雅黑" pitchFamily="34" charset="-122"/>
-              </a:rPr>
-              <a:t>商站点的抽取及</a:t>
-            </a:r>
-            <a:r>
-              <a:rPr lang="en-US" altLang="zh-CN" sz="1200" dirty="0" smtClean="0">
-                <a:latin typeface="微软雅黑" pitchFamily="34" charset="-122"/>
-                <a:ea typeface="微软雅黑" pitchFamily="34" charset="-122"/>
-              </a:rPr>
-              <a:t>review</a:t>
-            </a:r>
-            <a:r>
-              <a:rPr lang="zh-CN" altLang="en-US" sz="1200" dirty="0" smtClean="0">
-                <a:latin typeface="微软雅黑" pitchFamily="34" charset="-122"/>
-                <a:ea typeface="微软雅黑" pitchFamily="34" charset="-122"/>
-              </a:rPr>
-              <a:t>：电商站点列表</a:t>
-            </a:r>
-            <a:endParaRPr lang="en-US" altLang="zh-CN" sz="1200" dirty="0">
-              <a:latin typeface="微软雅黑" pitchFamily="34" charset="-122"/>
-              <a:ea typeface="微软雅黑" pitchFamily="34" charset="-122"/>
-            </a:endParaRPr>
-          </a:p>
-          <a:p>
-            <a:pPr lvl="1"/>
-            <a:r>
-              <a:rPr lang="en-US" altLang="zh-CN" sz="1200" dirty="0">
-                <a:latin typeface="微软雅黑" pitchFamily="34" charset="-122"/>
-                <a:ea typeface="微软雅黑" pitchFamily="34" charset="-122"/>
-              </a:rPr>
-              <a:t>RT</a:t>
-            </a:r>
-            <a:r>
-              <a:rPr lang="zh-CN" altLang="en-US" sz="1200" dirty="0">
-                <a:latin typeface="微软雅黑" pitchFamily="34" charset="-122"/>
-                <a:ea typeface="微软雅黑" pitchFamily="34" charset="-122"/>
-              </a:rPr>
-              <a:t>数据源的补充：电商节点构建量比较小，调研引入</a:t>
-            </a:r>
-            <a:r>
-              <a:rPr lang="en-US" altLang="zh-CN" sz="1200" dirty="0">
-                <a:latin typeface="微软雅黑" pitchFamily="34" charset="-122"/>
-                <a:ea typeface="微软雅黑" pitchFamily="34" charset="-122"/>
-              </a:rPr>
-              <a:t>RT</a:t>
-            </a:r>
-            <a:r>
-              <a:rPr lang="zh-CN" altLang="en-US" sz="1200" dirty="0">
-                <a:latin typeface="微软雅黑" pitchFamily="34" charset="-122"/>
-                <a:ea typeface="微软雅黑" pitchFamily="34" charset="-122"/>
-              </a:rPr>
-              <a:t>数据源，确认</a:t>
-            </a:r>
-            <a:r>
-              <a:rPr lang="zh-CN" altLang="en-US" sz="1200" dirty="0">
-                <a:solidFill>
-                  <a:srgbClr val="00D75F"/>
-                </a:solidFill>
-                <a:latin typeface="微软雅黑" pitchFamily="34" charset="-122"/>
-                <a:ea typeface="微软雅黑" pitchFamily="34" charset="-122"/>
-              </a:rPr>
-              <a:t>电商行为可以获得</a:t>
-            </a:r>
-            <a:r>
-              <a:rPr lang="en-US" altLang="zh-CN" sz="1200" dirty="0">
-                <a:solidFill>
-                  <a:srgbClr val="00D75F"/>
-                </a:solidFill>
-                <a:latin typeface="微软雅黑" pitchFamily="34" charset="-122"/>
-                <a:ea typeface="微软雅黑" pitchFamily="34" charset="-122"/>
-              </a:rPr>
-              <a:t>+109%PV</a:t>
-            </a:r>
-            <a:r>
-              <a:rPr lang="zh-CN" altLang="en-US" sz="1200" dirty="0">
-                <a:solidFill>
-                  <a:srgbClr val="00D75F"/>
-                </a:solidFill>
-                <a:latin typeface="微软雅黑" pitchFamily="34" charset="-122"/>
-                <a:ea typeface="微软雅黑" pitchFamily="34" charset="-122"/>
-              </a:rPr>
-              <a:t>，</a:t>
-            </a:r>
-            <a:r>
-              <a:rPr lang="en-US" altLang="zh-CN" sz="1200" dirty="0">
-                <a:solidFill>
-                  <a:srgbClr val="00D75F"/>
-                </a:solidFill>
-                <a:latin typeface="微软雅黑" pitchFamily="34" charset="-122"/>
-                <a:ea typeface="微软雅黑" pitchFamily="34" charset="-122"/>
-              </a:rPr>
-              <a:t>+62%UV</a:t>
-            </a:r>
-            <a:r>
-              <a:rPr lang="zh-CN" altLang="en-US" sz="1200" dirty="0">
-                <a:solidFill>
-                  <a:srgbClr val="00D75F"/>
-                </a:solidFill>
-                <a:latin typeface="微软雅黑" pitchFamily="34" charset="-122"/>
-                <a:ea typeface="微软雅黑" pitchFamily="34" charset="-122"/>
-              </a:rPr>
-              <a:t>的增益</a:t>
-            </a:r>
-            <a:endParaRPr lang="en-US" altLang="zh-CN" sz="1200" dirty="0">
-              <a:solidFill>
-                <a:srgbClr val="00D75F"/>
-              </a:solidFill>
-              <a:latin typeface="微软雅黑" pitchFamily="34" charset="-122"/>
-              <a:ea typeface="微软雅黑" pitchFamily="34" charset="-122"/>
-            </a:endParaRPr>
-          </a:p>
-          <a:p>
-            <a:pPr lvl="1"/>
-            <a:r>
-              <a:rPr lang="zh-CN" altLang="en-US" sz="1200" dirty="0" smtClean="0">
-                <a:solidFill>
-                  <a:srgbClr val="00D75F"/>
-                </a:solidFill>
-                <a:latin typeface="微软雅黑" pitchFamily="34" charset="-122"/>
-                <a:ea typeface="微软雅黑" pitchFamily="34" charset="-122"/>
-              </a:rPr>
-              <a:t>电</a:t>
-            </a:r>
-            <a:r>
-              <a:rPr lang="zh-CN" altLang="en-US" sz="1200" dirty="0">
-                <a:solidFill>
-                  <a:srgbClr val="00D75F"/>
-                </a:solidFill>
-                <a:latin typeface="微软雅黑" pitchFamily="34" charset="-122"/>
-                <a:ea typeface="微软雅黑" pitchFamily="34" charset="-122"/>
-              </a:rPr>
-              <a:t>商构建节点整体占检索总量</a:t>
-            </a:r>
-            <a:r>
-              <a:rPr lang="en-US" altLang="zh-CN" sz="1200" dirty="0">
-                <a:solidFill>
-                  <a:srgbClr val="00D75F"/>
-                </a:solidFill>
-                <a:latin typeface="微软雅黑" pitchFamily="34" charset="-122"/>
-                <a:ea typeface="微软雅黑" pitchFamily="34" charset="-122"/>
-              </a:rPr>
-              <a:t>21%PV</a:t>
-            </a:r>
-            <a:r>
-              <a:rPr lang="zh-CN" altLang="en-US" sz="1200" dirty="0">
-                <a:solidFill>
-                  <a:srgbClr val="00D75F"/>
-                </a:solidFill>
-                <a:latin typeface="微软雅黑" pitchFamily="34" charset="-122"/>
-                <a:ea typeface="微软雅黑" pitchFamily="34" charset="-122"/>
-              </a:rPr>
-              <a:t>，</a:t>
-            </a:r>
-            <a:r>
-              <a:rPr lang="en-US" altLang="zh-CN" sz="1200" dirty="0">
-                <a:solidFill>
-                  <a:srgbClr val="00D75F"/>
-                </a:solidFill>
-                <a:latin typeface="微软雅黑" pitchFamily="34" charset="-122"/>
-                <a:ea typeface="微软雅黑" pitchFamily="34" charset="-122"/>
-              </a:rPr>
-              <a:t>15%UV</a:t>
-            </a:r>
-            <a:r>
-              <a:rPr lang="zh-CN" altLang="en-US" sz="1200" dirty="0">
-                <a:solidFill>
-                  <a:srgbClr val="00D75F"/>
-                </a:solidFill>
-                <a:latin typeface="微软雅黑" pitchFamily="34" charset="-122"/>
-                <a:ea typeface="微软雅黑" pitchFamily="34" charset="-122"/>
-              </a:rPr>
-              <a:t>；</a:t>
-            </a:r>
-            <a:r>
-              <a:rPr lang="en-US" altLang="zh-CN" sz="1200" dirty="0">
-                <a:solidFill>
-                  <a:srgbClr val="00D75F"/>
-                </a:solidFill>
-                <a:latin typeface="微软雅黑" pitchFamily="34" charset="-122"/>
-                <a:ea typeface="微软雅黑" pitchFamily="34" charset="-122"/>
-              </a:rPr>
-              <a:t>PM</a:t>
-            </a:r>
-            <a:r>
-              <a:rPr lang="zh-CN" altLang="en-US" sz="1200" dirty="0">
-                <a:solidFill>
-                  <a:srgbClr val="00D75F"/>
-                </a:solidFill>
-                <a:latin typeface="微软雅黑" pitchFamily="34" charset="-122"/>
-                <a:ea typeface="微软雅黑" pitchFamily="34" charset="-122"/>
-              </a:rPr>
-              <a:t>评估准确率达标</a:t>
-            </a:r>
-            <a:r>
-              <a:rPr lang="en-US" altLang="zh-CN" sz="1200" dirty="0">
-                <a:solidFill>
-                  <a:srgbClr val="00D75F"/>
-                </a:solidFill>
-                <a:latin typeface="微软雅黑" pitchFamily="34" charset="-122"/>
-                <a:ea typeface="微软雅黑" pitchFamily="34" charset="-122"/>
-              </a:rPr>
-              <a:t>80</a:t>
-            </a:r>
-            <a:r>
-              <a:rPr lang="en-US" altLang="zh-CN" sz="1200" dirty="0" smtClean="0">
-                <a:solidFill>
-                  <a:srgbClr val="00D75F"/>
-                </a:solidFill>
-                <a:latin typeface="微软雅黑" pitchFamily="34" charset="-122"/>
-                <a:ea typeface="微软雅黑" pitchFamily="34" charset="-122"/>
-              </a:rPr>
-              <a:t>%</a:t>
-            </a:r>
-            <a:endParaRPr lang="en-US" altLang="zh-CN" sz="1600" dirty="0" smtClean="0">
-              <a:latin typeface="微软雅黑" pitchFamily="34" charset="-122"/>
-              <a:ea typeface="微软雅黑" pitchFamily="34" charset="-122"/>
-            </a:endParaRPr>
-          </a:p>
-          <a:p>
-            <a:pPr lvl="1"/>
-            <a:r>
-              <a:rPr lang="zh-CN" altLang="en-US" sz="1200" dirty="0">
-                <a:latin typeface="微软雅黑" pitchFamily="34" charset="-122"/>
-                <a:ea typeface="微软雅黑" pitchFamily="34" charset="-122"/>
-              </a:rPr>
-              <a:t>开</a:t>
-            </a:r>
-            <a:r>
-              <a:rPr lang="zh-CN" altLang="en-US" sz="1200" dirty="0" smtClean="0">
-                <a:latin typeface="微软雅黑" pitchFamily="34" charset="-122"/>
-                <a:ea typeface="微软雅黑" pitchFamily="34" charset="-122"/>
-              </a:rPr>
-              <a:t>物构建的电商人群，作为“</a:t>
-            </a:r>
-            <a:r>
-              <a:rPr lang="zh-CN" altLang="en-US" sz="1200" dirty="0">
-                <a:latin typeface="微软雅黑" pitchFamily="34" charset="-122"/>
-                <a:ea typeface="微软雅黑" pitchFamily="34" charset="-122"/>
-              </a:rPr>
-              <a:t>双</a:t>
-            </a:r>
-            <a:r>
-              <a:rPr lang="en-US" altLang="zh-CN" sz="1200" dirty="0">
-                <a:latin typeface="微软雅黑" pitchFamily="34" charset="-122"/>
-                <a:ea typeface="微软雅黑" pitchFamily="34" charset="-122"/>
-              </a:rPr>
-              <a:t>11</a:t>
-            </a:r>
-            <a:r>
-              <a:rPr lang="zh-CN" altLang="en-US" sz="1200" dirty="0">
-                <a:latin typeface="微软雅黑" pitchFamily="34" charset="-122"/>
-                <a:ea typeface="微软雅黑" pitchFamily="34" charset="-122"/>
-              </a:rPr>
-              <a:t>、双</a:t>
-            </a:r>
-            <a:r>
-              <a:rPr lang="en-US" altLang="zh-CN" sz="1200" dirty="0">
-                <a:latin typeface="微软雅黑" pitchFamily="34" charset="-122"/>
-                <a:ea typeface="微软雅黑" pitchFamily="34" charset="-122"/>
-              </a:rPr>
-              <a:t>12</a:t>
-            </a:r>
-            <a:r>
-              <a:rPr lang="zh-CN" altLang="en-US" sz="1200" dirty="0">
-                <a:latin typeface="微软雅黑" pitchFamily="34" charset="-122"/>
-                <a:ea typeface="微软雅黑" pitchFamily="34" charset="-122"/>
-              </a:rPr>
-              <a:t>”等电商节</a:t>
-            </a:r>
-            <a:r>
-              <a:rPr lang="zh-CN" altLang="en-US" sz="1200" dirty="0" smtClean="0">
-                <a:latin typeface="微软雅黑" pitchFamily="34" charset="-122"/>
-                <a:ea typeface="微软雅黑" pitchFamily="34" charset="-122"/>
-              </a:rPr>
-              <a:t>日整体策略中的一</a:t>
-            </a:r>
-            <a:r>
-              <a:rPr lang="zh-CN" altLang="en-US" sz="1200" dirty="0" smtClean="0">
-                <a:latin typeface="微软雅黑" pitchFamily="34" charset="-122"/>
-                <a:ea typeface="微软雅黑" pitchFamily="34" charset="-122"/>
-              </a:rPr>
-              <a:t>环；</a:t>
-            </a:r>
-            <a:r>
-              <a:rPr lang="zh-CN" altLang="en-US" sz="1200" dirty="0" smtClean="0">
-                <a:solidFill>
-                  <a:srgbClr val="00D75F"/>
-                </a:solidFill>
-                <a:latin typeface="微软雅黑" pitchFamily="34" charset="-122"/>
-                <a:ea typeface="微软雅黑" pitchFamily="34" charset="-122"/>
-              </a:rPr>
-              <a:t>完</a:t>
-            </a:r>
-            <a:r>
-              <a:rPr lang="zh-CN" altLang="en-US" sz="1200" dirty="0">
-                <a:solidFill>
-                  <a:srgbClr val="00D75F"/>
-                </a:solidFill>
-                <a:latin typeface="微软雅黑" pitchFamily="34" charset="-122"/>
-                <a:ea typeface="微软雅黑" pitchFamily="34" charset="-122"/>
-              </a:rPr>
-              <a:t>成双</a:t>
-            </a:r>
-            <a:r>
-              <a:rPr lang="en-US" altLang="zh-CN" sz="1200" dirty="0">
-                <a:solidFill>
-                  <a:srgbClr val="00D75F"/>
-                </a:solidFill>
-                <a:latin typeface="微软雅黑" pitchFamily="34" charset="-122"/>
-                <a:ea typeface="微软雅黑" pitchFamily="34" charset="-122"/>
-              </a:rPr>
-              <a:t>11</a:t>
-            </a:r>
-            <a:r>
-              <a:rPr lang="zh-CN" altLang="en-US" sz="1200" dirty="0">
-                <a:solidFill>
-                  <a:srgbClr val="00D75F"/>
-                </a:solidFill>
-                <a:latin typeface="微软雅黑" pitchFamily="34" charset="-122"/>
-                <a:ea typeface="微软雅黑" pitchFamily="34" charset="-122"/>
-              </a:rPr>
-              <a:t>投放</a:t>
-            </a:r>
-            <a:r>
-              <a:rPr lang="en-US" altLang="zh-CN" sz="1200" dirty="0">
-                <a:solidFill>
-                  <a:srgbClr val="00D75F"/>
-                </a:solidFill>
-                <a:latin typeface="微软雅黑" pitchFamily="34" charset="-122"/>
-                <a:ea typeface="微软雅黑" pitchFamily="34" charset="-122"/>
-              </a:rPr>
-              <a:t>500</a:t>
-            </a:r>
-            <a:r>
-              <a:rPr lang="zh-CN" altLang="en-US" sz="1200" dirty="0">
-                <a:solidFill>
-                  <a:srgbClr val="00D75F"/>
-                </a:solidFill>
-                <a:latin typeface="微软雅黑" pitchFamily="34" charset="-122"/>
-                <a:ea typeface="微软雅黑" pitchFamily="34" charset="-122"/>
-              </a:rPr>
-              <a:t>万消费额目标（客户天</a:t>
-            </a:r>
-            <a:r>
-              <a:rPr lang="zh-CN" altLang="en-US" sz="1200" dirty="0" smtClean="0">
-                <a:solidFill>
-                  <a:srgbClr val="00D75F"/>
-                </a:solidFill>
-                <a:latin typeface="微软雅黑" pitchFamily="34" charset="-122"/>
-                <a:ea typeface="微软雅黑" pitchFamily="34" charset="-122"/>
-              </a:rPr>
-              <a:t>猫双</a:t>
-            </a:r>
-            <a:r>
-              <a:rPr lang="en-US" altLang="zh-CN" sz="1200" dirty="0" smtClean="0">
-                <a:solidFill>
-                  <a:srgbClr val="00D75F"/>
-                </a:solidFill>
-                <a:latin typeface="微软雅黑" pitchFamily="34" charset="-122"/>
-                <a:ea typeface="微软雅黑" pitchFamily="34" charset="-122"/>
-              </a:rPr>
-              <a:t>11</a:t>
-            </a:r>
-            <a:r>
-              <a:rPr lang="zh-CN" altLang="en-US" sz="1200" dirty="0" smtClean="0">
-                <a:solidFill>
-                  <a:srgbClr val="00D75F"/>
-                </a:solidFill>
-                <a:latin typeface="微软雅黑" pitchFamily="34" charset="-122"/>
-                <a:ea typeface="微软雅黑" pitchFamily="34" charset="-122"/>
-              </a:rPr>
-              <a:t>单日消费开</a:t>
-            </a:r>
-            <a:r>
-              <a:rPr lang="zh-CN" altLang="en-US" sz="1200" dirty="0">
-                <a:solidFill>
-                  <a:srgbClr val="00D75F"/>
-                </a:solidFill>
-                <a:latin typeface="微软雅黑" pitchFamily="34" charset="-122"/>
-                <a:ea typeface="微软雅黑" pitchFamily="34" charset="-122"/>
-              </a:rPr>
-              <a:t>物贡献</a:t>
-            </a:r>
-            <a:r>
-              <a:rPr lang="en-US" altLang="zh-CN" sz="1200" dirty="0">
-                <a:solidFill>
-                  <a:srgbClr val="00D75F"/>
-                </a:solidFill>
-                <a:latin typeface="微软雅黑" pitchFamily="34" charset="-122"/>
-                <a:ea typeface="微软雅黑" pitchFamily="34" charset="-122"/>
-              </a:rPr>
-              <a:t>46</a:t>
-            </a:r>
-            <a:r>
-              <a:rPr lang="zh-CN" altLang="en-US" sz="1200" dirty="0">
-                <a:solidFill>
-                  <a:srgbClr val="00D75F"/>
-                </a:solidFill>
-                <a:latin typeface="微软雅黑" pitchFamily="34" charset="-122"/>
-                <a:ea typeface="微软雅黑" pitchFamily="34" charset="-122"/>
-              </a:rPr>
-              <a:t>万）</a:t>
-            </a:r>
-            <a:endParaRPr lang="en-US" altLang="zh-CN" sz="1200" dirty="0">
-              <a:solidFill>
-                <a:srgbClr val="00D75F"/>
-              </a:solidFill>
-              <a:latin typeface="微软雅黑" pitchFamily="34" charset="-122"/>
-              <a:ea typeface="微软雅黑" pitchFamily="34" charset="-122"/>
-            </a:endParaRPr>
-          </a:p>
-          <a:p>
-            <a:endParaRPr lang="en-US" altLang="zh-CN" sz="1400" dirty="0" smtClean="0">
-              <a:latin typeface="微软雅黑" pitchFamily="34" charset="-122"/>
-              <a:ea typeface="微软雅黑" pitchFamily="34" charset="-122"/>
-            </a:endParaRPr>
-          </a:p>
-        </p:txBody>
-      </p:sp>
-      <p:sp>
-        <p:nvSpPr>
           <p:cNvPr id="3" name="标题 1"/>
           <p:cNvSpPr txBox="1">
             <a:spLocks/>
@@ -15828,81 +14725,61 @@
                 <a:latin typeface="微软雅黑" pitchFamily="34" charset="-122"/>
                 <a:ea typeface="微软雅黑" pitchFamily="34" charset="-122"/>
               </a:rPr>
-              <a:t>构</a:t>
-            </a:r>
-            <a:r>
-              <a:rPr lang="zh-CN" altLang="en-US" dirty="0" smtClean="0">
+              <a:t>构建人群示例</a:t>
+            </a:r>
+            <a:r>
+              <a:rPr lang="en-US" altLang="zh-CN" dirty="0">
                 <a:solidFill>
                   <a:schemeClr val="tx1"/>
                 </a:solidFill>
                 <a:latin typeface="微软雅黑" pitchFamily="34" charset="-122"/>
                 <a:ea typeface="微软雅黑" pitchFamily="34" charset="-122"/>
               </a:rPr>
-              <a:t>建</a:t>
-            </a:r>
-            <a:r>
-              <a:rPr lang="en-US" altLang="zh-CN" dirty="0" smtClean="0">
+              <a:t>-</a:t>
+            </a:r>
+            <a:r>
+              <a:rPr lang="zh-CN" altLang="en-US" dirty="0">
                 <a:solidFill>
                   <a:schemeClr val="tx1"/>
                 </a:solidFill>
                 <a:latin typeface="微软雅黑" pitchFamily="34" charset="-122"/>
                 <a:ea typeface="微软雅黑" pitchFamily="34" charset="-122"/>
               </a:rPr>
-              <a:t>-</a:t>
-            </a:r>
-            <a:r>
-              <a:rPr lang="zh-CN" altLang="en-US" dirty="0" smtClean="0">
-                <a:solidFill>
-                  <a:schemeClr val="tx1"/>
-                </a:solidFill>
-                <a:latin typeface="微软雅黑" pitchFamily="34" charset="-122"/>
-                <a:ea typeface="微软雅黑" pitchFamily="34" charset="-122"/>
-              </a:rPr>
               <a:t>电商人群</a:t>
             </a:r>
-            <a:endParaRPr lang="en-US" altLang="zh-CN" dirty="0">
-              <a:solidFill>
-                <a:schemeClr val="tx1"/>
-              </a:solidFill>
-              <a:latin typeface="微软雅黑" pitchFamily="34" charset="-122"/>
-              <a:ea typeface="微软雅黑" pitchFamily="34" charset="-122"/>
-            </a:endParaRPr>
           </a:p>
         </p:txBody>
       </p:sp>
       <p:grpSp>
         <p:nvGrpSpPr>
-          <p:cNvPr id="10" name="Group 9"/>
+          <p:cNvPr id="7" name="Group 6"/>
           <p:cNvGrpSpPr/>
           <p:nvPr/>
         </p:nvGrpSpPr>
         <p:grpSpPr>
           <a:xfrm>
-            <a:off x="3995936" y="1767508"/>
-            <a:ext cx="5275567" cy="523220"/>
-            <a:chOff x="3995936" y="1658620"/>
-            <a:chExt cx="5275567" cy="523220"/>
+            <a:off x="282781" y="1904464"/>
+            <a:ext cx="6633961" cy="739061"/>
+            <a:chOff x="395536" y="1273324"/>
+            <a:chExt cx="6633961" cy="739061"/>
           </a:xfrm>
         </p:grpSpPr>
         <p:sp>
           <p:nvSpPr>
-            <p:cNvPr id="9" name="Rectangle 8"/>
+            <p:cNvPr id="5" name="Rectangle 4"/>
             <p:cNvSpPr/>
             <p:nvPr/>
           </p:nvSpPr>
           <p:spPr bwMode="auto">
             <a:xfrm>
-              <a:off x="3995936" y="1767508"/>
-              <a:ext cx="1296144" cy="307777"/>
+              <a:off x="395536" y="1273324"/>
+              <a:ext cx="1944216" cy="324036"/>
             </a:xfrm>
             <a:prstGeom prst="rect">
               <a:avLst/>
             </a:prstGeom>
             <a:solidFill>
-              <a:schemeClr val="accent6">
-                <a:lumMod val="20000"/>
-                <a:lumOff val="80000"/>
-              </a:schemeClr>
+              <a:schemeClr val="accent1"/>
             </a:solidFill>
             <a:ln w="9525" cap="flat" cmpd="sng" algn="ctr">
               <a:solidFill>
@@ -15940,20 +14817,20 @@
                 <a:tabLst/>
               </a:pPr>
               <a:r>
-                <a:rPr lang="zh-CN" altLang="en-US" sz="1400" dirty="0">
+                <a:rPr kumimoji="0" lang="zh-CN" altLang="en-US" sz="1600" b="0" i="0" u="none" strike="noStrike" cap="none" normalizeH="0" baseline="0" dirty="0" smtClean="0">
+                  <a:ln>
+                    <a:noFill/>
+                  </a:ln>
+                  <a:solidFill>
+                    <a:schemeClr val="tx1"/>
+                  </a:solidFill>
+                  <a:effectLst/>
                   <a:latin typeface="微软雅黑" pitchFamily="34" charset="-122"/>
                   <a:ea typeface="微软雅黑" pitchFamily="34" charset="-122"/>
                 </a:rPr>
-                <a:t>电</a:t>
+                <a:t>电商站点到访解决</a:t>
               </a:r>
-              <a:r>
-                <a:rPr lang="zh-CN" altLang="en-US" sz="1400" dirty="0" smtClean="0">
-                  <a:latin typeface="微软雅黑" pitchFamily="34" charset="-122"/>
-                  <a:ea typeface="微软雅黑" pitchFamily="34" charset="-122"/>
-                </a:rPr>
-                <a:t>商站点实现</a:t>
-              </a:r>
-              <a:endParaRPr kumimoji="0" lang="en-US" sz="1400" b="0" i="0" u="none" strike="noStrike" cap="none" normalizeH="0" baseline="0" dirty="0" smtClean="0">
+              <a:endParaRPr kumimoji="0" lang="en-US" sz="1600" b="0" i="0" u="none" strike="noStrike" cap="none" normalizeH="0" baseline="0" dirty="0" smtClean="0">
                 <a:ln>
                   <a:noFill/>
                 </a:ln>
@@ -15969,14 +14846,14 @@
         </p:sp>
         <p:sp>
           <p:nvSpPr>
-            <p:cNvPr id="8" name="TextBox 7"/>
+            <p:cNvPr id="6" name="TextBox 5"/>
             <p:cNvSpPr txBox="1"/>
             <p:nvPr/>
           </p:nvSpPr>
           <p:spPr>
             <a:xfrm>
-              <a:off x="5292080" y="1658620"/>
-              <a:ext cx="3979423" cy="523220"/>
+              <a:off x="2339752" y="1273721"/>
+              <a:ext cx="4689745" cy="738664"/>
             </a:xfrm>
             <a:prstGeom prst="rect">
               <a:avLst/>
@@ -15990,11 +14867,73 @@
             <a:lstStyle/>
             <a:p>
               <a:r>
+                <a:rPr lang="zh-CN" altLang="en-US" sz="1400" dirty="0">
+                  <a:latin typeface="微软雅黑" pitchFamily="34" charset="-122"/>
+                  <a:ea typeface="微软雅黑" pitchFamily="34" charset="-122"/>
+                </a:rPr>
+                <a:t>电商站点的抽取及</a:t>
+              </a:r>
+              <a:r>
+                <a:rPr lang="en-US" altLang="zh-CN" sz="1400" dirty="0">
+                  <a:latin typeface="微软雅黑" pitchFamily="34" charset="-122"/>
+                  <a:ea typeface="微软雅黑" pitchFamily="34" charset="-122"/>
+                </a:rPr>
+                <a:t>review</a:t>
+              </a:r>
+              <a:r>
+                <a:rPr lang="zh-CN" altLang="en-US" sz="1400" dirty="0">
+                  <a:latin typeface="微软雅黑" pitchFamily="34" charset="-122"/>
+                  <a:ea typeface="微软雅黑" pitchFamily="34" charset="-122"/>
+                </a:rPr>
+                <a:t>：电商站点列表通过页面分类</a:t>
+              </a:r>
+              <a:r>
                 <a:rPr lang="zh-CN" altLang="en-US" sz="1400" dirty="0" smtClean="0">
                   <a:latin typeface="微软雅黑" pitchFamily="34" charset="-122"/>
                   <a:ea typeface="微软雅黑" pitchFamily="34" charset="-122"/>
                 </a:rPr>
-                <a:t>时间紧张，无法打通</a:t>
+                <a:t>，</a:t>
+              </a:r>
+              <a:endParaRPr lang="en-US" altLang="zh-CN" sz="1400" dirty="0" smtClean="0">
+                <a:latin typeface="微软雅黑" pitchFamily="34" charset="-122"/>
+                <a:ea typeface="微软雅黑" pitchFamily="34" charset="-122"/>
+              </a:endParaRPr>
+            </a:p>
+            <a:p>
+              <a:r>
+                <a:rPr lang="zh-CN" altLang="en-US" sz="1400" dirty="0" smtClean="0">
+                  <a:latin typeface="微软雅黑" pitchFamily="34" charset="-122"/>
+                  <a:ea typeface="微软雅黑" pitchFamily="34" charset="-122"/>
+                </a:rPr>
+                <a:t>页</a:t>
+              </a:r>
+              <a:r>
+                <a:rPr lang="zh-CN" altLang="en-US" sz="1400" dirty="0">
+                  <a:latin typeface="微软雅黑" pitchFamily="34" charset="-122"/>
+                  <a:ea typeface="微软雅黑" pitchFamily="34" charset="-122"/>
+                </a:rPr>
+                <a:t>面类型筛</a:t>
+              </a:r>
+              <a:r>
+                <a:rPr lang="zh-CN" altLang="en-US" sz="1400" dirty="0" smtClean="0">
+                  <a:latin typeface="微软雅黑" pitchFamily="34" charset="-122"/>
+                  <a:ea typeface="微软雅黑" pitchFamily="34" charset="-122"/>
+                </a:rPr>
+                <a:t>出，经</a:t>
+              </a:r>
+              <a:r>
+                <a:rPr lang="en-US" altLang="zh-CN" sz="1400" dirty="0">
+                  <a:latin typeface="微软雅黑" pitchFamily="34" charset="-122"/>
+                  <a:ea typeface="微软雅黑" pitchFamily="34" charset="-122"/>
+                </a:rPr>
+                <a:t>PM review</a:t>
+              </a:r>
+              <a:r>
+                <a:rPr lang="zh-CN" altLang="en-US" sz="1400" dirty="0">
+                  <a:latin typeface="微软雅黑" pitchFamily="34" charset="-122"/>
+                  <a:ea typeface="微软雅黑" pitchFamily="34" charset="-122"/>
+                </a:rPr>
+                <a:t>后确定</a:t>
               </a:r>
               <a:r>
                 <a:rPr lang="en-US" altLang="zh-CN" sz="1400" dirty="0" err="1" smtClean="0">
@@ -16015,7 +14954,7 @@
                   <a:latin typeface="微软雅黑" pitchFamily="34" charset="-122"/>
                   <a:ea typeface="微软雅黑" pitchFamily="34" charset="-122"/>
                 </a:rPr>
-                <a:t>灌库全流程；</a:t>
+                <a:t>；</a:t>
               </a:r>
               <a:endParaRPr lang="en-US" altLang="zh-CN" sz="1400" dirty="0" smtClean="0">
                 <a:latin typeface="微软雅黑" pitchFamily="34" charset="-122"/>
@@ -16031,39 +14970,60 @@
                 <a:t>用</a:t>
               </a:r>
               <a:r>
-                <a:rPr lang="en-US" altLang="zh-CN" sz="1400" dirty="0" err="1" smtClean="0">
+                <a:rPr lang="en-US" altLang="zh-CN" sz="1400" dirty="0" err="1">
                   <a:latin typeface="微软雅黑" pitchFamily="34" charset="-122"/>
                   <a:ea typeface="微软雅黑" pitchFamily="34" charset="-122"/>
                 </a:rPr>
                 <a:t>url</a:t>
               </a:r>
               <a:r>
-                <a:rPr lang="en-US" altLang="zh-CN" sz="1400" dirty="0" smtClean="0">
+                <a:rPr lang="en-US" altLang="zh-CN" sz="1400" dirty="0">
                   <a:latin typeface="微软雅黑" pitchFamily="34" charset="-122"/>
                   <a:ea typeface="微软雅黑" pitchFamily="34" charset="-122"/>
                 </a:rPr>
                 <a:t>-pattern</a:t>
               </a:r>
               <a:r>
-                <a:rPr lang="zh-CN" altLang="en-US" sz="1400" dirty="0" smtClean="0">
+                <a:rPr lang="zh-CN" altLang="en-US" sz="1400" dirty="0">
                   <a:latin typeface="微软雅黑" pitchFamily="34" charset="-122"/>
                   <a:ea typeface="微软雅黑" pitchFamily="34" charset="-122"/>
                 </a:rPr>
                 <a:t>构建</a:t>
               </a:r>
               <a:r>
-                <a:rPr lang="en-US" altLang="zh-CN" sz="1400" dirty="0" smtClean="0">
+                <a:rPr lang="en-US" altLang="zh-CN" sz="1400" dirty="0">
                   <a:latin typeface="微软雅黑" pitchFamily="34" charset="-122"/>
                   <a:ea typeface="微软雅黑" pitchFamily="34" charset="-122"/>
                 </a:rPr>
                 <a:t>action</a:t>
               </a:r>
               <a:r>
+                <a:rPr lang="zh-CN" altLang="en-US" sz="1400" dirty="0">
+                  <a:latin typeface="微软雅黑" pitchFamily="34" charset="-122"/>
+                  <a:ea typeface="微软雅黑" pitchFamily="34" charset="-122"/>
+                </a:rPr>
+                <a:t>接</a:t>
+              </a:r>
+              <a:r>
                 <a:rPr lang="zh-CN" altLang="en-US" sz="1400" dirty="0" smtClean="0">
                   <a:latin typeface="微软雅黑" pitchFamily="34" charset="-122"/>
                   <a:ea typeface="微软雅黑" pitchFamily="34" charset="-122"/>
                 </a:rPr>
-                <a:t>接入原方案，简洁有效</a:t>
+                <a:t>入</a:t>
+              </a:r>
+              <a:r>
+                <a:rPr lang="zh-CN" altLang="en-US" sz="1400" dirty="0">
+                  <a:latin typeface="微软雅黑" pitchFamily="34" charset="-122"/>
+                  <a:ea typeface="微软雅黑" pitchFamily="34" charset="-122"/>
+                </a:rPr>
+                <a:t>原</a:t>
+              </a:r>
+              <a:r>
+                <a:rPr lang="zh-CN" altLang="en-US" sz="1400" dirty="0" smtClean="0">
+                  <a:latin typeface="微软雅黑" pitchFamily="34" charset="-122"/>
+                  <a:ea typeface="微软雅黑" pitchFamily="34" charset="-122"/>
+                </a:rPr>
+                <a:t>始特征，方案简洁有效</a:t>
               </a:r>
               <a:endParaRPr lang="en-US" sz="1400" dirty="0">
                 <a:latin typeface="微软雅黑" pitchFamily="34" charset="-122"/>
@@ -16075,37 +15035,34 @@
       </p:grpSp>
       <p:grpSp>
         <p:nvGrpSpPr>
-          <p:cNvPr id="14" name="Group 13"/>
+          <p:cNvPr id="8" name="Group 7"/>
           <p:cNvGrpSpPr/>
           <p:nvPr/>
         </p:nvGrpSpPr>
         <p:grpSpPr>
           <a:xfrm>
-            <a:off x="3995935" y="2389738"/>
-            <a:ext cx="4782612" cy="523220"/>
-            <a:chOff x="3995935" y="2389738"/>
-            <a:chExt cx="4782612" cy="523220"/>
+            <a:off x="282781" y="2643525"/>
+            <a:ext cx="6936929" cy="528320"/>
+            <a:chOff x="282781" y="2643525"/>
+            <a:chExt cx="6936929" cy="528320"/>
           </a:xfrm>
         </p:grpSpPr>
         <p:sp>
           <p:nvSpPr>
-            <p:cNvPr id="12" name="Rectangle 11"/>
+            <p:cNvPr id="18" name="Rectangle 17"/>
             <p:cNvSpPr/>
             <p:nvPr/>
           </p:nvSpPr>
           <p:spPr bwMode="auto">
             <a:xfrm>
-              <a:off x="3995935" y="2497460"/>
-              <a:ext cx="1296144" cy="307777"/>
+              <a:off x="282781" y="2643525"/>
+              <a:ext cx="1944216" cy="324036"/>
             </a:xfrm>
             <a:prstGeom prst="rect">
               <a:avLst/>
             </a:prstGeom>
             <a:solidFill>
-              <a:schemeClr val="accent6">
-                <a:lumMod val="20000"/>
-                <a:lumOff val="80000"/>
-              </a:schemeClr>
+              <a:schemeClr val="accent1"/>
             </a:solidFill>
             <a:ln w="9525" cap="flat" cmpd="sng" algn="ctr">
               <a:solidFill>
@@ -16143,20 +15100,20 @@
                 <a:tabLst/>
               </a:pPr>
               <a:r>
-                <a:rPr lang="zh-CN" altLang="en-US" sz="1400" dirty="0">
+                <a:rPr lang="zh-CN" altLang="en-US" sz="1600" dirty="0">
                   <a:latin typeface="微软雅黑" pitchFamily="34" charset="-122"/>
                   <a:ea typeface="微软雅黑" pitchFamily="34" charset="-122"/>
                 </a:rPr>
-                <a:t>召</a:t>
+                <a:t>电</a:t>
               </a:r>
               <a:r>
-                <a:rPr lang="zh-CN" altLang="en-US" sz="1400" dirty="0" smtClean="0">
+                <a:rPr lang="zh-CN" altLang="en-US" sz="1600" dirty="0" smtClean="0">
                   <a:latin typeface="微软雅黑" pitchFamily="34" charset="-122"/>
                   <a:ea typeface="微软雅黑" pitchFamily="34" charset="-122"/>
                 </a:rPr>
-                <a:t>回量不足</a:t>
+                <a:t>商品类准确优化</a:t>
               </a:r>
-              <a:endParaRPr kumimoji="0" lang="en-US" sz="1400" b="0" i="0" u="none" strike="noStrike" cap="none" normalizeH="0" baseline="0" dirty="0" smtClean="0">
+              <a:endParaRPr kumimoji="0" lang="en-US" sz="1600" b="0" i="0" u="none" strike="noStrike" cap="none" normalizeH="0" baseline="0" dirty="0" smtClean="0">
                 <a:ln>
                   <a:noFill/>
                 </a:ln>
@@ -16172,14 +15129,14 @@
         </p:sp>
         <p:sp>
           <p:nvSpPr>
-            <p:cNvPr id="13" name="TextBox 12"/>
+            <p:cNvPr id="19" name="TextBox 18"/>
             <p:cNvSpPr txBox="1"/>
             <p:nvPr/>
           </p:nvSpPr>
           <p:spPr>
             <a:xfrm>
-              <a:off x="5292080" y="2389738"/>
-              <a:ext cx="3486467" cy="523220"/>
+              <a:off x="2226997" y="2648625"/>
+              <a:ext cx="4992713" cy="523220"/>
             </a:xfrm>
             <a:prstGeom prst="rect">
               <a:avLst/>
@@ -16193,101 +15150,162 @@
             <a:lstStyle/>
             <a:p>
               <a:r>
+                <a:rPr lang="zh-CN" altLang="en-US" sz="1400" dirty="0">
+                  <a:latin typeface="微软雅黑" pitchFamily="34" charset="-122"/>
+                  <a:ea typeface="微软雅黑" pitchFamily="34" charset="-122"/>
+                </a:rPr>
+                <a:t>补充</a:t>
+              </a:r>
+              <a:r>
                 <a:rPr lang="en-US" altLang="zh-CN" sz="1400" dirty="0" smtClean="0">
                   <a:latin typeface="微软雅黑" pitchFamily="34" charset="-122"/>
                   <a:ea typeface="微软雅黑" pitchFamily="34" charset="-122"/>
                 </a:rPr>
-                <a:t>RT</a:t>
+                <a:t>PFS</a:t>
               </a:r>
               <a:r>
                 <a:rPr lang="zh-CN" altLang="en-US" sz="1400" dirty="0" smtClean="0">
                   <a:latin typeface="微软雅黑" pitchFamily="34" charset="-122"/>
                   <a:ea typeface="微软雅黑" pitchFamily="34" charset="-122"/>
                 </a:rPr>
-                <a:t>数据源中有大量访问电商站点的数据，</a:t>
-              </a:r>
-              <a:endParaRPr lang="en-US" altLang="zh-CN" sz="1400" dirty="0" smtClean="0">
-                <a:latin typeface="微软雅黑" pitchFamily="34" charset="-122"/>
-                <a:ea typeface="微软雅黑" pitchFamily="34" charset="-122"/>
-              </a:endParaRPr>
-            </a:p>
-            <a:p>
-              <a:r>
-                <a:rPr lang="zh-CN" altLang="en-US" sz="1400" dirty="0" smtClean="0">
-                  <a:latin typeface="微软雅黑" pitchFamily="34" charset="-122"/>
-                  <a:ea typeface="微软雅黑" pitchFamily="34" charset="-122"/>
-                </a:rPr>
-                <a:t>对比组也是</a:t>
+                <a:t>特征（</a:t>
               </a:r>
               <a:r>
                 <a:rPr lang="en-US" altLang="zh-CN" sz="1400" dirty="0" smtClean="0">
                   <a:latin typeface="微软雅黑" pitchFamily="34" charset="-122"/>
                   <a:ea typeface="微软雅黑" pitchFamily="34" charset="-122"/>
                 </a:rPr>
-                <a:t>RT</a:t>
+                <a:t>title</a:t>
               </a:r>
               <a:r>
                 <a:rPr lang="zh-CN" altLang="en-US" sz="1400" dirty="0" smtClean="0">
                   <a:latin typeface="微软雅黑" pitchFamily="34" charset="-122"/>
                   <a:ea typeface="微软雅黑" pitchFamily="34" charset="-122"/>
                 </a:rPr>
-                <a:t>投放；引入</a:t>
+                <a:t>，</a:t>
               </a:r>
               <a:r>
-                <a:rPr lang="en-US" altLang="zh-CN" sz="1400" dirty="0" smtClean="0">
+                <a:rPr lang="en-US" altLang="zh-CN" sz="1400" dirty="0" err="1" smtClean="0">
                   <a:latin typeface="微软雅黑" pitchFamily="34" charset="-122"/>
                   <a:ea typeface="微软雅黑" pitchFamily="34" charset="-122"/>
                 </a:rPr>
-                <a:t>RT</a:t>
+                <a:t>mypos</a:t>
               </a:r>
               <a:r>
                 <a:rPr lang="zh-CN" altLang="en-US" sz="1400" dirty="0" smtClean="0">
                   <a:latin typeface="微软雅黑" pitchFamily="34" charset="-122"/>
                   <a:ea typeface="微软雅黑" pitchFamily="34" charset="-122"/>
                 </a:rPr>
-                <a:t>行为数据扩量</a:t>
+                <a:t>），优化电商站点的品类质量；</a:t>
               </a:r>
-              <a:endParaRPr lang="en-US" sz="1400" dirty="0">
+              <a:endParaRPr lang="en-US" altLang="zh-CN" sz="1400" dirty="0" smtClean="0">
                 <a:latin typeface="微软雅黑" pitchFamily="34" charset="-122"/>
                 <a:ea typeface="微软雅黑" pitchFamily="34" charset="-122"/>
               </a:endParaRPr>
+            </a:p>
+            <a:p>
+              <a:r>
+                <a:rPr lang="en-US" altLang="zh-CN" sz="1400" dirty="0" smtClean="0">
+                  <a:latin typeface="微软雅黑" pitchFamily="34" charset="-122"/>
+                  <a:ea typeface="微软雅黑" pitchFamily="34" charset="-122"/>
+                </a:rPr>
+                <a:t>PM</a:t>
+              </a:r>
+              <a:r>
+                <a:rPr lang="zh-CN" altLang="en-US" sz="1400" dirty="0" smtClean="0">
+                  <a:latin typeface="微软雅黑" pitchFamily="34" charset="-122"/>
+                  <a:ea typeface="微软雅黑" pitchFamily="34" charset="-122"/>
+                </a:rPr>
+                <a:t>抽样中，带特征部</a:t>
+              </a:r>
+              <a:r>
+                <a:rPr lang="zh-CN" altLang="en-US" sz="1400" dirty="0" smtClean="0">
+                  <a:latin typeface="微软雅黑" pitchFamily="34" charset="-122"/>
+                  <a:ea typeface="微软雅黑" pitchFamily="34" charset="-122"/>
+                </a:rPr>
+                <a:t>分的</a:t>
+              </a:r>
+              <a:r>
+                <a:rPr lang="zh-CN" altLang="en-US" sz="1400" dirty="0" smtClean="0">
+                  <a:latin typeface="微软雅黑" pitchFamily="34" charset="-122"/>
+                  <a:ea typeface="微软雅黑" pitchFamily="34" charset="-122"/>
+                </a:rPr>
+                <a:t>品类错误</a:t>
+              </a:r>
+              <a:r>
+                <a:rPr lang="zh-CN" altLang="en-US" sz="1400" b="1" dirty="0" smtClean="0">
+                  <a:solidFill>
+                    <a:srgbClr val="FF0000"/>
+                  </a:solidFill>
+                  <a:latin typeface="微软雅黑" pitchFamily="34" charset="-122"/>
+                  <a:ea typeface="微软雅黑" pitchFamily="34" charset="-122"/>
+                </a:rPr>
+                <a:t>从</a:t>
+              </a:r>
+              <a:r>
+                <a:rPr lang="en-US" altLang="zh-CN" sz="1400" b="1" dirty="0" smtClean="0">
+                  <a:solidFill>
+                    <a:srgbClr val="FF0000"/>
+                  </a:solidFill>
+                  <a:latin typeface="微软雅黑" pitchFamily="34" charset="-122"/>
+                  <a:ea typeface="微软雅黑" pitchFamily="34" charset="-122"/>
+                </a:rPr>
+                <a:t>46%</a:t>
+              </a:r>
+              <a:r>
+                <a:rPr lang="zh-CN" altLang="en-US" sz="1400" b="1" dirty="0" smtClean="0">
+                  <a:solidFill>
+                    <a:srgbClr val="FF0000"/>
+                  </a:solidFill>
+                  <a:latin typeface="微软雅黑" pitchFamily="34" charset="-122"/>
+                  <a:ea typeface="微软雅黑" pitchFamily="34" charset="-122"/>
+                </a:rPr>
+                <a:t>减少到</a:t>
+              </a:r>
+              <a:r>
+                <a:rPr lang="en-US" altLang="zh-CN" sz="1400" b="1" dirty="0" smtClean="0">
+                  <a:solidFill>
+                    <a:srgbClr val="FF0000"/>
+                  </a:solidFill>
+                  <a:latin typeface="微软雅黑" pitchFamily="34" charset="-122"/>
+                  <a:ea typeface="微软雅黑" pitchFamily="34" charset="-122"/>
+                </a:rPr>
+                <a:t>22%</a:t>
+              </a:r>
             </a:p>
           </p:txBody>
         </p:sp>
       </p:grpSp>
       <p:grpSp>
         <p:nvGrpSpPr>
-          <p:cNvPr id="17" name="Group 16"/>
+          <p:cNvPr id="4" name="Group 3"/>
           <p:cNvGrpSpPr/>
           <p:nvPr/>
         </p:nvGrpSpPr>
         <p:grpSpPr>
           <a:xfrm>
-            <a:off x="3995935" y="2965802"/>
-            <a:ext cx="4712464" cy="523220"/>
-            <a:chOff x="3995935" y="2965802"/>
-            <a:chExt cx="4712464" cy="523220"/>
+            <a:off x="282781" y="3380628"/>
+            <a:ext cx="7335436" cy="324036"/>
+            <a:chOff x="282781" y="3380628"/>
+            <a:chExt cx="7335436" cy="324036"/>
           </a:xfrm>
         </p:grpSpPr>
         <p:sp>
           <p:nvSpPr>
-            <p:cNvPr id="15" name="Rectangle 14"/>
+            <p:cNvPr id="23" name="Rectangle 22"/>
             <p:cNvSpPr/>
             <p:nvPr/>
           </p:nvSpPr>
           <p:spPr bwMode="auto">
             <a:xfrm>
-              <a:off x="3995935" y="3073524"/>
-              <a:ext cx="1296144" cy="307777"/>
+              <a:off x="282781" y="3380628"/>
+              <a:ext cx="1944216" cy="324036"/>
             </a:xfrm>
             <a:prstGeom prst="rect">
               <a:avLst/>
             </a:prstGeom>
             <a:solidFill>
-              <a:schemeClr val="accent6">
-                <a:lumMod val="20000"/>
-                <a:lumOff val="80000"/>
-              </a:schemeClr>
+              <a:schemeClr val="accent1"/>
             </a:solidFill>
             <a:ln w="9525" cap="flat" cmpd="sng" algn="ctr">
               <a:solidFill>
@@ -16325,20 +15343,20 @@
                 <a:tabLst/>
               </a:pPr>
               <a:r>
-                <a:rPr lang="zh-CN" altLang="en-US" sz="1400" dirty="0">
+                <a:rPr lang="zh-CN" altLang="en-US" sz="1600" dirty="0">
                   <a:latin typeface="微软雅黑" pitchFamily="34" charset="-122"/>
                   <a:ea typeface="微软雅黑" pitchFamily="34" charset="-122"/>
                 </a:rPr>
-                <a:t>节</a:t>
+                <a:t>电</a:t>
               </a:r>
               <a:r>
-                <a:rPr lang="zh-CN" altLang="en-US" sz="1400" dirty="0" smtClean="0">
+                <a:rPr lang="zh-CN" altLang="en-US" sz="1600" dirty="0" smtClean="0">
                   <a:latin typeface="微软雅黑" pitchFamily="34" charset="-122"/>
                   <a:ea typeface="微软雅黑" pitchFamily="34" charset="-122"/>
                 </a:rPr>
-                <a:t>点构建冗长</a:t>
+                <a:t>商构建流程</a:t>
               </a:r>
-              <a:endParaRPr kumimoji="0" lang="en-US" sz="1400" b="0" i="0" u="none" strike="noStrike" cap="none" normalizeH="0" baseline="0" dirty="0" smtClean="0">
+              <a:endParaRPr kumimoji="0" lang="en-US" sz="1600" b="0" i="0" u="none" strike="noStrike" cap="none" normalizeH="0" baseline="0" dirty="0" smtClean="0">
                 <a:ln>
                   <a:noFill/>
                 </a:ln>
@@ -16354,14 +15372,14 @@
         </p:sp>
         <p:sp>
           <p:nvSpPr>
-            <p:cNvPr id="16" name="TextBox 15"/>
+            <p:cNvPr id="24" name="TextBox 23"/>
             <p:cNvSpPr txBox="1"/>
             <p:nvPr/>
           </p:nvSpPr>
           <p:spPr>
             <a:xfrm>
-              <a:off x="5292079" y="2965802"/>
-              <a:ext cx="3416320" cy="523220"/>
+              <a:off x="2226997" y="3388757"/>
+              <a:ext cx="5391220" cy="307777"/>
             </a:xfrm>
             <a:prstGeom prst="rect">
               <a:avLst/>
@@ -16375,44 +15393,505 @@
             <a:lstStyle/>
             <a:p>
               <a:r>
+                <a:rPr lang="zh-CN" altLang="en-US" sz="1400" dirty="0">
+                  <a:latin typeface="微软雅黑" pitchFamily="34" charset="-122"/>
+                  <a:ea typeface="微软雅黑" pitchFamily="34" charset="-122"/>
+                </a:rPr>
+                <a:t>开</a:t>
+              </a:r>
+              <a:r>
                 <a:rPr lang="zh-CN" altLang="en-US" sz="1400" dirty="0" smtClean="0">
                   <a:latin typeface="微软雅黑" pitchFamily="34" charset="-122"/>
                   <a:ea typeface="微软雅黑" pitchFamily="34" charset="-122"/>
                 </a:rPr>
-                <a:t>使用事前开发的人群构建工具；快速完成</a:t>
+                <a:t>发构建</a:t>
+              </a:r>
+              <a:r>
+                <a:rPr lang="zh-CN" altLang="en-US" sz="1400" dirty="0" smtClean="0">
+                  <a:latin typeface="微软雅黑" pitchFamily="34" charset="-122"/>
+                  <a:ea typeface="微软雅黑" pitchFamily="34" charset="-122"/>
+                </a:rPr>
+                <a:t>的</a:t>
+              </a:r>
+              <a:r>
+                <a:rPr lang="zh-CN" altLang="en-US" sz="1400" dirty="0" smtClean="0">
+                  <a:latin typeface="微软雅黑" pitchFamily="34" charset="-122"/>
+                  <a:ea typeface="微软雅黑" pitchFamily="34" charset="-122"/>
+                </a:rPr>
+                <a:t>流程，快速实现了电商人群的条件确认预估和人群构建</a:t>
               </a:r>
               <a:endParaRPr lang="en-US" altLang="zh-CN" sz="1400" dirty="0" smtClean="0">
                 <a:latin typeface="微软雅黑" pitchFamily="34" charset="-122"/>
                 <a:ea typeface="微软雅黑" pitchFamily="34" charset="-122"/>
               </a:endParaRPr>
             </a:p>
+          </p:txBody>
+        </p:sp>
+      </p:grpSp>
+      <p:grpSp>
+        <p:nvGrpSpPr>
+          <p:cNvPr id="2" name="Group 1"/>
+          <p:cNvGrpSpPr/>
+          <p:nvPr/>
+        </p:nvGrpSpPr>
+        <p:grpSpPr>
+          <a:xfrm>
+            <a:off x="279383" y="4208720"/>
+            <a:ext cx="9056484" cy="523220"/>
+            <a:chOff x="392138" y="3577580"/>
+            <a:chExt cx="9056484" cy="523220"/>
+          </a:xfrm>
+        </p:grpSpPr>
+        <p:sp>
+          <p:nvSpPr>
+            <p:cNvPr id="27" name="Rectangle 26"/>
+            <p:cNvSpPr/>
+            <p:nvPr/>
+          </p:nvSpPr>
+          <p:spPr bwMode="auto">
+            <a:xfrm>
+              <a:off x="392138" y="3577580"/>
+              <a:ext cx="1944216" cy="324036"/>
+            </a:xfrm>
+            <a:prstGeom prst="rect">
+              <a:avLst/>
+            </a:prstGeom>
+            <a:solidFill>
+              <a:schemeClr val="accent1"/>
+            </a:solidFill>
+            <a:ln w="9525" cap="flat" cmpd="sng" algn="ctr">
+              <a:solidFill>
+                <a:schemeClr val="tx1"/>
+              </a:solidFill>
+              <a:prstDash val="solid"/>
+              <a:round/>
+              <a:headEnd type="none" w="med" len="med"/>
+              <a:tailEnd type="none" w="med" len="med"/>
+            </a:ln>
+            <a:effectLst/>
+          </p:spPr>
+          <p:txBody>
+            <a:bodyPr vert="horz" wrap="square" lIns="91440" tIns="45720" rIns="91440" bIns="45720" numCol="1" rtlCol="0" anchor="t" anchorCtr="0" compatLnSpc="1">
+              <a:prstTxWarp prst="textNoShape">
+                <a:avLst/>
+              </a:prstTxWarp>
+            </a:bodyPr>
+            <a:lstStyle/>
             <a:p>
+              <a:pPr marL="0" marR="0" indent="0" algn="ctr" defTabSz="914400" rtl="0" eaLnBrk="1" fontAlgn="base" latinLnBrk="0" hangingPunct="1">
+                <a:lnSpc>
+                  <a:spcPct val="100000"/>
+                </a:lnSpc>
+                <a:spcBef>
+                  <a:spcPct val="0"/>
+                </a:spcBef>
+                <a:spcAft>
+                  <a:spcPct val="0"/>
+                </a:spcAft>
+                <a:buClrTx/>
+                <a:buSzTx/>
+                <a:buFontTx/>
+                <a:buNone/>
+                <a:tabLst/>
+              </a:pPr>
               <a:r>
-                <a:rPr lang="zh-CN" altLang="en-US" sz="1400" dirty="0">
+                <a:rPr lang="zh-CN" altLang="en-US" sz="1600" dirty="0">
                   <a:latin typeface="微软雅黑" pitchFamily="34" charset="-122"/>
                   <a:ea typeface="微软雅黑" pitchFamily="34" charset="-122"/>
                 </a:rPr>
                 <a:t>电</a:t>
               </a:r>
               <a:r>
+                <a:rPr lang="zh-CN" altLang="en-US" sz="1600" dirty="0" smtClean="0">
+                  <a:latin typeface="微软雅黑" pitchFamily="34" charset="-122"/>
+                  <a:ea typeface="微软雅黑" pitchFamily="34" charset="-122"/>
+                </a:rPr>
+                <a:t>商行为召回优化</a:t>
+              </a:r>
+              <a:endParaRPr kumimoji="0" lang="en-US" sz="1600" b="0" i="0" u="none" strike="noStrike" cap="none" normalizeH="0" baseline="0" dirty="0" smtClean="0">
+                <a:ln>
+                  <a:noFill/>
+                </a:ln>
+                <a:solidFill>
+                  <a:schemeClr val="tx1"/>
+                </a:solidFill>
+                <a:effectLst/>
+                <a:latin typeface="微软雅黑" pitchFamily="34" charset="-122"/>
+                <a:ea typeface="微软雅黑" pitchFamily="34" charset="-122"/>
+              </a:endParaRPr>
+            </a:p>
+          </p:txBody>
+        </p:sp>
+        <p:sp>
+          <p:nvSpPr>
+            <p:cNvPr id="29" name="TextBox 28"/>
+            <p:cNvSpPr txBox="1"/>
+            <p:nvPr/>
+          </p:nvSpPr>
+          <p:spPr>
+            <a:xfrm>
+              <a:off x="2336354" y="3577580"/>
+              <a:ext cx="7112268" cy="523220"/>
+            </a:xfrm>
+            <a:prstGeom prst="rect">
+              <a:avLst/>
+            </a:prstGeom>
+            <a:noFill/>
+          </p:spPr>
+          <p:txBody>
+            <a:bodyPr wrap="none" rtlCol="0">
+              <a:spAutoFit/>
+            </a:bodyPr>
+            <a:lstStyle/>
+            <a:p>
+              <a:r>
+                <a:rPr lang="en-US" altLang="zh-CN" sz="1400" dirty="0">
+                  <a:latin typeface="微软雅黑" pitchFamily="34" charset="-122"/>
+                  <a:ea typeface="微软雅黑" pitchFamily="34" charset="-122"/>
+                </a:rPr>
+                <a:t>RT</a:t>
+              </a:r>
+              <a:r>
+                <a:rPr lang="zh-CN" altLang="en-US" sz="1400" dirty="0">
+                  <a:latin typeface="微软雅黑" pitchFamily="34" charset="-122"/>
+                  <a:ea typeface="微软雅黑" pitchFamily="34" charset="-122"/>
+                </a:rPr>
+                <a:t>数据源的补充调研：电商节点构建量比较小</a:t>
+              </a:r>
+              <a:r>
                 <a:rPr lang="zh-CN" altLang="en-US" sz="1400" dirty="0" smtClean="0">
                   <a:latin typeface="微软雅黑" pitchFamily="34" charset="-122"/>
                   <a:ea typeface="微软雅黑" pitchFamily="34" charset="-122"/>
                 </a:rPr>
-                <a:t>商节点的分析构建，上线构建规则</a:t>
+                <a:t>，考虑到对比组</a:t>
               </a:r>
-              <a:endParaRPr lang="en-US" sz="1400" dirty="0">
+              <a:r>
+                <a:rPr lang="en-US" altLang="zh-CN" sz="1400" dirty="0" smtClean="0">
+                  <a:latin typeface="微软雅黑" pitchFamily="34" charset="-122"/>
+                  <a:ea typeface="微软雅黑" pitchFamily="34" charset="-122"/>
+                </a:rPr>
+                <a:t>RT</a:t>
+              </a:r>
+              <a:r>
+                <a:rPr lang="zh-CN" altLang="en-US" sz="1400" dirty="0" smtClean="0">
+                  <a:latin typeface="微软雅黑" pitchFamily="34" charset="-122"/>
+                  <a:ea typeface="微软雅黑" pitchFamily="34" charset="-122"/>
+                </a:rPr>
+                <a:t>，调</a:t>
+              </a:r>
+              <a:r>
+                <a:rPr lang="zh-CN" altLang="en-US" sz="1400" dirty="0">
+                  <a:latin typeface="微软雅黑" pitchFamily="34" charset="-122"/>
+                  <a:ea typeface="微软雅黑" pitchFamily="34" charset="-122"/>
+                </a:rPr>
+                <a:t>研引入</a:t>
+              </a:r>
+              <a:r>
+                <a:rPr lang="en-US" altLang="zh-CN" sz="1400" dirty="0">
+                  <a:latin typeface="微软雅黑" pitchFamily="34" charset="-122"/>
+                  <a:ea typeface="微软雅黑" pitchFamily="34" charset="-122"/>
+                </a:rPr>
+                <a:t>RT</a:t>
+              </a:r>
+              <a:r>
+                <a:rPr lang="zh-CN" altLang="en-US" sz="1400" dirty="0">
+                  <a:latin typeface="微软雅黑" pitchFamily="34" charset="-122"/>
+                  <a:ea typeface="微软雅黑" pitchFamily="34" charset="-122"/>
+                </a:rPr>
+                <a:t>数据源</a:t>
+              </a:r>
+              <a:r>
+                <a:rPr lang="zh-CN" altLang="en-US" sz="1400" dirty="0" smtClean="0">
+                  <a:latin typeface="微软雅黑" pitchFamily="34" charset="-122"/>
+                  <a:ea typeface="微软雅黑" pitchFamily="34" charset="-122"/>
+                </a:rPr>
+                <a:t>，</a:t>
+              </a:r>
+              <a:endParaRPr lang="en-US" altLang="zh-CN" sz="1400" dirty="0" smtClean="0">
                 <a:latin typeface="微软雅黑" pitchFamily="34" charset="-122"/>
                 <a:ea typeface="微软雅黑" pitchFamily="34" charset="-122"/>
               </a:endParaRPr>
+            </a:p>
+            <a:p>
+              <a:r>
+                <a:rPr lang="zh-CN" altLang="en-US" sz="1400" dirty="0" smtClean="0">
+                  <a:latin typeface="微软雅黑" pitchFamily="34" charset="-122"/>
+                  <a:ea typeface="微软雅黑" pitchFamily="34" charset="-122"/>
+                </a:rPr>
+                <a:t>电</a:t>
+              </a:r>
+              <a:r>
+                <a:rPr lang="zh-CN" altLang="en-US" sz="1400" dirty="0">
+                  <a:latin typeface="微软雅黑" pitchFamily="34" charset="-122"/>
+                  <a:ea typeface="微软雅黑" pitchFamily="34" charset="-122"/>
+                </a:rPr>
+                <a:t>商行为可以获得</a:t>
+              </a:r>
+              <a:r>
+                <a:rPr lang="en-US" altLang="zh-CN" sz="1400" b="1" dirty="0">
+                  <a:solidFill>
+                    <a:srgbClr val="FF0000"/>
+                  </a:solidFill>
+                  <a:latin typeface="微软雅黑" pitchFamily="34" charset="-122"/>
+                  <a:ea typeface="微软雅黑" pitchFamily="34" charset="-122"/>
+                </a:rPr>
+                <a:t>+109%PV</a:t>
+              </a:r>
+              <a:r>
+                <a:rPr lang="zh-CN" altLang="en-US" sz="1400" b="1" dirty="0">
+                  <a:solidFill>
+                    <a:srgbClr val="FF0000"/>
+                  </a:solidFill>
+                  <a:latin typeface="微软雅黑" pitchFamily="34" charset="-122"/>
+                  <a:ea typeface="微软雅黑" pitchFamily="34" charset="-122"/>
+                </a:rPr>
+                <a:t>，</a:t>
+              </a:r>
+              <a:r>
+                <a:rPr lang="en-US" altLang="zh-CN" sz="1400" b="1" dirty="0">
+                  <a:solidFill>
+                    <a:srgbClr val="FF0000"/>
+                  </a:solidFill>
+                  <a:latin typeface="微软雅黑" pitchFamily="34" charset="-122"/>
+                  <a:ea typeface="微软雅黑" pitchFamily="34" charset="-122"/>
+                </a:rPr>
+                <a:t>+62%UV</a:t>
+              </a:r>
+              <a:r>
+                <a:rPr lang="zh-CN" altLang="en-US" sz="1400" dirty="0">
+                  <a:latin typeface="微软雅黑" pitchFamily="34" charset="-122"/>
+                  <a:ea typeface="微软雅黑" pitchFamily="34" charset="-122"/>
+                </a:rPr>
+                <a:t>的增益（双</a:t>
+              </a:r>
+              <a:r>
+                <a:rPr lang="en-US" altLang="zh-CN" sz="1400" dirty="0">
+                  <a:latin typeface="微软雅黑" pitchFamily="34" charset="-122"/>
+                  <a:ea typeface="微软雅黑" pitchFamily="34" charset="-122"/>
+                </a:rPr>
+                <a:t>11</a:t>
+              </a:r>
+              <a:r>
+                <a:rPr lang="zh-CN" altLang="en-US" sz="1400" dirty="0">
+                  <a:latin typeface="微软雅黑" pitchFamily="34" charset="-122"/>
+                  <a:ea typeface="微软雅黑" pitchFamily="34" charset="-122"/>
+                </a:rPr>
+                <a:t>未生效，现阶段已生效）</a:t>
+              </a:r>
             </a:p>
           </p:txBody>
         </p:sp>
       </p:grpSp>
+      <p:sp>
+        <p:nvSpPr>
+          <p:cNvPr id="31" name="TextBox 30"/>
+          <p:cNvSpPr txBox="1"/>
+          <p:nvPr/>
+        </p:nvSpPr>
+        <p:spPr>
+          <a:xfrm>
+            <a:off x="410903" y="1129308"/>
+            <a:ext cx="8106706" cy="523220"/>
+          </a:xfrm>
+          <a:prstGeom prst="rect">
+            <a:avLst/>
+          </a:prstGeom>
+          <a:noFill/>
+        </p:spPr>
+        <p:txBody>
+          <a:bodyPr wrap="none" rtlCol="0">
+            <a:spAutoFit/>
+          </a:bodyPr>
+          <a:lstStyle/>
+          <a:p>
+            <a:pPr marL="0" lvl="2"/>
+            <a:r>
+              <a:rPr lang="zh-CN" altLang="en-US" sz="1400" dirty="0">
+                <a:latin typeface="微软雅黑" pitchFamily="34" charset="-122"/>
+                <a:ea typeface="微软雅黑" pitchFamily="34" charset="-122"/>
+              </a:rPr>
+              <a:t>开物电商人群快速构建，双</a:t>
+            </a:r>
+            <a:r>
+              <a:rPr lang="en-US" altLang="zh-CN" sz="1400" dirty="0">
+                <a:latin typeface="微软雅黑" pitchFamily="34" charset="-122"/>
+                <a:ea typeface="微软雅黑" pitchFamily="34" charset="-122"/>
+              </a:rPr>
+              <a:t>11</a:t>
+            </a:r>
+            <a:r>
+              <a:rPr lang="zh-CN" altLang="en-US" sz="1400" dirty="0">
+                <a:latin typeface="微软雅黑" pitchFamily="34" charset="-122"/>
+                <a:ea typeface="微软雅黑" pitchFamily="34" charset="-122"/>
+              </a:rPr>
+              <a:t>期间短时间完成电商人群上线</a:t>
+            </a:r>
+            <a:r>
+              <a:rPr lang="zh-CN" altLang="en-US" sz="1400" dirty="0" smtClean="0">
+                <a:latin typeface="微软雅黑" pitchFamily="34" charset="-122"/>
+                <a:ea typeface="微软雅黑" pitchFamily="34" charset="-122"/>
+              </a:rPr>
+              <a:t>，配合完</a:t>
+            </a:r>
+            <a:r>
+              <a:rPr lang="zh-CN" altLang="en-US" sz="1400" dirty="0">
+                <a:latin typeface="微软雅黑" pitchFamily="34" charset="-122"/>
+                <a:ea typeface="微软雅黑" pitchFamily="34" charset="-122"/>
+              </a:rPr>
+              <a:t>成双</a:t>
+            </a:r>
+            <a:r>
+              <a:rPr lang="en-US" altLang="zh-CN" sz="1400" dirty="0">
+                <a:latin typeface="微软雅黑" pitchFamily="34" charset="-122"/>
+                <a:ea typeface="微软雅黑" pitchFamily="34" charset="-122"/>
+              </a:rPr>
+              <a:t>11</a:t>
+            </a:r>
+            <a:r>
+              <a:rPr lang="zh-CN" altLang="en-US" sz="1400" dirty="0">
+                <a:latin typeface="微软雅黑" pitchFamily="34" charset="-122"/>
+                <a:ea typeface="微软雅黑" pitchFamily="34" charset="-122"/>
+              </a:rPr>
+              <a:t>投放</a:t>
+            </a:r>
+            <a:r>
+              <a:rPr lang="en-US" altLang="zh-CN" sz="1400" dirty="0">
+                <a:latin typeface="微软雅黑" pitchFamily="34" charset="-122"/>
+                <a:ea typeface="微软雅黑" pitchFamily="34" charset="-122"/>
+              </a:rPr>
+              <a:t>500</a:t>
+            </a:r>
+            <a:r>
+              <a:rPr lang="zh-CN" altLang="en-US" sz="1400" dirty="0">
+                <a:latin typeface="微软雅黑" pitchFamily="34" charset="-122"/>
+                <a:ea typeface="微软雅黑" pitchFamily="34" charset="-122"/>
+              </a:rPr>
+              <a:t>万消费额目</a:t>
+            </a:r>
+            <a:r>
+              <a:rPr lang="zh-CN" altLang="en-US" sz="1400" dirty="0" smtClean="0">
+                <a:latin typeface="微软雅黑" pitchFamily="34" charset="-122"/>
+                <a:ea typeface="微软雅黑" pitchFamily="34" charset="-122"/>
+              </a:rPr>
+              <a:t>标；</a:t>
+            </a:r>
+            <a:endParaRPr lang="en-US" altLang="zh-CN" sz="1400" dirty="0">
+              <a:latin typeface="微软雅黑" pitchFamily="34" charset="-122"/>
+              <a:ea typeface="微软雅黑" pitchFamily="34" charset="-122"/>
+            </a:endParaRPr>
+          </a:p>
+          <a:p>
+            <a:pPr marL="0" lvl="2"/>
+            <a:r>
+              <a:rPr lang="zh-CN" altLang="en-US" sz="1400" b="1" dirty="0" smtClean="0">
+                <a:solidFill>
+                  <a:srgbClr val="FF0000"/>
+                </a:solidFill>
+                <a:latin typeface="微软雅黑" pitchFamily="34" charset="-122"/>
+                <a:ea typeface="微软雅黑" pitchFamily="34" charset="-122"/>
+              </a:rPr>
+              <a:t>开物部分双</a:t>
+            </a:r>
+            <a:r>
+              <a:rPr lang="en-US" altLang="zh-CN" sz="1400" b="1" dirty="0">
+                <a:solidFill>
+                  <a:srgbClr val="FF0000"/>
+                </a:solidFill>
+                <a:latin typeface="微软雅黑" pitchFamily="34" charset="-122"/>
+                <a:ea typeface="微软雅黑" pitchFamily="34" charset="-122"/>
+              </a:rPr>
+              <a:t>11</a:t>
+            </a:r>
+            <a:r>
+              <a:rPr lang="zh-CN" altLang="en-US" sz="1400" b="1" dirty="0">
+                <a:solidFill>
+                  <a:srgbClr val="FF0000"/>
+                </a:solidFill>
+                <a:latin typeface="微软雅黑" pitchFamily="34" charset="-122"/>
+                <a:ea typeface="微软雅黑" pitchFamily="34" charset="-122"/>
+              </a:rPr>
+              <a:t>当日投放贡献</a:t>
+            </a:r>
+            <a:r>
+              <a:rPr lang="en-US" altLang="zh-CN" sz="1400" b="1" dirty="0">
+                <a:solidFill>
+                  <a:srgbClr val="FF0000"/>
+                </a:solidFill>
+                <a:latin typeface="微软雅黑" pitchFamily="34" charset="-122"/>
+                <a:ea typeface="微软雅黑" pitchFamily="34" charset="-122"/>
+              </a:rPr>
+              <a:t>46</a:t>
+            </a:r>
+            <a:r>
+              <a:rPr lang="zh-CN" altLang="en-US" sz="1400" b="1" dirty="0">
+                <a:solidFill>
+                  <a:srgbClr val="FF0000"/>
+                </a:solidFill>
+                <a:latin typeface="微软雅黑" pitchFamily="34" charset="-122"/>
+                <a:ea typeface="微软雅黑" pitchFamily="34" charset="-122"/>
+              </a:rPr>
+              <a:t>万收入</a:t>
+            </a:r>
+            <a:r>
+              <a:rPr lang="zh-CN" altLang="en-US" sz="1400" dirty="0">
+                <a:latin typeface="微软雅黑" pitchFamily="34" charset="-122"/>
+                <a:ea typeface="微软雅黑" pitchFamily="34" charset="-122"/>
+              </a:rPr>
+              <a:t>（电商活动期间除双</a:t>
+            </a:r>
+            <a:r>
+              <a:rPr lang="en-US" altLang="zh-CN" sz="1400" dirty="0">
+                <a:latin typeface="微软雅黑" pitchFamily="34" charset="-122"/>
+                <a:ea typeface="微软雅黑" pitchFamily="34" charset="-122"/>
+              </a:rPr>
+              <a:t>11</a:t>
+            </a:r>
+            <a:r>
+              <a:rPr lang="zh-CN" altLang="en-US" sz="1400" dirty="0">
+                <a:latin typeface="微软雅黑" pitchFamily="34" charset="-122"/>
+                <a:ea typeface="微软雅黑" pitchFamily="34" charset="-122"/>
+              </a:rPr>
+              <a:t>当天外每</a:t>
+            </a:r>
+            <a:r>
+              <a:rPr lang="zh-CN" altLang="en-US" sz="1400" dirty="0" smtClean="0">
+                <a:latin typeface="微软雅黑" pitchFamily="34" charset="-122"/>
+                <a:ea typeface="微软雅黑" pitchFamily="34" charset="-122"/>
+              </a:rPr>
+              <a:t>日约</a:t>
+            </a:r>
+            <a:r>
+              <a:rPr lang="en-US" altLang="zh-CN" sz="1400" dirty="0" smtClean="0">
+                <a:latin typeface="微软雅黑" pitchFamily="34" charset="-122"/>
+                <a:ea typeface="微软雅黑" pitchFamily="34" charset="-122"/>
+              </a:rPr>
+              <a:t>3-5</a:t>
+            </a:r>
+            <a:r>
+              <a:rPr lang="zh-CN" altLang="en-US" sz="1400" dirty="0">
+                <a:latin typeface="微软雅黑" pitchFamily="34" charset="-122"/>
+                <a:ea typeface="微软雅黑" pitchFamily="34" charset="-122"/>
+              </a:rPr>
+              <a:t>万</a:t>
+            </a:r>
+            <a:r>
+              <a:rPr lang="zh-CN" altLang="en-US" sz="1400" dirty="0" smtClean="0">
+                <a:latin typeface="微软雅黑" pitchFamily="34" charset="-122"/>
+                <a:ea typeface="微软雅黑" pitchFamily="34" charset="-122"/>
+              </a:rPr>
+              <a:t>）</a:t>
+            </a:r>
+            <a:endParaRPr lang="en-US" altLang="zh-CN" sz="1400" dirty="0">
+              <a:latin typeface="微软雅黑" pitchFamily="34" charset="-122"/>
+              <a:ea typeface="微软雅黑" pitchFamily="34" charset="-122"/>
+            </a:endParaRPr>
+          </a:p>
+        </p:txBody>
+      </p:sp>
     </p:spTree>
     <p:extLst>
       <p:ext uri="{BB962C8B-B14F-4D97-AF65-F5344CB8AC3E}">
-        <p14:creationId xmlns:p14="http://schemas.microsoft.com/office/powerpoint/2010/main" val="1649483564"/>
+        <p14:creationId xmlns:p14="http://schemas.microsoft.com/office/powerpoint/2010/main" val="2181361872"/>
       </p:ext>
     </p:extLst>
   </p:cSld>
@@ -16453,7 +15932,7 @@
                                           </p:stCondLst>
                                         </p:cTn>
                                         <p:tgtEl>
-                                          <p:spTgt spid="10"/>
+                                          <p:spTgt spid="7"/>
                                         </p:tgtEl>
                                         <p:attrNameLst>
                                           <p:attrName>style.visibility</p:attrName>
@@ -16467,7 +15946,7 @@
                                       <p:cBhvr additive="base">
                                         <p:cTn id="7" dur="500" fill="hold"/>
                                         <p:tgtEl>
-                                          <p:spTgt spid="10"/>
+                                          <p:spTgt spid="7"/>
                                         </p:tgtEl>
                                         <p:attrNameLst>
                                           <p:attrName>ppt_x</p:attrName>
@@ -16490,7 +15969,7 @@
                                       <p:cBhvr additive="base">
                                         <p:cTn id="8" dur="500" fill="hold"/>
                                         <p:tgtEl>
-                                          <p:spTgt spid="10"/>
+                                          <p:spTgt spid="7"/>
                                         </p:tgtEl>
                                         <p:attrNameLst>
                                           <p:attrName>ppt_y</p:attrName>
@@ -16526,7 +16005,7 @@
                                           </p:stCondLst>
                                         </p:cTn>
                                         <p:tgtEl>
-                                          <p:spTgt spid="14"/>
+                                          <p:spTgt spid="2"/>
                                         </p:tgtEl>
                                         <p:attrNameLst>
                                           <p:attrName>style.visibility</p:attrName>
@@ -16540,7 +16019,7 @@
                                       <p:cBhvr additive="base">
                                         <p:cTn id="11" dur="500" fill="hold"/>
                                         <p:tgtEl>
-                                          <p:spTgt spid="14"/>
+                                          <p:spTgt spid="2"/>
                                         </p:tgtEl>
                                         <p:attrNameLst>
                                           <p:attrName>ppt_x</p:attrName>
@@ -16563,7 +16042,7 @@
                                       <p:cBhvr additive="base">
                                         <p:cTn id="12" dur="500" fill="hold"/>
                                         <p:tgtEl>
-                                          <p:spTgt spid="14"/>
+                                          <p:spTgt spid="2"/>
                                         </p:tgtEl>
                                         <p:attrNameLst>
                                           <p:attrName>ppt_y</p:attrName>
@@ -16599,7 +16078,7 @@
                                           </p:stCondLst>
                                         </p:cTn>
                                         <p:tgtEl>
-                                          <p:spTgt spid="17"/>
+                                          <p:spTgt spid="8"/>
                                         </p:tgtEl>
                                         <p:attrNameLst>
                                           <p:attrName>style.visibility</p:attrName>
@@ -16613,7 +16092,7 @@
                                       <p:cBhvr additive="base">
                                         <p:cTn id="15" dur="500" fill="hold"/>
                                         <p:tgtEl>
-                                          <p:spTgt spid="17"/>
+                                          <p:spTgt spid="8"/>
                                         </p:tgtEl>
                                         <p:attrNameLst>
                                           <p:attrName>ppt_x</p:attrName>
@@ -16636,7 +16115,80 @@
                                       <p:cBhvr additive="base">
                                         <p:cTn id="16" dur="500" fill="hold"/>
                                         <p:tgtEl>
-                                          <p:spTgt spid="17"/>
+                                          <p:spTgt spid="8"/>
+                                        </p:tgtEl>
+                                        <p:attrNameLst>
+                                          <p:attrName>ppt_y</p:attrName>
+                                        </p:attrNameLst>
+                                      </p:cBhvr>
+                                      <p:tavLst>
+                                        <p:tav tm="0">
+                                          <p:val>
+                                            <p:strVal val="1+#ppt_h/2"/>
+                                          </p:val>
+                                        </p:tav>
+                                        <p:tav tm="100000">
+                                          <p:val>
+                                            <p:strVal val="#ppt_y"/>
+                                          </p:val>
+                                        </p:tav>
+                                      </p:tavLst>
+                                    </p:anim>
+                                  </p:childTnLst>
+                                </p:cTn>
+                              </p:par>
+                              <p:par>
+                                <p:cTn id="17" presetID="2" presetClass="entr" presetSubtype="4" fill="hold" nodeType="withEffect">
+                                  <p:stCondLst>
+                                    <p:cond delay="0"/>
+                                  </p:stCondLst>
+                                  <p:childTnLst>
+                                    <p:set>
+                                      <p:cBhvr>
+                                        <p:cTn id="18" dur="1" fill="hold">
+                                          <p:stCondLst>
+                                            <p:cond delay="0"/>
+                                          </p:stCondLst>
+                                        </p:cTn>
+                                        <p:tgtEl>
+                                          <p:spTgt spid="4"/>
+                                        </p:tgtEl>
+                                        <p:attrNameLst>
+                                          <p:attrName>style.visibility</p:attrName>
+                                        </p:attrNameLst>
+                                      </p:cBhvr>
+                                      <p:to>
+                                        <p:strVal val="visible"/>
+                                      </p:to>
+                                    </p:set>
+                                    <p:anim calcmode="lin" valueType="num">
+                                      <p:cBhvr additive="base">
+                                        <p:cTn id="19" dur="500" fill="hold"/>
+                                        <p:tgtEl>
+                                          <p:spTgt spid="4"/>
+                                        </p:tgtEl>
+                                        <p:attrNameLst>
+                                          <p:attrName>ppt_x</p:attrName>
+                                        </p:attrNameLst>
+                                      </p:cBhvr>
+                                      <p:tavLst>
+                                        <p:tav tm="0">
+                                          <p:val>
+                                            <p:strVal val="#ppt_x"/>
+                                          </p:val>
+                                        </p:tav>
+                                        <p:tav tm="100000">
+                                          <p:val>
+                                            <p:strVal val="#ppt_x"/>
+                                          </p:val>
+                                        </p:tav>
+                                      </p:tavLst>
+                                    </p:anim>
+                                    <p:anim calcmode="lin" valueType="num">
+                                      <p:cBhvr additive="base">
+                                        <p:cTn id="20" dur="500" fill="hold"/>
+                                        <p:tgtEl>
+                                          <p:spTgt spid="4"/>
                                         </p:tgtEl>
                                         <p:attrNameLst>
                                           <p:attrName>ppt_y</p:attrName>
@@ -16731,14 +16283,14 @@
                 <a:latin typeface="微软雅黑" pitchFamily="34" charset="-122"/>
                 <a:ea typeface="微软雅黑" pitchFamily="34" charset="-122"/>
               </a:rPr>
-              <a:t>其</a:t>
+              <a:t>各方</a:t>
             </a:r>
             <a:r>
               <a:rPr lang="zh-CN" altLang="en-US" sz="1800" dirty="0" smtClean="0">
                 <a:latin typeface="微软雅黑" pitchFamily="34" charset="-122"/>
                 <a:ea typeface="微软雅黑" pitchFamily="34" charset="-122"/>
               </a:rPr>
-              <a:t>他应用中，部分</a:t>
+              <a:t>应用中，部分</a:t>
             </a:r>
             <a:r>
               <a:rPr lang="en-US" altLang="zh-CN" sz="1800" dirty="0" smtClean="0">
@@ -16796,96 +16348,49 @@
             </a:endParaRPr>
           </a:p>
           <a:p>
-            <a:endParaRPr lang="en-US" altLang="zh-CN" sz="1400" dirty="0" smtClean="0">
-              <a:latin typeface="微软雅黑" pitchFamily="34" charset="-122"/>
-              <a:ea typeface="微软雅黑" pitchFamily="34" charset="-122"/>
-            </a:endParaRPr>
-          </a:p>
-          <a:p>
-            <a:endParaRPr lang="en-US" altLang="zh-CN" sz="1400" dirty="0">
-              <a:latin typeface="微软雅黑" pitchFamily="34" charset="-122"/>
-              <a:ea typeface="微软雅黑" pitchFamily="34" charset="-122"/>
-            </a:endParaRPr>
-          </a:p>
-          <a:p>
-            <a:r>
-              <a:rPr lang="zh-CN" altLang="en-US" sz="1400" dirty="0" smtClean="0">
-                <a:latin typeface="微软雅黑" pitchFamily="34" charset="-122"/>
-                <a:ea typeface="微软雅黑" pitchFamily="34" charset="-122"/>
-              </a:rPr>
-              <a:t>总体上</a:t>
-            </a:r>
-            <a:r>
-              <a:rPr lang="zh-CN" altLang="en-US" sz="1400" dirty="0" smtClean="0">
-                <a:latin typeface="微软雅黑" pitchFamily="34" charset="-122"/>
-                <a:ea typeface="微软雅黑" pitchFamily="34" charset="-122"/>
-              </a:rPr>
-              <a:t>，目前开物节</a:t>
-            </a:r>
-            <a:r>
-              <a:rPr lang="zh-CN" altLang="en-US" sz="1400" dirty="0" smtClean="0">
-                <a:latin typeface="微软雅黑" pitchFamily="34" charset="-122"/>
-                <a:ea typeface="微软雅黑" pitchFamily="34" charset="-122"/>
-              </a:rPr>
-              <a:t>点总数已经</a:t>
-            </a:r>
-            <a:r>
-              <a:rPr lang="zh-CN" altLang="en-US" sz="1400" dirty="0">
-                <a:latin typeface="微软雅黑" pitchFamily="34" charset="-122"/>
-                <a:ea typeface="微软雅黑" pitchFamily="34" charset="-122"/>
-              </a:rPr>
-              <a:t>达</a:t>
-            </a:r>
-            <a:r>
-              <a:rPr lang="zh-CN" altLang="en-US" sz="1400" dirty="0" smtClean="0">
-                <a:latin typeface="微软雅黑" pitchFamily="34" charset="-122"/>
-                <a:ea typeface="微软雅黑" pitchFamily="34" charset="-122"/>
-              </a:rPr>
-              <a:t>到</a:t>
-            </a:r>
-            <a:r>
-              <a:rPr lang="en-US" altLang="zh-CN" sz="1400" dirty="0" smtClean="0">
-                <a:latin typeface="微软雅黑" pitchFamily="34" charset="-122"/>
-                <a:ea typeface="微软雅黑" pitchFamily="34" charset="-122"/>
-              </a:rPr>
-              <a:t>300</a:t>
-            </a:r>
-            <a:r>
-              <a:rPr lang="en-US" altLang="zh-CN" sz="1400" dirty="0" smtClean="0">
-                <a:latin typeface="微软雅黑" pitchFamily="34" charset="-122"/>
-                <a:ea typeface="微软雅黑" pitchFamily="34" charset="-122"/>
-              </a:rPr>
-              <a:t>+</a:t>
-            </a:r>
-            <a:r>
-              <a:rPr lang="zh-CN" altLang="en-US" sz="1400" dirty="0" smtClean="0">
-                <a:latin typeface="微软雅黑" pitchFamily="34" charset="-122"/>
-                <a:ea typeface="微软雅黑" pitchFamily="34" charset="-122"/>
-              </a:rPr>
-              <a:t>；各</a:t>
-            </a:r>
-            <a:r>
-              <a:rPr lang="zh-CN" altLang="en-US" sz="1400" dirty="0" smtClean="0">
-                <a:latin typeface="微软雅黑" pitchFamily="34" charset="-122"/>
-                <a:ea typeface="微软雅黑" pitchFamily="34" charset="-122"/>
-              </a:rPr>
-              <a:t>个应用方使用过程中陆续反馈了一定问题，快速响应跟进修</a:t>
-            </a:r>
-            <a:r>
-              <a:rPr lang="zh-CN" altLang="en-US" sz="1400" dirty="0" smtClean="0">
-                <a:latin typeface="微软雅黑" pitchFamily="34" charset="-122"/>
-                <a:ea typeface="微软雅黑" pitchFamily="34" charset="-122"/>
-              </a:rPr>
-              <a:t>复，</a:t>
-            </a:r>
-            <a:r>
-              <a:rPr lang="zh-CN" altLang="en-US" sz="1400" dirty="0" smtClean="0">
-                <a:latin typeface="微软雅黑" pitchFamily="34" charset="-122"/>
-                <a:ea typeface="微软雅黑" pitchFamily="34" charset="-122"/>
-              </a:rPr>
-              <a:t>总体应用方数量在增长中</a:t>
-            </a:r>
-            <a:endParaRPr lang="en-US" altLang="zh-CN" sz="1400" dirty="0">
+            <a:r>
+              <a:rPr lang="zh-CN" altLang="en-US" sz="1800" dirty="0" smtClean="0">
+                <a:latin typeface="微软雅黑" pitchFamily="34" charset="-122"/>
+                <a:ea typeface="微软雅黑" pitchFamily="34" charset="-122"/>
+              </a:rPr>
+              <a:t>总</a:t>
+            </a:r>
+            <a:r>
+              <a:rPr lang="zh-CN" altLang="en-US" sz="1800" dirty="0">
+                <a:latin typeface="微软雅黑" pitchFamily="34" charset="-122"/>
+                <a:ea typeface="微软雅黑" pitchFamily="34" charset="-122"/>
+              </a:rPr>
+              <a:t>体上，目前开物节点总数已经达到</a:t>
+            </a:r>
+            <a:r>
+              <a:rPr lang="en-US" altLang="zh-CN" sz="1800" dirty="0">
+                <a:latin typeface="微软雅黑" pitchFamily="34" charset="-122"/>
+                <a:ea typeface="微软雅黑" pitchFamily="34" charset="-122"/>
+              </a:rPr>
+              <a:t>300+</a:t>
+            </a:r>
+            <a:r>
+              <a:rPr lang="zh-CN" altLang="en-US" sz="1800" dirty="0">
+                <a:latin typeface="微软雅黑" pitchFamily="34" charset="-122"/>
+                <a:ea typeface="微软雅黑" pitchFamily="34" charset="-122"/>
+              </a:rPr>
+              <a:t>；各个应用方使用过程</a:t>
+            </a:r>
+            <a:r>
+              <a:rPr lang="zh-CN" altLang="en-US" sz="1800" dirty="0" smtClean="0">
+                <a:latin typeface="微软雅黑" pitchFamily="34" charset="-122"/>
+                <a:ea typeface="微软雅黑" pitchFamily="34" charset="-122"/>
+              </a:rPr>
+              <a:t>中的问题快</a:t>
+            </a:r>
+            <a:r>
+              <a:rPr lang="zh-CN" altLang="en-US" sz="1800" dirty="0">
+                <a:latin typeface="微软雅黑" pitchFamily="34" charset="-122"/>
+                <a:ea typeface="微软雅黑" pitchFamily="34" charset="-122"/>
+              </a:rPr>
+              <a:t>速响应跟进修复，总体应用方数量在增长中</a:t>
+            </a:r>
+            <a:endParaRPr lang="en-US" altLang="zh-CN" sz="1800" dirty="0">
               <a:latin typeface="微软雅黑" pitchFamily="34" charset="-122"/>
               <a:ea typeface="微软雅黑" pitchFamily="34" charset="-122"/>
             </a:endParaRPr>
@@ -17080,750 +16585,828 @@
           <a:p>
             <a:pPr eaLnBrk="1" hangingPunct="1"/>
             <a:r>
-              <a:rPr lang="zh-CN" altLang="en-US" dirty="0" smtClean="0">
+              <a:rPr lang="zh-CN" altLang="en-US" dirty="0">
                 <a:solidFill>
                   <a:schemeClr val="tx1"/>
                 </a:solidFill>
                 <a:latin typeface="微软雅黑" pitchFamily="34" charset="-122"/>
                 <a:ea typeface="微软雅黑" pitchFamily="34" charset="-122"/>
               </a:rPr>
-              <a:t>构建</a:t>
-            </a:r>
-            <a:r>
-              <a:rPr lang="en-US" altLang="zh-CN" dirty="0" smtClean="0">
-                <a:solidFill>
-                  <a:schemeClr val="tx1"/>
-                </a:solidFill>
-                <a:latin typeface="微软雅黑" pitchFamily="34" charset="-122"/>
-                <a:ea typeface="微软雅黑" pitchFamily="34" charset="-122"/>
-              </a:rPr>
-              <a:t>-</a:t>
-            </a:r>
-            <a:r>
-              <a:rPr lang="zh-CN" altLang="en-US" dirty="0" smtClean="0">
-                <a:solidFill>
-                  <a:schemeClr val="tx1"/>
-                </a:solidFill>
-                <a:latin typeface="微软雅黑" pitchFamily="34" charset="-122"/>
-                <a:ea typeface="微软雅黑" pitchFamily="34" charset="-122"/>
-              </a:rPr>
-              <a:t>其他线上人群的概况</a:t>
-            </a:r>
-            <a:endParaRPr lang="en-US" altLang="zh-CN" dirty="0">
-              <a:solidFill>
-                <a:schemeClr val="tx1"/>
-              </a:solidFill>
-              <a:latin typeface="微软雅黑" pitchFamily="34" charset="-122"/>
-              <a:ea typeface="微软雅黑" pitchFamily="34" charset="-122"/>
-            </a:endParaRPr>
+              <a:t>构建人群产出概况</a:t>
+            </a:r>
           </a:p>
         </p:txBody>
       </p:sp>
       <p:graphicFrame>
         <p:nvGraphicFramePr>
-          <p:cNvPr id="4" name="Table 3"/>
+          <p:cNvPr id="5" name="Table 4"/>
           <p:cNvGraphicFramePr>
             <a:graphicFrameLocks noGrp="1"/>
           </p:cNvGraphicFramePr>
           <p:nvPr>
             <p:extLst>
               <p:ext uri="{D42A27DB-BD31-4B8C-83A1-F6EECF244321}">
-                <p14:modId xmlns:p14="http://schemas.microsoft.com/office/powerpoint/2010/main" val="1397258451"/>
+                <p14:modId xmlns:p14="http://schemas.microsoft.com/office/powerpoint/2010/main" val="1384194897"/>
               </p:ext>
             </p:extLst>
           </p:nvPr>
         </p:nvGraphicFramePr>
         <p:xfrm>
-          <a:off x="755576" y="1705372"/>
-          <a:ext cx="7735570" cy="2225040"/>
+          <a:off x="315895" y="1705372"/>
+          <a:ext cx="8546636" cy="1507830"/>
         </p:xfrm>
         <a:graphic>
           <a:graphicData uri="http://schemas.openxmlformats.org/drawingml/2006/table">
             <a:tbl>
-              <a:tblPr firstRow="1" bandRow="1">
-                <a:tableStyleId>{5C22544A-7EE6-4342-B048-85BDC9FD1C3A}</a:tableStyleId>
+              <a:tblPr>
+                <a:tableStyleId>{284E427A-3D55-4303-BF80-6455036E1DE7}</a:tableStyleId>
               </a:tblPr>
               <a:tblGrid>
-                <a:gridCol w="1056005"/>
-                <a:gridCol w="2932430"/>
-                <a:gridCol w="1081405"/>
-                <a:gridCol w="2665730"/>
+                <a:gridCol w="897391"/>
+                <a:gridCol w="2688384"/>
+                <a:gridCol w="4960861"/>
               </a:tblGrid>
-              <a:tr h="370840">
+              <a:tr h="179164">
                 <a:tc>
                   <a:txBody>
                     <a:bodyPr/>
                     <a:lstStyle/>
                     <a:p>
+                      <a:pPr algn="ctr" fontAlgn="b"/>
                       <a:r>
-                        <a:rPr lang="zh-CN" altLang="en-US" sz="1200" dirty="0" smtClean="0">
+                        <a:rPr lang="zh-CN" altLang="en-US" sz="1200" b="1" u="none" strike="noStrike" dirty="0">
                           <a:solidFill>
                             <a:schemeClr val="tx1"/>
                           </a:solidFill>
+                          <a:effectLst/>
                           <a:latin typeface="微软雅黑" pitchFamily="34" charset="-122"/>
                           <a:ea typeface="微软雅黑" pitchFamily="34" charset="-122"/>
                         </a:rPr>
-                        <a:t>节点组</a:t>
+                        <a:t>产品</a:t>
                       </a:r>
-                      <a:endParaRPr lang="en-US" sz="1200" dirty="0">
+                      <a:r>
+                        <a:rPr lang="en-US" altLang="zh-CN" sz="1200" b="1" u="none" strike="noStrike" dirty="0">
+                          <a:solidFill>
+                            <a:schemeClr val="tx1"/>
+                          </a:solidFill>
+                          <a:effectLst/>
+                          <a:latin typeface="微软雅黑" pitchFamily="34" charset="-122"/>
+                          <a:ea typeface="微软雅黑" pitchFamily="34" charset="-122"/>
+                        </a:rPr>
+                        <a:t>/</a:t>
+                      </a:r>
+                      <a:r>
+                        <a:rPr lang="zh-CN" altLang="en-US" sz="1200" b="1" u="none" strike="noStrike" dirty="0">
+                          <a:solidFill>
+                            <a:schemeClr val="tx1"/>
+                          </a:solidFill>
+                          <a:effectLst/>
+                          <a:latin typeface="微软雅黑" pitchFamily="34" charset="-122"/>
+                          <a:ea typeface="微软雅黑" pitchFamily="34" charset="-122"/>
+                        </a:rPr>
+                        <a:t>应用方</a:t>
+                      </a:r>
+                      <a:endParaRPr lang="zh-CN" altLang="en-US" sz="1200" b="1" i="0" u="none" strike="noStrike" dirty="0">
                         <a:solidFill>
                           <a:schemeClr val="tx1"/>
                         </a:solidFill>
+                        <a:effectLst/>
                         <a:latin typeface="微软雅黑" pitchFamily="34" charset="-122"/>
                         <a:ea typeface="微软雅黑" pitchFamily="34" charset="-122"/>
                       </a:endParaRPr>
                     </a:p>
                   </a:txBody>
-                  <a:tcPr/>
+                  <a:tcPr marL="8958" marR="8958" marT="8958" marB="0" anchor="b"/>
                 </a:tc>
                 <a:tc>
                   <a:txBody>
                     <a:bodyPr/>
                     <a:lstStyle/>
                     <a:p>
+                      <a:pPr algn="ctr" fontAlgn="b"/>
                       <a:r>
-                        <a:rPr lang="zh-CN" altLang="en-US" sz="1200" dirty="0" smtClean="0">
+                        <a:rPr lang="zh-CN" altLang="en-US" sz="1200" b="1" u="none" strike="noStrike" dirty="0">
                           <a:solidFill>
                             <a:schemeClr val="tx1"/>
                           </a:solidFill>
+                          <a:effectLst/>
                           <a:latin typeface="微软雅黑" pitchFamily="34" charset="-122"/>
                           <a:ea typeface="微软雅黑" pitchFamily="34" charset="-122"/>
                         </a:rPr>
-                        <a:t>主要规则</a:t>
+                        <a:t>应用场景</a:t>
                       </a:r>
-                      <a:endParaRPr lang="en-US" sz="1200" dirty="0">
+                      <a:endParaRPr lang="zh-CN" altLang="en-US" sz="1200" b="1" i="0" u="none" strike="noStrike" dirty="0">
                         <a:solidFill>
                           <a:schemeClr val="tx1"/>
                         </a:solidFill>
+                        <a:effectLst/>
                         <a:latin typeface="微软雅黑" pitchFamily="34" charset="-122"/>
                         <a:ea typeface="微软雅黑" pitchFamily="34" charset="-122"/>
                       </a:endParaRPr>
                     </a:p>
                   </a:txBody>
-                  <a:tcPr/>
+                  <a:tcPr marL="8958" marR="8958" marT="8958" marB="0" anchor="b"/>
                 </a:tc>
                 <a:tc>
                   <a:txBody>
                     <a:bodyPr/>
                     <a:lstStyle/>
                     <a:p>
+                      <a:pPr algn="ctr" fontAlgn="b"/>
                       <a:r>
-                        <a:rPr lang="en-US" altLang="zh-CN" sz="1200" dirty="0" smtClean="0">
+                        <a:rPr lang="zh-CN" altLang="en-US" sz="1200" b="1" u="none" strike="noStrike" dirty="0">
                           <a:solidFill>
                             <a:schemeClr val="tx1"/>
                           </a:solidFill>
+                          <a:effectLst/>
                           <a:latin typeface="微软雅黑" pitchFamily="34" charset="-122"/>
                           <a:ea typeface="微软雅黑" pitchFamily="34" charset="-122"/>
                         </a:rPr>
-                        <a:t>PV</a:t>
+                        <a:t>当前进展</a:t>
                       </a:r>
-                      <a:endParaRPr lang="en-US" sz="1200" dirty="0">
+                      <a:endParaRPr lang="zh-CN" altLang="en-US" sz="1200" b="1" i="0" u="none" strike="noStrike" dirty="0">
                         <a:solidFill>
                           <a:schemeClr val="tx1"/>
                         </a:solidFill>
+                        <a:effectLst/>
                         <a:latin typeface="微软雅黑" pitchFamily="34" charset="-122"/>
                         <a:ea typeface="微软雅黑" pitchFamily="34" charset="-122"/>
                       </a:endParaRPr>
                     </a:p>
                   </a:txBody>
-                  <a:tcPr/>
+                  <a:tcPr marL="8958" marR="8958" marT="8958" marB="0" anchor="b"/>
+                </a:tc>
+              </a:tr>
+              <a:tr h="179164">
+                <a:tc>
+                  <a:txBody>
+                    <a:bodyPr/>
+                    <a:lstStyle/>
+                    <a:p>
+                      <a:pPr algn="l" fontAlgn="b"/>
+                      <a:r>
+                        <a:rPr lang="zh-CN" altLang="en-US" sz="1200" u="none" strike="noStrike" dirty="0">
+                          <a:effectLst/>
+                          <a:latin typeface="微软雅黑" pitchFamily="34" charset="-122"/>
+                          <a:ea typeface="微软雅黑" pitchFamily="34" charset="-122"/>
+                        </a:rPr>
+                        <a:t>活动营销</a:t>
+                      </a:r>
+                      <a:endParaRPr lang="zh-CN" altLang="en-US" sz="1200" b="0" i="0" u="none" strike="noStrike" dirty="0">
+                        <a:solidFill>
+                          <a:srgbClr val="000000"/>
+                        </a:solidFill>
+                        <a:effectLst/>
+                        <a:latin typeface="微软雅黑" pitchFamily="34" charset="-122"/>
+                        <a:ea typeface="微软雅黑" pitchFamily="34" charset="-122"/>
+                      </a:endParaRPr>
+                    </a:p>
+                  </a:txBody>
+                  <a:tcPr marL="8958" marR="8958" marT="8958" marB="0" anchor="b"/>
                 </a:tc>
                 <a:tc>
                   <a:txBody>
                     <a:bodyPr/>
                     <a:lstStyle/>
                     <a:p>
+                      <a:pPr algn="l" fontAlgn="b"/>
                       <a:r>
-                        <a:rPr lang="zh-CN" altLang="en-US" sz="1200" dirty="0" smtClean="0">
-                          <a:solidFill>
-                            <a:schemeClr val="tx1"/>
-                          </a:solidFill>
+                        <a:rPr lang="zh-CN" altLang="en-US" sz="1200" u="none" strike="noStrike" dirty="0">
+                          <a:effectLst/>
                           <a:latin typeface="微软雅黑" pitchFamily="34" charset="-122"/>
                           <a:ea typeface="微软雅黑" pitchFamily="34" charset="-122"/>
                         </a:rPr>
-                        <a:t>应用情况</a:t>
-                      </a:r>
-                      <a:endParaRPr lang="en-US" sz="1200" dirty="0">
-                        <a:solidFill>
-                          <a:schemeClr val="tx1"/>
-                        </a:solidFill>
-                        <a:latin typeface="微软雅黑" pitchFamily="34" charset="-122"/>
-                        <a:ea typeface="微软雅黑" pitchFamily="34" charset="-122"/>
-                      </a:endParaRPr>
-                    </a:p>
-                  </a:txBody>
-                  <a:tcPr/>
-                </a:tc>
-              </a:tr>
-              <a:tr h="370840">
-                <a:tc>
-                  <a:txBody>
-                    <a:bodyPr/>
-                    <a:lstStyle/>
-                    <a:p>
-                      <a:r>
-                        <a:rPr lang="zh-CN" altLang="en-US" sz="1200" dirty="0" smtClean="0">
-                          <a:latin typeface="微软雅黑" pitchFamily="34" charset="-122"/>
-                          <a:ea typeface="微软雅黑" pitchFamily="34" charset="-122"/>
-                        </a:rPr>
-                        <a:t>开物</a:t>
+                        <a:t>多行业活动营销</a:t>
                       </a:r>
                       <a:r>
-                        <a:rPr lang="en-US" altLang="zh-CN" sz="1200" dirty="0" smtClean="0">
+                        <a:rPr lang="en-US" altLang="zh-CN" sz="1200" u="none" strike="noStrike" dirty="0">
+                          <a:effectLst/>
                           <a:latin typeface="微软雅黑" pitchFamily="34" charset="-122"/>
                           <a:ea typeface="微软雅黑" pitchFamily="34" charset="-122"/>
                         </a:rPr>
                         <a:t>-</a:t>
                       </a:r>
                       <a:r>
-                        <a:rPr lang="zh-CN" altLang="en-US" sz="1200" dirty="0" smtClean="0">
+                        <a:rPr lang="zh-CN" altLang="en-US" sz="1200" u="none" strike="noStrike" dirty="0">
+                          <a:effectLst/>
                           <a:latin typeface="微软雅黑" pitchFamily="34" charset="-122"/>
                           <a:ea typeface="微软雅黑" pitchFamily="34" charset="-122"/>
                         </a:rPr>
-                        <a:t>招商类</a:t>
+                        <a:t>电商为主</a:t>
                       </a:r>
-                      <a:endParaRPr lang="en-US" sz="1200" dirty="0">
+                      <a:endParaRPr lang="zh-CN" altLang="en-US" sz="1200" b="0" i="0" u="none" strike="noStrike" dirty="0">
+                        <a:solidFill>
+                          <a:srgbClr val="000000"/>
+                        </a:solidFill>
+                        <a:effectLst/>
                         <a:latin typeface="微软雅黑" pitchFamily="34" charset="-122"/>
                         <a:ea typeface="微软雅黑" pitchFamily="34" charset="-122"/>
                       </a:endParaRPr>
                     </a:p>
                   </a:txBody>
-                  <a:tcPr/>
+                  <a:tcPr marL="8958" marR="8958" marT="8958" marB="0" anchor="b"/>
                 </a:tc>
                 <a:tc>
                   <a:txBody>
                     <a:bodyPr/>
                     <a:lstStyle/>
                     <a:p>
+                      <a:pPr algn="l" fontAlgn="b"/>
                       <a:r>
-                        <a:rPr lang="en-US" altLang="zh-CN" sz="1200" dirty="0" smtClean="0">
+                        <a:rPr lang="zh-CN" altLang="en-US" sz="1200" u="none" strike="noStrike" dirty="0">
+                          <a:effectLst/>
                           <a:latin typeface="微软雅黑" pitchFamily="34" charset="-122"/>
                           <a:ea typeface="微软雅黑" pitchFamily="34" charset="-122"/>
                         </a:rPr>
-                        <a:t>E</a:t>
+                        <a:t>双</a:t>
                       </a:r>
                       <a:r>
-                        <a:rPr lang="zh-CN" altLang="en-US" sz="1200" dirty="0" smtClean="0">
+                        <a:rPr lang="en-US" altLang="zh-CN" sz="1200" u="none" strike="noStrike" dirty="0">
+                          <a:effectLst/>
                           <a:latin typeface="微软雅黑" pitchFamily="34" charset="-122"/>
                           <a:ea typeface="微软雅黑" pitchFamily="34" charset="-122"/>
                         </a:rPr>
-                        <a:t>（招商），设定</a:t>
+                        <a:t>11</a:t>
                       </a:r>
                       <a:r>
-                        <a:rPr lang="en-US" altLang="zh-CN" sz="1200" dirty="0" smtClean="0">
+                        <a:rPr lang="zh-CN" altLang="en-US" sz="1200" u="none" strike="noStrike" dirty="0">
+                          <a:effectLst/>
                           <a:latin typeface="微软雅黑" pitchFamily="34" charset="-122"/>
                           <a:ea typeface="微软雅黑" pitchFamily="34" charset="-122"/>
                         </a:rPr>
-                        <a:t>P</a:t>
+                        <a:t>效果测试效果不错</a:t>
                       </a:r>
                       <a:r>
-                        <a:rPr lang="zh-CN" altLang="en-US" sz="1200" dirty="0" smtClean="0">
+                        <a:rPr lang="zh-CN" altLang="en-US" sz="1200" u="none" strike="noStrike" dirty="0" smtClean="0">
+                          <a:effectLst/>
                           <a:latin typeface="微软雅黑" pitchFamily="34" charset="-122"/>
                           <a:ea typeface="微软雅黑" pitchFamily="34" charset="-122"/>
                         </a:rPr>
-                        <a:t>（加盟等）</a:t>
+                        <a:t>，单日峰值达</a:t>
                       </a:r>
-                      <a:endParaRPr lang="en-US" sz="1200" dirty="0">
+                      <a:r>
+                        <a:rPr lang="en-US" altLang="zh-CN" sz="1200" u="none" strike="noStrike" dirty="0" smtClean="0">
+                          <a:effectLst/>
+                          <a:latin typeface="微软雅黑" pitchFamily="34" charset="-122"/>
+                          <a:ea typeface="微软雅黑" pitchFamily="34" charset="-122"/>
+                        </a:rPr>
+                        <a:t>46</a:t>
+                      </a:r>
+                      <a:r>
+                        <a:rPr lang="zh-CN" altLang="en-US" sz="1200" u="none" strike="noStrike" dirty="0" smtClean="0">
+                          <a:effectLst/>
+                          <a:latin typeface="微软雅黑" pitchFamily="34" charset="-122"/>
+                          <a:ea typeface="微软雅黑" pitchFamily="34" charset="-122"/>
+                        </a:rPr>
+                        <a:t>万，持</a:t>
+                      </a:r>
+                      <a:r>
+                        <a:rPr lang="zh-CN" altLang="en-US" sz="1200" u="none" strike="noStrike" dirty="0">
+                          <a:effectLst/>
+                          <a:latin typeface="微软雅黑" pitchFamily="34" charset="-122"/>
+                          <a:ea typeface="微软雅黑" pitchFamily="34" charset="-122"/>
+                        </a:rPr>
+                        <a:t>续优化</a:t>
+                      </a:r>
+                      <a:r>
+                        <a:rPr lang="zh-CN" altLang="en-US" sz="1200" u="none" strike="noStrike" dirty="0" smtClean="0">
+                          <a:effectLst/>
+                          <a:latin typeface="微软雅黑" pitchFamily="34" charset="-122"/>
+                          <a:ea typeface="微软雅黑" pitchFamily="34" charset="-122"/>
+                        </a:rPr>
+                        <a:t>中（春节投放计划）</a:t>
+                      </a:r>
+                      <a:endParaRPr lang="zh-CN" altLang="en-US" sz="1200" b="0" i="0" u="none" strike="noStrike" dirty="0">
+                        <a:solidFill>
+                          <a:srgbClr val="000000"/>
+                        </a:solidFill>
+                        <a:effectLst/>
                         <a:latin typeface="微软雅黑" pitchFamily="34" charset="-122"/>
                         <a:ea typeface="微软雅黑" pitchFamily="34" charset="-122"/>
                       </a:endParaRPr>
                     </a:p>
                   </a:txBody>
-                  <a:tcPr/>
+                  <a:tcPr marL="8958" marR="8958" marT="8958" marB="0" anchor="b"/>
+                </a:tc>
+              </a:tr>
+              <a:tr h="179164">
+                <a:tc>
+                  <a:txBody>
+                    <a:bodyPr/>
+                    <a:lstStyle/>
+                    <a:p>
+                      <a:pPr algn="l" fontAlgn="b"/>
+                      <a:r>
+                        <a:rPr lang="en-US" sz="1200" u="none" strike="noStrike" dirty="0">
+                          <a:effectLst/>
+                          <a:latin typeface="微软雅黑" pitchFamily="34" charset="-122"/>
+                          <a:ea typeface="微软雅黑" pitchFamily="34" charset="-122"/>
+                        </a:rPr>
+                        <a:t>NLP</a:t>
+                      </a:r>
+                      <a:endParaRPr lang="en-US" sz="1200" b="0" i="0" u="none" strike="noStrike" dirty="0">
+                        <a:solidFill>
+                          <a:srgbClr val="000000"/>
+                        </a:solidFill>
+                        <a:effectLst/>
+                        <a:latin typeface="微软雅黑" pitchFamily="34" charset="-122"/>
+                        <a:ea typeface="微软雅黑" pitchFamily="34" charset="-122"/>
+                      </a:endParaRPr>
+                    </a:p>
+                  </a:txBody>
+                  <a:tcPr marL="8958" marR="8958" marT="8958" marB="0" anchor="b"/>
                 </a:tc>
                 <a:tc>
                   <a:txBody>
                     <a:bodyPr/>
                     <a:lstStyle/>
                     <a:p>
+                      <a:pPr algn="l" fontAlgn="b"/>
                       <a:r>
-                        <a:rPr lang="en-US" altLang="zh-CN" sz="1200" dirty="0" smtClean="0">
+                        <a:rPr lang="zh-CN" altLang="en-US" sz="1200" u="none" strike="noStrike" dirty="0">
+                          <a:effectLst/>
                           <a:latin typeface="微软雅黑" pitchFamily="34" charset="-122"/>
                           <a:ea typeface="微软雅黑" pitchFamily="34" charset="-122"/>
                         </a:rPr>
-                        <a:t>0.2%-2.0%</a:t>
+                        <a:t>人群构建提供后续应用方调用</a:t>
                       </a:r>
-                      <a:endParaRPr lang="en-US" sz="1200" dirty="0">
+                      <a:endParaRPr lang="zh-CN" altLang="en-US" sz="1200" b="0" i="0" u="none" strike="noStrike" dirty="0">
+                        <a:solidFill>
+                          <a:srgbClr val="000000"/>
+                        </a:solidFill>
+                        <a:effectLst/>
                         <a:latin typeface="微软雅黑" pitchFamily="34" charset="-122"/>
                         <a:ea typeface="微软雅黑" pitchFamily="34" charset="-122"/>
                       </a:endParaRPr>
                     </a:p>
                   </a:txBody>
-                  <a:tcPr/>
+                  <a:tcPr marL="8958" marR="8958" marT="8958" marB="0" anchor="b"/>
                 </a:tc>
                 <a:tc>
                   <a:txBody>
                     <a:bodyPr/>
                     <a:lstStyle/>
                     <a:p>
+                      <a:pPr algn="l" fontAlgn="b"/>
                       <a:r>
-                        <a:rPr lang="zh-CN" altLang="en-US" sz="1200" dirty="0" smtClean="0">
+                        <a:rPr lang="en-US" altLang="zh-CN" sz="1200" u="none" strike="noStrike" dirty="0" smtClean="0">
+                          <a:effectLst/>
                           <a:latin typeface="微软雅黑" pitchFamily="34" charset="-122"/>
                           <a:ea typeface="微软雅黑" pitchFamily="34" charset="-122"/>
                         </a:rPr>
-                        <a:t>测试出价偏低消费不足</a:t>
+                        <a:t>LBS</a:t>
                       </a:r>
-                      <a:endParaRPr lang="en-US" sz="1200" dirty="0">
+                      <a:r>
+                        <a:rPr lang="zh-CN" altLang="en-US" sz="1200" u="none" strike="noStrike" dirty="0">
+                          <a:effectLst/>
+                          <a:latin typeface="微软雅黑" pitchFamily="34" charset="-122"/>
+                          <a:ea typeface="微软雅黑" pitchFamily="34" charset="-122"/>
+                        </a:rPr>
+                        <a:t>，新首页，百度金融等多方应用需求</a:t>
+                      </a:r>
+                      <a:endParaRPr lang="zh-CN" altLang="en-US" sz="1200" b="0" i="0" u="none" strike="noStrike" dirty="0">
+                        <a:solidFill>
+                          <a:srgbClr val="000000"/>
+                        </a:solidFill>
+                        <a:effectLst/>
                         <a:latin typeface="微软雅黑" pitchFamily="34" charset="-122"/>
                         <a:ea typeface="微软雅黑" pitchFamily="34" charset="-122"/>
                       </a:endParaRPr>
                     </a:p>
                   </a:txBody>
-                  <a:tcPr/>
+                  <a:tcPr marL="8958" marR="8958" marT="8958" marB="0" anchor="b"/>
                 </a:tc>
               </a:tr>
-              <a:tr h="370840">
+              <a:tr h="358328">
                 <a:tc>
                   <a:txBody>
                     <a:bodyPr/>
                     <a:lstStyle/>
                     <a:p>
+                      <a:pPr algn="l" fontAlgn="b"/>
                       <a:r>
-                        <a:rPr lang="zh-CN" altLang="en-US" sz="1200" dirty="0" smtClean="0">
+                        <a:rPr lang="zh-CN" altLang="en-US" sz="1200" u="none" strike="noStrike">
+                          <a:effectLst/>
                           <a:latin typeface="微软雅黑" pitchFamily="34" charset="-122"/>
                           <a:ea typeface="微软雅黑" pitchFamily="34" charset="-122"/>
                         </a:rPr>
-                        <a:t>开物</a:t>
+                        <a:t>游戏知心</a:t>
                       </a:r>
-                      <a:r>
-                        <a:rPr lang="en-US" altLang="zh-CN" sz="1200" dirty="0" smtClean="0">
-                          <a:latin typeface="微软雅黑" pitchFamily="34" charset="-122"/>
-                          <a:ea typeface="微软雅黑" pitchFamily="34" charset="-122"/>
-                        </a:rPr>
-                        <a:t>-</a:t>
-                      </a:r>
-                      <a:r>
-                        <a:rPr lang="zh-CN" altLang="en-US" sz="1200" dirty="0" smtClean="0">
-                          <a:latin typeface="微软雅黑" pitchFamily="34" charset="-122"/>
-                          <a:ea typeface="微软雅黑" pitchFamily="34" charset="-122"/>
-                        </a:rPr>
-                        <a:t>医疗类</a:t>
-                      </a:r>
-                      <a:endParaRPr lang="en-US" sz="1200" dirty="0">
+                      <a:endParaRPr lang="zh-CN" altLang="en-US" sz="1200" b="0" i="0" u="none" strike="noStrike">
+                        <a:solidFill>
+                          <a:srgbClr val="000000"/>
+                        </a:solidFill>
+                        <a:effectLst/>
                         <a:latin typeface="微软雅黑" pitchFamily="34" charset="-122"/>
                         <a:ea typeface="微软雅黑" pitchFamily="34" charset="-122"/>
                       </a:endParaRPr>
                     </a:p>
                   </a:txBody>
-                  <a:tcPr/>
+                  <a:tcPr marL="8958" marR="8958" marT="8958" marB="0" anchor="b"/>
                 </a:tc>
                 <a:tc>
                   <a:txBody>
                     <a:bodyPr/>
                     <a:lstStyle/>
                     <a:p>
+                      <a:pPr algn="l" fontAlgn="b"/>
                       <a:r>
-                        <a:rPr lang="en-US" altLang="zh-CN" sz="1200" dirty="0" smtClean="0">
+                        <a:rPr lang="zh-CN" altLang="en-US" sz="1200" u="none" strike="noStrike" dirty="0">
+                          <a:effectLst/>
                           <a:latin typeface="微软雅黑" pitchFamily="34" charset="-122"/>
                           <a:ea typeface="微软雅黑" pitchFamily="34" charset="-122"/>
                         </a:rPr>
-                        <a:t>E</a:t>
+                        <a:t>依据兴趣点和游戏知心爱玩中间页广</a:t>
                       </a:r>
                       <a:r>
-                        <a:rPr lang="zh-CN" altLang="en-US" sz="1200" dirty="0" smtClean="0">
+                        <a:rPr lang="zh-CN" altLang="en-US" sz="1200" u="none" strike="noStrike" dirty="0" smtClean="0">
+                          <a:effectLst/>
                           <a:latin typeface="微软雅黑" pitchFamily="34" charset="-122"/>
                           <a:ea typeface="微软雅黑" pitchFamily="34" charset="-122"/>
                         </a:rPr>
-                        <a:t>（游戏），设定</a:t>
+                        <a:t>告</a:t>
                       </a:r>
+                      <a:endParaRPr lang="en-US" altLang="zh-CN" sz="1200" u="none" strike="noStrike" dirty="0" smtClean="0">
+                        <a:effectLst/>
+                        <a:latin typeface="微软雅黑" pitchFamily="34" charset="-122"/>
+                        <a:ea typeface="微软雅黑" pitchFamily="34" charset="-122"/>
+                      </a:endParaRPr>
+                    </a:p>
+                    <a:p>
+                      <a:pPr algn="l" fontAlgn="b"/>
                       <a:r>
-                        <a:rPr lang="en-US" altLang="zh-CN" sz="1200" dirty="0" smtClean="0">
+                        <a:rPr lang="zh-CN" altLang="en-US" sz="1200" u="none" strike="noStrike" dirty="0" smtClean="0">
+                          <a:effectLst/>
                           <a:latin typeface="微软雅黑" pitchFamily="34" charset="-122"/>
                           <a:ea typeface="微软雅黑" pitchFamily="34" charset="-122"/>
                         </a:rPr>
-                        <a:t>P</a:t>
+                        <a:t>触</a:t>
                       </a:r>
                       <a:r>
-                        <a:rPr lang="zh-CN" altLang="en-US" sz="1200" dirty="0" smtClean="0">
+                        <a:rPr lang="zh-CN" altLang="en-US" sz="1200" u="none" strike="noStrike" dirty="0">
+                          <a:effectLst/>
                           <a:latin typeface="微软雅黑" pitchFamily="34" charset="-122"/>
                           <a:ea typeface="微软雅黑" pitchFamily="34" charset="-122"/>
                         </a:rPr>
-                        <a:t>（祛斑，美容等）</a:t>
+                        <a:t>发</a:t>
                       </a:r>
-                      <a:endParaRPr lang="en-US" sz="1200" dirty="0">
+                      <a:r>
+                        <a:rPr lang="zh-CN" altLang="en-US" sz="1200" u="none" strike="noStrike" dirty="0" smtClean="0">
+                          <a:effectLst/>
+                          <a:latin typeface="微软雅黑" pitchFamily="34" charset="-122"/>
+                          <a:ea typeface="微软雅黑" pitchFamily="34" charset="-122"/>
+                        </a:rPr>
+                        <a:t>，优</a:t>
+                      </a:r>
+                      <a:r>
+                        <a:rPr lang="zh-CN" altLang="en-US" sz="1200" u="none" strike="noStrike" dirty="0">
+                          <a:effectLst/>
+                          <a:latin typeface="微软雅黑" pitchFamily="34" charset="-122"/>
+                          <a:ea typeface="微软雅黑" pitchFamily="34" charset="-122"/>
+                        </a:rPr>
+                        <a:t>化大搜泛需求卡片结果</a:t>
+                      </a:r>
+                      <a:endParaRPr lang="zh-CN" altLang="en-US" sz="1200" b="0" i="0" u="none" strike="noStrike" dirty="0">
+                        <a:solidFill>
+                          <a:srgbClr val="000000"/>
+                        </a:solidFill>
+                        <a:effectLst/>
                         <a:latin typeface="微软雅黑" pitchFamily="34" charset="-122"/>
                         <a:ea typeface="微软雅黑" pitchFamily="34" charset="-122"/>
                       </a:endParaRPr>
                     </a:p>
                   </a:txBody>
-                  <a:tcPr/>
+                  <a:tcPr marL="8958" marR="8958" marT="8958" marB="0" anchor="b"/>
                 </a:tc>
                 <a:tc>
                   <a:txBody>
                     <a:bodyPr/>
                     <a:lstStyle/>
                     <a:p>
+                      <a:pPr algn="l" fontAlgn="b"/>
                       <a:r>
-                        <a:rPr lang="en-US" altLang="zh-CN" sz="1200" dirty="0" smtClean="0">
+                        <a:rPr lang="zh-CN" altLang="en-US" sz="1200" u="none" strike="noStrike" dirty="0">
+                          <a:effectLst/>
                           <a:latin typeface="微软雅黑" pitchFamily="34" charset="-122"/>
                           <a:ea typeface="微软雅黑" pitchFamily="34" charset="-122"/>
                         </a:rPr>
-                        <a:t>0.1%-3.0%</a:t>
+                        <a:t>实现对接，目前日</a:t>
                       </a:r>
-                      <a:endParaRPr lang="en-US" sz="1200" dirty="0">
+                      <a:r>
+                        <a:rPr lang="en-US" altLang="zh-CN" sz="1200" u="none" strike="noStrike" dirty="0" err="1">
+                          <a:effectLst/>
+                          <a:latin typeface="微软雅黑" pitchFamily="34" charset="-122"/>
+                          <a:ea typeface="微软雅黑" pitchFamily="34" charset="-122"/>
+                        </a:rPr>
+                        <a:t>pv</a:t>
+                      </a:r>
+                      <a:r>
+                        <a:rPr lang="en-US" altLang="zh-CN" sz="1200" u="none" strike="noStrike" dirty="0">
+                          <a:effectLst/>
+                          <a:latin typeface="微软雅黑" pitchFamily="34" charset="-122"/>
+                          <a:ea typeface="微软雅黑" pitchFamily="34" charset="-122"/>
+                        </a:rPr>
+                        <a:t> 260</a:t>
+                      </a:r>
+                      <a:r>
+                        <a:rPr lang="zh-CN" altLang="en-US" sz="1200" u="none" strike="noStrike" dirty="0">
+                          <a:effectLst/>
+                          <a:latin typeface="微软雅黑" pitchFamily="34" charset="-122"/>
+                          <a:ea typeface="微软雅黑" pitchFamily="34" charset="-122"/>
+                        </a:rPr>
+                        <a:t>万，周末</a:t>
+                      </a:r>
+                      <a:r>
+                        <a:rPr lang="en-US" altLang="zh-CN" sz="1200" u="none" strike="noStrike" dirty="0" err="1">
+                          <a:effectLst/>
+                          <a:latin typeface="微软雅黑" pitchFamily="34" charset="-122"/>
+                          <a:ea typeface="微软雅黑" pitchFamily="34" charset="-122"/>
+                        </a:rPr>
+                        <a:t>pv</a:t>
+                      </a:r>
+                      <a:r>
+                        <a:rPr lang="zh-CN" altLang="en-US" sz="1200" u="none" strike="noStrike" dirty="0">
+                          <a:effectLst/>
+                          <a:latin typeface="微软雅黑" pitchFamily="34" charset="-122"/>
+                          <a:ea typeface="微软雅黑" pitchFamily="34" charset="-122"/>
+                        </a:rPr>
+                        <a:t>高峰</a:t>
+                      </a:r>
+                      <a:r>
+                        <a:rPr lang="en-US" altLang="zh-CN" sz="1200" u="none" strike="noStrike" dirty="0">
+                          <a:effectLst/>
+                          <a:latin typeface="微软雅黑" pitchFamily="34" charset="-122"/>
+                          <a:ea typeface="微软雅黑" pitchFamily="34" charset="-122"/>
+                        </a:rPr>
+                        <a:t>380</a:t>
+                      </a:r>
+                      <a:r>
+                        <a:rPr lang="zh-CN" altLang="en-US" sz="1200" u="none" strike="noStrike" dirty="0">
+                          <a:effectLst/>
+                          <a:latin typeface="微软雅黑" pitchFamily="34" charset="-122"/>
+                          <a:ea typeface="微软雅黑" pitchFamily="34" charset="-122"/>
+                        </a:rPr>
+                        <a:t>万，日收入</a:t>
+                      </a:r>
+                      <a:r>
+                        <a:rPr lang="en-US" altLang="zh-CN" sz="1200" u="none" strike="noStrike" dirty="0">
+                          <a:effectLst/>
+                          <a:latin typeface="微软雅黑" pitchFamily="34" charset="-122"/>
+                          <a:ea typeface="微软雅黑" pitchFamily="34" charset="-122"/>
+                        </a:rPr>
+                        <a:t>2</a:t>
+                      </a:r>
+                      <a:r>
+                        <a:rPr lang="zh-CN" altLang="en-US" sz="1200" u="none" strike="noStrike" dirty="0">
+                          <a:effectLst/>
+                          <a:latin typeface="微软雅黑" pitchFamily="34" charset="-122"/>
+                          <a:ea typeface="微软雅黑" pitchFamily="34" charset="-122"/>
+                        </a:rPr>
+                        <a:t>万，周末高峰</a:t>
+                      </a:r>
+                      <a:r>
+                        <a:rPr lang="en-US" altLang="zh-CN" sz="1200" u="none" strike="noStrike" dirty="0">
+                          <a:effectLst/>
+                          <a:latin typeface="微软雅黑" pitchFamily="34" charset="-122"/>
+                          <a:ea typeface="微软雅黑" pitchFamily="34" charset="-122"/>
+                        </a:rPr>
+                        <a:t>3</a:t>
+                      </a:r>
+                      <a:r>
+                        <a:rPr lang="zh-CN" altLang="en-US" sz="1200" u="none" strike="noStrike" dirty="0">
+                          <a:effectLst/>
+                          <a:latin typeface="微软雅黑" pitchFamily="34" charset="-122"/>
+                          <a:ea typeface="微软雅黑" pitchFamily="34" charset="-122"/>
+                        </a:rPr>
+                        <a:t>万</a:t>
+                      </a:r>
+                      <a:r>
+                        <a:rPr lang="zh-CN" altLang="en-US" sz="1200" u="none" strike="noStrike" dirty="0" smtClean="0">
+                          <a:effectLst/>
+                          <a:latin typeface="微软雅黑" pitchFamily="34" charset="-122"/>
+                          <a:ea typeface="微软雅黑" pitchFamily="34" charset="-122"/>
+                        </a:rPr>
+                        <a:t>，页</a:t>
+                      </a:r>
+                      <a:r>
+                        <a:rPr lang="zh-CN" altLang="en-US" sz="1200" u="none" strike="noStrike" dirty="0">
+                          <a:effectLst/>
+                          <a:latin typeface="微软雅黑" pitchFamily="34" charset="-122"/>
+                          <a:ea typeface="微软雅黑" pitchFamily="34" charset="-122"/>
+                        </a:rPr>
+                        <a:t>游频道点击率提升</a:t>
+                      </a:r>
+                      <a:r>
+                        <a:rPr lang="en-US" altLang="zh-CN" sz="1200" u="none" strike="noStrike" dirty="0">
+                          <a:effectLst/>
+                          <a:latin typeface="微软雅黑" pitchFamily="34" charset="-122"/>
+                          <a:ea typeface="微软雅黑" pitchFamily="34" charset="-122"/>
+                        </a:rPr>
+                        <a:t>65%</a:t>
+                      </a:r>
+                      <a:r>
+                        <a:rPr lang="zh-CN" altLang="en-US" sz="1200" u="none" strike="noStrike" dirty="0">
+                          <a:effectLst/>
+                          <a:latin typeface="微软雅黑" pitchFamily="34" charset="-122"/>
+                          <a:ea typeface="微软雅黑" pitchFamily="34" charset="-122"/>
+                        </a:rPr>
+                        <a:t>，端游点击率提升</a:t>
+                      </a:r>
+                      <a:r>
+                        <a:rPr lang="en-US" altLang="zh-CN" sz="1200" u="none" strike="noStrike" dirty="0">
+                          <a:effectLst/>
+                          <a:latin typeface="微软雅黑" pitchFamily="34" charset="-122"/>
+                          <a:ea typeface="微软雅黑" pitchFamily="34" charset="-122"/>
+                        </a:rPr>
+                        <a:t>20%</a:t>
+                      </a:r>
+                      <a:r>
+                        <a:rPr lang="zh-CN" altLang="en-US" sz="1200" u="none" strike="noStrike" dirty="0">
+                          <a:effectLst/>
+                          <a:latin typeface="微软雅黑" pitchFamily="34" charset="-122"/>
+                          <a:ea typeface="微软雅黑" pitchFamily="34" charset="-122"/>
+                        </a:rPr>
+                        <a:t>，单机</a:t>
+                      </a:r>
+                      <a:r>
+                        <a:rPr lang="en-US" altLang="zh-CN" sz="1200" u="none" strike="noStrike" dirty="0">
+                          <a:effectLst/>
+                          <a:latin typeface="微软雅黑" pitchFamily="34" charset="-122"/>
+                          <a:ea typeface="微软雅黑" pitchFamily="34" charset="-122"/>
+                        </a:rPr>
+                        <a:t>14%</a:t>
+                      </a:r>
+                      <a:r>
+                        <a:rPr lang="zh-CN" altLang="en-US" sz="1200" u="none" strike="noStrike" dirty="0">
+                          <a:effectLst/>
+                          <a:latin typeface="微软雅黑" pitchFamily="34" charset="-122"/>
+                          <a:ea typeface="微软雅黑" pitchFamily="34" charset="-122"/>
+                        </a:rPr>
+                        <a:t>，手游</a:t>
+                      </a:r>
+                      <a:r>
+                        <a:rPr lang="en-US" altLang="zh-CN" sz="1200" u="none" strike="noStrike" dirty="0">
+                          <a:effectLst/>
+                          <a:latin typeface="微软雅黑" pitchFamily="34" charset="-122"/>
+                          <a:ea typeface="微软雅黑" pitchFamily="34" charset="-122"/>
+                        </a:rPr>
+                        <a:t>21%</a:t>
+                      </a:r>
+                      <a:endParaRPr lang="en-US" altLang="zh-CN" sz="1200" b="0" i="0" u="none" strike="noStrike" dirty="0">
+                        <a:solidFill>
+                          <a:srgbClr val="000000"/>
+                        </a:solidFill>
+                        <a:effectLst/>
                         <a:latin typeface="微软雅黑" pitchFamily="34" charset="-122"/>
                         <a:ea typeface="微软雅黑" pitchFamily="34" charset="-122"/>
                       </a:endParaRPr>
                     </a:p>
                   </a:txBody>
-                  <a:tcPr/>
+                  <a:tcPr marL="8958" marR="8958" marT="8958" marB="0" anchor="b"/>
+                </a:tc>
+              </a:tr>
+              <a:tr h="358328">
+                <a:tc>
+                  <a:txBody>
+                    <a:bodyPr/>
+                    <a:lstStyle/>
+                    <a:p>
+                      <a:pPr algn="l" fontAlgn="b"/>
+                      <a:r>
+                        <a:rPr lang="zh-CN" altLang="en-US" sz="1200" u="none" strike="noStrike" dirty="0">
+                          <a:effectLst/>
+                          <a:latin typeface="微软雅黑" pitchFamily="34" charset="-122"/>
+                          <a:ea typeface="微软雅黑" pitchFamily="34" charset="-122"/>
+                        </a:rPr>
+                        <a:t>秋实</a:t>
+                      </a:r>
+                      <a:endParaRPr lang="zh-CN" altLang="en-US" sz="1200" b="0" i="0" u="none" strike="noStrike" dirty="0">
+                        <a:solidFill>
+                          <a:srgbClr val="000000"/>
+                        </a:solidFill>
+                        <a:effectLst/>
+                        <a:latin typeface="微软雅黑" pitchFamily="34" charset="-122"/>
+                        <a:ea typeface="微软雅黑" pitchFamily="34" charset="-122"/>
+                      </a:endParaRPr>
+                    </a:p>
+                  </a:txBody>
+                  <a:tcPr marL="8958" marR="8958" marT="8958" marB="0" anchor="b"/>
                 </a:tc>
                 <a:tc>
                   <a:txBody>
                     <a:bodyPr/>
                     <a:lstStyle/>
                     <a:p>
+                      <a:pPr algn="l" fontAlgn="b"/>
                       <a:r>
-                        <a:rPr lang="zh-CN" altLang="en-US" sz="1200" dirty="0" smtClean="0">
+                        <a:rPr lang="zh-CN" altLang="en-US" sz="1200" u="none" strike="noStrike">
+                          <a:effectLst/>
                           <a:latin typeface="微软雅黑" pitchFamily="34" charset="-122"/>
                           <a:ea typeface="微软雅黑" pitchFamily="34" charset="-122"/>
                         </a:rPr>
-                        <a:t>投放实验待开启</a:t>
+                        <a:t>人群投放</a:t>
                       </a:r>
-                      <a:endParaRPr lang="en-US" sz="1200" dirty="0">
+                      <a:endParaRPr lang="zh-CN" altLang="en-US" sz="1200" b="0" i="0" u="none" strike="noStrike">
+                        <a:solidFill>
+                          <a:srgbClr val="000000"/>
+                        </a:solidFill>
+                        <a:effectLst/>
                         <a:latin typeface="微软雅黑" pitchFamily="34" charset="-122"/>
                         <a:ea typeface="微软雅黑" pitchFamily="34" charset="-122"/>
                       </a:endParaRPr>
                     </a:p>
                   </a:txBody>
-                  <a:tcPr/>
-                </a:tc>
-              </a:tr>
-              <a:tr h="370840">
-                <a:tc>
-                  <a:txBody>
-                    <a:bodyPr/>
-                    <a:lstStyle/>
-                    <a:p>
-                      <a:r>
-                        <a:rPr lang="zh-CN" altLang="en-US" sz="1200" dirty="0" smtClean="0">
-                          <a:latin typeface="微软雅黑" pitchFamily="34" charset="-122"/>
-                          <a:ea typeface="微软雅黑" pitchFamily="34" charset="-122"/>
-                        </a:rPr>
-                        <a:t>开物</a:t>
-                      </a:r>
-                      <a:r>
-                        <a:rPr lang="en-US" altLang="zh-CN" sz="1200" dirty="0" smtClean="0">
-                          <a:latin typeface="微软雅黑" pitchFamily="34" charset="-122"/>
-                          <a:ea typeface="微软雅黑" pitchFamily="34" charset="-122"/>
-                        </a:rPr>
-                        <a:t>-</a:t>
-                      </a:r>
-                      <a:r>
-                        <a:rPr lang="zh-CN" altLang="en-US" sz="1200" dirty="0" smtClean="0">
-                          <a:latin typeface="微软雅黑" pitchFamily="34" charset="-122"/>
-                          <a:ea typeface="微软雅黑" pitchFamily="34" charset="-122"/>
-                        </a:rPr>
-                        <a:t>影视类</a:t>
-                      </a:r>
-                      <a:endParaRPr lang="en-US" sz="1200" dirty="0">
-                        <a:latin typeface="微软雅黑" pitchFamily="34" charset="-122"/>
-                        <a:ea typeface="微软雅黑" pitchFamily="34" charset="-122"/>
-                      </a:endParaRPr>
-                    </a:p>
-                  </a:txBody>
-                  <a:tcPr/>
+                  <a:tcPr marL="8958" marR="8958" marT="8958" marB="0" anchor="b"/>
                 </a:tc>
                 <a:tc>
                   <a:txBody>
                     <a:bodyPr/>
                     <a:lstStyle/>
                     <a:p>
+                      <a:pPr algn="l" fontAlgn="b"/>
                       <a:r>
-                        <a:rPr lang="en-US" altLang="zh-CN" sz="1200" dirty="0" smtClean="0">
+                        <a:rPr lang="zh-CN" altLang="en-US" sz="1200" u="none" strike="noStrike" dirty="0">
+                          <a:effectLst/>
                           <a:latin typeface="微软雅黑" pitchFamily="34" charset="-122"/>
                           <a:ea typeface="微软雅黑" pitchFamily="34" charset="-122"/>
                         </a:rPr>
-                        <a:t>E</a:t>
+                        <a:t>手游节点上线，待</a:t>
                       </a:r>
                       <a:r>
-                        <a:rPr lang="zh-CN" altLang="en-US" sz="1200" dirty="0" smtClean="0">
-                          <a:latin typeface="微软雅黑" pitchFamily="34" charset="-122"/>
-                          <a:ea typeface="微软雅黑" pitchFamily="34" charset="-122"/>
-                        </a:rPr>
-                        <a:t>（影视），设定</a:t>
-                      </a:r>
-                      <a:r>
-                        <a:rPr lang="en-US" altLang="zh-CN" sz="1200" dirty="0" smtClean="0">
-                          <a:latin typeface="微软雅黑" pitchFamily="34" charset="-122"/>
-                          <a:ea typeface="微软雅黑" pitchFamily="34" charset="-122"/>
-                        </a:rPr>
-                        <a:t>P</a:t>
-                      </a:r>
-                      <a:r>
-                        <a:rPr lang="zh-CN" altLang="en-US" sz="1200" dirty="0" smtClean="0">
-                          <a:latin typeface="微软雅黑" pitchFamily="34" charset="-122"/>
-                          <a:ea typeface="微软雅黑" pitchFamily="34" charset="-122"/>
-                        </a:rPr>
-                        <a:t>（欧美，日韩等）</a:t>
-                      </a:r>
-                      <a:endParaRPr lang="en-US" sz="1200" dirty="0">
-                        <a:latin typeface="微软雅黑" pitchFamily="34" charset="-122"/>
-                        <a:ea typeface="微软雅黑" pitchFamily="34" charset="-122"/>
-                      </a:endParaRPr>
-                    </a:p>
-                  </a:txBody>
-                  <a:tcPr/>
-                </a:tc>
-                <a:tc>
-                  <a:txBody>
-                    <a:bodyPr/>
-                    <a:lstStyle/>
-                    <a:p>
-                      <a:r>
-                        <a:rPr lang="en-US" altLang="zh-CN" sz="1200" dirty="0" smtClean="0">
-                          <a:latin typeface="微软雅黑" pitchFamily="34" charset="-122"/>
-                          <a:ea typeface="微软雅黑" pitchFamily="34" charset="-122"/>
-                        </a:rPr>
-                        <a:t>0.1%-8.0%</a:t>
-                      </a:r>
-                      <a:endParaRPr lang="en-US" sz="1200" dirty="0">
-                        <a:latin typeface="微软雅黑" pitchFamily="34" charset="-122"/>
-                        <a:ea typeface="微软雅黑" pitchFamily="34" charset="-122"/>
-                      </a:endParaRPr>
-                    </a:p>
-                  </a:txBody>
-                  <a:tcPr/>
-                </a:tc>
-                <a:tc>
-                  <a:txBody>
-                    <a:bodyPr/>
-                    <a:lstStyle/>
-                    <a:p>
-                      <a:r>
-                        <a:rPr lang="zh-CN" altLang="en-US" sz="1200" dirty="0" smtClean="0">
-                          <a:latin typeface="微软雅黑" pitchFamily="34" charset="-122"/>
-                          <a:ea typeface="微软雅黑" pitchFamily="34" charset="-122"/>
-                        </a:rPr>
-                        <a:t>投放实验待开启</a:t>
-                      </a:r>
-                      <a:endParaRPr lang="en-US" sz="1200" dirty="0">
-                        <a:latin typeface="微软雅黑" pitchFamily="34" charset="-122"/>
-                        <a:ea typeface="微软雅黑" pitchFamily="34" charset="-122"/>
-                      </a:endParaRPr>
-                    </a:p>
-                  </a:txBody>
-                  <a:tcPr/>
-                </a:tc>
-              </a:tr>
-              <a:tr h="370840">
-                <a:tc>
-                  <a:txBody>
-                    <a:bodyPr/>
-                    <a:lstStyle/>
-                    <a:p>
-                      <a:r>
-                        <a:rPr lang="en-US" altLang="zh-CN" sz="1200" dirty="0" smtClean="0">
-                          <a:latin typeface="微软雅黑" pitchFamily="34" charset="-122"/>
-                          <a:ea typeface="微软雅黑" pitchFamily="34" charset="-122"/>
-                        </a:rPr>
-                        <a:t>NLP</a:t>
-                      </a:r>
-                      <a:r>
-                        <a:rPr lang="zh-CN" altLang="en-US" sz="1200" dirty="0" smtClean="0">
-                          <a:latin typeface="微软雅黑" pitchFamily="34" charset="-122"/>
-                          <a:ea typeface="微软雅黑" pitchFamily="34" charset="-122"/>
-                        </a:rPr>
-                        <a:t>类</a:t>
-                      </a:r>
-                      <a:endParaRPr lang="en-US" sz="1200" dirty="0">
-                        <a:latin typeface="微软雅黑" pitchFamily="34" charset="-122"/>
-                        <a:ea typeface="微软雅黑" pitchFamily="34" charset="-122"/>
-                      </a:endParaRPr>
-                    </a:p>
-                  </a:txBody>
-                  <a:tcPr/>
-                </a:tc>
-                <a:tc>
-                  <a:txBody>
-                    <a:bodyPr/>
-                    <a:lstStyle/>
-                    <a:p>
-                      <a:r>
-                        <a:rPr lang="en-US" altLang="zh-CN" sz="1200" dirty="0" smtClean="0">
-                          <a:latin typeface="微软雅黑" pitchFamily="34" charset="-122"/>
-                          <a:ea typeface="微软雅黑" pitchFamily="34" charset="-122"/>
-                        </a:rPr>
-                        <a:t>E</a:t>
-                      </a:r>
-                      <a:r>
-                        <a:rPr lang="zh-CN" altLang="en-US" sz="1200" dirty="0" smtClean="0">
-                          <a:latin typeface="微软雅黑" pitchFamily="34" charset="-122"/>
-                          <a:ea typeface="微软雅黑" pitchFamily="34" charset="-122"/>
-                        </a:rPr>
-                        <a:t>（娱乐），设定关联</a:t>
-                      </a:r>
-                      <a:r>
-                        <a:rPr lang="en-US" altLang="zh-CN" sz="1200" dirty="0" smtClean="0">
-                          <a:latin typeface="微软雅黑" pitchFamily="34" charset="-122"/>
-                          <a:ea typeface="微软雅黑" pitchFamily="34" charset="-122"/>
-                        </a:rPr>
-                        <a:t>P</a:t>
-                      </a:r>
-                      <a:r>
-                        <a:rPr lang="zh-CN" altLang="en-US" sz="1200" dirty="0" smtClean="0">
-                          <a:latin typeface="微软雅黑" pitchFamily="34" charset="-122"/>
-                          <a:ea typeface="微软雅黑" pitchFamily="34" charset="-122"/>
-                        </a:rPr>
-                        <a:t>，</a:t>
-                      </a:r>
-                      <a:r>
-                        <a:rPr lang="en-US" altLang="zh-CN" sz="1200" dirty="0" smtClean="0">
+                        <a:rPr lang="en-US" altLang="zh-CN" sz="1200" u="none" strike="noStrike" dirty="0">
+                          <a:effectLst/>
                           <a:latin typeface="微软雅黑" pitchFamily="34" charset="-122"/>
                           <a:ea typeface="微软雅黑" pitchFamily="34" charset="-122"/>
                         </a:rPr>
                         <a:t>1</a:t>
                       </a:r>
                       <a:r>
-                        <a:rPr lang="zh-CN" altLang="en-US" sz="1200" dirty="0" smtClean="0">
+                        <a:rPr lang="zh-CN" altLang="en-US" sz="1200" u="none" strike="noStrike" dirty="0">
+                          <a:effectLst/>
                           <a:latin typeface="微软雅黑" pitchFamily="34" charset="-122"/>
                           <a:ea typeface="微软雅黑" pitchFamily="34" charset="-122"/>
                         </a:rPr>
-                        <a:t>小时时间响应</a:t>
+                        <a:t>月底业务端上线</a:t>
                       </a:r>
-                      <a:endParaRPr lang="en-US" sz="1200" dirty="0">
-                        <a:latin typeface="微软雅黑" pitchFamily="34" charset="-122"/>
-                        <a:ea typeface="微软雅黑" pitchFamily="34" charset="-122"/>
-                      </a:endParaRPr>
-                    </a:p>
-                  </a:txBody>
-                  <a:tcPr/>
-                </a:tc>
-                <a:tc>
-                  <a:txBody>
-                    <a:bodyPr/>
-                    <a:lstStyle/>
-                    <a:p>
                       <a:r>
-                        <a:rPr lang="en-US" sz="1200" dirty="0" smtClean="0">
+                        <a:rPr lang="zh-CN" altLang="en-US" sz="1200" u="none" strike="noStrike" dirty="0" smtClean="0">
+                          <a:effectLst/>
                           <a:latin typeface="微软雅黑" pitchFamily="34" charset="-122"/>
                           <a:ea typeface="微软雅黑" pitchFamily="34" charset="-122"/>
                         </a:rPr>
-                        <a:t>&lt;0.1%</a:t>
+                        <a:t>；汽</a:t>
                       </a:r>
-                      <a:endParaRPr lang="en-US" sz="1200" dirty="0">
-                        <a:latin typeface="微软雅黑" pitchFamily="34" charset="-122"/>
-                        <a:ea typeface="微软雅黑" pitchFamily="34" charset="-122"/>
-                      </a:endParaRPr>
-                    </a:p>
-                  </a:txBody>
-                  <a:tcPr/>
-                </a:tc>
-                <a:tc>
-                  <a:txBody>
-                    <a:bodyPr/>
-                    <a:lstStyle/>
-                    <a:p>
                       <a:r>
-                        <a:rPr lang="zh-CN" altLang="en-US" sz="1200" dirty="0" smtClean="0">
+                        <a:rPr lang="zh-CN" altLang="en-US" sz="1200" u="none" strike="noStrike" dirty="0">
+                          <a:effectLst/>
                           <a:latin typeface="微软雅黑" pitchFamily="34" charset="-122"/>
                           <a:ea typeface="微软雅黑" pitchFamily="34" charset="-122"/>
                         </a:rPr>
-                        <a:t>特殊需求，</a:t>
+                        <a:t>车节点</a:t>
                       </a:r>
                       <a:r>
-                        <a:rPr lang="en-US" altLang="zh-CN" sz="1200" dirty="0" smtClean="0">
+                        <a:rPr lang="en-US" altLang="zh-CN" sz="1200" u="none" strike="noStrike" dirty="0">
+                          <a:effectLst/>
                           <a:latin typeface="微软雅黑" pitchFamily="34" charset="-122"/>
                           <a:ea typeface="微软雅黑" pitchFamily="34" charset="-122"/>
                         </a:rPr>
                         <a:t>1</a:t>
                       </a:r>
                       <a:r>
-                        <a:rPr lang="zh-CN" altLang="en-US" sz="1200" dirty="0" smtClean="0">
+                        <a:rPr lang="zh-CN" altLang="en-US" sz="1200" u="none" strike="noStrike" dirty="0">
+                          <a:effectLst/>
                           <a:latin typeface="微软雅黑" pitchFamily="34" charset="-122"/>
                           <a:ea typeface="微软雅黑" pitchFamily="34" charset="-122"/>
                         </a:rPr>
-                        <a:t>小时内行为，比例较小</a:t>
+                        <a:t>月底到</a:t>
                       </a:r>
-                      <a:endParaRPr lang="en-US" sz="1200" dirty="0">
+                      <a:r>
+                        <a:rPr lang="en-US" altLang="zh-CN" sz="1200" u="none" strike="noStrike" dirty="0">
+                          <a:effectLst/>
+                          <a:latin typeface="微软雅黑" pitchFamily="34" charset="-122"/>
+                          <a:ea typeface="微软雅黑" pitchFamily="34" charset="-122"/>
+                        </a:rPr>
+                        <a:t>2</a:t>
+                      </a:r>
+                      <a:r>
+                        <a:rPr lang="zh-CN" altLang="en-US" sz="1200" u="none" strike="noStrike" dirty="0">
+                          <a:effectLst/>
+                          <a:latin typeface="微软雅黑" pitchFamily="34" charset="-122"/>
+                          <a:ea typeface="微软雅黑" pitchFamily="34" charset="-122"/>
+                        </a:rPr>
+                        <a:t>月初上线；行为数据源引入</a:t>
+                      </a:r>
+                      <a:endParaRPr lang="zh-CN" altLang="en-US" sz="1200" b="0" i="0" u="none" strike="noStrike" dirty="0">
+                        <a:solidFill>
+                          <a:srgbClr val="000000"/>
+                        </a:solidFill>
+                        <a:effectLst/>
                         <a:latin typeface="微软雅黑" pitchFamily="34" charset="-122"/>
                         <a:ea typeface="微软雅黑" pitchFamily="34" charset="-122"/>
                       </a:endParaRPr>
                     </a:p>
                   </a:txBody>
-                  <a:tcPr/>
-                </a:tc>
-              </a:tr>
-              <a:tr h="370840">
-                <a:tc>
-                  <a:txBody>
-                    <a:bodyPr/>
-                    <a:lstStyle/>
-                    <a:p>
-                      <a:r>
-                        <a:rPr lang="zh-CN" altLang="en-US" sz="1200" dirty="0" smtClean="0">
-                          <a:latin typeface="微软雅黑" pitchFamily="34" charset="-122"/>
-                          <a:ea typeface="微软雅黑" pitchFamily="34" charset="-122"/>
-                        </a:rPr>
-                        <a:t>移动类</a:t>
-                      </a:r>
-                      <a:endParaRPr lang="en-US" sz="1200" dirty="0">
-                        <a:latin typeface="微软雅黑" pitchFamily="34" charset="-122"/>
-                        <a:ea typeface="微软雅黑" pitchFamily="34" charset="-122"/>
-                      </a:endParaRPr>
-                    </a:p>
-                  </a:txBody>
-                  <a:tcPr/>
-                </a:tc>
-                <a:tc>
-                  <a:txBody>
-                    <a:bodyPr/>
-                    <a:lstStyle/>
-                    <a:p>
-                      <a:r>
-                        <a:rPr lang="zh-CN" altLang="en-US" sz="1200" dirty="0" smtClean="0">
-                          <a:latin typeface="微软雅黑" pitchFamily="34" charset="-122"/>
-                          <a:ea typeface="微软雅黑" pitchFamily="34" charset="-122"/>
-                        </a:rPr>
-                        <a:t>网盟移动流量上，支持游戏节点构建</a:t>
-                      </a:r>
-                      <a:endParaRPr lang="en-US" sz="1200" dirty="0">
-                        <a:latin typeface="微软雅黑" pitchFamily="34" charset="-122"/>
-                        <a:ea typeface="微软雅黑" pitchFamily="34" charset="-122"/>
-                      </a:endParaRPr>
-                    </a:p>
-                  </a:txBody>
-                  <a:tcPr/>
-                </a:tc>
-                <a:tc>
-                  <a:txBody>
-                    <a:bodyPr/>
-                    <a:lstStyle/>
-                    <a:p>
-                      <a:r>
-                        <a:rPr lang="en-US" altLang="zh-CN" sz="1200" dirty="0" smtClean="0">
-                          <a:latin typeface="微软雅黑" pitchFamily="34" charset="-122"/>
-                          <a:ea typeface="微软雅黑" pitchFamily="34" charset="-122"/>
-                        </a:rPr>
-                        <a:t>0.3%-0.7%</a:t>
-                      </a:r>
-                      <a:endParaRPr lang="en-US" sz="1200" dirty="0">
-                        <a:latin typeface="微软雅黑" pitchFamily="34" charset="-122"/>
-                        <a:ea typeface="微软雅黑" pitchFamily="34" charset="-122"/>
-                      </a:endParaRPr>
-                    </a:p>
-                  </a:txBody>
-                  <a:tcPr/>
-                </a:tc>
-                <a:tc>
-                  <a:txBody>
-                    <a:bodyPr/>
-                    <a:lstStyle/>
-                    <a:p>
-                      <a:r>
-                        <a:rPr lang="zh-CN" altLang="en-US" sz="1200" dirty="0" smtClean="0">
-                          <a:latin typeface="微软雅黑" pitchFamily="34" charset="-122"/>
-                          <a:ea typeface="微软雅黑" pitchFamily="34" charset="-122"/>
-                        </a:rPr>
-                        <a:t>构建效果良好，业务端即将上线实验</a:t>
-                      </a:r>
-                      <a:endParaRPr lang="en-US" sz="1200" dirty="0">
-                        <a:latin typeface="微软雅黑" pitchFamily="34" charset="-122"/>
-                        <a:ea typeface="微软雅黑" pitchFamily="34" charset="-122"/>
-                      </a:endParaRPr>
-                    </a:p>
-                  </a:txBody>
-                  <a:tcPr/>
+                  <a:tcPr marL="8958" marR="8958" marT="8958" marB="0" anchor="b"/>
                 </a:tc>
               </a:tr>
             </a:tbl>
@@ -17833,7 +17416,7 @@
     </p:spTree>
     <p:extLst>
       <p:ext uri="{BB962C8B-B14F-4D97-AF65-F5344CB8AC3E}">
-        <p14:creationId xmlns:p14="http://schemas.microsoft.com/office/powerpoint/2010/main" val="52385449"/>
+        <p14:creationId xmlns:p14="http://schemas.microsoft.com/office/powerpoint/2010/main" val="2969251312"/>
       </p:ext>
     </p:extLst>
   </p:cSld>
@@ -17879,50 +17462,319 @@
         </p:nvSpPr>
         <p:spPr>
           <a:xfrm>
-            <a:off x="282781" y="1273324"/>
-            <a:ext cx="8537691" cy="3421608"/>
+            <a:off x="323528" y="1308100"/>
+            <a:ext cx="8496944" cy="1621408"/>
           </a:xfrm>
         </p:spPr>
         <p:txBody>
           <a:bodyPr/>
           <a:lstStyle/>
           <a:p>
-            <a:r>
-              <a:rPr lang="zh-CN" altLang="en-US" sz="1600" dirty="0" smtClean="0">
-                <a:latin typeface="微软雅黑" pitchFamily="34" charset="-122"/>
-                <a:ea typeface="微软雅黑" pitchFamily="34" charset="-122"/>
-              </a:rPr>
-              <a:t>人</a:t>
-            </a:r>
-            <a:r>
-              <a:rPr lang="zh-CN" altLang="en-US" sz="1600" dirty="0" smtClean="0">
-                <a:latin typeface="微软雅黑" pitchFamily="34" charset="-122"/>
-                <a:ea typeface="微软雅黑" pitchFamily="34" charset="-122"/>
-              </a:rPr>
-              <a:t>群</a:t>
-            </a:r>
-            <a:r>
-              <a:rPr lang="en-US" altLang="zh-CN" sz="1600" dirty="0" smtClean="0">
-                <a:latin typeface="微软雅黑" pitchFamily="34" charset="-122"/>
-                <a:ea typeface="微软雅黑" pitchFamily="34" charset="-122"/>
-              </a:rPr>
-              <a:t>A720</a:t>
-            </a:r>
-            <a:r>
-              <a:rPr lang="zh-CN" altLang="en-US" sz="1600" dirty="0" smtClean="0">
-                <a:latin typeface="微软雅黑" pitchFamily="34" charset="-122"/>
-                <a:ea typeface="微软雅黑" pitchFamily="34" charset="-122"/>
-              </a:rPr>
-              <a:t>系列工具</a:t>
-            </a:r>
-            <a:r>
-              <a:rPr lang="zh-CN" altLang="en-US" sz="1600" dirty="0" smtClean="0">
-                <a:latin typeface="微软雅黑" pitchFamily="34" charset="-122"/>
-                <a:ea typeface="微软雅黑" pitchFamily="34" charset="-122"/>
-              </a:rPr>
-              <a:t>跟进构建人群分析，保证构建人群的质量</a:t>
-            </a:r>
-            <a:endParaRPr lang="en-US" altLang="zh-CN" sz="1600" dirty="0" smtClean="0">
+            <a:pPr marL="342900" lvl="1" indent="-342900">
+              <a:buClr>
+                <a:srgbClr val="2318DE"/>
+              </a:buClr>
+              <a:buChar char="•"/>
+            </a:pPr>
+            <a:r>
+              <a:rPr lang="en-US" altLang="zh-CN" sz="2400" b="1" dirty="0" smtClean="0">
+                <a:latin typeface="微软雅黑" pitchFamily="34" charset="-122"/>
+                <a:ea typeface="微软雅黑" pitchFamily="34" charset="-122"/>
+                <a:cs typeface="+mn-cs"/>
+              </a:rPr>
+              <a:t>KTE</a:t>
+            </a:r>
+            <a:r>
+              <a:rPr lang="zh-CN" altLang="en-US" sz="2400" b="1" dirty="0">
+                <a:latin typeface="微软雅黑" pitchFamily="34" charset="-122"/>
+                <a:ea typeface="微软雅黑" pitchFamily="34" charset="-122"/>
+                <a:cs typeface="+mn-cs"/>
+              </a:rPr>
+              <a:t>广</a:t>
+            </a:r>
+            <a:r>
+              <a:rPr lang="zh-CN" altLang="en-US" sz="2400" b="1" dirty="0" smtClean="0">
+                <a:latin typeface="微软雅黑" pitchFamily="34" charset="-122"/>
+                <a:ea typeface="微软雅黑" pitchFamily="34" charset="-122"/>
+                <a:cs typeface="+mn-cs"/>
+              </a:rPr>
+              <a:t>告收入拓展</a:t>
+            </a:r>
+            <a:endParaRPr lang="en-US" altLang="zh-CN" sz="2400" b="1" dirty="0" smtClean="0">
+              <a:latin typeface="微软雅黑" pitchFamily="34" charset="-122"/>
+              <a:ea typeface="微软雅黑" pitchFamily="34" charset="-122"/>
+              <a:cs typeface="+mn-cs"/>
+            </a:endParaRPr>
+          </a:p>
+          <a:p>
+            <a:pPr lvl="1"/>
+            <a:r>
+              <a:rPr lang="zh-CN" altLang="en-US" sz="1400" dirty="0" smtClean="0">
+                <a:latin typeface="微软雅黑" pitchFamily="34" charset="-122"/>
+                <a:ea typeface="微软雅黑" pitchFamily="34" charset="-122"/>
+              </a:rPr>
+              <a:t>主要工作：</a:t>
+            </a:r>
+            <a:endParaRPr lang="en-US" altLang="zh-CN" sz="1400" dirty="0" smtClean="0">
+              <a:latin typeface="微软雅黑" pitchFamily="34" charset="-122"/>
+              <a:ea typeface="微软雅黑" pitchFamily="34" charset="-122"/>
+            </a:endParaRPr>
+          </a:p>
+          <a:p>
+            <a:pPr lvl="2"/>
+            <a:r>
+              <a:rPr lang="zh-CN" altLang="en-US" sz="1200" dirty="0" smtClean="0">
+                <a:latin typeface="微软雅黑" pitchFamily="34" charset="-122"/>
+                <a:ea typeface="微软雅黑" pitchFamily="34" charset="-122"/>
+              </a:rPr>
+              <a:t>构建</a:t>
+            </a:r>
+            <a:r>
+              <a:rPr lang="en-US" altLang="zh-CN" sz="1200" dirty="0" smtClean="0">
+                <a:latin typeface="微软雅黑" pitchFamily="34" charset="-122"/>
+                <a:ea typeface="微软雅黑" pitchFamily="34" charset="-122"/>
+              </a:rPr>
+              <a:t>KTE</a:t>
+            </a:r>
+            <a:r>
+              <a:rPr lang="zh-CN" altLang="en-US" sz="1200" dirty="0" smtClean="0">
+                <a:latin typeface="微软雅黑" pitchFamily="34" charset="-122"/>
+                <a:ea typeface="微软雅黑" pitchFamily="34" charset="-122"/>
+              </a:rPr>
+              <a:t>（</a:t>
+            </a:r>
+            <a:r>
+              <a:rPr lang="en-US" altLang="zh-CN" sz="1200" dirty="0" smtClean="0">
+                <a:latin typeface="微软雅黑" pitchFamily="34" charset="-122"/>
+                <a:ea typeface="微软雅黑" pitchFamily="34" charset="-122"/>
+              </a:rPr>
+              <a:t>KT Extend</a:t>
+            </a:r>
+            <a:r>
+              <a:rPr lang="zh-CN" altLang="en-US" sz="1200" dirty="0" smtClean="0">
+                <a:latin typeface="微软雅黑" pitchFamily="34" charset="-122"/>
+                <a:ea typeface="微软雅黑" pitchFamily="34" charset="-122"/>
+              </a:rPr>
+              <a:t>）</a:t>
+            </a:r>
+            <a:r>
+              <a:rPr lang="en-US" altLang="zh-CN" sz="1200" dirty="0">
+                <a:latin typeface="微软雅黑" pitchFamily="34" charset="-122"/>
+                <a:ea typeface="微软雅黑" pitchFamily="34" charset="-122"/>
+              </a:rPr>
+              <a:t>-</a:t>
+            </a:r>
+            <a:r>
+              <a:rPr lang="en-US" altLang="zh-CN" sz="1200" dirty="0" smtClean="0">
+                <a:latin typeface="微软雅黑" pitchFamily="34" charset="-122"/>
+                <a:ea typeface="微软雅黑" pitchFamily="34" charset="-122"/>
+              </a:rPr>
+              <a:t>KT</a:t>
+            </a:r>
+            <a:r>
+              <a:rPr lang="zh-CN" altLang="en-US" sz="1200" dirty="0">
+                <a:latin typeface="微软雅黑" pitchFamily="34" charset="-122"/>
+                <a:ea typeface="微软雅黑" pitchFamily="34" charset="-122"/>
+              </a:rPr>
+              <a:t>整</a:t>
+            </a:r>
+            <a:r>
+              <a:rPr lang="zh-CN" altLang="en-US" sz="1200" dirty="0" smtClean="0">
+                <a:latin typeface="微软雅黑" pitchFamily="34" charset="-122"/>
+                <a:ea typeface="微软雅黑" pitchFamily="34" charset="-122"/>
+              </a:rPr>
+              <a:t>体</a:t>
+            </a:r>
+            <a:r>
+              <a:rPr lang="zh-CN" altLang="en-US" sz="1200" dirty="0">
+                <a:latin typeface="微软雅黑" pitchFamily="34" charset="-122"/>
+                <a:ea typeface="微软雅黑" pitchFamily="34" charset="-122"/>
+              </a:rPr>
+              <a:t>改写</a:t>
+            </a:r>
+            <a:r>
+              <a:rPr lang="zh-CN" altLang="en-US" sz="1200" dirty="0" smtClean="0">
+                <a:latin typeface="微软雅黑" pitchFamily="34" charset="-122"/>
+                <a:ea typeface="微软雅黑" pitchFamily="34" charset="-122"/>
+              </a:rPr>
+              <a:t>框架</a:t>
+            </a:r>
+            <a:r>
+              <a:rPr lang="zh-CN" altLang="en-US" sz="1200" dirty="0" smtClean="0">
+                <a:latin typeface="微软雅黑" pitchFamily="34" charset="-122"/>
+                <a:ea typeface="微软雅黑" pitchFamily="34" charset="-122"/>
+              </a:rPr>
+              <a:t>，统</a:t>
+            </a:r>
+            <a:r>
+              <a:rPr lang="zh-CN" altLang="en-US" sz="1200" dirty="0" smtClean="0">
+                <a:latin typeface="微软雅黑" pitchFamily="34" charset="-122"/>
+                <a:ea typeface="微软雅黑" pitchFamily="34" charset="-122"/>
+              </a:rPr>
+              <a:t>一改写逻辑；</a:t>
+            </a:r>
+            <a:endParaRPr lang="en-US" altLang="zh-CN" sz="1200" dirty="0" smtClean="0">
+              <a:latin typeface="微软雅黑" pitchFamily="34" charset="-122"/>
+              <a:ea typeface="微软雅黑" pitchFamily="34" charset="-122"/>
+            </a:endParaRPr>
+          </a:p>
+          <a:p>
+            <a:pPr lvl="2"/>
+            <a:r>
+              <a:rPr lang="zh-CN" altLang="en-US" sz="1200" dirty="0" smtClean="0">
+                <a:latin typeface="微软雅黑" pitchFamily="34" charset="-122"/>
+                <a:ea typeface="微软雅黑" pitchFamily="34" charset="-122"/>
+              </a:rPr>
+              <a:t>引入</a:t>
+            </a:r>
+            <a:r>
+              <a:rPr lang="en-US" altLang="zh-CN" sz="1200" dirty="0" smtClean="0">
+                <a:latin typeface="微软雅黑" pitchFamily="34" charset="-122"/>
+                <a:ea typeface="微软雅黑" pitchFamily="34" charset="-122"/>
+              </a:rPr>
+              <a:t>KR</a:t>
+            </a:r>
+            <a:r>
+              <a:rPr lang="zh-CN" altLang="en-US" sz="1200" dirty="0" smtClean="0">
+                <a:latin typeface="微软雅黑" pitchFamily="34" charset="-122"/>
+                <a:ea typeface="微软雅黑" pitchFamily="34" charset="-122"/>
+              </a:rPr>
+              <a:t>历史数据及</a:t>
+            </a:r>
+            <a:r>
+              <a:rPr lang="en-US" altLang="zh-CN" sz="1200" dirty="0" smtClean="0">
+                <a:latin typeface="微软雅黑" pitchFamily="34" charset="-122"/>
+                <a:ea typeface="微软雅黑" pitchFamily="34" charset="-122"/>
+              </a:rPr>
+              <a:t>NLP</a:t>
+            </a:r>
+            <a:r>
+              <a:rPr lang="zh-CN" altLang="en-US" sz="1200" dirty="0" smtClean="0">
+                <a:latin typeface="微软雅黑" pitchFamily="34" charset="-122"/>
+                <a:ea typeface="微软雅黑" pitchFamily="34" charset="-122"/>
+              </a:rPr>
+              <a:t>数</a:t>
+            </a:r>
+            <a:r>
+              <a:rPr lang="zh-CN" altLang="en-US" sz="1200" dirty="0" smtClean="0">
+                <a:latin typeface="微软雅黑" pitchFamily="34" charset="-122"/>
+                <a:ea typeface="微软雅黑" pitchFamily="34" charset="-122"/>
+              </a:rPr>
+              <a:t>据</a:t>
+            </a:r>
+            <a:r>
+              <a:rPr lang="zh-CN" altLang="en-US" sz="1200" dirty="0">
+                <a:latin typeface="微软雅黑" pitchFamily="34" charset="-122"/>
+                <a:ea typeface="微软雅黑" pitchFamily="34" charset="-122"/>
+              </a:rPr>
+              <a:t>，</a:t>
+            </a:r>
+            <a:r>
+              <a:rPr lang="zh-CN" altLang="en-US" sz="1200" dirty="0" smtClean="0">
+                <a:latin typeface="微软雅黑" pitchFamily="34" charset="-122"/>
+                <a:ea typeface="微软雅黑" pitchFamily="34" charset="-122"/>
+              </a:rPr>
+              <a:t>作</a:t>
+            </a:r>
+            <a:r>
+              <a:rPr lang="zh-CN" altLang="en-US" sz="1200" dirty="0" smtClean="0">
+                <a:latin typeface="微软雅黑" pitchFamily="34" charset="-122"/>
+                <a:ea typeface="微软雅黑" pitchFamily="34" charset="-122"/>
+              </a:rPr>
+              <a:t>为新的改写数据源；</a:t>
+            </a:r>
+            <a:endParaRPr lang="en-US" altLang="zh-CN" sz="1200" dirty="0" smtClean="0">
+              <a:latin typeface="微软雅黑" pitchFamily="34" charset="-122"/>
+              <a:ea typeface="微软雅黑" pitchFamily="34" charset="-122"/>
+            </a:endParaRPr>
+          </a:p>
+          <a:p>
+            <a:pPr lvl="2"/>
+            <a:r>
+              <a:rPr lang="zh-CN" altLang="en-US" sz="1200" dirty="0" smtClean="0">
+                <a:latin typeface="微软雅黑" pitchFamily="34" charset="-122"/>
+                <a:ea typeface="微软雅黑" pitchFamily="34" charset="-122"/>
+              </a:rPr>
+              <a:t>在检索端改</a:t>
+            </a:r>
+            <a:r>
+              <a:rPr lang="zh-CN" altLang="en-US" sz="1200" dirty="0">
+                <a:latin typeface="微软雅黑" pitchFamily="34" charset="-122"/>
+                <a:ea typeface="微软雅黑" pitchFamily="34" charset="-122"/>
+              </a:rPr>
+              <a:t>写</a:t>
+            </a:r>
+            <a:r>
+              <a:rPr lang="en-US" altLang="zh-CN" sz="1200" dirty="0" smtClean="0">
+                <a:latin typeface="微软雅黑" pitchFamily="34" charset="-122"/>
+                <a:ea typeface="微软雅黑" pitchFamily="34" charset="-122"/>
+              </a:rPr>
+              <a:t>QT/CT/HCT</a:t>
+            </a:r>
+            <a:r>
+              <a:rPr lang="zh-CN" altLang="en-US" sz="1200" dirty="0" smtClean="0">
+                <a:latin typeface="微软雅黑" pitchFamily="34" charset="-122"/>
+                <a:ea typeface="微软雅黑" pitchFamily="34" charset="-122"/>
+              </a:rPr>
+              <a:t>的触发词（</a:t>
+            </a:r>
+            <a:r>
+              <a:rPr lang="en-US" altLang="zh-CN" sz="1200" dirty="0" smtClean="0">
+                <a:latin typeface="微软雅黑" pitchFamily="34" charset="-122"/>
+                <a:ea typeface="微软雅黑" pitchFamily="34" charset="-122"/>
+              </a:rPr>
+              <a:t>bid-word</a:t>
+            </a:r>
+            <a:r>
+              <a:rPr lang="zh-CN" altLang="en-US" sz="1200" dirty="0" smtClean="0">
+                <a:latin typeface="微软雅黑" pitchFamily="34" charset="-122"/>
+                <a:ea typeface="微软雅黑" pitchFamily="34" charset="-122"/>
+              </a:rPr>
+              <a:t>），增</a:t>
+            </a:r>
+            <a:r>
+              <a:rPr lang="zh-CN" altLang="en-US" sz="1200" dirty="0">
+                <a:latin typeface="微软雅黑" pitchFamily="34" charset="-122"/>
+                <a:ea typeface="微软雅黑" pitchFamily="34" charset="-122"/>
+              </a:rPr>
+              <a:t>加</a:t>
+            </a:r>
+            <a:r>
+              <a:rPr lang="en-US" altLang="zh-CN" sz="1200" dirty="0">
+                <a:latin typeface="微软雅黑" pitchFamily="34" charset="-122"/>
+                <a:ea typeface="微软雅黑" pitchFamily="34" charset="-122"/>
+              </a:rPr>
+              <a:t>KT</a:t>
+            </a:r>
+            <a:r>
+              <a:rPr lang="zh-CN" altLang="en-US" sz="1200" dirty="0">
+                <a:latin typeface="微软雅黑" pitchFamily="34" charset="-122"/>
+                <a:ea typeface="微软雅黑" pitchFamily="34" charset="-122"/>
+              </a:rPr>
+              <a:t>的触发机会</a:t>
+            </a:r>
+            <a:r>
+              <a:rPr lang="zh-CN" altLang="en-US" sz="1200" dirty="0" smtClean="0">
+                <a:latin typeface="微软雅黑" pitchFamily="34" charset="-122"/>
+                <a:ea typeface="微软雅黑" pitchFamily="34" charset="-122"/>
+              </a:rPr>
+              <a:t>，扩大广告召回</a:t>
+            </a:r>
+            <a:r>
+              <a:rPr lang="zh-CN" altLang="en-US" sz="1200" dirty="0">
+                <a:latin typeface="微软雅黑" pitchFamily="34" charset="-122"/>
+                <a:ea typeface="微软雅黑" pitchFamily="34" charset="-122"/>
+              </a:rPr>
+              <a:t>，</a:t>
+            </a:r>
+            <a:r>
+              <a:rPr lang="zh-CN" altLang="en-US" sz="1200" dirty="0" smtClean="0">
+                <a:latin typeface="微软雅黑" pitchFamily="34" charset="-122"/>
+                <a:ea typeface="微软雅黑" pitchFamily="34" charset="-122"/>
+              </a:rPr>
+              <a:t>增加收入；</a:t>
+            </a:r>
+            <a:endParaRPr lang="en-US" altLang="zh-CN" sz="1200" dirty="0" smtClean="0">
               <a:latin typeface="微软雅黑" pitchFamily="34" charset="-122"/>
               <a:ea typeface="微软雅黑" pitchFamily="34" charset="-122"/>
             </a:endParaRPr>
@@ -17930,177 +17782,96 @@
           <a:p>
             <a:pPr lvl="1"/>
             <a:r>
+              <a:rPr lang="zh-CN" altLang="en-US" sz="1400" dirty="0" smtClean="0">
+                <a:latin typeface="微软雅黑" pitchFamily="34" charset="-122"/>
+                <a:ea typeface="微软雅黑" pitchFamily="34" charset="-122"/>
+              </a:rPr>
+              <a:t>策略效果：不影响</a:t>
+            </a:r>
+            <a:r>
               <a:rPr lang="en-US" altLang="zh-CN" sz="1400" dirty="0" smtClean="0">
                 <a:latin typeface="微软雅黑" pitchFamily="34" charset="-122"/>
                 <a:ea typeface="微软雅黑" pitchFamily="34" charset="-122"/>
               </a:rPr>
-              <a:t>A720</a:t>
+              <a:t>KT</a:t>
             </a:r>
             <a:r>
               <a:rPr lang="zh-CN" altLang="en-US" sz="1400" dirty="0" smtClean="0">
                 <a:latin typeface="微软雅黑" pitchFamily="34" charset="-122"/>
                 <a:ea typeface="微软雅黑" pitchFamily="34" charset="-122"/>
               </a:rPr>
-              <a:t>系列工具的升级，支持对</a:t>
-            </a:r>
-            <a:r>
-              <a:rPr lang="en-US" altLang="zh-CN" sz="1400" dirty="0" smtClean="0">
-                <a:latin typeface="微软雅黑" pitchFamily="34" charset="-122"/>
-                <a:ea typeface="微软雅黑" pitchFamily="34" charset="-122"/>
-              </a:rPr>
-              <a:t>cookie-</a:t>
-            </a:r>
-            <a:r>
-              <a:rPr lang="en-US" altLang="zh-CN" sz="1400" dirty="0" err="1" smtClean="0">
-                <a:latin typeface="微软雅黑" pitchFamily="34" charset="-122"/>
-                <a:ea typeface="微软雅黑" pitchFamily="34" charset="-122"/>
-              </a:rPr>
-              <a:t>epa</a:t>
-            </a:r>
-            <a:r>
-              <a:rPr lang="zh-CN" altLang="en-US" sz="1400" dirty="0" smtClean="0">
-                <a:latin typeface="微软雅黑" pitchFamily="34" charset="-122"/>
-                <a:ea typeface="微软雅黑" pitchFamily="34" charset="-122"/>
-              </a:rPr>
-              <a:t>的分析，可以统计规则上线后实际覆盖的</a:t>
-            </a:r>
-            <a:r>
-              <a:rPr lang="en-US" altLang="zh-CN" sz="1400" dirty="0" smtClean="0">
-                <a:latin typeface="微软雅黑" pitchFamily="34" charset="-122"/>
-                <a:ea typeface="微软雅黑" pitchFamily="34" charset="-122"/>
-              </a:rPr>
-              <a:t>cookie</a:t>
-            </a:r>
-            <a:r>
-              <a:rPr lang="zh-CN" altLang="en-US" sz="1400" dirty="0" smtClean="0">
-                <a:latin typeface="微软雅黑" pitchFamily="34" charset="-122"/>
-                <a:ea typeface="微软雅黑" pitchFamily="34" charset="-122"/>
-              </a:rPr>
-              <a:t>情况，用于排查问题</a:t>
-            </a:r>
-            <a:endParaRPr lang="en-US" altLang="zh-CN" sz="1400" dirty="0" smtClean="0">
-              <a:latin typeface="微软雅黑" pitchFamily="34" charset="-122"/>
-              <a:ea typeface="微软雅黑" pitchFamily="34" charset="-122"/>
-            </a:endParaRPr>
-          </a:p>
-          <a:p>
-            <a:pPr lvl="1"/>
-            <a:r>
-              <a:rPr lang="zh-CN" altLang="en-US" sz="1400" dirty="0">
-                <a:latin typeface="微软雅黑" pitchFamily="34" charset="-122"/>
-                <a:ea typeface="微软雅黑" pitchFamily="34" charset="-122"/>
-              </a:rPr>
-              <a:t>移</a:t>
-            </a:r>
-            <a:r>
-              <a:rPr lang="zh-CN" altLang="en-US" sz="1400" dirty="0">
-                <a:latin typeface="微软雅黑" pitchFamily="34" charset="-122"/>
-                <a:ea typeface="微软雅黑" pitchFamily="34" charset="-122"/>
-              </a:rPr>
-              <a:t>动手游节点构建过程中，利用</a:t>
-            </a:r>
-            <a:r>
-              <a:rPr lang="en-US" altLang="zh-CN" sz="1400" dirty="0">
-                <a:latin typeface="微软雅黑" pitchFamily="34" charset="-122"/>
-                <a:ea typeface="微软雅黑" pitchFamily="34" charset="-122"/>
-              </a:rPr>
-              <a:t>A720</a:t>
-            </a:r>
-            <a:r>
-              <a:rPr lang="zh-CN" altLang="en-US" sz="1400" dirty="0">
-                <a:latin typeface="微软雅黑" pitchFamily="34" charset="-122"/>
-                <a:ea typeface="微软雅黑" pitchFamily="34" charset="-122"/>
-              </a:rPr>
-              <a:t>工具发现问题，找到人群不合预期的原因并顺利修复</a:t>
-            </a:r>
-            <a:endParaRPr lang="en-US" altLang="zh-CN" sz="1400" dirty="0">
-              <a:latin typeface="微软雅黑" pitchFamily="34" charset="-122"/>
-              <a:ea typeface="微软雅黑" pitchFamily="34" charset="-122"/>
-            </a:endParaRPr>
-          </a:p>
-          <a:p>
-            <a:pPr lvl="1"/>
-            <a:r>
-              <a:rPr lang="en-US" altLang="zh-CN" sz="1400" dirty="0">
-                <a:latin typeface="微软雅黑" pitchFamily="34" charset="-122"/>
-                <a:ea typeface="微软雅黑" pitchFamily="34" charset="-122"/>
-              </a:rPr>
-              <a:t>PM</a:t>
-            </a:r>
-            <a:r>
-              <a:rPr lang="zh-CN" altLang="en-US" sz="1400" dirty="0">
-                <a:latin typeface="微软雅黑" pitchFamily="34" charset="-122"/>
-                <a:ea typeface="微软雅黑" pitchFamily="34" charset="-122"/>
-              </a:rPr>
-              <a:t>方应用</a:t>
-            </a:r>
-            <a:r>
-              <a:rPr lang="en-US" altLang="zh-CN" sz="1400" dirty="0" smtClean="0">
-                <a:latin typeface="微软雅黑" pitchFamily="34" charset="-122"/>
-                <a:ea typeface="微软雅黑" pitchFamily="34" charset="-122"/>
-              </a:rPr>
-              <a:t>A720</a:t>
-            </a:r>
-            <a:r>
-              <a:rPr lang="zh-CN" altLang="en-US" sz="1400" dirty="0">
-                <a:latin typeface="微软雅黑" pitchFamily="34" charset="-122"/>
-                <a:ea typeface="微软雅黑" pitchFamily="34" charset="-122"/>
-              </a:rPr>
-              <a:t>完</a:t>
-            </a:r>
-            <a:r>
-              <a:rPr lang="zh-CN" altLang="en-US" sz="1400" dirty="0" smtClean="0">
-                <a:latin typeface="微软雅黑" pitchFamily="34" charset="-122"/>
-                <a:ea typeface="微软雅黑" pitchFamily="34" charset="-122"/>
-              </a:rPr>
-              <a:t>善医疗，电商</a:t>
-            </a:r>
-            <a:r>
-              <a:rPr lang="en-US" altLang="zh-CN" sz="1400" dirty="0" smtClean="0">
-                <a:latin typeface="微软雅黑" pitchFamily="34" charset="-122"/>
-                <a:ea typeface="微软雅黑" pitchFamily="34" charset="-122"/>
-              </a:rPr>
-              <a:t>2</a:t>
-            </a:r>
-            <a:r>
-              <a:rPr lang="zh-CN" altLang="en-US" sz="1400" dirty="0" smtClean="0">
-                <a:latin typeface="微软雅黑" pitchFamily="34" charset="-122"/>
-                <a:ea typeface="微软雅黑" pitchFamily="34" charset="-122"/>
-              </a:rPr>
-              <a:t>期节点的分析构建（春节电商计划）</a:t>
-            </a:r>
-            <a:endParaRPr lang="en-US" altLang="zh-CN" sz="1400" dirty="0">
-              <a:latin typeface="微软雅黑" pitchFamily="34" charset="-122"/>
-              <a:ea typeface="微软雅黑" pitchFamily="34" charset="-122"/>
-            </a:endParaRPr>
-          </a:p>
-          <a:p>
-            <a:r>
-              <a:rPr lang="en-US" altLang="zh-CN" sz="1600" dirty="0">
-                <a:latin typeface="微软雅黑" pitchFamily="34" charset="-122"/>
-                <a:ea typeface="微软雅黑" pitchFamily="34" charset="-122"/>
-                <a:hlinkClick r:id="rId2"/>
-              </a:rPr>
-              <a:t>http://sp.baidu.com:8080/survey/public?type=task&amp;name=/</a:t>
-            </a:r>
-            <a:r>
-              <a:rPr lang="en-US" altLang="zh-CN" sz="1600" dirty="0" smtClean="0">
-                <a:latin typeface="微软雅黑" pitchFamily="34" charset="-122"/>
-                <a:ea typeface="微软雅黑" pitchFamily="34" charset="-122"/>
-                <a:hlinkClick r:id="rId2"/>
-              </a:rPr>
-              <a:t>nova/A720/crowd_report</a:t>
-            </a:r>
-            <a:endParaRPr lang="en-US" altLang="zh-CN" sz="1600" dirty="0" smtClean="0">
-              <a:latin typeface="微软雅黑" pitchFamily="34" charset="-122"/>
-              <a:ea typeface="微软雅黑" pitchFamily="34" charset="-122"/>
-            </a:endParaRPr>
-          </a:p>
-          <a:p>
-            <a:endParaRPr lang="en-US" altLang="zh-CN" sz="1800" dirty="0">
-              <a:latin typeface="微软雅黑" pitchFamily="34" charset="-122"/>
-              <a:ea typeface="微软雅黑" pitchFamily="34" charset="-122"/>
-            </a:endParaRPr>
+              <a:t>相关性的基础上，</a:t>
+            </a:r>
+            <a:r>
+              <a:rPr lang="en-US" altLang="zh-CN" sz="1400" b="1" dirty="0" smtClean="0">
+                <a:solidFill>
+                  <a:srgbClr val="FF0000"/>
+                </a:solidFill>
+                <a:latin typeface="微软雅黑" pitchFamily="34" charset="-122"/>
+                <a:ea typeface="微软雅黑" pitchFamily="34" charset="-122"/>
+              </a:rPr>
+              <a:t>KT</a:t>
+            </a:r>
+            <a:r>
+              <a:rPr lang="zh-CN" altLang="en-US" sz="1400" b="1" dirty="0" smtClean="0">
+                <a:solidFill>
+                  <a:srgbClr val="FF0000"/>
+                </a:solidFill>
+                <a:latin typeface="微软雅黑" pitchFamily="34" charset="-122"/>
+                <a:ea typeface="微软雅黑" pitchFamily="34" charset="-122"/>
+              </a:rPr>
+              <a:t>展现</a:t>
+            </a:r>
+            <a:r>
+              <a:rPr lang="en-US" altLang="zh-CN" sz="1400" b="1" dirty="0" smtClean="0">
+                <a:solidFill>
+                  <a:srgbClr val="FF0000"/>
+                </a:solidFill>
+                <a:latin typeface="微软雅黑" pitchFamily="34" charset="-122"/>
+                <a:ea typeface="微软雅黑" pitchFamily="34" charset="-122"/>
+              </a:rPr>
+              <a:t>+1.2%</a:t>
+            </a:r>
+            <a:r>
+              <a:rPr lang="zh-CN" altLang="en-US" sz="1400" b="1" dirty="0" smtClean="0">
+                <a:solidFill>
+                  <a:srgbClr val="FF0000"/>
+                </a:solidFill>
+                <a:latin typeface="微软雅黑" pitchFamily="34" charset="-122"/>
+                <a:ea typeface="微软雅黑" pitchFamily="34" charset="-122"/>
+              </a:rPr>
+              <a:t>，收入</a:t>
+            </a:r>
+            <a:r>
+              <a:rPr lang="en-US" altLang="zh-CN" sz="1400" b="1" dirty="0" smtClean="0">
+                <a:solidFill>
+                  <a:srgbClr val="FF0000"/>
+                </a:solidFill>
+                <a:latin typeface="微软雅黑" pitchFamily="34" charset="-122"/>
+                <a:ea typeface="微软雅黑" pitchFamily="34" charset="-122"/>
+              </a:rPr>
+              <a:t>+1.1%</a:t>
+            </a:r>
+            <a:r>
+              <a:rPr lang="zh-CN" altLang="en-US" sz="1400" b="1" dirty="0" smtClean="0">
+                <a:solidFill>
+                  <a:srgbClr val="FF0000"/>
+                </a:solidFill>
+                <a:latin typeface="微软雅黑" pitchFamily="34" charset="-122"/>
+                <a:ea typeface="微软雅黑" pitchFamily="34" charset="-122"/>
+              </a:rPr>
+              <a:t>，网盟整体收入</a:t>
+            </a:r>
+            <a:r>
+              <a:rPr lang="en-US" altLang="zh-CN" sz="1400" b="1" dirty="0" smtClean="0">
+                <a:solidFill>
+                  <a:srgbClr val="FF0000"/>
+                </a:solidFill>
+                <a:latin typeface="微软雅黑" pitchFamily="34" charset="-122"/>
+                <a:ea typeface="微软雅黑" pitchFamily="34" charset="-122"/>
+              </a:rPr>
+              <a:t>+0.4%</a:t>
+            </a:r>
           </a:p>
         </p:txBody>
       </p:sp>
@@ -18292,6 +18063,26 @@
           <a:p>
             <a:pPr eaLnBrk="1" hangingPunct="1"/>
             <a:r>
+              <a:rPr lang="en-US" altLang="zh-CN" dirty="0">
+                <a:solidFill>
+                  <a:schemeClr val="tx1"/>
+                </a:solidFill>
+                <a:latin typeface="微软雅黑" pitchFamily="34" charset="-122"/>
+                <a:ea typeface="微软雅黑" pitchFamily="34" charset="-122"/>
+              </a:rPr>
+              <a:t>T4</a:t>
+            </a:r>
+            <a:r>
+              <a:rPr lang="zh-CN" altLang="en-US" dirty="0">
+                <a:solidFill>
+                  <a:schemeClr val="tx1"/>
+                </a:solidFill>
+                <a:latin typeface="微软雅黑" pitchFamily="34" charset="-122"/>
+                <a:ea typeface="微软雅黑" pitchFamily="34" charset="-122"/>
+              </a:rPr>
+              <a:t>晋</a:t>
+            </a:r>
+            <a:r>
               <a:rPr lang="zh-CN" altLang="en-US" dirty="0" smtClean="0">
                 <a:solidFill>
                   <a:schemeClr val="tx1"/>
@@ -18299,7 +18090,27 @@
                 <a:latin typeface="微软雅黑" pitchFamily="34" charset="-122"/>
                 <a:ea typeface="微软雅黑" pitchFamily="34" charset="-122"/>
               </a:rPr>
-              <a:t>验证</a:t>
+              <a:t>升</a:t>
+            </a:r>
+            <a:r>
+              <a:rPr lang="zh-CN" altLang="en-US" dirty="0">
+                <a:solidFill>
+                  <a:schemeClr val="tx1"/>
+                </a:solidFill>
+                <a:latin typeface="微软雅黑" pitchFamily="34" charset="-122"/>
+                <a:ea typeface="微软雅黑" pitchFamily="34" charset="-122"/>
+              </a:rPr>
+              <a:t>以</a:t>
+            </a:r>
+            <a:r>
+              <a:rPr lang="zh-CN" altLang="en-US" dirty="0" smtClean="0">
+                <a:solidFill>
+                  <a:schemeClr val="tx1"/>
+                </a:solidFill>
+                <a:latin typeface="微软雅黑" pitchFamily="34" charset="-122"/>
+                <a:ea typeface="微软雅黑" pitchFamily="34" charset="-122"/>
+              </a:rPr>
+              <a:t>来其他工作</a:t>
             </a:r>
             <a:r>
               <a:rPr lang="en-US" altLang="zh-CN" dirty="0" smtClean="0">
@@ -18309,29 +18120,19 @@
                 <a:latin typeface="微软雅黑" pitchFamily="34" charset="-122"/>
                 <a:ea typeface="微软雅黑" pitchFamily="34" charset="-122"/>
               </a:rPr>
-              <a:t>-</a:t>
-            </a:r>
-            <a:r>
-              <a:rPr lang="zh-CN" altLang="en-US" dirty="0">
+              <a:t>-KTE</a:t>
+            </a:r>
+            <a:r>
+              <a:rPr lang="zh-CN" altLang="en-US" dirty="0" smtClean="0">
                 <a:solidFill>
                   <a:schemeClr val="tx1"/>
                 </a:solidFill>
                 <a:latin typeface="微软雅黑" pitchFamily="34" charset="-122"/>
                 <a:ea typeface="微软雅黑" pitchFamily="34" charset="-122"/>
               </a:rPr>
-              <a:t>行为占比统计及复现</a:t>
-            </a:r>
-            <a:endParaRPr lang="en-US" altLang="zh-CN" dirty="0">
-              <a:solidFill>
-                <a:schemeClr val="tx1"/>
-              </a:solidFill>
-              <a:latin typeface="微软雅黑" pitchFamily="34" charset="-122"/>
-              <a:ea typeface="微软雅黑" pitchFamily="34" charset="-122"/>
-            </a:endParaRPr>
-          </a:p>
-          <a:p>
-            <a:pPr eaLnBrk="1" hangingPunct="1"/>
-            <a:endParaRPr lang="en-US" altLang="zh-CN" dirty="0">
+              <a:t>广告收入拓展</a:t>
+            </a:r>
+            <a:endParaRPr lang="zh-CN" altLang="en-US" dirty="0">
               <a:solidFill>
                 <a:schemeClr val="tx1"/>
               </a:solidFill>
@@ -18341,10 +18142,74 @@
           </a:p>
         </p:txBody>
       </p:sp>
+      <p:pic>
+        <p:nvPicPr>
+          <p:cNvPr id="4" name="Picture 2"/>
+          <p:cNvPicPr>
+            <a:picLocks noChangeAspect="1" noChangeArrowheads="1"/>
+          </p:cNvPicPr>
+          <p:nvPr/>
+        </p:nvPicPr>
+        <p:blipFill>
+          <a:blip r:embed="rId3">
+            <a:extLst>
+              <a:ext uri="{28A0092B-C50C-407E-A947-70E740481C1C}">
+                <a14:useLocalDpi xmlns:a14="http://schemas.microsoft.com/office/drawing/2010/main" val="0"/>
+              </a:ext>
+            </a:extLst>
+          </a:blip>
+          <a:srcRect/>
+          <a:stretch>
+            <a:fillRect/>
+          </a:stretch>
+        </p:blipFill>
+        <p:spPr bwMode="auto">
+          <a:xfrm>
+            <a:off x="563767" y="3001516"/>
+            <a:ext cx="7800975" cy="2085975"/>
+          </a:xfrm>
+          <a:prstGeom prst="rect">
+            <a:avLst/>
+          </a:prstGeom>
+          <a:noFill/>
+          <a:ln>
+            <a:noFill/>
+          </a:ln>
+          <a:effectLst/>
+          <a:extLst>
+            <a:ext uri="{909E8E84-426E-40DD-AFC4-6F175D3DCCD1}">
+              <a14:hiddenFill xmlns:a14="http://schemas.microsoft.com/office/drawing/2010/main">
+                <a:solidFill>
+                  <a:schemeClr val="accent1"/>
+                </a:solidFill>
+              </a14:hiddenFill>
+            </a:ext>
+            <a:ext uri="{91240B29-F687-4F45-9708-019B960494DF}">
+              <a14:hiddenLine xmlns:a14="http://schemas.microsoft.com/office/drawing/2010/main" w="9525">
+                <a:solidFill>
+                  <a:schemeClr val="tx1"/>
+                </a:solidFill>
+                <a:miter lim="800000"/>
+                <a:headEnd/>
+                <a:tailEnd/>
+              </a14:hiddenLine>
+            </a:ext>
+            <a:ext uri="{AF507438-7753-43E0-B8FC-AC1667EBCBE1}">
+              <a14:hiddenEffects xmlns:a14="http://schemas.microsoft.com/office/drawing/2010/main">
+                <a:effectLst>
+                  <a:outerShdw dist="35921" dir="2700000" algn="ctr" rotWithShape="0">
+                    <a:schemeClr val="bg2"/>
+                  </a:outerShdw>
+                </a:effectLst>
+              </a14:hiddenEffects>
+            </a:ext>
+          </a:extLst>
+        </p:spPr>
+      </p:pic>
     </p:spTree>
     <p:extLst>
       <p:ext uri="{BB962C8B-B14F-4D97-AF65-F5344CB8AC3E}">
-        <p14:creationId xmlns:p14="http://schemas.microsoft.com/office/powerpoint/2010/main" val="1966497305"/>
+        <p14:creationId xmlns:p14="http://schemas.microsoft.com/office/powerpoint/2010/main" val="4062553904"/>
       </p:ext>
     </p:extLst>
   </p:cSld>
